--- a/Network Parts and Terms.pptx
+++ b/Network Parts and Terms.pptx
@@ -7,6 +7,7 @@
   <p:sldIdLst>
     <p:sldId id="256" r:id="rId2"/>
     <p:sldId id="273" r:id="rId3"/>
+    <p:sldId id="274" r:id="rId4"/>
   </p:sldIdLst>
   <p:sldSz cx="12192000" cy="6858000"/>
   <p:notesSz cx="6858000" cy="9144000"/>
@@ -260,7 +261,7 @@
           <a:p>
             <a:fld id="{06ADBE60-9DBF-4AEC-B933-FFCA020856EA}" type="datetimeFigureOut">
               <a:rPr lang="en-US" smtClean="0"/>
-              <a:t>9/1/2020</a:t>
+              <a:t>9/4/2020</a:t>
             </a:fld>
             <a:endParaRPr lang="en-US"/>
           </a:p>
@@ -458,7 +459,7 @@
           <a:p>
             <a:fld id="{06ADBE60-9DBF-4AEC-B933-FFCA020856EA}" type="datetimeFigureOut">
               <a:rPr lang="en-US" smtClean="0"/>
-              <a:t>9/1/2020</a:t>
+              <a:t>9/4/2020</a:t>
             </a:fld>
             <a:endParaRPr lang="en-US"/>
           </a:p>
@@ -666,7 +667,7 @@
           <a:p>
             <a:fld id="{06ADBE60-9DBF-4AEC-B933-FFCA020856EA}" type="datetimeFigureOut">
               <a:rPr lang="en-US" smtClean="0"/>
-              <a:t>9/1/2020</a:t>
+              <a:t>9/4/2020</a:t>
             </a:fld>
             <a:endParaRPr lang="en-US"/>
           </a:p>
@@ -864,7 +865,7 @@
           <a:p>
             <a:fld id="{06ADBE60-9DBF-4AEC-B933-FFCA020856EA}" type="datetimeFigureOut">
               <a:rPr lang="en-US" smtClean="0"/>
-              <a:t>9/1/2020</a:t>
+              <a:t>9/4/2020</a:t>
             </a:fld>
             <a:endParaRPr lang="en-US"/>
           </a:p>
@@ -1139,7 +1140,7 @@
           <a:p>
             <a:fld id="{06ADBE60-9DBF-4AEC-B933-FFCA020856EA}" type="datetimeFigureOut">
               <a:rPr lang="en-US" smtClean="0"/>
-              <a:t>9/1/2020</a:t>
+              <a:t>9/4/2020</a:t>
             </a:fld>
             <a:endParaRPr lang="en-US"/>
           </a:p>
@@ -1404,7 +1405,7 @@
           <a:p>
             <a:fld id="{06ADBE60-9DBF-4AEC-B933-FFCA020856EA}" type="datetimeFigureOut">
               <a:rPr lang="en-US" smtClean="0"/>
-              <a:t>9/1/2020</a:t>
+              <a:t>9/4/2020</a:t>
             </a:fld>
             <a:endParaRPr lang="en-US"/>
           </a:p>
@@ -1816,7 +1817,7 @@
           <a:p>
             <a:fld id="{06ADBE60-9DBF-4AEC-B933-FFCA020856EA}" type="datetimeFigureOut">
               <a:rPr lang="en-US" smtClean="0"/>
-              <a:t>9/1/2020</a:t>
+              <a:t>9/4/2020</a:t>
             </a:fld>
             <a:endParaRPr lang="en-US"/>
           </a:p>
@@ -1957,7 +1958,7 @@
           <a:p>
             <a:fld id="{06ADBE60-9DBF-4AEC-B933-FFCA020856EA}" type="datetimeFigureOut">
               <a:rPr lang="en-US" smtClean="0"/>
-              <a:t>9/1/2020</a:t>
+              <a:t>9/4/2020</a:t>
             </a:fld>
             <a:endParaRPr lang="en-US"/>
           </a:p>
@@ -2070,7 +2071,7 @@
           <a:p>
             <a:fld id="{06ADBE60-9DBF-4AEC-B933-FFCA020856EA}" type="datetimeFigureOut">
               <a:rPr lang="en-US" smtClean="0"/>
-              <a:t>9/1/2020</a:t>
+              <a:t>9/4/2020</a:t>
             </a:fld>
             <a:endParaRPr lang="en-US"/>
           </a:p>
@@ -2381,7 +2382,7 @@
           <a:p>
             <a:fld id="{06ADBE60-9DBF-4AEC-B933-FFCA020856EA}" type="datetimeFigureOut">
               <a:rPr lang="en-US" smtClean="0"/>
-              <a:t>9/1/2020</a:t>
+              <a:t>9/4/2020</a:t>
             </a:fld>
             <a:endParaRPr lang="en-US"/>
           </a:p>
@@ -2669,7 +2670,7 @@
           <a:p>
             <a:fld id="{06ADBE60-9DBF-4AEC-B933-FFCA020856EA}" type="datetimeFigureOut">
               <a:rPr lang="en-US" smtClean="0"/>
-              <a:t>9/1/2020</a:t>
+              <a:t>9/4/2020</a:t>
             </a:fld>
             <a:endParaRPr lang="en-US"/>
           </a:p>
@@ -2910,7 +2911,7 @@
           <a:p>
             <a:fld id="{06ADBE60-9DBF-4AEC-B933-FFCA020856EA}" type="datetimeFigureOut">
               <a:rPr lang="en-US" smtClean="0"/>
-              <a:t>9/1/2020</a:t>
+              <a:t>9/4/2020</a:t>
             </a:fld>
             <a:endParaRPr lang="en-US"/>
           </a:p>
@@ -4553,6 +4554,36 @@
           </p:txBody>
         </p:sp>
       </p:grpSp>
+      <p:pic>
+        <p:nvPicPr>
+          <p:cNvPr id="4" name="Picture 3">
+            <a:extLst>
+              <a:ext uri="{FF2B5EF4-FFF2-40B4-BE49-F238E27FC236}">
+                <a16:creationId xmlns:a16="http://schemas.microsoft.com/office/drawing/2014/main" id="{47D7EDF9-CA5A-4051-9D0B-525F27058055}"/>
+              </a:ext>
+            </a:extLst>
+          </p:cNvPr>
+          <p:cNvPicPr>
+            <a:picLocks noChangeAspect="1"/>
+          </p:cNvPicPr>
+          <p:nvPr/>
+        </p:nvPicPr>
+        <p:blipFill>
+          <a:blip r:embed="rId3"/>
+          <a:stretch>
+            <a:fillRect/>
+          </a:stretch>
+        </p:blipFill>
+        <p:spPr>
+          <a:xfrm>
+            <a:off x="10977329" y="6240512"/>
+            <a:ext cx="1019175" cy="466725"/>
+          </a:xfrm>
+          <a:prstGeom prst="rect">
+            <a:avLst/>
+          </a:prstGeom>
+        </p:spPr>
+      </p:pic>
     </p:spTree>
     <p:extLst>
       <p:ext uri="{BB962C8B-B14F-4D97-AF65-F5344CB8AC3E}">
@@ -6594,10 +6625,1551 @@
           </a:p>
         </p:txBody>
       </p:sp>
+      <p:pic>
+        <p:nvPicPr>
+          <p:cNvPr id="3" name="Picture 2">
+            <a:extLst>
+              <a:ext uri="{FF2B5EF4-FFF2-40B4-BE49-F238E27FC236}">
+                <a16:creationId xmlns:a16="http://schemas.microsoft.com/office/drawing/2014/main" id="{BDC23FED-945A-4ADD-A2D6-3B66159EB3BB}"/>
+              </a:ext>
+            </a:extLst>
+          </p:cNvPr>
+          <p:cNvPicPr>
+            <a:picLocks noChangeAspect="1"/>
+          </p:cNvPicPr>
+          <p:nvPr/>
+        </p:nvPicPr>
+        <p:blipFill>
+          <a:blip r:embed="rId3"/>
+          <a:stretch>
+            <a:fillRect/>
+          </a:stretch>
+        </p:blipFill>
+        <p:spPr>
+          <a:xfrm>
+            <a:off x="10977329" y="6240512"/>
+            <a:ext cx="1019175" cy="466725"/>
+          </a:xfrm>
+          <a:prstGeom prst="rect">
+            <a:avLst/>
+          </a:prstGeom>
+        </p:spPr>
+      </p:pic>
     </p:spTree>
     <p:extLst>
       <p:ext uri="{BB962C8B-B14F-4D97-AF65-F5344CB8AC3E}">
         <p14:creationId xmlns:p14="http://schemas.microsoft.com/office/powerpoint/2010/main" val="881813516"/>
+      </p:ext>
+    </p:extLst>
+  </p:cSld>
+  <p:clrMapOvr>
+    <a:masterClrMapping/>
+  </p:clrMapOvr>
+</p:sld>
+</file>
+
+<file path=ppt/slides/slide3.xml><?xml version="1.0" encoding="utf-8"?>
+<p:sld xmlns:a="http://schemas.openxmlformats.org/drawingml/2006/main" xmlns:r="http://schemas.openxmlformats.org/officeDocument/2006/relationships" xmlns:p="http://schemas.openxmlformats.org/presentationml/2006/main">
+  <p:cSld>
+    <p:spTree>
+      <p:nvGrpSpPr>
+        <p:cNvPr id="1" name=""/>
+        <p:cNvGrpSpPr/>
+        <p:nvPr/>
+      </p:nvGrpSpPr>
+      <p:grpSpPr>
+        <a:xfrm>
+          <a:off x="0" y="0"/>
+          <a:ext cx="0" cy="0"/>
+          <a:chOff x="0" y="0"/>
+          <a:chExt cx="0" cy="0"/>
+        </a:xfrm>
+      </p:grpSpPr>
+      <p:sp>
+        <p:nvSpPr>
+          <p:cNvPr id="2" name="Rectangle 1" hidden="1">
+            <a:extLst>
+              <a:ext uri="{FF2B5EF4-FFF2-40B4-BE49-F238E27FC236}">
+                <a16:creationId xmlns:a16="http://schemas.microsoft.com/office/drawing/2014/main" id="{5CCCBFA1-FDCD-4E57-81CE-6E0F8D7901BF}"/>
+              </a:ext>
+            </a:extLst>
+          </p:cNvPr>
+          <p:cNvSpPr/>
+          <p:nvPr/>
+        </p:nvSpPr>
+        <p:spPr>
+          <a:xfrm>
+            <a:off x="0" y="0"/>
+            <a:ext cx="12192000" cy="6858000"/>
+          </a:xfrm>
+          <a:prstGeom prst="rect">
+            <a:avLst/>
+          </a:prstGeom>
+          <a:solidFill>
+            <a:schemeClr val="bg1"/>
+          </a:solidFill>
+          <a:ln>
+            <a:noFill/>
+          </a:ln>
+        </p:spPr>
+        <p:style>
+          <a:lnRef idx="2">
+            <a:schemeClr val="accent1">
+              <a:shade val="50000"/>
+            </a:schemeClr>
+          </a:lnRef>
+          <a:fillRef idx="1">
+            <a:schemeClr val="accent1"/>
+          </a:fillRef>
+          <a:effectRef idx="0">
+            <a:schemeClr val="accent1"/>
+          </a:effectRef>
+          <a:fontRef idx="minor">
+            <a:schemeClr val="lt1"/>
+          </a:fontRef>
+        </p:style>
+        <p:txBody>
+          <a:bodyPr rtlCol="0" anchor="ctr"/>
+          <a:lstStyle/>
+          <a:p>
+            <a:pPr algn="ctr"/>
+            <a:endParaRPr lang="en-US" dirty="0"/>
+          </a:p>
+        </p:txBody>
+      </p:sp>
+      <p:sp>
+        <p:nvSpPr>
+          <p:cNvPr id="38" name="TextBox 37">
+            <a:extLst>
+              <a:ext uri="{FF2B5EF4-FFF2-40B4-BE49-F238E27FC236}">
+                <a16:creationId xmlns:a16="http://schemas.microsoft.com/office/drawing/2014/main" id="{91D2CAB9-EF2E-4B5B-B20A-806B6DD60F42}"/>
+              </a:ext>
+            </a:extLst>
+          </p:cNvPr>
+          <p:cNvSpPr txBox="1"/>
+          <p:nvPr/>
+        </p:nvSpPr>
+        <p:spPr>
+          <a:xfrm>
+            <a:off x="3397135" y="250222"/>
+            <a:ext cx="5397730" cy="523220"/>
+          </a:xfrm>
+          <a:prstGeom prst="rect">
+            <a:avLst/>
+          </a:prstGeom>
+          <a:noFill/>
+        </p:spPr>
+        <p:txBody>
+          <a:bodyPr wrap="square" rtlCol="0">
+            <a:spAutoFit/>
+          </a:bodyPr>
+          <a:lstStyle/>
+          <a:p>
+            <a:pPr algn="ctr"/>
+            <a:r>
+              <a:rPr lang="en-US" sz="2800" dirty="0">
+                <a:solidFill>
+                  <a:schemeClr val="accent6">
+                    <a:lumMod val="75000"/>
+                  </a:schemeClr>
+                </a:solidFill>
+              </a:rPr>
+              <a:t>HTTP Protocol</a:t>
+            </a:r>
+          </a:p>
+        </p:txBody>
+      </p:sp>
+      <p:grpSp>
+        <p:nvGrpSpPr>
+          <p:cNvPr id="49" name="Group 48">
+            <a:extLst>
+              <a:ext uri="{FF2B5EF4-FFF2-40B4-BE49-F238E27FC236}">
+                <a16:creationId xmlns:a16="http://schemas.microsoft.com/office/drawing/2014/main" id="{B8CE06AF-2806-4107-95D9-AAC286CC343B}"/>
+              </a:ext>
+            </a:extLst>
+          </p:cNvPr>
+          <p:cNvGrpSpPr/>
+          <p:nvPr/>
+        </p:nvGrpSpPr>
+        <p:grpSpPr>
+          <a:xfrm>
+            <a:off x="3766877" y="629685"/>
+            <a:ext cx="4498072" cy="297874"/>
+            <a:chOff x="3971469" y="624781"/>
+            <a:chExt cx="4498072" cy="297874"/>
+          </a:xfrm>
+        </p:grpSpPr>
+        <p:cxnSp>
+          <p:nvCxnSpPr>
+            <p:cNvPr id="40" name="Straight Connector 39">
+              <a:extLst>
+                <a:ext uri="{FF2B5EF4-FFF2-40B4-BE49-F238E27FC236}">
+                  <a16:creationId xmlns:a16="http://schemas.microsoft.com/office/drawing/2014/main" id="{D6E0AC31-61D0-4CE2-AA3B-3C6978E8704A}"/>
+                </a:ext>
+              </a:extLst>
+            </p:cNvPr>
+            <p:cNvCxnSpPr/>
+            <p:nvPr/>
+          </p:nvCxnSpPr>
+          <p:spPr>
+            <a:xfrm>
+              <a:off x="5170031" y="773442"/>
+              <a:ext cx="2057400" cy="0"/>
+            </a:xfrm>
+            <a:prstGeom prst="line">
+              <a:avLst/>
+            </a:prstGeom>
+            <a:ln cap="rnd"/>
+          </p:spPr>
+          <p:style>
+            <a:lnRef idx="3">
+              <a:schemeClr val="accent6"/>
+            </a:lnRef>
+            <a:fillRef idx="0">
+              <a:schemeClr val="accent6"/>
+            </a:fillRef>
+            <a:effectRef idx="2">
+              <a:schemeClr val="accent6"/>
+            </a:effectRef>
+            <a:fontRef idx="minor">
+              <a:schemeClr val="tx1"/>
+            </a:fontRef>
+          </p:style>
+        </p:cxnSp>
+        <p:cxnSp>
+          <p:nvCxnSpPr>
+            <p:cNvPr id="41" name="Straight Connector 40">
+              <a:extLst>
+                <a:ext uri="{FF2B5EF4-FFF2-40B4-BE49-F238E27FC236}">
+                  <a16:creationId xmlns:a16="http://schemas.microsoft.com/office/drawing/2014/main" id="{B388F3BF-FB37-4435-8519-443F06647178}"/>
+                </a:ext>
+              </a:extLst>
+            </p:cNvPr>
+            <p:cNvCxnSpPr>
+              <a:cxnSpLocks/>
+            </p:cNvCxnSpPr>
+            <p:nvPr/>
+          </p:nvCxnSpPr>
+          <p:spPr>
+            <a:xfrm>
+              <a:off x="7349270" y="697242"/>
+              <a:ext cx="1027511" cy="0"/>
+            </a:xfrm>
+            <a:prstGeom prst="line">
+              <a:avLst/>
+            </a:prstGeom>
+            <a:ln cap="rnd"/>
+          </p:spPr>
+          <p:style>
+            <a:lnRef idx="3">
+              <a:schemeClr val="accent6"/>
+            </a:lnRef>
+            <a:fillRef idx="0">
+              <a:schemeClr val="accent6"/>
+            </a:fillRef>
+            <a:effectRef idx="2">
+              <a:schemeClr val="accent6"/>
+            </a:effectRef>
+            <a:fontRef idx="minor">
+              <a:schemeClr val="tx1"/>
+            </a:fontRef>
+          </p:style>
+        </p:cxnSp>
+        <p:cxnSp>
+          <p:nvCxnSpPr>
+            <p:cNvPr id="43" name="Straight Connector 42">
+              <a:extLst>
+                <a:ext uri="{FF2B5EF4-FFF2-40B4-BE49-F238E27FC236}">
+                  <a16:creationId xmlns:a16="http://schemas.microsoft.com/office/drawing/2014/main" id="{EC5F7052-9710-4CD3-8A81-EEE0E9A7244C}"/>
+                </a:ext>
+              </a:extLst>
+            </p:cNvPr>
+            <p:cNvCxnSpPr>
+              <a:cxnSpLocks/>
+            </p:cNvCxnSpPr>
+            <p:nvPr/>
+          </p:nvCxnSpPr>
+          <p:spPr>
+            <a:xfrm flipV="1">
+              <a:off x="7227431" y="697242"/>
+              <a:ext cx="121839" cy="76200"/>
+            </a:xfrm>
+            <a:prstGeom prst="line">
+              <a:avLst/>
+            </a:prstGeom>
+            <a:ln cap="rnd"/>
+          </p:spPr>
+          <p:style>
+            <a:lnRef idx="3">
+              <a:schemeClr val="accent6"/>
+            </a:lnRef>
+            <a:fillRef idx="0">
+              <a:schemeClr val="accent6"/>
+            </a:fillRef>
+            <a:effectRef idx="2">
+              <a:schemeClr val="accent6"/>
+            </a:effectRef>
+            <a:fontRef idx="minor">
+              <a:schemeClr val="tx1"/>
+            </a:fontRef>
+          </p:style>
+        </p:cxnSp>
+        <p:cxnSp>
+          <p:nvCxnSpPr>
+            <p:cNvPr id="46" name="Straight Connector 45">
+              <a:extLst>
+                <a:ext uri="{FF2B5EF4-FFF2-40B4-BE49-F238E27FC236}">
+                  <a16:creationId xmlns:a16="http://schemas.microsoft.com/office/drawing/2014/main" id="{C86B609C-3E9D-4EA1-9D7B-7AD108C8C57B}"/>
+                </a:ext>
+              </a:extLst>
+            </p:cNvPr>
+            <p:cNvCxnSpPr>
+              <a:cxnSpLocks/>
+            </p:cNvCxnSpPr>
+            <p:nvPr/>
+          </p:nvCxnSpPr>
+          <p:spPr>
+            <a:xfrm flipV="1">
+              <a:off x="5048192" y="773442"/>
+              <a:ext cx="121839" cy="76200"/>
+            </a:xfrm>
+            <a:prstGeom prst="line">
+              <a:avLst/>
+            </a:prstGeom>
+            <a:ln cap="rnd"/>
+          </p:spPr>
+          <p:style>
+            <a:lnRef idx="3">
+              <a:schemeClr val="accent6"/>
+            </a:lnRef>
+            <a:fillRef idx="0">
+              <a:schemeClr val="accent6"/>
+            </a:fillRef>
+            <a:effectRef idx="2">
+              <a:schemeClr val="accent6"/>
+            </a:effectRef>
+            <a:fontRef idx="minor">
+              <a:schemeClr val="tx1"/>
+            </a:fontRef>
+          </p:style>
+        </p:cxnSp>
+        <p:cxnSp>
+          <p:nvCxnSpPr>
+            <p:cNvPr id="47" name="Straight Connector 46">
+              <a:extLst>
+                <a:ext uri="{FF2B5EF4-FFF2-40B4-BE49-F238E27FC236}">
+                  <a16:creationId xmlns:a16="http://schemas.microsoft.com/office/drawing/2014/main" id="{0D690C07-0109-4CEC-B0CC-434EED608911}"/>
+                </a:ext>
+              </a:extLst>
+            </p:cNvPr>
+            <p:cNvCxnSpPr>
+              <a:cxnSpLocks/>
+            </p:cNvCxnSpPr>
+            <p:nvPr/>
+          </p:nvCxnSpPr>
+          <p:spPr>
+            <a:xfrm flipV="1">
+              <a:off x="4021655" y="849642"/>
+              <a:ext cx="1026537" cy="11668"/>
+            </a:xfrm>
+            <a:prstGeom prst="line">
+              <a:avLst/>
+            </a:prstGeom>
+            <a:ln cap="rnd"/>
+          </p:spPr>
+          <p:style>
+            <a:lnRef idx="3">
+              <a:schemeClr val="accent6"/>
+            </a:lnRef>
+            <a:fillRef idx="0">
+              <a:schemeClr val="accent6"/>
+            </a:fillRef>
+            <a:effectRef idx="2">
+              <a:schemeClr val="accent6"/>
+            </a:effectRef>
+            <a:fontRef idx="minor">
+              <a:schemeClr val="tx1"/>
+            </a:fontRef>
+          </p:style>
+        </p:cxnSp>
+        <p:sp>
+          <p:nvSpPr>
+            <p:cNvPr id="50" name="Oval 49">
+              <a:extLst>
+                <a:ext uri="{FF2B5EF4-FFF2-40B4-BE49-F238E27FC236}">
+                  <a16:creationId xmlns:a16="http://schemas.microsoft.com/office/drawing/2014/main" id="{EEA3A56A-D77B-4804-9467-3C2325189A39}"/>
+                </a:ext>
+              </a:extLst>
+            </p:cNvPr>
+            <p:cNvSpPr/>
+            <p:nvPr/>
+          </p:nvSpPr>
+          <p:spPr>
+            <a:xfrm>
+              <a:off x="3971469" y="789305"/>
+              <a:ext cx="133350" cy="133350"/>
+            </a:xfrm>
+            <a:prstGeom prst="ellipse">
+              <a:avLst/>
+            </a:prstGeom>
+          </p:spPr>
+          <p:style>
+            <a:lnRef idx="2">
+              <a:schemeClr val="accent6"/>
+            </a:lnRef>
+            <a:fillRef idx="1">
+              <a:schemeClr val="lt1"/>
+            </a:fillRef>
+            <a:effectRef idx="0">
+              <a:schemeClr val="accent6"/>
+            </a:effectRef>
+            <a:fontRef idx="minor">
+              <a:schemeClr val="dk1"/>
+            </a:fontRef>
+          </p:style>
+          <p:txBody>
+            <a:bodyPr rtlCol="0" anchor="ctr"/>
+            <a:lstStyle/>
+            <a:p>
+              <a:pPr algn="ctr"/>
+              <a:endParaRPr lang="en-US" i="1" dirty="0"/>
+            </a:p>
+          </p:txBody>
+        </p:sp>
+        <p:sp>
+          <p:nvSpPr>
+            <p:cNvPr id="51" name="Oval 50">
+              <a:extLst>
+                <a:ext uri="{FF2B5EF4-FFF2-40B4-BE49-F238E27FC236}">
+                  <a16:creationId xmlns:a16="http://schemas.microsoft.com/office/drawing/2014/main" id="{488A40C9-3C11-477D-B0FB-19648893F367}"/>
+                </a:ext>
+              </a:extLst>
+            </p:cNvPr>
+            <p:cNvSpPr/>
+            <p:nvPr/>
+          </p:nvSpPr>
+          <p:spPr>
+            <a:xfrm>
+              <a:off x="8336191" y="624781"/>
+              <a:ext cx="133350" cy="133350"/>
+            </a:xfrm>
+            <a:prstGeom prst="ellipse">
+              <a:avLst/>
+            </a:prstGeom>
+          </p:spPr>
+          <p:style>
+            <a:lnRef idx="2">
+              <a:schemeClr val="accent6"/>
+            </a:lnRef>
+            <a:fillRef idx="1">
+              <a:schemeClr val="lt1"/>
+            </a:fillRef>
+            <a:effectRef idx="0">
+              <a:schemeClr val="accent6"/>
+            </a:effectRef>
+            <a:fontRef idx="minor">
+              <a:schemeClr val="dk1"/>
+            </a:fontRef>
+          </p:style>
+          <p:txBody>
+            <a:bodyPr rtlCol="0" anchor="ctr"/>
+            <a:lstStyle/>
+            <a:p>
+              <a:pPr algn="ctr"/>
+              <a:endParaRPr lang="en-US" i="1" dirty="0"/>
+            </a:p>
+          </p:txBody>
+        </p:sp>
+      </p:grpSp>
+      <p:graphicFrame>
+        <p:nvGraphicFramePr>
+          <p:cNvPr id="3" name="Table 3">
+            <a:extLst>
+              <a:ext uri="{FF2B5EF4-FFF2-40B4-BE49-F238E27FC236}">
+                <a16:creationId xmlns:a16="http://schemas.microsoft.com/office/drawing/2014/main" id="{25262E2C-1ED4-4592-819F-F68D340EF512}"/>
+              </a:ext>
+            </a:extLst>
+          </p:cNvPr>
+          <p:cNvGraphicFramePr>
+            <a:graphicFrameLocks noGrp="1"/>
+          </p:cNvGraphicFramePr>
+          <p:nvPr>
+            <p:extLst>
+              <p:ext uri="{D42A27DB-BD31-4B8C-83A1-F6EECF244321}">
+                <p14:modId xmlns:p14="http://schemas.microsoft.com/office/powerpoint/2010/main" val="2497604492"/>
+              </p:ext>
+            </p:extLst>
+          </p:nvPr>
+        </p:nvGraphicFramePr>
+        <p:xfrm>
+          <a:off x="674255" y="1552537"/>
+          <a:ext cx="2584335" cy="2225040"/>
+        </p:xfrm>
+        <a:graphic>
+          <a:graphicData uri="http://schemas.openxmlformats.org/drawingml/2006/table">
+            <a:tbl>
+              <a:tblPr firstRow="1" bandRow="1">
+                <a:tableStyleId>{2D5ABB26-0587-4C30-8999-92F81FD0307C}</a:tableStyleId>
+              </a:tblPr>
+              <a:tblGrid>
+                <a:gridCol w="2584335">
+                  <a:extLst>
+                    <a:ext uri="{9D8B030D-6E8A-4147-A177-3AD203B41FA5}">
+                      <a16:colId xmlns:a16="http://schemas.microsoft.com/office/drawing/2014/main" val="1197684943"/>
+                    </a:ext>
+                  </a:extLst>
+                </a:gridCol>
+              </a:tblGrid>
+              <a:tr h="370840">
+                <a:tc>
+                  <a:txBody>
+                    <a:bodyPr/>
+                    <a:lstStyle/>
+                    <a:p>
+                      <a:r>
+                        <a:rPr lang="en-US" dirty="0">
+                          <a:solidFill>
+                            <a:schemeClr val="bg1"/>
+                          </a:solidFill>
+                        </a:rPr>
+                        <a:t>Request Line</a:t>
+                      </a:r>
+                    </a:p>
+                  </a:txBody>
+                  <a:tcPr>
+                    <a:solidFill>
+                      <a:schemeClr val="accent6"/>
+                    </a:solidFill>
+                  </a:tcPr>
+                </a:tc>
+                <a:extLst>
+                  <a:ext uri="{0D108BD9-81ED-4DB2-BD59-A6C34878D82A}">
+                    <a16:rowId xmlns:a16="http://schemas.microsoft.com/office/drawing/2014/main" val="3342679256"/>
+                  </a:ext>
+                </a:extLst>
+              </a:tr>
+              <a:tr h="370840">
+                <a:tc>
+                  <a:txBody>
+                    <a:bodyPr/>
+                    <a:lstStyle/>
+                    <a:p>
+                      <a:r>
+                        <a:rPr lang="en-US" dirty="0"/>
+                        <a:t>Header Line</a:t>
+                      </a:r>
+                    </a:p>
+                  </a:txBody>
+                  <a:tcPr>
+                    <a:solidFill>
+                      <a:schemeClr val="accent6">
+                        <a:lumMod val="20000"/>
+                        <a:lumOff val="80000"/>
+                      </a:schemeClr>
+                    </a:solidFill>
+                  </a:tcPr>
+                </a:tc>
+                <a:extLst>
+                  <a:ext uri="{0D108BD9-81ED-4DB2-BD59-A6C34878D82A}">
+                    <a16:rowId xmlns:a16="http://schemas.microsoft.com/office/drawing/2014/main" val="947827387"/>
+                  </a:ext>
+                </a:extLst>
+              </a:tr>
+              <a:tr h="370840">
+                <a:tc>
+                  <a:txBody>
+                    <a:bodyPr/>
+                    <a:lstStyle/>
+                    <a:p>
+                      <a:r>
+                        <a:rPr lang="en-US" dirty="0"/>
+                        <a:t>…</a:t>
+                      </a:r>
+                    </a:p>
+                  </a:txBody>
+                  <a:tcPr>
+                    <a:solidFill>
+                      <a:schemeClr val="accent6">
+                        <a:lumMod val="20000"/>
+                        <a:lumOff val="80000"/>
+                      </a:schemeClr>
+                    </a:solidFill>
+                  </a:tcPr>
+                </a:tc>
+                <a:extLst>
+                  <a:ext uri="{0D108BD9-81ED-4DB2-BD59-A6C34878D82A}">
+                    <a16:rowId xmlns:a16="http://schemas.microsoft.com/office/drawing/2014/main" val="1303964256"/>
+                  </a:ext>
+                </a:extLst>
+              </a:tr>
+              <a:tr h="370840">
+                <a:tc>
+                  <a:txBody>
+                    <a:bodyPr/>
+                    <a:lstStyle/>
+                    <a:p>
+                      <a:r>
+                        <a:rPr lang="en-US" dirty="0"/>
+                        <a:t>Header Line</a:t>
+                      </a:r>
+                    </a:p>
+                  </a:txBody>
+                  <a:tcPr>
+                    <a:solidFill>
+                      <a:schemeClr val="accent6">
+                        <a:lumMod val="20000"/>
+                        <a:lumOff val="80000"/>
+                      </a:schemeClr>
+                    </a:solidFill>
+                  </a:tcPr>
+                </a:tc>
+                <a:extLst>
+                  <a:ext uri="{0D108BD9-81ED-4DB2-BD59-A6C34878D82A}">
+                    <a16:rowId xmlns:a16="http://schemas.microsoft.com/office/drawing/2014/main" val="3167550589"/>
+                  </a:ext>
+                </a:extLst>
+              </a:tr>
+              <a:tr h="370840">
+                <a:tc>
+                  <a:txBody>
+                    <a:bodyPr/>
+                    <a:lstStyle/>
+                    <a:p>
+                      <a:r>
+                        <a:rPr lang="en-US" dirty="0"/>
+                        <a:t>Blank Line</a:t>
+                      </a:r>
+                    </a:p>
+                  </a:txBody>
+                  <a:tcPr/>
+                </a:tc>
+                <a:extLst>
+                  <a:ext uri="{0D108BD9-81ED-4DB2-BD59-A6C34878D82A}">
+                    <a16:rowId xmlns:a16="http://schemas.microsoft.com/office/drawing/2014/main" val="2773911203"/>
+                  </a:ext>
+                </a:extLst>
+              </a:tr>
+              <a:tr h="370840">
+                <a:tc>
+                  <a:txBody>
+                    <a:bodyPr/>
+                    <a:lstStyle/>
+                    <a:p>
+                      <a:r>
+                        <a:rPr lang="en-US" dirty="0"/>
+                        <a:t>[Optional] Body</a:t>
+                      </a:r>
+                    </a:p>
+                  </a:txBody>
+                  <a:tcPr>
+                    <a:solidFill>
+                      <a:schemeClr val="accent6">
+                        <a:lumMod val="40000"/>
+                        <a:lumOff val="60000"/>
+                      </a:schemeClr>
+                    </a:solidFill>
+                  </a:tcPr>
+                </a:tc>
+                <a:extLst>
+                  <a:ext uri="{0D108BD9-81ED-4DB2-BD59-A6C34878D82A}">
+                    <a16:rowId xmlns:a16="http://schemas.microsoft.com/office/drawing/2014/main" val="2946285929"/>
+                  </a:ext>
+                </a:extLst>
+              </a:tr>
+            </a:tbl>
+          </a:graphicData>
+        </a:graphic>
+      </p:graphicFrame>
+      <p:graphicFrame>
+        <p:nvGraphicFramePr>
+          <p:cNvPr id="4" name="Table 3">
+            <a:extLst>
+              <a:ext uri="{FF2B5EF4-FFF2-40B4-BE49-F238E27FC236}">
+                <a16:creationId xmlns:a16="http://schemas.microsoft.com/office/drawing/2014/main" id="{D4EC0F55-3B82-4A06-BE70-9ED50A163750}"/>
+              </a:ext>
+            </a:extLst>
+          </p:cNvPr>
+          <p:cNvGraphicFramePr>
+            <a:graphicFrameLocks noGrp="1"/>
+          </p:cNvGraphicFramePr>
+          <p:nvPr>
+            <p:extLst>
+              <p:ext uri="{D42A27DB-BD31-4B8C-83A1-F6EECF244321}">
+                <p14:modId xmlns:p14="http://schemas.microsoft.com/office/powerpoint/2010/main" val="3085021248"/>
+              </p:ext>
+            </p:extLst>
+          </p:nvPr>
+        </p:nvGraphicFramePr>
+        <p:xfrm>
+          <a:off x="674255" y="4505705"/>
+          <a:ext cx="2584335" cy="2225040"/>
+        </p:xfrm>
+        <a:graphic>
+          <a:graphicData uri="http://schemas.openxmlformats.org/drawingml/2006/table">
+            <a:tbl>
+              <a:tblPr firstRow="1" bandRow="1">
+                <a:tableStyleId>{2D5ABB26-0587-4C30-8999-92F81FD0307C}</a:tableStyleId>
+              </a:tblPr>
+              <a:tblGrid>
+                <a:gridCol w="2584335">
+                  <a:extLst>
+                    <a:ext uri="{9D8B030D-6E8A-4147-A177-3AD203B41FA5}">
+                      <a16:colId xmlns:a16="http://schemas.microsoft.com/office/drawing/2014/main" val="1197684943"/>
+                    </a:ext>
+                  </a:extLst>
+                </a:gridCol>
+              </a:tblGrid>
+              <a:tr h="370840">
+                <a:tc>
+                  <a:txBody>
+                    <a:bodyPr/>
+                    <a:lstStyle/>
+                    <a:p>
+                      <a:r>
+                        <a:rPr lang="en-US" dirty="0">
+                          <a:solidFill>
+                            <a:schemeClr val="bg1"/>
+                          </a:solidFill>
+                        </a:rPr>
+                        <a:t>Response Line</a:t>
+                      </a:r>
+                    </a:p>
+                  </a:txBody>
+                  <a:tcPr>
+                    <a:solidFill>
+                      <a:schemeClr val="accent6">
+                        <a:lumMod val="75000"/>
+                      </a:schemeClr>
+                    </a:solidFill>
+                  </a:tcPr>
+                </a:tc>
+                <a:extLst>
+                  <a:ext uri="{0D108BD9-81ED-4DB2-BD59-A6C34878D82A}">
+                    <a16:rowId xmlns:a16="http://schemas.microsoft.com/office/drawing/2014/main" val="3342679256"/>
+                  </a:ext>
+                </a:extLst>
+              </a:tr>
+              <a:tr h="370840">
+                <a:tc>
+                  <a:txBody>
+                    <a:bodyPr/>
+                    <a:lstStyle/>
+                    <a:p>
+                      <a:r>
+                        <a:rPr lang="en-US" dirty="0"/>
+                        <a:t>Header Line</a:t>
+                      </a:r>
+                    </a:p>
+                  </a:txBody>
+                  <a:tcPr>
+                    <a:solidFill>
+                      <a:schemeClr val="accent6">
+                        <a:lumMod val="20000"/>
+                        <a:lumOff val="80000"/>
+                      </a:schemeClr>
+                    </a:solidFill>
+                  </a:tcPr>
+                </a:tc>
+                <a:extLst>
+                  <a:ext uri="{0D108BD9-81ED-4DB2-BD59-A6C34878D82A}">
+                    <a16:rowId xmlns:a16="http://schemas.microsoft.com/office/drawing/2014/main" val="947827387"/>
+                  </a:ext>
+                </a:extLst>
+              </a:tr>
+              <a:tr h="370840">
+                <a:tc>
+                  <a:txBody>
+                    <a:bodyPr/>
+                    <a:lstStyle/>
+                    <a:p>
+                      <a:r>
+                        <a:rPr lang="en-US" dirty="0"/>
+                        <a:t>…</a:t>
+                      </a:r>
+                    </a:p>
+                  </a:txBody>
+                  <a:tcPr>
+                    <a:solidFill>
+                      <a:schemeClr val="accent6">
+                        <a:lumMod val="20000"/>
+                        <a:lumOff val="80000"/>
+                      </a:schemeClr>
+                    </a:solidFill>
+                  </a:tcPr>
+                </a:tc>
+                <a:extLst>
+                  <a:ext uri="{0D108BD9-81ED-4DB2-BD59-A6C34878D82A}">
+                    <a16:rowId xmlns:a16="http://schemas.microsoft.com/office/drawing/2014/main" val="1303964256"/>
+                  </a:ext>
+                </a:extLst>
+              </a:tr>
+              <a:tr h="370840">
+                <a:tc>
+                  <a:txBody>
+                    <a:bodyPr/>
+                    <a:lstStyle/>
+                    <a:p>
+                      <a:r>
+                        <a:rPr lang="en-US" dirty="0"/>
+                        <a:t>Header Line</a:t>
+                      </a:r>
+                    </a:p>
+                  </a:txBody>
+                  <a:tcPr>
+                    <a:solidFill>
+                      <a:schemeClr val="accent6">
+                        <a:lumMod val="20000"/>
+                        <a:lumOff val="80000"/>
+                      </a:schemeClr>
+                    </a:solidFill>
+                  </a:tcPr>
+                </a:tc>
+                <a:extLst>
+                  <a:ext uri="{0D108BD9-81ED-4DB2-BD59-A6C34878D82A}">
+                    <a16:rowId xmlns:a16="http://schemas.microsoft.com/office/drawing/2014/main" val="3167550589"/>
+                  </a:ext>
+                </a:extLst>
+              </a:tr>
+              <a:tr h="370840">
+                <a:tc>
+                  <a:txBody>
+                    <a:bodyPr/>
+                    <a:lstStyle/>
+                    <a:p>
+                      <a:r>
+                        <a:rPr lang="en-US" dirty="0"/>
+                        <a:t>Blank Line</a:t>
+                      </a:r>
+                    </a:p>
+                  </a:txBody>
+                  <a:tcPr/>
+                </a:tc>
+                <a:extLst>
+                  <a:ext uri="{0D108BD9-81ED-4DB2-BD59-A6C34878D82A}">
+                    <a16:rowId xmlns:a16="http://schemas.microsoft.com/office/drawing/2014/main" val="2773911203"/>
+                  </a:ext>
+                </a:extLst>
+              </a:tr>
+              <a:tr h="370840">
+                <a:tc>
+                  <a:txBody>
+                    <a:bodyPr/>
+                    <a:lstStyle/>
+                    <a:p>
+                      <a:r>
+                        <a:rPr lang="en-US" dirty="0"/>
+                        <a:t>[Optional] Body</a:t>
+                      </a:r>
+                    </a:p>
+                  </a:txBody>
+                  <a:tcPr>
+                    <a:solidFill>
+                      <a:schemeClr val="accent6">
+                        <a:lumMod val="40000"/>
+                        <a:lumOff val="60000"/>
+                      </a:schemeClr>
+                    </a:solidFill>
+                  </a:tcPr>
+                </a:tc>
+                <a:extLst>
+                  <a:ext uri="{0D108BD9-81ED-4DB2-BD59-A6C34878D82A}">
+                    <a16:rowId xmlns:a16="http://schemas.microsoft.com/office/drawing/2014/main" val="2946285929"/>
+                  </a:ext>
+                </a:extLst>
+              </a:tr>
+            </a:tbl>
+          </a:graphicData>
+        </a:graphic>
+      </p:graphicFrame>
+      <p:graphicFrame>
+        <p:nvGraphicFramePr>
+          <p:cNvPr id="8" name="Table 8">
+            <a:extLst>
+              <a:ext uri="{FF2B5EF4-FFF2-40B4-BE49-F238E27FC236}">
+                <a16:creationId xmlns:a16="http://schemas.microsoft.com/office/drawing/2014/main" id="{FFA52737-88CD-4DA6-B9AA-728238626546}"/>
+              </a:ext>
+            </a:extLst>
+          </p:cNvPr>
+          <p:cNvGraphicFramePr>
+            <a:graphicFrameLocks noGrp="1"/>
+          </p:cNvGraphicFramePr>
+          <p:nvPr>
+            <p:extLst>
+              <p:ext uri="{D42A27DB-BD31-4B8C-83A1-F6EECF244321}">
+                <p14:modId xmlns:p14="http://schemas.microsoft.com/office/powerpoint/2010/main" val="4198957231"/>
+              </p:ext>
+            </p:extLst>
+          </p:nvPr>
+        </p:nvGraphicFramePr>
+        <p:xfrm>
+          <a:off x="3568931" y="1152905"/>
+          <a:ext cx="4562669" cy="5577840"/>
+        </p:xfrm>
+        <a:graphic>
+          <a:graphicData uri="http://schemas.openxmlformats.org/drawingml/2006/table">
+            <a:tbl>
+              <a:tblPr firstRow="1" bandRow="1">
+                <a:tableStyleId>{5C22544A-7EE6-4342-B048-85BDC9FD1C3A}</a:tableStyleId>
+              </a:tblPr>
+              <a:tblGrid>
+                <a:gridCol w="4562669">
+                  <a:extLst>
+                    <a:ext uri="{9D8B030D-6E8A-4147-A177-3AD203B41FA5}">
+                      <a16:colId xmlns:a16="http://schemas.microsoft.com/office/drawing/2014/main" val="1428292851"/>
+                    </a:ext>
+                  </a:extLst>
+                </a:gridCol>
+              </a:tblGrid>
+              <a:tr h="665480">
+                <a:tc>
+                  <a:txBody>
+                    <a:bodyPr/>
+                    <a:lstStyle/>
+                    <a:p>
+                      <a:pPr algn="ctr"/>
+                      <a:r>
+                        <a:rPr lang="en-US" sz="1800" b="0" u="sng" dirty="0"/>
+                        <a:t>Request Line</a:t>
+                      </a:r>
+                    </a:p>
+                    <a:p>
+                      <a:pPr algn="ctr"/>
+                      <a:r>
+                        <a:rPr lang="en-US" sz="1800" b="0" dirty="0"/>
+                        <a:t>&lt;METHOD&gt; &lt;URL&gt; &lt;VERSION&gt;</a:t>
+                      </a:r>
+                    </a:p>
+                    <a:p>
+                      <a:pPr algn="ctr"/>
+                      <a:r>
+                        <a:rPr lang="en-US" sz="1800" b="0" dirty="0"/>
+                        <a:t>GET /index.html HTTP/1.1</a:t>
+                      </a:r>
+                    </a:p>
+                  </a:txBody>
+                  <a:tcPr>
+                    <a:solidFill>
+                      <a:schemeClr val="accent6"/>
+                    </a:solidFill>
+                  </a:tcPr>
+                </a:tc>
+                <a:extLst>
+                  <a:ext uri="{0D108BD9-81ED-4DB2-BD59-A6C34878D82A}">
+                    <a16:rowId xmlns:a16="http://schemas.microsoft.com/office/drawing/2014/main" val="1654297312"/>
+                  </a:ext>
+                </a:extLst>
+              </a:tr>
+              <a:tr h="2994659">
+                <a:tc>
+                  <a:txBody>
+                    <a:bodyPr/>
+                    <a:lstStyle/>
+                    <a:p>
+                      <a:r>
+                        <a:rPr lang="en-US" sz="1600" u="sng" dirty="0"/>
+                        <a:t>Some Methods (verbs):</a:t>
+                      </a:r>
+                    </a:p>
+                    <a:p>
+                      <a:r>
+                        <a:rPr lang="en-US" sz="1600" dirty="0"/>
+                        <a:t>Traditional “browser” methods:</a:t>
+                      </a:r>
+                    </a:p>
+                    <a:p>
+                      <a:r>
+                        <a:rPr lang="en-US" sz="1600" dirty="0"/>
+                        <a:t>GET </a:t>
+                      </a:r>
+                    </a:p>
+                    <a:p>
+                      <a:r>
+                        <a:rPr lang="en-US" sz="1600" dirty="0"/>
+                        <a:t>POST (Request has a body)</a:t>
+                      </a:r>
+                    </a:p>
+                    <a:p>
+                      <a:r>
+                        <a:rPr lang="en-US" sz="1600" dirty="0"/>
+                        <a:t>HEAD (no body)</a:t>
+                      </a:r>
+                    </a:p>
+                    <a:p>
+                      <a:endParaRPr lang="en-US" sz="1600" dirty="0"/>
+                    </a:p>
+                    <a:p>
+                      <a:r>
+                        <a:rPr lang="en-US" sz="1600" dirty="0"/>
+                        <a:t>API-Related (growing in popularity)</a:t>
+                      </a:r>
+                    </a:p>
+                    <a:p>
+                      <a:r>
+                        <a:rPr lang="en-US" sz="1600" dirty="0"/>
+                        <a:t>PUT</a:t>
+                      </a:r>
+                    </a:p>
+                    <a:p>
+                      <a:r>
+                        <a:rPr lang="en-US" sz="1600" dirty="0"/>
+                        <a:t>DELETE</a:t>
+                      </a:r>
+                    </a:p>
+                    <a:p>
+                      <a:r>
+                        <a:rPr lang="en-US" sz="1600" dirty="0"/>
+                        <a:t>PATCH</a:t>
+                      </a:r>
+                    </a:p>
+                    <a:p>
+                      <a:endParaRPr lang="en-US" sz="1600" dirty="0"/>
+                    </a:p>
+                    <a:p>
+                      <a:r>
+                        <a:rPr lang="en-US" sz="1600" u="sng" dirty="0"/>
+                        <a:t>HTTP Versions</a:t>
+                      </a:r>
+                      <a:r>
+                        <a:rPr lang="en-US" sz="1600" dirty="0"/>
+                        <a:t>:</a:t>
+                      </a:r>
+                    </a:p>
+                    <a:p>
+                      <a:r>
+                        <a:rPr lang="en-US" sz="1600" dirty="0"/>
+                        <a:t>1.0 – Non-Persistent</a:t>
+                      </a:r>
+                    </a:p>
+                    <a:p>
+                      <a:r>
+                        <a:rPr lang="en-US" sz="1600" dirty="0"/>
+                        <a:t>1.1 – Persistent</a:t>
+                      </a:r>
+                    </a:p>
+                    <a:p>
+                      <a:r>
+                        <a:rPr lang="en-US" sz="1600" dirty="0"/>
+                        <a:t>2.0 – Major Update</a:t>
+                      </a:r>
+                    </a:p>
+                  </a:txBody>
+                  <a:tcPr>
+                    <a:solidFill>
+                      <a:schemeClr val="bg1"/>
+                    </a:solidFill>
+                  </a:tcPr>
+                </a:tc>
+                <a:extLst>
+                  <a:ext uri="{0D108BD9-81ED-4DB2-BD59-A6C34878D82A}">
+                    <a16:rowId xmlns:a16="http://schemas.microsoft.com/office/drawing/2014/main" val="401116488"/>
+                  </a:ext>
+                </a:extLst>
+              </a:tr>
+              <a:tr h="879555">
+                <a:tc>
+                  <a:txBody>
+                    <a:bodyPr/>
+                    <a:lstStyle/>
+                    <a:p>
+                      <a:pPr algn="ctr"/>
+                      <a:r>
+                        <a:rPr lang="en-US" sz="1800" u="sng" dirty="0"/>
+                        <a:t>Header Lines</a:t>
+                      </a:r>
+                    </a:p>
+                    <a:p>
+                      <a:pPr algn="ctr"/>
+                      <a:r>
+                        <a:rPr lang="en-US" sz="1800" dirty="0"/>
+                        <a:t>&lt;HEADER NAME&gt;: &lt;VALUE&gt;</a:t>
+                      </a:r>
+                    </a:p>
+                    <a:p>
+                      <a:pPr algn="ctr"/>
+                      <a:r>
+                        <a:rPr lang="en-US" sz="1800" dirty="0"/>
+                        <a:t>Host: www.example.com</a:t>
+                      </a:r>
+                    </a:p>
+                  </a:txBody>
+                  <a:tcPr>
+                    <a:solidFill>
+                      <a:schemeClr val="accent6">
+                        <a:lumMod val="20000"/>
+                        <a:lumOff val="80000"/>
+                      </a:schemeClr>
+                    </a:solidFill>
+                  </a:tcPr>
+                </a:tc>
+                <a:extLst>
+                  <a:ext uri="{0D108BD9-81ED-4DB2-BD59-A6C34878D82A}">
+                    <a16:rowId xmlns:a16="http://schemas.microsoft.com/office/drawing/2014/main" val="3972825644"/>
+                  </a:ext>
+                </a:extLst>
+              </a:tr>
+            </a:tbl>
+          </a:graphicData>
+        </a:graphic>
+      </p:graphicFrame>
+      <p:graphicFrame>
+        <p:nvGraphicFramePr>
+          <p:cNvPr id="9" name="Table 13">
+            <a:extLst>
+              <a:ext uri="{FF2B5EF4-FFF2-40B4-BE49-F238E27FC236}">
+                <a16:creationId xmlns:a16="http://schemas.microsoft.com/office/drawing/2014/main" id="{4F68BA78-4ADD-4D05-94A3-5BA9CD0E2B35}"/>
+              </a:ext>
+            </a:extLst>
+          </p:cNvPr>
+          <p:cNvGraphicFramePr>
+            <a:graphicFrameLocks noGrp="1"/>
+          </p:cNvGraphicFramePr>
+          <p:nvPr>
+            <p:extLst>
+              <p:ext uri="{D42A27DB-BD31-4B8C-83A1-F6EECF244321}">
+                <p14:modId xmlns:p14="http://schemas.microsoft.com/office/powerpoint/2010/main" val="1448210796"/>
+              </p:ext>
+            </p:extLst>
+          </p:nvPr>
+        </p:nvGraphicFramePr>
+        <p:xfrm>
+          <a:off x="8373606" y="1152905"/>
+          <a:ext cx="3436009" cy="4857197"/>
+        </p:xfrm>
+        <a:graphic>
+          <a:graphicData uri="http://schemas.openxmlformats.org/drawingml/2006/table">
+            <a:tbl>
+              <a:tblPr firstRow="1" bandRow="1">
+                <a:tableStyleId>{5C22544A-7EE6-4342-B048-85BDC9FD1C3A}</a:tableStyleId>
+              </a:tblPr>
+              <a:tblGrid>
+                <a:gridCol w="3436009">
+                  <a:extLst>
+                    <a:ext uri="{9D8B030D-6E8A-4147-A177-3AD203B41FA5}">
+                      <a16:colId xmlns:a16="http://schemas.microsoft.com/office/drawing/2014/main" val="344962369"/>
+                    </a:ext>
+                  </a:extLst>
+                </a:gridCol>
+              </a:tblGrid>
+              <a:tr h="925277">
+                <a:tc>
+                  <a:txBody>
+                    <a:bodyPr/>
+                    <a:lstStyle/>
+                    <a:p>
+                      <a:pPr algn="ctr"/>
+                      <a:r>
+                        <a:rPr lang="en-US" b="0" u="sng" dirty="0"/>
+                        <a:t>Response Line</a:t>
+                      </a:r>
+                    </a:p>
+                    <a:p>
+                      <a:pPr algn="ctr"/>
+                      <a:r>
+                        <a:rPr lang="en-US" b="0" dirty="0"/>
+                        <a:t>&lt;VERSION&gt; &lt;STATUS &gt; &lt;PHRASE&gt;</a:t>
+                      </a:r>
+                    </a:p>
+                    <a:p>
+                      <a:pPr algn="ctr"/>
+                      <a:r>
+                        <a:rPr lang="en-US" b="0" dirty="0"/>
+                        <a:t>HTTP/1.1 200 OK</a:t>
+                      </a:r>
+                    </a:p>
+                  </a:txBody>
+                  <a:tcPr>
+                    <a:solidFill>
+                      <a:schemeClr val="accent6">
+                        <a:lumMod val="75000"/>
+                      </a:schemeClr>
+                    </a:solidFill>
+                  </a:tcPr>
+                </a:tc>
+                <a:extLst>
+                  <a:ext uri="{0D108BD9-81ED-4DB2-BD59-A6C34878D82A}">
+                    <a16:rowId xmlns:a16="http://schemas.microsoft.com/office/drawing/2014/main" val="3189156061"/>
+                  </a:ext>
+                </a:extLst>
+              </a:tr>
+              <a:tr h="1817928">
+                <a:tc>
+                  <a:txBody>
+                    <a:bodyPr/>
+                    <a:lstStyle/>
+                    <a:p>
+                      <a:r>
+                        <a:rPr lang="en-US" u="sng" dirty="0"/>
+                        <a:t>Common Status Codes:</a:t>
+                      </a:r>
+                    </a:p>
+                    <a:p>
+                      <a:r>
+                        <a:rPr lang="en-US" dirty="0"/>
+                        <a:t>2xxx: Success</a:t>
+                      </a:r>
+                    </a:p>
+                    <a:p>
+                      <a:r>
+                        <a:rPr lang="en-US" dirty="0"/>
+                        <a:t>200 – OK</a:t>
+                      </a:r>
+                    </a:p>
+                    <a:p>
+                      <a:endParaRPr lang="en-US" dirty="0"/>
+                    </a:p>
+                    <a:p>
+                      <a:r>
+                        <a:rPr lang="en-US" dirty="0"/>
+                        <a:t>3xx: Redirect</a:t>
+                      </a:r>
+                    </a:p>
+                    <a:p>
+                      <a:r>
+                        <a:rPr lang="en-US" dirty="0"/>
+                        <a:t>301 – Moved Permanently</a:t>
+                      </a:r>
+                    </a:p>
+                    <a:p>
+                      <a:endParaRPr lang="en-US" dirty="0"/>
+                    </a:p>
+                    <a:p>
+                      <a:r>
+                        <a:rPr lang="en-US" dirty="0"/>
+                        <a:t>4xx: Client Errors</a:t>
+                      </a:r>
+                    </a:p>
+                    <a:p>
+                      <a:r>
+                        <a:rPr lang="en-US" dirty="0"/>
+                        <a:t>400 – Bad Request (Bad API Call)</a:t>
+                      </a:r>
+                    </a:p>
+                    <a:p>
+                      <a:r>
+                        <a:rPr lang="en-US" dirty="0"/>
+                        <a:t>403 – Unauthorized (Bad API Call)</a:t>
+                      </a:r>
+                    </a:p>
+                    <a:p>
+                      <a:r>
+                        <a:rPr lang="en-US" dirty="0"/>
+                        <a:t>404 – Not Found</a:t>
+                      </a:r>
+                    </a:p>
+                    <a:p>
+                      <a:endParaRPr lang="en-US" dirty="0"/>
+                    </a:p>
+                    <a:p>
+                      <a:r>
+                        <a:rPr lang="en-US" dirty="0"/>
+                        <a:t>5xx: Server Errors</a:t>
+                      </a:r>
+                    </a:p>
+                    <a:p>
+                      <a:r>
+                        <a:rPr lang="en-US" dirty="0"/>
+                        <a:t>500 – Internal Server Error</a:t>
+                      </a:r>
+                    </a:p>
+                  </a:txBody>
+                  <a:tcPr>
+                    <a:solidFill>
+                      <a:schemeClr val="bg1"/>
+                    </a:solidFill>
+                  </a:tcPr>
+                </a:tc>
+                <a:extLst>
+                  <a:ext uri="{0D108BD9-81ED-4DB2-BD59-A6C34878D82A}">
+                    <a16:rowId xmlns:a16="http://schemas.microsoft.com/office/drawing/2014/main" val="55636705"/>
+                  </a:ext>
+                </a:extLst>
+              </a:tr>
+            </a:tbl>
+          </a:graphicData>
+        </a:graphic>
+      </p:graphicFrame>
+      <p:cxnSp>
+        <p:nvCxnSpPr>
+          <p:cNvPr id="56" name="Straight Connector 55">
+            <a:extLst>
+              <a:ext uri="{FF2B5EF4-FFF2-40B4-BE49-F238E27FC236}">
+                <a16:creationId xmlns:a16="http://schemas.microsoft.com/office/drawing/2014/main" id="{F9C26875-AC4A-4148-B81A-A4A8ABC00888}"/>
+              </a:ext>
+            </a:extLst>
+          </p:cNvPr>
+          <p:cNvCxnSpPr>
+            <a:cxnSpLocks/>
+          </p:cNvCxnSpPr>
+          <p:nvPr/>
+        </p:nvCxnSpPr>
+        <p:spPr>
+          <a:xfrm flipV="1">
+            <a:off x="705308" y="1292603"/>
+            <a:ext cx="2396815" cy="13201"/>
+          </a:xfrm>
+          <a:prstGeom prst="line">
+            <a:avLst/>
+          </a:prstGeom>
+          <a:ln cap="rnd"/>
+        </p:spPr>
+        <p:style>
+          <a:lnRef idx="3">
+            <a:schemeClr val="accent6"/>
+          </a:lnRef>
+          <a:fillRef idx="0">
+            <a:schemeClr val="accent6"/>
+          </a:fillRef>
+          <a:effectRef idx="2">
+            <a:schemeClr val="accent6"/>
+          </a:effectRef>
+          <a:fontRef idx="minor">
+            <a:schemeClr val="tx1"/>
+          </a:fontRef>
+        </p:style>
+      </p:cxnSp>
+      <p:sp>
+        <p:nvSpPr>
+          <p:cNvPr id="57" name="Oval 56">
+            <a:extLst>
+              <a:ext uri="{FF2B5EF4-FFF2-40B4-BE49-F238E27FC236}">
+                <a16:creationId xmlns:a16="http://schemas.microsoft.com/office/drawing/2014/main" id="{370F3CE1-9CF7-43B0-83BB-E40DAD752FE1}"/>
+              </a:ext>
+            </a:extLst>
+          </p:cNvPr>
+          <p:cNvSpPr/>
+          <p:nvPr/>
+        </p:nvSpPr>
+        <p:spPr>
+          <a:xfrm>
+            <a:off x="3054497" y="1225928"/>
+            <a:ext cx="133350" cy="133350"/>
+          </a:xfrm>
+          <a:prstGeom prst="ellipse">
+            <a:avLst/>
+          </a:prstGeom>
+        </p:spPr>
+        <p:style>
+          <a:lnRef idx="2">
+            <a:schemeClr val="accent6"/>
+          </a:lnRef>
+          <a:fillRef idx="1">
+            <a:schemeClr val="lt1"/>
+          </a:fillRef>
+          <a:effectRef idx="0">
+            <a:schemeClr val="accent6"/>
+          </a:effectRef>
+          <a:fontRef idx="minor">
+            <a:schemeClr val="dk1"/>
+          </a:fontRef>
+        </p:style>
+        <p:txBody>
+          <a:bodyPr rtlCol="0" anchor="ctr"/>
+          <a:lstStyle/>
+          <a:p>
+            <a:pPr algn="ctr"/>
+            <a:endParaRPr lang="en-US" dirty="0"/>
+          </a:p>
+        </p:txBody>
+      </p:sp>
+      <p:sp>
+        <p:nvSpPr>
+          <p:cNvPr id="58" name="TextBox 57">
+            <a:extLst>
+              <a:ext uri="{FF2B5EF4-FFF2-40B4-BE49-F238E27FC236}">
+                <a16:creationId xmlns:a16="http://schemas.microsoft.com/office/drawing/2014/main" id="{3DEDC128-6118-4E0E-8088-7FED3274461A}"/>
+              </a:ext>
+            </a:extLst>
+          </p:cNvPr>
+          <p:cNvSpPr txBox="1"/>
+          <p:nvPr/>
+        </p:nvSpPr>
+        <p:spPr>
+          <a:xfrm>
+            <a:off x="999233" y="929871"/>
+            <a:ext cx="1487651" cy="369332"/>
+          </a:xfrm>
+          <a:prstGeom prst="rect">
+            <a:avLst/>
+          </a:prstGeom>
+          <a:noFill/>
+        </p:spPr>
+        <p:txBody>
+          <a:bodyPr wrap="none" rtlCol="0">
+            <a:spAutoFit/>
+          </a:bodyPr>
+          <a:lstStyle/>
+          <a:p>
+            <a:r>
+              <a:rPr lang="en-US" dirty="0">
+                <a:solidFill>
+                  <a:schemeClr val="accent6">
+                    <a:lumMod val="75000"/>
+                  </a:schemeClr>
+                </a:solidFill>
+              </a:rPr>
+              <a:t>HTTP Request</a:t>
+            </a:r>
+          </a:p>
+        </p:txBody>
+      </p:sp>
+      <p:cxnSp>
+        <p:nvCxnSpPr>
+          <p:cNvPr id="59" name="Straight Connector 58">
+            <a:extLst>
+              <a:ext uri="{FF2B5EF4-FFF2-40B4-BE49-F238E27FC236}">
+                <a16:creationId xmlns:a16="http://schemas.microsoft.com/office/drawing/2014/main" id="{ED1B2160-03A0-4D49-B1BE-D1C45C63F2CA}"/>
+              </a:ext>
+            </a:extLst>
+          </p:cNvPr>
+          <p:cNvCxnSpPr>
+            <a:cxnSpLocks/>
+          </p:cNvCxnSpPr>
+          <p:nvPr/>
+        </p:nvCxnSpPr>
+        <p:spPr>
+          <a:xfrm flipV="1">
+            <a:off x="705308" y="4290483"/>
+            <a:ext cx="2396815" cy="13201"/>
+          </a:xfrm>
+          <a:prstGeom prst="line">
+            <a:avLst/>
+          </a:prstGeom>
+          <a:ln cap="rnd"/>
+        </p:spPr>
+        <p:style>
+          <a:lnRef idx="3">
+            <a:schemeClr val="accent6"/>
+          </a:lnRef>
+          <a:fillRef idx="0">
+            <a:schemeClr val="accent6"/>
+          </a:fillRef>
+          <a:effectRef idx="2">
+            <a:schemeClr val="accent6"/>
+          </a:effectRef>
+          <a:fontRef idx="minor">
+            <a:schemeClr val="tx1"/>
+          </a:fontRef>
+        </p:style>
+      </p:cxnSp>
+      <p:sp>
+        <p:nvSpPr>
+          <p:cNvPr id="60" name="Oval 59">
+            <a:extLst>
+              <a:ext uri="{FF2B5EF4-FFF2-40B4-BE49-F238E27FC236}">
+                <a16:creationId xmlns:a16="http://schemas.microsoft.com/office/drawing/2014/main" id="{810757F7-921D-4A98-92F4-4F4FDA7E4E70}"/>
+              </a:ext>
+            </a:extLst>
+          </p:cNvPr>
+          <p:cNvSpPr/>
+          <p:nvPr/>
+        </p:nvSpPr>
+        <p:spPr>
+          <a:xfrm>
+            <a:off x="3054497" y="4223808"/>
+            <a:ext cx="133350" cy="133350"/>
+          </a:xfrm>
+          <a:prstGeom prst="ellipse">
+            <a:avLst/>
+          </a:prstGeom>
+        </p:spPr>
+        <p:style>
+          <a:lnRef idx="2">
+            <a:schemeClr val="accent6"/>
+          </a:lnRef>
+          <a:fillRef idx="1">
+            <a:schemeClr val="lt1"/>
+          </a:fillRef>
+          <a:effectRef idx="0">
+            <a:schemeClr val="accent6"/>
+          </a:effectRef>
+          <a:fontRef idx="minor">
+            <a:schemeClr val="dk1"/>
+          </a:fontRef>
+        </p:style>
+        <p:txBody>
+          <a:bodyPr rtlCol="0" anchor="ctr"/>
+          <a:lstStyle/>
+          <a:p>
+            <a:pPr algn="ctr"/>
+            <a:endParaRPr lang="en-US" dirty="0"/>
+          </a:p>
+        </p:txBody>
+      </p:sp>
+      <p:sp>
+        <p:nvSpPr>
+          <p:cNvPr id="61" name="TextBox 60">
+            <a:extLst>
+              <a:ext uri="{FF2B5EF4-FFF2-40B4-BE49-F238E27FC236}">
+                <a16:creationId xmlns:a16="http://schemas.microsoft.com/office/drawing/2014/main" id="{BE802BF9-C1E0-4DB7-BF6B-15F4D273653D}"/>
+              </a:ext>
+            </a:extLst>
+          </p:cNvPr>
+          <p:cNvSpPr txBox="1"/>
+          <p:nvPr/>
+        </p:nvSpPr>
+        <p:spPr>
+          <a:xfrm>
+            <a:off x="999233" y="3927751"/>
+            <a:ext cx="1624868" cy="369332"/>
+          </a:xfrm>
+          <a:prstGeom prst="rect">
+            <a:avLst/>
+          </a:prstGeom>
+          <a:noFill/>
+        </p:spPr>
+        <p:txBody>
+          <a:bodyPr wrap="none" rtlCol="0">
+            <a:spAutoFit/>
+          </a:bodyPr>
+          <a:lstStyle/>
+          <a:p>
+            <a:r>
+              <a:rPr lang="en-US" dirty="0">
+                <a:solidFill>
+                  <a:schemeClr val="accent6">
+                    <a:lumMod val="75000"/>
+                  </a:schemeClr>
+                </a:solidFill>
+              </a:rPr>
+              <a:t>HTTP Response</a:t>
+            </a:r>
+          </a:p>
+        </p:txBody>
+      </p:sp>
+      <p:pic>
+        <p:nvPicPr>
+          <p:cNvPr id="14" name="Picture 13">
+            <a:extLst>
+              <a:ext uri="{FF2B5EF4-FFF2-40B4-BE49-F238E27FC236}">
+                <a16:creationId xmlns:a16="http://schemas.microsoft.com/office/drawing/2014/main" id="{20314AB4-156F-4436-A037-64402465823C}"/>
+              </a:ext>
+            </a:extLst>
+          </p:cNvPr>
+          <p:cNvPicPr>
+            <a:picLocks noChangeAspect="1"/>
+          </p:cNvPicPr>
+          <p:nvPr/>
+        </p:nvPicPr>
+        <p:blipFill>
+          <a:blip r:embed="rId2"/>
+          <a:stretch>
+            <a:fillRect/>
+          </a:stretch>
+        </p:blipFill>
+        <p:spPr>
+          <a:xfrm>
+            <a:off x="10977329" y="6240512"/>
+            <a:ext cx="1019175" cy="466725"/>
+          </a:xfrm>
+          <a:prstGeom prst="rect">
+            <a:avLst/>
+          </a:prstGeom>
+        </p:spPr>
+      </p:pic>
+    </p:spTree>
+    <p:extLst>
+      <p:ext uri="{BB962C8B-B14F-4D97-AF65-F5344CB8AC3E}">
+        <p14:creationId xmlns:p14="http://schemas.microsoft.com/office/powerpoint/2010/main" val="200859694"/>
       </p:ext>
     </p:extLst>
   </p:cSld>

--- a/Network Parts and Terms.pptx
+++ b/Network Parts and Terms.pptx
@@ -8,6 +8,7 @@
     <p:sldId id="256" r:id="rId2"/>
     <p:sldId id="273" r:id="rId3"/>
     <p:sldId id="274" r:id="rId4"/>
+    <p:sldId id="275" r:id="rId5"/>
   </p:sldIdLst>
   <p:sldSz cx="12192000" cy="6858000"/>
   <p:notesSz cx="6858000" cy="9144000"/>
@@ -261,7 +262,7 @@
           <a:p>
             <a:fld id="{06ADBE60-9DBF-4AEC-B933-FFCA020856EA}" type="datetimeFigureOut">
               <a:rPr lang="en-US" smtClean="0"/>
-              <a:t>9/4/2020</a:t>
+              <a:t>9/10/2020</a:t>
             </a:fld>
             <a:endParaRPr lang="en-US"/>
           </a:p>
@@ -459,7 +460,7 @@
           <a:p>
             <a:fld id="{06ADBE60-9DBF-4AEC-B933-FFCA020856EA}" type="datetimeFigureOut">
               <a:rPr lang="en-US" smtClean="0"/>
-              <a:t>9/4/2020</a:t>
+              <a:t>9/10/2020</a:t>
             </a:fld>
             <a:endParaRPr lang="en-US"/>
           </a:p>
@@ -667,7 +668,7 @@
           <a:p>
             <a:fld id="{06ADBE60-9DBF-4AEC-B933-FFCA020856EA}" type="datetimeFigureOut">
               <a:rPr lang="en-US" smtClean="0"/>
-              <a:t>9/4/2020</a:t>
+              <a:t>9/10/2020</a:t>
             </a:fld>
             <a:endParaRPr lang="en-US"/>
           </a:p>
@@ -865,7 +866,7 @@
           <a:p>
             <a:fld id="{06ADBE60-9DBF-4AEC-B933-FFCA020856EA}" type="datetimeFigureOut">
               <a:rPr lang="en-US" smtClean="0"/>
-              <a:t>9/4/2020</a:t>
+              <a:t>9/10/2020</a:t>
             </a:fld>
             <a:endParaRPr lang="en-US"/>
           </a:p>
@@ -1140,7 +1141,7 @@
           <a:p>
             <a:fld id="{06ADBE60-9DBF-4AEC-B933-FFCA020856EA}" type="datetimeFigureOut">
               <a:rPr lang="en-US" smtClean="0"/>
-              <a:t>9/4/2020</a:t>
+              <a:t>9/10/2020</a:t>
             </a:fld>
             <a:endParaRPr lang="en-US"/>
           </a:p>
@@ -1405,7 +1406,7 @@
           <a:p>
             <a:fld id="{06ADBE60-9DBF-4AEC-B933-FFCA020856EA}" type="datetimeFigureOut">
               <a:rPr lang="en-US" smtClean="0"/>
-              <a:t>9/4/2020</a:t>
+              <a:t>9/10/2020</a:t>
             </a:fld>
             <a:endParaRPr lang="en-US"/>
           </a:p>
@@ -1817,7 +1818,7 @@
           <a:p>
             <a:fld id="{06ADBE60-9DBF-4AEC-B933-FFCA020856EA}" type="datetimeFigureOut">
               <a:rPr lang="en-US" smtClean="0"/>
-              <a:t>9/4/2020</a:t>
+              <a:t>9/10/2020</a:t>
             </a:fld>
             <a:endParaRPr lang="en-US"/>
           </a:p>
@@ -1958,7 +1959,7 @@
           <a:p>
             <a:fld id="{06ADBE60-9DBF-4AEC-B933-FFCA020856EA}" type="datetimeFigureOut">
               <a:rPr lang="en-US" smtClean="0"/>
-              <a:t>9/4/2020</a:t>
+              <a:t>9/10/2020</a:t>
             </a:fld>
             <a:endParaRPr lang="en-US"/>
           </a:p>
@@ -2071,7 +2072,7 @@
           <a:p>
             <a:fld id="{06ADBE60-9DBF-4AEC-B933-FFCA020856EA}" type="datetimeFigureOut">
               <a:rPr lang="en-US" smtClean="0"/>
-              <a:t>9/4/2020</a:t>
+              <a:t>9/10/2020</a:t>
             </a:fld>
             <a:endParaRPr lang="en-US"/>
           </a:p>
@@ -2382,7 +2383,7 @@
           <a:p>
             <a:fld id="{06ADBE60-9DBF-4AEC-B933-FFCA020856EA}" type="datetimeFigureOut">
               <a:rPr lang="en-US" smtClean="0"/>
-              <a:t>9/4/2020</a:t>
+              <a:t>9/10/2020</a:t>
             </a:fld>
             <a:endParaRPr lang="en-US"/>
           </a:p>
@@ -2670,7 +2671,7 @@
           <a:p>
             <a:fld id="{06ADBE60-9DBF-4AEC-B933-FFCA020856EA}" type="datetimeFigureOut">
               <a:rPr lang="en-US" smtClean="0"/>
-              <a:t>9/4/2020</a:t>
+              <a:t>9/10/2020</a:t>
             </a:fld>
             <a:endParaRPr lang="en-US"/>
           </a:p>
@@ -2911,7 +2912,7 @@
           <a:p>
             <a:fld id="{06ADBE60-9DBF-4AEC-B933-FFCA020856EA}" type="datetimeFigureOut">
               <a:rPr lang="en-US" smtClean="0"/>
-              <a:t>9/4/2020</a:t>
+              <a:t>9/10/2020</a:t>
             </a:fld>
             <a:endParaRPr lang="en-US"/>
           </a:p>
@@ -3007,6 +3008,36 @@
           </a:p>
         </p:txBody>
       </p:sp>
+      <p:pic>
+        <p:nvPicPr>
+          <p:cNvPr id="8" name="Picture 7">
+            <a:extLst>
+              <a:ext uri="{FF2B5EF4-FFF2-40B4-BE49-F238E27FC236}">
+                <a16:creationId xmlns:a16="http://schemas.microsoft.com/office/drawing/2014/main" id="{F067C4BD-2F9E-4D3F-A05F-432C853B4EEF}"/>
+              </a:ext>
+            </a:extLst>
+          </p:cNvPr>
+          <p:cNvPicPr>
+            <a:picLocks noChangeAspect="1"/>
+          </p:cNvPicPr>
+          <p:nvPr userDrawn="1"/>
+        </p:nvPicPr>
+        <p:blipFill>
+          <a:blip r:embed="rId13"/>
+          <a:stretch>
+            <a:fillRect/>
+          </a:stretch>
+        </p:blipFill>
+        <p:spPr>
+          <a:xfrm>
+            <a:off x="10977329" y="6240512"/>
+            <a:ext cx="1019175" cy="466725"/>
+          </a:xfrm>
+          <a:prstGeom prst="rect">
+            <a:avLst/>
+          </a:prstGeom>
+        </p:spPr>
+      </p:pic>
     </p:spTree>
     <p:extLst>
       <p:ext uri="{BB962C8B-B14F-4D97-AF65-F5344CB8AC3E}">
@@ -4554,36 +4585,6 @@
           </p:txBody>
         </p:sp>
       </p:grpSp>
-      <p:pic>
-        <p:nvPicPr>
-          <p:cNvPr id="4" name="Picture 3">
-            <a:extLst>
-              <a:ext uri="{FF2B5EF4-FFF2-40B4-BE49-F238E27FC236}">
-                <a16:creationId xmlns:a16="http://schemas.microsoft.com/office/drawing/2014/main" id="{47D7EDF9-CA5A-4051-9D0B-525F27058055}"/>
-              </a:ext>
-            </a:extLst>
-          </p:cNvPr>
-          <p:cNvPicPr>
-            <a:picLocks noChangeAspect="1"/>
-          </p:cNvPicPr>
-          <p:nvPr/>
-        </p:nvPicPr>
-        <p:blipFill>
-          <a:blip r:embed="rId3"/>
-          <a:stretch>
-            <a:fillRect/>
-          </a:stretch>
-        </p:blipFill>
-        <p:spPr>
-          <a:xfrm>
-            <a:off x="10977329" y="6240512"/>
-            <a:ext cx="1019175" cy="466725"/>
-          </a:xfrm>
-          <a:prstGeom prst="rect">
-            <a:avLst/>
-          </a:prstGeom>
-        </p:spPr>
-      </p:pic>
     </p:spTree>
     <p:extLst>
       <p:ext uri="{BB962C8B-B14F-4D97-AF65-F5344CB8AC3E}">
@@ -6625,36 +6626,6 @@
           </a:p>
         </p:txBody>
       </p:sp>
-      <p:pic>
-        <p:nvPicPr>
-          <p:cNvPr id="3" name="Picture 2">
-            <a:extLst>
-              <a:ext uri="{FF2B5EF4-FFF2-40B4-BE49-F238E27FC236}">
-                <a16:creationId xmlns:a16="http://schemas.microsoft.com/office/drawing/2014/main" id="{BDC23FED-945A-4ADD-A2D6-3B66159EB3BB}"/>
-              </a:ext>
-            </a:extLst>
-          </p:cNvPr>
-          <p:cNvPicPr>
-            <a:picLocks noChangeAspect="1"/>
-          </p:cNvPicPr>
-          <p:nvPr/>
-        </p:nvPicPr>
-        <p:blipFill>
-          <a:blip r:embed="rId3"/>
-          <a:stretch>
-            <a:fillRect/>
-          </a:stretch>
-        </p:blipFill>
-        <p:spPr>
-          <a:xfrm>
-            <a:off x="10977329" y="6240512"/>
-            <a:ext cx="1019175" cy="466725"/>
-          </a:xfrm>
-          <a:prstGeom prst="rect">
-            <a:avLst/>
-          </a:prstGeom>
-        </p:spPr>
-      </p:pic>
     </p:spTree>
     <p:extLst>
       <p:ext uri="{BB962C8B-B14F-4D97-AF65-F5344CB8AC3E}">
@@ -8136,40 +8107,2046 @@
           </a:p>
         </p:txBody>
       </p:sp>
-      <p:pic>
-        <p:nvPicPr>
-          <p:cNvPr id="14" name="Picture 13">
-            <a:extLst>
-              <a:ext uri="{FF2B5EF4-FFF2-40B4-BE49-F238E27FC236}">
-                <a16:creationId xmlns:a16="http://schemas.microsoft.com/office/drawing/2014/main" id="{20314AB4-156F-4436-A037-64402465823C}"/>
-              </a:ext>
-            </a:extLst>
-          </p:cNvPr>
-          <p:cNvPicPr>
-            <a:picLocks noChangeAspect="1"/>
-          </p:cNvPicPr>
-          <p:nvPr/>
-        </p:nvPicPr>
-        <p:blipFill>
-          <a:blip r:embed="rId2"/>
-          <a:stretch>
-            <a:fillRect/>
-          </a:stretch>
-        </p:blipFill>
-        <p:spPr>
-          <a:xfrm>
-            <a:off x="10977329" y="6240512"/>
-            <a:ext cx="1019175" cy="466725"/>
-          </a:xfrm>
-          <a:prstGeom prst="rect">
-            <a:avLst/>
-          </a:prstGeom>
-        </p:spPr>
-      </p:pic>
     </p:spTree>
     <p:extLst>
       <p:ext uri="{BB962C8B-B14F-4D97-AF65-F5344CB8AC3E}">
         <p14:creationId xmlns:p14="http://schemas.microsoft.com/office/powerpoint/2010/main" val="200859694"/>
+      </p:ext>
+    </p:extLst>
+  </p:cSld>
+  <p:clrMapOvr>
+    <a:masterClrMapping/>
+  </p:clrMapOvr>
+</p:sld>
+</file>
+
+<file path=ppt/slides/slide4.xml><?xml version="1.0" encoding="utf-8"?>
+<p:sld xmlns:a="http://schemas.openxmlformats.org/drawingml/2006/main" xmlns:r="http://schemas.openxmlformats.org/officeDocument/2006/relationships" xmlns:p="http://schemas.openxmlformats.org/presentationml/2006/main">
+  <p:cSld>
+    <p:spTree>
+      <p:nvGrpSpPr>
+        <p:cNvPr id="1" name=""/>
+        <p:cNvGrpSpPr/>
+        <p:nvPr/>
+      </p:nvGrpSpPr>
+      <p:grpSpPr>
+        <a:xfrm>
+          <a:off x="0" y="0"/>
+          <a:ext cx="0" cy="0"/>
+          <a:chOff x="0" y="0"/>
+          <a:chExt cx="0" cy="0"/>
+        </a:xfrm>
+      </p:grpSpPr>
+      <p:sp>
+        <p:nvSpPr>
+          <p:cNvPr id="2" name="Rectangle 1" hidden="1">
+            <a:extLst>
+              <a:ext uri="{FF2B5EF4-FFF2-40B4-BE49-F238E27FC236}">
+                <a16:creationId xmlns:a16="http://schemas.microsoft.com/office/drawing/2014/main" id="{5CCCBFA1-FDCD-4E57-81CE-6E0F8D7901BF}"/>
+              </a:ext>
+            </a:extLst>
+          </p:cNvPr>
+          <p:cNvSpPr/>
+          <p:nvPr/>
+        </p:nvSpPr>
+        <p:spPr>
+          <a:xfrm>
+            <a:off x="0" y="0"/>
+            <a:ext cx="12192000" cy="6858000"/>
+          </a:xfrm>
+          <a:prstGeom prst="rect">
+            <a:avLst/>
+          </a:prstGeom>
+          <a:solidFill>
+            <a:schemeClr val="bg1"/>
+          </a:solidFill>
+          <a:ln>
+            <a:noFill/>
+          </a:ln>
+        </p:spPr>
+        <p:style>
+          <a:lnRef idx="2">
+            <a:schemeClr val="accent1">
+              <a:shade val="50000"/>
+            </a:schemeClr>
+          </a:lnRef>
+          <a:fillRef idx="1">
+            <a:schemeClr val="accent1"/>
+          </a:fillRef>
+          <a:effectRef idx="0">
+            <a:schemeClr val="accent1"/>
+          </a:effectRef>
+          <a:fontRef idx="minor">
+            <a:schemeClr val="lt1"/>
+          </a:fontRef>
+        </p:style>
+        <p:txBody>
+          <a:bodyPr rtlCol="0" anchor="ctr"/>
+          <a:lstStyle/>
+          <a:p>
+            <a:pPr algn="ctr"/>
+            <a:endParaRPr lang="en-US" dirty="0"/>
+          </a:p>
+        </p:txBody>
+      </p:sp>
+      <p:sp>
+        <p:nvSpPr>
+          <p:cNvPr id="38" name="TextBox 37">
+            <a:extLst>
+              <a:ext uri="{FF2B5EF4-FFF2-40B4-BE49-F238E27FC236}">
+                <a16:creationId xmlns:a16="http://schemas.microsoft.com/office/drawing/2014/main" id="{91D2CAB9-EF2E-4B5B-B20A-806B6DD60F42}"/>
+              </a:ext>
+            </a:extLst>
+          </p:cNvPr>
+          <p:cNvSpPr txBox="1"/>
+          <p:nvPr/>
+        </p:nvSpPr>
+        <p:spPr>
+          <a:xfrm>
+            <a:off x="3397135" y="250222"/>
+            <a:ext cx="5397730" cy="523220"/>
+          </a:xfrm>
+          <a:prstGeom prst="rect">
+            <a:avLst/>
+          </a:prstGeom>
+          <a:noFill/>
+        </p:spPr>
+        <p:txBody>
+          <a:bodyPr wrap="square" rtlCol="0">
+            <a:spAutoFit/>
+          </a:bodyPr>
+          <a:lstStyle/>
+          <a:p>
+            <a:pPr algn="ctr"/>
+            <a:r>
+              <a:rPr lang="en-US" sz="2800" dirty="0">
+                <a:solidFill>
+                  <a:schemeClr val="accent6">
+                    <a:lumMod val="75000"/>
+                  </a:schemeClr>
+                </a:solidFill>
+              </a:rPr>
+              <a:t>HTTP Protocol—Browser Example</a:t>
+            </a:r>
+          </a:p>
+        </p:txBody>
+      </p:sp>
+      <p:grpSp>
+        <p:nvGrpSpPr>
+          <p:cNvPr id="49" name="Group 48">
+            <a:extLst>
+              <a:ext uri="{FF2B5EF4-FFF2-40B4-BE49-F238E27FC236}">
+                <a16:creationId xmlns:a16="http://schemas.microsoft.com/office/drawing/2014/main" id="{B8CE06AF-2806-4107-95D9-AAC286CC343B}"/>
+              </a:ext>
+            </a:extLst>
+          </p:cNvPr>
+          <p:cNvGrpSpPr/>
+          <p:nvPr/>
+        </p:nvGrpSpPr>
+        <p:grpSpPr>
+          <a:xfrm>
+            <a:off x="3766877" y="629685"/>
+            <a:ext cx="4498072" cy="297874"/>
+            <a:chOff x="3971469" y="624781"/>
+            <a:chExt cx="4498072" cy="297874"/>
+          </a:xfrm>
+        </p:grpSpPr>
+        <p:cxnSp>
+          <p:nvCxnSpPr>
+            <p:cNvPr id="40" name="Straight Connector 39">
+              <a:extLst>
+                <a:ext uri="{FF2B5EF4-FFF2-40B4-BE49-F238E27FC236}">
+                  <a16:creationId xmlns:a16="http://schemas.microsoft.com/office/drawing/2014/main" id="{D6E0AC31-61D0-4CE2-AA3B-3C6978E8704A}"/>
+                </a:ext>
+              </a:extLst>
+            </p:cNvPr>
+            <p:cNvCxnSpPr/>
+            <p:nvPr/>
+          </p:nvCxnSpPr>
+          <p:spPr>
+            <a:xfrm>
+              <a:off x="5170031" y="773442"/>
+              <a:ext cx="2057400" cy="0"/>
+            </a:xfrm>
+            <a:prstGeom prst="line">
+              <a:avLst/>
+            </a:prstGeom>
+            <a:ln cap="rnd"/>
+          </p:spPr>
+          <p:style>
+            <a:lnRef idx="3">
+              <a:schemeClr val="accent6"/>
+            </a:lnRef>
+            <a:fillRef idx="0">
+              <a:schemeClr val="accent6"/>
+            </a:fillRef>
+            <a:effectRef idx="2">
+              <a:schemeClr val="accent6"/>
+            </a:effectRef>
+            <a:fontRef idx="minor">
+              <a:schemeClr val="tx1"/>
+            </a:fontRef>
+          </p:style>
+        </p:cxnSp>
+        <p:cxnSp>
+          <p:nvCxnSpPr>
+            <p:cNvPr id="41" name="Straight Connector 40">
+              <a:extLst>
+                <a:ext uri="{FF2B5EF4-FFF2-40B4-BE49-F238E27FC236}">
+                  <a16:creationId xmlns:a16="http://schemas.microsoft.com/office/drawing/2014/main" id="{B388F3BF-FB37-4435-8519-443F06647178}"/>
+                </a:ext>
+              </a:extLst>
+            </p:cNvPr>
+            <p:cNvCxnSpPr>
+              <a:cxnSpLocks/>
+            </p:cNvCxnSpPr>
+            <p:nvPr/>
+          </p:nvCxnSpPr>
+          <p:spPr>
+            <a:xfrm>
+              <a:off x="7349270" y="697242"/>
+              <a:ext cx="1027511" cy="0"/>
+            </a:xfrm>
+            <a:prstGeom prst="line">
+              <a:avLst/>
+            </a:prstGeom>
+            <a:ln cap="rnd"/>
+          </p:spPr>
+          <p:style>
+            <a:lnRef idx="3">
+              <a:schemeClr val="accent6"/>
+            </a:lnRef>
+            <a:fillRef idx="0">
+              <a:schemeClr val="accent6"/>
+            </a:fillRef>
+            <a:effectRef idx="2">
+              <a:schemeClr val="accent6"/>
+            </a:effectRef>
+            <a:fontRef idx="minor">
+              <a:schemeClr val="tx1"/>
+            </a:fontRef>
+          </p:style>
+        </p:cxnSp>
+        <p:cxnSp>
+          <p:nvCxnSpPr>
+            <p:cNvPr id="43" name="Straight Connector 42">
+              <a:extLst>
+                <a:ext uri="{FF2B5EF4-FFF2-40B4-BE49-F238E27FC236}">
+                  <a16:creationId xmlns:a16="http://schemas.microsoft.com/office/drawing/2014/main" id="{EC5F7052-9710-4CD3-8A81-EEE0E9A7244C}"/>
+                </a:ext>
+              </a:extLst>
+            </p:cNvPr>
+            <p:cNvCxnSpPr>
+              <a:cxnSpLocks/>
+            </p:cNvCxnSpPr>
+            <p:nvPr/>
+          </p:nvCxnSpPr>
+          <p:spPr>
+            <a:xfrm flipV="1">
+              <a:off x="7227431" y="697242"/>
+              <a:ext cx="121839" cy="76200"/>
+            </a:xfrm>
+            <a:prstGeom prst="line">
+              <a:avLst/>
+            </a:prstGeom>
+            <a:ln cap="rnd"/>
+          </p:spPr>
+          <p:style>
+            <a:lnRef idx="3">
+              <a:schemeClr val="accent6"/>
+            </a:lnRef>
+            <a:fillRef idx="0">
+              <a:schemeClr val="accent6"/>
+            </a:fillRef>
+            <a:effectRef idx="2">
+              <a:schemeClr val="accent6"/>
+            </a:effectRef>
+            <a:fontRef idx="minor">
+              <a:schemeClr val="tx1"/>
+            </a:fontRef>
+          </p:style>
+        </p:cxnSp>
+        <p:cxnSp>
+          <p:nvCxnSpPr>
+            <p:cNvPr id="46" name="Straight Connector 45">
+              <a:extLst>
+                <a:ext uri="{FF2B5EF4-FFF2-40B4-BE49-F238E27FC236}">
+                  <a16:creationId xmlns:a16="http://schemas.microsoft.com/office/drawing/2014/main" id="{C86B609C-3E9D-4EA1-9D7B-7AD108C8C57B}"/>
+                </a:ext>
+              </a:extLst>
+            </p:cNvPr>
+            <p:cNvCxnSpPr>
+              <a:cxnSpLocks/>
+            </p:cNvCxnSpPr>
+            <p:nvPr/>
+          </p:nvCxnSpPr>
+          <p:spPr>
+            <a:xfrm flipV="1">
+              <a:off x="5048192" y="773442"/>
+              <a:ext cx="121839" cy="76200"/>
+            </a:xfrm>
+            <a:prstGeom prst="line">
+              <a:avLst/>
+            </a:prstGeom>
+            <a:ln cap="rnd"/>
+          </p:spPr>
+          <p:style>
+            <a:lnRef idx="3">
+              <a:schemeClr val="accent6"/>
+            </a:lnRef>
+            <a:fillRef idx="0">
+              <a:schemeClr val="accent6"/>
+            </a:fillRef>
+            <a:effectRef idx="2">
+              <a:schemeClr val="accent6"/>
+            </a:effectRef>
+            <a:fontRef idx="minor">
+              <a:schemeClr val="tx1"/>
+            </a:fontRef>
+          </p:style>
+        </p:cxnSp>
+        <p:cxnSp>
+          <p:nvCxnSpPr>
+            <p:cNvPr id="47" name="Straight Connector 46">
+              <a:extLst>
+                <a:ext uri="{FF2B5EF4-FFF2-40B4-BE49-F238E27FC236}">
+                  <a16:creationId xmlns:a16="http://schemas.microsoft.com/office/drawing/2014/main" id="{0D690C07-0109-4CEC-B0CC-434EED608911}"/>
+                </a:ext>
+              </a:extLst>
+            </p:cNvPr>
+            <p:cNvCxnSpPr>
+              <a:cxnSpLocks/>
+            </p:cNvCxnSpPr>
+            <p:nvPr/>
+          </p:nvCxnSpPr>
+          <p:spPr>
+            <a:xfrm flipV="1">
+              <a:off x="4021655" y="849642"/>
+              <a:ext cx="1026537" cy="11668"/>
+            </a:xfrm>
+            <a:prstGeom prst="line">
+              <a:avLst/>
+            </a:prstGeom>
+            <a:ln cap="rnd"/>
+          </p:spPr>
+          <p:style>
+            <a:lnRef idx="3">
+              <a:schemeClr val="accent6"/>
+            </a:lnRef>
+            <a:fillRef idx="0">
+              <a:schemeClr val="accent6"/>
+            </a:fillRef>
+            <a:effectRef idx="2">
+              <a:schemeClr val="accent6"/>
+            </a:effectRef>
+            <a:fontRef idx="minor">
+              <a:schemeClr val="tx1"/>
+            </a:fontRef>
+          </p:style>
+        </p:cxnSp>
+        <p:sp>
+          <p:nvSpPr>
+            <p:cNvPr id="50" name="Oval 49">
+              <a:extLst>
+                <a:ext uri="{FF2B5EF4-FFF2-40B4-BE49-F238E27FC236}">
+                  <a16:creationId xmlns:a16="http://schemas.microsoft.com/office/drawing/2014/main" id="{EEA3A56A-D77B-4804-9467-3C2325189A39}"/>
+                </a:ext>
+              </a:extLst>
+            </p:cNvPr>
+            <p:cNvSpPr/>
+            <p:nvPr/>
+          </p:nvSpPr>
+          <p:spPr>
+            <a:xfrm>
+              <a:off x="3971469" y="789305"/>
+              <a:ext cx="133350" cy="133350"/>
+            </a:xfrm>
+            <a:prstGeom prst="ellipse">
+              <a:avLst/>
+            </a:prstGeom>
+          </p:spPr>
+          <p:style>
+            <a:lnRef idx="2">
+              <a:schemeClr val="accent6"/>
+            </a:lnRef>
+            <a:fillRef idx="1">
+              <a:schemeClr val="lt1"/>
+            </a:fillRef>
+            <a:effectRef idx="0">
+              <a:schemeClr val="accent6"/>
+            </a:effectRef>
+            <a:fontRef idx="minor">
+              <a:schemeClr val="dk1"/>
+            </a:fontRef>
+          </p:style>
+          <p:txBody>
+            <a:bodyPr rtlCol="0" anchor="ctr"/>
+            <a:lstStyle/>
+            <a:p>
+              <a:pPr algn="ctr"/>
+              <a:endParaRPr lang="en-US" i="1" dirty="0"/>
+            </a:p>
+          </p:txBody>
+        </p:sp>
+        <p:sp>
+          <p:nvSpPr>
+            <p:cNvPr id="51" name="Oval 50">
+              <a:extLst>
+                <a:ext uri="{FF2B5EF4-FFF2-40B4-BE49-F238E27FC236}">
+                  <a16:creationId xmlns:a16="http://schemas.microsoft.com/office/drawing/2014/main" id="{488A40C9-3C11-477D-B0FB-19648893F367}"/>
+                </a:ext>
+              </a:extLst>
+            </p:cNvPr>
+            <p:cNvSpPr/>
+            <p:nvPr/>
+          </p:nvSpPr>
+          <p:spPr>
+            <a:xfrm>
+              <a:off x="8336191" y="624781"/>
+              <a:ext cx="133350" cy="133350"/>
+            </a:xfrm>
+            <a:prstGeom prst="ellipse">
+              <a:avLst/>
+            </a:prstGeom>
+          </p:spPr>
+          <p:style>
+            <a:lnRef idx="2">
+              <a:schemeClr val="accent6"/>
+            </a:lnRef>
+            <a:fillRef idx="1">
+              <a:schemeClr val="lt1"/>
+            </a:fillRef>
+            <a:effectRef idx="0">
+              <a:schemeClr val="accent6"/>
+            </a:effectRef>
+            <a:fontRef idx="minor">
+              <a:schemeClr val="dk1"/>
+            </a:fontRef>
+          </p:style>
+          <p:txBody>
+            <a:bodyPr rtlCol="0" anchor="ctr"/>
+            <a:lstStyle/>
+            <a:p>
+              <a:pPr algn="ctr"/>
+              <a:endParaRPr lang="en-US" i="1" dirty="0"/>
+            </a:p>
+          </p:txBody>
+        </p:sp>
+      </p:grpSp>
+      <p:cxnSp>
+        <p:nvCxnSpPr>
+          <p:cNvPr id="22" name="Straight Connector 21">
+            <a:extLst>
+              <a:ext uri="{FF2B5EF4-FFF2-40B4-BE49-F238E27FC236}">
+                <a16:creationId xmlns:a16="http://schemas.microsoft.com/office/drawing/2014/main" id="{0C1DE094-A515-4C46-95B0-ED7004F98E9A}"/>
+              </a:ext>
+            </a:extLst>
+          </p:cNvPr>
+          <p:cNvCxnSpPr>
+            <a:cxnSpLocks/>
+          </p:cNvCxnSpPr>
+          <p:nvPr/>
+        </p:nvCxnSpPr>
+        <p:spPr>
+          <a:xfrm>
+            <a:off x="2765717" y="1606393"/>
+            <a:ext cx="706810" cy="0"/>
+          </a:xfrm>
+          <a:prstGeom prst="line">
+            <a:avLst/>
+          </a:prstGeom>
+          <a:ln cap="rnd">
+            <a:solidFill>
+              <a:schemeClr val="accent5"/>
+            </a:solidFill>
+          </a:ln>
+        </p:spPr>
+        <p:style>
+          <a:lnRef idx="3">
+            <a:schemeClr val="accent6"/>
+          </a:lnRef>
+          <a:fillRef idx="0">
+            <a:schemeClr val="accent6"/>
+          </a:fillRef>
+          <a:effectRef idx="2">
+            <a:schemeClr val="accent6"/>
+          </a:effectRef>
+          <a:fontRef idx="minor">
+            <a:schemeClr val="tx1"/>
+          </a:fontRef>
+        </p:style>
+      </p:cxnSp>
+      <p:cxnSp>
+        <p:nvCxnSpPr>
+          <p:cNvPr id="23" name="Straight Connector 22">
+            <a:extLst>
+              <a:ext uri="{FF2B5EF4-FFF2-40B4-BE49-F238E27FC236}">
+                <a16:creationId xmlns:a16="http://schemas.microsoft.com/office/drawing/2014/main" id="{996CF4D9-C92A-4504-8025-24E295B0798C}"/>
+              </a:ext>
+            </a:extLst>
+          </p:cNvPr>
+          <p:cNvCxnSpPr>
+            <a:cxnSpLocks/>
+          </p:cNvCxnSpPr>
+          <p:nvPr/>
+        </p:nvCxnSpPr>
+        <p:spPr>
+          <a:xfrm>
+            <a:off x="3472527" y="2179321"/>
+            <a:ext cx="0" cy="3551178"/>
+          </a:xfrm>
+          <a:prstGeom prst="line">
+            <a:avLst/>
+          </a:prstGeom>
+          <a:ln cap="rnd">
+            <a:solidFill>
+              <a:schemeClr val="accent5"/>
+            </a:solidFill>
+          </a:ln>
+        </p:spPr>
+        <p:style>
+          <a:lnRef idx="3">
+            <a:schemeClr val="accent6"/>
+          </a:lnRef>
+          <a:fillRef idx="0">
+            <a:schemeClr val="accent6"/>
+          </a:fillRef>
+          <a:effectRef idx="2">
+            <a:schemeClr val="accent6"/>
+          </a:effectRef>
+          <a:fontRef idx="minor">
+            <a:schemeClr val="tx1"/>
+          </a:fontRef>
+        </p:style>
+      </p:cxnSp>
+      <p:sp>
+        <p:nvSpPr>
+          <p:cNvPr id="24" name="TextBox 23">
+            <a:extLst>
+              <a:ext uri="{FF2B5EF4-FFF2-40B4-BE49-F238E27FC236}">
+                <a16:creationId xmlns:a16="http://schemas.microsoft.com/office/drawing/2014/main" id="{91C325EE-7B76-4AF0-ADAA-B018B8378985}"/>
+              </a:ext>
+            </a:extLst>
+          </p:cNvPr>
+          <p:cNvSpPr txBox="1"/>
+          <p:nvPr/>
+        </p:nvSpPr>
+        <p:spPr>
+          <a:xfrm>
+            <a:off x="2765717" y="1273647"/>
+            <a:ext cx="785664" cy="369332"/>
+          </a:xfrm>
+          <a:prstGeom prst="rect">
+            <a:avLst/>
+          </a:prstGeom>
+          <a:noFill/>
+        </p:spPr>
+        <p:txBody>
+          <a:bodyPr wrap="none" rtlCol="0">
+            <a:spAutoFit/>
+          </a:bodyPr>
+          <a:lstStyle/>
+          <a:p>
+            <a:r>
+              <a:rPr lang="en-US" dirty="0">
+                <a:solidFill>
+                  <a:schemeClr val="accent5">
+                    <a:lumMod val="75000"/>
+                  </a:schemeClr>
+                </a:solidFill>
+              </a:rPr>
+              <a:t>Server</a:t>
+            </a:r>
+          </a:p>
+        </p:txBody>
+      </p:sp>
+      <p:cxnSp>
+        <p:nvCxnSpPr>
+          <p:cNvPr id="27" name="Straight Connector 26">
+            <a:extLst>
+              <a:ext uri="{FF2B5EF4-FFF2-40B4-BE49-F238E27FC236}">
+                <a16:creationId xmlns:a16="http://schemas.microsoft.com/office/drawing/2014/main" id="{AE6660A0-DC72-4F69-99A9-01A13472EC2C}"/>
+              </a:ext>
+            </a:extLst>
+          </p:cNvPr>
+          <p:cNvCxnSpPr>
+            <a:cxnSpLocks/>
+          </p:cNvCxnSpPr>
+          <p:nvPr/>
+        </p:nvCxnSpPr>
+        <p:spPr>
+          <a:xfrm>
+            <a:off x="8896182" y="1986103"/>
+            <a:ext cx="1594494" cy="0"/>
+          </a:xfrm>
+          <a:prstGeom prst="line">
+            <a:avLst/>
+          </a:prstGeom>
+          <a:ln cap="rnd"/>
+        </p:spPr>
+        <p:style>
+          <a:lnRef idx="3">
+            <a:schemeClr val="accent6"/>
+          </a:lnRef>
+          <a:fillRef idx="0">
+            <a:schemeClr val="accent6"/>
+          </a:fillRef>
+          <a:effectRef idx="2">
+            <a:schemeClr val="accent6"/>
+          </a:effectRef>
+          <a:fontRef idx="minor">
+            <a:schemeClr val="tx1"/>
+          </a:fontRef>
+        </p:style>
+      </p:cxnSp>
+      <p:cxnSp>
+        <p:nvCxnSpPr>
+          <p:cNvPr id="28" name="Straight Connector 27">
+            <a:extLst>
+              <a:ext uri="{FF2B5EF4-FFF2-40B4-BE49-F238E27FC236}">
+                <a16:creationId xmlns:a16="http://schemas.microsoft.com/office/drawing/2014/main" id="{7368E408-A0B5-4E9E-8180-043CAF091D1B}"/>
+              </a:ext>
+            </a:extLst>
+          </p:cNvPr>
+          <p:cNvCxnSpPr>
+            <a:cxnSpLocks/>
+          </p:cNvCxnSpPr>
+          <p:nvPr/>
+        </p:nvCxnSpPr>
+        <p:spPr>
+          <a:xfrm>
+            <a:off x="8896182" y="1986103"/>
+            <a:ext cx="0" cy="4124106"/>
+          </a:xfrm>
+          <a:prstGeom prst="line">
+            <a:avLst/>
+          </a:prstGeom>
+          <a:ln cap="rnd"/>
+        </p:spPr>
+        <p:style>
+          <a:lnRef idx="3">
+            <a:schemeClr val="accent6"/>
+          </a:lnRef>
+          <a:fillRef idx="0">
+            <a:schemeClr val="accent6"/>
+          </a:fillRef>
+          <a:effectRef idx="2">
+            <a:schemeClr val="accent6"/>
+          </a:effectRef>
+          <a:fontRef idx="minor">
+            <a:schemeClr val="tx1"/>
+          </a:fontRef>
+        </p:style>
+      </p:cxnSp>
+      <p:sp>
+        <p:nvSpPr>
+          <p:cNvPr id="29" name="TextBox 28">
+            <a:extLst>
+              <a:ext uri="{FF2B5EF4-FFF2-40B4-BE49-F238E27FC236}">
+                <a16:creationId xmlns:a16="http://schemas.microsoft.com/office/drawing/2014/main" id="{8D4BFC4D-3BFF-45F4-AAE6-000F0223677D}"/>
+              </a:ext>
+            </a:extLst>
+          </p:cNvPr>
+          <p:cNvSpPr txBox="1"/>
+          <p:nvPr/>
+        </p:nvSpPr>
+        <p:spPr>
+          <a:xfrm>
+            <a:off x="8896181" y="1675842"/>
+            <a:ext cx="955454" cy="369332"/>
+          </a:xfrm>
+          <a:prstGeom prst="rect">
+            <a:avLst/>
+          </a:prstGeom>
+          <a:noFill/>
+        </p:spPr>
+        <p:txBody>
+          <a:bodyPr wrap="none" rtlCol="0">
+            <a:spAutoFit/>
+          </a:bodyPr>
+          <a:lstStyle/>
+          <a:p>
+            <a:r>
+              <a:rPr lang="en-US" dirty="0">
+                <a:solidFill>
+                  <a:schemeClr val="accent6">
+                    <a:lumMod val="75000"/>
+                  </a:schemeClr>
+                </a:solidFill>
+              </a:rPr>
+              <a:t>Browser</a:t>
+            </a:r>
+          </a:p>
+        </p:txBody>
+      </p:sp>
+      <p:cxnSp>
+        <p:nvCxnSpPr>
+          <p:cNvPr id="31" name="Straight Connector 30">
+            <a:extLst>
+              <a:ext uri="{FF2B5EF4-FFF2-40B4-BE49-F238E27FC236}">
+                <a16:creationId xmlns:a16="http://schemas.microsoft.com/office/drawing/2014/main" id="{65E0242A-BBB6-4022-8718-E643E18A7F1A}"/>
+              </a:ext>
+            </a:extLst>
+          </p:cNvPr>
+          <p:cNvCxnSpPr>
+            <a:cxnSpLocks/>
+          </p:cNvCxnSpPr>
+          <p:nvPr/>
+        </p:nvCxnSpPr>
+        <p:spPr>
+          <a:xfrm flipH="1">
+            <a:off x="3472529" y="1606393"/>
+            <a:ext cx="1" cy="508308"/>
+          </a:xfrm>
+          <a:prstGeom prst="line">
+            <a:avLst/>
+          </a:prstGeom>
+          <a:ln cap="rnd">
+            <a:solidFill>
+              <a:schemeClr val="accent5"/>
+            </a:solidFill>
+          </a:ln>
+        </p:spPr>
+        <p:style>
+          <a:lnRef idx="3">
+            <a:schemeClr val="accent6"/>
+          </a:lnRef>
+          <a:fillRef idx="0">
+            <a:schemeClr val="accent6"/>
+          </a:fillRef>
+          <a:effectRef idx="2">
+            <a:schemeClr val="accent6"/>
+          </a:effectRef>
+          <a:fontRef idx="minor">
+            <a:schemeClr val="tx1"/>
+          </a:fontRef>
+        </p:style>
+      </p:cxnSp>
+      <p:grpSp>
+        <p:nvGrpSpPr>
+          <p:cNvPr id="19" name="Group 18">
+            <a:extLst>
+              <a:ext uri="{FF2B5EF4-FFF2-40B4-BE49-F238E27FC236}">
+                <a16:creationId xmlns:a16="http://schemas.microsoft.com/office/drawing/2014/main" id="{A78D0F42-3CAD-4FA2-9EC0-A26F5D10A012}"/>
+              </a:ext>
+            </a:extLst>
+          </p:cNvPr>
+          <p:cNvGrpSpPr/>
+          <p:nvPr/>
+        </p:nvGrpSpPr>
+        <p:grpSpPr>
+          <a:xfrm>
+            <a:off x="3348646" y="2091220"/>
+            <a:ext cx="246382" cy="98340"/>
+            <a:chOff x="3348646" y="1458211"/>
+            <a:chExt cx="246382" cy="98340"/>
+          </a:xfrm>
+        </p:grpSpPr>
+        <p:grpSp>
+          <p:nvGrpSpPr>
+            <p:cNvPr id="18" name="Group 17">
+              <a:extLst>
+                <a:ext uri="{FF2B5EF4-FFF2-40B4-BE49-F238E27FC236}">
+                  <a16:creationId xmlns:a16="http://schemas.microsoft.com/office/drawing/2014/main" id="{04525F03-8565-4498-9563-E821697E02A3}"/>
+                </a:ext>
+              </a:extLst>
+            </p:cNvPr>
+            <p:cNvGrpSpPr/>
+            <p:nvPr/>
+          </p:nvGrpSpPr>
+          <p:grpSpPr>
+            <a:xfrm>
+              <a:off x="3350025" y="1458211"/>
+              <a:ext cx="245003" cy="47936"/>
+              <a:chOff x="3295819" y="1481939"/>
+              <a:chExt cx="245003" cy="47936"/>
+            </a:xfrm>
+          </p:grpSpPr>
+          <p:cxnSp>
+            <p:nvCxnSpPr>
+              <p:cNvPr id="36" name="Straight Connector 35">
+                <a:extLst>
+                  <a:ext uri="{FF2B5EF4-FFF2-40B4-BE49-F238E27FC236}">
+                    <a16:creationId xmlns:a16="http://schemas.microsoft.com/office/drawing/2014/main" id="{5EAB472E-F78C-4A58-A357-0FD9FC292026}"/>
+                  </a:ext>
+                </a:extLst>
+              </p:cNvPr>
+              <p:cNvCxnSpPr>
+                <a:cxnSpLocks/>
+              </p:cNvCxnSpPr>
+              <p:nvPr/>
+            </p:nvCxnSpPr>
+            <p:spPr>
+              <a:xfrm flipH="1">
+                <a:off x="3295819" y="1481939"/>
+                <a:ext cx="101316" cy="46963"/>
+              </a:xfrm>
+              <a:prstGeom prst="line">
+                <a:avLst/>
+              </a:prstGeom>
+              <a:ln cap="rnd">
+                <a:solidFill>
+                  <a:schemeClr val="accent5"/>
+                </a:solidFill>
+              </a:ln>
+            </p:spPr>
+            <p:style>
+              <a:lnRef idx="3">
+                <a:schemeClr val="accent6"/>
+              </a:lnRef>
+              <a:fillRef idx="0">
+                <a:schemeClr val="accent6"/>
+              </a:fillRef>
+              <a:effectRef idx="2">
+                <a:schemeClr val="accent6"/>
+              </a:effectRef>
+              <a:fontRef idx="minor">
+                <a:schemeClr val="tx1"/>
+              </a:fontRef>
+            </p:style>
+          </p:cxnSp>
+          <p:cxnSp>
+            <p:nvCxnSpPr>
+              <p:cNvPr id="39" name="Straight Connector 38">
+                <a:extLst>
+                  <a:ext uri="{FF2B5EF4-FFF2-40B4-BE49-F238E27FC236}">
+                    <a16:creationId xmlns:a16="http://schemas.microsoft.com/office/drawing/2014/main" id="{26086C09-E0D1-446E-8EC9-6D6E0B8AA457}"/>
+                  </a:ext>
+                </a:extLst>
+              </p:cNvPr>
+              <p:cNvCxnSpPr>
+                <a:cxnSpLocks/>
+              </p:cNvCxnSpPr>
+              <p:nvPr/>
+            </p:nvCxnSpPr>
+            <p:spPr>
+              <a:xfrm flipH="1" flipV="1">
+                <a:off x="3397135" y="1481939"/>
+                <a:ext cx="39614" cy="46963"/>
+              </a:xfrm>
+              <a:prstGeom prst="line">
+                <a:avLst/>
+              </a:prstGeom>
+              <a:ln cap="rnd">
+                <a:solidFill>
+                  <a:schemeClr val="accent5"/>
+                </a:solidFill>
+              </a:ln>
+            </p:spPr>
+            <p:style>
+              <a:lnRef idx="3">
+                <a:schemeClr val="accent6"/>
+              </a:lnRef>
+              <a:fillRef idx="0">
+                <a:schemeClr val="accent6"/>
+              </a:fillRef>
+              <a:effectRef idx="2">
+                <a:schemeClr val="accent6"/>
+              </a:effectRef>
+              <a:fontRef idx="minor">
+                <a:schemeClr val="tx1"/>
+              </a:fontRef>
+            </p:style>
+          </p:cxnSp>
+          <p:cxnSp>
+            <p:nvCxnSpPr>
+              <p:cNvPr id="42" name="Straight Connector 41">
+                <a:extLst>
+                  <a:ext uri="{FF2B5EF4-FFF2-40B4-BE49-F238E27FC236}">
+                    <a16:creationId xmlns:a16="http://schemas.microsoft.com/office/drawing/2014/main" id="{16CE63D4-E9B1-486D-A13E-4B29A108F77F}"/>
+                  </a:ext>
+                </a:extLst>
+              </p:cNvPr>
+              <p:cNvCxnSpPr>
+                <a:cxnSpLocks/>
+              </p:cNvCxnSpPr>
+              <p:nvPr/>
+            </p:nvCxnSpPr>
+            <p:spPr>
+              <a:xfrm flipH="1">
+                <a:off x="3439506" y="1482912"/>
+                <a:ext cx="101316" cy="46963"/>
+              </a:xfrm>
+              <a:prstGeom prst="line">
+                <a:avLst/>
+              </a:prstGeom>
+              <a:ln cap="rnd">
+                <a:solidFill>
+                  <a:schemeClr val="accent5"/>
+                </a:solidFill>
+              </a:ln>
+            </p:spPr>
+            <p:style>
+              <a:lnRef idx="3">
+                <a:schemeClr val="accent6"/>
+              </a:lnRef>
+              <a:fillRef idx="0">
+                <a:schemeClr val="accent6"/>
+              </a:fillRef>
+              <a:effectRef idx="2">
+                <a:schemeClr val="accent6"/>
+              </a:effectRef>
+              <a:fontRef idx="minor">
+                <a:schemeClr val="tx1"/>
+              </a:fontRef>
+            </p:style>
+          </p:cxnSp>
+        </p:grpSp>
+        <p:grpSp>
+          <p:nvGrpSpPr>
+            <p:cNvPr id="44" name="Group 43">
+              <a:extLst>
+                <a:ext uri="{FF2B5EF4-FFF2-40B4-BE49-F238E27FC236}">
+                  <a16:creationId xmlns:a16="http://schemas.microsoft.com/office/drawing/2014/main" id="{71C44889-CFD7-4905-8D9F-A01CE4C3E2CE}"/>
+                </a:ext>
+              </a:extLst>
+            </p:cNvPr>
+            <p:cNvGrpSpPr/>
+            <p:nvPr/>
+          </p:nvGrpSpPr>
+          <p:grpSpPr>
+            <a:xfrm>
+              <a:off x="3348646" y="1508615"/>
+              <a:ext cx="245003" cy="47936"/>
+              <a:chOff x="3295819" y="1481939"/>
+              <a:chExt cx="245003" cy="47936"/>
+            </a:xfrm>
+          </p:grpSpPr>
+          <p:cxnSp>
+            <p:nvCxnSpPr>
+              <p:cNvPr id="45" name="Straight Connector 44">
+                <a:extLst>
+                  <a:ext uri="{FF2B5EF4-FFF2-40B4-BE49-F238E27FC236}">
+                    <a16:creationId xmlns:a16="http://schemas.microsoft.com/office/drawing/2014/main" id="{4A1E22AE-C9E6-4BA4-9540-6EF0A12B603A}"/>
+                  </a:ext>
+                </a:extLst>
+              </p:cNvPr>
+              <p:cNvCxnSpPr>
+                <a:cxnSpLocks/>
+              </p:cNvCxnSpPr>
+              <p:nvPr/>
+            </p:nvCxnSpPr>
+            <p:spPr>
+              <a:xfrm flipH="1">
+                <a:off x="3295819" y="1481939"/>
+                <a:ext cx="101316" cy="46963"/>
+              </a:xfrm>
+              <a:prstGeom prst="line">
+                <a:avLst/>
+              </a:prstGeom>
+              <a:ln cap="rnd">
+                <a:solidFill>
+                  <a:schemeClr val="accent5"/>
+                </a:solidFill>
+              </a:ln>
+            </p:spPr>
+            <p:style>
+              <a:lnRef idx="3">
+                <a:schemeClr val="accent6"/>
+              </a:lnRef>
+              <a:fillRef idx="0">
+                <a:schemeClr val="accent6"/>
+              </a:fillRef>
+              <a:effectRef idx="2">
+                <a:schemeClr val="accent6"/>
+              </a:effectRef>
+              <a:fontRef idx="minor">
+                <a:schemeClr val="tx1"/>
+              </a:fontRef>
+            </p:style>
+          </p:cxnSp>
+          <p:cxnSp>
+            <p:nvCxnSpPr>
+              <p:cNvPr id="48" name="Straight Connector 47">
+                <a:extLst>
+                  <a:ext uri="{FF2B5EF4-FFF2-40B4-BE49-F238E27FC236}">
+                    <a16:creationId xmlns:a16="http://schemas.microsoft.com/office/drawing/2014/main" id="{AD8D6B39-B9FD-4E12-96E8-3B5F1E6774FB}"/>
+                  </a:ext>
+                </a:extLst>
+              </p:cNvPr>
+              <p:cNvCxnSpPr>
+                <a:cxnSpLocks/>
+              </p:cNvCxnSpPr>
+              <p:nvPr/>
+            </p:nvCxnSpPr>
+            <p:spPr>
+              <a:xfrm flipH="1" flipV="1">
+                <a:off x="3397135" y="1481939"/>
+                <a:ext cx="39614" cy="46963"/>
+              </a:xfrm>
+              <a:prstGeom prst="line">
+                <a:avLst/>
+              </a:prstGeom>
+              <a:ln cap="rnd">
+                <a:solidFill>
+                  <a:schemeClr val="accent5"/>
+                </a:solidFill>
+              </a:ln>
+            </p:spPr>
+            <p:style>
+              <a:lnRef idx="3">
+                <a:schemeClr val="accent6"/>
+              </a:lnRef>
+              <a:fillRef idx="0">
+                <a:schemeClr val="accent6"/>
+              </a:fillRef>
+              <a:effectRef idx="2">
+                <a:schemeClr val="accent6"/>
+              </a:effectRef>
+              <a:fontRef idx="minor">
+                <a:schemeClr val="tx1"/>
+              </a:fontRef>
+            </p:style>
+          </p:cxnSp>
+          <p:cxnSp>
+            <p:nvCxnSpPr>
+              <p:cNvPr id="52" name="Straight Connector 51">
+                <a:extLst>
+                  <a:ext uri="{FF2B5EF4-FFF2-40B4-BE49-F238E27FC236}">
+                    <a16:creationId xmlns:a16="http://schemas.microsoft.com/office/drawing/2014/main" id="{1237960F-66B9-4B03-B9BE-47D96937FFFB}"/>
+                  </a:ext>
+                </a:extLst>
+              </p:cNvPr>
+              <p:cNvCxnSpPr>
+                <a:cxnSpLocks/>
+              </p:cNvCxnSpPr>
+              <p:nvPr/>
+            </p:nvCxnSpPr>
+            <p:spPr>
+              <a:xfrm flipH="1">
+                <a:off x="3439506" y="1482912"/>
+                <a:ext cx="101316" cy="46963"/>
+              </a:xfrm>
+              <a:prstGeom prst="line">
+                <a:avLst/>
+              </a:prstGeom>
+              <a:ln cap="rnd">
+                <a:solidFill>
+                  <a:schemeClr val="accent5"/>
+                </a:solidFill>
+              </a:ln>
+            </p:spPr>
+            <p:style>
+              <a:lnRef idx="3">
+                <a:schemeClr val="accent6"/>
+              </a:lnRef>
+              <a:fillRef idx="0">
+                <a:schemeClr val="accent6"/>
+              </a:fillRef>
+              <a:effectRef idx="2">
+                <a:schemeClr val="accent6"/>
+              </a:effectRef>
+              <a:fontRef idx="minor">
+                <a:schemeClr val="tx1"/>
+              </a:fontRef>
+            </p:style>
+          </p:cxnSp>
+        </p:grpSp>
+      </p:grpSp>
+      <p:sp>
+        <p:nvSpPr>
+          <p:cNvPr id="55" name="Oval 54">
+            <a:extLst>
+              <a:ext uri="{FF2B5EF4-FFF2-40B4-BE49-F238E27FC236}">
+                <a16:creationId xmlns:a16="http://schemas.microsoft.com/office/drawing/2014/main" id="{9759FBA2-EC4A-4E24-9FDE-523D51A4910A}"/>
+              </a:ext>
+            </a:extLst>
+          </p:cNvPr>
+          <p:cNvSpPr/>
+          <p:nvPr/>
+        </p:nvSpPr>
+        <p:spPr>
+          <a:xfrm>
+            <a:off x="3404755" y="1706091"/>
+            <a:ext cx="133350" cy="133350"/>
+          </a:xfrm>
+          <a:prstGeom prst="ellipse">
+            <a:avLst/>
+          </a:prstGeom>
+          <a:ln>
+            <a:solidFill>
+              <a:schemeClr val="accent5"/>
+            </a:solidFill>
+          </a:ln>
+        </p:spPr>
+        <p:style>
+          <a:lnRef idx="2">
+            <a:schemeClr val="accent6"/>
+          </a:lnRef>
+          <a:fillRef idx="1">
+            <a:schemeClr val="lt1"/>
+          </a:fillRef>
+          <a:effectRef idx="0">
+            <a:schemeClr val="accent6"/>
+          </a:effectRef>
+          <a:fontRef idx="minor">
+            <a:schemeClr val="dk1"/>
+          </a:fontRef>
+        </p:style>
+        <p:txBody>
+          <a:bodyPr rtlCol="0" anchor="ctr"/>
+          <a:lstStyle/>
+          <a:p>
+            <a:pPr algn="ctr"/>
+            <a:endParaRPr lang="en-US" dirty="0"/>
+          </a:p>
+        </p:txBody>
+      </p:sp>
+      <p:sp>
+        <p:nvSpPr>
+          <p:cNvPr id="62" name="TextBox 61">
+            <a:extLst>
+              <a:ext uri="{FF2B5EF4-FFF2-40B4-BE49-F238E27FC236}">
+                <a16:creationId xmlns:a16="http://schemas.microsoft.com/office/drawing/2014/main" id="{BAABE3D2-F21F-4848-91A1-0198FA9C6B05}"/>
+              </a:ext>
+            </a:extLst>
+          </p:cNvPr>
+          <p:cNvSpPr txBox="1"/>
+          <p:nvPr/>
+        </p:nvSpPr>
+        <p:spPr>
+          <a:xfrm>
+            <a:off x="1884888" y="1640696"/>
+            <a:ext cx="1575047" cy="276999"/>
+          </a:xfrm>
+          <a:prstGeom prst="rect">
+            <a:avLst/>
+          </a:prstGeom>
+          <a:noFill/>
+        </p:spPr>
+        <p:txBody>
+          <a:bodyPr wrap="none" rtlCol="0">
+            <a:spAutoFit/>
+          </a:bodyPr>
+          <a:lstStyle/>
+          <a:p>
+            <a:r>
+              <a:rPr lang="en-US" sz="1200" dirty="0"/>
+              <a:t>Server Opens a Socket</a:t>
+            </a:r>
+          </a:p>
+        </p:txBody>
+      </p:sp>
+      <p:sp>
+        <p:nvSpPr>
+          <p:cNvPr id="25" name="TextBox 24">
+            <a:extLst>
+              <a:ext uri="{FF2B5EF4-FFF2-40B4-BE49-F238E27FC236}">
+                <a16:creationId xmlns:a16="http://schemas.microsoft.com/office/drawing/2014/main" id="{35B4A46F-ADA6-45C5-84B9-B791093844BB}"/>
+              </a:ext>
+            </a:extLst>
+          </p:cNvPr>
+          <p:cNvSpPr txBox="1"/>
+          <p:nvPr/>
+        </p:nvSpPr>
+        <p:spPr>
+          <a:xfrm>
+            <a:off x="1385203" y="1998030"/>
+            <a:ext cx="2043573" cy="276999"/>
+          </a:xfrm>
+          <a:prstGeom prst="rect">
+            <a:avLst/>
+          </a:prstGeom>
+          <a:noFill/>
+        </p:spPr>
+        <p:txBody>
+          <a:bodyPr wrap="none" rtlCol="0">
+            <a:spAutoFit/>
+          </a:bodyPr>
+          <a:lstStyle/>
+          <a:p>
+            <a:r>
+              <a:rPr lang="en-US" sz="1200" dirty="0"/>
+              <a:t>Server Waits for a Connection</a:t>
+            </a:r>
+          </a:p>
+        </p:txBody>
+      </p:sp>
+      <p:cxnSp>
+        <p:nvCxnSpPr>
+          <p:cNvPr id="66" name="Straight Arrow Connector 65">
+            <a:extLst>
+              <a:ext uri="{FF2B5EF4-FFF2-40B4-BE49-F238E27FC236}">
+                <a16:creationId xmlns:a16="http://schemas.microsoft.com/office/drawing/2014/main" id="{B2405AD0-0557-4EEC-86BB-A843346752EF}"/>
+              </a:ext>
+            </a:extLst>
+          </p:cNvPr>
+          <p:cNvCxnSpPr/>
+          <p:nvPr/>
+        </p:nvCxnSpPr>
+        <p:spPr>
+          <a:xfrm flipH="1">
+            <a:off x="3467356" y="2121501"/>
+            <a:ext cx="5427446" cy="632989"/>
+          </a:xfrm>
+          <a:prstGeom prst="straightConnector1">
+            <a:avLst/>
+          </a:prstGeom>
+          <a:ln w="19050">
+            <a:solidFill>
+              <a:schemeClr val="accent6">
+                <a:lumMod val="75000"/>
+              </a:schemeClr>
+            </a:solidFill>
+            <a:tailEnd type="triangle"/>
+          </a:ln>
+        </p:spPr>
+        <p:style>
+          <a:lnRef idx="1">
+            <a:schemeClr val="accent1"/>
+          </a:lnRef>
+          <a:fillRef idx="0">
+            <a:schemeClr val="accent1"/>
+          </a:fillRef>
+          <a:effectRef idx="0">
+            <a:schemeClr val="accent1"/>
+          </a:effectRef>
+          <a:fontRef idx="minor">
+            <a:schemeClr val="tx1"/>
+          </a:fontRef>
+        </p:style>
+      </p:cxnSp>
+      <p:sp>
+        <p:nvSpPr>
+          <p:cNvPr id="68" name="TextBox 67">
+            <a:extLst>
+              <a:ext uri="{FF2B5EF4-FFF2-40B4-BE49-F238E27FC236}">
+                <a16:creationId xmlns:a16="http://schemas.microsoft.com/office/drawing/2014/main" id="{062BC9D5-6789-4F3E-8FF0-A7373D7E8F4C}"/>
+              </a:ext>
+            </a:extLst>
+          </p:cNvPr>
+          <p:cNvSpPr txBox="1"/>
+          <p:nvPr/>
+        </p:nvSpPr>
+        <p:spPr>
+          <a:xfrm>
+            <a:off x="8847652" y="1995997"/>
+            <a:ext cx="1054391" cy="276999"/>
+          </a:xfrm>
+          <a:prstGeom prst="rect">
+            <a:avLst/>
+          </a:prstGeom>
+          <a:noFill/>
+        </p:spPr>
+        <p:txBody>
+          <a:bodyPr wrap="none" rtlCol="0">
+            <a:spAutoFit/>
+          </a:bodyPr>
+          <a:lstStyle/>
+          <a:p>
+            <a:r>
+              <a:rPr lang="en-US" sz="1200" dirty="0">
+                <a:solidFill>
+                  <a:schemeClr val="accent6">
+                    <a:lumMod val="75000"/>
+                  </a:schemeClr>
+                </a:solidFill>
+              </a:rPr>
+              <a:t>HTTP Request</a:t>
+            </a:r>
+          </a:p>
+        </p:txBody>
+      </p:sp>
+      <p:cxnSp>
+        <p:nvCxnSpPr>
+          <p:cNvPr id="69" name="Straight Arrow Connector 68">
+            <a:extLst>
+              <a:ext uri="{FF2B5EF4-FFF2-40B4-BE49-F238E27FC236}">
+                <a16:creationId xmlns:a16="http://schemas.microsoft.com/office/drawing/2014/main" id="{8ECEEC34-7521-44DC-AEE1-44BC930940A1}"/>
+              </a:ext>
+            </a:extLst>
+          </p:cNvPr>
+          <p:cNvCxnSpPr>
+            <a:cxnSpLocks/>
+          </p:cNvCxnSpPr>
+          <p:nvPr/>
+        </p:nvCxnSpPr>
+        <p:spPr>
+          <a:xfrm>
+            <a:off x="3489576" y="2890434"/>
+            <a:ext cx="5416337" cy="364210"/>
+          </a:xfrm>
+          <a:prstGeom prst="straightConnector1">
+            <a:avLst/>
+          </a:prstGeom>
+          <a:ln w="19050">
+            <a:solidFill>
+              <a:schemeClr val="accent5">
+                <a:lumMod val="75000"/>
+              </a:schemeClr>
+            </a:solidFill>
+            <a:tailEnd type="triangle"/>
+          </a:ln>
+        </p:spPr>
+        <p:style>
+          <a:lnRef idx="1">
+            <a:schemeClr val="accent1"/>
+          </a:lnRef>
+          <a:fillRef idx="0">
+            <a:schemeClr val="accent1"/>
+          </a:fillRef>
+          <a:effectRef idx="0">
+            <a:schemeClr val="accent1"/>
+          </a:effectRef>
+          <a:fontRef idx="minor">
+            <a:schemeClr val="tx1"/>
+          </a:fontRef>
+        </p:style>
+      </p:cxnSp>
+      <p:sp>
+        <p:nvSpPr>
+          <p:cNvPr id="74" name="TextBox 73">
+            <a:extLst>
+              <a:ext uri="{FF2B5EF4-FFF2-40B4-BE49-F238E27FC236}">
+                <a16:creationId xmlns:a16="http://schemas.microsoft.com/office/drawing/2014/main" id="{3A054D24-4BB3-4343-A04A-D6B572929929}"/>
+              </a:ext>
+            </a:extLst>
+          </p:cNvPr>
+          <p:cNvSpPr txBox="1"/>
+          <p:nvPr/>
+        </p:nvSpPr>
+        <p:spPr>
+          <a:xfrm>
+            <a:off x="2390611" y="2751934"/>
+            <a:ext cx="1147494" cy="276999"/>
+          </a:xfrm>
+          <a:prstGeom prst="rect">
+            <a:avLst/>
+          </a:prstGeom>
+          <a:noFill/>
+        </p:spPr>
+        <p:txBody>
+          <a:bodyPr wrap="none" rtlCol="0">
+            <a:spAutoFit/>
+          </a:bodyPr>
+          <a:lstStyle/>
+          <a:p>
+            <a:r>
+              <a:rPr lang="en-US" sz="1200" dirty="0">
+                <a:solidFill>
+                  <a:schemeClr val="accent5">
+                    <a:lumMod val="75000"/>
+                  </a:schemeClr>
+                </a:solidFill>
+              </a:rPr>
+              <a:t>HTTP Response</a:t>
+            </a:r>
+          </a:p>
+        </p:txBody>
+      </p:sp>
+      <p:sp>
+        <p:nvSpPr>
+          <p:cNvPr id="76" name="TextBox 75">
+            <a:extLst>
+              <a:ext uri="{FF2B5EF4-FFF2-40B4-BE49-F238E27FC236}">
+                <a16:creationId xmlns:a16="http://schemas.microsoft.com/office/drawing/2014/main" id="{68AE60C1-3ADF-4073-B129-F26CFF389C6A}"/>
+              </a:ext>
+            </a:extLst>
+          </p:cNvPr>
+          <p:cNvSpPr txBox="1"/>
+          <p:nvPr/>
+        </p:nvSpPr>
+        <p:spPr>
+          <a:xfrm>
+            <a:off x="8847652" y="3107439"/>
+            <a:ext cx="1612493" cy="276999"/>
+          </a:xfrm>
+          <a:prstGeom prst="rect">
+            <a:avLst/>
+          </a:prstGeom>
+          <a:noFill/>
+        </p:spPr>
+        <p:txBody>
+          <a:bodyPr wrap="none" rtlCol="0">
+            <a:spAutoFit/>
+          </a:bodyPr>
+          <a:lstStyle/>
+          <a:p>
+            <a:r>
+              <a:rPr lang="en-US" sz="1200" dirty="0"/>
+              <a:t>Client Parses Response</a:t>
+            </a:r>
+          </a:p>
+        </p:txBody>
+      </p:sp>
+      <p:sp>
+        <p:nvSpPr>
+          <p:cNvPr id="78" name="TextBox 77">
+            <a:extLst>
+              <a:ext uri="{FF2B5EF4-FFF2-40B4-BE49-F238E27FC236}">
+                <a16:creationId xmlns:a16="http://schemas.microsoft.com/office/drawing/2014/main" id="{81DC2592-9781-4173-9D7D-29254A9D7901}"/>
+              </a:ext>
+            </a:extLst>
+          </p:cNvPr>
+          <p:cNvSpPr txBox="1"/>
+          <p:nvPr/>
+        </p:nvSpPr>
+        <p:spPr>
+          <a:xfrm>
+            <a:off x="8903458" y="3466583"/>
+            <a:ext cx="2609328" cy="646331"/>
+          </a:xfrm>
+          <a:prstGeom prst="rect">
+            <a:avLst/>
+          </a:prstGeom>
+          <a:noFill/>
+        </p:spPr>
+        <p:txBody>
+          <a:bodyPr wrap="square" rtlCol="0">
+            <a:spAutoFit/>
+          </a:bodyPr>
+          <a:lstStyle/>
+          <a:p>
+            <a:r>
+              <a:rPr lang="en-US" sz="1200" dirty="0"/>
+              <a:t>Client requests additional resources based on the body of the response. These could be images, .</a:t>
+            </a:r>
+            <a:r>
+              <a:rPr lang="en-US" sz="1200" dirty="0" err="1"/>
+              <a:t>css</a:t>
+            </a:r>
+            <a:r>
+              <a:rPr lang="en-US" sz="1200" dirty="0"/>
+              <a:t>, or .</a:t>
+            </a:r>
+            <a:r>
+              <a:rPr lang="en-US" sz="1200" dirty="0" err="1"/>
+              <a:t>js</a:t>
+            </a:r>
+            <a:r>
+              <a:rPr lang="en-US" sz="1200" dirty="0"/>
+              <a:t> files. </a:t>
+            </a:r>
+          </a:p>
+        </p:txBody>
+      </p:sp>
+      <p:cxnSp>
+        <p:nvCxnSpPr>
+          <p:cNvPr id="79" name="Straight Arrow Connector 78">
+            <a:extLst>
+              <a:ext uri="{FF2B5EF4-FFF2-40B4-BE49-F238E27FC236}">
+                <a16:creationId xmlns:a16="http://schemas.microsoft.com/office/drawing/2014/main" id="{801A8E53-657B-4226-BE34-CE27FDF5CCB5}"/>
+              </a:ext>
+            </a:extLst>
+          </p:cNvPr>
+          <p:cNvCxnSpPr>
+            <a:cxnSpLocks/>
+          </p:cNvCxnSpPr>
+          <p:nvPr/>
+        </p:nvCxnSpPr>
+        <p:spPr>
+          <a:xfrm flipH="1">
+            <a:off x="3472527" y="3638415"/>
+            <a:ext cx="5427446" cy="632989"/>
+          </a:xfrm>
+          <a:prstGeom prst="straightConnector1">
+            <a:avLst/>
+          </a:prstGeom>
+          <a:ln w="19050">
+            <a:solidFill>
+              <a:schemeClr val="accent6">
+                <a:lumMod val="75000"/>
+              </a:schemeClr>
+            </a:solidFill>
+            <a:tailEnd type="triangle"/>
+          </a:ln>
+        </p:spPr>
+        <p:style>
+          <a:lnRef idx="1">
+            <a:schemeClr val="accent1"/>
+          </a:lnRef>
+          <a:fillRef idx="0">
+            <a:schemeClr val="accent1"/>
+          </a:fillRef>
+          <a:effectRef idx="0">
+            <a:schemeClr val="accent1"/>
+          </a:effectRef>
+          <a:fontRef idx="minor">
+            <a:schemeClr val="tx1"/>
+          </a:fontRef>
+        </p:style>
+      </p:cxnSp>
+      <p:cxnSp>
+        <p:nvCxnSpPr>
+          <p:cNvPr id="80" name="Straight Arrow Connector 79">
+            <a:extLst>
+              <a:ext uri="{FF2B5EF4-FFF2-40B4-BE49-F238E27FC236}">
+                <a16:creationId xmlns:a16="http://schemas.microsoft.com/office/drawing/2014/main" id="{BB78839B-4B2A-45F8-9BBA-2B9067B725A5}"/>
+              </a:ext>
+            </a:extLst>
+          </p:cNvPr>
+          <p:cNvCxnSpPr>
+            <a:cxnSpLocks/>
+          </p:cNvCxnSpPr>
+          <p:nvPr/>
+        </p:nvCxnSpPr>
+        <p:spPr>
+          <a:xfrm flipH="1">
+            <a:off x="3472527" y="3744427"/>
+            <a:ext cx="5427446" cy="632989"/>
+          </a:xfrm>
+          <a:prstGeom prst="straightConnector1">
+            <a:avLst/>
+          </a:prstGeom>
+          <a:ln w="19050">
+            <a:solidFill>
+              <a:schemeClr val="accent6">
+                <a:lumMod val="75000"/>
+              </a:schemeClr>
+            </a:solidFill>
+            <a:tailEnd type="triangle"/>
+          </a:ln>
+        </p:spPr>
+        <p:style>
+          <a:lnRef idx="1">
+            <a:schemeClr val="accent1"/>
+          </a:lnRef>
+          <a:fillRef idx="0">
+            <a:schemeClr val="accent1"/>
+          </a:fillRef>
+          <a:effectRef idx="0">
+            <a:schemeClr val="accent1"/>
+          </a:effectRef>
+          <a:fontRef idx="minor">
+            <a:schemeClr val="tx1"/>
+          </a:fontRef>
+        </p:style>
+      </p:cxnSp>
+      <p:cxnSp>
+        <p:nvCxnSpPr>
+          <p:cNvPr id="81" name="Straight Arrow Connector 80">
+            <a:extLst>
+              <a:ext uri="{FF2B5EF4-FFF2-40B4-BE49-F238E27FC236}">
+                <a16:creationId xmlns:a16="http://schemas.microsoft.com/office/drawing/2014/main" id="{6C7AFB02-22BE-4374-8CDC-9699EA90D6D5}"/>
+              </a:ext>
+            </a:extLst>
+          </p:cNvPr>
+          <p:cNvCxnSpPr>
+            <a:cxnSpLocks/>
+          </p:cNvCxnSpPr>
+          <p:nvPr/>
+        </p:nvCxnSpPr>
+        <p:spPr>
+          <a:xfrm flipH="1">
+            <a:off x="3472527" y="3850439"/>
+            <a:ext cx="5427446" cy="632989"/>
+          </a:xfrm>
+          <a:prstGeom prst="straightConnector1">
+            <a:avLst/>
+          </a:prstGeom>
+          <a:ln w="19050">
+            <a:solidFill>
+              <a:schemeClr val="accent6">
+                <a:lumMod val="75000"/>
+              </a:schemeClr>
+            </a:solidFill>
+            <a:tailEnd type="triangle"/>
+          </a:ln>
+        </p:spPr>
+        <p:style>
+          <a:lnRef idx="1">
+            <a:schemeClr val="accent1"/>
+          </a:lnRef>
+          <a:fillRef idx="0">
+            <a:schemeClr val="accent1"/>
+          </a:fillRef>
+          <a:effectRef idx="0">
+            <a:schemeClr val="accent1"/>
+          </a:effectRef>
+          <a:fontRef idx="minor">
+            <a:schemeClr val="tx1"/>
+          </a:fontRef>
+        </p:style>
+      </p:cxnSp>
+      <p:cxnSp>
+        <p:nvCxnSpPr>
+          <p:cNvPr id="82" name="Straight Arrow Connector 81">
+            <a:extLst>
+              <a:ext uri="{FF2B5EF4-FFF2-40B4-BE49-F238E27FC236}">
+                <a16:creationId xmlns:a16="http://schemas.microsoft.com/office/drawing/2014/main" id="{D85AE60C-F518-4259-A6F1-78C12CECD7B8}"/>
+              </a:ext>
+            </a:extLst>
+          </p:cNvPr>
+          <p:cNvCxnSpPr>
+            <a:cxnSpLocks/>
+          </p:cNvCxnSpPr>
+          <p:nvPr/>
+        </p:nvCxnSpPr>
+        <p:spPr>
+          <a:xfrm flipH="1">
+            <a:off x="3472527" y="3956451"/>
+            <a:ext cx="5427446" cy="632989"/>
+          </a:xfrm>
+          <a:prstGeom prst="straightConnector1">
+            <a:avLst/>
+          </a:prstGeom>
+          <a:ln w="19050">
+            <a:solidFill>
+              <a:schemeClr val="accent6">
+                <a:lumMod val="75000"/>
+              </a:schemeClr>
+            </a:solidFill>
+            <a:tailEnd type="triangle"/>
+          </a:ln>
+        </p:spPr>
+        <p:style>
+          <a:lnRef idx="1">
+            <a:schemeClr val="accent1"/>
+          </a:lnRef>
+          <a:fillRef idx="0">
+            <a:schemeClr val="accent1"/>
+          </a:fillRef>
+          <a:effectRef idx="0">
+            <a:schemeClr val="accent1"/>
+          </a:effectRef>
+          <a:fontRef idx="minor">
+            <a:schemeClr val="tx1"/>
+          </a:fontRef>
+        </p:style>
+      </p:cxnSp>
+      <p:cxnSp>
+        <p:nvCxnSpPr>
+          <p:cNvPr id="83" name="Straight Arrow Connector 82">
+            <a:extLst>
+              <a:ext uri="{FF2B5EF4-FFF2-40B4-BE49-F238E27FC236}">
+                <a16:creationId xmlns:a16="http://schemas.microsoft.com/office/drawing/2014/main" id="{26AB807A-C4C5-4E49-9F9F-07AFD723A86C}"/>
+              </a:ext>
+            </a:extLst>
+          </p:cNvPr>
+          <p:cNvCxnSpPr>
+            <a:cxnSpLocks/>
+          </p:cNvCxnSpPr>
+          <p:nvPr/>
+        </p:nvCxnSpPr>
+        <p:spPr>
+          <a:xfrm flipH="1">
+            <a:off x="3472527" y="4062463"/>
+            <a:ext cx="5427446" cy="632989"/>
+          </a:xfrm>
+          <a:prstGeom prst="straightConnector1">
+            <a:avLst/>
+          </a:prstGeom>
+          <a:ln w="19050">
+            <a:solidFill>
+              <a:schemeClr val="accent6">
+                <a:lumMod val="75000"/>
+              </a:schemeClr>
+            </a:solidFill>
+            <a:tailEnd type="triangle"/>
+          </a:ln>
+        </p:spPr>
+        <p:style>
+          <a:lnRef idx="1">
+            <a:schemeClr val="accent1"/>
+          </a:lnRef>
+          <a:fillRef idx="0">
+            <a:schemeClr val="accent1"/>
+          </a:fillRef>
+          <a:effectRef idx="0">
+            <a:schemeClr val="accent1"/>
+          </a:effectRef>
+          <a:fontRef idx="minor">
+            <a:schemeClr val="tx1"/>
+          </a:fontRef>
+        </p:style>
+      </p:cxnSp>
+      <p:cxnSp>
+        <p:nvCxnSpPr>
+          <p:cNvPr id="84" name="Straight Arrow Connector 83">
+            <a:extLst>
+              <a:ext uri="{FF2B5EF4-FFF2-40B4-BE49-F238E27FC236}">
+                <a16:creationId xmlns:a16="http://schemas.microsoft.com/office/drawing/2014/main" id="{C06B72B2-9EAF-434A-A5E5-B18DF08B6CE3}"/>
+              </a:ext>
+            </a:extLst>
+          </p:cNvPr>
+          <p:cNvCxnSpPr>
+            <a:cxnSpLocks/>
+          </p:cNvCxnSpPr>
+          <p:nvPr/>
+        </p:nvCxnSpPr>
+        <p:spPr>
+          <a:xfrm flipH="1">
+            <a:off x="3472527" y="4168473"/>
+            <a:ext cx="5427446" cy="632989"/>
+          </a:xfrm>
+          <a:prstGeom prst="straightConnector1">
+            <a:avLst/>
+          </a:prstGeom>
+          <a:ln w="19050">
+            <a:solidFill>
+              <a:schemeClr val="accent6">
+                <a:lumMod val="75000"/>
+              </a:schemeClr>
+            </a:solidFill>
+            <a:tailEnd type="triangle"/>
+          </a:ln>
+        </p:spPr>
+        <p:style>
+          <a:lnRef idx="1">
+            <a:schemeClr val="accent1"/>
+          </a:lnRef>
+          <a:fillRef idx="0">
+            <a:schemeClr val="accent1"/>
+          </a:fillRef>
+          <a:effectRef idx="0">
+            <a:schemeClr val="accent1"/>
+          </a:effectRef>
+          <a:fontRef idx="minor">
+            <a:schemeClr val="tx1"/>
+          </a:fontRef>
+        </p:style>
+      </p:cxnSp>
+      <p:sp>
+        <p:nvSpPr>
+          <p:cNvPr id="86" name="TextBox 85">
+            <a:extLst>
+              <a:ext uri="{FF2B5EF4-FFF2-40B4-BE49-F238E27FC236}">
+                <a16:creationId xmlns:a16="http://schemas.microsoft.com/office/drawing/2014/main" id="{F243C451-B9D5-4808-899B-33BD68D3B181}"/>
+              </a:ext>
+            </a:extLst>
+          </p:cNvPr>
+          <p:cNvSpPr txBox="1"/>
+          <p:nvPr/>
+        </p:nvSpPr>
+        <p:spPr>
+          <a:xfrm>
+            <a:off x="1674408" y="4169531"/>
+            <a:ext cx="1722727" cy="1015663"/>
+          </a:xfrm>
+          <a:prstGeom prst="rect">
+            <a:avLst/>
+          </a:prstGeom>
+          <a:noFill/>
+        </p:spPr>
+        <p:txBody>
+          <a:bodyPr wrap="square" rtlCol="0">
+            <a:spAutoFit/>
+          </a:bodyPr>
+          <a:lstStyle/>
+          <a:p>
+            <a:pPr algn="r"/>
+            <a:r>
+              <a:rPr lang="en-US" sz="1200" dirty="0"/>
+              <a:t>Server receives multiple requests almost simultaneously. This is where threading comes into play.</a:t>
+            </a:r>
+          </a:p>
+        </p:txBody>
+      </p:sp>
+      <p:cxnSp>
+        <p:nvCxnSpPr>
+          <p:cNvPr id="87" name="Straight Arrow Connector 86">
+            <a:extLst>
+              <a:ext uri="{FF2B5EF4-FFF2-40B4-BE49-F238E27FC236}">
+                <a16:creationId xmlns:a16="http://schemas.microsoft.com/office/drawing/2014/main" id="{62197940-0285-41F9-9181-1986D6C5A9CF}"/>
+              </a:ext>
+            </a:extLst>
+          </p:cNvPr>
+          <p:cNvCxnSpPr>
+            <a:cxnSpLocks/>
+          </p:cNvCxnSpPr>
+          <p:nvPr/>
+        </p:nvCxnSpPr>
+        <p:spPr>
+          <a:xfrm>
+            <a:off x="3483636" y="4331240"/>
+            <a:ext cx="5416337" cy="364210"/>
+          </a:xfrm>
+          <a:prstGeom prst="straightConnector1">
+            <a:avLst/>
+          </a:prstGeom>
+          <a:ln w="19050">
+            <a:solidFill>
+              <a:schemeClr val="accent5">
+                <a:lumMod val="75000"/>
+              </a:schemeClr>
+            </a:solidFill>
+            <a:tailEnd type="triangle"/>
+          </a:ln>
+        </p:spPr>
+        <p:style>
+          <a:lnRef idx="1">
+            <a:schemeClr val="accent1"/>
+          </a:lnRef>
+          <a:fillRef idx="0">
+            <a:schemeClr val="accent1"/>
+          </a:fillRef>
+          <a:effectRef idx="0">
+            <a:schemeClr val="accent1"/>
+          </a:effectRef>
+          <a:fontRef idx="minor">
+            <a:schemeClr val="tx1"/>
+          </a:fontRef>
+        </p:style>
+      </p:cxnSp>
+      <p:cxnSp>
+        <p:nvCxnSpPr>
+          <p:cNvPr id="88" name="Straight Arrow Connector 87">
+            <a:extLst>
+              <a:ext uri="{FF2B5EF4-FFF2-40B4-BE49-F238E27FC236}">
+                <a16:creationId xmlns:a16="http://schemas.microsoft.com/office/drawing/2014/main" id="{6A2E0F85-98E9-4BEE-86DA-D729BFEC301A}"/>
+              </a:ext>
+            </a:extLst>
+          </p:cNvPr>
+          <p:cNvCxnSpPr>
+            <a:cxnSpLocks/>
+          </p:cNvCxnSpPr>
+          <p:nvPr/>
+        </p:nvCxnSpPr>
+        <p:spPr>
+          <a:xfrm>
+            <a:off x="3483636" y="4441502"/>
+            <a:ext cx="5416337" cy="364210"/>
+          </a:xfrm>
+          <a:prstGeom prst="straightConnector1">
+            <a:avLst/>
+          </a:prstGeom>
+          <a:ln w="19050">
+            <a:solidFill>
+              <a:schemeClr val="accent5">
+                <a:lumMod val="75000"/>
+              </a:schemeClr>
+            </a:solidFill>
+            <a:tailEnd type="triangle"/>
+          </a:ln>
+        </p:spPr>
+        <p:style>
+          <a:lnRef idx="1">
+            <a:schemeClr val="accent1"/>
+          </a:lnRef>
+          <a:fillRef idx="0">
+            <a:schemeClr val="accent1"/>
+          </a:fillRef>
+          <a:effectRef idx="0">
+            <a:schemeClr val="accent1"/>
+          </a:effectRef>
+          <a:fontRef idx="minor">
+            <a:schemeClr val="tx1"/>
+          </a:fontRef>
+        </p:style>
+      </p:cxnSp>
+      <p:cxnSp>
+        <p:nvCxnSpPr>
+          <p:cNvPr id="89" name="Straight Arrow Connector 88">
+            <a:extLst>
+              <a:ext uri="{FF2B5EF4-FFF2-40B4-BE49-F238E27FC236}">
+                <a16:creationId xmlns:a16="http://schemas.microsoft.com/office/drawing/2014/main" id="{DA31F19B-D8A6-46E2-B9C9-8FBE8FAE82A9}"/>
+              </a:ext>
+            </a:extLst>
+          </p:cNvPr>
+          <p:cNvCxnSpPr>
+            <a:cxnSpLocks/>
+          </p:cNvCxnSpPr>
+          <p:nvPr/>
+        </p:nvCxnSpPr>
+        <p:spPr>
+          <a:xfrm>
+            <a:off x="3483636" y="4551764"/>
+            <a:ext cx="5416337" cy="364210"/>
+          </a:xfrm>
+          <a:prstGeom prst="straightConnector1">
+            <a:avLst/>
+          </a:prstGeom>
+          <a:ln w="19050">
+            <a:solidFill>
+              <a:schemeClr val="accent5">
+                <a:lumMod val="75000"/>
+              </a:schemeClr>
+            </a:solidFill>
+            <a:tailEnd type="triangle"/>
+          </a:ln>
+        </p:spPr>
+        <p:style>
+          <a:lnRef idx="1">
+            <a:schemeClr val="accent1"/>
+          </a:lnRef>
+          <a:fillRef idx="0">
+            <a:schemeClr val="accent1"/>
+          </a:fillRef>
+          <a:effectRef idx="0">
+            <a:schemeClr val="accent1"/>
+          </a:effectRef>
+          <a:fontRef idx="minor">
+            <a:schemeClr val="tx1"/>
+          </a:fontRef>
+        </p:style>
+      </p:cxnSp>
+      <p:cxnSp>
+        <p:nvCxnSpPr>
+          <p:cNvPr id="90" name="Straight Arrow Connector 89">
+            <a:extLst>
+              <a:ext uri="{FF2B5EF4-FFF2-40B4-BE49-F238E27FC236}">
+                <a16:creationId xmlns:a16="http://schemas.microsoft.com/office/drawing/2014/main" id="{C36B697B-E18C-4495-AF69-CACC55B4D154}"/>
+              </a:ext>
+            </a:extLst>
+          </p:cNvPr>
+          <p:cNvCxnSpPr>
+            <a:cxnSpLocks/>
+          </p:cNvCxnSpPr>
+          <p:nvPr/>
+        </p:nvCxnSpPr>
+        <p:spPr>
+          <a:xfrm>
+            <a:off x="3483636" y="4662026"/>
+            <a:ext cx="5416337" cy="364210"/>
+          </a:xfrm>
+          <a:prstGeom prst="straightConnector1">
+            <a:avLst/>
+          </a:prstGeom>
+          <a:ln w="19050">
+            <a:solidFill>
+              <a:schemeClr val="accent5">
+                <a:lumMod val="75000"/>
+              </a:schemeClr>
+            </a:solidFill>
+            <a:tailEnd type="triangle"/>
+          </a:ln>
+        </p:spPr>
+        <p:style>
+          <a:lnRef idx="1">
+            <a:schemeClr val="accent1"/>
+          </a:lnRef>
+          <a:fillRef idx="0">
+            <a:schemeClr val="accent1"/>
+          </a:fillRef>
+          <a:effectRef idx="0">
+            <a:schemeClr val="accent1"/>
+          </a:effectRef>
+          <a:fontRef idx="minor">
+            <a:schemeClr val="tx1"/>
+          </a:fontRef>
+        </p:style>
+      </p:cxnSp>
+      <p:cxnSp>
+        <p:nvCxnSpPr>
+          <p:cNvPr id="91" name="Straight Arrow Connector 90">
+            <a:extLst>
+              <a:ext uri="{FF2B5EF4-FFF2-40B4-BE49-F238E27FC236}">
+                <a16:creationId xmlns:a16="http://schemas.microsoft.com/office/drawing/2014/main" id="{89F6AC07-D463-410C-8C5E-664018D5CCE1}"/>
+              </a:ext>
+            </a:extLst>
+          </p:cNvPr>
+          <p:cNvCxnSpPr>
+            <a:cxnSpLocks/>
+          </p:cNvCxnSpPr>
+          <p:nvPr/>
+        </p:nvCxnSpPr>
+        <p:spPr>
+          <a:xfrm>
+            <a:off x="3483636" y="4772288"/>
+            <a:ext cx="5416337" cy="364210"/>
+          </a:xfrm>
+          <a:prstGeom prst="straightConnector1">
+            <a:avLst/>
+          </a:prstGeom>
+          <a:ln w="19050">
+            <a:solidFill>
+              <a:schemeClr val="accent5">
+                <a:lumMod val="75000"/>
+              </a:schemeClr>
+            </a:solidFill>
+            <a:tailEnd type="triangle"/>
+          </a:ln>
+        </p:spPr>
+        <p:style>
+          <a:lnRef idx="1">
+            <a:schemeClr val="accent1"/>
+          </a:lnRef>
+          <a:fillRef idx="0">
+            <a:schemeClr val="accent1"/>
+          </a:fillRef>
+          <a:effectRef idx="0">
+            <a:schemeClr val="accent1"/>
+          </a:effectRef>
+          <a:fontRef idx="minor">
+            <a:schemeClr val="tx1"/>
+          </a:fontRef>
+        </p:style>
+      </p:cxnSp>
+      <p:cxnSp>
+        <p:nvCxnSpPr>
+          <p:cNvPr id="92" name="Straight Arrow Connector 91">
+            <a:extLst>
+              <a:ext uri="{FF2B5EF4-FFF2-40B4-BE49-F238E27FC236}">
+                <a16:creationId xmlns:a16="http://schemas.microsoft.com/office/drawing/2014/main" id="{7A7F6F9A-C96B-4C61-A57C-524F4344529D}"/>
+              </a:ext>
+            </a:extLst>
+          </p:cNvPr>
+          <p:cNvCxnSpPr>
+            <a:cxnSpLocks/>
+          </p:cNvCxnSpPr>
+          <p:nvPr/>
+        </p:nvCxnSpPr>
+        <p:spPr>
+          <a:xfrm>
+            <a:off x="3483636" y="4882549"/>
+            <a:ext cx="5416337" cy="364210"/>
+          </a:xfrm>
+          <a:prstGeom prst="straightConnector1">
+            <a:avLst/>
+          </a:prstGeom>
+          <a:ln w="19050">
+            <a:solidFill>
+              <a:schemeClr val="accent5">
+                <a:lumMod val="75000"/>
+              </a:schemeClr>
+            </a:solidFill>
+            <a:tailEnd type="triangle"/>
+          </a:ln>
+        </p:spPr>
+        <p:style>
+          <a:lnRef idx="1">
+            <a:schemeClr val="accent1"/>
+          </a:lnRef>
+          <a:fillRef idx="0">
+            <a:schemeClr val="accent1"/>
+          </a:fillRef>
+          <a:effectRef idx="0">
+            <a:schemeClr val="accent1"/>
+          </a:effectRef>
+          <a:fontRef idx="minor">
+            <a:schemeClr val="tx1"/>
+          </a:fontRef>
+        </p:style>
+      </p:cxnSp>
+      <p:sp>
+        <p:nvSpPr>
+          <p:cNvPr id="94" name="TextBox 93">
+            <a:extLst>
+              <a:ext uri="{FF2B5EF4-FFF2-40B4-BE49-F238E27FC236}">
+                <a16:creationId xmlns:a16="http://schemas.microsoft.com/office/drawing/2014/main" id="{5FDEF61B-F098-4C0D-8C78-18F22FDC78FD}"/>
+              </a:ext>
+            </a:extLst>
+          </p:cNvPr>
+          <p:cNvSpPr txBox="1"/>
+          <p:nvPr/>
+        </p:nvSpPr>
+        <p:spPr>
+          <a:xfrm>
+            <a:off x="8944713" y="4589440"/>
+            <a:ext cx="2761293" cy="646331"/>
+          </a:xfrm>
+          <a:prstGeom prst="rect">
+            <a:avLst/>
+          </a:prstGeom>
+          <a:noFill/>
+        </p:spPr>
+        <p:txBody>
+          <a:bodyPr wrap="square" rtlCol="0">
+            <a:spAutoFit/>
+          </a:bodyPr>
+          <a:lstStyle/>
+          <a:p>
+            <a:r>
+              <a:rPr lang="en-US" sz="1200" dirty="0"/>
+              <a:t>Client either requests additional resources or has enough to display a page.</a:t>
+            </a:r>
+          </a:p>
+        </p:txBody>
+      </p:sp>
+    </p:spTree>
+    <p:extLst>
+      <p:ext uri="{BB962C8B-B14F-4D97-AF65-F5344CB8AC3E}">
+        <p14:creationId xmlns:p14="http://schemas.microsoft.com/office/powerpoint/2010/main" val="1104042506"/>
       </p:ext>
     </p:extLst>
   </p:cSld>

--- a/Network Parts and Terms.pptx
+++ b/Network Parts and Terms.pptx
@@ -9,6 +9,7 @@
     <p:sldId id="273" r:id="rId3"/>
     <p:sldId id="274" r:id="rId4"/>
     <p:sldId id="275" r:id="rId5"/>
+    <p:sldId id="276" r:id="rId6"/>
   </p:sldIdLst>
   <p:sldSz cx="12192000" cy="6858000"/>
   <p:notesSz cx="6858000" cy="9144000"/>
@@ -262,7 +263,7 @@
           <a:p>
             <a:fld id="{06ADBE60-9DBF-4AEC-B933-FFCA020856EA}" type="datetimeFigureOut">
               <a:rPr lang="en-US" smtClean="0"/>
-              <a:t>9/10/2020</a:t>
+              <a:t>9/11/2020</a:t>
             </a:fld>
             <a:endParaRPr lang="en-US"/>
           </a:p>
@@ -460,7 +461,7 @@
           <a:p>
             <a:fld id="{06ADBE60-9DBF-4AEC-B933-FFCA020856EA}" type="datetimeFigureOut">
               <a:rPr lang="en-US" smtClean="0"/>
-              <a:t>9/10/2020</a:t>
+              <a:t>9/11/2020</a:t>
             </a:fld>
             <a:endParaRPr lang="en-US"/>
           </a:p>
@@ -668,7 +669,7 @@
           <a:p>
             <a:fld id="{06ADBE60-9DBF-4AEC-B933-FFCA020856EA}" type="datetimeFigureOut">
               <a:rPr lang="en-US" smtClean="0"/>
-              <a:t>9/10/2020</a:t>
+              <a:t>9/11/2020</a:t>
             </a:fld>
             <a:endParaRPr lang="en-US"/>
           </a:p>
@@ -866,7 +867,7 @@
           <a:p>
             <a:fld id="{06ADBE60-9DBF-4AEC-B933-FFCA020856EA}" type="datetimeFigureOut">
               <a:rPr lang="en-US" smtClean="0"/>
-              <a:t>9/10/2020</a:t>
+              <a:t>9/11/2020</a:t>
             </a:fld>
             <a:endParaRPr lang="en-US"/>
           </a:p>
@@ -1141,7 +1142,7 @@
           <a:p>
             <a:fld id="{06ADBE60-9DBF-4AEC-B933-FFCA020856EA}" type="datetimeFigureOut">
               <a:rPr lang="en-US" smtClean="0"/>
-              <a:t>9/10/2020</a:t>
+              <a:t>9/11/2020</a:t>
             </a:fld>
             <a:endParaRPr lang="en-US"/>
           </a:p>
@@ -1406,7 +1407,7 @@
           <a:p>
             <a:fld id="{06ADBE60-9DBF-4AEC-B933-FFCA020856EA}" type="datetimeFigureOut">
               <a:rPr lang="en-US" smtClean="0"/>
-              <a:t>9/10/2020</a:t>
+              <a:t>9/11/2020</a:t>
             </a:fld>
             <a:endParaRPr lang="en-US"/>
           </a:p>
@@ -1818,7 +1819,7 @@
           <a:p>
             <a:fld id="{06ADBE60-9DBF-4AEC-B933-FFCA020856EA}" type="datetimeFigureOut">
               <a:rPr lang="en-US" smtClean="0"/>
-              <a:t>9/10/2020</a:t>
+              <a:t>9/11/2020</a:t>
             </a:fld>
             <a:endParaRPr lang="en-US"/>
           </a:p>
@@ -1959,7 +1960,7 @@
           <a:p>
             <a:fld id="{06ADBE60-9DBF-4AEC-B933-FFCA020856EA}" type="datetimeFigureOut">
               <a:rPr lang="en-US" smtClean="0"/>
-              <a:t>9/10/2020</a:t>
+              <a:t>9/11/2020</a:t>
             </a:fld>
             <a:endParaRPr lang="en-US"/>
           </a:p>
@@ -2072,7 +2073,7 @@
           <a:p>
             <a:fld id="{06ADBE60-9DBF-4AEC-B933-FFCA020856EA}" type="datetimeFigureOut">
               <a:rPr lang="en-US" smtClean="0"/>
-              <a:t>9/10/2020</a:t>
+              <a:t>9/11/2020</a:t>
             </a:fld>
             <a:endParaRPr lang="en-US"/>
           </a:p>
@@ -2383,7 +2384,7 @@
           <a:p>
             <a:fld id="{06ADBE60-9DBF-4AEC-B933-FFCA020856EA}" type="datetimeFigureOut">
               <a:rPr lang="en-US" smtClean="0"/>
-              <a:t>9/10/2020</a:t>
+              <a:t>9/11/2020</a:t>
             </a:fld>
             <a:endParaRPr lang="en-US"/>
           </a:p>
@@ -2671,7 +2672,7 @@
           <a:p>
             <a:fld id="{06ADBE60-9DBF-4AEC-B933-FFCA020856EA}" type="datetimeFigureOut">
               <a:rPr lang="en-US" smtClean="0"/>
-              <a:t>9/10/2020</a:t>
+              <a:t>9/11/2020</a:t>
             </a:fld>
             <a:endParaRPr lang="en-US"/>
           </a:p>
@@ -2912,7 +2913,7 @@
           <a:p>
             <a:fld id="{06ADBE60-9DBF-4AEC-B933-FFCA020856EA}" type="datetimeFigureOut">
               <a:rPr lang="en-US" smtClean="0"/>
-              <a:t>9/10/2020</a:t>
+              <a:t>9/11/2020</a:t>
             </a:fld>
             <a:endParaRPr lang="en-US"/>
           </a:p>
@@ -10147,6 +10148,1462 @@
     <p:extLst>
       <p:ext uri="{BB962C8B-B14F-4D97-AF65-F5344CB8AC3E}">
         <p14:creationId xmlns:p14="http://schemas.microsoft.com/office/powerpoint/2010/main" val="1104042506"/>
+      </p:ext>
+    </p:extLst>
+  </p:cSld>
+  <p:clrMapOvr>
+    <a:masterClrMapping/>
+  </p:clrMapOvr>
+</p:sld>
+</file>
+
+<file path=ppt/slides/slide5.xml><?xml version="1.0" encoding="utf-8"?>
+<p:sld xmlns:a="http://schemas.openxmlformats.org/drawingml/2006/main" xmlns:r="http://schemas.openxmlformats.org/officeDocument/2006/relationships" xmlns:p="http://schemas.openxmlformats.org/presentationml/2006/main">
+  <p:cSld>
+    <p:spTree>
+      <p:nvGrpSpPr>
+        <p:cNvPr id="1" name=""/>
+        <p:cNvGrpSpPr/>
+        <p:nvPr/>
+      </p:nvGrpSpPr>
+      <p:grpSpPr>
+        <a:xfrm>
+          <a:off x="0" y="0"/>
+          <a:ext cx="0" cy="0"/>
+          <a:chOff x="0" y="0"/>
+          <a:chExt cx="0" cy="0"/>
+        </a:xfrm>
+      </p:grpSpPr>
+      <p:sp>
+        <p:nvSpPr>
+          <p:cNvPr id="2" name="Rectangle 1" hidden="1">
+            <a:extLst>
+              <a:ext uri="{FF2B5EF4-FFF2-40B4-BE49-F238E27FC236}">
+                <a16:creationId xmlns:a16="http://schemas.microsoft.com/office/drawing/2014/main" id="{5CCCBFA1-FDCD-4E57-81CE-6E0F8D7901BF}"/>
+              </a:ext>
+            </a:extLst>
+          </p:cNvPr>
+          <p:cNvSpPr/>
+          <p:nvPr/>
+        </p:nvSpPr>
+        <p:spPr>
+          <a:xfrm>
+            <a:off x="0" y="0"/>
+            <a:ext cx="12192000" cy="6858000"/>
+          </a:xfrm>
+          <a:prstGeom prst="rect">
+            <a:avLst/>
+          </a:prstGeom>
+          <a:solidFill>
+            <a:schemeClr val="bg1"/>
+          </a:solidFill>
+          <a:ln>
+            <a:noFill/>
+          </a:ln>
+        </p:spPr>
+        <p:style>
+          <a:lnRef idx="2">
+            <a:schemeClr val="accent1">
+              <a:shade val="50000"/>
+            </a:schemeClr>
+          </a:lnRef>
+          <a:fillRef idx="1">
+            <a:schemeClr val="accent1"/>
+          </a:fillRef>
+          <a:effectRef idx="0">
+            <a:schemeClr val="accent1"/>
+          </a:effectRef>
+          <a:fontRef idx="minor">
+            <a:schemeClr val="lt1"/>
+          </a:fontRef>
+        </p:style>
+        <p:txBody>
+          <a:bodyPr rtlCol="0" anchor="ctr"/>
+          <a:lstStyle/>
+          <a:p>
+            <a:pPr algn="ctr"/>
+            <a:endParaRPr lang="en-US" dirty="0"/>
+          </a:p>
+        </p:txBody>
+      </p:sp>
+      <p:sp>
+        <p:nvSpPr>
+          <p:cNvPr id="38" name="TextBox 37">
+            <a:extLst>
+              <a:ext uri="{FF2B5EF4-FFF2-40B4-BE49-F238E27FC236}">
+                <a16:creationId xmlns:a16="http://schemas.microsoft.com/office/drawing/2014/main" id="{91D2CAB9-EF2E-4B5B-B20A-806B6DD60F42}"/>
+              </a:ext>
+            </a:extLst>
+          </p:cNvPr>
+          <p:cNvSpPr txBox="1"/>
+          <p:nvPr/>
+        </p:nvSpPr>
+        <p:spPr>
+          <a:xfrm>
+            <a:off x="3397135" y="250222"/>
+            <a:ext cx="5397730" cy="523220"/>
+          </a:xfrm>
+          <a:prstGeom prst="rect">
+            <a:avLst/>
+          </a:prstGeom>
+          <a:noFill/>
+        </p:spPr>
+        <p:txBody>
+          <a:bodyPr wrap="square" rtlCol="0">
+            <a:spAutoFit/>
+          </a:bodyPr>
+          <a:lstStyle/>
+          <a:p>
+            <a:pPr algn="ctr"/>
+            <a:r>
+              <a:rPr lang="en-US" sz="2800" dirty="0">
+                <a:solidFill>
+                  <a:schemeClr val="accent6">
+                    <a:lumMod val="75000"/>
+                  </a:schemeClr>
+                </a:solidFill>
+              </a:rPr>
+              <a:t>HTTP Protocol</a:t>
+            </a:r>
+          </a:p>
+        </p:txBody>
+      </p:sp>
+      <p:grpSp>
+        <p:nvGrpSpPr>
+          <p:cNvPr id="49" name="Group 48">
+            <a:extLst>
+              <a:ext uri="{FF2B5EF4-FFF2-40B4-BE49-F238E27FC236}">
+                <a16:creationId xmlns:a16="http://schemas.microsoft.com/office/drawing/2014/main" id="{B8CE06AF-2806-4107-95D9-AAC286CC343B}"/>
+              </a:ext>
+            </a:extLst>
+          </p:cNvPr>
+          <p:cNvGrpSpPr/>
+          <p:nvPr/>
+        </p:nvGrpSpPr>
+        <p:grpSpPr>
+          <a:xfrm>
+            <a:off x="3766877" y="629685"/>
+            <a:ext cx="4498072" cy="297874"/>
+            <a:chOff x="3971469" y="624781"/>
+            <a:chExt cx="4498072" cy="297874"/>
+          </a:xfrm>
+        </p:grpSpPr>
+        <p:cxnSp>
+          <p:nvCxnSpPr>
+            <p:cNvPr id="40" name="Straight Connector 39">
+              <a:extLst>
+                <a:ext uri="{FF2B5EF4-FFF2-40B4-BE49-F238E27FC236}">
+                  <a16:creationId xmlns:a16="http://schemas.microsoft.com/office/drawing/2014/main" id="{D6E0AC31-61D0-4CE2-AA3B-3C6978E8704A}"/>
+                </a:ext>
+              </a:extLst>
+            </p:cNvPr>
+            <p:cNvCxnSpPr/>
+            <p:nvPr/>
+          </p:nvCxnSpPr>
+          <p:spPr>
+            <a:xfrm>
+              <a:off x="5170031" y="773442"/>
+              <a:ext cx="2057400" cy="0"/>
+            </a:xfrm>
+            <a:prstGeom prst="line">
+              <a:avLst/>
+            </a:prstGeom>
+            <a:ln cap="rnd"/>
+          </p:spPr>
+          <p:style>
+            <a:lnRef idx="3">
+              <a:schemeClr val="accent6"/>
+            </a:lnRef>
+            <a:fillRef idx="0">
+              <a:schemeClr val="accent6"/>
+            </a:fillRef>
+            <a:effectRef idx="2">
+              <a:schemeClr val="accent6"/>
+            </a:effectRef>
+            <a:fontRef idx="minor">
+              <a:schemeClr val="tx1"/>
+            </a:fontRef>
+          </p:style>
+        </p:cxnSp>
+        <p:cxnSp>
+          <p:nvCxnSpPr>
+            <p:cNvPr id="41" name="Straight Connector 40">
+              <a:extLst>
+                <a:ext uri="{FF2B5EF4-FFF2-40B4-BE49-F238E27FC236}">
+                  <a16:creationId xmlns:a16="http://schemas.microsoft.com/office/drawing/2014/main" id="{B388F3BF-FB37-4435-8519-443F06647178}"/>
+                </a:ext>
+              </a:extLst>
+            </p:cNvPr>
+            <p:cNvCxnSpPr>
+              <a:cxnSpLocks/>
+            </p:cNvCxnSpPr>
+            <p:nvPr/>
+          </p:nvCxnSpPr>
+          <p:spPr>
+            <a:xfrm>
+              <a:off x="7349270" y="697242"/>
+              <a:ext cx="1027511" cy="0"/>
+            </a:xfrm>
+            <a:prstGeom prst="line">
+              <a:avLst/>
+            </a:prstGeom>
+            <a:ln cap="rnd"/>
+          </p:spPr>
+          <p:style>
+            <a:lnRef idx="3">
+              <a:schemeClr val="accent6"/>
+            </a:lnRef>
+            <a:fillRef idx="0">
+              <a:schemeClr val="accent6"/>
+            </a:fillRef>
+            <a:effectRef idx="2">
+              <a:schemeClr val="accent6"/>
+            </a:effectRef>
+            <a:fontRef idx="minor">
+              <a:schemeClr val="tx1"/>
+            </a:fontRef>
+          </p:style>
+        </p:cxnSp>
+        <p:cxnSp>
+          <p:nvCxnSpPr>
+            <p:cNvPr id="43" name="Straight Connector 42">
+              <a:extLst>
+                <a:ext uri="{FF2B5EF4-FFF2-40B4-BE49-F238E27FC236}">
+                  <a16:creationId xmlns:a16="http://schemas.microsoft.com/office/drawing/2014/main" id="{EC5F7052-9710-4CD3-8A81-EEE0E9A7244C}"/>
+                </a:ext>
+              </a:extLst>
+            </p:cNvPr>
+            <p:cNvCxnSpPr>
+              <a:cxnSpLocks/>
+            </p:cNvCxnSpPr>
+            <p:nvPr/>
+          </p:nvCxnSpPr>
+          <p:spPr>
+            <a:xfrm flipV="1">
+              <a:off x="7227431" y="697242"/>
+              <a:ext cx="121839" cy="76200"/>
+            </a:xfrm>
+            <a:prstGeom prst="line">
+              <a:avLst/>
+            </a:prstGeom>
+            <a:ln cap="rnd"/>
+          </p:spPr>
+          <p:style>
+            <a:lnRef idx="3">
+              <a:schemeClr val="accent6"/>
+            </a:lnRef>
+            <a:fillRef idx="0">
+              <a:schemeClr val="accent6"/>
+            </a:fillRef>
+            <a:effectRef idx="2">
+              <a:schemeClr val="accent6"/>
+            </a:effectRef>
+            <a:fontRef idx="minor">
+              <a:schemeClr val="tx1"/>
+            </a:fontRef>
+          </p:style>
+        </p:cxnSp>
+        <p:cxnSp>
+          <p:nvCxnSpPr>
+            <p:cNvPr id="46" name="Straight Connector 45">
+              <a:extLst>
+                <a:ext uri="{FF2B5EF4-FFF2-40B4-BE49-F238E27FC236}">
+                  <a16:creationId xmlns:a16="http://schemas.microsoft.com/office/drawing/2014/main" id="{C86B609C-3E9D-4EA1-9D7B-7AD108C8C57B}"/>
+                </a:ext>
+              </a:extLst>
+            </p:cNvPr>
+            <p:cNvCxnSpPr>
+              <a:cxnSpLocks/>
+            </p:cNvCxnSpPr>
+            <p:nvPr/>
+          </p:nvCxnSpPr>
+          <p:spPr>
+            <a:xfrm flipV="1">
+              <a:off x="5048192" y="773442"/>
+              <a:ext cx="121839" cy="76200"/>
+            </a:xfrm>
+            <a:prstGeom prst="line">
+              <a:avLst/>
+            </a:prstGeom>
+            <a:ln cap="rnd"/>
+          </p:spPr>
+          <p:style>
+            <a:lnRef idx="3">
+              <a:schemeClr val="accent6"/>
+            </a:lnRef>
+            <a:fillRef idx="0">
+              <a:schemeClr val="accent6"/>
+            </a:fillRef>
+            <a:effectRef idx="2">
+              <a:schemeClr val="accent6"/>
+            </a:effectRef>
+            <a:fontRef idx="minor">
+              <a:schemeClr val="tx1"/>
+            </a:fontRef>
+          </p:style>
+        </p:cxnSp>
+        <p:cxnSp>
+          <p:nvCxnSpPr>
+            <p:cNvPr id="47" name="Straight Connector 46">
+              <a:extLst>
+                <a:ext uri="{FF2B5EF4-FFF2-40B4-BE49-F238E27FC236}">
+                  <a16:creationId xmlns:a16="http://schemas.microsoft.com/office/drawing/2014/main" id="{0D690C07-0109-4CEC-B0CC-434EED608911}"/>
+                </a:ext>
+              </a:extLst>
+            </p:cNvPr>
+            <p:cNvCxnSpPr>
+              <a:cxnSpLocks/>
+            </p:cNvCxnSpPr>
+            <p:nvPr/>
+          </p:nvCxnSpPr>
+          <p:spPr>
+            <a:xfrm flipV="1">
+              <a:off x="4021655" y="849642"/>
+              <a:ext cx="1026537" cy="11668"/>
+            </a:xfrm>
+            <a:prstGeom prst="line">
+              <a:avLst/>
+            </a:prstGeom>
+            <a:ln cap="rnd"/>
+          </p:spPr>
+          <p:style>
+            <a:lnRef idx="3">
+              <a:schemeClr val="accent6"/>
+            </a:lnRef>
+            <a:fillRef idx="0">
+              <a:schemeClr val="accent6"/>
+            </a:fillRef>
+            <a:effectRef idx="2">
+              <a:schemeClr val="accent6"/>
+            </a:effectRef>
+            <a:fontRef idx="minor">
+              <a:schemeClr val="tx1"/>
+            </a:fontRef>
+          </p:style>
+        </p:cxnSp>
+        <p:sp>
+          <p:nvSpPr>
+            <p:cNvPr id="50" name="Oval 49">
+              <a:extLst>
+                <a:ext uri="{FF2B5EF4-FFF2-40B4-BE49-F238E27FC236}">
+                  <a16:creationId xmlns:a16="http://schemas.microsoft.com/office/drawing/2014/main" id="{EEA3A56A-D77B-4804-9467-3C2325189A39}"/>
+                </a:ext>
+              </a:extLst>
+            </p:cNvPr>
+            <p:cNvSpPr/>
+            <p:nvPr/>
+          </p:nvSpPr>
+          <p:spPr>
+            <a:xfrm>
+              <a:off x="3971469" y="789305"/>
+              <a:ext cx="133350" cy="133350"/>
+            </a:xfrm>
+            <a:prstGeom prst="ellipse">
+              <a:avLst/>
+            </a:prstGeom>
+          </p:spPr>
+          <p:style>
+            <a:lnRef idx="2">
+              <a:schemeClr val="accent6"/>
+            </a:lnRef>
+            <a:fillRef idx="1">
+              <a:schemeClr val="lt1"/>
+            </a:fillRef>
+            <a:effectRef idx="0">
+              <a:schemeClr val="accent6"/>
+            </a:effectRef>
+            <a:fontRef idx="minor">
+              <a:schemeClr val="dk1"/>
+            </a:fontRef>
+          </p:style>
+          <p:txBody>
+            <a:bodyPr rtlCol="0" anchor="ctr"/>
+            <a:lstStyle/>
+            <a:p>
+              <a:pPr algn="ctr"/>
+              <a:endParaRPr lang="en-US" i="1" dirty="0"/>
+            </a:p>
+          </p:txBody>
+        </p:sp>
+        <p:sp>
+          <p:nvSpPr>
+            <p:cNvPr id="51" name="Oval 50">
+              <a:extLst>
+                <a:ext uri="{FF2B5EF4-FFF2-40B4-BE49-F238E27FC236}">
+                  <a16:creationId xmlns:a16="http://schemas.microsoft.com/office/drawing/2014/main" id="{488A40C9-3C11-477D-B0FB-19648893F367}"/>
+                </a:ext>
+              </a:extLst>
+            </p:cNvPr>
+            <p:cNvSpPr/>
+            <p:nvPr/>
+          </p:nvSpPr>
+          <p:spPr>
+            <a:xfrm>
+              <a:off x="8336191" y="624781"/>
+              <a:ext cx="133350" cy="133350"/>
+            </a:xfrm>
+            <a:prstGeom prst="ellipse">
+              <a:avLst/>
+            </a:prstGeom>
+          </p:spPr>
+          <p:style>
+            <a:lnRef idx="2">
+              <a:schemeClr val="accent6"/>
+            </a:lnRef>
+            <a:fillRef idx="1">
+              <a:schemeClr val="lt1"/>
+            </a:fillRef>
+            <a:effectRef idx="0">
+              <a:schemeClr val="accent6"/>
+            </a:effectRef>
+            <a:fontRef idx="minor">
+              <a:schemeClr val="dk1"/>
+            </a:fontRef>
+          </p:style>
+          <p:txBody>
+            <a:bodyPr rtlCol="0" anchor="ctr"/>
+            <a:lstStyle/>
+            <a:p>
+              <a:pPr algn="ctr"/>
+              <a:endParaRPr lang="en-US" i="1" dirty="0"/>
+            </a:p>
+          </p:txBody>
+        </p:sp>
+      </p:grpSp>
+      <p:cxnSp>
+        <p:nvCxnSpPr>
+          <p:cNvPr id="56" name="Straight Connector 55">
+            <a:extLst>
+              <a:ext uri="{FF2B5EF4-FFF2-40B4-BE49-F238E27FC236}">
+                <a16:creationId xmlns:a16="http://schemas.microsoft.com/office/drawing/2014/main" id="{F9C26875-AC4A-4148-B81A-A4A8ABC00888}"/>
+              </a:ext>
+            </a:extLst>
+          </p:cNvPr>
+          <p:cNvCxnSpPr>
+            <a:cxnSpLocks/>
+          </p:cNvCxnSpPr>
+          <p:nvPr/>
+        </p:nvCxnSpPr>
+        <p:spPr>
+          <a:xfrm flipV="1">
+            <a:off x="705308" y="1292603"/>
+            <a:ext cx="2396815" cy="13201"/>
+          </a:xfrm>
+          <a:prstGeom prst="line">
+            <a:avLst/>
+          </a:prstGeom>
+          <a:ln cap="rnd"/>
+        </p:spPr>
+        <p:style>
+          <a:lnRef idx="3">
+            <a:schemeClr val="accent6"/>
+          </a:lnRef>
+          <a:fillRef idx="0">
+            <a:schemeClr val="accent6"/>
+          </a:fillRef>
+          <a:effectRef idx="2">
+            <a:schemeClr val="accent6"/>
+          </a:effectRef>
+          <a:fontRef idx="minor">
+            <a:schemeClr val="tx1"/>
+          </a:fontRef>
+        </p:style>
+      </p:cxnSp>
+      <p:sp>
+        <p:nvSpPr>
+          <p:cNvPr id="57" name="Oval 56">
+            <a:extLst>
+              <a:ext uri="{FF2B5EF4-FFF2-40B4-BE49-F238E27FC236}">
+                <a16:creationId xmlns:a16="http://schemas.microsoft.com/office/drawing/2014/main" id="{370F3CE1-9CF7-43B0-83BB-E40DAD752FE1}"/>
+              </a:ext>
+            </a:extLst>
+          </p:cNvPr>
+          <p:cNvSpPr/>
+          <p:nvPr/>
+        </p:nvSpPr>
+        <p:spPr>
+          <a:xfrm>
+            <a:off x="3054497" y="1225928"/>
+            <a:ext cx="133350" cy="133350"/>
+          </a:xfrm>
+          <a:prstGeom prst="ellipse">
+            <a:avLst/>
+          </a:prstGeom>
+        </p:spPr>
+        <p:style>
+          <a:lnRef idx="2">
+            <a:schemeClr val="accent6"/>
+          </a:lnRef>
+          <a:fillRef idx="1">
+            <a:schemeClr val="lt1"/>
+          </a:fillRef>
+          <a:effectRef idx="0">
+            <a:schemeClr val="accent6"/>
+          </a:effectRef>
+          <a:fontRef idx="minor">
+            <a:schemeClr val="dk1"/>
+          </a:fontRef>
+        </p:style>
+        <p:txBody>
+          <a:bodyPr rtlCol="0" anchor="ctr"/>
+          <a:lstStyle/>
+          <a:p>
+            <a:pPr algn="ctr"/>
+            <a:endParaRPr lang="en-US" dirty="0"/>
+          </a:p>
+        </p:txBody>
+      </p:sp>
+      <p:sp>
+        <p:nvSpPr>
+          <p:cNvPr id="58" name="TextBox 57">
+            <a:extLst>
+              <a:ext uri="{FF2B5EF4-FFF2-40B4-BE49-F238E27FC236}">
+                <a16:creationId xmlns:a16="http://schemas.microsoft.com/office/drawing/2014/main" id="{3DEDC128-6118-4E0E-8088-7FED3274461A}"/>
+              </a:ext>
+            </a:extLst>
+          </p:cNvPr>
+          <p:cNvSpPr txBox="1"/>
+          <p:nvPr/>
+        </p:nvSpPr>
+        <p:spPr>
+          <a:xfrm>
+            <a:off x="705308" y="936472"/>
+            <a:ext cx="1019766" cy="369332"/>
+          </a:xfrm>
+          <a:prstGeom prst="rect">
+            <a:avLst/>
+          </a:prstGeom>
+          <a:noFill/>
+        </p:spPr>
+        <p:txBody>
+          <a:bodyPr wrap="none" rtlCol="0">
+            <a:spAutoFit/>
+          </a:bodyPr>
+          <a:lstStyle/>
+          <a:p>
+            <a:r>
+              <a:rPr lang="en-US" dirty="0">
+                <a:solidFill>
+                  <a:schemeClr val="accent6">
+                    <a:lumMod val="75000"/>
+                  </a:schemeClr>
+                </a:solidFill>
+              </a:rPr>
+              <a:t>HTTP 1.0</a:t>
+            </a:r>
+          </a:p>
+        </p:txBody>
+      </p:sp>
+      <p:cxnSp>
+        <p:nvCxnSpPr>
+          <p:cNvPr id="22" name="Straight Connector 21">
+            <a:extLst>
+              <a:ext uri="{FF2B5EF4-FFF2-40B4-BE49-F238E27FC236}">
+                <a16:creationId xmlns:a16="http://schemas.microsoft.com/office/drawing/2014/main" id="{FF385047-39B6-4C0C-88C7-0CA9881E85BD}"/>
+              </a:ext>
+            </a:extLst>
+          </p:cNvPr>
+          <p:cNvCxnSpPr>
+            <a:cxnSpLocks/>
+          </p:cNvCxnSpPr>
+          <p:nvPr/>
+        </p:nvCxnSpPr>
+        <p:spPr>
+          <a:xfrm flipV="1">
+            <a:off x="8794865" y="1346077"/>
+            <a:ext cx="2396815" cy="13201"/>
+          </a:xfrm>
+          <a:prstGeom prst="line">
+            <a:avLst/>
+          </a:prstGeom>
+          <a:ln cap="rnd"/>
+        </p:spPr>
+        <p:style>
+          <a:lnRef idx="3">
+            <a:schemeClr val="accent6"/>
+          </a:lnRef>
+          <a:fillRef idx="0">
+            <a:schemeClr val="accent6"/>
+          </a:fillRef>
+          <a:effectRef idx="2">
+            <a:schemeClr val="accent6"/>
+          </a:effectRef>
+          <a:fontRef idx="minor">
+            <a:schemeClr val="tx1"/>
+          </a:fontRef>
+        </p:style>
+      </p:cxnSp>
+      <p:sp>
+        <p:nvSpPr>
+          <p:cNvPr id="23" name="Oval 22">
+            <a:extLst>
+              <a:ext uri="{FF2B5EF4-FFF2-40B4-BE49-F238E27FC236}">
+                <a16:creationId xmlns:a16="http://schemas.microsoft.com/office/drawing/2014/main" id="{FDA49A48-C0FD-4610-AFFE-4CF8A8064543}"/>
+              </a:ext>
+            </a:extLst>
+          </p:cNvPr>
+          <p:cNvSpPr/>
+          <p:nvPr/>
+        </p:nvSpPr>
+        <p:spPr>
+          <a:xfrm>
+            <a:off x="8709141" y="1279402"/>
+            <a:ext cx="133350" cy="133350"/>
+          </a:xfrm>
+          <a:prstGeom prst="ellipse">
+            <a:avLst/>
+          </a:prstGeom>
+        </p:spPr>
+        <p:style>
+          <a:lnRef idx="2">
+            <a:schemeClr val="accent6"/>
+          </a:lnRef>
+          <a:fillRef idx="1">
+            <a:schemeClr val="lt1"/>
+          </a:fillRef>
+          <a:effectRef idx="0">
+            <a:schemeClr val="accent6"/>
+          </a:effectRef>
+          <a:fontRef idx="minor">
+            <a:schemeClr val="dk1"/>
+          </a:fontRef>
+        </p:style>
+        <p:txBody>
+          <a:bodyPr rtlCol="0" anchor="ctr"/>
+          <a:lstStyle/>
+          <a:p>
+            <a:pPr algn="ctr"/>
+            <a:endParaRPr lang="en-US" dirty="0"/>
+          </a:p>
+        </p:txBody>
+      </p:sp>
+      <p:sp>
+        <p:nvSpPr>
+          <p:cNvPr id="24" name="TextBox 23">
+            <a:extLst>
+              <a:ext uri="{FF2B5EF4-FFF2-40B4-BE49-F238E27FC236}">
+                <a16:creationId xmlns:a16="http://schemas.microsoft.com/office/drawing/2014/main" id="{07657E45-5A07-4AFF-9BE7-C7006CFE6366}"/>
+              </a:ext>
+            </a:extLst>
+          </p:cNvPr>
+          <p:cNvSpPr txBox="1"/>
+          <p:nvPr/>
+        </p:nvSpPr>
+        <p:spPr>
+          <a:xfrm>
+            <a:off x="10171914" y="983345"/>
+            <a:ext cx="1019766" cy="369332"/>
+          </a:xfrm>
+          <a:prstGeom prst="rect">
+            <a:avLst/>
+          </a:prstGeom>
+          <a:noFill/>
+        </p:spPr>
+        <p:txBody>
+          <a:bodyPr wrap="none" rtlCol="0">
+            <a:spAutoFit/>
+          </a:bodyPr>
+          <a:lstStyle/>
+          <a:p>
+            <a:r>
+              <a:rPr lang="en-US" dirty="0">
+                <a:solidFill>
+                  <a:schemeClr val="accent6">
+                    <a:lumMod val="75000"/>
+                  </a:schemeClr>
+                </a:solidFill>
+              </a:rPr>
+              <a:t>HTTP 1.1</a:t>
+            </a:r>
+          </a:p>
+        </p:txBody>
+      </p:sp>
+      <p:sp>
+        <p:nvSpPr>
+          <p:cNvPr id="5" name="TextBox 4">
+            <a:extLst>
+              <a:ext uri="{FF2B5EF4-FFF2-40B4-BE49-F238E27FC236}">
+                <a16:creationId xmlns:a16="http://schemas.microsoft.com/office/drawing/2014/main" id="{AFA644A6-78CB-4CA4-8F3A-246179F623AC}"/>
+              </a:ext>
+            </a:extLst>
+          </p:cNvPr>
+          <p:cNvSpPr txBox="1"/>
+          <p:nvPr/>
+        </p:nvSpPr>
+        <p:spPr>
+          <a:xfrm>
+            <a:off x="654536" y="1305804"/>
+            <a:ext cx="2314237" cy="923330"/>
+          </a:xfrm>
+          <a:prstGeom prst="rect">
+            <a:avLst/>
+          </a:prstGeom>
+          <a:noFill/>
+        </p:spPr>
+        <p:txBody>
+          <a:bodyPr wrap="square" rtlCol="0">
+            <a:spAutoFit/>
+          </a:bodyPr>
+          <a:lstStyle/>
+          <a:p>
+            <a:r>
+              <a:rPr lang="en-US" dirty="0"/>
+              <a:t>Non-persistent.</a:t>
+            </a:r>
+          </a:p>
+          <a:p>
+            <a:r>
+              <a:rPr lang="en-US" dirty="0"/>
+              <a:t>You can only make one request at a time.</a:t>
+            </a:r>
+          </a:p>
+        </p:txBody>
+      </p:sp>
+      <p:sp>
+        <p:nvSpPr>
+          <p:cNvPr id="6" name="TextBox 5">
+            <a:extLst>
+              <a:ext uri="{FF2B5EF4-FFF2-40B4-BE49-F238E27FC236}">
+                <a16:creationId xmlns:a16="http://schemas.microsoft.com/office/drawing/2014/main" id="{2529A270-11E6-4230-8E8E-5B9958C92DD5}"/>
+              </a:ext>
+            </a:extLst>
+          </p:cNvPr>
+          <p:cNvSpPr txBox="1"/>
+          <p:nvPr/>
+        </p:nvSpPr>
+        <p:spPr>
+          <a:xfrm>
+            <a:off x="8947421" y="1425953"/>
+            <a:ext cx="2314237" cy="923330"/>
+          </a:xfrm>
+          <a:prstGeom prst="rect">
+            <a:avLst/>
+          </a:prstGeom>
+          <a:noFill/>
+        </p:spPr>
+        <p:txBody>
+          <a:bodyPr wrap="square" rtlCol="0">
+            <a:spAutoFit/>
+          </a:bodyPr>
+          <a:lstStyle/>
+          <a:p>
+            <a:pPr algn="r"/>
+            <a:r>
+              <a:rPr lang="en-US" dirty="0"/>
+              <a:t>Most notably, maintains a persistent connection.</a:t>
+            </a:r>
+          </a:p>
+        </p:txBody>
+      </p:sp>
+      <p:pic>
+        <p:nvPicPr>
+          <p:cNvPr id="10" name="Picture 9" descr="A person talking on a cell phone&#10;&#10;Description automatically generated">
+            <a:extLst>
+              <a:ext uri="{FF2B5EF4-FFF2-40B4-BE49-F238E27FC236}">
+                <a16:creationId xmlns:a16="http://schemas.microsoft.com/office/drawing/2014/main" id="{3328465B-EB4B-4EF7-BBAB-ADCB6F371864}"/>
+              </a:ext>
+            </a:extLst>
+          </p:cNvPr>
+          <p:cNvPicPr>
+            <a:picLocks noChangeAspect="1"/>
+          </p:cNvPicPr>
+          <p:nvPr/>
+        </p:nvPicPr>
+        <p:blipFill rotWithShape="1">
+          <a:blip r:embed="rId2">
+            <a:extLst>
+              <a:ext uri="{28A0092B-C50C-407E-A947-70E740481C1C}">
+                <a14:useLocalDpi xmlns:a14="http://schemas.microsoft.com/office/drawing/2010/main" val="0"/>
+              </a:ext>
+            </a:extLst>
+          </a:blip>
+          <a:srcRect r="38919"/>
+          <a:stretch/>
+        </p:blipFill>
+        <p:spPr>
+          <a:xfrm>
+            <a:off x="706097" y="2287576"/>
+            <a:ext cx="970449" cy="1059189"/>
+          </a:xfrm>
+          <a:prstGeom prst="rect">
+            <a:avLst/>
+          </a:prstGeom>
+        </p:spPr>
+      </p:pic>
+      <p:pic>
+        <p:nvPicPr>
+          <p:cNvPr id="12" name="Picture 11" descr="A picture containing person, person, table, piece&#10;&#10;Description automatically generated">
+            <a:extLst>
+              <a:ext uri="{FF2B5EF4-FFF2-40B4-BE49-F238E27FC236}">
+                <a16:creationId xmlns:a16="http://schemas.microsoft.com/office/drawing/2014/main" id="{9172FA0A-3E01-4D8B-8FBF-28A0A91C4B9E}"/>
+              </a:ext>
+            </a:extLst>
+          </p:cNvPr>
+          <p:cNvPicPr>
+            <a:picLocks noChangeAspect="1"/>
+          </p:cNvPicPr>
+          <p:nvPr/>
+        </p:nvPicPr>
+        <p:blipFill>
+          <a:blip r:embed="rId3">
+            <a:extLst>
+              <a:ext uri="{28A0092B-C50C-407E-A947-70E740481C1C}">
+                <a14:useLocalDpi xmlns:a14="http://schemas.microsoft.com/office/drawing/2010/main" val="0"/>
+              </a:ext>
+            </a:extLst>
+          </a:blip>
+          <a:stretch>
+            <a:fillRect/>
+          </a:stretch>
+        </p:blipFill>
+        <p:spPr>
+          <a:xfrm>
+            <a:off x="3942246" y="2290417"/>
+            <a:ext cx="704232" cy="1056348"/>
+          </a:xfrm>
+          <a:prstGeom prst="rect">
+            <a:avLst/>
+          </a:prstGeom>
+        </p:spPr>
+      </p:pic>
+      <p:sp>
+        <p:nvSpPr>
+          <p:cNvPr id="13" name="TextBox 12">
+            <a:extLst>
+              <a:ext uri="{FF2B5EF4-FFF2-40B4-BE49-F238E27FC236}">
+                <a16:creationId xmlns:a16="http://schemas.microsoft.com/office/drawing/2014/main" id="{ED068B14-56DD-4D5A-A661-2E50D9886EA3}"/>
+              </a:ext>
+            </a:extLst>
+          </p:cNvPr>
+          <p:cNvSpPr txBox="1"/>
+          <p:nvPr/>
+        </p:nvSpPr>
+        <p:spPr>
+          <a:xfrm>
+            <a:off x="31911" y="6596390"/>
+            <a:ext cx="5873724" cy="261610"/>
+          </a:xfrm>
+          <a:prstGeom prst="rect">
+            <a:avLst/>
+          </a:prstGeom>
+          <a:noFill/>
+        </p:spPr>
+        <p:txBody>
+          <a:bodyPr wrap="none" rtlCol="0">
+            <a:spAutoFit/>
+          </a:bodyPr>
+          <a:lstStyle/>
+          <a:p>
+            <a:r>
+              <a:rPr lang="en-US" sz="1100" dirty="0">
+                <a:solidFill>
+                  <a:schemeClr val="bg1">
+                    <a:lumMod val="65000"/>
+                  </a:schemeClr>
+                </a:solidFill>
+              </a:rPr>
+              <a:t>Photos courtesy Pexels.com and are subject to the </a:t>
+            </a:r>
+            <a:r>
+              <a:rPr lang="en-US" sz="1100" dirty="0" err="1">
+                <a:solidFill>
+                  <a:schemeClr val="bg1">
+                    <a:lumMod val="65000"/>
+                  </a:schemeClr>
+                </a:solidFill>
+              </a:rPr>
+              <a:t>pexels</a:t>
+            </a:r>
+            <a:r>
+              <a:rPr lang="en-US" sz="1100" dirty="0">
+                <a:solidFill>
+                  <a:schemeClr val="bg1">
+                    <a:lumMod val="65000"/>
+                  </a:schemeClr>
+                </a:solidFill>
+              </a:rPr>
+              <a:t> license, https://www.pexels.com/license/</a:t>
+            </a:r>
+          </a:p>
+        </p:txBody>
+      </p:sp>
+      <p:cxnSp>
+        <p:nvCxnSpPr>
+          <p:cNvPr id="15" name="Straight Arrow Connector 14">
+            <a:extLst>
+              <a:ext uri="{FF2B5EF4-FFF2-40B4-BE49-F238E27FC236}">
+                <a16:creationId xmlns:a16="http://schemas.microsoft.com/office/drawing/2014/main" id="{75728BC6-CFFE-45B1-A626-E835958584E0}"/>
+              </a:ext>
+            </a:extLst>
+          </p:cNvPr>
+          <p:cNvCxnSpPr>
+            <a:cxnSpLocks/>
+            <a:stCxn id="10" idx="3"/>
+            <a:endCxn id="12" idx="1"/>
+          </p:cNvCxnSpPr>
+          <p:nvPr/>
+        </p:nvCxnSpPr>
+        <p:spPr>
+          <a:xfrm>
+            <a:off x="1676546" y="2817171"/>
+            <a:ext cx="2265700" cy="1420"/>
+          </a:xfrm>
+          <a:prstGeom prst="straightConnector1">
+            <a:avLst/>
+          </a:prstGeom>
+          <a:ln w="28575">
+            <a:solidFill>
+              <a:schemeClr val="accent6"/>
+            </a:solidFill>
+            <a:tailEnd type="triangle"/>
+          </a:ln>
+        </p:spPr>
+        <p:style>
+          <a:lnRef idx="1">
+            <a:schemeClr val="accent1"/>
+          </a:lnRef>
+          <a:fillRef idx="0">
+            <a:schemeClr val="accent1"/>
+          </a:fillRef>
+          <a:effectRef idx="0">
+            <a:schemeClr val="accent1"/>
+          </a:effectRef>
+          <a:fontRef idx="minor">
+            <a:schemeClr val="tx1"/>
+          </a:fontRef>
+        </p:style>
+      </p:cxnSp>
+      <p:sp>
+        <p:nvSpPr>
+          <p:cNvPr id="16" name="TextBox 15">
+            <a:extLst>
+              <a:ext uri="{FF2B5EF4-FFF2-40B4-BE49-F238E27FC236}">
+                <a16:creationId xmlns:a16="http://schemas.microsoft.com/office/drawing/2014/main" id="{A1D2FAB3-4411-4C5D-A33C-6B3C58F6BC88}"/>
+              </a:ext>
+            </a:extLst>
+          </p:cNvPr>
+          <p:cNvSpPr txBox="1"/>
+          <p:nvPr/>
+        </p:nvSpPr>
+        <p:spPr>
+          <a:xfrm>
+            <a:off x="1828873" y="2343820"/>
+            <a:ext cx="1961045" cy="738664"/>
+          </a:xfrm>
+          <a:prstGeom prst="rect">
+            <a:avLst/>
+          </a:prstGeom>
+          <a:noFill/>
+        </p:spPr>
+        <p:txBody>
+          <a:bodyPr wrap="square" rtlCol="0">
+            <a:spAutoFit/>
+          </a:bodyPr>
+          <a:lstStyle/>
+          <a:p>
+            <a:r>
+              <a:rPr lang="en-US" sz="1400" i="1" dirty="0"/>
+              <a:t>Hello, I’d like to order a cheese pizza.</a:t>
+            </a:r>
+          </a:p>
+          <a:p>
+            <a:r>
+              <a:rPr lang="en-US" sz="1400" i="1" dirty="0"/>
+              <a:t>Goodbye.</a:t>
+            </a:r>
+          </a:p>
+        </p:txBody>
+      </p:sp>
+      <p:pic>
+        <p:nvPicPr>
+          <p:cNvPr id="55" name="Picture 54" descr="A person talking on a cell phone&#10;&#10;Description automatically generated">
+            <a:extLst>
+              <a:ext uri="{FF2B5EF4-FFF2-40B4-BE49-F238E27FC236}">
+                <a16:creationId xmlns:a16="http://schemas.microsoft.com/office/drawing/2014/main" id="{60E50734-85DA-461F-B507-202CF160B17D}"/>
+              </a:ext>
+            </a:extLst>
+          </p:cNvPr>
+          <p:cNvPicPr>
+            <a:picLocks noChangeAspect="1"/>
+          </p:cNvPicPr>
+          <p:nvPr/>
+        </p:nvPicPr>
+        <p:blipFill rotWithShape="1">
+          <a:blip r:embed="rId2">
+            <a:extLst>
+              <a:ext uri="{28A0092B-C50C-407E-A947-70E740481C1C}">
+                <a14:useLocalDpi xmlns:a14="http://schemas.microsoft.com/office/drawing/2010/main" val="0"/>
+              </a:ext>
+            </a:extLst>
+          </a:blip>
+          <a:srcRect r="38919"/>
+          <a:stretch/>
+        </p:blipFill>
+        <p:spPr>
+          <a:xfrm>
+            <a:off x="706097" y="3486370"/>
+            <a:ext cx="970449" cy="1059189"/>
+          </a:xfrm>
+          <a:prstGeom prst="rect">
+            <a:avLst/>
+          </a:prstGeom>
+        </p:spPr>
+      </p:pic>
+      <p:pic>
+        <p:nvPicPr>
+          <p:cNvPr id="62" name="Picture 61" descr="A picture containing person, person, table, piece&#10;&#10;Description automatically generated">
+            <a:extLst>
+              <a:ext uri="{FF2B5EF4-FFF2-40B4-BE49-F238E27FC236}">
+                <a16:creationId xmlns:a16="http://schemas.microsoft.com/office/drawing/2014/main" id="{2961CFF9-D164-4369-91E2-5F799F6A003D}"/>
+              </a:ext>
+            </a:extLst>
+          </p:cNvPr>
+          <p:cNvPicPr>
+            <a:picLocks noChangeAspect="1"/>
+          </p:cNvPicPr>
+          <p:nvPr/>
+        </p:nvPicPr>
+        <p:blipFill>
+          <a:blip r:embed="rId3">
+            <a:extLst>
+              <a:ext uri="{28A0092B-C50C-407E-A947-70E740481C1C}">
+                <a14:useLocalDpi xmlns:a14="http://schemas.microsoft.com/office/drawing/2010/main" val="0"/>
+              </a:ext>
+            </a:extLst>
+          </a:blip>
+          <a:stretch>
+            <a:fillRect/>
+          </a:stretch>
+        </p:blipFill>
+        <p:spPr>
+          <a:xfrm>
+            <a:off x="3942246" y="3489211"/>
+            <a:ext cx="704232" cy="1056348"/>
+          </a:xfrm>
+          <a:prstGeom prst="rect">
+            <a:avLst/>
+          </a:prstGeom>
+        </p:spPr>
+      </p:pic>
+      <p:cxnSp>
+        <p:nvCxnSpPr>
+          <p:cNvPr id="63" name="Straight Arrow Connector 62">
+            <a:extLst>
+              <a:ext uri="{FF2B5EF4-FFF2-40B4-BE49-F238E27FC236}">
+                <a16:creationId xmlns:a16="http://schemas.microsoft.com/office/drawing/2014/main" id="{C2684338-5F79-43C0-B2FF-EDE739B39D22}"/>
+              </a:ext>
+            </a:extLst>
+          </p:cNvPr>
+          <p:cNvCxnSpPr>
+            <a:cxnSpLocks/>
+            <a:stCxn id="55" idx="3"/>
+            <a:endCxn id="62" idx="1"/>
+          </p:cNvCxnSpPr>
+          <p:nvPr/>
+        </p:nvCxnSpPr>
+        <p:spPr>
+          <a:xfrm>
+            <a:off x="1676546" y="4015965"/>
+            <a:ext cx="2265700" cy="1420"/>
+          </a:xfrm>
+          <a:prstGeom prst="straightConnector1">
+            <a:avLst/>
+          </a:prstGeom>
+          <a:ln w="28575">
+            <a:solidFill>
+              <a:schemeClr val="accent6"/>
+            </a:solidFill>
+            <a:tailEnd type="triangle"/>
+          </a:ln>
+        </p:spPr>
+        <p:style>
+          <a:lnRef idx="1">
+            <a:schemeClr val="accent1"/>
+          </a:lnRef>
+          <a:fillRef idx="0">
+            <a:schemeClr val="accent1"/>
+          </a:fillRef>
+          <a:effectRef idx="0">
+            <a:schemeClr val="accent1"/>
+          </a:effectRef>
+          <a:fontRef idx="minor">
+            <a:schemeClr val="tx1"/>
+          </a:fontRef>
+        </p:style>
+      </p:cxnSp>
+      <p:sp>
+        <p:nvSpPr>
+          <p:cNvPr id="64" name="TextBox 63">
+            <a:extLst>
+              <a:ext uri="{FF2B5EF4-FFF2-40B4-BE49-F238E27FC236}">
+                <a16:creationId xmlns:a16="http://schemas.microsoft.com/office/drawing/2014/main" id="{F6D32020-4CEA-4109-A13E-71CD39F9EB79}"/>
+              </a:ext>
+            </a:extLst>
+          </p:cNvPr>
+          <p:cNvSpPr txBox="1"/>
+          <p:nvPr/>
+        </p:nvSpPr>
+        <p:spPr>
+          <a:xfrm>
+            <a:off x="1828873" y="3542614"/>
+            <a:ext cx="1961045" cy="738664"/>
+          </a:xfrm>
+          <a:prstGeom prst="rect">
+            <a:avLst/>
+          </a:prstGeom>
+          <a:noFill/>
+        </p:spPr>
+        <p:txBody>
+          <a:bodyPr wrap="square" rtlCol="0">
+            <a:spAutoFit/>
+          </a:bodyPr>
+          <a:lstStyle/>
+          <a:p>
+            <a:r>
+              <a:rPr lang="en-US" sz="1400" i="1" dirty="0"/>
+              <a:t>Hello, I’d like to order a pepperoni pizza.</a:t>
+            </a:r>
+          </a:p>
+          <a:p>
+            <a:r>
+              <a:rPr lang="en-US" sz="1400" i="1" dirty="0"/>
+              <a:t>Goodbye.</a:t>
+            </a:r>
+          </a:p>
+        </p:txBody>
+      </p:sp>
+      <p:pic>
+        <p:nvPicPr>
+          <p:cNvPr id="65" name="Picture 64" descr="A person talking on a cell phone&#10;&#10;Description automatically generated">
+            <a:extLst>
+              <a:ext uri="{FF2B5EF4-FFF2-40B4-BE49-F238E27FC236}">
+                <a16:creationId xmlns:a16="http://schemas.microsoft.com/office/drawing/2014/main" id="{71365F1E-2259-4092-A2F4-1F48BDDF1789}"/>
+              </a:ext>
+            </a:extLst>
+          </p:cNvPr>
+          <p:cNvPicPr>
+            <a:picLocks noChangeAspect="1"/>
+          </p:cNvPicPr>
+          <p:nvPr/>
+        </p:nvPicPr>
+        <p:blipFill rotWithShape="1">
+          <a:blip r:embed="rId2">
+            <a:extLst>
+              <a:ext uri="{28A0092B-C50C-407E-A947-70E740481C1C}">
+                <a14:useLocalDpi xmlns:a14="http://schemas.microsoft.com/office/drawing/2010/main" val="0"/>
+              </a:ext>
+            </a:extLst>
+          </a:blip>
+          <a:srcRect r="38919"/>
+          <a:stretch/>
+        </p:blipFill>
+        <p:spPr>
+          <a:xfrm>
+            <a:off x="706097" y="4738567"/>
+            <a:ext cx="970449" cy="1059189"/>
+          </a:xfrm>
+          <a:prstGeom prst="rect">
+            <a:avLst/>
+          </a:prstGeom>
+        </p:spPr>
+      </p:pic>
+      <p:pic>
+        <p:nvPicPr>
+          <p:cNvPr id="66" name="Picture 65" descr="A picture containing person, person, table, piece&#10;&#10;Description automatically generated">
+            <a:extLst>
+              <a:ext uri="{FF2B5EF4-FFF2-40B4-BE49-F238E27FC236}">
+                <a16:creationId xmlns:a16="http://schemas.microsoft.com/office/drawing/2014/main" id="{A0E5CC74-A7FF-4447-8248-156C3AC95DF5}"/>
+              </a:ext>
+            </a:extLst>
+          </p:cNvPr>
+          <p:cNvPicPr>
+            <a:picLocks noChangeAspect="1"/>
+          </p:cNvPicPr>
+          <p:nvPr/>
+        </p:nvPicPr>
+        <p:blipFill>
+          <a:blip r:embed="rId3">
+            <a:extLst>
+              <a:ext uri="{28A0092B-C50C-407E-A947-70E740481C1C}">
+                <a14:useLocalDpi xmlns:a14="http://schemas.microsoft.com/office/drawing/2010/main" val="0"/>
+              </a:ext>
+            </a:extLst>
+          </a:blip>
+          <a:stretch>
+            <a:fillRect/>
+          </a:stretch>
+        </p:blipFill>
+        <p:spPr>
+          <a:xfrm>
+            <a:off x="3942246" y="4741408"/>
+            <a:ext cx="704232" cy="1056348"/>
+          </a:xfrm>
+          <a:prstGeom prst="rect">
+            <a:avLst/>
+          </a:prstGeom>
+        </p:spPr>
+      </p:pic>
+      <p:cxnSp>
+        <p:nvCxnSpPr>
+          <p:cNvPr id="67" name="Straight Arrow Connector 66">
+            <a:extLst>
+              <a:ext uri="{FF2B5EF4-FFF2-40B4-BE49-F238E27FC236}">
+                <a16:creationId xmlns:a16="http://schemas.microsoft.com/office/drawing/2014/main" id="{409122E7-970B-477B-A79B-30DE4894BC83}"/>
+              </a:ext>
+            </a:extLst>
+          </p:cNvPr>
+          <p:cNvCxnSpPr>
+            <a:cxnSpLocks/>
+            <a:stCxn id="65" idx="3"/>
+            <a:endCxn id="66" idx="1"/>
+          </p:cNvCxnSpPr>
+          <p:nvPr/>
+        </p:nvCxnSpPr>
+        <p:spPr>
+          <a:xfrm>
+            <a:off x="1676546" y="5268162"/>
+            <a:ext cx="2265700" cy="1420"/>
+          </a:xfrm>
+          <a:prstGeom prst="straightConnector1">
+            <a:avLst/>
+          </a:prstGeom>
+          <a:ln w="28575">
+            <a:solidFill>
+              <a:schemeClr val="accent6"/>
+            </a:solidFill>
+            <a:tailEnd type="triangle"/>
+          </a:ln>
+        </p:spPr>
+        <p:style>
+          <a:lnRef idx="1">
+            <a:schemeClr val="accent1"/>
+          </a:lnRef>
+          <a:fillRef idx="0">
+            <a:schemeClr val="accent1"/>
+          </a:fillRef>
+          <a:effectRef idx="0">
+            <a:schemeClr val="accent1"/>
+          </a:effectRef>
+          <a:fontRef idx="minor">
+            <a:schemeClr val="tx1"/>
+          </a:fontRef>
+        </p:style>
+      </p:cxnSp>
+      <p:sp>
+        <p:nvSpPr>
+          <p:cNvPr id="68" name="TextBox 67">
+            <a:extLst>
+              <a:ext uri="{FF2B5EF4-FFF2-40B4-BE49-F238E27FC236}">
+                <a16:creationId xmlns:a16="http://schemas.microsoft.com/office/drawing/2014/main" id="{3B904169-8C52-493A-8B67-6F2F821528CC}"/>
+              </a:ext>
+            </a:extLst>
+          </p:cNvPr>
+          <p:cNvSpPr txBox="1"/>
+          <p:nvPr/>
+        </p:nvSpPr>
+        <p:spPr>
+          <a:xfrm>
+            <a:off x="1828873" y="4794811"/>
+            <a:ext cx="1961045" cy="738664"/>
+          </a:xfrm>
+          <a:prstGeom prst="rect">
+            <a:avLst/>
+          </a:prstGeom>
+          <a:noFill/>
+        </p:spPr>
+        <p:txBody>
+          <a:bodyPr wrap="square" rtlCol="0">
+            <a:spAutoFit/>
+          </a:bodyPr>
+          <a:lstStyle/>
+          <a:p>
+            <a:r>
+              <a:rPr lang="en-US" sz="1400" i="1" dirty="0"/>
+              <a:t>Hello, I’d like to order a supreme pizza.</a:t>
+            </a:r>
+          </a:p>
+          <a:p>
+            <a:r>
+              <a:rPr lang="en-US" sz="1400" i="1" dirty="0"/>
+              <a:t>Goodbye.</a:t>
+            </a:r>
+          </a:p>
+        </p:txBody>
+      </p:sp>
+      <p:pic>
+        <p:nvPicPr>
+          <p:cNvPr id="69" name="Picture 68" descr="A person talking on a cell phone&#10;&#10;Description automatically generated">
+            <a:extLst>
+              <a:ext uri="{FF2B5EF4-FFF2-40B4-BE49-F238E27FC236}">
+                <a16:creationId xmlns:a16="http://schemas.microsoft.com/office/drawing/2014/main" id="{1D4C17B4-0BDB-4CBA-A402-BF8C345A0CB3}"/>
+              </a:ext>
+            </a:extLst>
+          </p:cNvPr>
+          <p:cNvPicPr>
+            <a:picLocks noChangeAspect="1"/>
+          </p:cNvPicPr>
+          <p:nvPr/>
+        </p:nvPicPr>
+        <p:blipFill rotWithShape="1">
+          <a:blip r:embed="rId2">
+            <a:extLst>
+              <a:ext uri="{28A0092B-C50C-407E-A947-70E740481C1C}">
+                <a14:useLocalDpi xmlns:a14="http://schemas.microsoft.com/office/drawing/2010/main" val="0"/>
+              </a:ext>
+            </a:extLst>
+          </a:blip>
+          <a:srcRect r="38919"/>
+          <a:stretch/>
+        </p:blipFill>
+        <p:spPr>
+          <a:xfrm>
+            <a:off x="7251299" y="3346765"/>
+            <a:ext cx="970449" cy="1059189"/>
+          </a:xfrm>
+          <a:prstGeom prst="rect">
+            <a:avLst/>
+          </a:prstGeom>
+        </p:spPr>
+      </p:pic>
+      <p:pic>
+        <p:nvPicPr>
+          <p:cNvPr id="70" name="Picture 69" descr="A picture containing person, person, table, piece&#10;&#10;Description automatically generated">
+            <a:extLst>
+              <a:ext uri="{FF2B5EF4-FFF2-40B4-BE49-F238E27FC236}">
+                <a16:creationId xmlns:a16="http://schemas.microsoft.com/office/drawing/2014/main" id="{5CC5A046-21E3-49AA-8793-BFA5EF7A51CD}"/>
+              </a:ext>
+            </a:extLst>
+          </p:cNvPr>
+          <p:cNvPicPr>
+            <a:picLocks noChangeAspect="1"/>
+          </p:cNvPicPr>
+          <p:nvPr/>
+        </p:nvPicPr>
+        <p:blipFill>
+          <a:blip r:embed="rId3">
+            <a:extLst>
+              <a:ext uri="{28A0092B-C50C-407E-A947-70E740481C1C}">
+                <a14:useLocalDpi xmlns:a14="http://schemas.microsoft.com/office/drawing/2010/main" val="0"/>
+              </a:ext>
+            </a:extLst>
+          </a:blip>
+          <a:stretch>
+            <a:fillRect/>
+          </a:stretch>
+        </p:blipFill>
+        <p:spPr>
+          <a:xfrm>
+            <a:off x="10487448" y="3349606"/>
+            <a:ext cx="704232" cy="1056348"/>
+          </a:xfrm>
+          <a:prstGeom prst="rect">
+            <a:avLst/>
+          </a:prstGeom>
+        </p:spPr>
+      </p:pic>
+      <p:cxnSp>
+        <p:nvCxnSpPr>
+          <p:cNvPr id="71" name="Straight Arrow Connector 70">
+            <a:extLst>
+              <a:ext uri="{FF2B5EF4-FFF2-40B4-BE49-F238E27FC236}">
+                <a16:creationId xmlns:a16="http://schemas.microsoft.com/office/drawing/2014/main" id="{C5659BF7-725C-43B6-85D9-1B3EC65D5827}"/>
+              </a:ext>
+            </a:extLst>
+          </p:cNvPr>
+          <p:cNvCxnSpPr>
+            <a:cxnSpLocks/>
+            <a:stCxn id="69" idx="3"/>
+            <a:endCxn id="70" idx="1"/>
+          </p:cNvCxnSpPr>
+          <p:nvPr/>
+        </p:nvCxnSpPr>
+        <p:spPr>
+          <a:xfrm>
+            <a:off x="8221748" y="3876360"/>
+            <a:ext cx="2265700" cy="1420"/>
+          </a:xfrm>
+          <a:prstGeom prst="straightConnector1">
+            <a:avLst/>
+          </a:prstGeom>
+          <a:ln w="28575">
+            <a:solidFill>
+              <a:schemeClr val="accent6"/>
+            </a:solidFill>
+            <a:tailEnd type="triangle"/>
+          </a:ln>
+        </p:spPr>
+        <p:style>
+          <a:lnRef idx="1">
+            <a:schemeClr val="accent1"/>
+          </a:lnRef>
+          <a:fillRef idx="0">
+            <a:schemeClr val="accent1"/>
+          </a:fillRef>
+          <a:effectRef idx="0">
+            <a:schemeClr val="accent1"/>
+          </a:effectRef>
+          <a:fontRef idx="minor">
+            <a:schemeClr val="tx1"/>
+          </a:fontRef>
+        </p:style>
+      </p:cxnSp>
+      <p:sp>
+        <p:nvSpPr>
+          <p:cNvPr id="72" name="TextBox 71">
+            <a:extLst>
+              <a:ext uri="{FF2B5EF4-FFF2-40B4-BE49-F238E27FC236}">
+                <a16:creationId xmlns:a16="http://schemas.microsoft.com/office/drawing/2014/main" id="{7A38F0C9-4ECC-4956-B205-2E36137CA394}"/>
+              </a:ext>
+            </a:extLst>
+          </p:cNvPr>
+          <p:cNvSpPr txBox="1"/>
+          <p:nvPr/>
+        </p:nvSpPr>
+        <p:spPr>
+          <a:xfrm>
+            <a:off x="8374075" y="3403009"/>
+            <a:ext cx="1961045" cy="1169551"/>
+          </a:xfrm>
+          <a:prstGeom prst="rect">
+            <a:avLst/>
+          </a:prstGeom>
+          <a:noFill/>
+        </p:spPr>
+        <p:txBody>
+          <a:bodyPr wrap="square" rtlCol="0">
+            <a:spAutoFit/>
+          </a:bodyPr>
+          <a:lstStyle/>
+          <a:p>
+            <a:r>
+              <a:rPr lang="en-US" sz="1400" i="1" dirty="0"/>
+              <a:t>Hello, I’d like to order a cheese pizza, </a:t>
+            </a:r>
+          </a:p>
+          <a:p>
+            <a:r>
+              <a:rPr lang="en-US" sz="1400" i="1" dirty="0"/>
+              <a:t>A pepperoni pizza, </a:t>
+            </a:r>
+          </a:p>
+          <a:p>
+            <a:r>
+              <a:rPr lang="en-US" sz="1400" i="1" dirty="0"/>
+              <a:t>and a supreme pizza.</a:t>
+            </a:r>
+          </a:p>
+          <a:p>
+            <a:r>
+              <a:rPr lang="en-US" sz="1400" i="1" dirty="0"/>
+              <a:t>Goodbye.</a:t>
+            </a:r>
+          </a:p>
+        </p:txBody>
+      </p:sp>
+    </p:spTree>
+    <p:extLst>
+      <p:ext uri="{BB962C8B-B14F-4D97-AF65-F5344CB8AC3E}">
+        <p14:creationId xmlns:p14="http://schemas.microsoft.com/office/powerpoint/2010/main" val="1097698168"/>
       </p:ext>
     </p:extLst>
   </p:cSld>

--- a/Network Parts and Terms.pptx
+++ b/Network Parts and Terms.pptx
@@ -2,14 +2,22 @@
 <file path=ppt/presentation.xml><?xml version="1.0" encoding="utf-8"?>
 <p:presentation xmlns:a="http://schemas.openxmlformats.org/drawingml/2006/main" xmlns:r="http://schemas.openxmlformats.org/officeDocument/2006/relationships" xmlns:p="http://schemas.openxmlformats.org/presentationml/2006/main" saveSubsetFonts="1">
   <p:sldMasterIdLst>
-    <p:sldMasterId id="2147483648" r:id="rId1"/>
+    <p:sldMasterId id="2147483660" r:id="rId1"/>
+    <p:sldMasterId id="2147483648" r:id="rId2"/>
   </p:sldMasterIdLst>
   <p:sldIdLst>
-    <p:sldId id="256" r:id="rId2"/>
-    <p:sldId id="273" r:id="rId3"/>
-    <p:sldId id="274" r:id="rId4"/>
-    <p:sldId id="275" r:id="rId5"/>
-    <p:sldId id="276" r:id="rId6"/>
+    <p:sldId id="278" r:id="rId3"/>
+    <p:sldId id="284" r:id="rId4"/>
+    <p:sldId id="279" r:id="rId5"/>
+    <p:sldId id="280" r:id="rId6"/>
+    <p:sldId id="281" r:id="rId7"/>
+    <p:sldId id="282" r:id="rId8"/>
+    <p:sldId id="283" r:id="rId9"/>
+    <p:sldId id="256" r:id="rId10"/>
+    <p:sldId id="273" r:id="rId11"/>
+    <p:sldId id="274" r:id="rId12"/>
+    <p:sldId id="275" r:id="rId13"/>
+    <p:sldId id="276" r:id="rId14"/>
   </p:sldIdLst>
   <p:sldSz cx="12192000" cy="6858000"/>
   <p:notesSz cx="6858000" cy="9144000"/>
@@ -263,7 +271,7 @@
           <a:p>
             <a:fld id="{06ADBE60-9DBF-4AEC-B933-FFCA020856EA}" type="datetimeFigureOut">
               <a:rPr lang="en-US" smtClean="0"/>
-              <a:t>9/11/2020</a:t>
+              <a:t>9/14/2020</a:t>
             </a:fld>
             <a:endParaRPr lang="en-US"/>
           </a:p>
@@ -461,7 +469,7 @@
           <a:p>
             <a:fld id="{06ADBE60-9DBF-4AEC-B933-FFCA020856EA}" type="datetimeFigureOut">
               <a:rPr lang="en-US" smtClean="0"/>
-              <a:t>9/11/2020</a:t>
+              <a:t>9/14/2020</a:t>
             </a:fld>
             <a:endParaRPr lang="en-US"/>
           </a:p>
@@ -669,7 +677,7 @@
           <a:p>
             <a:fld id="{06ADBE60-9DBF-4AEC-B933-FFCA020856EA}" type="datetimeFigureOut">
               <a:rPr lang="en-US" smtClean="0"/>
-              <a:t>9/11/2020</a:t>
+              <a:t>9/14/2020</a:t>
             </a:fld>
             <a:endParaRPr lang="en-US"/>
           </a:p>
@@ -733,6 +741,226 @@
     <p:extLst>
       <p:ext uri="{BB962C8B-B14F-4D97-AF65-F5344CB8AC3E}">
         <p14:creationId xmlns:p14="http://schemas.microsoft.com/office/powerpoint/2010/main" val="901411652"/>
+      </p:ext>
+    </p:extLst>
+  </p:cSld>
+  <p:clrMapOvr>
+    <a:masterClrMapping/>
+  </p:clrMapOvr>
+</p:sldLayout>
+</file>
+
+<file path=ppt/slideLayouts/slideLayout12.xml><?xml version="1.0" encoding="utf-8"?>
+<p:sldLayout xmlns:a="http://schemas.openxmlformats.org/drawingml/2006/main" xmlns:r="http://schemas.openxmlformats.org/officeDocument/2006/relationships" xmlns:p="http://schemas.openxmlformats.org/presentationml/2006/main" type="title" preserve="1">
+  <p:cSld name="Title Slide">
+    <p:spTree>
+      <p:nvGrpSpPr>
+        <p:cNvPr id="1" name=""/>
+        <p:cNvGrpSpPr/>
+        <p:nvPr/>
+      </p:nvGrpSpPr>
+      <p:grpSpPr>
+        <a:xfrm>
+          <a:off x="0" y="0"/>
+          <a:ext cx="0" cy="0"/>
+          <a:chOff x="0" y="0"/>
+          <a:chExt cx="0" cy="0"/>
+        </a:xfrm>
+      </p:grpSpPr>
+      <p:sp>
+        <p:nvSpPr>
+          <p:cNvPr id="2" name="Title 1">
+            <a:extLst>
+              <a:ext uri="{FF2B5EF4-FFF2-40B4-BE49-F238E27FC236}">
+                <a16:creationId xmlns:a16="http://schemas.microsoft.com/office/drawing/2014/main" id="{121321B3-1C38-4A21-9D64-8C2B3BD16FDA}"/>
+              </a:ext>
+            </a:extLst>
+          </p:cNvPr>
+          <p:cNvSpPr>
+            <a:spLocks noGrp="1"/>
+          </p:cNvSpPr>
+          <p:nvPr>
+            <p:ph type="ctrTitle"/>
+          </p:nvPr>
+        </p:nvSpPr>
+        <p:spPr>
+          <a:xfrm>
+            <a:off x="1524000" y="1122363"/>
+            <a:ext cx="9144000" cy="2387600"/>
+          </a:xfrm>
+        </p:spPr>
+        <p:txBody>
+          <a:bodyPr anchor="b"/>
+          <a:lstStyle>
+            <a:lvl1pPr algn="ctr">
+              <a:defRPr sz="6000"/>
+            </a:lvl1pPr>
+          </a:lstStyle>
+          <a:p>
+            <a:r>
+              <a:rPr lang="en-US"/>
+              <a:t>Click to edit Master title style</a:t>
+            </a:r>
+          </a:p>
+        </p:txBody>
+      </p:sp>
+      <p:sp>
+        <p:nvSpPr>
+          <p:cNvPr id="3" name="Subtitle 2">
+            <a:extLst>
+              <a:ext uri="{FF2B5EF4-FFF2-40B4-BE49-F238E27FC236}">
+                <a16:creationId xmlns:a16="http://schemas.microsoft.com/office/drawing/2014/main" id="{C80C33EB-BB6A-44C5-AB2B-6FA1BE8893BA}"/>
+              </a:ext>
+            </a:extLst>
+          </p:cNvPr>
+          <p:cNvSpPr>
+            <a:spLocks noGrp="1"/>
+          </p:cNvSpPr>
+          <p:nvPr>
+            <p:ph type="subTitle" idx="1"/>
+          </p:nvPr>
+        </p:nvSpPr>
+        <p:spPr>
+          <a:xfrm>
+            <a:off x="1524000" y="3602038"/>
+            <a:ext cx="9144000" cy="1655762"/>
+          </a:xfrm>
+        </p:spPr>
+        <p:txBody>
+          <a:bodyPr/>
+          <a:lstStyle>
+            <a:lvl1pPr marL="0" indent="0" algn="ctr">
+              <a:buNone/>
+              <a:defRPr sz="2400"/>
+            </a:lvl1pPr>
+            <a:lvl2pPr marL="457200" indent="0" algn="ctr">
+              <a:buNone/>
+              <a:defRPr sz="2000"/>
+            </a:lvl2pPr>
+            <a:lvl3pPr marL="914400" indent="0" algn="ctr">
+              <a:buNone/>
+              <a:defRPr sz="1800"/>
+            </a:lvl3pPr>
+            <a:lvl4pPr marL="1371600" indent="0" algn="ctr">
+              <a:buNone/>
+              <a:defRPr sz="1600"/>
+            </a:lvl4pPr>
+            <a:lvl5pPr marL="1828800" indent="0" algn="ctr">
+              <a:buNone/>
+              <a:defRPr sz="1600"/>
+            </a:lvl5pPr>
+            <a:lvl6pPr marL="2286000" indent="0" algn="ctr">
+              <a:buNone/>
+              <a:defRPr sz="1600"/>
+            </a:lvl6pPr>
+            <a:lvl7pPr marL="2743200" indent="0" algn="ctr">
+              <a:buNone/>
+              <a:defRPr sz="1600"/>
+            </a:lvl7pPr>
+            <a:lvl8pPr marL="3200400" indent="0" algn="ctr">
+              <a:buNone/>
+              <a:defRPr sz="1600"/>
+            </a:lvl8pPr>
+            <a:lvl9pPr marL="3657600" indent="0" algn="ctr">
+              <a:buNone/>
+              <a:defRPr sz="1600"/>
+            </a:lvl9pPr>
+          </a:lstStyle>
+          <a:p>
+            <a:r>
+              <a:rPr lang="en-US"/>
+              <a:t>Click to edit Master subtitle style</a:t>
+            </a:r>
+          </a:p>
+        </p:txBody>
+      </p:sp>
+      <p:sp>
+        <p:nvSpPr>
+          <p:cNvPr id="4" name="Date Placeholder 3">
+            <a:extLst>
+              <a:ext uri="{FF2B5EF4-FFF2-40B4-BE49-F238E27FC236}">
+                <a16:creationId xmlns:a16="http://schemas.microsoft.com/office/drawing/2014/main" id="{52F00F70-706E-4DCE-8FCD-4508FF9266EC}"/>
+              </a:ext>
+            </a:extLst>
+          </p:cNvPr>
+          <p:cNvSpPr>
+            <a:spLocks noGrp="1"/>
+          </p:cNvSpPr>
+          <p:nvPr>
+            <p:ph type="dt" sz="half" idx="10"/>
+          </p:nvPr>
+        </p:nvSpPr>
+        <p:spPr/>
+        <p:txBody>
+          <a:bodyPr/>
+          <a:lstStyle/>
+          <a:p>
+            <a:fld id="{12BDD699-8925-4618-9E03-ADAE2166C8F2}" type="datetimeFigureOut">
+              <a:rPr lang="en-US" smtClean="0"/>
+              <a:t>9/14/2020</a:t>
+            </a:fld>
+            <a:endParaRPr lang="en-US"/>
+          </a:p>
+        </p:txBody>
+      </p:sp>
+      <p:sp>
+        <p:nvSpPr>
+          <p:cNvPr id="5" name="Footer Placeholder 4">
+            <a:extLst>
+              <a:ext uri="{FF2B5EF4-FFF2-40B4-BE49-F238E27FC236}">
+                <a16:creationId xmlns:a16="http://schemas.microsoft.com/office/drawing/2014/main" id="{9653D71F-B0B7-4DF4-99F2-FB98EB9F18A9}"/>
+              </a:ext>
+            </a:extLst>
+          </p:cNvPr>
+          <p:cNvSpPr>
+            <a:spLocks noGrp="1"/>
+          </p:cNvSpPr>
+          <p:nvPr>
+            <p:ph type="ftr" sz="quarter" idx="11"/>
+          </p:nvPr>
+        </p:nvSpPr>
+        <p:spPr/>
+        <p:txBody>
+          <a:bodyPr/>
+          <a:lstStyle/>
+          <a:p>
+            <a:endParaRPr lang="en-US"/>
+          </a:p>
+        </p:txBody>
+      </p:sp>
+      <p:sp>
+        <p:nvSpPr>
+          <p:cNvPr id="6" name="Slide Number Placeholder 5">
+            <a:extLst>
+              <a:ext uri="{FF2B5EF4-FFF2-40B4-BE49-F238E27FC236}">
+                <a16:creationId xmlns:a16="http://schemas.microsoft.com/office/drawing/2014/main" id="{47ACE884-CBB0-49AA-883D-9D8C35E5FC9F}"/>
+              </a:ext>
+            </a:extLst>
+          </p:cNvPr>
+          <p:cNvSpPr>
+            <a:spLocks noGrp="1"/>
+          </p:cNvSpPr>
+          <p:nvPr>
+            <p:ph type="sldNum" sz="quarter" idx="12"/>
+          </p:nvPr>
+        </p:nvSpPr>
+        <p:spPr/>
+        <p:txBody>
+          <a:bodyPr/>
+          <a:lstStyle/>
+          <a:p>
+            <a:fld id="{CE4E9560-397E-4205-BF38-019DC1F1F3AD}" type="slidenum">
+              <a:rPr lang="en-US" smtClean="0"/>
+              <a:t>‹#›</a:t>
+            </a:fld>
+            <a:endParaRPr lang="en-US"/>
+          </a:p>
+        </p:txBody>
+      </p:sp>
+    </p:spTree>
+    <p:extLst>
+      <p:ext uri="{BB962C8B-B14F-4D97-AF65-F5344CB8AC3E}">
+        <p14:creationId xmlns:p14="http://schemas.microsoft.com/office/powerpoint/2010/main" val="1702042409"/>
       </p:ext>
     </p:extLst>
   </p:cSld>
@@ -867,7 +1095,7 @@
           <a:p>
             <a:fld id="{06ADBE60-9DBF-4AEC-B933-FFCA020856EA}" type="datetimeFigureOut">
               <a:rPr lang="en-US" smtClean="0"/>
-              <a:t>9/11/2020</a:t>
+              <a:t>9/14/2020</a:t>
             </a:fld>
             <a:endParaRPr lang="en-US"/>
           </a:p>
@@ -1142,7 +1370,7 @@
           <a:p>
             <a:fld id="{06ADBE60-9DBF-4AEC-B933-FFCA020856EA}" type="datetimeFigureOut">
               <a:rPr lang="en-US" smtClean="0"/>
-              <a:t>9/11/2020</a:t>
+              <a:t>9/14/2020</a:t>
             </a:fld>
             <a:endParaRPr lang="en-US"/>
           </a:p>
@@ -1407,7 +1635,7 @@
           <a:p>
             <a:fld id="{06ADBE60-9DBF-4AEC-B933-FFCA020856EA}" type="datetimeFigureOut">
               <a:rPr lang="en-US" smtClean="0"/>
-              <a:t>9/11/2020</a:t>
+              <a:t>9/14/2020</a:t>
             </a:fld>
             <a:endParaRPr lang="en-US"/>
           </a:p>
@@ -1819,7 +2047,7 @@
           <a:p>
             <a:fld id="{06ADBE60-9DBF-4AEC-B933-FFCA020856EA}" type="datetimeFigureOut">
               <a:rPr lang="en-US" smtClean="0"/>
-              <a:t>9/11/2020</a:t>
+              <a:t>9/14/2020</a:t>
             </a:fld>
             <a:endParaRPr lang="en-US"/>
           </a:p>
@@ -1960,7 +2188,7 @@
           <a:p>
             <a:fld id="{06ADBE60-9DBF-4AEC-B933-FFCA020856EA}" type="datetimeFigureOut">
               <a:rPr lang="en-US" smtClean="0"/>
-              <a:t>9/11/2020</a:t>
+              <a:t>9/14/2020</a:t>
             </a:fld>
             <a:endParaRPr lang="en-US"/>
           </a:p>
@@ -2073,7 +2301,7 @@
           <a:p>
             <a:fld id="{06ADBE60-9DBF-4AEC-B933-FFCA020856EA}" type="datetimeFigureOut">
               <a:rPr lang="en-US" smtClean="0"/>
-              <a:t>9/11/2020</a:t>
+              <a:t>9/14/2020</a:t>
             </a:fld>
             <a:endParaRPr lang="en-US"/>
           </a:p>
@@ -2384,7 +2612,7 @@
           <a:p>
             <a:fld id="{06ADBE60-9DBF-4AEC-B933-FFCA020856EA}" type="datetimeFigureOut">
               <a:rPr lang="en-US" smtClean="0"/>
-              <a:t>9/11/2020</a:t>
+              <a:t>9/14/2020</a:t>
             </a:fld>
             <a:endParaRPr lang="en-US"/>
           </a:p>
@@ -2672,7 +2900,7 @@
           <a:p>
             <a:fld id="{06ADBE60-9DBF-4AEC-B933-FFCA020856EA}" type="datetimeFigureOut">
               <a:rPr lang="en-US" smtClean="0"/>
-              <a:t>9/11/2020</a:t>
+              <a:t>9/14/2020</a:t>
             </a:fld>
             <a:endParaRPr lang="en-US"/>
           </a:p>
@@ -2913,7 +3141,7 @@
           <a:p>
             <a:fld id="{06ADBE60-9DBF-4AEC-B933-FFCA020856EA}" type="datetimeFigureOut">
               <a:rPr lang="en-US" smtClean="0"/>
-              <a:t>9/11/2020</a:t>
+              <a:t>9/14/2020</a:t>
             </a:fld>
             <a:endParaRPr lang="en-US"/>
           </a:p>
@@ -3048,7 +3276,7 @@
   </p:cSld>
   <p:clrMap bg1="lt1" tx1="dk1" bg2="lt2" tx2="dk2" accent1="accent1" accent2="accent2" accent3="accent3" accent4="accent4" accent5="accent5" accent6="accent6" hlink="hlink" folHlink="folHlink"/>
   <p:sldLayoutIdLst>
-    <p:sldLayoutId id="2147483649" r:id="rId1"/>
+    <p:sldLayoutId id="2147483661" r:id="rId1"/>
     <p:sldLayoutId id="2147483650" r:id="rId2"/>
     <p:sldLayoutId id="2147483651" r:id="rId3"/>
     <p:sldLayoutId id="2147483652" r:id="rId4"/>
@@ -3059,6 +3287,573 @@
     <p:sldLayoutId id="2147483657" r:id="rId9"/>
     <p:sldLayoutId id="2147483658" r:id="rId10"/>
     <p:sldLayoutId id="2147483659" r:id="rId11"/>
+  </p:sldLayoutIdLst>
+  <p:txStyles>
+    <p:titleStyle>
+      <a:lvl1pPr algn="l" defTabSz="914400" rtl="0" eaLnBrk="1" latinLnBrk="0" hangingPunct="1">
+        <a:lnSpc>
+          <a:spcPct val="90000"/>
+        </a:lnSpc>
+        <a:spcBef>
+          <a:spcPct val="0"/>
+        </a:spcBef>
+        <a:buNone/>
+        <a:defRPr sz="4400" kern="1200">
+          <a:solidFill>
+            <a:schemeClr val="tx1"/>
+          </a:solidFill>
+          <a:latin typeface="+mj-lt"/>
+          <a:ea typeface="+mj-ea"/>
+          <a:cs typeface="+mj-cs"/>
+        </a:defRPr>
+      </a:lvl1pPr>
+    </p:titleStyle>
+    <p:bodyStyle>
+      <a:lvl1pPr marL="228600" indent="-228600" algn="l" defTabSz="914400" rtl="0" eaLnBrk="1" latinLnBrk="0" hangingPunct="1">
+        <a:lnSpc>
+          <a:spcPct val="90000"/>
+        </a:lnSpc>
+        <a:spcBef>
+          <a:spcPts val="1000"/>
+        </a:spcBef>
+        <a:buFont typeface="Arial" panose="020B0604020202020204" pitchFamily="34" charset="0"/>
+        <a:buChar char="•"/>
+        <a:defRPr sz="2800" kern="1200">
+          <a:solidFill>
+            <a:schemeClr val="tx1"/>
+          </a:solidFill>
+          <a:latin typeface="+mn-lt"/>
+          <a:ea typeface="+mn-ea"/>
+          <a:cs typeface="+mn-cs"/>
+        </a:defRPr>
+      </a:lvl1pPr>
+      <a:lvl2pPr marL="685800" indent="-228600" algn="l" defTabSz="914400" rtl="0" eaLnBrk="1" latinLnBrk="0" hangingPunct="1">
+        <a:lnSpc>
+          <a:spcPct val="90000"/>
+        </a:lnSpc>
+        <a:spcBef>
+          <a:spcPts val="500"/>
+        </a:spcBef>
+        <a:buFont typeface="Arial" panose="020B0604020202020204" pitchFamily="34" charset="0"/>
+        <a:buChar char="•"/>
+        <a:defRPr sz="2400" kern="1200">
+          <a:solidFill>
+            <a:schemeClr val="tx1"/>
+          </a:solidFill>
+          <a:latin typeface="+mn-lt"/>
+          <a:ea typeface="+mn-ea"/>
+          <a:cs typeface="+mn-cs"/>
+        </a:defRPr>
+      </a:lvl2pPr>
+      <a:lvl3pPr marL="1143000" indent="-228600" algn="l" defTabSz="914400" rtl="0" eaLnBrk="1" latinLnBrk="0" hangingPunct="1">
+        <a:lnSpc>
+          <a:spcPct val="90000"/>
+        </a:lnSpc>
+        <a:spcBef>
+          <a:spcPts val="500"/>
+        </a:spcBef>
+        <a:buFont typeface="Arial" panose="020B0604020202020204" pitchFamily="34" charset="0"/>
+        <a:buChar char="•"/>
+        <a:defRPr sz="2000" kern="1200">
+          <a:solidFill>
+            <a:schemeClr val="tx1"/>
+          </a:solidFill>
+          <a:latin typeface="+mn-lt"/>
+          <a:ea typeface="+mn-ea"/>
+          <a:cs typeface="+mn-cs"/>
+        </a:defRPr>
+      </a:lvl3pPr>
+      <a:lvl4pPr marL="1600200" indent="-228600" algn="l" defTabSz="914400" rtl="0" eaLnBrk="1" latinLnBrk="0" hangingPunct="1">
+        <a:lnSpc>
+          <a:spcPct val="90000"/>
+        </a:lnSpc>
+        <a:spcBef>
+          <a:spcPts val="500"/>
+        </a:spcBef>
+        <a:buFont typeface="Arial" panose="020B0604020202020204" pitchFamily="34" charset="0"/>
+        <a:buChar char="•"/>
+        <a:defRPr sz="1800" kern="1200">
+          <a:solidFill>
+            <a:schemeClr val="tx1"/>
+          </a:solidFill>
+          <a:latin typeface="+mn-lt"/>
+          <a:ea typeface="+mn-ea"/>
+          <a:cs typeface="+mn-cs"/>
+        </a:defRPr>
+      </a:lvl4pPr>
+      <a:lvl5pPr marL="2057400" indent="-228600" algn="l" defTabSz="914400" rtl="0" eaLnBrk="1" latinLnBrk="0" hangingPunct="1">
+        <a:lnSpc>
+          <a:spcPct val="90000"/>
+        </a:lnSpc>
+        <a:spcBef>
+          <a:spcPts val="500"/>
+        </a:spcBef>
+        <a:buFont typeface="Arial" panose="020B0604020202020204" pitchFamily="34" charset="0"/>
+        <a:buChar char="•"/>
+        <a:defRPr sz="1800" kern="1200">
+          <a:solidFill>
+            <a:schemeClr val="tx1"/>
+          </a:solidFill>
+          <a:latin typeface="+mn-lt"/>
+          <a:ea typeface="+mn-ea"/>
+          <a:cs typeface="+mn-cs"/>
+        </a:defRPr>
+      </a:lvl5pPr>
+      <a:lvl6pPr marL="2514600" indent="-228600" algn="l" defTabSz="914400" rtl="0" eaLnBrk="1" latinLnBrk="0" hangingPunct="1">
+        <a:lnSpc>
+          <a:spcPct val="90000"/>
+        </a:lnSpc>
+        <a:spcBef>
+          <a:spcPts val="500"/>
+        </a:spcBef>
+        <a:buFont typeface="Arial" panose="020B0604020202020204" pitchFamily="34" charset="0"/>
+        <a:buChar char="•"/>
+        <a:defRPr sz="1800" kern="1200">
+          <a:solidFill>
+            <a:schemeClr val="tx1"/>
+          </a:solidFill>
+          <a:latin typeface="+mn-lt"/>
+          <a:ea typeface="+mn-ea"/>
+          <a:cs typeface="+mn-cs"/>
+        </a:defRPr>
+      </a:lvl6pPr>
+      <a:lvl7pPr marL="2971800" indent="-228600" algn="l" defTabSz="914400" rtl="0" eaLnBrk="1" latinLnBrk="0" hangingPunct="1">
+        <a:lnSpc>
+          <a:spcPct val="90000"/>
+        </a:lnSpc>
+        <a:spcBef>
+          <a:spcPts val="500"/>
+        </a:spcBef>
+        <a:buFont typeface="Arial" panose="020B0604020202020204" pitchFamily="34" charset="0"/>
+        <a:buChar char="•"/>
+        <a:defRPr sz="1800" kern="1200">
+          <a:solidFill>
+            <a:schemeClr val="tx1"/>
+          </a:solidFill>
+          <a:latin typeface="+mn-lt"/>
+          <a:ea typeface="+mn-ea"/>
+          <a:cs typeface="+mn-cs"/>
+        </a:defRPr>
+      </a:lvl7pPr>
+      <a:lvl8pPr marL="3429000" indent="-228600" algn="l" defTabSz="914400" rtl="0" eaLnBrk="1" latinLnBrk="0" hangingPunct="1">
+        <a:lnSpc>
+          <a:spcPct val="90000"/>
+        </a:lnSpc>
+        <a:spcBef>
+          <a:spcPts val="500"/>
+        </a:spcBef>
+        <a:buFont typeface="Arial" panose="020B0604020202020204" pitchFamily="34" charset="0"/>
+        <a:buChar char="•"/>
+        <a:defRPr sz="1800" kern="1200">
+          <a:solidFill>
+            <a:schemeClr val="tx1"/>
+          </a:solidFill>
+          <a:latin typeface="+mn-lt"/>
+          <a:ea typeface="+mn-ea"/>
+          <a:cs typeface="+mn-cs"/>
+        </a:defRPr>
+      </a:lvl8pPr>
+      <a:lvl9pPr marL="3886200" indent="-228600" algn="l" defTabSz="914400" rtl="0" eaLnBrk="1" latinLnBrk="0" hangingPunct="1">
+        <a:lnSpc>
+          <a:spcPct val="90000"/>
+        </a:lnSpc>
+        <a:spcBef>
+          <a:spcPts val="500"/>
+        </a:spcBef>
+        <a:buFont typeface="Arial" panose="020B0604020202020204" pitchFamily="34" charset="0"/>
+        <a:buChar char="•"/>
+        <a:defRPr sz="1800" kern="1200">
+          <a:solidFill>
+            <a:schemeClr val="tx1"/>
+          </a:solidFill>
+          <a:latin typeface="+mn-lt"/>
+          <a:ea typeface="+mn-ea"/>
+          <a:cs typeface="+mn-cs"/>
+        </a:defRPr>
+      </a:lvl9pPr>
+    </p:bodyStyle>
+    <p:otherStyle>
+      <a:defPPr>
+        <a:defRPr lang="en-US"/>
+      </a:defPPr>
+      <a:lvl1pPr marL="0" algn="l" defTabSz="914400" rtl="0" eaLnBrk="1" latinLnBrk="0" hangingPunct="1">
+        <a:defRPr sz="1800" kern="1200">
+          <a:solidFill>
+            <a:schemeClr val="tx1"/>
+          </a:solidFill>
+          <a:latin typeface="+mn-lt"/>
+          <a:ea typeface="+mn-ea"/>
+          <a:cs typeface="+mn-cs"/>
+        </a:defRPr>
+      </a:lvl1pPr>
+      <a:lvl2pPr marL="457200" algn="l" defTabSz="914400" rtl="0" eaLnBrk="1" latinLnBrk="0" hangingPunct="1">
+        <a:defRPr sz="1800" kern="1200">
+          <a:solidFill>
+            <a:schemeClr val="tx1"/>
+          </a:solidFill>
+          <a:latin typeface="+mn-lt"/>
+          <a:ea typeface="+mn-ea"/>
+          <a:cs typeface="+mn-cs"/>
+        </a:defRPr>
+      </a:lvl2pPr>
+      <a:lvl3pPr marL="914400" algn="l" defTabSz="914400" rtl="0" eaLnBrk="1" latinLnBrk="0" hangingPunct="1">
+        <a:defRPr sz="1800" kern="1200">
+          <a:solidFill>
+            <a:schemeClr val="tx1"/>
+          </a:solidFill>
+          <a:latin typeface="+mn-lt"/>
+          <a:ea typeface="+mn-ea"/>
+          <a:cs typeface="+mn-cs"/>
+        </a:defRPr>
+      </a:lvl3pPr>
+      <a:lvl4pPr marL="1371600" algn="l" defTabSz="914400" rtl="0" eaLnBrk="1" latinLnBrk="0" hangingPunct="1">
+        <a:defRPr sz="1800" kern="1200">
+          <a:solidFill>
+            <a:schemeClr val="tx1"/>
+          </a:solidFill>
+          <a:latin typeface="+mn-lt"/>
+          <a:ea typeface="+mn-ea"/>
+          <a:cs typeface="+mn-cs"/>
+        </a:defRPr>
+      </a:lvl4pPr>
+      <a:lvl5pPr marL="1828800" algn="l" defTabSz="914400" rtl="0" eaLnBrk="1" latinLnBrk="0" hangingPunct="1">
+        <a:defRPr sz="1800" kern="1200">
+          <a:solidFill>
+            <a:schemeClr val="tx1"/>
+          </a:solidFill>
+          <a:latin typeface="+mn-lt"/>
+          <a:ea typeface="+mn-ea"/>
+          <a:cs typeface="+mn-cs"/>
+        </a:defRPr>
+      </a:lvl5pPr>
+      <a:lvl6pPr marL="2286000" algn="l" defTabSz="914400" rtl="0" eaLnBrk="1" latinLnBrk="0" hangingPunct="1">
+        <a:defRPr sz="1800" kern="1200">
+          <a:solidFill>
+            <a:schemeClr val="tx1"/>
+          </a:solidFill>
+          <a:latin typeface="+mn-lt"/>
+          <a:ea typeface="+mn-ea"/>
+          <a:cs typeface="+mn-cs"/>
+        </a:defRPr>
+      </a:lvl6pPr>
+      <a:lvl7pPr marL="2743200" algn="l" defTabSz="914400" rtl="0" eaLnBrk="1" latinLnBrk="0" hangingPunct="1">
+        <a:defRPr sz="1800" kern="1200">
+          <a:solidFill>
+            <a:schemeClr val="tx1"/>
+          </a:solidFill>
+          <a:latin typeface="+mn-lt"/>
+          <a:ea typeface="+mn-ea"/>
+          <a:cs typeface="+mn-cs"/>
+        </a:defRPr>
+      </a:lvl7pPr>
+      <a:lvl8pPr marL="3200400" algn="l" defTabSz="914400" rtl="0" eaLnBrk="1" latinLnBrk="0" hangingPunct="1">
+        <a:defRPr sz="1800" kern="1200">
+          <a:solidFill>
+            <a:schemeClr val="tx1"/>
+          </a:solidFill>
+          <a:latin typeface="+mn-lt"/>
+          <a:ea typeface="+mn-ea"/>
+          <a:cs typeface="+mn-cs"/>
+        </a:defRPr>
+      </a:lvl8pPr>
+      <a:lvl9pPr marL="3657600" algn="l" defTabSz="914400" rtl="0" eaLnBrk="1" latinLnBrk="0" hangingPunct="1">
+        <a:defRPr sz="1800" kern="1200">
+          <a:solidFill>
+            <a:schemeClr val="tx1"/>
+          </a:solidFill>
+          <a:latin typeface="+mn-lt"/>
+          <a:ea typeface="+mn-ea"/>
+          <a:cs typeface="+mn-cs"/>
+        </a:defRPr>
+      </a:lvl9pPr>
+    </p:otherStyle>
+  </p:txStyles>
+</p:sldMaster>
+</file>
+
+<file path=ppt/slideMasters/slideMaster2.xml><?xml version="1.0" encoding="utf-8"?>
+<p:sldMaster xmlns:a="http://schemas.openxmlformats.org/drawingml/2006/main" xmlns:r="http://schemas.openxmlformats.org/officeDocument/2006/relationships" xmlns:p="http://schemas.openxmlformats.org/presentationml/2006/main">
+  <p:cSld>
+    <p:bg>
+      <p:bgPr>
+        <a:blipFill dpi="0" rotWithShape="1">
+          <a:blip r:embed="rId3">
+            <a:lum/>
+          </a:blip>
+          <a:srcRect/>
+          <a:stretch>
+            <a:fillRect t="-9000" b="-9000"/>
+          </a:stretch>
+        </a:blipFill>
+        <a:effectLst/>
+      </p:bgPr>
+    </p:bg>
+    <p:spTree>
+      <p:nvGrpSpPr>
+        <p:cNvPr id="1" name=""/>
+        <p:cNvGrpSpPr/>
+        <p:nvPr/>
+      </p:nvGrpSpPr>
+      <p:grpSpPr>
+        <a:xfrm>
+          <a:off x="0" y="0"/>
+          <a:ext cx="0" cy="0"/>
+          <a:chOff x="0" y="0"/>
+          <a:chExt cx="0" cy="0"/>
+        </a:xfrm>
+      </p:grpSpPr>
+      <p:sp>
+        <p:nvSpPr>
+          <p:cNvPr id="2" name="Title Placeholder 1">
+            <a:extLst>
+              <a:ext uri="{FF2B5EF4-FFF2-40B4-BE49-F238E27FC236}">
+                <a16:creationId xmlns:a16="http://schemas.microsoft.com/office/drawing/2014/main" id="{A96C9A80-C25D-411D-ACDC-AE195A19A428}"/>
+              </a:ext>
+            </a:extLst>
+          </p:cNvPr>
+          <p:cNvSpPr>
+            <a:spLocks noGrp="1"/>
+          </p:cNvSpPr>
+          <p:nvPr>
+            <p:ph type="title"/>
+          </p:nvPr>
+        </p:nvSpPr>
+        <p:spPr>
+          <a:xfrm>
+            <a:off x="838200" y="365125"/>
+            <a:ext cx="10515600" cy="1325563"/>
+          </a:xfrm>
+          <a:prstGeom prst="rect">
+            <a:avLst/>
+          </a:prstGeom>
+        </p:spPr>
+        <p:txBody>
+          <a:bodyPr vert="horz" lIns="91440" tIns="45720" rIns="91440" bIns="45720" rtlCol="0" anchor="ctr">
+            <a:normAutofit/>
+          </a:bodyPr>
+          <a:lstStyle/>
+          <a:p>
+            <a:r>
+              <a:rPr lang="en-US"/>
+              <a:t>Click to edit Master title style</a:t>
+            </a:r>
+          </a:p>
+        </p:txBody>
+      </p:sp>
+      <p:sp>
+        <p:nvSpPr>
+          <p:cNvPr id="3" name="Text Placeholder 2">
+            <a:extLst>
+              <a:ext uri="{FF2B5EF4-FFF2-40B4-BE49-F238E27FC236}">
+                <a16:creationId xmlns:a16="http://schemas.microsoft.com/office/drawing/2014/main" id="{2906CB35-3EF6-4C94-AB41-F4CA2A5DE8AA}"/>
+              </a:ext>
+            </a:extLst>
+          </p:cNvPr>
+          <p:cNvSpPr>
+            <a:spLocks noGrp="1"/>
+          </p:cNvSpPr>
+          <p:nvPr>
+            <p:ph type="body" idx="1"/>
+          </p:nvPr>
+        </p:nvSpPr>
+        <p:spPr>
+          <a:xfrm>
+            <a:off x="838200" y="1825625"/>
+            <a:ext cx="10515600" cy="4351338"/>
+          </a:xfrm>
+          <a:prstGeom prst="rect">
+            <a:avLst/>
+          </a:prstGeom>
+        </p:spPr>
+        <p:txBody>
+          <a:bodyPr vert="horz" lIns="91440" tIns="45720" rIns="91440" bIns="45720" rtlCol="0">
+            <a:normAutofit/>
+          </a:bodyPr>
+          <a:lstStyle/>
+          <a:p>
+            <a:pPr lvl="0"/>
+            <a:r>
+              <a:rPr lang="en-US"/>
+              <a:t>Click to edit Master text styles</a:t>
+            </a:r>
+          </a:p>
+          <a:p>
+            <a:pPr lvl="1"/>
+            <a:r>
+              <a:rPr lang="en-US"/>
+              <a:t>Second level</a:t>
+            </a:r>
+          </a:p>
+          <a:p>
+            <a:pPr lvl="2"/>
+            <a:r>
+              <a:rPr lang="en-US"/>
+              <a:t>Third level</a:t>
+            </a:r>
+          </a:p>
+          <a:p>
+            <a:pPr lvl="3"/>
+            <a:r>
+              <a:rPr lang="en-US"/>
+              <a:t>Fourth level</a:t>
+            </a:r>
+          </a:p>
+          <a:p>
+            <a:pPr lvl="4"/>
+            <a:r>
+              <a:rPr lang="en-US"/>
+              <a:t>Fifth level</a:t>
+            </a:r>
+          </a:p>
+        </p:txBody>
+      </p:sp>
+      <p:sp>
+        <p:nvSpPr>
+          <p:cNvPr id="4" name="Date Placeholder 3">
+            <a:extLst>
+              <a:ext uri="{FF2B5EF4-FFF2-40B4-BE49-F238E27FC236}">
+                <a16:creationId xmlns:a16="http://schemas.microsoft.com/office/drawing/2014/main" id="{B852A03A-3A3A-44D5-BD94-3A7BAD3BFFBC}"/>
+              </a:ext>
+            </a:extLst>
+          </p:cNvPr>
+          <p:cNvSpPr>
+            <a:spLocks noGrp="1"/>
+          </p:cNvSpPr>
+          <p:nvPr>
+            <p:ph type="dt" sz="half" idx="2"/>
+          </p:nvPr>
+        </p:nvSpPr>
+        <p:spPr>
+          <a:xfrm>
+            <a:off x="838200" y="6356350"/>
+            <a:ext cx="2743200" cy="365125"/>
+          </a:xfrm>
+          <a:prstGeom prst="rect">
+            <a:avLst/>
+          </a:prstGeom>
+        </p:spPr>
+        <p:txBody>
+          <a:bodyPr vert="horz" lIns="91440" tIns="45720" rIns="91440" bIns="45720" rtlCol="0" anchor="ctr"/>
+          <a:lstStyle>
+            <a:lvl1pPr algn="l">
+              <a:defRPr sz="1200">
+                <a:solidFill>
+                  <a:schemeClr val="tx1">
+                    <a:tint val="75000"/>
+                  </a:schemeClr>
+                </a:solidFill>
+              </a:defRPr>
+            </a:lvl1pPr>
+          </a:lstStyle>
+          <a:p>
+            <a:fld id="{12BDD699-8925-4618-9E03-ADAE2166C8F2}" type="datetimeFigureOut">
+              <a:rPr lang="en-US" smtClean="0"/>
+              <a:t>9/14/2020</a:t>
+            </a:fld>
+            <a:endParaRPr lang="en-US"/>
+          </a:p>
+        </p:txBody>
+      </p:sp>
+      <p:sp>
+        <p:nvSpPr>
+          <p:cNvPr id="5" name="Footer Placeholder 4">
+            <a:extLst>
+              <a:ext uri="{FF2B5EF4-FFF2-40B4-BE49-F238E27FC236}">
+                <a16:creationId xmlns:a16="http://schemas.microsoft.com/office/drawing/2014/main" id="{9879423D-5956-4ACD-BAC2-6A9793B2DF46}"/>
+              </a:ext>
+            </a:extLst>
+          </p:cNvPr>
+          <p:cNvSpPr>
+            <a:spLocks noGrp="1"/>
+          </p:cNvSpPr>
+          <p:nvPr>
+            <p:ph type="ftr" sz="quarter" idx="3"/>
+          </p:nvPr>
+        </p:nvSpPr>
+        <p:spPr>
+          <a:xfrm>
+            <a:off x="4038600" y="6356350"/>
+            <a:ext cx="4114800" cy="365125"/>
+          </a:xfrm>
+          <a:prstGeom prst="rect">
+            <a:avLst/>
+          </a:prstGeom>
+        </p:spPr>
+        <p:txBody>
+          <a:bodyPr vert="horz" lIns="91440" tIns="45720" rIns="91440" bIns="45720" rtlCol="0" anchor="ctr"/>
+          <a:lstStyle>
+            <a:lvl1pPr algn="ctr">
+              <a:defRPr sz="1200">
+                <a:solidFill>
+                  <a:schemeClr val="tx1">
+                    <a:tint val="75000"/>
+                  </a:schemeClr>
+                </a:solidFill>
+              </a:defRPr>
+            </a:lvl1pPr>
+          </a:lstStyle>
+          <a:p>
+            <a:endParaRPr lang="en-US"/>
+          </a:p>
+        </p:txBody>
+      </p:sp>
+      <p:sp>
+        <p:nvSpPr>
+          <p:cNvPr id="6" name="Slide Number Placeholder 5">
+            <a:extLst>
+              <a:ext uri="{FF2B5EF4-FFF2-40B4-BE49-F238E27FC236}">
+                <a16:creationId xmlns:a16="http://schemas.microsoft.com/office/drawing/2014/main" id="{27CD75DD-1538-467E-9253-0FE4465AC3A2}"/>
+              </a:ext>
+            </a:extLst>
+          </p:cNvPr>
+          <p:cNvSpPr>
+            <a:spLocks noGrp="1"/>
+          </p:cNvSpPr>
+          <p:nvPr>
+            <p:ph type="sldNum" sz="quarter" idx="4"/>
+          </p:nvPr>
+        </p:nvSpPr>
+        <p:spPr>
+          <a:xfrm>
+            <a:off x="8610600" y="6356350"/>
+            <a:ext cx="2743200" cy="365125"/>
+          </a:xfrm>
+          <a:prstGeom prst="rect">
+            <a:avLst/>
+          </a:prstGeom>
+        </p:spPr>
+        <p:txBody>
+          <a:bodyPr vert="horz" lIns="91440" tIns="45720" rIns="91440" bIns="45720" rtlCol="0" anchor="ctr"/>
+          <a:lstStyle>
+            <a:lvl1pPr algn="r">
+              <a:defRPr sz="1200">
+                <a:solidFill>
+                  <a:schemeClr val="tx1">
+                    <a:tint val="75000"/>
+                  </a:schemeClr>
+                </a:solidFill>
+              </a:defRPr>
+            </a:lvl1pPr>
+          </a:lstStyle>
+          <a:p>
+            <a:fld id="{CE4E9560-397E-4205-BF38-019DC1F1F3AD}" type="slidenum">
+              <a:rPr lang="en-US" smtClean="0"/>
+              <a:t>‹#›</a:t>
+            </a:fld>
+            <a:endParaRPr lang="en-US"/>
+          </a:p>
+        </p:txBody>
+      </p:sp>
+    </p:spTree>
+    <p:extLst>
+      <p:ext uri="{BB962C8B-B14F-4D97-AF65-F5344CB8AC3E}">
+        <p14:creationId xmlns:p14="http://schemas.microsoft.com/office/powerpoint/2010/main" val="3589622333"/>
+      </p:ext>
+    </p:extLst>
+  </p:cSld>
+  <p:clrMap bg1="lt1" tx1="dk1" bg2="lt2" tx2="dk2" accent1="accent1" accent2="accent2" accent3="accent3" accent4="accent4" accent5="accent5" accent6="accent6" hlink="hlink" folHlink="folHlink"/>
+  <p:sldLayoutIdLst>
+    <p:sldLayoutId id="2147483649" r:id="rId1"/>
   </p:sldLayoutIdLst>
   <p:txStyles>
     <p:titleStyle>
@@ -3360,64 +4155,12 @@
           <a:chExt cx="0" cy="0"/>
         </a:xfrm>
       </p:grpSpPr>
-      <p:sp>
-        <p:nvSpPr>
-          <p:cNvPr id="2" name="Rectangle 1" hidden="1">
-            <a:extLst>
-              <a:ext uri="{FF2B5EF4-FFF2-40B4-BE49-F238E27FC236}">
-                <a16:creationId xmlns:a16="http://schemas.microsoft.com/office/drawing/2014/main" id="{5CCCBFA1-FDCD-4E57-81CE-6E0F8D7901BF}"/>
-              </a:ext>
-            </a:extLst>
-          </p:cNvPr>
-          <p:cNvSpPr/>
-          <p:nvPr/>
-        </p:nvSpPr>
-        <p:spPr>
-          <a:xfrm>
-            <a:off x="0" y="0"/>
-            <a:ext cx="12192000" cy="6858000"/>
-          </a:xfrm>
-          <a:prstGeom prst="rect">
-            <a:avLst/>
-          </a:prstGeom>
-          <a:solidFill>
-            <a:schemeClr val="bg1"/>
-          </a:solidFill>
-          <a:ln>
-            <a:noFill/>
-          </a:ln>
-        </p:spPr>
-        <p:style>
-          <a:lnRef idx="2">
-            <a:schemeClr val="accent1">
-              <a:shade val="50000"/>
-            </a:schemeClr>
-          </a:lnRef>
-          <a:fillRef idx="1">
-            <a:schemeClr val="accent1"/>
-          </a:fillRef>
-          <a:effectRef idx="0">
-            <a:schemeClr val="accent1"/>
-          </a:effectRef>
-          <a:fontRef idx="minor">
-            <a:schemeClr val="lt1"/>
-          </a:fontRef>
-        </p:style>
-        <p:txBody>
-          <a:bodyPr rtlCol="0" anchor="ctr"/>
-          <a:lstStyle/>
-          <a:p>
-            <a:pPr algn="ctr"/>
-            <a:endParaRPr lang="en-US" dirty="0"/>
-          </a:p>
-        </p:txBody>
-      </p:sp>
       <p:pic>
         <p:nvPicPr>
-          <p:cNvPr id="34" name="Content Placeholder 6" descr="A pizza sitting on top of a table&#10;&#10;Description automatically generated">
-            <a:extLst>
-              <a:ext uri="{FF2B5EF4-FFF2-40B4-BE49-F238E27FC236}">
-                <a16:creationId xmlns:a16="http://schemas.microsoft.com/office/drawing/2014/main" id="{A373EEF2-CC50-45A6-A46E-466F30E461AF}"/>
+          <p:cNvPr id="5" name="Picture 4" descr="A picture containing toy, holding, cake, person&#10;&#10;Description automatically generated">
+            <a:extLst>
+              <a:ext uri="{FF2B5EF4-FFF2-40B4-BE49-F238E27FC236}">
+                <a16:creationId xmlns:a16="http://schemas.microsoft.com/office/drawing/2014/main" id="{D1F23CBC-6788-403A-9B41-FA04365F1244}"/>
               </a:ext>
             </a:extLst>
           </p:cNvPr>
@@ -3440,140 +4183,20 @@
         </p:blipFill>
         <p:spPr>
           <a:xfrm>
-            <a:off x="2832496" y="1825625"/>
-            <a:ext cx="6527007" cy="4351338"/>
+            <a:off x="0" y="0"/>
+            <a:ext cx="12192000" cy="6858000"/>
           </a:xfrm>
           <a:prstGeom prst="rect">
             <a:avLst/>
           </a:prstGeom>
         </p:spPr>
       </p:pic>
-      <p:cxnSp>
-        <p:nvCxnSpPr>
-          <p:cNvPr id="5" name="Straight Connector 4">
-            <a:extLst>
-              <a:ext uri="{FF2B5EF4-FFF2-40B4-BE49-F238E27FC236}">
-                <a16:creationId xmlns:a16="http://schemas.microsoft.com/office/drawing/2014/main" id="{137595DA-6D53-45A0-9254-830836053E7D}"/>
-              </a:ext>
-            </a:extLst>
-          </p:cNvPr>
-          <p:cNvCxnSpPr/>
-          <p:nvPr/>
-        </p:nvCxnSpPr>
-        <p:spPr>
-          <a:xfrm>
-            <a:off x="609600" y="2892819"/>
-            <a:ext cx="2057400" cy="0"/>
-          </a:xfrm>
-          <a:prstGeom prst="line">
-            <a:avLst/>
-          </a:prstGeom>
-          <a:ln cap="rnd"/>
-        </p:spPr>
-        <p:style>
-          <a:lnRef idx="3">
-            <a:schemeClr val="accent6"/>
-          </a:lnRef>
-          <a:fillRef idx="0">
-            <a:schemeClr val="accent6"/>
-          </a:fillRef>
-          <a:effectRef idx="2">
-            <a:schemeClr val="accent6"/>
-          </a:effectRef>
-          <a:fontRef idx="minor">
-            <a:schemeClr val="tx1"/>
-          </a:fontRef>
-        </p:style>
-      </p:cxnSp>
-      <p:cxnSp>
-        <p:nvCxnSpPr>
-          <p:cNvPr id="10" name="Straight Connector 9">
-            <a:extLst>
-              <a:ext uri="{FF2B5EF4-FFF2-40B4-BE49-F238E27FC236}">
-                <a16:creationId xmlns:a16="http://schemas.microsoft.com/office/drawing/2014/main" id="{919ADC1C-0558-439F-A333-9AA3CEA1B859}"/>
-              </a:ext>
-            </a:extLst>
-          </p:cNvPr>
-          <p:cNvCxnSpPr>
-            <a:cxnSpLocks/>
-          </p:cNvCxnSpPr>
-          <p:nvPr/>
-        </p:nvCxnSpPr>
-        <p:spPr>
-          <a:xfrm>
-            <a:off x="2667000" y="2892819"/>
-            <a:ext cx="995363" cy="476250"/>
-          </a:xfrm>
-          <a:prstGeom prst="line">
-            <a:avLst/>
-          </a:prstGeom>
-          <a:ln cap="rnd"/>
-        </p:spPr>
-        <p:style>
-          <a:lnRef idx="3">
-            <a:schemeClr val="accent6"/>
-          </a:lnRef>
-          <a:fillRef idx="0">
-            <a:schemeClr val="accent6"/>
-          </a:fillRef>
-          <a:effectRef idx="2">
-            <a:schemeClr val="accent6"/>
-          </a:effectRef>
-          <a:fontRef idx="minor">
-            <a:schemeClr val="tx1"/>
-          </a:fontRef>
-        </p:style>
-      </p:cxnSp>
-      <p:sp>
-        <p:nvSpPr>
-          <p:cNvPr id="11" name="Oval 10">
-            <a:extLst>
-              <a:ext uri="{FF2B5EF4-FFF2-40B4-BE49-F238E27FC236}">
-                <a16:creationId xmlns:a16="http://schemas.microsoft.com/office/drawing/2014/main" id="{B8162159-F990-4B83-B1ED-B71983DC26AC}"/>
-              </a:ext>
-            </a:extLst>
-          </p:cNvPr>
-          <p:cNvSpPr/>
-          <p:nvPr/>
-        </p:nvSpPr>
-        <p:spPr>
-          <a:xfrm>
-            <a:off x="3579199" y="3283345"/>
-            <a:ext cx="133350" cy="133350"/>
-          </a:xfrm>
-          <a:prstGeom prst="ellipse">
-            <a:avLst/>
-          </a:prstGeom>
-        </p:spPr>
-        <p:style>
-          <a:lnRef idx="2">
-            <a:schemeClr val="accent6"/>
-          </a:lnRef>
-          <a:fillRef idx="1">
-            <a:schemeClr val="lt1"/>
-          </a:fillRef>
-          <a:effectRef idx="0">
-            <a:schemeClr val="accent6"/>
-          </a:effectRef>
-          <a:fontRef idx="minor">
-            <a:schemeClr val="dk1"/>
-          </a:fontRef>
-        </p:style>
-        <p:txBody>
-          <a:bodyPr rtlCol="0" anchor="ctr"/>
-          <a:lstStyle/>
-          <a:p>
-            <a:pPr algn="ctr"/>
-            <a:endParaRPr lang="en-US" dirty="0"/>
-          </a:p>
-        </p:txBody>
-      </p:sp>
-      <p:sp>
-        <p:nvSpPr>
-          <p:cNvPr id="12" name="TextBox 11">
-            <a:extLst>
-              <a:ext uri="{FF2B5EF4-FFF2-40B4-BE49-F238E27FC236}">
-                <a16:creationId xmlns:a16="http://schemas.microsoft.com/office/drawing/2014/main" id="{2F21B15B-18F0-404B-A4D9-CF02D6672999}"/>
+      <p:sp>
+        <p:nvSpPr>
+          <p:cNvPr id="2" name="TextBox 1">
+            <a:extLst>
+              <a:ext uri="{FF2B5EF4-FFF2-40B4-BE49-F238E27FC236}">
+                <a16:creationId xmlns:a16="http://schemas.microsoft.com/office/drawing/2014/main" id="{97E26479-65E6-495B-BA12-DD581A5AB8D4}"/>
               </a:ext>
             </a:extLst>
           </p:cNvPr>
@@ -3582,252 +4205,20 @@
         </p:nvSpPr>
         <p:spPr>
           <a:xfrm>
-            <a:off x="523876" y="2523487"/>
-            <a:ext cx="2179123" cy="369332"/>
+            <a:off x="152400" y="0"/>
+            <a:ext cx="3017520" cy="1569660"/>
           </a:xfrm>
           <a:prstGeom prst="rect">
             <a:avLst/>
           </a:prstGeom>
           <a:noFill/>
-        </p:spPr>
-        <p:txBody>
-          <a:bodyPr wrap="none" rtlCol="0">
-            <a:spAutoFit/>
-          </a:bodyPr>
-          <a:lstStyle/>
-          <a:p>
-            <a:r>
-              <a:rPr lang="en-US" dirty="0">
-                <a:solidFill>
-                  <a:schemeClr val="accent6">
-                    <a:lumMod val="75000"/>
-                  </a:schemeClr>
-                </a:solidFill>
-              </a:rPr>
-              <a:t>We Don’t Eat the Box</a:t>
-            </a:r>
-          </a:p>
-        </p:txBody>
-      </p:sp>
-      <p:sp>
-        <p:nvSpPr>
-          <p:cNvPr id="13" name="TextBox 12">
-            <a:extLst>
-              <a:ext uri="{FF2B5EF4-FFF2-40B4-BE49-F238E27FC236}">
-                <a16:creationId xmlns:a16="http://schemas.microsoft.com/office/drawing/2014/main" id="{EEE27833-6AE7-4490-ACA8-634D7BF527E7}"/>
-              </a:ext>
-            </a:extLst>
-          </p:cNvPr>
-          <p:cNvSpPr txBox="1"/>
-          <p:nvPr/>
-        </p:nvSpPr>
-        <p:spPr>
-          <a:xfrm>
-            <a:off x="523876" y="2955030"/>
-            <a:ext cx="1514517" cy="369332"/>
-          </a:xfrm>
-          <a:prstGeom prst="rect">
-            <a:avLst/>
-          </a:prstGeom>
-          <a:noFill/>
-        </p:spPr>
-        <p:txBody>
-          <a:bodyPr wrap="none" rtlCol="0">
-            <a:spAutoFit/>
-          </a:bodyPr>
-          <a:lstStyle/>
-          <a:p>
-            <a:r>
-              <a:rPr lang="en-US" dirty="0"/>
-              <a:t>It’s disgusting.</a:t>
-            </a:r>
-          </a:p>
-        </p:txBody>
-      </p:sp>
-      <p:cxnSp>
-        <p:nvCxnSpPr>
-          <p:cNvPr id="15" name="Straight Connector 14">
-            <a:extLst>
-              <a:ext uri="{FF2B5EF4-FFF2-40B4-BE49-F238E27FC236}">
-                <a16:creationId xmlns:a16="http://schemas.microsoft.com/office/drawing/2014/main" id="{3EF40E82-75AF-4C36-BE82-CD0B838F564A}"/>
-              </a:ext>
-            </a:extLst>
-          </p:cNvPr>
-          <p:cNvCxnSpPr>
-            <a:cxnSpLocks/>
-          </p:cNvCxnSpPr>
-          <p:nvPr/>
-        </p:nvCxnSpPr>
-        <p:spPr>
-          <a:xfrm flipV="1">
-            <a:off x="1212916" y="4325905"/>
-            <a:ext cx="1966913" cy="14287"/>
-          </a:xfrm>
-          <a:prstGeom prst="line">
-            <a:avLst/>
-          </a:prstGeom>
-          <a:ln cap="rnd"/>
-        </p:spPr>
-        <p:style>
-          <a:lnRef idx="3">
-            <a:schemeClr val="accent6"/>
-          </a:lnRef>
-          <a:fillRef idx="0">
-            <a:schemeClr val="accent6"/>
-          </a:fillRef>
-          <a:effectRef idx="2">
-            <a:schemeClr val="accent6"/>
-          </a:effectRef>
-          <a:fontRef idx="minor">
-            <a:schemeClr val="tx1"/>
-          </a:fontRef>
-        </p:style>
-      </p:cxnSp>
-      <p:cxnSp>
-        <p:nvCxnSpPr>
-          <p:cNvPr id="16" name="Straight Connector 15">
-            <a:extLst>
-              <a:ext uri="{FF2B5EF4-FFF2-40B4-BE49-F238E27FC236}">
-                <a16:creationId xmlns:a16="http://schemas.microsoft.com/office/drawing/2014/main" id="{BD704978-A488-43B5-8D13-A641FA7B8F5F}"/>
-              </a:ext>
-            </a:extLst>
-          </p:cNvPr>
-          <p:cNvCxnSpPr>
-            <a:cxnSpLocks/>
-          </p:cNvCxnSpPr>
-          <p:nvPr/>
-        </p:nvCxnSpPr>
-        <p:spPr>
-          <a:xfrm flipV="1">
-            <a:off x="3179829" y="4042297"/>
-            <a:ext cx="1622412" cy="285751"/>
-          </a:xfrm>
-          <a:prstGeom prst="line">
-            <a:avLst/>
-          </a:prstGeom>
-          <a:ln cap="rnd"/>
-        </p:spPr>
-        <p:style>
-          <a:lnRef idx="3">
-            <a:schemeClr val="accent6"/>
-          </a:lnRef>
-          <a:fillRef idx="0">
-            <a:schemeClr val="accent6"/>
-          </a:fillRef>
-          <a:effectRef idx="2">
-            <a:schemeClr val="accent6"/>
-          </a:effectRef>
-          <a:fontRef idx="minor">
-            <a:schemeClr val="tx1"/>
-          </a:fontRef>
-        </p:style>
-      </p:cxnSp>
-      <p:sp>
-        <p:nvSpPr>
-          <p:cNvPr id="17" name="Oval 16">
-            <a:extLst>
-              <a:ext uri="{FF2B5EF4-FFF2-40B4-BE49-F238E27FC236}">
-                <a16:creationId xmlns:a16="http://schemas.microsoft.com/office/drawing/2014/main" id="{FB49C377-E263-47FC-9ECC-AF19F9C12794}"/>
-              </a:ext>
-            </a:extLst>
-          </p:cNvPr>
-          <p:cNvSpPr/>
-          <p:nvPr/>
-        </p:nvSpPr>
-        <p:spPr>
-          <a:xfrm>
-            <a:off x="4728243" y="3954429"/>
-            <a:ext cx="133350" cy="133350"/>
-          </a:xfrm>
-          <a:prstGeom prst="ellipse">
-            <a:avLst/>
-          </a:prstGeom>
-        </p:spPr>
-        <p:style>
-          <a:lnRef idx="2">
-            <a:schemeClr val="accent6"/>
-          </a:lnRef>
-          <a:fillRef idx="1">
-            <a:schemeClr val="lt1"/>
-          </a:fillRef>
-          <a:effectRef idx="0">
-            <a:schemeClr val="accent6"/>
-          </a:effectRef>
-          <a:fontRef idx="minor">
-            <a:schemeClr val="dk1"/>
-          </a:fontRef>
-        </p:style>
-        <p:txBody>
-          <a:bodyPr rtlCol="0" anchor="ctr"/>
-          <a:lstStyle/>
-          <a:p>
-            <a:pPr algn="ctr"/>
-            <a:endParaRPr lang="en-US" dirty="0"/>
-          </a:p>
-        </p:txBody>
-      </p:sp>
-      <p:sp>
-        <p:nvSpPr>
-          <p:cNvPr id="18" name="TextBox 17">
-            <a:extLst>
-              <a:ext uri="{FF2B5EF4-FFF2-40B4-BE49-F238E27FC236}">
-                <a16:creationId xmlns:a16="http://schemas.microsoft.com/office/drawing/2014/main" id="{6DB2D5B6-174D-4FD1-BD9D-A9A150032FE9}"/>
-              </a:ext>
-            </a:extLst>
-          </p:cNvPr>
-          <p:cNvSpPr txBox="1"/>
-          <p:nvPr/>
-        </p:nvSpPr>
-        <p:spPr>
-          <a:xfrm>
-            <a:off x="1122429" y="3970860"/>
-            <a:ext cx="1357423" cy="369332"/>
-          </a:xfrm>
-          <a:prstGeom prst="rect">
-            <a:avLst/>
-          </a:prstGeom>
-          <a:noFill/>
-        </p:spPr>
-        <p:txBody>
-          <a:bodyPr wrap="none" rtlCol="0">
-            <a:spAutoFit/>
-          </a:bodyPr>
-          <a:lstStyle/>
-          <a:p>
-            <a:r>
-              <a:rPr lang="en-US" dirty="0">
-                <a:solidFill>
-                  <a:schemeClr val="accent6">
-                    <a:lumMod val="75000"/>
-                  </a:schemeClr>
-                </a:solidFill>
-              </a:rPr>
-              <a:t>We Eat Pizza</a:t>
-            </a:r>
-          </a:p>
-        </p:txBody>
-      </p:sp>
-      <p:sp>
-        <p:nvSpPr>
-          <p:cNvPr id="21" name="TextBox 20">
-            <a:extLst>
-              <a:ext uri="{FF2B5EF4-FFF2-40B4-BE49-F238E27FC236}">
-                <a16:creationId xmlns:a16="http://schemas.microsoft.com/office/drawing/2014/main" id="{DC718CB7-F8D1-4195-901B-86FD1D2BB6E0}"/>
-              </a:ext>
-            </a:extLst>
-          </p:cNvPr>
-          <p:cNvSpPr txBox="1"/>
-          <p:nvPr/>
-        </p:nvSpPr>
-        <p:spPr>
-          <a:xfrm>
-            <a:off x="1127192" y="4340192"/>
-            <a:ext cx="1575807" cy="1200329"/>
-          </a:xfrm>
-          <a:prstGeom prst="rect">
-            <a:avLst/>
-          </a:prstGeom>
-          <a:noFill/>
+          <a:effectLst>
+            <a:outerShdw blurRad="50800" dist="38100" dir="5400000" algn="t" rotWithShape="0">
+              <a:prstClr val="black">
+                <a:alpha val="40000"/>
+              </a:prstClr>
+            </a:outerShdw>
+          </a:effectLst>
         </p:spPr>
         <p:txBody>
           <a:bodyPr wrap="square" rtlCol="0">
@@ -3836,141 +4227,23 @@
           <a:lstStyle/>
           <a:p>
             <a:r>
-              <a:rPr lang="en-US" dirty="0"/>
-              <a:t>But without the box, the pizzas would be disgusting.</a:t>
-            </a:r>
-          </a:p>
-        </p:txBody>
-      </p:sp>
-      <p:cxnSp>
-        <p:nvCxnSpPr>
-          <p:cNvPr id="22" name="Straight Connector 21">
-            <a:extLst>
-              <a:ext uri="{FF2B5EF4-FFF2-40B4-BE49-F238E27FC236}">
-                <a16:creationId xmlns:a16="http://schemas.microsoft.com/office/drawing/2014/main" id="{281F65D4-8811-4C7C-9370-9FFB690657BE}"/>
-              </a:ext>
-            </a:extLst>
-          </p:cNvPr>
-          <p:cNvCxnSpPr>
-            <a:cxnSpLocks/>
-          </p:cNvCxnSpPr>
-          <p:nvPr/>
-        </p:nvCxnSpPr>
-        <p:spPr>
-          <a:xfrm flipH="1">
-            <a:off x="9463088" y="4680982"/>
-            <a:ext cx="1104900" cy="1"/>
-          </a:xfrm>
-          <a:prstGeom prst="line">
-            <a:avLst/>
-          </a:prstGeom>
-          <a:ln cap="rnd"/>
-        </p:spPr>
-        <p:style>
-          <a:lnRef idx="3">
-            <a:schemeClr val="accent6"/>
-          </a:lnRef>
-          <a:fillRef idx="0">
-            <a:schemeClr val="accent6"/>
-          </a:fillRef>
-          <a:effectRef idx="2">
-            <a:schemeClr val="accent6"/>
-          </a:effectRef>
-          <a:fontRef idx="minor">
-            <a:schemeClr val="tx1"/>
-          </a:fontRef>
-        </p:style>
-      </p:cxnSp>
-      <p:cxnSp>
-        <p:nvCxnSpPr>
-          <p:cNvPr id="23" name="Straight Connector 22">
-            <a:extLst>
-              <a:ext uri="{FF2B5EF4-FFF2-40B4-BE49-F238E27FC236}">
-                <a16:creationId xmlns:a16="http://schemas.microsoft.com/office/drawing/2014/main" id="{E0D3EF36-CFD1-4353-B6BE-50AEE339ED21}"/>
-              </a:ext>
-            </a:extLst>
-          </p:cNvPr>
-          <p:cNvCxnSpPr>
-            <a:cxnSpLocks/>
-            <a:endCxn id="24" idx="5"/>
-          </p:cNvCxnSpPr>
-          <p:nvPr/>
-        </p:nvCxnSpPr>
-        <p:spPr>
-          <a:xfrm flipH="1" flipV="1">
-            <a:off x="7857961" y="4505605"/>
-            <a:ext cx="1605127" cy="175377"/>
-          </a:xfrm>
-          <a:prstGeom prst="line">
-            <a:avLst/>
-          </a:prstGeom>
-          <a:ln cap="rnd"/>
-        </p:spPr>
-        <p:style>
-          <a:lnRef idx="3">
-            <a:schemeClr val="accent6"/>
-          </a:lnRef>
-          <a:fillRef idx="0">
-            <a:schemeClr val="accent6"/>
-          </a:fillRef>
-          <a:effectRef idx="2">
-            <a:schemeClr val="accent6"/>
-          </a:effectRef>
-          <a:fontRef idx="minor">
-            <a:schemeClr val="tx1"/>
-          </a:fontRef>
-        </p:style>
-      </p:cxnSp>
-      <p:sp>
-        <p:nvSpPr>
-          <p:cNvPr id="24" name="Oval 23">
-            <a:extLst>
-              <a:ext uri="{FF2B5EF4-FFF2-40B4-BE49-F238E27FC236}">
-                <a16:creationId xmlns:a16="http://schemas.microsoft.com/office/drawing/2014/main" id="{9442696C-9BC0-478B-9CA9-E9EE6FB12287}"/>
-              </a:ext>
-            </a:extLst>
-          </p:cNvPr>
-          <p:cNvSpPr/>
-          <p:nvPr/>
-        </p:nvSpPr>
-        <p:spPr>
-          <a:xfrm>
-            <a:off x="7744140" y="4391784"/>
-            <a:ext cx="133350" cy="133350"/>
-          </a:xfrm>
-          <a:prstGeom prst="ellipse">
-            <a:avLst/>
-          </a:prstGeom>
-        </p:spPr>
-        <p:style>
-          <a:lnRef idx="2">
-            <a:schemeClr val="accent6"/>
-          </a:lnRef>
-          <a:fillRef idx="1">
-            <a:schemeClr val="lt1"/>
-          </a:fillRef>
-          <a:effectRef idx="0">
-            <a:schemeClr val="accent6"/>
-          </a:effectRef>
-          <a:fontRef idx="minor">
-            <a:schemeClr val="dk1"/>
-          </a:fontRef>
-        </p:style>
-        <p:txBody>
-          <a:bodyPr rtlCol="0" anchor="ctr"/>
-          <a:lstStyle/>
-          <a:p>
-            <a:pPr algn="ctr"/>
-            <a:endParaRPr lang="en-US" dirty="0"/>
-          </a:p>
-        </p:txBody>
-      </p:sp>
-      <p:sp>
-        <p:nvSpPr>
-          <p:cNvPr id="25" name="TextBox 24">
-            <a:extLst>
-              <a:ext uri="{FF2B5EF4-FFF2-40B4-BE49-F238E27FC236}">
-                <a16:creationId xmlns:a16="http://schemas.microsoft.com/office/drawing/2014/main" id="{5FD8137D-08BF-449C-AE7B-0500735A5E83}"/>
+              <a:rPr lang="en-US" sz="9600" dirty="0">
+                <a:solidFill>
+                  <a:schemeClr val="bg1"/>
+                </a:solidFill>
+                <a:latin typeface="Playbill" panose="040506030A0602020202" pitchFamily="82" charset="0"/>
+              </a:rPr>
+              <a:t>Security</a:t>
+            </a:r>
+          </a:p>
+        </p:txBody>
+      </p:sp>
+      <p:sp>
+        <p:nvSpPr>
+          <p:cNvPr id="4" name="TextBox 3">
+            <a:extLst>
+              <a:ext uri="{FF2B5EF4-FFF2-40B4-BE49-F238E27FC236}">
+                <a16:creationId xmlns:a16="http://schemas.microsoft.com/office/drawing/2014/main" id="{4D6AD87C-591A-4734-BD94-22E9CD8D0F0D}"/>
               </a:ext>
             </a:extLst>
           </p:cNvPr>
@@ -3979,54 +4252,20 @@
         </p:nvSpPr>
         <p:spPr>
           <a:xfrm>
-            <a:off x="9836642" y="4325937"/>
-            <a:ext cx="821828" cy="369332"/>
+            <a:off x="152400" y="2421426"/>
+            <a:ext cx="3017520" cy="1569660"/>
           </a:xfrm>
           <a:prstGeom prst="rect">
             <a:avLst/>
           </a:prstGeom>
           <a:noFill/>
-        </p:spPr>
-        <p:txBody>
-          <a:bodyPr wrap="none" rtlCol="0">
-            <a:spAutoFit/>
-          </a:bodyPr>
-          <a:lstStyle/>
-          <a:p>
-            <a:r>
-              <a:rPr lang="en-US" dirty="0">
-                <a:solidFill>
-                  <a:schemeClr val="accent6">
-                    <a:lumMod val="75000"/>
-                  </a:schemeClr>
-                </a:solidFill>
-              </a:rPr>
-              <a:t>Details</a:t>
-            </a:r>
-          </a:p>
-        </p:txBody>
-      </p:sp>
-      <p:sp>
-        <p:nvSpPr>
-          <p:cNvPr id="26" name="TextBox 25">
-            <a:extLst>
-              <a:ext uri="{FF2B5EF4-FFF2-40B4-BE49-F238E27FC236}">
-                <a16:creationId xmlns:a16="http://schemas.microsoft.com/office/drawing/2014/main" id="{30D60AED-8345-4913-BD01-097112D373CB}"/>
-              </a:ext>
-            </a:extLst>
-          </p:cNvPr>
-          <p:cNvSpPr txBox="1"/>
-          <p:nvPr/>
-        </p:nvSpPr>
-        <p:spPr>
-          <a:xfrm>
-            <a:off x="9524999" y="4693126"/>
-            <a:ext cx="1208490" cy="923330"/>
-          </a:xfrm>
-          <a:prstGeom prst="rect">
-            <a:avLst/>
-          </a:prstGeom>
-          <a:noFill/>
+          <a:effectLst>
+            <a:outerShdw blurRad="50800" dist="38100" dir="5400000" algn="t" rotWithShape="0">
+              <a:prstClr val="black">
+                <a:alpha val="40000"/>
+              </a:prstClr>
+            </a:outerShdw>
+          </a:effectLst>
         </p:spPr>
         <p:txBody>
           <a:bodyPr wrap="square" rtlCol="0">
@@ -4034,143 +4273,24 @@
           </a:bodyPr>
           <a:lstStyle/>
           <a:p>
-            <a:pPr algn="r"/>
-            <a:r>
-              <a:rPr lang="en-US" dirty="0"/>
-              <a:t>Boxes tell us about the pizza</a:t>
-            </a:r>
-          </a:p>
-        </p:txBody>
-      </p:sp>
-      <p:cxnSp>
-        <p:nvCxnSpPr>
-          <p:cNvPr id="29" name="Straight Connector 28">
-            <a:extLst>
-              <a:ext uri="{FF2B5EF4-FFF2-40B4-BE49-F238E27FC236}">
-                <a16:creationId xmlns:a16="http://schemas.microsoft.com/office/drawing/2014/main" id="{019108DC-831E-4879-A640-53B4FCF9C7A9}"/>
-              </a:ext>
-            </a:extLst>
-          </p:cNvPr>
-          <p:cNvCxnSpPr>
-            <a:cxnSpLocks/>
-          </p:cNvCxnSpPr>
-          <p:nvPr/>
-        </p:nvCxnSpPr>
-        <p:spPr>
-          <a:xfrm flipH="1">
-            <a:off x="9282944" y="2150695"/>
-            <a:ext cx="1569266" cy="0"/>
-          </a:xfrm>
-          <a:prstGeom prst="line">
-            <a:avLst/>
-          </a:prstGeom>
-          <a:ln cap="rnd"/>
-        </p:spPr>
-        <p:style>
-          <a:lnRef idx="3">
-            <a:schemeClr val="accent6"/>
-          </a:lnRef>
-          <a:fillRef idx="0">
-            <a:schemeClr val="accent6"/>
-          </a:fillRef>
-          <a:effectRef idx="2">
-            <a:schemeClr val="accent6"/>
-          </a:effectRef>
-          <a:fontRef idx="minor">
-            <a:schemeClr val="tx1"/>
-          </a:fontRef>
-        </p:style>
-      </p:cxnSp>
-      <p:cxnSp>
-        <p:nvCxnSpPr>
-          <p:cNvPr id="30" name="Straight Connector 29">
-            <a:extLst>
-              <a:ext uri="{FF2B5EF4-FFF2-40B4-BE49-F238E27FC236}">
-                <a16:creationId xmlns:a16="http://schemas.microsoft.com/office/drawing/2014/main" id="{E7DB3AE7-E4CD-4EDA-8372-16564775FA28}"/>
-              </a:ext>
-            </a:extLst>
-          </p:cNvPr>
-          <p:cNvCxnSpPr>
-            <a:cxnSpLocks/>
-            <a:endCxn id="31" idx="6"/>
-          </p:cNvCxnSpPr>
-          <p:nvPr/>
-        </p:nvCxnSpPr>
-        <p:spPr>
-          <a:xfrm flipH="1">
-            <a:off x="8220183" y="2150695"/>
-            <a:ext cx="1079902" cy="115497"/>
-          </a:xfrm>
-          <a:prstGeom prst="line">
-            <a:avLst/>
-          </a:prstGeom>
-          <a:ln cap="rnd"/>
-        </p:spPr>
-        <p:style>
-          <a:lnRef idx="3">
-            <a:schemeClr val="accent6"/>
-          </a:lnRef>
-          <a:fillRef idx="0">
-            <a:schemeClr val="accent6"/>
-          </a:fillRef>
-          <a:effectRef idx="2">
-            <a:schemeClr val="accent6"/>
-          </a:effectRef>
-          <a:fontRef idx="minor">
-            <a:schemeClr val="tx1"/>
-          </a:fontRef>
-        </p:style>
-      </p:cxnSp>
-      <p:sp>
-        <p:nvSpPr>
-          <p:cNvPr id="31" name="Oval 30">
-            <a:extLst>
-              <a:ext uri="{FF2B5EF4-FFF2-40B4-BE49-F238E27FC236}">
-                <a16:creationId xmlns:a16="http://schemas.microsoft.com/office/drawing/2014/main" id="{6FFE47B9-57C8-4E04-91FB-14709991813A}"/>
-              </a:ext>
-            </a:extLst>
-          </p:cNvPr>
-          <p:cNvSpPr/>
-          <p:nvPr/>
-        </p:nvSpPr>
-        <p:spPr>
-          <a:xfrm>
-            <a:off x="8086833" y="2199517"/>
-            <a:ext cx="133350" cy="133350"/>
-          </a:xfrm>
-          <a:prstGeom prst="ellipse">
-            <a:avLst/>
-          </a:prstGeom>
-        </p:spPr>
-        <p:style>
-          <a:lnRef idx="2">
-            <a:schemeClr val="accent6"/>
-          </a:lnRef>
-          <a:fillRef idx="1">
-            <a:schemeClr val="lt1"/>
-          </a:fillRef>
-          <a:effectRef idx="0">
-            <a:schemeClr val="accent6"/>
-          </a:effectRef>
-          <a:fontRef idx="minor">
-            <a:schemeClr val="dk1"/>
-          </a:fontRef>
-        </p:style>
-        <p:txBody>
-          <a:bodyPr rtlCol="0" anchor="ctr"/>
-          <a:lstStyle/>
-          <a:p>
-            <a:pPr algn="ctr"/>
-            <a:endParaRPr lang="en-US" dirty="0"/>
-          </a:p>
-        </p:txBody>
-      </p:sp>
-      <p:sp>
-        <p:nvSpPr>
-          <p:cNvPr id="32" name="TextBox 31">
-            <a:extLst>
-              <a:ext uri="{FF2B5EF4-FFF2-40B4-BE49-F238E27FC236}">
-                <a16:creationId xmlns:a16="http://schemas.microsoft.com/office/drawing/2014/main" id="{1BA67ACD-6A40-4ED1-9EF4-C8F06D2CA166}"/>
+            <a:r>
+              <a:rPr lang="en-US" sz="9600" dirty="0">
+                <a:solidFill>
+                  <a:schemeClr val="bg1"/>
+                </a:solidFill>
+                <a:latin typeface="Playbill" panose="040506030A0602020202" pitchFamily="82" charset="0"/>
+              </a:rPr>
+              <a:t>Parallel</a:t>
+            </a:r>
+          </a:p>
+        </p:txBody>
+      </p:sp>
+      <p:sp>
+        <p:nvSpPr>
+          <p:cNvPr id="8" name="TextBox 7">
+            <a:extLst>
+              <a:ext uri="{FF2B5EF4-FFF2-40B4-BE49-F238E27FC236}">
+                <a16:creationId xmlns:a16="http://schemas.microsoft.com/office/drawing/2014/main" id="{F0ED2CAA-6561-48E6-88AF-549755235869}"/>
               </a:ext>
             </a:extLst>
           </p:cNvPr>
@@ -4179,54 +4299,20 @@
         </p:nvSpPr>
         <p:spPr>
           <a:xfrm>
-            <a:off x="9656498" y="1795649"/>
-            <a:ext cx="1195712" cy="369332"/>
+            <a:off x="152400" y="4842852"/>
+            <a:ext cx="2664823" cy="1569660"/>
           </a:xfrm>
           <a:prstGeom prst="rect">
             <a:avLst/>
           </a:prstGeom>
           <a:noFill/>
-        </p:spPr>
-        <p:txBody>
-          <a:bodyPr wrap="none" rtlCol="0">
-            <a:spAutoFit/>
-          </a:bodyPr>
-          <a:lstStyle/>
-          <a:p>
-            <a:r>
-              <a:rPr lang="en-US" dirty="0">
-                <a:solidFill>
-                  <a:schemeClr val="accent6">
-                    <a:lumMod val="75000"/>
-                  </a:schemeClr>
-                </a:solidFill>
-              </a:rPr>
-              <a:t>Separation</a:t>
-            </a:r>
-          </a:p>
-        </p:txBody>
-      </p:sp>
-      <p:sp>
-        <p:nvSpPr>
-          <p:cNvPr id="33" name="TextBox 32">
-            <a:extLst>
-              <a:ext uri="{FF2B5EF4-FFF2-40B4-BE49-F238E27FC236}">
-                <a16:creationId xmlns:a16="http://schemas.microsoft.com/office/drawing/2014/main" id="{E4ED2E01-78B9-4E9E-97D7-97336255BDE0}"/>
-              </a:ext>
-            </a:extLst>
-          </p:cNvPr>
-          <p:cNvSpPr txBox="1"/>
-          <p:nvPr/>
-        </p:nvSpPr>
-        <p:spPr>
-          <a:xfrm>
-            <a:off x="9463088" y="2162838"/>
-            <a:ext cx="1416738" cy="1200329"/>
-          </a:xfrm>
-          <a:prstGeom prst="rect">
-            <a:avLst/>
-          </a:prstGeom>
-          <a:noFill/>
+          <a:effectLst>
+            <a:outerShdw blurRad="50800" dist="38100" dir="5400000" algn="t" rotWithShape="0">
+              <a:prstClr val="black">
+                <a:alpha val="40000"/>
+              </a:prstClr>
+            </a:outerShdw>
+          </a:effectLst>
         </p:spPr>
         <p:txBody>
           <a:bodyPr wrap="square" rtlCol="0">
@@ -4234,362 +4320,22 @@
           </a:bodyPr>
           <a:lstStyle/>
           <a:p>
-            <a:pPr algn="r"/>
-            <a:r>
-              <a:rPr lang="en-US" dirty="0"/>
-              <a:t>Boxes tell us where each pizza starts and ends</a:t>
-            </a:r>
-          </a:p>
-        </p:txBody>
-      </p:sp>
-      <p:sp>
-        <p:nvSpPr>
-          <p:cNvPr id="38" name="TextBox 37">
-            <a:extLst>
-              <a:ext uri="{FF2B5EF4-FFF2-40B4-BE49-F238E27FC236}">
-                <a16:creationId xmlns:a16="http://schemas.microsoft.com/office/drawing/2014/main" id="{91D2CAB9-EF2E-4B5B-B20A-806B6DD60F42}"/>
-              </a:ext>
-            </a:extLst>
-          </p:cNvPr>
-          <p:cNvSpPr txBox="1"/>
-          <p:nvPr/>
-        </p:nvSpPr>
-        <p:spPr>
-          <a:xfrm>
-            <a:off x="0" y="250222"/>
-            <a:ext cx="12192000" cy="523220"/>
-          </a:xfrm>
-          <a:prstGeom prst="rect">
-            <a:avLst/>
-          </a:prstGeom>
-          <a:noFill/>
-        </p:spPr>
-        <p:txBody>
-          <a:bodyPr wrap="square" rtlCol="0">
-            <a:spAutoFit/>
-          </a:bodyPr>
-          <a:lstStyle/>
-          <a:p>
-            <a:pPr algn="ctr"/>
-            <a:r>
-              <a:rPr lang="en-US" sz="2800" dirty="0">
+            <a:r>
+              <a:rPr lang="en-US" sz="9600" dirty="0">
                 <a:solidFill>
-                  <a:schemeClr val="accent6">
-                    <a:lumMod val="75000"/>
-                  </a:schemeClr>
+                  <a:schemeClr val="bg1"/>
                 </a:solidFill>
+                <a:latin typeface="Playbill" panose="040506030A0602020202" pitchFamily="82" charset="0"/>
               </a:rPr>
-              <a:t>Pizza Comes in a Box</a:t>
-            </a:r>
-          </a:p>
-        </p:txBody>
-      </p:sp>
-      <p:grpSp>
-        <p:nvGrpSpPr>
-          <p:cNvPr id="49" name="Group 48">
-            <a:extLst>
-              <a:ext uri="{FF2B5EF4-FFF2-40B4-BE49-F238E27FC236}">
-                <a16:creationId xmlns:a16="http://schemas.microsoft.com/office/drawing/2014/main" id="{B8CE06AF-2806-4107-95D9-AAC286CC343B}"/>
-              </a:ext>
-            </a:extLst>
-          </p:cNvPr>
-          <p:cNvGrpSpPr/>
-          <p:nvPr/>
-        </p:nvGrpSpPr>
-        <p:grpSpPr>
-          <a:xfrm>
-            <a:off x="3766877" y="629685"/>
-            <a:ext cx="4498072" cy="297874"/>
-            <a:chOff x="3971469" y="624781"/>
-            <a:chExt cx="4498072" cy="297874"/>
-          </a:xfrm>
-        </p:grpSpPr>
-        <p:cxnSp>
-          <p:nvCxnSpPr>
-            <p:cNvPr id="40" name="Straight Connector 39">
-              <a:extLst>
-                <a:ext uri="{FF2B5EF4-FFF2-40B4-BE49-F238E27FC236}">
-                  <a16:creationId xmlns:a16="http://schemas.microsoft.com/office/drawing/2014/main" id="{D6E0AC31-61D0-4CE2-AA3B-3C6978E8704A}"/>
-                </a:ext>
-              </a:extLst>
-            </p:cNvPr>
-            <p:cNvCxnSpPr/>
-            <p:nvPr/>
-          </p:nvCxnSpPr>
-          <p:spPr>
-            <a:xfrm>
-              <a:off x="5170031" y="773442"/>
-              <a:ext cx="2057400" cy="0"/>
-            </a:xfrm>
-            <a:prstGeom prst="line">
-              <a:avLst/>
-            </a:prstGeom>
-            <a:ln cap="rnd"/>
-          </p:spPr>
-          <p:style>
-            <a:lnRef idx="3">
-              <a:schemeClr val="accent6"/>
-            </a:lnRef>
-            <a:fillRef idx="0">
-              <a:schemeClr val="accent6"/>
-            </a:fillRef>
-            <a:effectRef idx="2">
-              <a:schemeClr val="accent6"/>
-            </a:effectRef>
-            <a:fontRef idx="minor">
-              <a:schemeClr val="tx1"/>
-            </a:fontRef>
-          </p:style>
-        </p:cxnSp>
-        <p:cxnSp>
-          <p:nvCxnSpPr>
-            <p:cNvPr id="41" name="Straight Connector 40">
-              <a:extLst>
-                <a:ext uri="{FF2B5EF4-FFF2-40B4-BE49-F238E27FC236}">
-                  <a16:creationId xmlns:a16="http://schemas.microsoft.com/office/drawing/2014/main" id="{B388F3BF-FB37-4435-8519-443F06647178}"/>
-                </a:ext>
-              </a:extLst>
-            </p:cNvPr>
-            <p:cNvCxnSpPr>
-              <a:cxnSpLocks/>
-            </p:cNvCxnSpPr>
-            <p:nvPr/>
-          </p:nvCxnSpPr>
-          <p:spPr>
-            <a:xfrm>
-              <a:off x="7349270" y="697242"/>
-              <a:ext cx="1027511" cy="0"/>
-            </a:xfrm>
-            <a:prstGeom prst="line">
-              <a:avLst/>
-            </a:prstGeom>
-            <a:ln cap="rnd"/>
-          </p:spPr>
-          <p:style>
-            <a:lnRef idx="3">
-              <a:schemeClr val="accent6"/>
-            </a:lnRef>
-            <a:fillRef idx="0">
-              <a:schemeClr val="accent6"/>
-            </a:fillRef>
-            <a:effectRef idx="2">
-              <a:schemeClr val="accent6"/>
-            </a:effectRef>
-            <a:fontRef idx="minor">
-              <a:schemeClr val="tx1"/>
-            </a:fontRef>
-          </p:style>
-        </p:cxnSp>
-        <p:cxnSp>
-          <p:nvCxnSpPr>
-            <p:cNvPr id="43" name="Straight Connector 42">
-              <a:extLst>
-                <a:ext uri="{FF2B5EF4-FFF2-40B4-BE49-F238E27FC236}">
-                  <a16:creationId xmlns:a16="http://schemas.microsoft.com/office/drawing/2014/main" id="{EC5F7052-9710-4CD3-8A81-EEE0E9A7244C}"/>
-                </a:ext>
-              </a:extLst>
-            </p:cNvPr>
-            <p:cNvCxnSpPr>
-              <a:cxnSpLocks/>
-            </p:cNvCxnSpPr>
-            <p:nvPr/>
-          </p:nvCxnSpPr>
-          <p:spPr>
-            <a:xfrm flipV="1">
-              <a:off x="7227431" y="697242"/>
-              <a:ext cx="121839" cy="76200"/>
-            </a:xfrm>
-            <a:prstGeom prst="line">
-              <a:avLst/>
-            </a:prstGeom>
-            <a:ln cap="rnd"/>
-          </p:spPr>
-          <p:style>
-            <a:lnRef idx="3">
-              <a:schemeClr val="accent6"/>
-            </a:lnRef>
-            <a:fillRef idx="0">
-              <a:schemeClr val="accent6"/>
-            </a:fillRef>
-            <a:effectRef idx="2">
-              <a:schemeClr val="accent6"/>
-            </a:effectRef>
-            <a:fontRef idx="minor">
-              <a:schemeClr val="tx1"/>
-            </a:fontRef>
-          </p:style>
-        </p:cxnSp>
-        <p:cxnSp>
-          <p:nvCxnSpPr>
-            <p:cNvPr id="46" name="Straight Connector 45">
-              <a:extLst>
-                <a:ext uri="{FF2B5EF4-FFF2-40B4-BE49-F238E27FC236}">
-                  <a16:creationId xmlns:a16="http://schemas.microsoft.com/office/drawing/2014/main" id="{C86B609C-3E9D-4EA1-9D7B-7AD108C8C57B}"/>
-                </a:ext>
-              </a:extLst>
-            </p:cNvPr>
-            <p:cNvCxnSpPr>
-              <a:cxnSpLocks/>
-            </p:cNvCxnSpPr>
-            <p:nvPr/>
-          </p:nvCxnSpPr>
-          <p:spPr>
-            <a:xfrm flipV="1">
-              <a:off x="5048192" y="773442"/>
-              <a:ext cx="121839" cy="76200"/>
-            </a:xfrm>
-            <a:prstGeom prst="line">
-              <a:avLst/>
-            </a:prstGeom>
-            <a:ln cap="rnd"/>
-          </p:spPr>
-          <p:style>
-            <a:lnRef idx="3">
-              <a:schemeClr val="accent6"/>
-            </a:lnRef>
-            <a:fillRef idx="0">
-              <a:schemeClr val="accent6"/>
-            </a:fillRef>
-            <a:effectRef idx="2">
-              <a:schemeClr val="accent6"/>
-            </a:effectRef>
-            <a:fontRef idx="minor">
-              <a:schemeClr val="tx1"/>
-            </a:fontRef>
-          </p:style>
-        </p:cxnSp>
-        <p:cxnSp>
-          <p:nvCxnSpPr>
-            <p:cNvPr id="47" name="Straight Connector 46">
-              <a:extLst>
-                <a:ext uri="{FF2B5EF4-FFF2-40B4-BE49-F238E27FC236}">
-                  <a16:creationId xmlns:a16="http://schemas.microsoft.com/office/drawing/2014/main" id="{0D690C07-0109-4CEC-B0CC-434EED608911}"/>
-                </a:ext>
-              </a:extLst>
-            </p:cNvPr>
-            <p:cNvCxnSpPr>
-              <a:cxnSpLocks/>
-            </p:cNvCxnSpPr>
-            <p:nvPr/>
-          </p:nvCxnSpPr>
-          <p:spPr>
-            <a:xfrm flipV="1">
-              <a:off x="4021655" y="849642"/>
-              <a:ext cx="1026537" cy="11668"/>
-            </a:xfrm>
-            <a:prstGeom prst="line">
-              <a:avLst/>
-            </a:prstGeom>
-            <a:ln cap="rnd"/>
-          </p:spPr>
-          <p:style>
-            <a:lnRef idx="3">
-              <a:schemeClr val="accent6"/>
-            </a:lnRef>
-            <a:fillRef idx="0">
-              <a:schemeClr val="accent6"/>
-            </a:fillRef>
-            <a:effectRef idx="2">
-              <a:schemeClr val="accent6"/>
-            </a:effectRef>
-            <a:fontRef idx="minor">
-              <a:schemeClr val="tx1"/>
-            </a:fontRef>
-          </p:style>
-        </p:cxnSp>
-        <p:sp>
-          <p:nvSpPr>
-            <p:cNvPr id="50" name="Oval 49">
-              <a:extLst>
-                <a:ext uri="{FF2B5EF4-FFF2-40B4-BE49-F238E27FC236}">
-                  <a16:creationId xmlns:a16="http://schemas.microsoft.com/office/drawing/2014/main" id="{EEA3A56A-D77B-4804-9467-3C2325189A39}"/>
-                </a:ext>
-              </a:extLst>
-            </p:cNvPr>
-            <p:cNvSpPr/>
-            <p:nvPr/>
-          </p:nvSpPr>
-          <p:spPr>
-            <a:xfrm>
-              <a:off x="3971469" y="789305"/>
-              <a:ext cx="133350" cy="133350"/>
-            </a:xfrm>
-            <a:prstGeom prst="ellipse">
-              <a:avLst/>
-            </a:prstGeom>
-          </p:spPr>
-          <p:style>
-            <a:lnRef idx="2">
-              <a:schemeClr val="accent6"/>
-            </a:lnRef>
-            <a:fillRef idx="1">
-              <a:schemeClr val="lt1"/>
-            </a:fillRef>
-            <a:effectRef idx="0">
-              <a:schemeClr val="accent6"/>
-            </a:effectRef>
-            <a:fontRef idx="minor">
-              <a:schemeClr val="dk1"/>
-            </a:fontRef>
-          </p:style>
-          <p:txBody>
-            <a:bodyPr rtlCol="0" anchor="ctr"/>
-            <a:lstStyle/>
-            <a:p>
-              <a:pPr algn="ctr"/>
-              <a:endParaRPr lang="en-US" i="1" dirty="0"/>
-            </a:p>
-          </p:txBody>
-        </p:sp>
-        <p:sp>
-          <p:nvSpPr>
-            <p:cNvPr id="51" name="Oval 50">
-              <a:extLst>
-                <a:ext uri="{FF2B5EF4-FFF2-40B4-BE49-F238E27FC236}">
-                  <a16:creationId xmlns:a16="http://schemas.microsoft.com/office/drawing/2014/main" id="{488A40C9-3C11-477D-B0FB-19648893F367}"/>
-                </a:ext>
-              </a:extLst>
-            </p:cNvPr>
-            <p:cNvSpPr/>
-            <p:nvPr/>
-          </p:nvSpPr>
-          <p:spPr>
-            <a:xfrm>
-              <a:off x="8336191" y="624781"/>
-              <a:ext cx="133350" cy="133350"/>
-            </a:xfrm>
-            <a:prstGeom prst="ellipse">
-              <a:avLst/>
-            </a:prstGeom>
-          </p:spPr>
-          <p:style>
-            <a:lnRef idx="2">
-              <a:schemeClr val="accent6"/>
-            </a:lnRef>
-            <a:fillRef idx="1">
-              <a:schemeClr val="lt1"/>
-            </a:fillRef>
-            <a:effectRef idx="0">
-              <a:schemeClr val="accent6"/>
-            </a:effectRef>
-            <a:fontRef idx="minor">
-              <a:schemeClr val="dk1"/>
-            </a:fontRef>
-          </p:style>
-          <p:txBody>
-            <a:bodyPr rtlCol="0" anchor="ctr"/>
-            <a:lstStyle/>
-            <a:p>
-              <a:pPr algn="ctr"/>
-              <a:endParaRPr lang="en-US" i="1" dirty="0"/>
-            </a:p>
-          </p:txBody>
-        </p:sp>
-      </p:grpSp>
+              <a:t>Protocols</a:t>
+            </a:r>
+          </a:p>
+        </p:txBody>
+      </p:sp>
     </p:spTree>
     <p:extLst>
       <p:ext uri="{BB962C8B-B14F-4D97-AF65-F5344CB8AC3E}">
-        <p14:creationId xmlns:p14="http://schemas.microsoft.com/office/powerpoint/2010/main" val="2944281412"/>
+        <p14:creationId xmlns:p14="http://schemas.microsoft.com/office/powerpoint/2010/main" val="3054895088"/>
       </p:ext>
     </p:extLst>
   </p:cSld>
@@ -4599,2048 +4345,7 @@
 </p:sld>
 </file>
 
-<file path=ppt/slides/slide2.xml><?xml version="1.0" encoding="utf-8"?>
-<p:sld xmlns:a="http://schemas.openxmlformats.org/drawingml/2006/main" xmlns:r="http://schemas.openxmlformats.org/officeDocument/2006/relationships" xmlns:p="http://schemas.openxmlformats.org/presentationml/2006/main">
-  <p:cSld>
-    <p:spTree>
-      <p:nvGrpSpPr>
-        <p:cNvPr id="1" name=""/>
-        <p:cNvGrpSpPr/>
-        <p:nvPr/>
-      </p:nvGrpSpPr>
-      <p:grpSpPr>
-        <a:xfrm>
-          <a:off x="0" y="0"/>
-          <a:ext cx="0" cy="0"/>
-          <a:chOff x="0" y="0"/>
-          <a:chExt cx="0" cy="0"/>
-        </a:xfrm>
-      </p:grpSpPr>
-      <p:sp>
-        <p:nvSpPr>
-          <p:cNvPr id="2" name="Rectangle 1" hidden="1">
-            <a:extLst>
-              <a:ext uri="{FF2B5EF4-FFF2-40B4-BE49-F238E27FC236}">
-                <a16:creationId xmlns:a16="http://schemas.microsoft.com/office/drawing/2014/main" id="{5CCCBFA1-FDCD-4E57-81CE-6E0F8D7901BF}"/>
-              </a:ext>
-            </a:extLst>
-          </p:cNvPr>
-          <p:cNvSpPr/>
-          <p:nvPr/>
-        </p:nvSpPr>
-        <p:spPr>
-          <a:xfrm>
-            <a:off x="0" y="0"/>
-            <a:ext cx="12192000" cy="6858000"/>
-          </a:xfrm>
-          <a:prstGeom prst="rect">
-            <a:avLst/>
-          </a:prstGeom>
-          <a:solidFill>
-            <a:schemeClr val="bg1"/>
-          </a:solidFill>
-          <a:ln>
-            <a:noFill/>
-          </a:ln>
-        </p:spPr>
-        <p:style>
-          <a:lnRef idx="2">
-            <a:schemeClr val="accent1">
-              <a:shade val="50000"/>
-            </a:schemeClr>
-          </a:lnRef>
-          <a:fillRef idx="1">
-            <a:schemeClr val="accent1"/>
-          </a:fillRef>
-          <a:effectRef idx="0">
-            <a:schemeClr val="accent1"/>
-          </a:effectRef>
-          <a:fontRef idx="minor">
-            <a:schemeClr val="lt1"/>
-          </a:fontRef>
-        </p:style>
-        <p:txBody>
-          <a:bodyPr rtlCol="0" anchor="ctr"/>
-          <a:lstStyle/>
-          <a:p>
-            <a:pPr algn="ctr"/>
-            <a:endParaRPr lang="en-US" dirty="0"/>
-          </a:p>
-        </p:txBody>
-      </p:sp>
-      <p:sp>
-        <p:nvSpPr>
-          <p:cNvPr id="36" name="TextBox 35">
-            <a:extLst>
-              <a:ext uri="{FF2B5EF4-FFF2-40B4-BE49-F238E27FC236}">
-                <a16:creationId xmlns:a16="http://schemas.microsoft.com/office/drawing/2014/main" id="{74E8AFC8-18F4-477F-BD68-896A4DCF3D0A}"/>
-              </a:ext>
-            </a:extLst>
-          </p:cNvPr>
-          <p:cNvSpPr txBox="1"/>
-          <p:nvPr/>
-        </p:nvSpPr>
-        <p:spPr>
-          <a:xfrm>
-            <a:off x="3995759" y="1444894"/>
-            <a:ext cx="6095296" cy="3970318"/>
-          </a:xfrm>
-          <a:prstGeom prst="rect">
-            <a:avLst/>
-          </a:prstGeom>
-          <a:noFill/>
-        </p:spPr>
-        <p:txBody>
-          <a:bodyPr wrap="square">
-            <a:spAutoFit/>
-          </a:bodyPr>
-          <a:lstStyle/>
-          <a:p>
-            <a:r>
-              <a:rPr lang="en-US" b="0" dirty="0">
-                <a:solidFill>
-                  <a:srgbClr val="800000"/>
-                </a:solidFill>
-                <a:effectLst/>
-                <a:latin typeface="Consolas" panose="020B0609020204030204" pitchFamily="49" charset="0"/>
-              </a:rPr>
-              <a:t>&lt;!DOCTYPE</a:t>
-            </a:r>
-            <a:r>
-              <a:rPr lang="en-US" b="0" dirty="0">
-                <a:solidFill>
-                  <a:srgbClr val="000000"/>
-                </a:solidFill>
-                <a:effectLst/>
-                <a:latin typeface="Consolas" panose="020B0609020204030204" pitchFamily="49" charset="0"/>
-              </a:rPr>
-              <a:t> </a:t>
-            </a:r>
-            <a:r>
-              <a:rPr lang="en-US" b="0" dirty="0">
-                <a:solidFill>
-                  <a:srgbClr val="FF0000"/>
-                </a:solidFill>
-                <a:effectLst/>
-                <a:latin typeface="Consolas" panose="020B0609020204030204" pitchFamily="49" charset="0"/>
-              </a:rPr>
-              <a:t>html</a:t>
-            </a:r>
-            <a:r>
-              <a:rPr lang="en-US" b="0" dirty="0">
-                <a:solidFill>
-                  <a:srgbClr val="800000"/>
-                </a:solidFill>
-                <a:effectLst/>
-                <a:latin typeface="Consolas" panose="020B0609020204030204" pitchFamily="49" charset="0"/>
-              </a:rPr>
-              <a:t>&gt;</a:t>
-            </a:r>
-            <a:endParaRPr lang="en-US" b="0" dirty="0">
-              <a:solidFill>
-                <a:srgbClr val="000000"/>
-              </a:solidFill>
-              <a:effectLst/>
-              <a:latin typeface="Consolas" panose="020B0609020204030204" pitchFamily="49" charset="0"/>
-            </a:endParaRPr>
-          </a:p>
-          <a:p>
-            <a:r>
-              <a:rPr lang="en-US" b="0" dirty="0">
-                <a:solidFill>
-                  <a:srgbClr val="800000"/>
-                </a:solidFill>
-                <a:effectLst/>
-                <a:latin typeface="Consolas" panose="020B0609020204030204" pitchFamily="49" charset="0"/>
-              </a:rPr>
-              <a:t>&lt;html&gt;</a:t>
-            </a:r>
-            <a:endParaRPr lang="en-US" b="0" dirty="0">
-              <a:solidFill>
-                <a:srgbClr val="000000"/>
-              </a:solidFill>
-              <a:effectLst/>
-              <a:latin typeface="Consolas" panose="020B0609020204030204" pitchFamily="49" charset="0"/>
-            </a:endParaRPr>
-          </a:p>
-          <a:p>
-            <a:r>
-              <a:rPr lang="en-US" b="0" dirty="0">
-                <a:solidFill>
-                  <a:srgbClr val="800000"/>
-                </a:solidFill>
-                <a:effectLst/>
-                <a:latin typeface="Consolas" panose="020B0609020204030204" pitchFamily="49" charset="0"/>
-              </a:rPr>
-              <a:t>&lt;head&gt;</a:t>
-            </a:r>
-            <a:endParaRPr lang="en-US" b="0" dirty="0">
-              <a:solidFill>
-                <a:srgbClr val="000000"/>
-              </a:solidFill>
-              <a:effectLst/>
-              <a:latin typeface="Consolas" panose="020B0609020204030204" pitchFamily="49" charset="0"/>
-            </a:endParaRPr>
-          </a:p>
-          <a:p>
-            <a:r>
-              <a:rPr lang="en-US" b="0" dirty="0">
-                <a:solidFill>
-                  <a:srgbClr val="000000"/>
-                </a:solidFill>
-                <a:effectLst/>
-                <a:latin typeface="Consolas" panose="020B0609020204030204" pitchFamily="49" charset="0"/>
-              </a:rPr>
-              <a:t>  </a:t>
-            </a:r>
-            <a:r>
-              <a:rPr lang="en-US" b="0" dirty="0">
-                <a:solidFill>
-                  <a:srgbClr val="800000"/>
-                </a:solidFill>
-                <a:effectLst/>
-                <a:latin typeface="Consolas" panose="020B0609020204030204" pitchFamily="49" charset="0"/>
-              </a:rPr>
-              <a:t>&lt;meta</a:t>
-            </a:r>
-            <a:r>
-              <a:rPr lang="en-US" b="0" dirty="0">
-                <a:solidFill>
-                  <a:srgbClr val="000000"/>
-                </a:solidFill>
-                <a:effectLst/>
-                <a:latin typeface="Consolas" panose="020B0609020204030204" pitchFamily="49" charset="0"/>
-              </a:rPr>
-              <a:t> </a:t>
-            </a:r>
-            <a:r>
-              <a:rPr lang="en-US" b="0" dirty="0">
-                <a:solidFill>
-                  <a:srgbClr val="FF0000"/>
-                </a:solidFill>
-                <a:effectLst/>
-                <a:latin typeface="Consolas" panose="020B0609020204030204" pitchFamily="49" charset="0"/>
-              </a:rPr>
-              <a:t>charset</a:t>
-            </a:r>
-            <a:r>
-              <a:rPr lang="en-US" b="0" dirty="0">
-                <a:solidFill>
-                  <a:srgbClr val="000000"/>
-                </a:solidFill>
-                <a:effectLst/>
-                <a:latin typeface="Consolas" panose="020B0609020204030204" pitchFamily="49" charset="0"/>
-              </a:rPr>
-              <a:t>=</a:t>
-            </a:r>
-            <a:r>
-              <a:rPr lang="en-US" b="0" dirty="0">
-                <a:solidFill>
-                  <a:srgbClr val="0000FF"/>
-                </a:solidFill>
-                <a:effectLst/>
-                <a:latin typeface="Consolas" panose="020B0609020204030204" pitchFamily="49" charset="0"/>
-              </a:rPr>
-              <a:t>'utf-8'</a:t>
-            </a:r>
-            <a:r>
-              <a:rPr lang="en-US" b="0" dirty="0">
-                <a:solidFill>
-                  <a:srgbClr val="800000"/>
-                </a:solidFill>
-                <a:effectLst/>
-                <a:latin typeface="Consolas" panose="020B0609020204030204" pitchFamily="49" charset="0"/>
-              </a:rPr>
-              <a:t>&gt;</a:t>
-            </a:r>
-            <a:endParaRPr lang="en-US" b="0" dirty="0">
-              <a:solidFill>
-                <a:srgbClr val="000000"/>
-              </a:solidFill>
-              <a:effectLst/>
-              <a:latin typeface="Consolas" panose="020B0609020204030204" pitchFamily="49" charset="0"/>
-            </a:endParaRPr>
-          </a:p>
-          <a:p>
-            <a:r>
-              <a:rPr lang="en-US" b="0" dirty="0">
-                <a:solidFill>
-                  <a:srgbClr val="000000"/>
-                </a:solidFill>
-                <a:effectLst/>
-                <a:latin typeface="Consolas" panose="020B0609020204030204" pitchFamily="49" charset="0"/>
-              </a:rPr>
-              <a:t>  </a:t>
-            </a:r>
-            <a:r>
-              <a:rPr lang="en-US" b="0" dirty="0">
-                <a:solidFill>
-                  <a:srgbClr val="800000"/>
-                </a:solidFill>
-                <a:effectLst/>
-                <a:latin typeface="Consolas" panose="020B0609020204030204" pitchFamily="49" charset="0"/>
-              </a:rPr>
-              <a:t>&lt;meta</a:t>
-            </a:r>
-            <a:r>
-              <a:rPr lang="en-US" b="0" dirty="0">
-                <a:solidFill>
-                  <a:srgbClr val="000000"/>
-                </a:solidFill>
-                <a:effectLst/>
-                <a:latin typeface="Consolas" panose="020B0609020204030204" pitchFamily="49" charset="0"/>
-              </a:rPr>
-              <a:t> </a:t>
-            </a:r>
-            <a:r>
-              <a:rPr lang="en-US" b="0" dirty="0">
-                <a:solidFill>
-                  <a:srgbClr val="FF0000"/>
-                </a:solidFill>
-                <a:effectLst/>
-                <a:latin typeface="Consolas" panose="020B0609020204030204" pitchFamily="49" charset="0"/>
-              </a:rPr>
-              <a:t>http-</a:t>
-            </a:r>
-            <a:r>
-              <a:rPr lang="en-US" b="0" dirty="0" err="1">
-                <a:solidFill>
-                  <a:srgbClr val="FF0000"/>
-                </a:solidFill>
-                <a:effectLst/>
-                <a:latin typeface="Consolas" panose="020B0609020204030204" pitchFamily="49" charset="0"/>
-              </a:rPr>
-              <a:t>equiv</a:t>
-            </a:r>
-            <a:r>
-              <a:rPr lang="en-US" b="0" dirty="0">
-                <a:solidFill>
-                  <a:srgbClr val="000000"/>
-                </a:solidFill>
-                <a:effectLst/>
-                <a:latin typeface="Consolas" panose="020B0609020204030204" pitchFamily="49" charset="0"/>
-              </a:rPr>
-              <a:t>=</a:t>
-            </a:r>
-            <a:r>
-              <a:rPr lang="en-US" b="0" dirty="0">
-                <a:solidFill>
-                  <a:srgbClr val="0000FF"/>
-                </a:solidFill>
-                <a:effectLst/>
-                <a:latin typeface="Consolas" panose="020B0609020204030204" pitchFamily="49" charset="0"/>
-              </a:rPr>
-              <a:t>'X-UA-Compatible'</a:t>
-            </a:r>
-            <a:r>
-              <a:rPr lang="en-US" b="0" dirty="0">
-                <a:solidFill>
-                  <a:srgbClr val="000000"/>
-                </a:solidFill>
-                <a:effectLst/>
-                <a:latin typeface="Consolas" panose="020B0609020204030204" pitchFamily="49" charset="0"/>
-              </a:rPr>
-              <a:t> </a:t>
-            </a:r>
-            <a:r>
-              <a:rPr lang="en-US" b="0" dirty="0">
-                <a:solidFill>
-                  <a:srgbClr val="FF0000"/>
-                </a:solidFill>
-                <a:effectLst/>
-                <a:latin typeface="Consolas" panose="020B0609020204030204" pitchFamily="49" charset="0"/>
-              </a:rPr>
-              <a:t>content</a:t>
-            </a:r>
-            <a:r>
-              <a:rPr lang="en-US" b="0" dirty="0">
-                <a:solidFill>
-                  <a:srgbClr val="000000"/>
-                </a:solidFill>
-                <a:effectLst/>
-                <a:latin typeface="Consolas" panose="020B0609020204030204" pitchFamily="49" charset="0"/>
-              </a:rPr>
-              <a:t>=</a:t>
-            </a:r>
-            <a:r>
-              <a:rPr lang="en-US" b="0" dirty="0">
-                <a:solidFill>
-                  <a:srgbClr val="0000FF"/>
-                </a:solidFill>
-                <a:effectLst/>
-                <a:latin typeface="Consolas" panose="020B0609020204030204" pitchFamily="49" charset="0"/>
-              </a:rPr>
-              <a:t>'IE=edge'</a:t>
-            </a:r>
-            <a:r>
-              <a:rPr lang="en-US" b="0" dirty="0">
-                <a:solidFill>
-                  <a:srgbClr val="800000"/>
-                </a:solidFill>
-                <a:effectLst/>
-                <a:latin typeface="Consolas" panose="020B0609020204030204" pitchFamily="49" charset="0"/>
-              </a:rPr>
-              <a:t>&gt;</a:t>
-            </a:r>
-            <a:endParaRPr lang="en-US" b="0" dirty="0">
-              <a:solidFill>
-                <a:srgbClr val="000000"/>
-              </a:solidFill>
-              <a:effectLst/>
-              <a:latin typeface="Consolas" panose="020B0609020204030204" pitchFamily="49" charset="0"/>
-            </a:endParaRPr>
-          </a:p>
-          <a:p>
-            <a:r>
-              <a:rPr lang="en-US" b="0" dirty="0">
-                <a:solidFill>
-                  <a:srgbClr val="000000"/>
-                </a:solidFill>
-                <a:effectLst/>
-                <a:latin typeface="Consolas" panose="020B0609020204030204" pitchFamily="49" charset="0"/>
-              </a:rPr>
-              <a:t>  </a:t>
-            </a:r>
-            <a:r>
-              <a:rPr lang="en-US" b="0" dirty="0">
-                <a:solidFill>
-                  <a:srgbClr val="800000"/>
-                </a:solidFill>
-                <a:effectLst/>
-                <a:latin typeface="Consolas" panose="020B0609020204030204" pitchFamily="49" charset="0"/>
-              </a:rPr>
-              <a:t>&lt;title&gt;</a:t>
-            </a:r>
-            <a:r>
-              <a:rPr lang="en-US" b="0" dirty="0">
-                <a:solidFill>
-                  <a:srgbClr val="000000"/>
-                </a:solidFill>
-                <a:effectLst/>
-                <a:latin typeface="Consolas" panose="020B0609020204030204" pitchFamily="49" charset="0"/>
-              </a:rPr>
-              <a:t>Page Title</a:t>
-            </a:r>
-            <a:r>
-              <a:rPr lang="en-US" b="0" dirty="0">
-                <a:solidFill>
-                  <a:srgbClr val="800000"/>
-                </a:solidFill>
-                <a:effectLst/>
-                <a:latin typeface="Consolas" panose="020B0609020204030204" pitchFamily="49" charset="0"/>
-              </a:rPr>
-              <a:t>&lt;/title&gt;</a:t>
-            </a:r>
-            <a:endParaRPr lang="en-US" b="0" dirty="0">
-              <a:solidFill>
-                <a:srgbClr val="000000"/>
-              </a:solidFill>
-              <a:effectLst/>
-              <a:latin typeface="Consolas" panose="020B0609020204030204" pitchFamily="49" charset="0"/>
-            </a:endParaRPr>
-          </a:p>
-          <a:p>
-            <a:r>
-              <a:rPr lang="en-US" b="0" dirty="0">
-                <a:solidFill>
-                  <a:srgbClr val="000000"/>
-                </a:solidFill>
-                <a:effectLst/>
-                <a:latin typeface="Consolas" panose="020B0609020204030204" pitchFamily="49" charset="0"/>
-              </a:rPr>
-              <a:t>  </a:t>
-            </a:r>
-            <a:r>
-              <a:rPr lang="en-US" b="0" dirty="0">
-                <a:solidFill>
-                  <a:srgbClr val="800000"/>
-                </a:solidFill>
-                <a:effectLst/>
-                <a:latin typeface="Consolas" panose="020B0609020204030204" pitchFamily="49" charset="0"/>
-              </a:rPr>
-              <a:t>&lt;meta</a:t>
-            </a:r>
-            <a:r>
-              <a:rPr lang="en-US" b="0" dirty="0">
-                <a:solidFill>
-                  <a:srgbClr val="000000"/>
-                </a:solidFill>
-                <a:effectLst/>
-                <a:latin typeface="Consolas" panose="020B0609020204030204" pitchFamily="49" charset="0"/>
-              </a:rPr>
-              <a:t> </a:t>
-            </a:r>
-            <a:r>
-              <a:rPr lang="en-US" b="0" dirty="0">
-                <a:solidFill>
-                  <a:srgbClr val="FF0000"/>
-                </a:solidFill>
-                <a:effectLst/>
-                <a:latin typeface="Consolas" panose="020B0609020204030204" pitchFamily="49" charset="0"/>
-              </a:rPr>
-              <a:t>name</a:t>
-            </a:r>
-            <a:r>
-              <a:rPr lang="en-US" b="0" dirty="0">
-                <a:solidFill>
-                  <a:srgbClr val="000000"/>
-                </a:solidFill>
-                <a:effectLst/>
-                <a:latin typeface="Consolas" panose="020B0609020204030204" pitchFamily="49" charset="0"/>
-              </a:rPr>
-              <a:t>=</a:t>
-            </a:r>
-            <a:r>
-              <a:rPr lang="en-US" b="0" dirty="0">
-                <a:solidFill>
-                  <a:srgbClr val="0000FF"/>
-                </a:solidFill>
-                <a:effectLst/>
-                <a:latin typeface="Consolas" panose="020B0609020204030204" pitchFamily="49" charset="0"/>
-              </a:rPr>
-              <a:t>'viewport'</a:t>
-            </a:r>
-            <a:r>
-              <a:rPr lang="en-US" b="0" dirty="0">
-                <a:solidFill>
-                  <a:srgbClr val="000000"/>
-                </a:solidFill>
-                <a:effectLst/>
-                <a:latin typeface="Consolas" panose="020B0609020204030204" pitchFamily="49" charset="0"/>
-              </a:rPr>
-              <a:t> </a:t>
-            </a:r>
-            <a:r>
-              <a:rPr lang="en-US" b="0" dirty="0">
-                <a:solidFill>
-                  <a:srgbClr val="FF0000"/>
-                </a:solidFill>
-                <a:effectLst/>
-                <a:latin typeface="Consolas" panose="020B0609020204030204" pitchFamily="49" charset="0"/>
-              </a:rPr>
-              <a:t>content</a:t>
-            </a:r>
-            <a:r>
-              <a:rPr lang="en-US" b="0" dirty="0">
-                <a:solidFill>
-                  <a:srgbClr val="000000"/>
-                </a:solidFill>
-                <a:effectLst/>
-                <a:latin typeface="Consolas" panose="020B0609020204030204" pitchFamily="49" charset="0"/>
-              </a:rPr>
-              <a:t>=</a:t>
-            </a:r>
-            <a:r>
-              <a:rPr lang="en-US" b="0" dirty="0">
-                <a:solidFill>
-                  <a:srgbClr val="0000FF"/>
-                </a:solidFill>
-                <a:effectLst/>
-                <a:latin typeface="Consolas" panose="020B0609020204030204" pitchFamily="49" charset="0"/>
-              </a:rPr>
-              <a:t>'width=device-width, initial-scale=1'</a:t>
-            </a:r>
-            <a:r>
-              <a:rPr lang="en-US" b="0" dirty="0">
-                <a:solidFill>
-                  <a:srgbClr val="800000"/>
-                </a:solidFill>
-                <a:effectLst/>
-                <a:latin typeface="Consolas" panose="020B0609020204030204" pitchFamily="49" charset="0"/>
-              </a:rPr>
-              <a:t>&gt;</a:t>
-            </a:r>
-            <a:endParaRPr lang="en-US" b="0" dirty="0">
-              <a:solidFill>
-                <a:srgbClr val="000000"/>
-              </a:solidFill>
-              <a:effectLst/>
-              <a:latin typeface="Consolas" panose="020B0609020204030204" pitchFamily="49" charset="0"/>
-            </a:endParaRPr>
-          </a:p>
-          <a:p>
-            <a:r>
-              <a:rPr lang="en-US" b="0" dirty="0">
-                <a:solidFill>
-                  <a:srgbClr val="800000"/>
-                </a:solidFill>
-                <a:effectLst/>
-                <a:latin typeface="Consolas" panose="020B0609020204030204" pitchFamily="49" charset="0"/>
-              </a:rPr>
-              <a:t>&lt;/head&gt;</a:t>
-            </a:r>
-            <a:endParaRPr lang="en-US" b="0" dirty="0">
-              <a:solidFill>
-                <a:srgbClr val="000000"/>
-              </a:solidFill>
-              <a:effectLst/>
-              <a:latin typeface="Consolas" panose="020B0609020204030204" pitchFamily="49" charset="0"/>
-            </a:endParaRPr>
-          </a:p>
-          <a:p>
-            <a:r>
-              <a:rPr lang="en-US" b="0" dirty="0">
-                <a:solidFill>
-                  <a:srgbClr val="800000"/>
-                </a:solidFill>
-                <a:effectLst/>
-                <a:latin typeface="Consolas" panose="020B0609020204030204" pitchFamily="49" charset="0"/>
-              </a:rPr>
-              <a:t>&lt;body&gt;</a:t>
-            </a:r>
-            <a:endParaRPr lang="en-US" b="0" dirty="0">
-              <a:solidFill>
-                <a:srgbClr val="000000"/>
-              </a:solidFill>
-              <a:effectLst/>
-              <a:latin typeface="Consolas" panose="020B0609020204030204" pitchFamily="49" charset="0"/>
-            </a:endParaRPr>
-          </a:p>
-          <a:p>
-            <a:r>
-              <a:rPr lang="en-US" b="0" dirty="0">
-                <a:solidFill>
-                  <a:srgbClr val="000000"/>
-                </a:solidFill>
-                <a:effectLst/>
-                <a:latin typeface="Consolas" panose="020B0609020204030204" pitchFamily="49" charset="0"/>
-              </a:rPr>
-              <a:t>  This is the part you can see.</a:t>
-            </a:r>
-          </a:p>
-          <a:p>
-            <a:r>
-              <a:rPr lang="en-US" b="0" dirty="0">
-                <a:solidFill>
-                  <a:srgbClr val="800000"/>
-                </a:solidFill>
-                <a:effectLst/>
-                <a:latin typeface="Consolas" panose="020B0609020204030204" pitchFamily="49" charset="0"/>
-              </a:rPr>
-              <a:t>&lt;/body&gt;</a:t>
-            </a:r>
-            <a:endParaRPr lang="en-US" b="0" dirty="0">
-              <a:solidFill>
-                <a:srgbClr val="000000"/>
-              </a:solidFill>
-              <a:effectLst/>
-              <a:latin typeface="Consolas" panose="020B0609020204030204" pitchFamily="49" charset="0"/>
-            </a:endParaRPr>
-          </a:p>
-          <a:p>
-            <a:r>
-              <a:rPr lang="en-US" b="0" dirty="0">
-                <a:solidFill>
-                  <a:srgbClr val="800000"/>
-                </a:solidFill>
-                <a:effectLst/>
-                <a:latin typeface="Consolas" panose="020B0609020204030204" pitchFamily="49" charset="0"/>
-              </a:rPr>
-              <a:t>&lt;/html&gt;</a:t>
-            </a:r>
-            <a:endParaRPr lang="en-US" b="0" dirty="0">
-              <a:solidFill>
-                <a:srgbClr val="000000"/>
-              </a:solidFill>
-              <a:effectLst/>
-              <a:latin typeface="Consolas" panose="020B0609020204030204" pitchFamily="49" charset="0"/>
-            </a:endParaRPr>
-          </a:p>
-        </p:txBody>
-      </p:sp>
-      <p:cxnSp>
-        <p:nvCxnSpPr>
-          <p:cNvPr id="5" name="Straight Connector 4">
-            <a:extLst>
-              <a:ext uri="{FF2B5EF4-FFF2-40B4-BE49-F238E27FC236}">
-                <a16:creationId xmlns:a16="http://schemas.microsoft.com/office/drawing/2014/main" id="{137595DA-6D53-45A0-9254-830836053E7D}"/>
-              </a:ext>
-            </a:extLst>
-          </p:cNvPr>
-          <p:cNvCxnSpPr>
-            <a:cxnSpLocks/>
-          </p:cNvCxnSpPr>
-          <p:nvPr/>
-        </p:nvCxnSpPr>
-        <p:spPr>
-          <a:xfrm>
-            <a:off x="1878033" y="1149192"/>
-            <a:ext cx="1594494" cy="0"/>
-          </a:xfrm>
-          <a:prstGeom prst="line">
-            <a:avLst/>
-          </a:prstGeom>
-          <a:ln cap="rnd"/>
-        </p:spPr>
-        <p:style>
-          <a:lnRef idx="3">
-            <a:schemeClr val="accent6"/>
-          </a:lnRef>
-          <a:fillRef idx="0">
-            <a:schemeClr val="accent6"/>
-          </a:fillRef>
-          <a:effectRef idx="2">
-            <a:schemeClr val="accent6"/>
-          </a:effectRef>
-          <a:fontRef idx="minor">
-            <a:schemeClr val="tx1"/>
-          </a:fontRef>
-        </p:style>
-      </p:cxnSp>
-      <p:cxnSp>
-        <p:nvCxnSpPr>
-          <p:cNvPr id="10" name="Straight Connector 9">
-            <a:extLst>
-              <a:ext uri="{FF2B5EF4-FFF2-40B4-BE49-F238E27FC236}">
-                <a16:creationId xmlns:a16="http://schemas.microsoft.com/office/drawing/2014/main" id="{919ADC1C-0558-439F-A333-9AA3CEA1B859}"/>
-              </a:ext>
-            </a:extLst>
-          </p:cNvPr>
-          <p:cNvCxnSpPr>
-            <a:cxnSpLocks/>
-            <a:endCxn id="11" idx="1"/>
-          </p:cNvCxnSpPr>
-          <p:nvPr/>
-        </p:nvCxnSpPr>
-        <p:spPr>
-          <a:xfrm>
-            <a:off x="3472527" y="1149192"/>
-            <a:ext cx="517210" cy="441052"/>
-          </a:xfrm>
-          <a:prstGeom prst="line">
-            <a:avLst/>
-          </a:prstGeom>
-          <a:ln cap="rnd"/>
-        </p:spPr>
-        <p:style>
-          <a:lnRef idx="3">
-            <a:schemeClr val="accent6"/>
-          </a:lnRef>
-          <a:fillRef idx="0">
-            <a:schemeClr val="accent6"/>
-          </a:fillRef>
-          <a:effectRef idx="2">
-            <a:schemeClr val="accent6"/>
-          </a:effectRef>
-          <a:fontRef idx="minor">
-            <a:schemeClr val="tx1"/>
-          </a:fontRef>
-        </p:style>
-      </p:cxnSp>
-      <p:sp>
-        <p:nvSpPr>
-          <p:cNvPr id="11" name="Oval 10">
-            <a:extLst>
-              <a:ext uri="{FF2B5EF4-FFF2-40B4-BE49-F238E27FC236}">
-                <a16:creationId xmlns:a16="http://schemas.microsoft.com/office/drawing/2014/main" id="{B8162159-F990-4B83-B1ED-B71983DC26AC}"/>
-              </a:ext>
-            </a:extLst>
-          </p:cNvPr>
-          <p:cNvSpPr/>
-          <p:nvPr/>
-        </p:nvSpPr>
-        <p:spPr>
-          <a:xfrm>
-            <a:off x="3970208" y="1570715"/>
-            <a:ext cx="133350" cy="133350"/>
-          </a:xfrm>
-          <a:prstGeom prst="ellipse">
-            <a:avLst/>
-          </a:prstGeom>
-        </p:spPr>
-        <p:style>
-          <a:lnRef idx="2">
-            <a:schemeClr val="accent6"/>
-          </a:lnRef>
-          <a:fillRef idx="1">
-            <a:schemeClr val="lt1"/>
-          </a:fillRef>
-          <a:effectRef idx="0">
-            <a:schemeClr val="accent6"/>
-          </a:effectRef>
-          <a:fontRef idx="minor">
-            <a:schemeClr val="dk1"/>
-          </a:fontRef>
-        </p:style>
-        <p:txBody>
-          <a:bodyPr rtlCol="0" anchor="ctr"/>
-          <a:lstStyle/>
-          <a:p>
-            <a:pPr algn="ctr"/>
-            <a:endParaRPr lang="en-US" dirty="0"/>
-          </a:p>
-        </p:txBody>
-      </p:sp>
-      <p:sp>
-        <p:nvSpPr>
-          <p:cNvPr id="12" name="TextBox 11">
-            <a:extLst>
-              <a:ext uri="{FF2B5EF4-FFF2-40B4-BE49-F238E27FC236}">
-                <a16:creationId xmlns:a16="http://schemas.microsoft.com/office/drawing/2014/main" id="{2F21B15B-18F0-404B-A4D9-CF02D6672999}"/>
-              </a:ext>
-            </a:extLst>
-          </p:cNvPr>
-          <p:cNvSpPr txBox="1"/>
-          <p:nvPr/>
-        </p:nvSpPr>
-        <p:spPr>
-          <a:xfrm>
-            <a:off x="2024718" y="834045"/>
-            <a:ext cx="1301125" cy="369332"/>
-          </a:xfrm>
-          <a:prstGeom prst="rect">
-            <a:avLst/>
-          </a:prstGeom>
-          <a:noFill/>
-        </p:spPr>
-        <p:txBody>
-          <a:bodyPr wrap="none" rtlCol="0">
-            <a:spAutoFit/>
-          </a:bodyPr>
-          <a:lstStyle/>
-          <a:p>
-            <a:r>
-              <a:rPr lang="en-US" dirty="0">
-                <a:solidFill>
-                  <a:schemeClr val="accent6">
-                    <a:lumMod val="75000"/>
-                  </a:schemeClr>
-                </a:solidFill>
-              </a:rPr>
-              <a:t>Version Info</a:t>
-            </a:r>
-          </a:p>
-        </p:txBody>
-      </p:sp>
-      <p:sp>
-        <p:nvSpPr>
-          <p:cNvPr id="13" name="TextBox 12">
-            <a:extLst>
-              <a:ext uri="{FF2B5EF4-FFF2-40B4-BE49-F238E27FC236}">
-                <a16:creationId xmlns:a16="http://schemas.microsoft.com/office/drawing/2014/main" id="{EEE27833-6AE7-4490-ACA8-634D7BF527E7}"/>
-              </a:ext>
-            </a:extLst>
-          </p:cNvPr>
-          <p:cNvSpPr txBox="1"/>
-          <p:nvPr/>
-        </p:nvSpPr>
-        <p:spPr>
-          <a:xfrm>
-            <a:off x="2045509" y="1222511"/>
-            <a:ext cx="1394421" cy="369332"/>
-          </a:xfrm>
-          <a:prstGeom prst="rect">
-            <a:avLst/>
-          </a:prstGeom>
-          <a:noFill/>
-        </p:spPr>
-        <p:txBody>
-          <a:bodyPr wrap="none" rtlCol="0">
-            <a:spAutoFit/>
-          </a:bodyPr>
-          <a:lstStyle/>
-          <a:p>
-            <a:r>
-              <a:rPr lang="en-US" dirty="0"/>
-              <a:t>What is this?</a:t>
-            </a:r>
-          </a:p>
-        </p:txBody>
-      </p:sp>
-      <p:cxnSp>
-        <p:nvCxnSpPr>
-          <p:cNvPr id="15" name="Straight Connector 14">
-            <a:extLst>
-              <a:ext uri="{FF2B5EF4-FFF2-40B4-BE49-F238E27FC236}">
-                <a16:creationId xmlns:a16="http://schemas.microsoft.com/office/drawing/2014/main" id="{3EF40E82-75AF-4C36-BE82-CD0B838F564A}"/>
-              </a:ext>
-            </a:extLst>
-          </p:cNvPr>
-          <p:cNvCxnSpPr>
-            <a:cxnSpLocks/>
-          </p:cNvCxnSpPr>
-          <p:nvPr/>
-        </p:nvCxnSpPr>
-        <p:spPr>
-          <a:xfrm flipV="1">
-            <a:off x="1920834" y="3033603"/>
-            <a:ext cx="1415320" cy="1"/>
-          </a:xfrm>
-          <a:prstGeom prst="line">
-            <a:avLst/>
-          </a:prstGeom>
-          <a:ln cap="rnd"/>
-        </p:spPr>
-        <p:style>
-          <a:lnRef idx="3">
-            <a:schemeClr val="accent6"/>
-          </a:lnRef>
-          <a:fillRef idx="0">
-            <a:schemeClr val="accent6"/>
-          </a:fillRef>
-          <a:effectRef idx="2">
-            <a:schemeClr val="accent6"/>
-          </a:effectRef>
-          <a:fontRef idx="minor">
-            <a:schemeClr val="tx1"/>
-          </a:fontRef>
-        </p:style>
-      </p:cxnSp>
-      <p:cxnSp>
-        <p:nvCxnSpPr>
-          <p:cNvPr id="16" name="Straight Connector 15">
-            <a:extLst>
-              <a:ext uri="{FF2B5EF4-FFF2-40B4-BE49-F238E27FC236}">
-                <a16:creationId xmlns:a16="http://schemas.microsoft.com/office/drawing/2014/main" id="{BD704978-A488-43B5-8D13-A641FA7B8F5F}"/>
-              </a:ext>
-            </a:extLst>
-          </p:cNvPr>
-          <p:cNvCxnSpPr>
-            <a:cxnSpLocks/>
-            <a:endCxn id="17" idx="3"/>
-          </p:cNvCxnSpPr>
-          <p:nvPr/>
-        </p:nvCxnSpPr>
-        <p:spPr>
-          <a:xfrm flipV="1">
-            <a:off x="3345332" y="1996043"/>
-            <a:ext cx="696908" cy="1035961"/>
-          </a:xfrm>
-          <a:prstGeom prst="line">
-            <a:avLst/>
-          </a:prstGeom>
-          <a:ln cap="rnd"/>
-        </p:spPr>
-        <p:style>
-          <a:lnRef idx="3">
-            <a:schemeClr val="accent6"/>
-          </a:lnRef>
-          <a:fillRef idx="0">
-            <a:schemeClr val="accent6"/>
-          </a:fillRef>
-          <a:effectRef idx="2">
-            <a:schemeClr val="accent6"/>
-          </a:effectRef>
-          <a:fontRef idx="minor">
-            <a:schemeClr val="tx1"/>
-          </a:fontRef>
-        </p:style>
-      </p:cxnSp>
-      <p:sp>
-        <p:nvSpPr>
-          <p:cNvPr id="17" name="Oval 16">
-            <a:extLst>
-              <a:ext uri="{FF2B5EF4-FFF2-40B4-BE49-F238E27FC236}">
-                <a16:creationId xmlns:a16="http://schemas.microsoft.com/office/drawing/2014/main" id="{FB49C377-E263-47FC-9ECC-AF19F9C12794}"/>
-              </a:ext>
-            </a:extLst>
-          </p:cNvPr>
-          <p:cNvSpPr/>
-          <p:nvPr/>
-        </p:nvSpPr>
-        <p:spPr>
-          <a:xfrm>
-            <a:off x="4022711" y="1882222"/>
-            <a:ext cx="133350" cy="133350"/>
-          </a:xfrm>
-          <a:prstGeom prst="ellipse">
-            <a:avLst/>
-          </a:prstGeom>
-        </p:spPr>
-        <p:style>
-          <a:lnRef idx="2">
-            <a:schemeClr val="accent6"/>
-          </a:lnRef>
-          <a:fillRef idx="1">
-            <a:schemeClr val="lt1"/>
-          </a:fillRef>
-          <a:effectRef idx="0">
-            <a:schemeClr val="accent6"/>
-          </a:effectRef>
-          <a:fontRef idx="minor">
-            <a:schemeClr val="dk1"/>
-          </a:fontRef>
-        </p:style>
-        <p:txBody>
-          <a:bodyPr rtlCol="0" anchor="ctr"/>
-          <a:lstStyle/>
-          <a:p>
-            <a:pPr algn="ctr"/>
-            <a:endParaRPr lang="en-US" dirty="0"/>
-          </a:p>
-        </p:txBody>
-      </p:sp>
-      <p:sp>
-        <p:nvSpPr>
-          <p:cNvPr id="18" name="TextBox 17">
-            <a:extLst>
-              <a:ext uri="{FF2B5EF4-FFF2-40B4-BE49-F238E27FC236}">
-                <a16:creationId xmlns:a16="http://schemas.microsoft.com/office/drawing/2014/main" id="{6DB2D5B6-174D-4FD1-BD9D-A9A150032FE9}"/>
-              </a:ext>
-            </a:extLst>
-          </p:cNvPr>
-          <p:cNvSpPr txBox="1"/>
-          <p:nvPr/>
-        </p:nvSpPr>
-        <p:spPr>
-          <a:xfrm>
-            <a:off x="1830347" y="2664271"/>
-            <a:ext cx="632289" cy="369332"/>
-          </a:xfrm>
-          <a:prstGeom prst="rect">
-            <a:avLst/>
-          </a:prstGeom>
-          <a:noFill/>
-        </p:spPr>
-        <p:txBody>
-          <a:bodyPr wrap="none" rtlCol="0">
-            <a:spAutoFit/>
-          </a:bodyPr>
-          <a:lstStyle/>
-          <a:p>
-            <a:r>
-              <a:rPr lang="en-US" dirty="0">
-                <a:solidFill>
-                  <a:schemeClr val="accent6">
-                    <a:lumMod val="75000"/>
-                  </a:schemeClr>
-                </a:solidFill>
-              </a:rPr>
-              <a:t>Start</a:t>
-            </a:r>
-          </a:p>
-        </p:txBody>
-      </p:sp>
-      <p:sp>
-        <p:nvSpPr>
-          <p:cNvPr id="21" name="TextBox 20">
-            <a:extLst>
-              <a:ext uri="{FF2B5EF4-FFF2-40B4-BE49-F238E27FC236}">
-                <a16:creationId xmlns:a16="http://schemas.microsoft.com/office/drawing/2014/main" id="{DC718CB7-F8D1-4195-901B-86FD1D2BB6E0}"/>
-              </a:ext>
-            </a:extLst>
-          </p:cNvPr>
-          <p:cNvSpPr txBox="1"/>
-          <p:nvPr/>
-        </p:nvSpPr>
-        <p:spPr>
-          <a:xfrm>
-            <a:off x="1835110" y="3033603"/>
-            <a:ext cx="1575807" cy="646331"/>
-          </a:xfrm>
-          <a:prstGeom prst="rect">
-            <a:avLst/>
-          </a:prstGeom>
-          <a:noFill/>
-        </p:spPr>
-        <p:txBody>
-          <a:bodyPr wrap="square" rtlCol="0">
-            <a:spAutoFit/>
-          </a:bodyPr>
-          <a:lstStyle/>
-          <a:p>
-            <a:r>
-              <a:rPr lang="en-US" dirty="0"/>
-              <a:t>Where do we begin?</a:t>
-            </a:r>
-          </a:p>
-        </p:txBody>
-      </p:sp>
-      <p:cxnSp>
-        <p:nvCxnSpPr>
-          <p:cNvPr id="22" name="Straight Connector 21">
-            <a:extLst>
-              <a:ext uri="{FF2B5EF4-FFF2-40B4-BE49-F238E27FC236}">
-                <a16:creationId xmlns:a16="http://schemas.microsoft.com/office/drawing/2014/main" id="{281F65D4-8811-4C7C-9370-9FFB690657BE}"/>
-              </a:ext>
-            </a:extLst>
-          </p:cNvPr>
-          <p:cNvCxnSpPr>
-            <a:cxnSpLocks/>
-          </p:cNvCxnSpPr>
-          <p:nvPr/>
-        </p:nvCxnSpPr>
-        <p:spPr>
-          <a:xfrm flipH="1">
-            <a:off x="9463088" y="4680982"/>
-            <a:ext cx="1104900" cy="1"/>
-          </a:xfrm>
-          <a:prstGeom prst="line">
-            <a:avLst/>
-          </a:prstGeom>
-          <a:ln cap="rnd"/>
-        </p:spPr>
-        <p:style>
-          <a:lnRef idx="3">
-            <a:schemeClr val="accent6"/>
-          </a:lnRef>
-          <a:fillRef idx="0">
-            <a:schemeClr val="accent6"/>
-          </a:fillRef>
-          <a:effectRef idx="2">
-            <a:schemeClr val="accent6"/>
-          </a:effectRef>
-          <a:fontRef idx="minor">
-            <a:schemeClr val="tx1"/>
-          </a:fontRef>
-        </p:style>
-      </p:cxnSp>
-      <p:cxnSp>
-        <p:nvCxnSpPr>
-          <p:cNvPr id="23" name="Straight Connector 22">
-            <a:extLst>
-              <a:ext uri="{FF2B5EF4-FFF2-40B4-BE49-F238E27FC236}">
-                <a16:creationId xmlns:a16="http://schemas.microsoft.com/office/drawing/2014/main" id="{E0D3EF36-CFD1-4353-B6BE-50AEE339ED21}"/>
-              </a:ext>
-            </a:extLst>
-          </p:cNvPr>
-          <p:cNvCxnSpPr>
-            <a:cxnSpLocks/>
-            <a:endCxn id="24" idx="6"/>
-          </p:cNvCxnSpPr>
-          <p:nvPr/>
-        </p:nvCxnSpPr>
-        <p:spPr>
-          <a:xfrm flipH="1" flipV="1">
-            <a:off x="7966763" y="4617737"/>
-            <a:ext cx="1475587" cy="63245"/>
-          </a:xfrm>
-          <a:prstGeom prst="line">
-            <a:avLst/>
-          </a:prstGeom>
-          <a:ln cap="rnd"/>
-        </p:spPr>
-        <p:style>
-          <a:lnRef idx="3">
-            <a:schemeClr val="accent6"/>
-          </a:lnRef>
-          <a:fillRef idx="0">
-            <a:schemeClr val="accent6"/>
-          </a:fillRef>
-          <a:effectRef idx="2">
-            <a:schemeClr val="accent6"/>
-          </a:effectRef>
-          <a:fontRef idx="minor">
-            <a:schemeClr val="tx1"/>
-          </a:fontRef>
-        </p:style>
-      </p:cxnSp>
-      <p:sp>
-        <p:nvSpPr>
-          <p:cNvPr id="24" name="Oval 23">
-            <a:extLst>
-              <a:ext uri="{FF2B5EF4-FFF2-40B4-BE49-F238E27FC236}">
-                <a16:creationId xmlns:a16="http://schemas.microsoft.com/office/drawing/2014/main" id="{9442696C-9BC0-478B-9CA9-E9EE6FB12287}"/>
-              </a:ext>
-            </a:extLst>
-          </p:cNvPr>
-          <p:cNvSpPr/>
-          <p:nvPr/>
-        </p:nvSpPr>
-        <p:spPr>
-          <a:xfrm>
-            <a:off x="7833413" y="4551062"/>
-            <a:ext cx="133350" cy="133350"/>
-          </a:xfrm>
-          <a:prstGeom prst="ellipse">
-            <a:avLst/>
-          </a:prstGeom>
-        </p:spPr>
-        <p:style>
-          <a:lnRef idx="2">
-            <a:schemeClr val="accent6"/>
-          </a:lnRef>
-          <a:fillRef idx="1">
-            <a:schemeClr val="lt1"/>
-          </a:fillRef>
-          <a:effectRef idx="0">
-            <a:schemeClr val="accent6"/>
-          </a:effectRef>
-          <a:fontRef idx="minor">
-            <a:schemeClr val="dk1"/>
-          </a:fontRef>
-        </p:style>
-        <p:txBody>
-          <a:bodyPr rtlCol="0" anchor="ctr"/>
-          <a:lstStyle/>
-          <a:p>
-            <a:pPr algn="ctr"/>
-            <a:endParaRPr lang="en-US" dirty="0"/>
-          </a:p>
-        </p:txBody>
-      </p:sp>
-      <p:sp>
-        <p:nvSpPr>
-          <p:cNvPr id="25" name="TextBox 24">
-            <a:extLst>
-              <a:ext uri="{FF2B5EF4-FFF2-40B4-BE49-F238E27FC236}">
-                <a16:creationId xmlns:a16="http://schemas.microsoft.com/office/drawing/2014/main" id="{5FD8137D-08BF-449C-AE7B-0500735A5E83}"/>
-              </a:ext>
-            </a:extLst>
-          </p:cNvPr>
-          <p:cNvSpPr txBox="1"/>
-          <p:nvPr/>
-        </p:nvSpPr>
-        <p:spPr>
-          <a:xfrm>
-            <a:off x="9836642" y="4325937"/>
-            <a:ext cx="657552" cy="369332"/>
-          </a:xfrm>
-          <a:prstGeom prst="rect">
-            <a:avLst/>
-          </a:prstGeom>
-          <a:noFill/>
-        </p:spPr>
-        <p:txBody>
-          <a:bodyPr wrap="none" rtlCol="0">
-            <a:spAutoFit/>
-          </a:bodyPr>
-          <a:lstStyle/>
-          <a:p>
-            <a:r>
-              <a:rPr lang="en-US" dirty="0">
-                <a:solidFill>
-                  <a:schemeClr val="accent6">
-                    <a:lumMod val="75000"/>
-                  </a:schemeClr>
-                </a:solidFill>
-              </a:rPr>
-              <a:t>Body</a:t>
-            </a:r>
-          </a:p>
-        </p:txBody>
-      </p:sp>
-      <p:sp>
-        <p:nvSpPr>
-          <p:cNvPr id="26" name="TextBox 25">
-            <a:extLst>
-              <a:ext uri="{FF2B5EF4-FFF2-40B4-BE49-F238E27FC236}">
-                <a16:creationId xmlns:a16="http://schemas.microsoft.com/office/drawing/2014/main" id="{30D60AED-8345-4913-BD01-097112D373CB}"/>
-              </a:ext>
-            </a:extLst>
-          </p:cNvPr>
-          <p:cNvSpPr txBox="1"/>
-          <p:nvPr/>
-        </p:nvSpPr>
-        <p:spPr>
-          <a:xfrm>
-            <a:off x="9316751" y="4693126"/>
-            <a:ext cx="1416738" cy="923330"/>
-          </a:xfrm>
-          <a:prstGeom prst="rect">
-            <a:avLst/>
-          </a:prstGeom>
-          <a:noFill/>
-        </p:spPr>
-        <p:txBody>
-          <a:bodyPr wrap="square" rtlCol="0">
-            <a:spAutoFit/>
-          </a:bodyPr>
-          <a:lstStyle/>
-          <a:p>
-            <a:pPr algn="r"/>
-            <a:r>
-              <a:rPr lang="en-US" dirty="0"/>
-              <a:t>The part the user actually “consumes.”</a:t>
-            </a:r>
-          </a:p>
-        </p:txBody>
-      </p:sp>
-      <p:cxnSp>
-        <p:nvCxnSpPr>
-          <p:cNvPr id="29" name="Straight Connector 28">
-            <a:extLst>
-              <a:ext uri="{FF2B5EF4-FFF2-40B4-BE49-F238E27FC236}">
-                <a16:creationId xmlns:a16="http://schemas.microsoft.com/office/drawing/2014/main" id="{019108DC-831E-4879-A640-53B4FCF9C7A9}"/>
-              </a:ext>
-            </a:extLst>
-          </p:cNvPr>
-          <p:cNvCxnSpPr>
-            <a:cxnSpLocks/>
-          </p:cNvCxnSpPr>
-          <p:nvPr/>
-        </p:nvCxnSpPr>
-        <p:spPr>
-          <a:xfrm flipH="1">
-            <a:off x="9687060" y="1846477"/>
-            <a:ext cx="1569266" cy="0"/>
-          </a:xfrm>
-          <a:prstGeom prst="line">
-            <a:avLst/>
-          </a:prstGeom>
-          <a:ln cap="rnd"/>
-        </p:spPr>
-        <p:style>
-          <a:lnRef idx="3">
-            <a:schemeClr val="accent6"/>
-          </a:lnRef>
-          <a:fillRef idx="0">
-            <a:schemeClr val="accent6"/>
-          </a:fillRef>
-          <a:effectRef idx="2">
-            <a:schemeClr val="accent6"/>
-          </a:effectRef>
-          <a:fontRef idx="minor">
-            <a:schemeClr val="tx1"/>
-          </a:fontRef>
-        </p:style>
-      </p:cxnSp>
-      <p:cxnSp>
-        <p:nvCxnSpPr>
-          <p:cNvPr id="30" name="Straight Connector 29">
-            <a:extLst>
-              <a:ext uri="{FF2B5EF4-FFF2-40B4-BE49-F238E27FC236}">
-                <a16:creationId xmlns:a16="http://schemas.microsoft.com/office/drawing/2014/main" id="{E7DB3AE7-E4CD-4EDA-8372-16564775FA28}"/>
-              </a:ext>
-            </a:extLst>
-          </p:cNvPr>
-          <p:cNvCxnSpPr>
-            <a:cxnSpLocks/>
-            <a:endCxn id="31" idx="6"/>
-          </p:cNvCxnSpPr>
-          <p:nvPr/>
-        </p:nvCxnSpPr>
-        <p:spPr>
-          <a:xfrm flipH="1">
-            <a:off x="7137929" y="1846477"/>
-            <a:ext cx="2555571" cy="754702"/>
-          </a:xfrm>
-          <a:prstGeom prst="line">
-            <a:avLst/>
-          </a:prstGeom>
-          <a:ln cap="rnd"/>
-        </p:spPr>
-        <p:style>
-          <a:lnRef idx="3">
-            <a:schemeClr val="accent6"/>
-          </a:lnRef>
-          <a:fillRef idx="0">
-            <a:schemeClr val="accent6"/>
-          </a:fillRef>
-          <a:effectRef idx="2">
-            <a:schemeClr val="accent6"/>
-          </a:effectRef>
-          <a:fontRef idx="minor">
-            <a:schemeClr val="tx1"/>
-          </a:fontRef>
-        </p:style>
-      </p:cxnSp>
-      <p:sp>
-        <p:nvSpPr>
-          <p:cNvPr id="31" name="Oval 30">
-            <a:extLst>
-              <a:ext uri="{FF2B5EF4-FFF2-40B4-BE49-F238E27FC236}">
-                <a16:creationId xmlns:a16="http://schemas.microsoft.com/office/drawing/2014/main" id="{6FFE47B9-57C8-4E04-91FB-14709991813A}"/>
-              </a:ext>
-            </a:extLst>
-          </p:cNvPr>
-          <p:cNvSpPr/>
-          <p:nvPr/>
-        </p:nvSpPr>
-        <p:spPr>
-          <a:xfrm>
-            <a:off x="7004579" y="2534504"/>
-            <a:ext cx="133350" cy="133350"/>
-          </a:xfrm>
-          <a:prstGeom prst="ellipse">
-            <a:avLst/>
-          </a:prstGeom>
-        </p:spPr>
-        <p:style>
-          <a:lnRef idx="2">
-            <a:schemeClr val="accent6"/>
-          </a:lnRef>
-          <a:fillRef idx="1">
-            <a:schemeClr val="lt1"/>
-          </a:fillRef>
-          <a:effectRef idx="0">
-            <a:schemeClr val="accent6"/>
-          </a:effectRef>
-          <a:fontRef idx="minor">
-            <a:schemeClr val="dk1"/>
-          </a:fontRef>
-        </p:style>
-        <p:txBody>
-          <a:bodyPr rtlCol="0" anchor="ctr"/>
-          <a:lstStyle/>
-          <a:p>
-            <a:pPr algn="ctr"/>
-            <a:endParaRPr lang="en-US" dirty="0"/>
-          </a:p>
-        </p:txBody>
-      </p:sp>
-      <p:sp>
-        <p:nvSpPr>
-          <p:cNvPr id="32" name="TextBox 31">
-            <a:extLst>
-              <a:ext uri="{FF2B5EF4-FFF2-40B4-BE49-F238E27FC236}">
-                <a16:creationId xmlns:a16="http://schemas.microsoft.com/office/drawing/2014/main" id="{1BA67ACD-6A40-4ED1-9EF4-C8F06D2CA166}"/>
-              </a:ext>
-            </a:extLst>
-          </p:cNvPr>
-          <p:cNvSpPr txBox="1"/>
-          <p:nvPr/>
-        </p:nvSpPr>
-        <p:spPr>
-          <a:xfrm>
-            <a:off x="10060614" y="1491431"/>
-            <a:ext cx="1187184" cy="369332"/>
-          </a:xfrm>
-          <a:prstGeom prst="rect">
-            <a:avLst/>
-          </a:prstGeom>
-          <a:noFill/>
-        </p:spPr>
-        <p:txBody>
-          <a:bodyPr wrap="none" rtlCol="0">
-            <a:spAutoFit/>
-          </a:bodyPr>
-          <a:lstStyle/>
-          <a:p>
-            <a:r>
-              <a:rPr lang="en-US" dirty="0">
-                <a:solidFill>
-                  <a:schemeClr val="accent6">
-                    <a:lumMod val="75000"/>
-                  </a:schemeClr>
-                </a:solidFill>
-              </a:rPr>
-              <a:t>Meta-Data</a:t>
-            </a:r>
-          </a:p>
-        </p:txBody>
-      </p:sp>
-      <p:sp>
-        <p:nvSpPr>
-          <p:cNvPr id="33" name="TextBox 32">
-            <a:extLst>
-              <a:ext uri="{FF2B5EF4-FFF2-40B4-BE49-F238E27FC236}">
-                <a16:creationId xmlns:a16="http://schemas.microsoft.com/office/drawing/2014/main" id="{E4ED2E01-78B9-4E9E-97D7-97336255BDE0}"/>
-              </a:ext>
-            </a:extLst>
-          </p:cNvPr>
-          <p:cNvSpPr txBox="1"/>
-          <p:nvPr/>
-        </p:nvSpPr>
-        <p:spPr>
-          <a:xfrm>
-            <a:off x="9867204" y="1858620"/>
-            <a:ext cx="1416738" cy="923330"/>
-          </a:xfrm>
-          <a:prstGeom prst="rect">
-            <a:avLst/>
-          </a:prstGeom>
-          <a:noFill/>
-        </p:spPr>
-        <p:txBody>
-          <a:bodyPr wrap="square" rtlCol="0">
-            <a:spAutoFit/>
-          </a:bodyPr>
-          <a:lstStyle/>
-          <a:p>
-            <a:pPr algn="r"/>
-            <a:r>
-              <a:rPr lang="en-US" dirty="0"/>
-              <a:t>Information about the content.</a:t>
-            </a:r>
-          </a:p>
-        </p:txBody>
-      </p:sp>
-      <p:sp>
-        <p:nvSpPr>
-          <p:cNvPr id="38" name="TextBox 37">
-            <a:extLst>
-              <a:ext uri="{FF2B5EF4-FFF2-40B4-BE49-F238E27FC236}">
-                <a16:creationId xmlns:a16="http://schemas.microsoft.com/office/drawing/2014/main" id="{91D2CAB9-EF2E-4B5B-B20A-806B6DD60F42}"/>
-              </a:ext>
-            </a:extLst>
-          </p:cNvPr>
-          <p:cNvSpPr txBox="1"/>
-          <p:nvPr/>
-        </p:nvSpPr>
-        <p:spPr>
-          <a:xfrm>
-            <a:off x="0" y="250222"/>
-            <a:ext cx="12192000" cy="523220"/>
-          </a:xfrm>
-          <a:prstGeom prst="rect">
-            <a:avLst/>
-          </a:prstGeom>
-          <a:noFill/>
-        </p:spPr>
-        <p:txBody>
-          <a:bodyPr wrap="square" rtlCol="0">
-            <a:spAutoFit/>
-          </a:bodyPr>
-          <a:lstStyle/>
-          <a:p>
-            <a:pPr algn="ctr"/>
-            <a:r>
-              <a:rPr lang="en-US" sz="2800" dirty="0">
-                <a:solidFill>
-                  <a:schemeClr val="accent6">
-                    <a:lumMod val="75000"/>
-                  </a:schemeClr>
-                </a:solidFill>
-              </a:rPr>
-              <a:t>Protocols are like [Pizza] Boxes</a:t>
-            </a:r>
-          </a:p>
-        </p:txBody>
-      </p:sp>
-      <p:grpSp>
-        <p:nvGrpSpPr>
-          <p:cNvPr id="49" name="Group 48">
-            <a:extLst>
-              <a:ext uri="{FF2B5EF4-FFF2-40B4-BE49-F238E27FC236}">
-                <a16:creationId xmlns:a16="http://schemas.microsoft.com/office/drawing/2014/main" id="{B8CE06AF-2806-4107-95D9-AAC286CC343B}"/>
-              </a:ext>
-            </a:extLst>
-          </p:cNvPr>
-          <p:cNvGrpSpPr/>
-          <p:nvPr/>
-        </p:nvGrpSpPr>
-        <p:grpSpPr>
-          <a:xfrm>
-            <a:off x="3766877" y="629685"/>
-            <a:ext cx="4498072" cy="297874"/>
-            <a:chOff x="3971469" y="624781"/>
-            <a:chExt cx="4498072" cy="297874"/>
-          </a:xfrm>
-        </p:grpSpPr>
-        <p:cxnSp>
-          <p:nvCxnSpPr>
-            <p:cNvPr id="40" name="Straight Connector 39">
-              <a:extLst>
-                <a:ext uri="{FF2B5EF4-FFF2-40B4-BE49-F238E27FC236}">
-                  <a16:creationId xmlns:a16="http://schemas.microsoft.com/office/drawing/2014/main" id="{D6E0AC31-61D0-4CE2-AA3B-3C6978E8704A}"/>
-                </a:ext>
-              </a:extLst>
-            </p:cNvPr>
-            <p:cNvCxnSpPr/>
-            <p:nvPr/>
-          </p:nvCxnSpPr>
-          <p:spPr>
-            <a:xfrm>
-              <a:off x="5170031" y="773442"/>
-              <a:ext cx="2057400" cy="0"/>
-            </a:xfrm>
-            <a:prstGeom prst="line">
-              <a:avLst/>
-            </a:prstGeom>
-            <a:ln cap="rnd"/>
-          </p:spPr>
-          <p:style>
-            <a:lnRef idx="3">
-              <a:schemeClr val="accent6"/>
-            </a:lnRef>
-            <a:fillRef idx="0">
-              <a:schemeClr val="accent6"/>
-            </a:fillRef>
-            <a:effectRef idx="2">
-              <a:schemeClr val="accent6"/>
-            </a:effectRef>
-            <a:fontRef idx="minor">
-              <a:schemeClr val="tx1"/>
-            </a:fontRef>
-          </p:style>
-        </p:cxnSp>
-        <p:cxnSp>
-          <p:nvCxnSpPr>
-            <p:cNvPr id="41" name="Straight Connector 40">
-              <a:extLst>
-                <a:ext uri="{FF2B5EF4-FFF2-40B4-BE49-F238E27FC236}">
-                  <a16:creationId xmlns:a16="http://schemas.microsoft.com/office/drawing/2014/main" id="{B388F3BF-FB37-4435-8519-443F06647178}"/>
-                </a:ext>
-              </a:extLst>
-            </p:cNvPr>
-            <p:cNvCxnSpPr>
-              <a:cxnSpLocks/>
-            </p:cNvCxnSpPr>
-            <p:nvPr/>
-          </p:nvCxnSpPr>
-          <p:spPr>
-            <a:xfrm>
-              <a:off x="7349270" y="697242"/>
-              <a:ext cx="1027511" cy="0"/>
-            </a:xfrm>
-            <a:prstGeom prst="line">
-              <a:avLst/>
-            </a:prstGeom>
-            <a:ln cap="rnd"/>
-          </p:spPr>
-          <p:style>
-            <a:lnRef idx="3">
-              <a:schemeClr val="accent6"/>
-            </a:lnRef>
-            <a:fillRef idx="0">
-              <a:schemeClr val="accent6"/>
-            </a:fillRef>
-            <a:effectRef idx="2">
-              <a:schemeClr val="accent6"/>
-            </a:effectRef>
-            <a:fontRef idx="minor">
-              <a:schemeClr val="tx1"/>
-            </a:fontRef>
-          </p:style>
-        </p:cxnSp>
-        <p:cxnSp>
-          <p:nvCxnSpPr>
-            <p:cNvPr id="43" name="Straight Connector 42">
-              <a:extLst>
-                <a:ext uri="{FF2B5EF4-FFF2-40B4-BE49-F238E27FC236}">
-                  <a16:creationId xmlns:a16="http://schemas.microsoft.com/office/drawing/2014/main" id="{EC5F7052-9710-4CD3-8A81-EEE0E9A7244C}"/>
-                </a:ext>
-              </a:extLst>
-            </p:cNvPr>
-            <p:cNvCxnSpPr>
-              <a:cxnSpLocks/>
-            </p:cNvCxnSpPr>
-            <p:nvPr/>
-          </p:nvCxnSpPr>
-          <p:spPr>
-            <a:xfrm flipV="1">
-              <a:off x="7227431" y="697242"/>
-              <a:ext cx="121839" cy="76200"/>
-            </a:xfrm>
-            <a:prstGeom prst="line">
-              <a:avLst/>
-            </a:prstGeom>
-            <a:ln cap="rnd"/>
-          </p:spPr>
-          <p:style>
-            <a:lnRef idx="3">
-              <a:schemeClr val="accent6"/>
-            </a:lnRef>
-            <a:fillRef idx="0">
-              <a:schemeClr val="accent6"/>
-            </a:fillRef>
-            <a:effectRef idx="2">
-              <a:schemeClr val="accent6"/>
-            </a:effectRef>
-            <a:fontRef idx="minor">
-              <a:schemeClr val="tx1"/>
-            </a:fontRef>
-          </p:style>
-        </p:cxnSp>
-        <p:cxnSp>
-          <p:nvCxnSpPr>
-            <p:cNvPr id="46" name="Straight Connector 45">
-              <a:extLst>
-                <a:ext uri="{FF2B5EF4-FFF2-40B4-BE49-F238E27FC236}">
-                  <a16:creationId xmlns:a16="http://schemas.microsoft.com/office/drawing/2014/main" id="{C86B609C-3E9D-4EA1-9D7B-7AD108C8C57B}"/>
-                </a:ext>
-              </a:extLst>
-            </p:cNvPr>
-            <p:cNvCxnSpPr>
-              <a:cxnSpLocks/>
-            </p:cNvCxnSpPr>
-            <p:nvPr/>
-          </p:nvCxnSpPr>
-          <p:spPr>
-            <a:xfrm flipV="1">
-              <a:off x="5048192" y="773442"/>
-              <a:ext cx="121839" cy="76200"/>
-            </a:xfrm>
-            <a:prstGeom prst="line">
-              <a:avLst/>
-            </a:prstGeom>
-            <a:ln cap="rnd"/>
-          </p:spPr>
-          <p:style>
-            <a:lnRef idx="3">
-              <a:schemeClr val="accent6"/>
-            </a:lnRef>
-            <a:fillRef idx="0">
-              <a:schemeClr val="accent6"/>
-            </a:fillRef>
-            <a:effectRef idx="2">
-              <a:schemeClr val="accent6"/>
-            </a:effectRef>
-            <a:fontRef idx="minor">
-              <a:schemeClr val="tx1"/>
-            </a:fontRef>
-          </p:style>
-        </p:cxnSp>
-        <p:cxnSp>
-          <p:nvCxnSpPr>
-            <p:cNvPr id="47" name="Straight Connector 46">
-              <a:extLst>
-                <a:ext uri="{FF2B5EF4-FFF2-40B4-BE49-F238E27FC236}">
-                  <a16:creationId xmlns:a16="http://schemas.microsoft.com/office/drawing/2014/main" id="{0D690C07-0109-4CEC-B0CC-434EED608911}"/>
-                </a:ext>
-              </a:extLst>
-            </p:cNvPr>
-            <p:cNvCxnSpPr>
-              <a:cxnSpLocks/>
-            </p:cNvCxnSpPr>
-            <p:nvPr/>
-          </p:nvCxnSpPr>
-          <p:spPr>
-            <a:xfrm flipV="1">
-              <a:off x="4021655" y="849642"/>
-              <a:ext cx="1026537" cy="11668"/>
-            </a:xfrm>
-            <a:prstGeom prst="line">
-              <a:avLst/>
-            </a:prstGeom>
-            <a:ln cap="rnd"/>
-          </p:spPr>
-          <p:style>
-            <a:lnRef idx="3">
-              <a:schemeClr val="accent6"/>
-            </a:lnRef>
-            <a:fillRef idx="0">
-              <a:schemeClr val="accent6"/>
-            </a:fillRef>
-            <a:effectRef idx="2">
-              <a:schemeClr val="accent6"/>
-            </a:effectRef>
-            <a:fontRef idx="minor">
-              <a:schemeClr val="tx1"/>
-            </a:fontRef>
-          </p:style>
-        </p:cxnSp>
-        <p:sp>
-          <p:nvSpPr>
-            <p:cNvPr id="50" name="Oval 49">
-              <a:extLst>
-                <a:ext uri="{FF2B5EF4-FFF2-40B4-BE49-F238E27FC236}">
-                  <a16:creationId xmlns:a16="http://schemas.microsoft.com/office/drawing/2014/main" id="{EEA3A56A-D77B-4804-9467-3C2325189A39}"/>
-                </a:ext>
-              </a:extLst>
-            </p:cNvPr>
-            <p:cNvSpPr/>
-            <p:nvPr/>
-          </p:nvSpPr>
-          <p:spPr>
-            <a:xfrm>
-              <a:off x="3971469" y="789305"/>
-              <a:ext cx="133350" cy="133350"/>
-            </a:xfrm>
-            <a:prstGeom prst="ellipse">
-              <a:avLst/>
-            </a:prstGeom>
-          </p:spPr>
-          <p:style>
-            <a:lnRef idx="2">
-              <a:schemeClr val="accent6"/>
-            </a:lnRef>
-            <a:fillRef idx="1">
-              <a:schemeClr val="lt1"/>
-            </a:fillRef>
-            <a:effectRef idx="0">
-              <a:schemeClr val="accent6"/>
-            </a:effectRef>
-            <a:fontRef idx="minor">
-              <a:schemeClr val="dk1"/>
-            </a:fontRef>
-          </p:style>
-          <p:txBody>
-            <a:bodyPr rtlCol="0" anchor="ctr"/>
-            <a:lstStyle/>
-            <a:p>
-              <a:pPr algn="ctr"/>
-              <a:endParaRPr lang="en-US" i="1" dirty="0"/>
-            </a:p>
-          </p:txBody>
-        </p:sp>
-        <p:sp>
-          <p:nvSpPr>
-            <p:cNvPr id="51" name="Oval 50">
-              <a:extLst>
-                <a:ext uri="{FF2B5EF4-FFF2-40B4-BE49-F238E27FC236}">
-                  <a16:creationId xmlns:a16="http://schemas.microsoft.com/office/drawing/2014/main" id="{488A40C9-3C11-477D-B0FB-19648893F367}"/>
-                </a:ext>
-              </a:extLst>
-            </p:cNvPr>
-            <p:cNvSpPr/>
-            <p:nvPr/>
-          </p:nvSpPr>
-          <p:spPr>
-            <a:xfrm>
-              <a:off x="8336191" y="624781"/>
-              <a:ext cx="133350" cy="133350"/>
-            </a:xfrm>
-            <a:prstGeom prst="ellipse">
-              <a:avLst/>
-            </a:prstGeom>
-          </p:spPr>
-          <p:style>
-            <a:lnRef idx="2">
-              <a:schemeClr val="accent6"/>
-            </a:lnRef>
-            <a:fillRef idx="1">
-              <a:schemeClr val="lt1"/>
-            </a:fillRef>
-            <a:effectRef idx="0">
-              <a:schemeClr val="accent6"/>
-            </a:effectRef>
-            <a:fontRef idx="minor">
-              <a:schemeClr val="dk1"/>
-            </a:fontRef>
-          </p:style>
-          <p:txBody>
-            <a:bodyPr rtlCol="0" anchor="ctr"/>
-            <a:lstStyle/>
-            <a:p>
-              <a:pPr algn="ctr"/>
-              <a:endParaRPr lang="en-US" i="1" dirty="0"/>
-            </a:p>
-          </p:txBody>
-        </p:sp>
-      </p:grpSp>
-      <p:cxnSp>
-        <p:nvCxnSpPr>
-          <p:cNvPr id="48" name="Straight Connector 47">
-            <a:extLst>
-              <a:ext uri="{FF2B5EF4-FFF2-40B4-BE49-F238E27FC236}">
-                <a16:creationId xmlns:a16="http://schemas.microsoft.com/office/drawing/2014/main" id="{D960A732-7D82-4432-825E-DCAFE0FE2334}"/>
-              </a:ext>
-            </a:extLst>
-          </p:cNvPr>
-          <p:cNvCxnSpPr>
-            <a:cxnSpLocks/>
-          </p:cNvCxnSpPr>
-          <p:nvPr/>
-        </p:nvCxnSpPr>
-        <p:spPr>
-          <a:xfrm>
-            <a:off x="1913778" y="4657266"/>
-            <a:ext cx="1594494" cy="0"/>
-          </a:xfrm>
-          <a:prstGeom prst="line">
-            <a:avLst/>
-          </a:prstGeom>
-          <a:ln cap="rnd"/>
-        </p:spPr>
-        <p:style>
-          <a:lnRef idx="3">
-            <a:schemeClr val="accent6"/>
-          </a:lnRef>
-          <a:fillRef idx="0">
-            <a:schemeClr val="accent6"/>
-          </a:fillRef>
-          <a:effectRef idx="2">
-            <a:schemeClr val="accent6"/>
-          </a:effectRef>
-          <a:fontRef idx="minor">
-            <a:schemeClr val="tx1"/>
-          </a:fontRef>
-        </p:style>
-      </p:cxnSp>
-      <p:cxnSp>
-        <p:nvCxnSpPr>
-          <p:cNvPr id="52" name="Straight Connector 51">
-            <a:extLst>
-              <a:ext uri="{FF2B5EF4-FFF2-40B4-BE49-F238E27FC236}">
-                <a16:creationId xmlns:a16="http://schemas.microsoft.com/office/drawing/2014/main" id="{9EA4A6AC-0213-4354-98AC-DD79623B7615}"/>
-              </a:ext>
-            </a:extLst>
-          </p:cNvPr>
-          <p:cNvCxnSpPr>
-            <a:cxnSpLocks/>
-            <a:endCxn id="53" idx="1"/>
-          </p:cNvCxnSpPr>
-          <p:nvPr/>
-        </p:nvCxnSpPr>
-        <p:spPr>
-          <a:xfrm>
-            <a:off x="3508272" y="4657266"/>
-            <a:ext cx="517210" cy="441052"/>
-          </a:xfrm>
-          <a:prstGeom prst="line">
-            <a:avLst/>
-          </a:prstGeom>
-          <a:ln cap="rnd"/>
-        </p:spPr>
-        <p:style>
-          <a:lnRef idx="3">
-            <a:schemeClr val="accent6"/>
-          </a:lnRef>
-          <a:fillRef idx="0">
-            <a:schemeClr val="accent6"/>
-          </a:fillRef>
-          <a:effectRef idx="2">
-            <a:schemeClr val="accent6"/>
-          </a:effectRef>
-          <a:fontRef idx="minor">
-            <a:schemeClr val="tx1"/>
-          </a:fontRef>
-        </p:style>
-      </p:cxnSp>
-      <p:sp>
-        <p:nvSpPr>
-          <p:cNvPr id="53" name="Oval 52">
-            <a:extLst>
-              <a:ext uri="{FF2B5EF4-FFF2-40B4-BE49-F238E27FC236}">
-                <a16:creationId xmlns:a16="http://schemas.microsoft.com/office/drawing/2014/main" id="{D09B7019-2E0F-495A-940B-EFC415D75B5C}"/>
-              </a:ext>
-            </a:extLst>
-          </p:cNvPr>
-          <p:cNvSpPr/>
-          <p:nvPr/>
-        </p:nvSpPr>
-        <p:spPr>
-          <a:xfrm>
-            <a:off x="4005953" y="5078789"/>
-            <a:ext cx="133350" cy="133350"/>
-          </a:xfrm>
-          <a:prstGeom prst="ellipse">
-            <a:avLst/>
-          </a:prstGeom>
-        </p:spPr>
-        <p:style>
-          <a:lnRef idx="2">
-            <a:schemeClr val="accent6"/>
-          </a:lnRef>
-          <a:fillRef idx="1">
-            <a:schemeClr val="lt1"/>
-          </a:fillRef>
-          <a:effectRef idx="0">
-            <a:schemeClr val="accent6"/>
-          </a:effectRef>
-          <a:fontRef idx="minor">
-            <a:schemeClr val="dk1"/>
-          </a:fontRef>
-        </p:style>
-        <p:txBody>
-          <a:bodyPr rtlCol="0" anchor="ctr"/>
-          <a:lstStyle/>
-          <a:p>
-            <a:pPr algn="ctr"/>
-            <a:endParaRPr lang="en-US" dirty="0"/>
-          </a:p>
-        </p:txBody>
-      </p:sp>
-      <p:sp>
-        <p:nvSpPr>
-          <p:cNvPr id="54" name="TextBox 53">
-            <a:extLst>
-              <a:ext uri="{FF2B5EF4-FFF2-40B4-BE49-F238E27FC236}">
-                <a16:creationId xmlns:a16="http://schemas.microsoft.com/office/drawing/2014/main" id="{FD1212CE-5918-4296-AFDE-C8957B579882}"/>
-              </a:ext>
-            </a:extLst>
-          </p:cNvPr>
-          <p:cNvSpPr txBox="1"/>
-          <p:nvPr/>
-        </p:nvSpPr>
-        <p:spPr>
-          <a:xfrm>
-            <a:off x="2060463" y="4342119"/>
-            <a:ext cx="540533" cy="369332"/>
-          </a:xfrm>
-          <a:prstGeom prst="rect">
-            <a:avLst/>
-          </a:prstGeom>
-          <a:noFill/>
-        </p:spPr>
-        <p:txBody>
-          <a:bodyPr wrap="none" rtlCol="0">
-            <a:spAutoFit/>
-          </a:bodyPr>
-          <a:lstStyle/>
-          <a:p>
-            <a:r>
-              <a:rPr lang="en-US" dirty="0">
-                <a:solidFill>
-                  <a:schemeClr val="accent6">
-                    <a:lumMod val="75000"/>
-                  </a:schemeClr>
-                </a:solidFill>
-              </a:rPr>
-              <a:t>End</a:t>
-            </a:r>
-          </a:p>
-        </p:txBody>
-      </p:sp>
-      <p:sp>
-        <p:nvSpPr>
-          <p:cNvPr id="55" name="TextBox 54">
-            <a:extLst>
-              <a:ext uri="{FF2B5EF4-FFF2-40B4-BE49-F238E27FC236}">
-                <a16:creationId xmlns:a16="http://schemas.microsoft.com/office/drawing/2014/main" id="{85A4BF76-C8F0-4A37-9405-906DADA9FA8E}"/>
-              </a:ext>
-            </a:extLst>
-          </p:cNvPr>
-          <p:cNvSpPr txBox="1"/>
-          <p:nvPr/>
-        </p:nvSpPr>
-        <p:spPr>
-          <a:xfrm>
-            <a:off x="1900865" y="4693126"/>
-            <a:ext cx="1447811" cy="923330"/>
-          </a:xfrm>
-          <a:prstGeom prst="rect">
-            <a:avLst/>
-          </a:prstGeom>
-          <a:noFill/>
-        </p:spPr>
-        <p:txBody>
-          <a:bodyPr wrap="square" rtlCol="0">
-            <a:spAutoFit/>
-          </a:bodyPr>
-          <a:lstStyle/>
-          <a:p>
-            <a:r>
-              <a:rPr lang="en-US" dirty="0"/>
-              <a:t>Crucial! Where do we stop?</a:t>
-            </a:r>
-          </a:p>
-        </p:txBody>
-      </p:sp>
-      <p:sp>
-        <p:nvSpPr>
-          <p:cNvPr id="39" name="TextBox 38">
-            <a:extLst>
-              <a:ext uri="{FF2B5EF4-FFF2-40B4-BE49-F238E27FC236}">
-                <a16:creationId xmlns:a16="http://schemas.microsoft.com/office/drawing/2014/main" id="{503665B2-CB9D-404E-AC67-382951C4EBA0}"/>
-              </a:ext>
-            </a:extLst>
-          </p:cNvPr>
-          <p:cNvSpPr txBox="1"/>
-          <p:nvPr/>
-        </p:nvSpPr>
-        <p:spPr>
-          <a:xfrm>
-            <a:off x="4367903" y="6103239"/>
-            <a:ext cx="6096646" cy="369332"/>
-          </a:xfrm>
-          <a:prstGeom prst="rect">
-            <a:avLst/>
-          </a:prstGeom>
-          <a:noFill/>
-        </p:spPr>
-        <p:txBody>
-          <a:bodyPr wrap="square">
-            <a:spAutoFit/>
-          </a:bodyPr>
-          <a:lstStyle/>
-          <a:p>
-            <a:r>
-              <a:rPr lang="en-US" dirty="0">
-                <a:hlinkClick r:id="rId2"/>
-              </a:rPr>
-              <a:t>http://www.evolutionoftheweb.com/</a:t>
-            </a:r>
-            <a:endParaRPr lang="en-US" dirty="0"/>
-          </a:p>
-        </p:txBody>
-      </p:sp>
-    </p:spTree>
-    <p:extLst>
-      <p:ext uri="{BB962C8B-B14F-4D97-AF65-F5344CB8AC3E}">
-        <p14:creationId xmlns:p14="http://schemas.microsoft.com/office/powerpoint/2010/main" val="881813516"/>
-      </p:ext>
-    </p:extLst>
-  </p:cSld>
-  <p:clrMapOvr>
-    <a:masterClrMapping/>
-  </p:clrMapOvr>
-</p:sld>
-</file>
-
-<file path=ppt/slides/slide3.xml><?xml version="1.0" encoding="utf-8"?>
+<file path=ppt/slides/slide10.xml><?xml version="1.0" encoding="utf-8"?>
 <p:sld xmlns:a="http://schemas.openxmlformats.org/drawingml/2006/main" xmlns:r="http://schemas.openxmlformats.org/officeDocument/2006/relationships" xmlns:p="http://schemas.openxmlformats.org/presentationml/2006/main">
   <p:cSld>
     <p:spTree>
@@ -8121,7 +5826,7 @@
 </p:sld>
 </file>
 
-<file path=ppt/slides/slide4.xml><?xml version="1.0" encoding="utf-8"?>
+<file path=ppt/slides/slide11.xml><?xml version="1.0" encoding="utf-8"?>
 <p:sld xmlns:a="http://schemas.openxmlformats.org/drawingml/2006/main" xmlns:r="http://schemas.openxmlformats.org/officeDocument/2006/relationships" xmlns:p="http://schemas.openxmlformats.org/presentationml/2006/main">
   <p:cSld>
     <p:spTree>
@@ -10157,7 +7862,7 @@
 </p:sld>
 </file>
 
-<file path=ppt/slides/slide5.xml><?xml version="1.0" encoding="utf-8"?>
+<file path=ppt/slides/slide12.xml><?xml version="1.0" encoding="utf-8"?>
 <p:sld xmlns:a="http://schemas.openxmlformats.org/drawingml/2006/main" xmlns:r="http://schemas.openxmlformats.org/officeDocument/2006/relationships" xmlns:p="http://schemas.openxmlformats.org/presentationml/2006/main">
   <p:cSld>
     <p:spTree>
@@ -11604,6 +9309,4456 @@
     <p:extLst>
       <p:ext uri="{BB962C8B-B14F-4D97-AF65-F5344CB8AC3E}">
         <p14:creationId xmlns:p14="http://schemas.microsoft.com/office/powerpoint/2010/main" val="1097698168"/>
+      </p:ext>
+    </p:extLst>
+  </p:cSld>
+  <p:clrMapOvr>
+    <a:masterClrMapping/>
+  </p:clrMapOvr>
+</p:sld>
+</file>
+
+<file path=ppt/slides/slide2.xml><?xml version="1.0" encoding="utf-8"?>
+<p:sld xmlns:a="http://schemas.openxmlformats.org/drawingml/2006/main" xmlns:r="http://schemas.openxmlformats.org/officeDocument/2006/relationships" xmlns:p="http://schemas.openxmlformats.org/presentationml/2006/main">
+  <p:cSld>
+    <p:spTree>
+      <p:nvGrpSpPr>
+        <p:cNvPr id="1" name=""/>
+        <p:cNvGrpSpPr/>
+        <p:nvPr/>
+      </p:nvGrpSpPr>
+      <p:grpSpPr>
+        <a:xfrm>
+          <a:off x="0" y="0"/>
+          <a:ext cx="0" cy="0"/>
+          <a:chOff x="0" y="0"/>
+          <a:chExt cx="0" cy="0"/>
+        </a:xfrm>
+      </p:grpSpPr>
+      <p:sp>
+        <p:nvSpPr>
+          <p:cNvPr id="2" name="Title 1">
+            <a:extLst>
+              <a:ext uri="{FF2B5EF4-FFF2-40B4-BE49-F238E27FC236}">
+                <a16:creationId xmlns:a16="http://schemas.microsoft.com/office/drawing/2014/main" id="{273C2C78-83A5-4253-A3A3-948A2E00AF03}"/>
+              </a:ext>
+            </a:extLst>
+          </p:cNvPr>
+          <p:cNvSpPr>
+            <a:spLocks noGrp="1"/>
+          </p:cNvSpPr>
+          <p:nvPr>
+            <p:ph type="title"/>
+          </p:nvPr>
+        </p:nvSpPr>
+        <p:spPr/>
+        <p:txBody>
+          <a:bodyPr/>
+          <a:lstStyle/>
+          <a:p>
+            <a:r>
+              <a:rPr lang="en-US" dirty="0"/>
+              <a:t>What was the world like in 1995?</a:t>
+            </a:r>
+          </a:p>
+        </p:txBody>
+      </p:sp>
+      <p:sp>
+        <p:nvSpPr>
+          <p:cNvPr id="3" name="Content Placeholder 2">
+            <a:extLst>
+              <a:ext uri="{FF2B5EF4-FFF2-40B4-BE49-F238E27FC236}">
+                <a16:creationId xmlns:a16="http://schemas.microsoft.com/office/drawing/2014/main" id="{9FA17514-DF5E-4EE2-9630-171BD5464B10}"/>
+              </a:ext>
+            </a:extLst>
+          </p:cNvPr>
+          <p:cNvSpPr>
+            <a:spLocks noGrp="1"/>
+          </p:cNvSpPr>
+          <p:nvPr>
+            <p:ph idx="1"/>
+          </p:nvPr>
+        </p:nvSpPr>
+        <p:spPr/>
+        <p:txBody>
+          <a:bodyPr/>
+          <a:lstStyle/>
+          <a:p>
+            <a:pPr marL="0" marR="0">
+              <a:lnSpc>
+                <a:spcPct val="107000"/>
+              </a:lnSpc>
+              <a:spcBef>
+                <a:spcPts val="0"/>
+              </a:spcBef>
+              <a:spcAft>
+                <a:spcPts val="800"/>
+              </a:spcAft>
+            </a:pPr>
+            <a:r>
+              <a:rPr lang="en-US" sz="1800" dirty="0">
+                <a:effectLst/>
+                <a:latin typeface="Calibri" panose="020F0502020204030204" pitchFamily="34" charset="0"/>
+                <a:ea typeface="Calibri" panose="020F0502020204030204" pitchFamily="34" charset="0"/>
+                <a:cs typeface="Times New Roman" panose="02020603050405020304" pitchFamily="18" charset="0"/>
+              </a:rPr>
+              <a:t>1995: Bill Clinton, first term, family man</a:t>
+            </a:r>
+          </a:p>
+          <a:p>
+            <a:pPr marL="0" marR="0">
+              <a:lnSpc>
+                <a:spcPct val="107000"/>
+              </a:lnSpc>
+              <a:spcBef>
+                <a:spcPts val="0"/>
+              </a:spcBef>
+              <a:spcAft>
+                <a:spcPts val="800"/>
+              </a:spcAft>
+            </a:pPr>
+            <a:r>
+              <a:rPr lang="en-US" sz="1800" dirty="0">
+                <a:effectLst/>
+                <a:latin typeface="Calibri" panose="020F0502020204030204" pitchFamily="34" charset="0"/>
+                <a:ea typeface="Calibri" panose="020F0502020204030204" pitchFamily="34" charset="0"/>
+                <a:cs typeface="Times New Roman" panose="02020603050405020304" pitchFamily="18" charset="0"/>
+              </a:rPr>
+              <a:t>Top Shows: Seinfeld, Home Improvement </a:t>
+            </a:r>
+          </a:p>
+          <a:p>
+            <a:pPr marL="0" marR="0">
+              <a:lnSpc>
+                <a:spcPct val="107000"/>
+              </a:lnSpc>
+              <a:spcBef>
+                <a:spcPts val="0"/>
+              </a:spcBef>
+              <a:spcAft>
+                <a:spcPts val="800"/>
+              </a:spcAft>
+            </a:pPr>
+            <a:r>
+              <a:rPr lang="en-US" sz="1800" dirty="0">
+                <a:effectLst/>
+                <a:latin typeface="Calibri" panose="020F0502020204030204" pitchFamily="34" charset="0"/>
+                <a:ea typeface="Calibri" panose="020F0502020204030204" pitchFamily="34" charset="0"/>
+                <a:cs typeface="Times New Roman" panose="02020603050405020304" pitchFamily="18" charset="0"/>
+              </a:rPr>
+              <a:t>CDs had barely overtaken Cassettes in sales</a:t>
+            </a:r>
+          </a:p>
+          <a:p>
+            <a:pPr marL="0" marR="0">
+              <a:lnSpc>
+                <a:spcPct val="107000"/>
+              </a:lnSpc>
+              <a:spcBef>
+                <a:spcPts val="0"/>
+              </a:spcBef>
+              <a:spcAft>
+                <a:spcPts val="800"/>
+              </a:spcAft>
+            </a:pPr>
+            <a:r>
+              <a:rPr lang="en-US" sz="1800" dirty="0">
+                <a:effectLst/>
+                <a:latin typeface="Calibri" panose="020F0502020204030204" pitchFamily="34" charset="0"/>
+                <a:ea typeface="Calibri" panose="020F0502020204030204" pitchFamily="34" charset="0"/>
+                <a:cs typeface="Times New Roman" panose="02020603050405020304" pitchFamily="18" charset="0"/>
+              </a:rPr>
+              <a:t>DVDs invented but unavailable</a:t>
+            </a:r>
+          </a:p>
+          <a:p>
+            <a:pPr marL="0" marR="0">
+              <a:lnSpc>
+                <a:spcPct val="107000"/>
+              </a:lnSpc>
+              <a:spcBef>
+                <a:spcPts val="0"/>
+              </a:spcBef>
+              <a:spcAft>
+                <a:spcPts val="800"/>
+              </a:spcAft>
+            </a:pPr>
+            <a:r>
+              <a:rPr lang="en-US" sz="1800" dirty="0">
+                <a:effectLst/>
+                <a:latin typeface="Calibri" panose="020F0502020204030204" pitchFamily="34" charset="0"/>
+                <a:ea typeface="Calibri" panose="020F0502020204030204" pitchFamily="34" charset="0"/>
+                <a:cs typeface="Times New Roman" panose="02020603050405020304" pitchFamily="18" charset="0"/>
+              </a:rPr>
+              <a:t>Steve Jobs worked for NeXT, Inc.</a:t>
+            </a:r>
+          </a:p>
+          <a:p>
+            <a:pPr marL="0" marR="0">
+              <a:lnSpc>
+                <a:spcPct val="107000"/>
+              </a:lnSpc>
+              <a:spcBef>
+                <a:spcPts val="0"/>
+              </a:spcBef>
+              <a:spcAft>
+                <a:spcPts val="800"/>
+              </a:spcAft>
+            </a:pPr>
+            <a:r>
+              <a:rPr lang="en-US" sz="1800" dirty="0">
+                <a:latin typeface="Calibri" panose="020F0502020204030204" pitchFamily="34" charset="0"/>
+                <a:ea typeface="Calibri" panose="020F0502020204030204" pitchFamily="34" charset="0"/>
+                <a:cs typeface="Times New Roman" panose="02020603050405020304" pitchFamily="18" charset="0"/>
+              </a:rPr>
+              <a:t>US population 265M (~330M today, 80%)</a:t>
+            </a:r>
+          </a:p>
+          <a:p>
+            <a:pPr marL="0" marR="0">
+              <a:lnSpc>
+                <a:spcPct val="107000"/>
+              </a:lnSpc>
+              <a:spcBef>
+                <a:spcPts val="0"/>
+              </a:spcBef>
+              <a:spcAft>
+                <a:spcPts val="800"/>
+              </a:spcAft>
+            </a:pPr>
+            <a:r>
+              <a:rPr lang="en-US" sz="1800" dirty="0">
+                <a:effectLst/>
+                <a:latin typeface="Calibri" panose="020F0502020204030204" pitchFamily="34" charset="0"/>
+                <a:ea typeface="Calibri" panose="020F0502020204030204" pitchFamily="34" charset="0"/>
+                <a:cs typeface="Times New Roman" panose="02020603050405020304" pitchFamily="18" charset="0"/>
+              </a:rPr>
+              <a:t>World population 5.7B (~7.7B today, 75%)</a:t>
+            </a:r>
+          </a:p>
+          <a:p>
+            <a:pPr marL="0" marR="0">
+              <a:lnSpc>
+                <a:spcPct val="107000"/>
+              </a:lnSpc>
+              <a:spcBef>
+                <a:spcPts val="0"/>
+              </a:spcBef>
+              <a:spcAft>
+                <a:spcPts val="800"/>
+              </a:spcAft>
+            </a:pPr>
+            <a:endParaRPr lang="en-US" sz="1800" dirty="0">
+              <a:effectLst/>
+              <a:latin typeface="Calibri" panose="020F0502020204030204" pitchFamily="34" charset="0"/>
+              <a:ea typeface="Calibri" panose="020F0502020204030204" pitchFamily="34" charset="0"/>
+              <a:cs typeface="Times New Roman" panose="02020603050405020304" pitchFamily="18" charset="0"/>
+            </a:endParaRPr>
+          </a:p>
+          <a:p>
+            <a:pPr marL="0" marR="0">
+              <a:lnSpc>
+                <a:spcPct val="107000"/>
+              </a:lnSpc>
+              <a:spcBef>
+                <a:spcPts val="0"/>
+              </a:spcBef>
+              <a:spcAft>
+                <a:spcPts val="800"/>
+              </a:spcAft>
+            </a:pPr>
+            <a:endParaRPr lang="en-US" sz="1800" dirty="0">
+              <a:effectLst/>
+              <a:latin typeface="Calibri" panose="020F0502020204030204" pitchFamily="34" charset="0"/>
+              <a:ea typeface="Calibri" panose="020F0502020204030204" pitchFamily="34" charset="0"/>
+              <a:cs typeface="Times New Roman" panose="02020603050405020304" pitchFamily="18" charset="0"/>
+            </a:endParaRPr>
+          </a:p>
+          <a:p>
+            <a:pPr marL="0" indent="0">
+              <a:buNone/>
+            </a:pPr>
+            <a:endParaRPr lang="en-US" dirty="0"/>
+          </a:p>
+        </p:txBody>
+      </p:sp>
+    </p:spTree>
+    <p:extLst>
+      <p:ext uri="{BB962C8B-B14F-4D97-AF65-F5344CB8AC3E}">
+        <p14:creationId xmlns:p14="http://schemas.microsoft.com/office/powerpoint/2010/main" val="2378161631"/>
+      </p:ext>
+    </p:extLst>
+  </p:cSld>
+  <p:clrMapOvr>
+    <a:masterClrMapping/>
+  </p:clrMapOvr>
+</p:sld>
+</file>
+
+<file path=ppt/slides/slide3.xml><?xml version="1.0" encoding="utf-8"?>
+<p:sld xmlns:a="http://schemas.openxmlformats.org/drawingml/2006/main" xmlns:r="http://schemas.openxmlformats.org/officeDocument/2006/relationships" xmlns:p="http://schemas.openxmlformats.org/presentationml/2006/main">
+  <p:cSld>
+    <p:spTree>
+      <p:nvGrpSpPr>
+        <p:cNvPr id="1" name=""/>
+        <p:cNvGrpSpPr/>
+        <p:nvPr/>
+      </p:nvGrpSpPr>
+      <p:grpSpPr>
+        <a:xfrm>
+          <a:off x="0" y="0"/>
+          <a:ext cx="0" cy="0"/>
+          <a:chOff x="0" y="0"/>
+          <a:chExt cx="0" cy="0"/>
+        </a:xfrm>
+      </p:grpSpPr>
+      <p:sp>
+        <p:nvSpPr>
+          <p:cNvPr id="2" name="Title 1">
+            <a:extLst>
+              <a:ext uri="{FF2B5EF4-FFF2-40B4-BE49-F238E27FC236}">
+                <a16:creationId xmlns:a16="http://schemas.microsoft.com/office/drawing/2014/main" id="{AF3AFCBF-B24C-4EFA-A710-67FAE81BE931}"/>
+              </a:ext>
+            </a:extLst>
+          </p:cNvPr>
+          <p:cNvSpPr>
+            <a:spLocks noGrp="1"/>
+          </p:cNvSpPr>
+          <p:nvPr>
+            <p:ph type="title"/>
+          </p:nvPr>
+        </p:nvSpPr>
+        <p:spPr/>
+        <p:txBody>
+          <a:bodyPr/>
+          <a:lstStyle/>
+          <a:p>
+            <a:r>
+              <a:rPr lang="en-US" dirty="0"/>
+              <a:t>1995 </a:t>
+            </a:r>
+          </a:p>
+        </p:txBody>
+      </p:sp>
+      <p:sp>
+        <p:nvSpPr>
+          <p:cNvPr id="7" name="Content Placeholder 6">
+            <a:extLst>
+              <a:ext uri="{FF2B5EF4-FFF2-40B4-BE49-F238E27FC236}">
+                <a16:creationId xmlns:a16="http://schemas.microsoft.com/office/drawing/2014/main" id="{8164844B-D569-4D66-8F79-29336270D6C2}"/>
+              </a:ext>
+            </a:extLst>
+          </p:cNvPr>
+          <p:cNvSpPr>
+            <a:spLocks noGrp="1"/>
+          </p:cNvSpPr>
+          <p:nvPr>
+            <p:ph idx="1"/>
+          </p:nvPr>
+        </p:nvSpPr>
+        <p:spPr/>
+        <p:txBody>
+          <a:bodyPr/>
+          <a:lstStyle/>
+          <a:p>
+            <a:endParaRPr lang="en-US"/>
+          </a:p>
+        </p:txBody>
+      </p:sp>
+      <p:pic>
+        <p:nvPicPr>
+          <p:cNvPr id="1026" name="Picture 2">
+            <a:extLst>
+              <a:ext uri="{FF2B5EF4-FFF2-40B4-BE49-F238E27FC236}">
+                <a16:creationId xmlns:a16="http://schemas.microsoft.com/office/drawing/2014/main" id="{093EA74D-20FA-4787-962C-52D0663309D9}"/>
+              </a:ext>
+            </a:extLst>
+          </p:cNvPr>
+          <p:cNvPicPr>
+            <a:picLocks noChangeAspect="1" noChangeArrowheads="1"/>
+          </p:cNvPicPr>
+          <p:nvPr/>
+        </p:nvPicPr>
+        <p:blipFill>
+          <a:blip r:embed="rId2">
+            <a:extLst>
+              <a:ext uri="{28A0092B-C50C-407E-A947-70E740481C1C}">
+                <a14:useLocalDpi xmlns:a14="http://schemas.microsoft.com/office/drawing/2010/main" val="0"/>
+              </a:ext>
+            </a:extLst>
+          </a:blip>
+          <a:srcRect/>
+          <a:stretch>
+            <a:fillRect/>
+          </a:stretch>
+        </p:blipFill>
+        <p:spPr bwMode="auto">
+          <a:xfrm>
+            <a:off x="525292" y="1462087"/>
+            <a:ext cx="11324835" cy="4714876"/>
+          </a:xfrm>
+          <a:prstGeom prst="rect">
+            <a:avLst/>
+          </a:prstGeom>
+          <a:noFill/>
+          <a:extLst>
+            <a:ext uri="{909E8E84-426E-40DD-AFC4-6F175D3DCCD1}">
+              <a14:hiddenFill xmlns:a14="http://schemas.microsoft.com/office/drawing/2010/main">
+                <a:solidFill>
+                  <a:srgbClr val="FFFFFF"/>
+                </a:solidFill>
+              </a14:hiddenFill>
+            </a:ext>
+          </a:extLst>
+        </p:spPr>
+      </p:pic>
+      <p:cxnSp>
+        <p:nvCxnSpPr>
+          <p:cNvPr id="9" name="Straight Connector 8">
+            <a:extLst>
+              <a:ext uri="{FF2B5EF4-FFF2-40B4-BE49-F238E27FC236}">
+                <a16:creationId xmlns:a16="http://schemas.microsoft.com/office/drawing/2014/main" id="{1E2D2E16-0104-4494-9528-43BDF892EFE5}"/>
+              </a:ext>
+            </a:extLst>
+          </p:cNvPr>
+          <p:cNvCxnSpPr/>
+          <p:nvPr/>
+        </p:nvCxnSpPr>
+        <p:spPr>
+          <a:xfrm>
+            <a:off x="10619611" y="1690688"/>
+            <a:ext cx="0" cy="4846299"/>
+          </a:xfrm>
+          <a:prstGeom prst="line">
+            <a:avLst/>
+          </a:prstGeom>
+          <a:ln w="28575">
+            <a:solidFill>
+              <a:schemeClr val="accent6"/>
+            </a:solidFill>
+          </a:ln>
+        </p:spPr>
+        <p:style>
+          <a:lnRef idx="1">
+            <a:schemeClr val="accent1"/>
+          </a:lnRef>
+          <a:fillRef idx="0">
+            <a:schemeClr val="accent1"/>
+          </a:fillRef>
+          <a:effectRef idx="0">
+            <a:schemeClr val="accent1"/>
+          </a:effectRef>
+          <a:fontRef idx="minor">
+            <a:schemeClr val="tx1"/>
+          </a:fontRef>
+        </p:style>
+      </p:cxnSp>
+      <p:sp>
+        <p:nvSpPr>
+          <p:cNvPr id="12" name="TextBox 11">
+            <a:extLst>
+              <a:ext uri="{FF2B5EF4-FFF2-40B4-BE49-F238E27FC236}">
+                <a16:creationId xmlns:a16="http://schemas.microsoft.com/office/drawing/2014/main" id="{CA59A533-9F08-4695-A5CC-F31BB60C7969}"/>
+              </a:ext>
+            </a:extLst>
+          </p:cNvPr>
+          <p:cNvSpPr txBox="1"/>
+          <p:nvPr/>
+        </p:nvSpPr>
+        <p:spPr>
+          <a:xfrm>
+            <a:off x="687754" y="6231765"/>
+            <a:ext cx="6096000" cy="369332"/>
+          </a:xfrm>
+          <a:prstGeom prst="rect">
+            <a:avLst/>
+          </a:prstGeom>
+          <a:noFill/>
+        </p:spPr>
+        <p:txBody>
+          <a:bodyPr wrap="square">
+            <a:spAutoFit/>
+          </a:bodyPr>
+          <a:lstStyle/>
+          <a:p>
+            <a:r>
+              <a:rPr lang="en-US" dirty="0"/>
+              <a:t>Attributed to </a:t>
+            </a:r>
+            <a:r>
+              <a:rPr lang="en-US" dirty="0" err="1"/>
+              <a:t>visualizingeconomics</a:t>
+            </a:r>
+            <a:r>
+              <a:rPr lang="en-US" dirty="0"/>
+              <a:t>. </a:t>
+            </a:r>
+          </a:p>
+        </p:txBody>
+      </p:sp>
+    </p:spTree>
+    <p:extLst>
+      <p:ext uri="{BB962C8B-B14F-4D97-AF65-F5344CB8AC3E}">
+        <p14:creationId xmlns:p14="http://schemas.microsoft.com/office/powerpoint/2010/main" val="2293154371"/>
+      </p:ext>
+    </p:extLst>
+  </p:cSld>
+  <p:clrMapOvr>
+    <a:masterClrMapping/>
+  </p:clrMapOvr>
+</p:sld>
+</file>
+
+<file path=ppt/slides/slide4.xml><?xml version="1.0" encoding="utf-8"?>
+<p:sld xmlns:a="http://schemas.openxmlformats.org/drawingml/2006/main" xmlns:r="http://schemas.openxmlformats.org/officeDocument/2006/relationships" xmlns:p="http://schemas.openxmlformats.org/presentationml/2006/main">
+  <p:cSld>
+    <p:spTree>
+      <p:nvGrpSpPr>
+        <p:cNvPr id="1" name=""/>
+        <p:cNvGrpSpPr/>
+        <p:nvPr/>
+      </p:nvGrpSpPr>
+      <p:grpSpPr>
+        <a:xfrm>
+          <a:off x="0" y="0"/>
+          <a:ext cx="0" cy="0"/>
+          <a:chOff x="0" y="0"/>
+          <a:chExt cx="0" cy="0"/>
+        </a:xfrm>
+      </p:grpSpPr>
+      <p:sp>
+        <p:nvSpPr>
+          <p:cNvPr id="2" name="Title 1">
+            <a:extLst>
+              <a:ext uri="{FF2B5EF4-FFF2-40B4-BE49-F238E27FC236}">
+                <a16:creationId xmlns:a16="http://schemas.microsoft.com/office/drawing/2014/main" id="{15DEA0DD-225D-4EC9-869D-075E7FF4E298}"/>
+              </a:ext>
+            </a:extLst>
+          </p:cNvPr>
+          <p:cNvSpPr>
+            <a:spLocks noGrp="1"/>
+          </p:cNvSpPr>
+          <p:nvPr>
+            <p:ph type="title"/>
+          </p:nvPr>
+        </p:nvSpPr>
+        <p:spPr/>
+        <p:txBody>
+          <a:bodyPr/>
+          <a:lstStyle/>
+          <a:p>
+            <a:r>
+              <a:rPr lang="en-US" dirty="0"/>
+              <a:t>1995</a:t>
+            </a:r>
+          </a:p>
+        </p:txBody>
+      </p:sp>
+      <p:sp>
+        <p:nvSpPr>
+          <p:cNvPr id="3" name="Content Placeholder 2">
+            <a:extLst>
+              <a:ext uri="{FF2B5EF4-FFF2-40B4-BE49-F238E27FC236}">
+                <a16:creationId xmlns:a16="http://schemas.microsoft.com/office/drawing/2014/main" id="{912596F1-1663-479C-B7DE-D2128F90797C}"/>
+              </a:ext>
+            </a:extLst>
+          </p:cNvPr>
+          <p:cNvSpPr>
+            <a:spLocks noGrp="1"/>
+          </p:cNvSpPr>
+          <p:nvPr>
+            <p:ph idx="1"/>
+          </p:nvPr>
+        </p:nvSpPr>
+        <p:spPr/>
+        <p:txBody>
+          <a:bodyPr/>
+          <a:lstStyle/>
+          <a:p>
+            <a:endParaRPr lang="en-US" dirty="0"/>
+          </a:p>
+        </p:txBody>
+      </p:sp>
+      <p:pic>
+        <p:nvPicPr>
+          <p:cNvPr id="2050" name="Picture 2" descr="CD sales">
+            <a:extLst>
+              <a:ext uri="{FF2B5EF4-FFF2-40B4-BE49-F238E27FC236}">
+                <a16:creationId xmlns:a16="http://schemas.microsoft.com/office/drawing/2014/main" id="{08FF0770-C732-4D0D-93E6-8427B4BB36D8}"/>
+              </a:ext>
+            </a:extLst>
+          </p:cNvPr>
+          <p:cNvPicPr>
+            <a:picLocks noChangeAspect="1" noChangeArrowheads="1"/>
+          </p:cNvPicPr>
+          <p:nvPr/>
+        </p:nvPicPr>
+        <p:blipFill>
+          <a:blip r:embed="rId2">
+            <a:extLst>
+              <a:ext uri="{28A0092B-C50C-407E-A947-70E740481C1C}">
+                <a14:useLocalDpi xmlns:a14="http://schemas.microsoft.com/office/drawing/2010/main" val="0"/>
+              </a:ext>
+            </a:extLst>
+          </a:blip>
+          <a:srcRect/>
+          <a:stretch>
+            <a:fillRect/>
+          </a:stretch>
+        </p:blipFill>
+        <p:spPr bwMode="auto">
+          <a:xfrm>
+            <a:off x="2738628" y="341983"/>
+            <a:ext cx="7444818" cy="5616850"/>
+          </a:xfrm>
+          <a:prstGeom prst="rect">
+            <a:avLst/>
+          </a:prstGeom>
+          <a:noFill/>
+          <a:extLst>
+            <a:ext uri="{909E8E84-426E-40DD-AFC4-6F175D3DCCD1}">
+              <a14:hiddenFill xmlns:a14="http://schemas.microsoft.com/office/drawing/2010/main">
+                <a:solidFill>
+                  <a:srgbClr val="FFFFFF"/>
+                </a:solidFill>
+              </a14:hiddenFill>
+            </a:ext>
+          </a:extLst>
+        </p:spPr>
+      </p:pic>
+      <p:sp>
+        <p:nvSpPr>
+          <p:cNvPr id="4" name="TextBox 3">
+            <a:extLst>
+              <a:ext uri="{FF2B5EF4-FFF2-40B4-BE49-F238E27FC236}">
+                <a16:creationId xmlns:a16="http://schemas.microsoft.com/office/drawing/2014/main" id="{9A7FC7BF-C27D-48FA-B7EF-14237FA171E7}"/>
+              </a:ext>
+            </a:extLst>
+          </p:cNvPr>
+          <p:cNvSpPr txBox="1"/>
+          <p:nvPr/>
+        </p:nvSpPr>
+        <p:spPr>
+          <a:xfrm>
+            <a:off x="2649415" y="6308209"/>
+            <a:ext cx="6635262" cy="369332"/>
+          </a:xfrm>
+          <a:prstGeom prst="rect">
+            <a:avLst/>
+          </a:prstGeom>
+          <a:noFill/>
+        </p:spPr>
+        <p:txBody>
+          <a:bodyPr wrap="square" rtlCol="0">
+            <a:spAutoFit/>
+          </a:bodyPr>
+          <a:lstStyle/>
+          <a:p>
+            <a:r>
+              <a:rPr lang="en-US" dirty="0"/>
+              <a:t>From https://techpinions.com/the-cd-smartphone-analogy/47027</a:t>
+            </a:r>
+          </a:p>
+        </p:txBody>
+      </p:sp>
+      <p:sp>
+        <p:nvSpPr>
+          <p:cNvPr id="5" name="Rectangle 4">
+            <a:extLst>
+              <a:ext uri="{FF2B5EF4-FFF2-40B4-BE49-F238E27FC236}">
+                <a16:creationId xmlns:a16="http://schemas.microsoft.com/office/drawing/2014/main" id="{7B914488-32DC-4606-B5FE-519A4CEE351E}"/>
+              </a:ext>
+            </a:extLst>
+          </p:cNvPr>
+          <p:cNvSpPr/>
+          <p:nvPr/>
+        </p:nvSpPr>
+        <p:spPr>
+          <a:xfrm>
+            <a:off x="6158523" y="1422400"/>
+            <a:ext cx="4321908" cy="4509477"/>
+          </a:xfrm>
+          <a:prstGeom prst="rect">
+            <a:avLst/>
+          </a:prstGeom>
+          <a:solidFill>
+            <a:schemeClr val="bg1"/>
+          </a:solidFill>
+          <a:ln>
+            <a:solidFill>
+              <a:schemeClr val="bg1"/>
+            </a:solidFill>
+          </a:ln>
+        </p:spPr>
+        <p:style>
+          <a:lnRef idx="2">
+            <a:schemeClr val="accent6"/>
+          </a:lnRef>
+          <a:fillRef idx="1">
+            <a:schemeClr val="lt1"/>
+          </a:fillRef>
+          <a:effectRef idx="0">
+            <a:schemeClr val="accent6"/>
+          </a:effectRef>
+          <a:fontRef idx="minor">
+            <a:schemeClr val="dk1"/>
+          </a:fontRef>
+        </p:style>
+        <p:txBody>
+          <a:bodyPr rtlCol="0" anchor="ctr"/>
+          <a:lstStyle/>
+          <a:p>
+            <a:pPr algn="ctr"/>
+            <a:endParaRPr lang="en-US"/>
+          </a:p>
+        </p:txBody>
+      </p:sp>
+    </p:spTree>
+    <p:extLst>
+      <p:ext uri="{BB962C8B-B14F-4D97-AF65-F5344CB8AC3E}">
+        <p14:creationId xmlns:p14="http://schemas.microsoft.com/office/powerpoint/2010/main" val="2856325086"/>
+      </p:ext>
+    </p:extLst>
+  </p:cSld>
+  <p:clrMapOvr>
+    <a:masterClrMapping/>
+  </p:clrMapOvr>
+</p:sld>
+</file>
+
+<file path=ppt/slides/slide5.xml><?xml version="1.0" encoding="utf-8"?>
+<p:sld xmlns:a="http://schemas.openxmlformats.org/drawingml/2006/main" xmlns:r="http://schemas.openxmlformats.org/officeDocument/2006/relationships" xmlns:p="http://schemas.openxmlformats.org/presentationml/2006/main">
+  <p:cSld>
+    <p:spTree>
+      <p:nvGrpSpPr>
+        <p:cNvPr id="1" name=""/>
+        <p:cNvGrpSpPr/>
+        <p:nvPr/>
+      </p:nvGrpSpPr>
+      <p:grpSpPr>
+        <a:xfrm>
+          <a:off x="0" y="0"/>
+          <a:ext cx="0" cy="0"/>
+          <a:chOff x="0" y="0"/>
+          <a:chExt cx="0" cy="0"/>
+        </a:xfrm>
+      </p:grpSpPr>
+      <p:sp>
+        <p:nvSpPr>
+          <p:cNvPr id="2" name="Title 1">
+            <a:extLst>
+              <a:ext uri="{FF2B5EF4-FFF2-40B4-BE49-F238E27FC236}">
+                <a16:creationId xmlns:a16="http://schemas.microsoft.com/office/drawing/2014/main" id="{52A1430F-2BD4-4309-A324-3E855E7FD9B4}"/>
+              </a:ext>
+            </a:extLst>
+          </p:cNvPr>
+          <p:cNvSpPr>
+            <a:spLocks noGrp="1"/>
+          </p:cNvSpPr>
+          <p:nvPr>
+            <p:ph type="title"/>
+          </p:nvPr>
+        </p:nvSpPr>
+        <p:spPr/>
+        <p:txBody>
+          <a:bodyPr/>
+          <a:lstStyle/>
+          <a:p>
+            <a:r>
+              <a:rPr lang="en-US" dirty="0"/>
+              <a:t>1995: Microsoft Windows 95</a:t>
+            </a:r>
+          </a:p>
+        </p:txBody>
+      </p:sp>
+      <p:pic>
+        <p:nvPicPr>
+          <p:cNvPr id="3074" name="Picture 2">
+            <a:extLst>
+              <a:ext uri="{FF2B5EF4-FFF2-40B4-BE49-F238E27FC236}">
+                <a16:creationId xmlns:a16="http://schemas.microsoft.com/office/drawing/2014/main" id="{AB9BFC25-221A-4843-ABE9-566EEEF8E621}"/>
+              </a:ext>
+            </a:extLst>
+          </p:cNvPr>
+          <p:cNvPicPr>
+            <a:picLocks noChangeAspect="1" noChangeArrowheads="1"/>
+          </p:cNvPicPr>
+          <p:nvPr/>
+        </p:nvPicPr>
+        <p:blipFill>
+          <a:blip r:embed="rId2">
+            <a:extLst>
+              <a:ext uri="{28A0092B-C50C-407E-A947-70E740481C1C}">
+                <a14:useLocalDpi xmlns:a14="http://schemas.microsoft.com/office/drawing/2010/main" val="0"/>
+              </a:ext>
+            </a:extLst>
+          </a:blip>
+          <a:srcRect/>
+          <a:stretch>
+            <a:fillRect/>
+          </a:stretch>
+        </p:blipFill>
+        <p:spPr bwMode="auto">
+          <a:xfrm>
+            <a:off x="2985476" y="1499873"/>
+            <a:ext cx="6096000" cy="4572000"/>
+          </a:xfrm>
+          <a:prstGeom prst="rect">
+            <a:avLst/>
+          </a:prstGeom>
+          <a:noFill/>
+          <a:extLst>
+            <a:ext uri="{909E8E84-426E-40DD-AFC4-6F175D3DCCD1}">
+              <a14:hiddenFill xmlns:a14="http://schemas.microsoft.com/office/drawing/2010/main">
+                <a:solidFill>
+                  <a:srgbClr val="FFFFFF"/>
+                </a:solidFill>
+              </a14:hiddenFill>
+            </a:ext>
+          </a:extLst>
+        </p:spPr>
+      </p:pic>
+      <p:sp>
+        <p:nvSpPr>
+          <p:cNvPr id="4" name="TextBox 3">
+            <a:extLst>
+              <a:ext uri="{FF2B5EF4-FFF2-40B4-BE49-F238E27FC236}">
+                <a16:creationId xmlns:a16="http://schemas.microsoft.com/office/drawing/2014/main" id="{02918FCB-79A8-4038-A7AB-97C23E44C036}"/>
+              </a:ext>
+            </a:extLst>
+          </p:cNvPr>
+          <p:cNvSpPr txBox="1"/>
+          <p:nvPr/>
+        </p:nvSpPr>
+        <p:spPr>
+          <a:xfrm>
+            <a:off x="15000" y="6059417"/>
+            <a:ext cx="6260753" cy="646331"/>
+          </a:xfrm>
+          <a:prstGeom prst="rect">
+            <a:avLst/>
+          </a:prstGeom>
+          <a:noFill/>
+        </p:spPr>
+        <p:txBody>
+          <a:bodyPr wrap="none" rtlCol="0">
+            <a:spAutoFit/>
+          </a:bodyPr>
+          <a:lstStyle/>
+          <a:p>
+            <a:r>
+              <a:rPr lang="en-US" dirty="0"/>
+              <a:t>Used with permission from Microsoft, see</a:t>
+            </a:r>
+          </a:p>
+          <a:p>
+            <a:r>
+              <a:rPr lang="en-US" dirty="0"/>
+              <a:t>https://en.wikipedia.org/wiki/File:Windows_95_at_first_run.png</a:t>
+            </a:r>
+          </a:p>
+        </p:txBody>
+      </p:sp>
+    </p:spTree>
+    <p:extLst>
+      <p:ext uri="{BB962C8B-B14F-4D97-AF65-F5344CB8AC3E}">
+        <p14:creationId xmlns:p14="http://schemas.microsoft.com/office/powerpoint/2010/main" val="2031036876"/>
+      </p:ext>
+    </p:extLst>
+  </p:cSld>
+  <p:clrMapOvr>
+    <a:masterClrMapping/>
+  </p:clrMapOvr>
+</p:sld>
+</file>
+
+<file path=ppt/slides/slide6.xml><?xml version="1.0" encoding="utf-8"?>
+<p:sld xmlns:a="http://schemas.openxmlformats.org/drawingml/2006/main" xmlns:r="http://schemas.openxmlformats.org/officeDocument/2006/relationships" xmlns:p="http://schemas.openxmlformats.org/presentationml/2006/main">
+  <p:cSld>
+    <p:spTree>
+      <p:nvGrpSpPr>
+        <p:cNvPr id="1" name=""/>
+        <p:cNvGrpSpPr/>
+        <p:nvPr/>
+      </p:nvGrpSpPr>
+      <p:grpSpPr>
+        <a:xfrm>
+          <a:off x="0" y="0"/>
+          <a:ext cx="0" cy="0"/>
+          <a:chOff x="0" y="0"/>
+          <a:chExt cx="0" cy="0"/>
+        </a:xfrm>
+      </p:grpSpPr>
+      <p:sp>
+        <p:nvSpPr>
+          <p:cNvPr id="2" name="Title 1">
+            <a:extLst>
+              <a:ext uri="{FF2B5EF4-FFF2-40B4-BE49-F238E27FC236}">
+                <a16:creationId xmlns:a16="http://schemas.microsoft.com/office/drawing/2014/main" id="{E2F8E668-0984-4557-8797-F20E84B95030}"/>
+              </a:ext>
+            </a:extLst>
+          </p:cNvPr>
+          <p:cNvSpPr>
+            <a:spLocks noGrp="1"/>
+          </p:cNvSpPr>
+          <p:nvPr>
+            <p:ph type="title"/>
+          </p:nvPr>
+        </p:nvSpPr>
+        <p:spPr/>
+        <p:txBody>
+          <a:bodyPr/>
+          <a:lstStyle/>
+          <a:p>
+            <a:r>
+              <a:rPr lang="en-US" dirty="0"/>
+              <a:t>1995</a:t>
+            </a:r>
+          </a:p>
+        </p:txBody>
+      </p:sp>
+      <p:pic>
+        <p:nvPicPr>
+          <p:cNvPr id="5" name="Content Placeholder 4" descr="A person looking at the camera&#10;&#10;Description automatically generated">
+            <a:extLst>
+              <a:ext uri="{FF2B5EF4-FFF2-40B4-BE49-F238E27FC236}">
+                <a16:creationId xmlns:a16="http://schemas.microsoft.com/office/drawing/2014/main" id="{0CE529E9-D0AD-48A0-8A56-8EB0236D9D72}"/>
+              </a:ext>
+            </a:extLst>
+          </p:cNvPr>
+          <p:cNvPicPr>
+            <a:picLocks noGrp="1" noChangeAspect="1"/>
+          </p:cNvPicPr>
+          <p:nvPr>
+            <p:ph idx="1"/>
+          </p:nvPr>
+        </p:nvPicPr>
+        <p:blipFill>
+          <a:blip r:embed="rId2">
+            <a:extLst>
+              <a:ext uri="{28A0092B-C50C-407E-A947-70E740481C1C}">
+                <a14:useLocalDpi xmlns:a14="http://schemas.microsoft.com/office/drawing/2010/main" val="0"/>
+              </a:ext>
+            </a:extLst>
+          </a:blip>
+          <a:stretch>
+            <a:fillRect/>
+          </a:stretch>
+        </p:blipFill>
+        <p:spPr>
+          <a:xfrm>
+            <a:off x="4143631" y="365125"/>
+            <a:ext cx="3714407" cy="5632008"/>
+          </a:xfrm>
+        </p:spPr>
+      </p:pic>
+      <p:sp>
+        <p:nvSpPr>
+          <p:cNvPr id="7" name="TextBox 6">
+            <a:extLst>
+              <a:ext uri="{FF2B5EF4-FFF2-40B4-BE49-F238E27FC236}">
+                <a16:creationId xmlns:a16="http://schemas.microsoft.com/office/drawing/2014/main" id="{743107A1-0C89-45E2-863F-5EB1A99A0EDF}"/>
+              </a:ext>
+            </a:extLst>
+          </p:cNvPr>
+          <p:cNvSpPr txBox="1"/>
+          <p:nvPr/>
+        </p:nvSpPr>
+        <p:spPr>
+          <a:xfrm>
+            <a:off x="233651" y="6114424"/>
+            <a:ext cx="8613364" cy="646331"/>
+          </a:xfrm>
+          <a:prstGeom prst="rect">
+            <a:avLst/>
+          </a:prstGeom>
+          <a:noFill/>
+        </p:spPr>
+        <p:txBody>
+          <a:bodyPr wrap="square">
+            <a:spAutoFit/>
+          </a:bodyPr>
+          <a:lstStyle/>
+          <a:p>
+            <a:r>
+              <a:rPr lang="en-US" dirty="0"/>
+              <a:t>By Peter K. Levy from New York, NY, United States - George Sand, Public Domain, https://commons.wikimedia.org/w/index.php?curid=61075827</a:t>
+            </a:r>
+          </a:p>
+        </p:txBody>
+      </p:sp>
+    </p:spTree>
+    <p:extLst>
+      <p:ext uri="{BB962C8B-B14F-4D97-AF65-F5344CB8AC3E}">
+        <p14:creationId xmlns:p14="http://schemas.microsoft.com/office/powerpoint/2010/main" val="2686312804"/>
+      </p:ext>
+    </p:extLst>
+  </p:cSld>
+  <p:clrMapOvr>
+    <a:masterClrMapping/>
+  </p:clrMapOvr>
+</p:sld>
+</file>
+
+<file path=ppt/slides/slide7.xml><?xml version="1.0" encoding="utf-8"?>
+<p:sld xmlns:a="http://schemas.openxmlformats.org/drawingml/2006/main" xmlns:r="http://schemas.openxmlformats.org/officeDocument/2006/relationships" xmlns:p="http://schemas.openxmlformats.org/presentationml/2006/main">
+  <p:cSld>
+    <p:spTree>
+      <p:nvGrpSpPr>
+        <p:cNvPr id="1" name=""/>
+        <p:cNvGrpSpPr/>
+        <p:nvPr/>
+      </p:nvGrpSpPr>
+      <p:grpSpPr>
+        <a:xfrm>
+          <a:off x="0" y="0"/>
+          <a:ext cx="0" cy="0"/>
+          <a:chOff x="0" y="0"/>
+          <a:chExt cx="0" cy="0"/>
+        </a:xfrm>
+      </p:grpSpPr>
+      <p:sp>
+        <p:nvSpPr>
+          <p:cNvPr id="2" name="Title 1">
+            <a:extLst>
+              <a:ext uri="{FF2B5EF4-FFF2-40B4-BE49-F238E27FC236}">
+                <a16:creationId xmlns:a16="http://schemas.microsoft.com/office/drawing/2014/main" id="{A04D3BD4-8C3C-4F8D-BD54-18D42EF8392D}"/>
+              </a:ext>
+            </a:extLst>
+          </p:cNvPr>
+          <p:cNvSpPr>
+            <a:spLocks noGrp="1"/>
+          </p:cNvSpPr>
+          <p:nvPr>
+            <p:ph type="title"/>
+          </p:nvPr>
+        </p:nvSpPr>
+        <p:spPr/>
+        <p:txBody>
+          <a:bodyPr/>
+          <a:lstStyle/>
+          <a:p>
+            <a:r>
+              <a:rPr lang="en-US" dirty="0"/>
+              <a:t>1995: Netscape Navigator</a:t>
+            </a:r>
+          </a:p>
+        </p:txBody>
+      </p:sp>
+      <p:sp>
+        <p:nvSpPr>
+          <p:cNvPr id="3" name="Content Placeholder 2">
+            <a:extLst>
+              <a:ext uri="{FF2B5EF4-FFF2-40B4-BE49-F238E27FC236}">
+                <a16:creationId xmlns:a16="http://schemas.microsoft.com/office/drawing/2014/main" id="{4151C68E-8025-4607-81F9-F18E884A7D56}"/>
+              </a:ext>
+            </a:extLst>
+          </p:cNvPr>
+          <p:cNvSpPr>
+            <a:spLocks noGrp="1"/>
+          </p:cNvSpPr>
+          <p:nvPr>
+            <p:ph idx="1"/>
+          </p:nvPr>
+        </p:nvSpPr>
+        <p:spPr/>
+        <p:txBody>
+          <a:bodyPr/>
+          <a:lstStyle/>
+          <a:p>
+            <a:endParaRPr lang="en-US" dirty="0"/>
+          </a:p>
+        </p:txBody>
+      </p:sp>
+      <p:pic>
+        <p:nvPicPr>
+          <p:cNvPr id="4098" name="Picture 2">
+            <a:extLst>
+              <a:ext uri="{FF2B5EF4-FFF2-40B4-BE49-F238E27FC236}">
+                <a16:creationId xmlns:a16="http://schemas.microsoft.com/office/drawing/2014/main" id="{FD46603F-C203-49BA-AB8C-7190CE87B2D1}"/>
+              </a:ext>
+            </a:extLst>
+          </p:cNvPr>
+          <p:cNvPicPr>
+            <a:picLocks noChangeAspect="1" noChangeArrowheads="1"/>
+          </p:cNvPicPr>
+          <p:nvPr/>
+        </p:nvPicPr>
+        <p:blipFill>
+          <a:blip r:embed="rId2">
+            <a:extLst>
+              <a:ext uri="{28A0092B-C50C-407E-A947-70E740481C1C}">
+                <a14:useLocalDpi xmlns:a14="http://schemas.microsoft.com/office/drawing/2010/main" val="0"/>
+              </a:ext>
+            </a:extLst>
+          </a:blip>
+          <a:srcRect/>
+          <a:stretch>
+            <a:fillRect/>
+          </a:stretch>
+        </p:blipFill>
+        <p:spPr bwMode="auto">
+          <a:xfrm>
+            <a:off x="3561303" y="1493837"/>
+            <a:ext cx="5069393" cy="4178232"/>
+          </a:xfrm>
+          <a:prstGeom prst="rect">
+            <a:avLst/>
+          </a:prstGeom>
+          <a:noFill/>
+          <a:extLst>
+            <a:ext uri="{909E8E84-426E-40DD-AFC4-6F175D3DCCD1}">
+              <a14:hiddenFill xmlns:a14="http://schemas.microsoft.com/office/drawing/2010/main">
+                <a:solidFill>
+                  <a:srgbClr val="FFFFFF"/>
+                </a:solidFill>
+              </a14:hiddenFill>
+            </a:ext>
+          </a:extLst>
+        </p:spPr>
+      </p:pic>
+      <p:sp>
+        <p:nvSpPr>
+          <p:cNvPr id="6" name="TextBox 5">
+            <a:extLst>
+              <a:ext uri="{FF2B5EF4-FFF2-40B4-BE49-F238E27FC236}">
+                <a16:creationId xmlns:a16="http://schemas.microsoft.com/office/drawing/2014/main" id="{9215AD67-10AF-4CA2-A9A5-2F210DCDB3D4}"/>
+              </a:ext>
+            </a:extLst>
+          </p:cNvPr>
+          <p:cNvSpPr txBox="1"/>
+          <p:nvPr/>
+        </p:nvSpPr>
+        <p:spPr>
+          <a:xfrm>
+            <a:off x="319619" y="5942568"/>
+            <a:ext cx="6094378" cy="646331"/>
+          </a:xfrm>
+          <a:prstGeom prst="rect">
+            <a:avLst/>
+          </a:prstGeom>
+          <a:noFill/>
+        </p:spPr>
+        <p:txBody>
+          <a:bodyPr wrap="square">
+            <a:spAutoFit/>
+          </a:bodyPr>
+          <a:lstStyle/>
+          <a:p>
+            <a:r>
+              <a:rPr lang="en-US" dirty="0"/>
+              <a:t>Copyrighted Image. For fair use rationale, see:</a:t>
+            </a:r>
+          </a:p>
+          <a:p>
+            <a:r>
+              <a:rPr lang="en-US" dirty="0"/>
+              <a:t>https://en.wikipedia.org/wiki/File:Navigator_1-22.png</a:t>
+            </a:r>
+          </a:p>
+        </p:txBody>
+      </p:sp>
+    </p:spTree>
+    <p:extLst>
+      <p:ext uri="{BB962C8B-B14F-4D97-AF65-F5344CB8AC3E}">
+        <p14:creationId xmlns:p14="http://schemas.microsoft.com/office/powerpoint/2010/main" val="4167368749"/>
+      </p:ext>
+    </p:extLst>
+  </p:cSld>
+  <p:clrMapOvr>
+    <a:masterClrMapping/>
+  </p:clrMapOvr>
+</p:sld>
+</file>
+
+<file path=ppt/slides/slide8.xml><?xml version="1.0" encoding="utf-8"?>
+<p:sld xmlns:a="http://schemas.openxmlformats.org/drawingml/2006/main" xmlns:r="http://schemas.openxmlformats.org/officeDocument/2006/relationships" xmlns:p="http://schemas.openxmlformats.org/presentationml/2006/main">
+  <p:cSld>
+    <p:spTree>
+      <p:nvGrpSpPr>
+        <p:cNvPr id="1" name=""/>
+        <p:cNvGrpSpPr/>
+        <p:nvPr/>
+      </p:nvGrpSpPr>
+      <p:grpSpPr>
+        <a:xfrm>
+          <a:off x="0" y="0"/>
+          <a:ext cx="0" cy="0"/>
+          <a:chOff x="0" y="0"/>
+          <a:chExt cx="0" cy="0"/>
+        </a:xfrm>
+      </p:grpSpPr>
+      <p:sp>
+        <p:nvSpPr>
+          <p:cNvPr id="2" name="Rectangle 1" hidden="1">
+            <a:extLst>
+              <a:ext uri="{FF2B5EF4-FFF2-40B4-BE49-F238E27FC236}">
+                <a16:creationId xmlns:a16="http://schemas.microsoft.com/office/drawing/2014/main" id="{5CCCBFA1-FDCD-4E57-81CE-6E0F8D7901BF}"/>
+              </a:ext>
+            </a:extLst>
+          </p:cNvPr>
+          <p:cNvSpPr/>
+          <p:nvPr/>
+        </p:nvSpPr>
+        <p:spPr>
+          <a:xfrm>
+            <a:off x="0" y="0"/>
+            <a:ext cx="12192000" cy="6858000"/>
+          </a:xfrm>
+          <a:prstGeom prst="rect">
+            <a:avLst/>
+          </a:prstGeom>
+          <a:solidFill>
+            <a:schemeClr val="bg1"/>
+          </a:solidFill>
+          <a:ln>
+            <a:noFill/>
+          </a:ln>
+        </p:spPr>
+        <p:style>
+          <a:lnRef idx="2">
+            <a:schemeClr val="accent1">
+              <a:shade val="50000"/>
+            </a:schemeClr>
+          </a:lnRef>
+          <a:fillRef idx="1">
+            <a:schemeClr val="accent1"/>
+          </a:fillRef>
+          <a:effectRef idx="0">
+            <a:schemeClr val="accent1"/>
+          </a:effectRef>
+          <a:fontRef idx="minor">
+            <a:schemeClr val="lt1"/>
+          </a:fontRef>
+        </p:style>
+        <p:txBody>
+          <a:bodyPr rtlCol="0" anchor="ctr"/>
+          <a:lstStyle/>
+          <a:p>
+            <a:pPr algn="ctr"/>
+            <a:endParaRPr lang="en-US" dirty="0"/>
+          </a:p>
+        </p:txBody>
+      </p:sp>
+      <p:pic>
+        <p:nvPicPr>
+          <p:cNvPr id="34" name="Content Placeholder 6" descr="A pizza sitting on top of a table&#10;&#10;Description automatically generated">
+            <a:extLst>
+              <a:ext uri="{FF2B5EF4-FFF2-40B4-BE49-F238E27FC236}">
+                <a16:creationId xmlns:a16="http://schemas.microsoft.com/office/drawing/2014/main" id="{A373EEF2-CC50-45A6-A46E-466F30E461AF}"/>
+              </a:ext>
+            </a:extLst>
+          </p:cNvPr>
+          <p:cNvPicPr>
+            <a:picLocks noChangeAspect="1"/>
+          </p:cNvPicPr>
+          <p:nvPr/>
+        </p:nvPicPr>
+        <p:blipFill>
+          <a:blip r:embed="rId2">
+            <a:extLst>
+              <a:ext uri="{28A0092B-C50C-407E-A947-70E740481C1C}">
+                <a14:useLocalDpi xmlns:a14="http://schemas.microsoft.com/office/drawing/2010/main" val="0"/>
+              </a:ext>
+            </a:extLst>
+          </a:blip>
+          <a:stretch>
+            <a:fillRect/>
+          </a:stretch>
+        </p:blipFill>
+        <p:spPr>
+          <a:xfrm>
+            <a:off x="2832496" y="1825625"/>
+            <a:ext cx="6527007" cy="4351338"/>
+          </a:xfrm>
+          <a:prstGeom prst="rect">
+            <a:avLst/>
+          </a:prstGeom>
+        </p:spPr>
+      </p:pic>
+      <p:cxnSp>
+        <p:nvCxnSpPr>
+          <p:cNvPr id="5" name="Straight Connector 4">
+            <a:extLst>
+              <a:ext uri="{FF2B5EF4-FFF2-40B4-BE49-F238E27FC236}">
+                <a16:creationId xmlns:a16="http://schemas.microsoft.com/office/drawing/2014/main" id="{137595DA-6D53-45A0-9254-830836053E7D}"/>
+              </a:ext>
+            </a:extLst>
+          </p:cNvPr>
+          <p:cNvCxnSpPr/>
+          <p:nvPr/>
+        </p:nvCxnSpPr>
+        <p:spPr>
+          <a:xfrm>
+            <a:off x="609600" y="2892819"/>
+            <a:ext cx="2057400" cy="0"/>
+          </a:xfrm>
+          <a:prstGeom prst="line">
+            <a:avLst/>
+          </a:prstGeom>
+          <a:ln cap="rnd"/>
+        </p:spPr>
+        <p:style>
+          <a:lnRef idx="3">
+            <a:schemeClr val="accent6"/>
+          </a:lnRef>
+          <a:fillRef idx="0">
+            <a:schemeClr val="accent6"/>
+          </a:fillRef>
+          <a:effectRef idx="2">
+            <a:schemeClr val="accent6"/>
+          </a:effectRef>
+          <a:fontRef idx="minor">
+            <a:schemeClr val="tx1"/>
+          </a:fontRef>
+        </p:style>
+      </p:cxnSp>
+      <p:cxnSp>
+        <p:nvCxnSpPr>
+          <p:cNvPr id="10" name="Straight Connector 9">
+            <a:extLst>
+              <a:ext uri="{FF2B5EF4-FFF2-40B4-BE49-F238E27FC236}">
+                <a16:creationId xmlns:a16="http://schemas.microsoft.com/office/drawing/2014/main" id="{919ADC1C-0558-439F-A333-9AA3CEA1B859}"/>
+              </a:ext>
+            </a:extLst>
+          </p:cNvPr>
+          <p:cNvCxnSpPr>
+            <a:cxnSpLocks/>
+          </p:cNvCxnSpPr>
+          <p:nvPr/>
+        </p:nvCxnSpPr>
+        <p:spPr>
+          <a:xfrm>
+            <a:off x="2667000" y="2892819"/>
+            <a:ext cx="995363" cy="476250"/>
+          </a:xfrm>
+          <a:prstGeom prst="line">
+            <a:avLst/>
+          </a:prstGeom>
+          <a:ln cap="rnd"/>
+        </p:spPr>
+        <p:style>
+          <a:lnRef idx="3">
+            <a:schemeClr val="accent6"/>
+          </a:lnRef>
+          <a:fillRef idx="0">
+            <a:schemeClr val="accent6"/>
+          </a:fillRef>
+          <a:effectRef idx="2">
+            <a:schemeClr val="accent6"/>
+          </a:effectRef>
+          <a:fontRef idx="minor">
+            <a:schemeClr val="tx1"/>
+          </a:fontRef>
+        </p:style>
+      </p:cxnSp>
+      <p:sp>
+        <p:nvSpPr>
+          <p:cNvPr id="11" name="Oval 10">
+            <a:extLst>
+              <a:ext uri="{FF2B5EF4-FFF2-40B4-BE49-F238E27FC236}">
+                <a16:creationId xmlns:a16="http://schemas.microsoft.com/office/drawing/2014/main" id="{B8162159-F990-4B83-B1ED-B71983DC26AC}"/>
+              </a:ext>
+            </a:extLst>
+          </p:cNvPr>
+          <p:cNvSpPr/>
+          <p:nvPr/>
+        </p:nvSpPr>
+        <p:spPr>
+          <a:xfrm>
+            <a:off x="3579199" y="3283345"/>
+            <a:ext cx="133350" cy="133350"/>
+          </a:xfrm>
+          <a:prstGeom prst="ellipse">
+            <a:avLst/>
+          </a:prstGeom>
+        </p:spPr>
+        <p:style>
+          <a:lnRef idx="2">
+            <a:schemeClr val="accent6"/>
+          </a:lnRef>
+          <a:fillRef idx="1">
+            <a:schemeClr val="lt1"/>
+          </a:fillRef>
+          <a:effectRef idx="0">
+            <a:schemeClr val="accent6"/>
+          </a:effectRef>
+          <a:fontRef idx="minor">
+            <a:schemeClr val="dk1"/>
+          </a:fontRef>
+        </p:style>
+        <p:txBody>
+          <a:bodyPr rtlCol="0" anchor="ctr"/>
+          <a:lstStyle/>
+          <a:p>
+            <a:pPr algn="ctr"/>
+            <a:endParaRPr lang="en-US" dirty="0"/>
+          </a:p>
+        </p:txBody>
+      </p:sp>
+      <p:sp>
+        <p:nvSpPr>
+          <p:cNvPr id="12" name="TextBox 11">
+            <a:extLst>
+              <a:ext uri="{FF2B5EF4-FFF2-40B4-BE49-F238E27FC236}">
+                <a16:creationId xmlns:a16="http://schemas.microsoft.com/office/drawing/2014/main" id="{2F21B15B-18F0-404B-A4D9-CF02D6672999}"/>
+              </a:ext>
+            </a:extLst>
+          </p:cNvPr>
+          <p:cNvSpPr txBox="1"/>
+          <p:nvPr/>
+        </p:nvSpPr>
+        <p:spPr>
+          <a:xfrm>
+            <a:off x="523876" y="2523487"/>
+            <a:ext cx="2179123" cy="369332"/>
+          </a:xfrm>
+          <a:prstGeom prst="rect">
+            <a:avLst/>
+          </a:prstGeom>
+          <a:noFill/>
+        </p:spPr>
+        <p:txBody>
+          <a:bodyPr wrap="none" rtlCol="0">
+            <a:spAutoFit/>
+          </a:bodyPr>
+          <a:lstStyle/>
+          <a:p>
+            <a:r>
+              <a:rPr lang="en-US" dirty="0">
+                <a:solidFill>
+                  <a:schemeClr val="accent6">
+                    <a:lumMod val="75000"/>
+                  </a:schemeClr>
+                </a:solidFill>
+              </a:rPr>
+              <a:t>We Don’t Eat the Box</a:t>
+            </a:r>
+          </a:p>
+        </p:txBody>
+      </p:sp>
+      <p:sp>
+        <p:nvSpPr>
+          <p:cNvPr id="13" name="TextBox 12">
+            <a:extLst>
+              <a:ext uri="{FF2B5EF4-FFF2-40B4-BE49-F238E27FC236}">
+                <a16:creationId xmlns:a16="http://schemas.microsoft.com/office/drawing/2014/main" id="{EEE27833-6AE7-4490-ACA8-634D7BF527E7}"/>
+              </a:ext>
+            </a:extLst>
+          </p:cNvPr>
+          <p:cNvSpPr txBox="1"/>
+          <p:nvPr/>
+        </p:nvSpPr>
+        <p:spPr>
+          <a:xfrm>
+            <a:off x="523876" y="2955030"/>
+            <a:ext cx="1514517" cy="369332"/>
+          </a:xfrm>
+          <a:prstGeom prst="rect">
+            <a:avLst/>
+          </a:prstGeom>
+          <a:noFill/>
+        </p:spPr>
+        <p:txBody>
+          <a:bodyPr wrap="none" rtlCol="0">
+            <a:spAutoFit/>
+          </a:bodyPr>
+          <a:lstStyle/>
+          <a:p>
+            <a:r>
+              <a:rPr lang="en-US" dirty="0"/>
+              <a:t>It’s disgusting.</a:t>
+            </a:r>
+          </a:p>
+        </p:txBody>
+      </p:sp>
+      <p:cxnSp>
+        <p:nvCxnSpPr>
+          <p:cNvPr id="15" name="Straight Connector 14">
+            <a:extLst>
+              <a:ext uri="{FF2B5EF4-FFF2-40B4-BE49-F238E27FC236}">
+                <a16:creationId xmlns:a16="http://schemas.microsoft.com/office/drawing/2014/main" id="{3EF40E82-75AF-4C36-BE82-CD0B838F564A}"/>
+              </a:ext>
+            </a:extLst>
+          </p:cNvPr>
+          <p:cNvCxnSpPr>
+            <a:cxnSpLocks/>
+          </p:cNvCxnSpPr>
+          <p:nvPr/>
+        </p:nvCxnSpPr>
+        <p:spPr>
+          <a:xfrm flipV="1">
+            <a:off x="1212916" y="4325905"/>
+            <a:ext cx="1966913" cy="14287"/>
+          </a:xfrm>
+          <a:prstGeom prst="line">
+            <a:avLst/>
+          </a:prstGeom>
+          <a:ln cap="rnd"/>
+        </p:spPr>
+        <p:style>
+          <a:lnRef idx="3">
+            <a:schemeClr val="accent6"/>
+          </a:lnRef>
+          <a:fillRef idx="0">
+            <a:schemeClr val="accent6"/>
+          </a:fillRef>
+          <a:effectRef idx="2">
+            <a:schemeClr val="accent6"/>
+          </a:effectRef>
+          <a:fontRef idx="minor">
+            <a:schemeClr val="tx1"/>
+          </a:fontRef>
+        </p:style>
+      </p:cxnSp>
+      <p:cxnSp>
+        <p:nvCxnSpPr>
+          <p:cNvPr id="16" name="Straight Connector 15">
+            <a:extLst>
+              <a:ext uri="{FF2B5EF4-FFF2-40B4-BE49-F238E27FC236}">
+                <a16:creationId xmlns:a16="http://schemas.microsoft.com/office/drawing/2014/main" id="{BD704978-A488-43B5-8D13-A641FA7B8F5F}"/>
+              </a:ext>
+            </a:extLst>
+          </p:cNvPr>
+          <p:cNvCxnSpPr>
+            <a:cxnSpLocks/>
+          </p:cNvCxnSpPr>
+          <p:nvPr/>
+        </p:nvCxnSpPr>
+        <p:spPr>
+          <a:xfrm flipV="1">
+            <a:off x="3179829" y="4042297"/>
+            <a:ext cx="1622412" cy="285751"/>
+          </a:xfrm>
+          <a:prstGeom prst="line">
+            <a:avLst/>
+          </a:prstGeom>
+          <a:ln cap="rnd"/>
+        </p:spPr>
+        <p:style>
+          <a:lnRef idx="3">
+            <a:schemeClr val="accent6"/>
+          </a:lnRef>
+          <a:fillRef idx="0">
+            <a:schemeClr val="accent6"/>
+          </a:fillRef>
+          <a:effectRef idx="2">
+            <a:schemeClr val="accent6"/>
+          </a:effectRef>
+          <a:fontRef idx="minor">
+            <a:schemeClr val="tx1"/>
+          </a:fontRef>
+        </p:style>
+      </p:cxnSp>
+      <p:sp>
+        <p:nvSpPr>
+          <p:cNvPr id="17" name="Oval 16">
+            <a:extLst>
+              <a:ext uri="{FF2B5EF4-FFF2-40B4-BE49-F238E27FC236}">
+                <a16:creationId xmlns:a16="http://schemas.microsoft.com/office/drawing/2014/main" id="{FB49C377-E263-47FC-9ECC-AF19F9C12794}"/>
+              </a:ext>
+            </a:extLst>
+          </p:cNvPr>
+          <p:cNvSpPr/>
+          <p:nvPr/>
+        </p:nvSpPr>
+        <p:spPr>
+          <a:xfrm>
+            <a:off x="4728243" y="3954429"/>
+            <a:ext cx="133350" cy="133350"/>
+          </a:xfrm>
+          <a:prstGeom prst="ellipse">
+            <a:avLst/>
+          </a:prstGeom>
+        </p:spPr>
+        <p:style>
+          <a:lnRef idx="2">
+            <a:schemeClr val="accent6"/>
+          </a:lnRef>
+          <a:fillRef idx="1">
+            <a:schemeClr val="lt1"/>
+          </a:fillRef>
+          <a:effectRef idx="0">
+            <a:schemeClr val="accent6"/>
+          </a:effectRef>
+          <a:fontRef idx="minor">
+            <a:schemeClr val="dk1"/>
+          </a:fontRef>
+        </p:style>
+        <p:txBody>
+          <a:bodyPr rtlCol="0" anchor="ctr"/>
+          <a:lstStyle/>
+          <a:p>
+            <a:pPr algn="ctr"/>
+            <a:endParaRPr lang="en-US" dirty="0"/>
+          </a:p>
+        </p:txBody>
+      </p:sp>
+      <p:sp>
+        <p:nvSpPr>
+          <p:cNvPr id="18" name="TextBox 17">
+            <a:extLst>
+              <a:ext uri="{FF2B5EF4-FFF2-40B4-BE49-F238E27FC236}">
+                <a16:creationId xmlns:a16="http://schemas.microsoft.com/office/drawing/2014/main" id="{6DB2D5B6-174D-4FD1-BD9D-A9A150032FE9}"/>
+              </a:ext>
+            </a:extLst>
+          </p:cNvPr>
+          <p:cNvSpPr txBox="1"/>
+          <p:nvPr/>
+        </p:nvSpPr>
+        <p:spPr>
+          <a:xfrm>
+            <a:off x="1122429" y="3970860"/>
+            <a:ext cx="1357423" cy="369332"/>
+          </a:xfrm>
+          <a:prstGeom prst="rect">
+            <a:avLst/>
+          </a:prstGeom>
+          <a:noFill/>
+        </p:spPr>
+        <p:txBody>
+          <a:bodyPr wrap="none" rtlCol="0">
+            <a:spAutoFit/>
+          </a:bodyPr>
+          <a:lstStyle/>
+          <a:p>
+            <a:r>
+              <a:rPr lang="en-US" dirty="0">
+                <a:solidFill>
+                  <a:schemeClr val="accent6">
+                    <a:lumMod val="75000"/>
+                  </a:schemeClr>
+                </a:solidFill>
+              </a:rPr>
+              <a:t>We Eat Pizza</a:t>
+            </a:r>
+          </a:p>
+        </p:txBody>
+      </p:sp>
+      <p:sp>
+        <p:nvSpPr>
+          <p:cNvPr id="21" name="TextBox 20">
+            <a:extLst>
+              <a:ext uri="{FF2B5EF4-FFF2-40B4-BE49-F238E27FC236}">
+                <a16:creationId xmlns:a16="http://schemas.microsoft.com/office/drawing/2014/main" id="{DC718CB7-F8D1-4195-901B-86FD1D2BB6E0}"/>
+              </a:ext>
+            </a:extLst>
+          </p:cNvPr>
+          <p:cNvSpPr txBox="1"/>
+          <p:nvPr/>
+        </p:nvSpPr>
+        <p:spPr>
+          <a:xfrm>
+            <a:off x="1127192" y="4340192"/>
+            <a:ext cx="1575807" cy="1200329"/>
+          </a:xfrm>
+          <a:prstGeom prst="rect">
+            <a:avLst/>
+          </a:prstGeom>
+          <a:noFill/>
+        </p:spPr>
+        <p:txBody>
+          <a:bodyPr wrap="square" rtlCol="0">
+            <a:spAutoFit/>
+          </a:bodyPr>
+          <a:lstStyle/>
+          <a:p>
+            <a:r>
+              <a:rPr lang="en-US" dirty="0"/>
+              <a:t>But without the box, the pizzas would be disgusting.</a:t>
+            </a:r>
+          </a:p>
+        </p:txBody>
+      </p:sp>
+      <p:cxnSp>
+        <p:nvCxnSpPr>
+          <p:cNvPr id="22" name="Straight Connector 21">
+            <a:extLst>
+              <a:ext uri="{FF2B5EF4-FFF2-40B4-BE49-F238E27FC236}">
+                <a16:creationId xmlns:a16="http://schemas.microsoft.com/office/drawing/2014/main" id="{281F65D4-8811-4C7C-9370-9FFB690657BE}"/>
+              </a:ext>
+            </a:extLst>
+          </p:cNvPr>
+          <p:cNvCxnSpPr>
+            <a:cxnSpLocks/>
+          </p:cNvCxnSpPr>
+          <p:nvPr/>
+        </p:nvCxnSpPr>
+        <p:spPr>
+          <a:xfrm flipH="1">
+            <a:off x="9463088" y="4680982"/>
+            <a:ext cx="1104900" cy="1"/>
+          </a:xfrm>
+          <a:prstGeom prst="line">
+            <a:avLst/>
+          </a:prstGeom>
+          <a:ln cap="rnd"/>
+        </p:spPr>
+        <p:style>
+          <a:lnRef idx="3">
+            <a:schemeClr val="accent6"/>
+          </a:lnRef>
+          <a:fillRef idx="0">
+            <a:schemeClr val="accent6"/>
+          </a:fillRef>
+          <a:effectRef idx="2">
+            <a:schemeClr val="accent6"/>
+          </a:effectRef>
+          <a:fontRef idx="minor">
+            <a:schemeClr val="tx1"/>
+          </a:fontRef>
+        </p:style>
+      </p:cxnSp>
+      <p:cxnSp>
+        <p:nvCxnSpPr>
+          <p:cNvPr id="23" name="Straight Connector 22">
+            <a:extLst>
+              <a:ext uri="{FF2B5EF4-FFF2-40B4-BE49-F238E27FC236}">
+                <a16:creationId xmlns:a16="http://schemas.microsoft.com/office/drawing/2014/main" id="{E0D3EF36-CFD1-4353-B6BE-50AEE339ED21}"/>
+              </a:ext>
+            </a:extLst>
+          </p:cNvPr>
+          <p:cNvCxnSpPr>
+            <a:cxnSpLocks/>
+            <a:endCxn id="24" idx="5"/>
+          </p:cNvCxnSpPr>
+          <p:nvPr/>
+        </p:nvCxnSpPr>
+        <p:spPr>
+          <a:xfrm flipH="1" flipV="1">
+            <a:off x="7857961" y="4505605"/>
+            <a:ext cx="1605127" cy="175377"/>
+          </a:xfrm>
+          <a:prstGeom prst="line">
+            <a:avLst/>
+          </a:prstGeom>
+          <a:ln cap="rnd"/>
+        </p:spPr>
+        <p:style>
+          <a:lnRef idx="3">
+            <a:schemeClr val="accent6"/>
+          </a:lnRef>
+          <a:fillRef idx="0">
+            <a:schemeClr val="accent6"/>
+          </a:fillRef>
+          <a:effectRef idx="2">
+            <a:schemeClr val="accent6"/>
+          </a:effectRef>
+          <a:fontRef idx="minor">
+            <a:schemeClr val="tx1"/>
+          </a:fontRef>
+        </p:style>
+      </p:cxnSp>
+      <p:sp>
+        <p:nvSpPr>
+          <p:cNvPr id="24" name="Oval 23">
+            <a:extLst>
+              <a:ext uri="{FF2B5EF4-FFF2-40B4-BE49-F238E27FC236}">
+                <a16:creationId xmlns:a16="http://schemas.microsoft.com/office/drawing/2014/main" id="{9442696C-9BC0-478B-9CA9-E9EE6FB12287}"/>
+              </a:ext>
+            </a:extLst>
+          </p:cNvPr>
+          <p:cNvSpPr/>
+          <p:nvPr/>
+        </p:nvSpPr>
+        <p:spPr>
+          <a:xfrm>
+            <a:off x="7744140" y="4391784"/>
+            <a:ext cx="133350" cy="133350"/>
+          </a:xfrm>
+          <a:prstGeom prst="ellipse">
+            <a:avLst/>
+          </a:prstGeom>
+        </p:spPr>
+        <p:style>
+          <a:lnRef idx="2">
+            <a:schemeClr val="accent6"/>
+          </a:lnRef>
+          <a:fillRef idx="1">
+            <a:schemeClr val="lt1"/>
+          </a:fillRef>
+          <a:effectRef idx="0">
+            <a:schemeClr val="accent6"/>
+          </a:effectRef>
+          <a:fontRef idx="minor">
+            <a:schemeClr val="dk1"/>
+          </a:fontRef>
+        </p:style>
+        <p:txBody>
+          <a:bodyPr rtlCol="0" anchor="ctr"/>
+          <a:lstStyle/>
+          <a:p>
+            <a:pPr algn="ctr"/>
+            <a:endParaRPr lang="en-US" dirty="0"/>
+          </a:p>
+        </p:txBody>
+      </p:sp>
+      <p:sp>
+        <p:nvSpPr>
+          <p:cNvPr id="25" name="TextBox 24">
+            <a:extLst>
+              <a:ext uri="{FF2B5EF4-FFF2-40B4-BE49-F238E27FC236}">
+                <a16:creationId xmlns:a16="http://schemas.microsoft.com/office/drawing/2014/main" id="{5FD8137D-08BF-449C-AE7B-0500735A5E83}"/>
+              </a:ext>
+            </a:extLst>
+          </p:cNvPr>
+          <p:cNvSpPr txBox="1"/>
+          <p:nvPr/>
+        </p:nvSpPr>
+        <p:spPr>
+          <a:xfrm>
+            <a:off x="9836642" y="4325937"/>
+            <a:ext cx="821828" cy="369332"/>
+          </a:xfrm>
+          <a:prstGeom prst="rect">
+            <a:avLst/>
+          </a:prstGeom>
+          <a:noFill/>
+        </p:spPr>
+        <p:txBody>
+          <a:bodyPr wrap="none" rtlCol="0">
+            <a:spAutoFit/>
+          </a:bodyPr>
+          <a:lstStyle/>
+          <a:p>
+            <a:r>
+              <a:rPr lang="en-US" dirty="0">
+                <a:solidFill>
+                  <a:schemeClr val="accent6">
+                    <a:lumMod val="75000"/>
+                  </a:schemeClr>
+                </a:solidFill>
+              </a:rPr>
+              <a:t>Details</a:t>
+            </a:r>
+          </a:p>
+        </p:txBody>
+      </p:sp>
+      <p:sp>
+        <p:nvSpPr>
+          <p:cNvPr id="26" name="TextBox 25">
+            <a:extLst>
+              <a:ext uri="{FF2B5EF4-FFF2-40B4-BE49-F238E27FC236}">
+                <a16:creationId xmlns:a16="http://schemas.microsoft.com/office/drawing/2014/main" id="{30D60AED-8345-4913-BD01-097112D373CB}"/>
+              </a:ext>
+            </a:extLst>
+          </p:cNvPr>
+          <p:cNvSpPr txBox="1"/>
+          <p:nvPr/>
+        </p:nvSpPr>
+        <p:spPr>
+          <a:xfrm>
+            <a:off x="9524999" y="4693126"/>
+            <a:ext cx="1208490" cy="923330"/>
+          </a:xfrm>
+          <a:prstGeom prst="rect">
+            <a:avLst/>
+          </a:prstGeom>
+          <a:noFill/>
+        </p:spPr>
+        <p:txBody>
+          <a:bodyPr wrap="square" rtlCol="0">
+            <a:spAutoFit/>
+          </a:bodyPr>
+          <a:lstStyle/>
+          <a:p>
+            <a:pPr algn="r"/>
+            <a:r>
+              <a:rPr lang="en-US" dirty="0"/>
+              <a:t>Boxes tell us about the pizza</a:t>
+            </a:r>
+          </a:p>
+        </p:txBody>
+      </p:sp>
+      <p:cxnSp>
+        <p:nvCxnSpPr>
+          <p:cNvPr id="29" name="Straight Connector 28">
+            <a:extLst>
+              <a:ext uri="{FF2B5EF4-FFF2-40B4-BE49-F238E27FC236}">
+                <a16:creationId xmlns:a16="http://schemas.microsoft.com/office/drawing/2014/main" id="{019108DC-831E-4879-A640-53B4FCF9C7A9}"/>
+              </a:ext>
+            </a:extLst>
+          </p:cNvPr>
+          <p:cNvCxnSpPr>
+            <a:cxnSpLocks/>
+          </p:cNvCxnSpPr>
+          <p:nvPr/>
+        </p:nvCxnSpPr>
+        <p:spPr>
+          <a:xfrm flipH="1">
+            <a:off x="9282944" y="2150695"/>
+            <a:ext cx="1569266" cy="0"/>
+          </a:xfrm>
+          <a:prstGeom prst="line">
+            <a:avLst/>
+          </a:prstGeom>
+          <a:ln cap="rnd"/>
+        </p:spPr>
+        <p:style>
+          <a:lnRef idx="3">
+            <a:schemeClr val="accent6"/>
+          </a:lnRef>
+          <a:fillRef idx="0">
+            <a:schemeClr val="accent6"/>
+          </a:fillRef>
+          <a:effectRef idx="2">
+            <a:schemeClr val="accent6"/>
+          </a:effectRef>
+          <a:fontRef idx="minor">
+            <a:schemeClr val="tx1"/>
+          </a:fontRef>
+        </p:style>
+      </p:cxnSp>
+      <p:cxnSp>
+        <p:nvCxnSpPr>
+          <p:cNvPr id="30" name="Straight Connector 29">
+            <a:extLst>
+              <a:ext uri="{FF2B5EF4-FFF2-40B4-BE49-F238E27FC236}">
+                <a16:creationId xmlns:a16="http://schemas.microsoft.com/office/drawing/2014/main" id="{E7DB3AE7-E4CD-4EDA-8372-16564775FA28}"/>
+              </a:ext>
+            </a:extLst>
+          </p:cNvPr>
+          <p:cNvCxnSpPr>
+            <a:cxnSpLocks/>
+            <a:endCxn id="31" idx="6"/>
+          </p:cNvCxnSpPr>
+          <p:nvPr/>
+        </p:nvCxnSpPr>
+        <p:spPr>
+          <a:xfrm flipH="1">
+            <a:off x="8220183" y="2150695"/>
+            <a:ext cx="1079902" cy="115497"/>
+          </a:xfrm>
+          <a:prstGeom prst="line">
+            <a:avLst/>
+          </a:prstGeom>
+          <a:ln cap="rnd"/>
+        </p:spPr>
+        <p:style>
+          <a:lnRef idx="3">
+            <a:schemeClr val="accent6"/>
+          </a:lnRef>
+          <a:fillRef idx="0">
+            <a:schemeClr val="accent6"/>
+          </a:fillRef>
+          <a:effectRef idx="2">
+            <a:schemeClr val="accent6"/>
+          </a:effectRef>
+          <a:fontRef idx="minor">
+            <a:schemeClr val="tx1"/>
+          </a:fontRef>
+        </p:style>
+      </p:cxnSp>
+      <p:sp>
+        <p:nvSpPr>
+          <p:cNvPr id="31" name="Oval 30">
+            <a:extLst>
+              <a:ext uri="{FF2B5EF4-FFF2-40B4-BE49-F238E27FC236}">
+                <a16:creationId xmlns:a16="http://schemas.microsoft.com/office/drawing/2014/main" id="{6FFE47B9-57C8-4E04-91FB-14709991813A}"/>
+              </a:ext>
+            </a:extLst>
+          </p:cNvPr>
+          <p:cNvSpPr/>
+          <p:nvPr/>
+        </p:nvSpPr>
+        <p:spPr>
+          <a:xfrm>
+            <a:off x="8086833" y="2199517"/>
+            <a:ext cx="133350" cy="133350"/>
+          </a:xfrm>
+          <a:prstGeom prst="ellipse">
+            <a:avLst/>
+          </a:prstGeom>
+        </p:spPr>
+        <p:style>
+          <a:lnRef idx="2">
+            <a:schemeClr val="accent6"/>
+          </a:lnRef>
+          <a:fillRef idx="1">
+            <a:schemeClr val="lt1"/>
+          </a:fillRef>
+          <a:effectRef idx="0">
+            <a:schemeClr val="accent6"/>
+          </a:effectRef>
+          <a:fontRef idx="minor">
+            <a:schemeClr val="dk1"/>
+          </a:fontRef>
+        </p:style>
+        <p:txBody>
+          <a:bodyPr rtlCol="0" anchor="ctr"/>
+          <a:lstStyle/>
+          <a:p>
+            <a:pPr algn="ctr"/>
+            <a:endParaRPr lang="en-US" dirty="0"/>
+          </a:p>
+        </p:txBody>
+      </p:sp>
+      <p:sp>
+        <p:nvSpPr>
+          <p:cNvPr id="32" name="TextBox 31">
+            <a:extLst>
+              <a:ext uri="{FF2B5EF4-FFF2-40B4-BE49-F238E27FC236}">
+                <a16:creationId xmlns:a16="http://schemas.microsoft.com/office/drawing/2014/main" id="{1BA67ACD-6A40-4ED1-9EF4-C8F06D2CA166}"/>
+              </a:ext>
+            </a:extLst>
+          </p:cNvPr>
+          <p:cNvSpPr txBox="1"/>
+          <p:nvPr/>
+        </p:nvSpPr>
+        <p:spPr>
+          <a:xfrm>
+            <a:off x="9656498" y="1795649"/>
+            <a:ext cx="1195712" cy="369332"/>
+          </a:xfrm>
+          <a:prstGeom prst="rect">
+            <a:avLst/>
+          </a:prstGeom>
+          <a:noFill/>
+        </p:spPr>
+        <p:txBody>
+          <a:bodyPr wrap="none" rtlCol="0">
+            <a:spAutoFit/>
+          </a:bodyPr>
+          <a:lstStyle/>
+          <a:p>
+            <a:r>
+              <a:rPr lang="en-US" dirty="0">
+                <a:solidFill>
+                  <a:schemeClr val="accent6">
+                    <a:lumMod val="75000"/>
+                  </a:schemeClr>
+                </a:solidFill>
+              </a:rPr>
+              <a:t>Separation</a:t>
+            </a:r>
+          </a:p>
+        </p:txBody>
+      </p:sp>
+      <p:sp>
+        <p:nvSpPr>
+          <p:cNvPr id="33" name="TextBox 32">
+            <a:extLst>
+              <a:ext uri="{FF2B5EF4-FFF2-40B4-BE49-F238E27FC236}">
+                <a16:creationId xmlns:a16="http://schemas.microsoft.com/office/drawing/2014/main" id="{E4ED2E01-78B9-4E9E-97D7-97336255BDE0}"/>
+              </a:ext>
+            </a:extLst>
+          </p:cNvPr>
+          <p:cNvSpPr txBox="1"/>
+          <p:nvPr/>
+        </p:nvSpPr>
+        <p:spPr>
+          <a:xfrm>
+            <a:off x="9463088" y="2162838"/>
+            <a:ext cx="1416738" cy="1200329"/>
+          </a:xfrm>
+          <a:prstGeom prst="rect">
+            <a:avLst/>
+          </a:prstGeom>
+          <a:noFill/>
+        </p:spPr>
+        <p:txBody>
+          <a:bodyPr wrap="square" rtlCol="0">
+            <a:spAutoFit/>
+          </a:bodyPr>
+          <a:lstStyle/>
+          <a:p>
+            <a:pPr algn="r"/>
+            <a:r>
+              <a:rPr lang="en-US" dirty="0"/>
+              <a:t>Boxes tell us where each pizza starts and ends</a:t>
+            </a:r>
+          </a:p>
+        </p:txBody>
+      </p:sp>
+      <p:sp>
+        <p:nvSpPr>
+          <p:cNvPr id="38" name="TextBox 37">
+            <a:extLst>
+              <a:ext uri="{FF2B5EF4-FFF2-40B4-BE49-F238E27FC236}">
+                <a16:creationId xmlns:a16="http://schemas.microsoft.com/office/drawing/2014/main" id="{91D2CAB9-EF2E-4B5B-B20A-806B6DD60F42}"/>
+              </a:ext>
+            </a:extLst>
+          </p:cNvPr>
+          <p:cNvSpPr txBox="1"/>
+          <p:nvPr/>
+        </p:nvSpPr>
+        <p:spPr>
+          <a:xfrm>
+            <a:off x="0" y="250222"/>
+            <a:ext cx="12192000" cy="523220"/>
+          </a:xfrm>
+          <a:prstGeom prst="rect">
+            <a:avLst/>
+          </a:prstGeom>
+          <a:noFill/>
+        </p:spPr>
+        <p:txBody>
+          <a:bodyPr wrap="square" rtlCol="0">
+            <a:spAutoFit/>
+          </a:bodyPr>
+          <a:lstStyle/>
+          <a:p>
+            <a:pPr algn="ctr"/>
+            <a:r>
+              <a:rPr lang="en-US" sz="2800" dirty="0">
+                <a:solidFill>
+                  <a:schemeClr val="accent6">
+                    <a:lumMod val="75000"/>
+                  </a:schemeClr>
+                </a:solidFill>
+              </a:rPr>
+              <a:t>Pizza Comes in a Box</a:t>
+            </a:r>
+          </a:p>
+        </p:txBody>
+      </p:sp>
+      <p:grpSp>
+        <p:nvGrpSpPr>
+          <p:cNvPr id="49" name="Group 48">
+            <a:extLst>
+              <a:ext uri="{FF2B5EF4-FFF2-40B4-BE49-F238E27FC236}">
+                <a16:creationId xmlns:a16="http://schemas.microsoft.com/office/drawing/2014/main" id="{B8CE06AF-2806-4107-95D9-AAC286CC343B}"/>
+              </a:ext>
+            </a:extLst>
+          </p:cNvPr>
+          <p:cNvGrpSpPr/>
+          <p:nvPr/>
+        </p:nvGrpSpPr>
+        <p:grpSpPr>
+          <a:xfrm>
+            <a:off x="3766877" y="629685"/>
+            <a:ext cx="4498072" cy="297874"/>
+            <a:chOff x="3971469" y="624781"/>
+            <a:chExt cx="4498072" cy="297874"/>
+          </a:xfrm>
+        </p:grpSpPr>
+        <p:cxnSp>
+          <p:nvCxnSpPr>
+            <p:cNvPr id="40" name="Straight Connector 39">
+              <a:extLst>
+                <a:ext uri="{FF2B5EF4-FFF2-40B4-BE49-F238E27FC236}">
+                  <a16:creationId xmlns:a16="http://schemas.microsoft.com/office/drawing/2014/main" id="{D6E0AC31-61D0-4CE2-AA3B-3C6978E8704A}"/>
+                </a:ext>
+              </a:extLst>
+            </p:cNvPr>
+            <p:cNvCxnSpPr/>
+            <p:nvPr/>
+          </p:nvCxnSpPr>
+          <p:spPr>
+            <a:xfrm>
+              <a:off x="5170031" y="773442"/>
+              <a:ext cx="2057400" cy="0"/>
+            </a:xfrm>
+            <a:prstGeom prst="line">
+              <a:avLst/>
+            </a:prstGeom>
+            <a:ln cap="rnd"/>
+          </p:spPr>
+          <p:style>
+            <a:lnRef idx="3">
+              <a:schemeClr val="accent6"/>
+            </a:lnRef>
+            <a:fillRef idx="0">
+              <a:schemeClr val="accent6"/>
+            </a:fillRef>
+            <a:effectRef idx="2">
+              <a:schemeClr val="accent6"/>
+            </a:effectRef>
+            <a:fontRef idx="minor">
+              <a:schemeClr val="tx1"/>
+            </a:fontRef>
+          </p:style>
+        </p:cxnSp>
+        <p:cxnSp>
+          <p:nvCxnSpPr>
+            <p:cNvPr id="41" name="Straight Connector 40">
+              <a:extLst>
+                <a:ext uri="{FF2B5EF4-FFF2-40B4-BE49-F238E27FC236}">
+                  <a16:creationId xmlns:a16="http://schemas.microsoft.com/office/drawing/2014/main" id="{B388F3BF-FB37-4435-8519-443F06647178}"/>
+                </a:ext>
+              </a:extLst>
+            </p:cNvPr>
+            <p:cNvCxnSpPr>
+              <a:cxnSpLocks/>
+            </p:cNvCxnSpPr>
+            <p:nvPr/>
+          </p:nvCxnSpPr>
+          <p:spPr>
+            <a:xfrm>
+              <a:off x="7349270" y="697242"/>
+              <a:ext cx="1027511" cy="0"/>
+            </a:xfrm>
+            <a:prstGeom prst="line">
+              <a:avLst/>
+            </a:prstGeom>
+            <a:ln cap="rnd"/>
+          </p:spPr>
+          <p:style>
+            <a:lnRef idx="3">
+              <a:schemeClr val="accent6"/>
+            </a:lnRef>
+            <a:fillRef idx="0">
+              <a:schemeClr val="accent6"/>
+            </a:fillRef>
+            <a:effectRef idx="2">
+              <a:schemeClr val="accent6"/>
+            </a:effectRef>
+            <a:fontRef idx="minor">
+              <a:schemeClr val="tx1"/>
+            </a:fontRef>
+          </p:style>
+        </p:cxnSp>
+        <p:cxnSp>
+          <p:nvCxnSpPr>
+            <p:cNvPr id="43" name="Straight Connector 42">
+              <a:extLst>
+                <a:ext uri="{FF2B5EF4-FFF2-40B4-BE49-F238E27FC236}">
+                  <a16:creationId xmlns:a16="http://schemas.microsoft.com/office/drawing/2014/main" id="{EC5F7052-9710-4CD3-8A81-EEE0E9A7244C}"/>
+                </a:ext>
+              </a:extLst>
+            </p:cNvPr>
+            <p:cNvCxnSpPr>
+              <a:cxnSpLocks/>
+            </p:cNvCxnSpPr>
+            <p:nvPr/>
+          </p:nvCxnSpPr>
+          <p:spPr>
+            <a:xfrm flipV="1">
+              <a:off x="7227431" y="697242"/>
+              <a:ext cx="121839" cy="76200"/>
+            </a:xfrm>
+            <a:prstGeom prst="line">
+              <a:avLst/>
+            </a:prstGeom>
+            <a:ln cap="rnd"/>
+          </p:spPr>
+          <p:style>
+            <a:lnRef idx="3">
+              <a:schemeClr val="accent6"/>
+            </a:lnRef>
+            <a:fillRef idx="0">
+              <a:schemeClr val="accent6"/>
+            </a:fillRef>
+            <a:effectRef idx="2">
+              <a:schemeClr val="accent6"/>
+            </a:effectRef>
+            <a:fontRef idx="minor">
+              <a:schemeClr val="tx1"/>
+            </a:fontRef>
+          </p:style>
+        </p:cxnSp>
+        <p:cxnSp>
+          <p:nvCxnSpPr>
+            <p:cNvPr id="46" name="Straight Connector 45">
+              <a:extLst>
+                <a:ext uri="{FF2B5EF4-FFF2-40B4-BE49-F238E27FC236}">
+                  <a16:creationId xmlns:a16="http://schemas.microsoft.com/office/drawing/2014/main" id="{C86B609C-3E9D-4EA1-9D7B-7AD108C8C57B}"/>
+                </a:ext>
+              </a:extLst>
+            </p:cNvPr>
+            <p:cNvCxnSpPr>
+              <a:cxnSpLocks/>
+            </p:cNvCxnSpPr>
+            <p:nvPr/>
+          </p:nvCxnSpPr>
+          <p:spPr>
+            <a:xfrm flipV="1">
+              <a:off x="5048192" y="773442"/>
+              <a:ext cx="121839" cy="76200"/>
+            </a:xfrm>
+            <a:prstGeom prst="line">
+              <a:avLst/>
+            </a:prstGeom>
+            <a:ln cap="rnd"/>
+          </p:spPr>
+          <p:style>
+            <a:lnRef idx="3">
+              <a:schemeClr val="accent6"/>
+            </a:lnRef>
+            <a:fillRef idx="0">
+              <a:schemeClr val="accent6"/>
+            </a:fillRef>
+            <a:effectRef idx="2">
+              <a:schemeClr val="accent6"/>
+            </a:effectRef>
+            <a:fontRef idx="minor">
+              <a:schemeClr val="tx1"/>
+            </a:fontRef>
+          </p:style>
+        </p:cxnSp>
+        <p:cxnSp>
+          <p:nvCxnSpPr>
+            <p:cNvPr id="47" name="Straight Connector 46">
+              <a:extLst>
+                <a:ext uri="{FF2B5EF4-FFF2-40B4-BE49-F238E27FC236}">
+                  <a16:creationId xmlns:a16="http://schemas.microsoft.com/office/drawing/2014/main" id="{0D690C07-0109-4CEC-B0CC-434EED608911}"/>
+                </a:ext>
+              </a:extLst>
+            </p:cNvPr>
+            <p:cNvCxnSpPr>
+              <a:cxnSpLocks/>
+            </p:cNvCxnSpPr>
+            <p:nvPr/>
+          </p:nvCxnSpPr>
+          <p:spPr>
+            <a:xfrm flipV="1">
+              <a:off x="4021655" y="849642"/>
+              <a:ext cx="1026537" cy="11668"/>
+            </a:xfrm>
+            <a:prstGeom prst="line">
+              <a:avLst/>
+            </a:prstGeom>
+            <a:ln cap="rnd"/>
+          </p:spPr>
+          <p:style>
+            <a:lnRef idx="3">
+              <a:schemeClr val="accent6"/>
+            </a:lnRef>
+            <a:fillRef idx="0">
+              <a:schemeClr val="accent6"/>
+            </a:fillRef>
+            <a:effectRef idx="2">
+              <a:schemeClr val="accent6"/>
+            </a:effectRef>
+            <a:fontRef idx="minor">
+              <a:schemeClr val="tx1"/>
+            </a:fontRef>
+          </p:style>
+        </p:cxnSp>
+        <p:sp>
+          <p:nvSpPr>
+            <p:cNvPr id="50" name="Oval 49">
+              <a:extLst>
+                <a:ext uri="{FF2B5EF4-FFF2-40B4-BE49-F238E27FC236}">
+                  <a16:creationId xmlns:a16="http://schemas.microsoft.com/office/drawing/2014/main" id="{EEA3A56A-D77B-4804-9467-3C2325189A39}"/>
+                </a:ext>
+              </a:extLst>
+            </p:cNvPr>
+            <p:cNvSpPr/>
+            <p:nvPr/>
+          </p:nvSpPr>
+          <p:spPr>
+            <a:xfrm>
+              <a:off x="3971469" y="789305"/>
+              <a:ext cx="133350" cy="133350"/>
+            </a:xfrm>
+            <a:prstGeom prst="ellipse">
+              <a:avLst/>
+            </a:prstGeom>
+          </p:spPr>
+          <p:style>
+            <a:lnRef idx="2">
+              <a:schemeClr val="accent6"/>
+            </a:lnRef>
+            <a:fillRef idx="1">
+              <a:schemeClr val="lt1"/>
+            </a:fillRef>
+            <a:effectRef idx="0">
+              <a:schemeClr val="accent6"/>
+            </a:effectRef>
+            <a:fontRef idx="minor">
+              <a:schemeClr val="dk1"/>
+            </a:fontRef>
+          </p:style>
+          <p:txBody>
+            <a:bodyPr rtlCol="0" anchor="ctr"/>
+            <a:lstStyle/>
+            <a:p>
+              <a:pPr algn="ctr"/>
+              <a:endParaRPr lang="en-US" i="1" dirty="0"/>
+            </a:p>
+          </p:txBody>
+        </p:sp>
+        <p:sp>
+          <p:nvSpPr>
+            <p:cNvPr id="51" name="Oval 50">
+              <a:extLst>
+                <a:ext uri="{FF2B5EF4-FFF2-40B4-BE49-F238E27FC236}">
+                  <a16:creationId xmlns:a16="http://schemas.microsoft.com/office/drawing/2014/main" id="{488A40C9-3C11-477D-B0FB-19648893F367}"/>
+                </a:ext>
+              </a:extLst>
+            </p:cNvPr>
+            <p:cNvSpPr/>
+            <p:nvPr/>
+          </p:nvSpPr>
+          <p:spPr>
+            <a:xfrm>
+              <a:off x="8336191" y="624781"/>
+              <a:ext cx="133350" cy="133350"/>
+            </a:xfrm>
+            <a:prstGeom prst="ellipse">
+              <a:avLst/>
+            </a:prstGeom>
+          </p:spPr>
+          <p:style>
+            <a:lnRef idx="2">
+              <a:schemeClr val="accent6"/>
+            </a:lnRef>
+            <a:fillRef idx="1">
+              <a:schemeClr val="lt1"/>
+            </a:fillRef>
+            <a:effectRef idx="0">
+              <a:schemeClr val="accent6"/>
+            </a:effectRef>
+            <a:fontRef idx="minor">
+              <a:schemeClr val="dk1"/>
+            </a:fontRef>
+          </p:style>
+          <p:txBody>
+            <a:bodyPr rtlCol="0" anchor="ctr"/>
+            <a:lstStyle/>
+            <a:p>
+              <a:pPr algn="ctr"/>
+              <a:endParaRPr lang="en-US" i="1" dirty="0"/>
+            </a:p>
+          </p:txBody>
+        </p:sp>
+      </p:grpSp>
+    </p:spTree>
+    <p:extLst>
+      <p:ext uri="{BB962C8B-B14F-4D97-AF65-F5344CB8AC3E}">
+        <p14:creationId xmlns:p14="http://schemas.microsoft.com/office/powerpoint/2010/main" val="2944281412"/>
+      </p:ext>
+    </p:extLst>
+  </p:cSld>
+  <p:clrMapOvr>
+    <a:masterClrMapping/>
+  </p:clrMapOvr>
+</p:sld>
+</file>
+
+<file path=ppt/slides/slide9.xml><?xml version="1.0" encoding="utf-8"?>
+<p:sld xmlns:a="http://schemas.openxmlformats.org/drawingml/2006/main" xmlns:r="http://schemas.openxmlformats.org/officeDocument/2006/relationships" xmlns:p="http://schemas.openxmlformats.org/presentationml/2006/main">
+  <p:cSld>
+    <p:spTree>
+      <p:nvGrpSpPr>
+        <p:cNvPr id="1" name=""/>
+        <p:cNvGrpSpPr/>
+        <p:nvPr/>
+      </p:nvGrpSpPr>
+      <p:grpSpPr>
+        <a:xfrm>
+          <a:off x="0" y="0"/>
+          <a:ext cx="0" cy="0"/>
+          <a:chOff x="0" y="0"/>
+          <a:chExt cx="0" cy="0"/>
+        </a:xfrm>
+      </p:grpSpPr>
+      <p:sp>
+        <p:nvSpPr>
+          <p:cNvPr id="2" name="Rectangle 1" hidden="1">
+            <a:extLst>
+              <a:ext uri="{FF2B5EF4-FFF2-40B4-BE49-F238E27FC236}">
+                <a16:creationId xmlns:a16="http://schemas.microsoft.com/office/drawing/2014/main" id="{5CCCBFA1-FDCD-4E57-81CE-6E0F8D7901BF}"/>
+              </a:ext>
+            </a:extLst>
+          </p:cNvPr>
+          <p:cNvSpPr/>
+          <p:nvPr/>
+        </p:nvSpPr>
+        <p:spPr>
+          <a:xfrm>
+            <a:off x="0" y="0"/>
+            <a:ext cx="12192000" cy="6858000"/>
+          </a:xfrm>
+          <a:prstGeom prst="rect">
+            <a:avLst/>
+          </a:prstGeom>
+          <a:solidFill>
+            <a:schemeClr val="bg1"/>
+          </a:solidFill>
+          <a:ln>
+            <a:noFill/>
+          </a:ln>
+        </p:spPr>
+        <p:style>
+          <a:lnRef idx="2">
+            <a:schemeClr val="accent1">
+              <a:shade val="50000"/>
+            </a:schemeClr>
+          </a:lnRef>
+          <a:fillRef idx="1">
+            <a:schemeClr val="accent1"/>
+          </a:fillRef>
+          <a:effectRef idx="0">
+            <a:schemeClr val="accent1"/>
+          </a:effectRef>
+          <a:fontRef idx="minor">
+            <a:schemeClr val="lt1"/>
+          </a:fontRef>
+        </p:style>
+        <p:txBody>
+          <a:bodyPr rtlCol="0" anchor="ctr"/>
+          <a:lstStyle/>
+          <a:p>
+            <a:pPr algn="ctr"/>
+            <a:endParaRPr lang="en-US" dirty="0"/>
+          </a:p>
+        </p:txBody>
+      </p:sp>
+      <p:sp>
+        <p:nvSpPr>
+          <p:cNvPr id="36" name="TextBox 35">
+            <a:extLst>
+              <a:ext uri="{FF2B5EF4-FFF2-40B4-BE49-F238E27FC236}">
+                <a16:creationId xmlns:a16="http://schemas.microsoft.com/office/drawing/2014/main" id="{74E8AFC8-18F4-477F-BD68-896A4DCF3D0A}"/>
+              </a:ext>
+            </a:extLst>
+          </p:cNvPr>
+          <p:cNvSpPr txBox="1"/>
+          <p:nvPr/>
+        </p:nvSpPr>
+        <p:spPr>
+          <a:xfrm>
+            <a:off x="3995759" y="1444894"/>
+            <a:ext cx="6095296" cy="3970318"/>
+          </a:xfrm>
+          <a:prstGeom prst="rect">
+            <a:avLst/>
+          </a:prstGeom>
+          <a:noFill/>
+        </p:spPr>
+        <p:txBody>
+          <a:bodyPr wrap="square">
+            <a:spAutoFit/>
+          </a:bodyPr>
+          <a:lstStyle/>
+          <a:p>
+            <a:r>
+              <a:rPr lang="en-US" b="0" dirty="0">
+                <a:solidFill>
+                  <a:srgbClr val="800000"/>
+                </a:solidFill>
+                <a:effectLst/>
+                <a:latin typeface="Consolas" panose="020B0609020204030204" pitchFamily="49" charset="0"/>
+              </a:rPr>
+              <a:t>&lt;!DOCTYPE</a:t>
+            </a:r>
+            <a:r>
+              <a:rPr lang="en-US" b="0" dirty="0">
+                <a:solidFill>
+                  <a:srgbClr val="000000"/>
+                </a:solidFill>
+                <a:effectLst/>
+                <a:latin typeface="Consolas" panose="020B0609020204030204" pitchFamily="49" charset="0"/>
+              </a:rPr>
+              <a:t> </a:t>
+            </a:r>
+            <a:r>
+              <a:rPr lang="en-US" b="0" dirty="0">
+                <a:solidFill>
+                  <a:srgbClr val="FF0000"/>
+                </a:solidFill>
+                <a:effectLst/>
+                <a:latin typeface="Consolas" panose="020B0609020204030204" pitchFamily="49" charset="0"/>
+              </a:rPr>
+              <a:t>html</a:t>
+            </a:r>
+            <a:r>
+              <a:rPr lang="en-US" b="0" dirty="0">
+                <a:solidFill>
+                  <a:srgbClr val="800000"/>
+                </a:solidFill>
+                <a:effectLst/>
+                <a:latin typeface="Consolas" panose="020B0609020204030204" pitchFamily="49" charset="0"/>
+              </a:rPr>
+              <a:t>&gt;</a:t>
+            </a:r>
+            <a:endParaRPr lang="en-US" b="0" dirty="0">
+              <a:solidFill>
+                <a:srgbClr val="000000"/>
+              </a:solidFill>
+              <a:effectLst/>
+              <a:latin typeface="Consolas" panose="020B0609020204030204" pitchFamily="49" charset="0"/>
+            </a:endParaRPr>
+          </a:p>
+          <a:p>
+            <a:r>
+              <a:rPr lang="en-US" b="0" dirty="0">
+                <a:solidFill>
+                  <a:srgbClr val="800000"/>
+                </a:solidFill>
+                <a:effectLst/>
+                <a:latin typeface="Consolas" panose="020B0609020204030204" pitchFamily="49" charset="0"/>
+              </a:rPr>
+              <a:t>&lt;html&gt;</a:t>
+            </a:r>
+            <a:endParaRPr lang="en-US" b="0" dirty="0">
+              <a:solidFill>
+                <a:srgbClr val="000000"/>
+              </a:solidFill>
+              <a:effectLst/>
+              <a:latin typeface="Consolas" panose="020B0609020204030204" pitchFamily="49" charset="0"/>
+            </a:endParaRPr>
+          </a:p>
+          <a:p>
+            <a:r>
+              <a:rPr lang="en-US" b="0" dirty="0">
+                <a:solidFill>
+                  <a:srgbClr val="800000"/>
+                </a:solidFill>
+                <a:effectLst/>
+                <a:latin typeface="Consolas" panose="020B0609020204030204" pitchFamily="49" charset="0"/>
+              </a:rPr>
+              <a:t>&lt;head&gt;</a:t>
+            </a:r>
+            <a:endParaRPr lang="en-US" b="0" dirty="0">
+              <a:solidFill>
+                <a:srgbClr val="000000"/>
+              </a:solidFill>
+              <a:effectLst/>
+              <a:latin typeface="Consolas" panose="020B0609020204030204" pitchFamily="49" charset="0"/>
+            </a:endParaRPr>
+          </a:p>
+          <a:p>
+            <a:r>
+              <a:rPr lang="en-US" b="0" dirty="0">
+                <a:solidFill>
+                  <a:srgbClr val="000000"/>
+                </a:solidFill>
+                <a:effectLst/>
+                <a:latin typeface="Consolas" panose="020B0609020204030204" pitchFamily="49" charset="0"/>
+              </a:rPr>
+              <a:t>  </a:t>
+            </a:r>
+            <a:r>
+              <a:rPr lang="en-US" b="0" dirty="0">
+                <a:solidFill>
+                  <a:srgbClr val="800000"/>
+                </a:solidFill>
+                <a:effectLst/>
+                <a:latin typeface="Consolas" panose="020B0609020204030204" pitchFamily="49" charset="0"/>
+              </a:rPr>
+              <a:t>&lt;meta</a:t>
+            </a:r>
+            <a:r>
+              <a:rPr lang="en-US" b="0" dirty="0">
+                <a:solidFill>
+                  <a:srgbClr val="000000"/>
+                </a:solidFill>
+                <a:effectLst/>
+                <a:latin typeface="Consolas" panose="020B0609020204030204" pitchFamily="49" charset="0"/>
+              </a:rPr>
+              <a:t> </a:t>
+            </a:r>
+            <a:r>
+              <a:rPr lang="en-US" b="0" dirty="0">
+                <a:solidFill>
+                  <a:srgbClr val="FF0000"/>
+                </a:solidFill>
+                <a:effectLst/>
+                <a:latin typeface="Consolas" panose="020B0609020204030204" pitchFamily="49" charset="0"/>
+              </a:rPr>
+              <a:t>charset</a:t>
+            </a:r>
+            <a:r>
+              <a:rPr lang="en-US" b="0" dirty="0">
+                <a:solidFill>
+                  <a:srgbClr val="000000"/>
+                </a:solidFill>
+                <a:effectLst/>
+                <a:latin typeface="Consolas" panose="020B0609020204030204" pitchFamily="49" charset="0"/>
+              </a:rPr>
+              <a:t>=</a:t>
+            </a:r>
+            <a:r>
+              <a:rPr lang="en-US" b="0" dirty="0">
+                <a:solidFill>
+                  <a:srgbClr val="0000FF"/>
+                </a:solidFill>
+                <a:effectLst/>
+                <a:latin typeface="Consolas" panose="020B0609020204030204" pitchFamily="49" charset="0"/>
+              </a:rPr>
+              <a:t>'utf-8'</a:t>
+            </a:r>
+            <a:r>
+              <a:rPr lang="en-US" b="0" dirty="0">
+                <a:solidFill>
+                  <a:srgbClr val="800000"/>
+                </a:solidFill>
+                <a:effectLst/>
+                <a:latin typeface="Consolas" panose="020B0609020204030204" pitchFamily="49" charset="0"/>
+              </a:rPr>
+              <a:t>&gt;</a:t>
+            </a:r>
+            <a:endParaRPr lang="en-US" b="0" dirty="0">
+              <a:solidFill>
+                <a:srgbClr val="000000"/>
+              </a:solidFill>
+              <a:effectLst/>
+              <a:latin typeface="Consolas" panose="020B0609020204030204" pitchFamily="49" charset="0"/>
+            </a:endParaRPr>
+          </a:p>
+          <a:p>
+            <a:r>
+              <a:rPr lang="en-US" b="0" dirty="0">
+                <a:solidFill>
+                  <a:srgbClr val="000000"/>
+                </a:solidFill>
+                <a:effectLst/>
+                <a:latin typeface="Consolas" panose="020B0609020204030204" pitchFamily="49" charset="0"/>
+              </a:rPr>
+              <a:t>  </a:t>
+            </a:r>
+            <a:r>
+              <a:rPr lang="en-US" b="0" dirty="0">
+                <a:solidFill>
+                  <a:srgbClr val="800000"/>
+                </a:solidFill>
+                <a:effectLst/>
+                <a:latin typeface="Consolas" panose="020B0609020204030204" pitchFamily="49" charset="0"/>
+              </a:rPr>
+              <a:t>&lt;meta</a:t>
+            </a:r>
+            <a:r>
+              <a:rPr lang="en-US" b="0" dirty="0">
+                <a:solidFill>
+                  <a:srgbClr val="000000"/>
+                </a:solidFill>
+                <a:effectLst/>
+                <a:latin typeface="Consolas" panose="020B0609020204030204" pitchFamily="49" charset="0"/>
+              </a:rPr>
+              <a:t> </a:t>
+            </a:r>
+            <a:r>
+              <a:rPr lang="en-US" b="0" dirty="0">
+                <a:solidFill>
+                  <a:srgbClr val="FF0000"/>
+                </a:solidFill>
+                <a:effectLst/>
+                <a:latin typeface="Consolas" panose="020B0609020204030204" pitchFamily="49" charset="0"/>
+              </a:rPr>
+              <a:t>http-</a:t>
+            </a:r>
+            <a:r>
+              <a:rPr lang="en-US" b="0" dirty="0" err="1">
+                <a:solidFill>
+                  <a:srgbClr val="FF0000"/>
+                </a:solidFill>
+                <a:effectLst/>
+                <a:latin typeface="Consolas" panose="020B0609020204030204" pitchFamily="49" charset="0"/>
+              </a:rPr>
+              <a:t>equiv</a:t>
+            </a:r>
+            <a:r>
+              <a:rPr lang="en-US" b="0" dirty="0">
+                <a:solidFill>
+                  <a:srgbClr val="000000"/>
+                </a:solidFill>
+                <a:effectLst/>
+                <a:latin typeface="Consolas" panose="020B0609020204030204" pitchFamily="49" charset="0"/>
+              </a:rPr>
+              <a:t>=</a:t>
+            </a:r>
+            <a:r>
+              <a:rPr lang="en-US" b="0" dirty="0">
+                <a:solidFill>
+                  <a:srgbClr val="0000FF"/>
+                </a:solidFill>
+                <a:effectLst/>
+                <a:latin typeface="Consolas" panose="020B0609020204030204" pitchFamily="49" charset="0"/>
+              </a:rPr>
+              <a:t>'X-UA-Compatible'</a:t>
+            </a:r>
+            <a:r>
+              <a:rPr lang="en-US" b="0" dirty="0">
+                <a:solidFill>
+                  <a:srgbClr val="000000"/>
+                </a:solidFill>
+                <a:effectLst/>
+                <a:latin typeface="Consolas" panose="020B0609020204030204" pitchFamily="49" charset="0"/>
+              </a:rPr>
+              <a:t> </a:t>
+            </a:r>
+            <a:r>
+              <a:rPr lang="en-US" b="0" dirty="0">
+                <a:solidFill>
+                  <a:srgbClr val="FF0000"/>
+                </a:solidFill>
+                <a:effectLst/>
+                <a:latin typeface="Consolas" panose="020B0609020204030204" pitchFamily="49" charset="0"/>
+              </a:rPr>
+              <a:t>content</a:t>
+            </a:r>
+            <a:r>
+              <a:rPr lang="en-US" b="0" dirty="0">
+                <a:solidFill>
+                  <a:srgbClr val="000000"/>
+                </a:solidFill>
+                <a:effectLst/>
+                <a:latin typeface="Consolas" panose="020B0609020204030204" pitchFamily="49" charset="0"/>
+              </a:rPr>
+              <a:t>=</a:t>
+            </a:r>
+            <a:r>
+              <a:rPr lang="en-US" b="0" dirty="0">
+                <a:solidFill>
+                  <a:srgbClr val="0000FF"/>
+                </a:solidFill>
+                <a:effectLst/>
+                <a:latin typeface="Consolas" panose="020B0609020204030204" pitchFamily="49" charset="0"/>
+              </a:rPr>
+              <a:t>'IE=edge'</a:t>
+            </a:r>
+            <a:r>
+              <a:rPr lang="en-US" b="0" dirty="0">
+                <a:solidFill>
+                  <a:srgbClr val="800000"/>
+                </a:solidFill>
+                <a:effectLst/>
+                <a:latin typeface="Consolas" panose="020B0609020204030204" pitchFamily="49" charset="0"/>
+              </a:rPr>
+              <a:t>&gt;</a:t>
+            </a:r>
+            <a:endParaRPr lang="en-US" b="0" dirty="0">
+              <a:solidFill>
+                <a:srgbClr val="000000"/>
+              </a:solidFill>
+              <a:effectLst/>
+              <a:latin typeface="Consolas" panose="020B0609020204030204" pitchFamily="49" charset="0"/>
+            </a:endParaRPr>
+          </a:p>
+          <a:p>
+            <a:r>
+              <a:rPr lang="en-US" b="0" dirty="0">
+                <a:solidFill>
+                  <a:srgbClr val="000000"/>
+                </a:solidFill>
+                <a:effectLst/>
+                <a:latin typeface="Consolas" panose="020B0609020204030204" pitchFamily="49" charset="0"/>
+              </a:rPr>
+              <a:t>  </a:t>
+            </a:r>
+            <a:r>
+              <a:rPr lang="en-US" b="0" dirty="0">
+                <a:solidFill>
+                  <a:srgbClr val="800000"/>
+                </a:solidFill>
+                <a:effectLst/>
+                <a:latin typeface="Consolas" panose="020B0609020204030204" pitchFamily="49" charset="0"/>
+              </a:rPr>
+              <a:t>&lt;title&gt;</a:t>
+            </a:r>
+            <a:r>
+              <a:rPr lang="en-US" b="0" dirty="0">
+                <a:solidFill>
+                  <a:srgbClr val="000000"/>
+                </a:solidFill>
+                <a:effectLst/>
+                <a:latin typeface="Consolas" panose="020B0609020204030204" pitchFamily="49" charset="0"/>
+              </a:rPr>
+              <a:t>Page Title</a:t>
+            </a:r>
+            <a:r>
+              <a:rPr lang="en-US" b="0" dirty="0">
+                <a:solidFill>
+                  <a:srgbClr val="800000"/>
+                </a:solidFill>
+                <a:effectLst/>
+                <a:latin typeface="Consolas" panose="020B0609020204030204" pitchFamily="49" charset="0"/>
+              </a:rPr>
+              <a:t>&lt;/title&gt;</a:t>
+            </a:r>
+            <a:endParaRPr lang="en-US" b="0" dirty="0">
+              <a:solidFill>
+                <a:srgbClr val="000000"/>
+              </a:solidFill>
+              <a:effectLst/>
+              <a:latin typeface="Consolas" panose="020B0609020204030204" pitchFamily="49" charset="0"/>
+            </a:endParaRPr>
+          </a:p>
+          <a:p>
+            <a:r>
+              <a:rPr lang="en-US" b="0" dirty="0">
+                <a:solidFill>
+                  <a:srgbClr val="000000"/>
+                </a:solidFill>
+                <a:effectLst/>
+                <a:latin typeface="Consolas" panose="020B0609020204030204" pitchFamily="49" charset="0"/>
+              </a:rPr>
+              <a:t>  </a:t>
+            </a:r>
+            <a:r>
+              <a:rPr lang="en-US" b="0" dirty="0">
+                <a:solidFill>
+                  <a:srgbClr val="800000"/>
+                </a:solidFill>
+                <a:effectLst/>
+                <a:latin typeface="Consolas" panose="020B0609020204030204" pitchFamily="49" charset="0"/>
+              </a:rPr>
+              <a:t>&lt;meta</a:t>
+            </a:r>
+            <a:r>
+              <a:rPr lang="en-US" b="0" dirty="0">
+                <a:solidFill>
+                  <a:srgbClr val="000000"/>
+                </a:solidFill>
+                <a:effectLst/>
+                <a:latin typeface="Consolas" panose="020B0609020204030204" pitchFamily="49" charset="0"/>
+              </a:rPr>
+              <a:t> </a:t>
+            </a:r>
+            <a:r>
+              <a:rPr lang="en-US" b="0" dirty="0">
+                <a:solidFill>
+                  <a:srgbClr val="FF0000"/>
+                </a:solidFill>
+                <a:effectLst/>
+                <a:latin typeface="Consolas" panose="020B0609020204030204" pitchFamily="49" charset="0"/>
+              </a:rPr>
+              <a:t>name</a:t>
+            </a:r>
+            <a:r>
+              <a:rPr lang="en-US" b="0" dirty="0">
+                <a:solidFill>
+                  <a:srgbClr val="000000"/>
+                </a:solidFill>
+                <a:effectLst/>
+                <a:latin typeface="Consolas" panose="020B0609020204030204" pitchFamily="49" charset="0"/>
+              </a:rPr>
+              <a:t>=</a:t>
+            </a:r>
+            <a:r>
+              <a:rPr lang="en-US" b="0" dirty="0">
+                <a:solidFill>
+                  <a:srgbClr val="0000FF"/>
+                </a:solidFill>
+                <a:effectLst/>
+                <a:latin typeface="Consolas" panose="020B0609020204030204" pitchFamily="49" charset="0"/>
+              </a:rPr>
+              <a:t>'viewport'</a:t>
+            </a:r>
+            <a:r>
+              <a:rPr lang="en-US" b="0" dirty="0">
+                <a:solidFill>
+                  <a:srgbClr val="000000"/>
+                </a:solidFill>
+                <a:effectLst/>
+                <a:latin typeface="Consolas" panose="020B0609020204030204" pitchFamily="49" charset="0"/>
+              </a:rPr>
+              <a:t> </a:t>
+            </a:r>
+            <a:r>
+              <a:rPr lang="en-US" b="0" dirty="0">
+                <a:solidFill>
+                  <a:srgbClr val="FF0000"/>
+                </a:solidFill>
+                <a:effectLst/>
+                <a:latin typeface="Consolas" panose="020B0609020204030204" pitchFamily="49" charset="0"/>
+              </a:rPr>
+              <a:t>content</a:t>
+            </a:r>
+            <a:r>
+              <a:rPr lang="en-US" b="0" dirty="0">
+                <a:solidFill>
+                  <a:srgbClr val="000000"/>
+                </a:solidFill>
+                <a:effectLst/>
+                <a:latin typeface="Consolas" panose="020B0609020204030204" pitchFamily="49" charset="0"/>
+              </a:rPr>
+              <a:t>=</a:t>
+            </a:r>
+            <a:r>
+              <a:rPr lang="en-US" b="0" dirty="0">
+                <a:solidFill>
+                  <a:srgbClr val="0000FF"/>
+                </a:solidFill>
+                <a:effectLst/>
+                <a:latin typeface="Consolas" panose="020B0609020204030204" pitchFamily="49" charset="0"/>
+              </a:rPr>
+              <a:t>'width=device-width, initial-scale=1'</a:t>
+            </a:r>
+            <a:r>
+              <a:rPr lang="en-US" b="0" dirty="0">
+                <a:solidFill>
+                  <a:srgbClr val="800000"/>
+                </a:solidFill>
+                <a:effectLst/>
+                <a:latin typeface="Consolas" panose="020B0609020204030204" pitchFamily="49" charset="0"/>
+              </a:rPr>
+              <a:t>&gt;</a:t>
+            </a:r>
+            <a:endParaRPr lang="en-US" b="0" dirty="0">
+              <a:solidFill>
+                <a:srgbClr val="000000"/>
+              </a:solidFill>
+              <a:effectLst/>
+              <a:latin typeface="Consolas" panose="020B0609020204030204" pitchFamily="49" charset="0"/>
+            </a:endParaRPr>
+          </a:p>
+          <a:p>
+            <a:r>
+              <a:rPr lang="en-US" b="0" dirty="0">
+                <a:solidFill>
+                  <a:srgbClr val="800000"/>
+                </a:solidFill>
+                <a:effectLst/>
+                <a:latin typeface="Consolas" panose="020B0609020204030204" pitchFamily="49" charset="0"/>
+              </a:rPr>
+              <a:t>&lt;/head&gt;</a:t>
+            </a:r>
+            <a:endParaRPr lang="en-US" b="0" dirty="0">
+              <a:solidFill>
+                <a:srgbClr val="000000"/>
+              </a:solidFill>
+              <a:effectLst/>
+              <a:latin typeface="Consolas" panose="020B0609020204030204" pitchFamily="49" charset="0"/>
+            </a:endParaRPr>
+          </a:p>
+          <a:p>
+            <a:r>
+              <a:rPr lang="en-US" b="0" dirty="0">
+                <a:solidFill>
+                  <a:srgbClr val="800000"/>
+                </a:solidFill>
+                <a:effectLst/>
+                <a:latin typeface="Consolas" panose="020B0609020204030204" pitchFamily="49" charset="0"/>
+              </a:rPr>
+              <a:t>&lt;body&gt;</a:t>
+            </a:r>
+            <a:endParaRPr lang="en-US" b="0" dirty="0">
+              <a:solidFill>
+                <a:srgbClr val="000000"/>
+              </a:solidFill>
+              <a:effectLst/>
+              <a:latin typeface="Consolas" panose="020B0609020204030204" pitchFamily="49" charset="0"/>
+            </a:endParaRPr>
+          </a:p>
+          <a:p>
+            <a:r>
+              <a:rPr lang="en-US" b="0" dirty="0">
+                <a:solidFill>
+                  <a:srgbClr val="000000"/>
+                </a:solidFill>
+                <a:effectLst/>
+                <a:latin typeface="Consolas" panose="020B0609020204030204" pitchFamily="49" charset="0"/>
+              </a:rPr>
+              <a:t>  This is the part you can see.</a:t>
+            </a:r>
+          </a:p>
+          <a:p>
+            <a:r>
+              <a:rPr lang="en-US" b="0" dirty="0">
+                <a:solidFill>
+                  <a:srgbClr val="800000"/>
+                </a:solidFill>
+                <a:effectLst/>
+                <a:latin typeface="Consolas" panose="020B0609020204030204" pitchFamily="49" charset="0"/>
+              </a:rPr>
+              <a:t>&lt;/body&gt;</a:t>
+            </a:r>
+            <a:endParaRPr lang="en-US" b="0" dirty="0">
+              <a:solidFill>
+                <a:srgbClr val="000000"/>
+              </a:solidFill>
+              <a:effectLst/>
+              <a:latin typeface="Consolas" panose="020B0609020204030204" pitchFamily="49" charset="0"/>
+            </a:endParaRPr>
+          </a:p>
+          <a:p>
+            <a:r>
+              <a:rPr lang="en-US" b="0" dirty="0">
+                <a:solidFill>
+                  <a:srgbClr val="800000"/>
+                </a:solidFill>
+                <a:effectLst/>
+                <a:latin typeface="Consolas" panose="020B0609020204030204" pitchFamily="49" charset="0"/>
+              </a:rPr>
+              <a:t>&lt;/html&gt;</a:t>
+            </a:r>
+            <a:endParaRPr lang="en-US" b="0" dirty="0">
+              <a:solidFill>
+                <a:srgbClr val="000000"/>
+              </a:solidFill>
+              <a:effectLst/>
+              <a:latin typeface="Consolas" panose="020B0609020204030204" pitchFamily="49" charset="0"/>
+            </a:endParaRPr>
+          </a:p>
+        </p:txBody>
+      </p:sp>
+      <p:cxnSp>
+        <p:nvCxnSpPr>
+          <p:cNvPr id="5" name="Straight Connector 4">
+            <a:extLst>
+              <a:ext uri="{FF2B5EF4-FFF2-40B4-BE49-F238E27FC236}">
+                <a16:creationId xmlns:a16="http://schemas.microsoft.com/office/drawing/2014/main" id="{137595DA-6D53-45A0-9254-830836053E7D}"/>
+              </a:ext>
+            </a:extLst>
+          </p:cNvPr>
+          <p:cNvCxnSpPr>
+            <a:cxnSpLocks/>
+          </p:cNvCxnSpPr>
+          <p:nvPr/>
+        </p:nvCxnSpPr>
+        <p:spPr>
+          <a:xfrm>
+            <a:off x="1878033" y="1149192"/>
+            <a:ext cx="1594494" cy="0"/>
+          </a:xfrm>
+          <a:prstGeom prst="line">
+            <a:avLst/>
+          </a:prstGeom>
+          <a:ln cap="rnd"/>
+        </p:spPr>
+        <p:style>
+          <a:lnRef idx="3">
+            <a:schemeClr val="accent6"/>
+          </a:lnRef>
+          <a:fillRef idx="0">
+            <a:schemeClr val="accent6"/>
+          </a:fillRef>
+          <a:effectRef idx="2">
+            <a:schemeClr val="accent6"/>
+          </a:effectRef>
+          <a:fontRef idx="minor">
+            <a:schemeClr val="tx1"/>
+          </a:fontRef>
+        </p:style>
+      </p:cxnSp>
+      <p:cxnSp>
+        <p:nvCxnSpPr>
+          <p:cNvPr id="10" name="Straight Connector 9">
+            <a:extLst>
+              <a:ext uri="{FF2B5EF4-FFF2-40B4-BE49-F238E27FC236}">
+                <a16:creationId xmlns:a16="http://schemas.microsoft.com/office/drawing/2014/main" id="{919ADC1C-0558-439F-A333-9AA3CEA1B859}"/>
+              </a:ext>
+            </a:extLst>
+          </p:cNvPr>
+          <p:cNvCxnSpPr>
+            <a:cxnSpLocks/>
+            <a:endCxn id="11" idx="1"/>
+          </p:cNvCxnSpPr>
+          <p:nvPr/>
+        </p:nvCxnSpPr>
+        <p:spPr>
+          <a:xfrm>
+            <a:off x="3472527" y="1149192"/>
+            <a:ext cx="517210" cy="441052"/>
+          </a:xfrm>
+          <a:prstGeom prst="line">
+            <a:avLst/>
+          </a:prstGeom>
+          <a:ln cap="rnd"/>
+        </p:spPr>
+        <p:style>
+          <a:lnRef idx="3">
+            <a:schemeClr val="accent6"/>
+          </a:lnRef>
+          <a:fillRef idx="0">
+            <a:schemeClr val="accent6"/>
+          </a:fillRef>
+          <a:effectRef idx="2">
+            <a:schemeClr val="accent6"/>
+          </a:effectRef>
+          <a:fontRef idx="minor">
+            <a:schemeClr val="tx1"/>
+          </a:fontRef>
+        </p:style>
+      </p:cxnSp>
+      <p:sp>
+        <p:nvSpPr>
+          <p:cNvPr id="11" name="Oval 10">
+            <a:extLst>
+              <a:ext uri="{FF2B5EF4-FFF2-40B4-BE49-F238E27FC236}">
+                <a16:creationId xmlns:a16="http://schemas.microsoft.com/office/drawing/2014/main" id="{B8162159-F990-4B83-B1ED-B71983DC26AC}"/>
+              </a:ext>
+            </a:extLst>
+          </p:cNvPr>
+          <p:cNvSpPr/>
+          <p:nvPr/>
+        </p:nvSpPr>
+        <p:spPr>
+          <a:xfrm>
+            <a:off x="3970208" y="1570715"/>
+            <a:ext cx="133350" cy="133350"/>
+          </a:xfrm>
+          <a:prstGeom prst="ellipse">
+            <a:avLst/>
+          </a:prstGeom>
+        </p:spPr>
+        <p:style>
+          <a:lnRef idx="2">
+            <a:schemeClr val="accent6"/>
+          </a:lnRef>
+          <a:fillRef idx="1">
+            <a:schemeClr val="lt1"/>
+          </a:fillRef>
+          <a:effectRef idx="0">
+            <a:schemeClr val="accent6"/>
+          </a:effectRef>
+          <a:fontRef idx="minor">
+            <a:schemeClr val="dk1"/>
+          </a:fontRef>
+        </p:style>
+        <p:txBody>
+          <a:bodyPr rtlCol="0" anchor="ctr"/>
+          <a:lstStyle/>
+          <a:p>
+            <a:pPr algn="ctr"/>
+            <a:endParaRPr lang="en-US" dirty="0"/>
+          </a:p>
+        </p:txBody>
+      </p:sp>
+      <p:sp>
+        <p:nvSpPr>
+          <p:cNvPr id="12" name="TextBox 11">
+            <a:extLst>
+              <a:ext uri="{FF2B5EF4-FFF2-40B4-BE49-F238E27FC236}">
+                <a16:creationId xmlns:a16="http://schemas.microsoft.com/office/drawing/2014/main" id="{2F21B15B-18F0-404B-A4D9-CF02D6672999}"/>
+              </a:ext>
+            </a:extLst>
+          </p:cNvPr>
+          <p:cNvSpPr txBox="1"/>
+          <p:nvPr/>
+        </p:nvSpPr>
+        <p:spPr>
+          <a:xfrm>
+            <a:off x="2024718" y="834045"/>
+            <a:ext cx="1301125" cy="369332"/>
+          </a:xfrm>
+          <a:prstGeom prst="rect">
+            <a:avLst/>
+          </a:prstGeom>
+          <a:noFill/>
+        </p:spPr>
+        <p:txBody>
+          <a:bodyPr wrap="none" rtlCol="0">
+            <a:spAutoFit/>
+          </a:bodyPr>
+          <a:lstStyle/>
+          <a:p>
+            <a:r>
+              <a:rPr lang="en-US" dirty="0">
+                <a:solidFill>
+                  <a:schemeClr val="accent6">
+                    <a:lumMod val="75000"/>
+                  </a:schemeClr>
+                </a:solidFill>
+              </a:rPr>
+              <a:t>Version Info</a:t>
+            </a:r>
+          </a:p>
+        </p:txBody>
+      </p:sp>
+      <p:sp>
+        <p:nvSpPr>
+          <p:cNvPr id="13" name="TextBox 12">
+            <a:extLst>
+              <a:ext uri="{FF2B5EF4-FFF2-40B4-BE49-F238E27FC236}">
+                <a16:creationId xmlns:a16="http://schemas.microsoft.com/office/drawing/2014/main" id="{EEE27833-6AE7-4490-ACA8-634D7BF527E7}"/>
+              </a:ext>
+            </a:extLst>
+          </p:cNvPr>
+          <p:cNvSpPr txBox="1"/>
+          <p:nvPr/>
+        </p:nvSpPr>
+        <p:spPr>
+          <a:xfrm>
+            <a:off x="2045509" y="1222511"/>
+            <a:ext cx="1394421" cy="369332"/>
+          </a:xfrm>
+          <a:prstGeom prst="rect">
+            <a:avLst/>
+          </a:prstGeom>
+          <a:noFill/>
+        </p:spPr>
+        <p:txBody>
+          <a:bodyPr wrap="none" rtlCol="0">
+            <a:spAutoFit/>
+          </a:bodyPr>
+          <a:lstStyle/>
+          <a:p>
+            <a:r>
+              <a:rPr lang="en-US" dirty="0"/>
+              <a:t>What is this?</a:t>
+            </a:r>
+          </a:p>
+        </p:txBody>
+      </p:sp>
+      <p:cxnSp>
+        <p:nvCxnSpPr>
+          <p:cNvPr id="15" name="Straight Connector 14">
+            <a:extLst>
+              <a:ext uri="{FF2B5EF4-FFF2-40B4-BE49-F238E27FC236}">
+                <a16:creationId xmlns:a16="http://schemas.microsoft.com/office/drawing/2014/main" id="{3EF40E82-75AF-4C36-BE82-CD0B838F564A}"/>
+              </a:ext>
+            </a:extLst>
+          </p:cNvPr>
+          <p:cNvCxnSpPr>
+            <a:cxnSpLocks/>
+          </p:cNvCxnSpPr>
+          <p:nvPr/>
+        </p:nvCxnSpPr>
+        <p:spPr>
+          <a:xfrm flipV="1">
+            <a:off x="1920834" y="3033603"/>
+            <a:ext cx="1415320" cy="1"/>
+          </a:xfrm>
+          <a:prstGeom prst="line">
+            <a:avLst/>
+          </a:prstGeom>
+          <a:ln cap="rnd"/>
+        </p:spPr>
+        <p:style>
+          <a:lnRef idx="3">
+            <a:schemeClr val="accent6"/>
+          </a:lnRef>
+          <a:fillRef idx="0">
+            <a:schemeClr val="accent6"/>
+          </a:fillRef>
+          <a:effectRef idx="2">
+            <a:schemeClr val="accent6"/>
+          </a:effectRef>
+          <a:fontRef idx="minor">
+            <a:schemeClr val="tx1"/>
+          </a:fontRef>
+        </p:style>
+      </p:cxnSp>
+      <p:cxnSp>
+        <p:nvCxnSpPr>
+          <p:cNvPr id="16" name="Straight Connector 15">
+            <a:extLst>
+              <a:ext uri="{FF2B5EF4-FFF2-40B4-BE49-F238E27FC236}">
+                <a16:creationId xmlns:a16="http://schemas.microsoft.com/office/drawing/2014/main" id="{BD704978-A488-43B5-8D13-A641FA7B8F5F}"/>
+              </a:ext>
+            </a:extLst>
+          </p:cNvPr>
+          <p:cNvCxnSpPr>
+            <a:cxnSpLocks/>
+            <a:endCxn id="17" idx="3"/>
+          </p:cNvCxnSpPr>
+          <p:nvPr/>
+        </p:nvCxnSpPr>
+        <p:spPr>
+          <a:xfrm flipV="1">
+            <a:off x="3345332" y="1996043"/>
+            <a:ext cx="696908" cy="1035961"/>
+          </a:xfrm>
+          <a:prstGeom prst="line">
+            <a:avLst/>
+          </a:prstGeom>
+          <a:ln cap="rnd"/>
+        </p:spPr>
+        <p:style>
+          <a:lnRef idx="3">
+            <a:schemeClr val="accent6"/>
+          </a:lnRef>
+          <a:fillRef idx="0">
+            <a:schemeClr val="accent6"/>
+          </a:fillRef>
+          <a:effectRef idx="2">
+            <a:schemeClr val="accent6"/>
+          </a:effectRef>
+          <a:fontRef idx="minor">
+            <a:schemeClr val="tx1"/>
+          </a:fontRef>
+        </p:style>
+      </p:cxnSp>
+      <p:sp>
+        <p:nvSpPr>
+          <p:cNvPr id="17" name="Oval 16">
+            <a:extLst>
+              <a:ext uri="{FF2B5EF4-FFF2-40B4-BE49-F238E27FC236}">
+                <a16:creationId xmlns:a16="http://schemas.microsoft.com/office/drawing/2014/main" id="{FB49C377-E263-47FC-9ECC-AF19F9C12794}"/>
+              </a:ext>
+            </a:extLst>
+          </p:cNvPr>
+          <p:cNvSpPr/>
+          <p:nvPr/>
+        </p:nvSpPr>
+        <p:spPr>
+          <a:xfrm>
+            <a:off x="4022711" y="1882222"/>
+            <a:ext cx="133350" cy="133350"/>
+          </a:xfrm>
+          <a:prstGeom prst="ellipse">
+            <a:avLst/>
+          </a:prstGeom>
+        </p:spPr>
+        <p:style>
+          <a:lnRef idx="2">
+            <a:schemeClr val="accent6"/>
+          </a:lnRef>
+          <a:fillRef idx="1">
+            <a:schemeClr val="lt1"/>
+          </a:fillRef>
+          <a:effectRef idx="0">
+            <a:schemeClr val="accent6"/>
+          </a:effectRef>
+          <a:fontRef idx="minor">
+            <a:schemeClr val="dk1"/>
+          </a:fontRef>
+        </p:style>
+        <p:txBody>
+          <a:bodyPr rtlCol="0" anchor="ctr"/>
+          <a:lstStyle/>
+          <a:p>
+            <a:pPr algn="ctr"/>
+            <a:endParaRPr lang="en-US" dirty="0"/>
+          </a:p>
+        </p:txBody>
+      </p:sp>
+      <p:sp>
+        <p:nvSpPr>
+          <p:cNvPr id="18" name="TextBox 17">
+            <a:extLst>
+              <a:ext uri="{FF2B5EF4-FFF2-40B4-BE49-F238E27FC236}">
+                <a16:creationId xmlns:a16="http://schemas.microsoft.com/office/drawing/2014/main" id="{6DB2D5B6-174D-4FD1-BD9D-A9A150032FE9}"/>
+              </a:ext>
+            </a:extLst>
+          </p:cNvPr>
+          <p:cNvSpPr txBox="1"/>
+          <p:nvPr/>
+        </p:nvSpPr>
+        <p:spPr>
+          <a:xfrm>
+            <a:off x="1830347" y="2664271"/>
+            <a:ext cx="632289" cy="369332"/>
+          </a:xfrm>
+          <a:prstGeom prst="rect">
+            <a:avLst/>
+          </a:prstGeom>
+          <a:noFill/>
+        </p:spPr>
+        <p:txBody>
+          <a:bodyPr wrap="none" rtlCol="0">
+            <a:spAutoFit/>
+          </a:bodyPr>
+          <a:lstStyle/>
+          <a:p>
+            <a:r>
+              <a:rPr lang="en-US" dirty="0">
+                <a:solidFill>
+                  <a:schemeClr val="accent6">
+                    <a:lumMod val="75000"/>
+                  </a:schemeClr>
+                </a:solidFill>
+              </a:rPr>
+              <a:t>Start</a:t>
+            </a:r>
+          </a:p>
+        </p:txBody>
+      </p:sp>
+      <p:sp>
+        <p:nvSpPr>
+          <p:cNvPr id="21" name="TextBox 20">
+            <a:extLst>
+              <a:ext uri="{FF2B5EF4-FFF2-40B4-BE49-F238E27FC236}">
+                <a16:creationId xmlns:a16="http://schemas.microsoft.com/office/drawing/2014/main" id="{DC718CB7-F8D1-4195-901B-86FD1D2BB6E0}"/>
+              </a:ext>
+            </a:extLst>
+          </p:cNvPr>
+          <p:cNvSpPr txBox="1"/>
+          <p:nvPr/>
+        </p:nvSpPr>
+        <p:spPr>
+          <a:xfrm>
+            <a:off x="1835110" y="3033603"/>
+            <a:ext cx="1575807" cy="646331"/>
+          </a:xfrm>
+          <a:prstGeom prst="rect">
+            <a:avLst/>
+          </a:prstGeom>
+          <a:noFill/>
+        </p:spPr>
+        <p:txBody>
+          <a:bodyPr wrap="square" rtlCol="0">
+            <a:spAutoFit/>
+          </a:bodyPr>
+          <a:lstStyle/>
+          <a:p>
+            <a:r>
+              <a:rPr lang="en-US" dirty="0"/>
+              <a:t>Where do we begin?</a:t>
+            </a:r>
+          </a:p>
+        </p:txBody>
+      </p:sp>
+      <p:cxnSp>
+        <p:nvCxnSpPr>
+          <p:cNvPr id="22" name="Straight Connector 21">
+            <a:extLst>
+              <a:ext uri="{FF2B5EF4-FFF2-40B4-BE49-F238E27FC236}">
+                <a16:creationId xmlns:a16="http://schemas.microsoft.com/office/drawing/2014/main" id="{281F65D4-8811-4C7C-9370-9FFB690657BE}"/>
+              </a:ext>
+            </a:extLst>
+          </p:cNvPr>
+          <p:cNvCxnSpPr>
+            <a:cxnSpLocks/>
+          </p:cNvCxnSpPr>
+          <p:nvPr/>
+        </p:nvCxnSpPr>
+        <p:spPr>
+          <a:xfrm flipH="1">
+            <a:off x="9463088" y="4680982"/>
+            <a:ext cx="1104900" cy="1"/>
+          </a:xfrm>
+          <a:prstGeom prst="line">
+            <a:avLst/>
+          </a:prstGeom>
+          <a:ln cap="rnd"/>
+        </p:spPr>
+        <p:style>
+          <a:lnRef idx="3">
+            <a:schemeClr val="accent6"/>
+          </a:lnRef>
+          <a:fillRef idx="0">
+            <a:schemeClr val="accent6"/>
+          </a:fillRef>
+          <a:effectRef idx="2">
+            <a:schemeClr val="accent6"/>
+          </a:effectRef>
+          <a:fontRef idx="minor">
+            <a:schemeClr val="tx1"/>
+          </a:fontRef>
+        </p:style>
+      </p:cxnSp>
+      <p:cxnSp>
+        <p:nvCxnSpPr>
+          <p:cNvPr id="23" name="Straight Connector 22">
+            <a:extLst>
+              <a:ext uri="{FF2B5EF4-FFF2-40B4-BE49-F238E27FC236}">
+                <a16:creationId xmlns:a16="http://schemas.microsoft.com/office/drawing/2014/main" id="{E0D3EF36-CFD1-4353-B6BE-50AEE339ED21}"/>
+              </a:ext>
+            </a:extLst>
+          </p:cNvPr>
+          <p:cNvCxnSpPr>
+            <a:cxnSpLocks/>
+            <a:endCxn id="24" idx="6"/>
+          </p:cNvCxnSpPr>
+          <p:nvPr/>
+        </p:nvCxnSpPr>
+        <p:spPr>
+          <a:xfrm flipH="1" flipV="1">
+            <a:off x="7966763" y="4617737"/>
+            <a:ext cx="1475587" cy="63245"/>
+          </a:xfrm>
+          <a:prstGeom prst="line">
+            <a:avLst/>
+          </a:prstGeom>
+          <a:ln cap="rnd"/>
+        </p:spPr>
+        <p:style>
+          <a:lnRef idx="3">
+            <a:schemeClr val="accent6"/>
+          </a:lnRef>
+          <a:fillRef idx="0">
+            <a:schemeClr val="accent6"/>
+          </a:fillRef>
+          <a:effectRef idx="2">
+            <a:schemeClr val="accent6"/>
+          </a:effectRef>
+          <a:fontRef idx="minor">
+            <a:schemeClr val="tx1"/>
+          </a:fontRef>
+        </p:style>
+      </p:cxnSp>
+      <p:sp>
+        <p:nvSpPr>
+          <p:cNvPr id="24" name="Oval 23">
+            <a:extLst>
+              <a:ext uri="{FF2B5EF4-FFF2-40B4-BE49-F238E27FC236}">
+                <a16:creationId xmlns:a16="http://schemas.microsoft.com/office/drawing/2014/main" id="{9442696C-9BC0-478B-9CA9-E9EE6FB12287}"/>
+              </a:ext>
+            </a:extLst>
+          </p:cNvPr>
+          <p:cNvSpPr/>
+          <p:nvPr/>
+        </p:nvSpPr>
+        <p:spPr>
+          <a:xfrm>
+            <a:off x="7833413" y="4551062"/>
+            <a:ext cx="133350" cy="133350"/>
+          </a:xfrm>
+          <a:prstGeom prst="ellipse">
+            <a:avLst/>
+          </a:prstGeom>
+        </p:spPr>
+        <p:style>
+          <a:lnRef idx="2">
+            <a:schemeClr val="accent6"/>
+          </a:lnRef>
+          <a:fillRef idx="1">
+            <a:schemeClr val="lt1"/>
+          </a:fillRef>
+          <a:effectRef idx="0">
+            <a:schemeClr val="accent6"/>
+          </a:effectRef>
+          <a:fontRef idx="minor">
+            <a:schemeClr val="dk1"/>
+          </a:fontRef>
+        </p:style>
+        <p:txBody>
+          <a:bodyPr rtlCol="0" anchor="ctr"/>
+          <a:lstStyle/>
+          <a:p>
+            <a:pPr algn="ctr"/>
+            <a:endParaRPr lang="en-US" dirty="0"/>
+          </a:p>
+        </p:txBody>
+      </p:sp>
+      <p:sp>
+        <p:nvSpPr>
+          <p:cNvPr id="25" name="TextBox 24">
+            <a:extLst>
+              <a:ext uri="{FF2B5EF4-FFF2-40B4-BE49-F238E27FC236}">
+                <a16:creationId xmlns:a16="http://schemas.microsoft.com/office/drawing/2014/main" id="{5FD8137D-08BF-449C-AE7B-0500735A5E83}"/>
+              </a:ext>
+            </a:extLst>
+          </p:cNvPr>
+          <p:cNvSpPr txBox="1"/>
+          <p:nvPr/>
+        </p:nvSpPr>
+        <p:spPr>
+          <a:xfrm>
+            <a:off x="9836642" y="4325937"/>
+            <a:ext cx="657552" cy="369332"/>
+          </a:xfrm>
+          <a:prstGeom prst="rect">
+            <a:avLst/>
+          </a:prstGeom>
+          <a:noFill/>
+        </p:spPr>
+        <p:txBody>
+          <a:bodyPr wrap="none" rtlCol="0">
+            <a:spAutoFit/>
+          </a:bodyPr>
+          <a:lstStyle/>
+          <a:p>
+            <a:r>
+              <a:rPr lang="en-US" dirty="0">
+                <a:solidFill>
+                  <a:schemeClr val="accent6">
+                    <a:lumMod val="75000"/>
+                  </a:schemeClr>
+                </a:solidFill>
+              </a:rPr>
+              <a:t>Body</a:t>
+            </a:r>
+          </a:p>
+        </p:txBody>
+      </p:sp>
+      <p:sp>
+        <p:nvSpPr>
+          <p:cNvPr id="26" name="TextBox 25">
+            <a:extLst>
+              <a:ext uri="{FF2B5EF4-FFF2-40B4-BE49-F238E27FC236}">
+                <a16:creationId xmlns:a16="http://schemas.microsoft.com/office/drawing/2014/main" id="{30D60AED-8345-4913-BD01-097112D373CB}"/>
+              </a:ext>
+            </a:extLst>
+          </p:cNvPr>
+          <p:cNvSpPr txBox="1"/>
+          <p:nvPr/>
+        </p:nvSpPr>
+        <p:spPr>
+          <a:xfrm>
+            <a:off x="9316751" y="4693126"/>
+            <a:ext cx="1416738" cy="923330"/>
+          </a:xfrm>
+          <a:prstGeom prst="rect">
+            <a:avLst/>
+          </a:prstGeom>
+          <a:noFill/>
+        </p:spPr>
+        <p:txBody>
+          <a:bodyPr wrap="square" rtlCol="0">
+            <a:spAutoFit/>
+          </a:bodyPr>
+          <a:lstStyle/>
+          <a:p>
+            <a:pPr algn="r"/>
+            <a:r>
+              <a:rPr lang="en-US" dirty="0"/>
+              <a:t>The part the user actually “consumes.”</a:t>
+            </a:r>
+          </a:p>
+        </p:txBody>
+      </p:sp>
+      <p:cxnSp>
+        <p:nvCxnSpPr>
+          <p:cNvPr id="29" name="Straight Connector 28">
+            <a:extLst>
+              <a:ext uri="{FF2B5EF4-FFF2-40B4-BE49-F238E27FC236}">
+                <a16:creationId xmlns:a16="http://schemas.microsoft.com/office/drawing/2014/main" id="{019108DC-831E-4879-A640-53B4FCF9C7A9}"/>
+              </a:ext>
+            </a:extLst>
+          </p:cNvPr>
+          <p:cNvCxnSpPr>
+            <a:cxnSpLocks/>
+          </p:cNvCxnSpPr>
+          <p:nvPr/>
+        </p:nvCxnSpPr>
+        <p:spPr>
+          <a:xfrm flipH="1">
+            <a:off x="9687060" y="1846477"/>
+            <a:ext cx="1569266" cy="0"/>
+          </a:xfrm>
+          <a:prstGeom prst="line">
+            <a:avLst/>
+          </a:prstGeom>
+          <a:ln cap="rnd"/>
+        </p:spPr>
+        <p:style>
+          <a:lnRef idx="3">
+            <a:schemeClr val="accent6"/>
+          </a:lnRef>
+          <a:fillRef idx="0">
+            <a:schemeClr val="accent6"/>
+          </a:fillRef>
+          <a:effectRef idx="2">
+            <a:schemeClr val="accent6"/>
+          </a:effectRef>
+          <a:fontRef idx="minor">
+            <a:schemeClr val="tx1"/>
+          </a:fontRef>
+        </p:style>
+      </p:cxnSp>
+      <p:cxnSp>
+        <p:nvCxnSpPr>
+          <p:cNvPr id="30" name="Straight Connector 29">
+            <a:extLst>
+              <a:ext uri="{FF2B5EF4-FFF2-40B4-BE49-F238E27FC236}">
+                <a16:creationId xmlns:a16="http://schemas.microsoft.com/office/drawing/2014/main" id="{E7DB3AE7-E4CD-4EDA-8372-16564775FA28}"/>
+              </a:ext>
+            </a:extLst>
+          </p:cNvPr>
+          <p:cNvCxnSpPr>
+            <a:cxnSpLocks/>
+            <a:endCxn id="31" idx="6"/>
+          </p:cNvCxnSpPr>
+          <p:nvPr/>
+        </p:nvCxnSpPr>
+        <p:spPr>
+          <a:xfrm flipH="1">
+            <a:off x="7137929" y="1846477"/>
+            <a:ext cx="2555571" cy="754702"/>
+          </a:xfrm>
+          <a:prstGeom prst="line">
+            <a:avLst/>
+          </a:prstGeom>
+          <a:ln cap="rnd"/>
+        </p:spPr>
+        <p:style>
+          <a:lnRef idx="3">
+            <a:schemeClr val="accent6"/>
+          </a:lnRef>
+          <a:fillRef idx="0">
+            <a:schemeClr val="accent6"/>
+          </a:fillRef>
+          <a:effectRef idx="2">
+            <a:schemeClr val="accent6"/>
+          </a:effectRef>
+          <a:fontRef idx="minor">
+            <a:schemeClr val="tx1"/>
+          </a:fontRef>
+        </p:style>
+      </p:cxnSp>
+      <p:sp>
+        <p:nvSpPr>
+          <p:cNvPr id="31" name="Oval 30">
+            <a:extLst>
+              <a:ext uri="{FF2B5EF4-FFF2-40B4-BE49-F238E27FC236}">
+                <a16:creationId xmlns:a16="http://schemas.microsoft.com/office/drawing/2014/main" id="{6FFE47B9-57C8-4E04-91FB-14709991813A}"/>
+              </a:ext>
+            </a:extLst>
+          </p:cNvPr>
+          <p:cNvSpPr/>
+          <p:nvPr/>
+        </p:nvSpPr>
+        <p:spPr>
+          <a:xfrm>
+            <a:off x="7004579" y="2534504"/>
+            <a:ext cx="133350" cy="133350"/>
+          </a:xfrm>
+          <a:prstGeom prst="ellipse">
+            <a:avLst/>
+          </a:prstGeom>
+        </p:spPr>
+        <p:style>
+          <a:lnRef idx="2">
+            <a:schemeClr val="accent6"/>
+          </a:lnRef>
+          <a:fillRef idx="1">
+            <a:schemeClr val="lt1"/>
+          </a:fillRef>
+          <a:effectRef idx="0">
+            <a:schemeClr val="accent6"/>
+          </a:effectRef>
+          <a:fontRef idx="minor">
+            <a:schemeClr val="dk1"/>
+          </a:fontRef>
+        </p:style>
+        <p:txBody>
+          <a:bodyPr rtlCol="0" anchor="ctr"/>
+          <a:lstStyle/>
+          <a:p>
+            <a:pPr algn="ctr"/>
+            <a:endParaRPr lang="en-US" dirty="0"/>
+          </a:p>
+        </p:txBody>
+      </p:sp>
+      <p:sp>
+        <p:nvSpPr>
+          <p:cNvPr id="32" name="TextBox 31">
+            <a:extLst>
+              <a:ext uri="{FF2B5EF4-FFF2-40B4-BE49-F238E27FC236}">
+                <a16:creationId xmlns:a16="http://schemas.microsoft.com/office/drawing/2014/main" id="{1BA67ACD-6A40-4ED1-9EF4-C8F06D2CA166}"/>
+              </a:ext>
+            </a:extLst>
+          </p:cNvPr>
+          <p:cNvSpPr txBox="1"/>
+          <p:nvPr/>
+        </p:nvSpPr>
+        <p:spPr>
+          <a:xfrm>
+            <a:off x="10060614" y="1491431"/>
+            <a:ext cx="1187184" cy="369332"/>
+          </a:xfrm>
+          <a:prstGeom prst="rect">
+            <a:avLst/>
+          </a:prstGeom>
+          <a:noFill/>
+        </p:spPr>
+        <p:txBody>
+          <a:bodyPr wrap="none" rtlCol="0">
+            <a:spAutoFit/>
+          </a:bodyPr>
+          <a:lstStyle/>
+          <a:p>
+            <a:r>
+              <a:rPr lang="en-US" dirty="0">
+                <a:solidFill>
+                  <a:schemeClr val="accent6">
+                    <a:lumMod val="75000"/>
+                  </a:schemeClr>
+                </a:solidFill>
+              </a:rPr>
+              <a:t>Meta-Data</a:t>
+            </a:r>
+          </a:p>
+        </p:txBody>
+      </p:sp>
+      <p:sp>
+        <p:nvSpPr>
+          <p:cNvPr id="33" name="TextBox 32">
+            <a:extLst>
+              <a:ext uri="{FF2B5EF4-FFF2-40B4-BE49-F238E27FC236}">
+                <a16:creationId xmlns:a16="http://schemas.microsoft.com/office/drawing/2014/main" id="{E4ED2E01-78B9-4E9E-97D7-97336255BDE0}"/>
+              </a:ext>
+            </a:extLst>
+          </p:cNvPr>
+          <p:cNvSpPr txBox="1"/>
+          <p:nvPr/>
+        </p:nvSpPr>
+        <p:spPr>
+          <a:xfrm>
+            <a:off x="9867204" y="1858620"/>
+            <a:ext cx="1416738" cy="923330"/>
+          </a:xfrm>
+          <a:prstGeom prst="rect">
+            <a:avLst/>
+          </a:prstGeom>
+          <a:noFill/>
+        </p:spPr>
+        <p:txBody>
+          <a:bodyPr wrap="square" rtlCol="0">
+            <a:spAutoFit/>
+          </a:bodyPr>
+          <a:lstStyle/>
+          <a:p>
+            <a:pPr algn="r"/>
+            <a:r>
+              <a:rPr lang="en-US" dirty="0"/>
+              <a:t>Information about the content.</a:t>
+            </a:r>
+          </a:p>
+        </p:txBody>
+      </p:sp>
+      <p:sp>
+        <p:nvSpPr>
+          <p:cNvPr id="38" name="TextBox 37">
+            <a:extLst>
+              <a:ext uri="{FF2B5EF4-FFF2-40B4-BE49-F238E27FC236}">
+                <a16:creationId xmlns:a16="http://schemas.microsoft.com/office/drawing/2014/main" id="{91D2CAB9-EF2E-4B5B-B20A-806B6DD60F42}"/>
+              </a:ext>
+            </a:extLst>
+          </p:cNvPr>
+          <p:cNvSpPr txBox="1"/>
+          <p:nvPr/>
+        </p:nvSpPr>
+        <p:spPr>
+          <a:xfrm>
+            <a:off x="0" y="250222"/>
+            <a:ext cx="12192000" cy="523220"/>
+          </a:xfrm>
+          <a:prstGeom prst="rect">
+            <a:avLst/>
+          </a:prstGeom>
+          <a:noFill/>
+        </p:spPr>
+        <p:txBody>
+          <a:bodyPr wrap="square" rtlCol="0">
+            <a:spAutoFit/>
+          </a:bodyPr>
+          <a:lstStyle/>
+          <a:p>
+            <a:pPr algn="ctr"/>
+            <a:r>
+              <a:rPr lang="en-US" sz="2800" dirty="0">
+                <a:solidFill>
+                  <a:schemeClr val="accent6">
+                    <a:lumMod val="75000"/>
+                  </a:schemeClr>
+                </a:solidFill>
+              </a:rPr>
+              <a:t>Protocols are like [Pizza] Boxes</a:t>
+            </a:r>
+          </a:p>
+        </p:txBody>
+      </p:sp>
+      <p:grpSp>
+        <p:nvGrpSpPr>
+          <p:cNvPr id="49" name="Group 48">
+            <a:extLst>
+              <a:ext uri="{FF2B5EF4-FFF2-40B4-BE49-F238E27FC236}">
+                <a16:creationId xmlns:a16="http://schemas.microsoft.com/office/drawing/2014/main" id="{B8CE06AF-2806-4107-95D9-AAC286CC343B}"/>
+              </a:ext>
+            </a:extLst>
+          </p:cNvPr>
+          <p:cNvGrpSpPr/>
+          <p:nvPr/>
+        </p:nvGrpSpPr>
+        <p:grpSpPr>
+          <a:xfrm>
+            <a:off x="3766877" y="629685"/>
+            <a:ext cx="4498072" cy="297874"/>
+            <a:chOff x="3971469" y="624781"/>
+            <a:chExt cx="4498072" cy="297874"/>
+          </a:xfrm>
+        </p:grpSpPr>
+        <p:cxnSp>
+          <p:nvCxnSpPr>
+            <p:cNvPr id="40" name="Straight Connector 39">
+              <a:extLst>
+                <a:ext uri="{FF2B5EF4-FFF2-40B4-BE49-F238E27FC236}">
+                  <a16:creationId xmlns:a16="http://schemas.microsoft.com/office/drawing/2014/main" id="{D6E0AC31-61D0-4CE2-AA3B-3C6978E8704A}"/>
+                </a:ext>
+              </a:extLst>
+            </p:cNvPr>
+            <p:cNvCxnSpPr/>
+            <p:nvPr/>
+          </p:nvCxnSpPr>
+          <p:spPr>
+            <a:xfrm>
+              <a:off x="5170031" y="773442"/>
+              <a:ext cx="2057400" cy="0"/>
+            </a:xfrm>
+            <a:prstGeom prst="line">
+              <a:avLst/>
+            </a:prstGeom>
+            <a:ln cap="rnd"/>
+          </p:spPr>
+          <p:style>
+            <a:lnRef idx="3">
+              <a:schemeClr val="accent6"/>
+            </a:lnRef>
+            <a:fillRef idx="0">
+              <a:schemeClr val="accent6"/>
+            </a:fillRef>
+            <a:effectRef idx="2">
+              <a:schemeClr val="accent6"/>
+            </a:effectRef>
+            <a:fontRef idx="minor">
+              <a:schemeClr val="tx1"/>
+            </a:fontRef>
+          </p:style>
+        </p:cxnSp>
+        <p:cxnSp>
+          <p:nvCxnSpPr>
+            <p:cNvPr id="41" name="Straight Connector 40">
+              <a:extLst>
+                <a:ext uri="{FF2B5EF4-FFF2-40B4-BE49-F238E27FC236}">
+                  <a16:creationId xmlns:a16="http://schemas.microsoft.com/office/drawing/2014/main" id="{B388F3BF-FB37-4435-8519-443F06647178}"/>
+                </a:ext>
+              </a:extLst>
+            </p:cNvPr>
+            <p:cNvCxnSpPr>
+              <a:cxnSpLocks/>
+            </p:cNvCxnSpPr>
+            <p:nvPr/>
+          </p:nvCxnSpPr>
+          <p:spPr>
+            <a:xfrm>
+              <a:off x="7349270" y="697242"/>
+              <a:ext cx="1027511" cy="0"/>
+            </a:xfrm>
+            <a:prstGeom prst="line">
+              <a:avLst/>
+            </a:prstGeom>
+            <a:ln cap="rnd"/>
+          </p:spPr>
+          <p:style>
+            <a:lnRef idx="3">
+              <a:schemeClr val="accent6"/>
+            </a:lnRef>
+            <a:fillRef idx="0">
+              <a:schemeClr val="accent6"/>
+            </a:fillRef>
+            <a:effectRef idx="2">
+              <a:schemeClr val="accent6"/>
+            </a:effectRef>
+            <a:fontRef idx="minor">
+              <a:schemeClr val="tx1"/>
+            </a:fontRef>
+          </p:style>
+        </p:cxnSp>
+        <p:cxnSp>
+          <p:nvCxnSpPr>
+            <p:cNvPr id="43" name="Straight Connector 42">
+              <a:extLst>
+                <a:ext uri="{FF2B5EF4-FFF2-40B4-BE49-F238E27FC236}">
+                  <a16:creationId xmlns:a16="http://schemas.microsoft.com/office/drawing/2014/main" id="{EC5F7052-9710-4CD3-8A81-EEE0E9A7244C}"/>
+                </a:ext>
+              </a:extLst>
+            </p:cNvPr>
+            <p:cNvCxnSpPr>
+              <a:cxnSpLocks/>
+            </p:cNvCxnSpPr>
+            <p:nvPr/>
+          </p:nvCxnSpPr>
+          <p:spPr>
+            <a:xfrm flipV="1">
+              <a:off x="7227431" y="697242"/>
+              <a:ext cx="121839" cy="76200"/>
+            </a:xfrm>
+            <a:prstGeom prst="line">
+              <a:avLst/>
+            </a:prstGeom>
+            <a:ln cap="rnd"/>
+          </p:spPr>
+          <p:style>
+            <a:lnRef idx="3">
+              <a:schemeClr val="accent6"/>
+            </a:lnRef>
+            <a:fillRef idx="0">
+              <a:schemeClr val="accent6"/>
+            </a:fillRef>
+            <a:effectRef idx="2">
+              <a:schemeClr val="accent6"/>
+            </a:effectRef>
+            <a:fontRef idx="minor">
+              <a:schemeClr val="tx1"/>
+            </a:fontRef>
+          </p:style>
+        </p:cxnSp>
+        <p:cxnSp>
+          <p:nvCxnSpPr>
+            <p:cNvPr id="46" name="Straight Connector 45">
+              <a:extLst>
+                <a:ext uri="{FF2B5EF4-FFF2-40B4-BE49-F238E27FC236}">
+                  <a16:creationId xmlns:a16="http://schemas.microsoft.com/office/drawing/2014/main" id="{C86B609C-3E9D-4EA1-9D7B-7AD108C8C57B}"/>
+                </a:ext>
+              </a:extLst>
+            </p:cNvPr>
+            <p:cNvCxnSpPr>
+              <a:cxnSpLocks/>
+            </p:cNvCxnSpPr>
+            <p:nvPr/>
+          </p:nvCxnSpPr>
+          <p:spPr>
+            <a:xfrm flipV="1">
+              <a:off x="5048192" y="773442"/>
+              <a:ext cx="121839" cy="76200"/>
+            </a:xfrm>
+            <a:prstGeom prst="line">
+              <a:avLst/>
+            </a:prstGeom>
+            <a:ln cap="rnd"/>
+          </p:spPr>
+          <p:style>
+            <a:lnRef idx="3">
+              <a:schemeClr val="accent6"/>
+            </a:lnRef>
+            <a:fillRef idx="0">
+              <a:schemeClr val="accent6"/>
+            </a:fillRef>
+            <a:effectRef idx="2">
+              <a:schemeClr val="accent6"/>
+            </a:effectRef>
+            <a:fontRef idx="minor">
+              <a:schemeClr val="tx1"/>
+            </a:fontRef>
+          </p:style>
+        </p:cxnSp>
+        <p:cxnSp>
+          <p:nvCxnSpPr>
+            <p:cNvPr id="47" name="Straight Connector 46">
+              <a:extLst>
+                <a:ext uri="{FF2B5EF4-FFF2-40B4-BE49-F238E27FC236}">
+                  <a16:creationId xmlns:a16="http://schemas.microsoft.com/office/drawing/2014/main" id="{0D690C07-0109-4CEC-B0CC-434EED608911}"/>
+                </a:ext>
+              </a:extLst>
+            </p:cNvPr>
+            <p:cNvCxnSpPr>
+              <a:cxnSpLocks/>
+            </p:cNvCxnSpPr>
+            <p:nvPr/>
+          </p:nvCxnSpPr>
+          <p:spPr>
+            <a:xfrm flipV="1">
+              <a:off x="4021655" y="849642"/>
+              <a:ext cx="1026537" cy="11668"/>
+            </a:xfrm>
+            <a:prstGeom prst="line">
+              <a:avLst/>
+            </a:prstGeom>
+            <a:ln cap="rnd"/>
+          </p:spPr>
+          <p:style>
+            <a:lnRef idx="3">
+              <a:schemeClr val="accent6"/>
+            </a:lnRef>
+            <a:fillRef idx="0">
+              <a:schemeClr val="accent6"/>
+            </a:fillRef>
+            <a:effectRef idx="2">
+              <a:schemeClr val="accent6"/>
+            </a:effectRef>
+            <a:fontRef idx="minor">
+              <a:schemeClr val="tx1"/>
+            </a:fontRef>
+          </p:style>
+        </p:cxnSp>
+        <p:sp>
+          <p:nvSpPr>
+            <p:cNvPr id="50" name="Oval 49">
+              <a:extLst>
+                <a:ext uri="{FF2B5EF4-FFF2-40B4-BE49-F238E27FC236}">
+                  <a16:creationId xmlns:a16="http://schemas.microsoft.com/office/drawing/2014/main" id="{EEA3A56A-D77B-4804-9467-3C2325189A39}"/>
+                </a:ext>
+              </a:extLst>
+            </p:cNvPr>
+            <p:cNvSpPr/>
+            <p:nvPr/>
+          </p:nvSpPr>
+          <p:spPr>
+            <a:xfrm>
+              <a:off x="3971469" y="789305"/>
+              <a:ext cx="133350" cy="133350"/>
+            </a:xfrm>
+            <a:prstGeom prst="ellipse">
+              <a:avLst/>
+            </a:prstGeom>
+          </p:spPr>
+          <p:style>
+            <a:lnRef idx="2">
+              <a:schemeClr val="accent6"/>
+            </a:lnRef>
+            <a:fillRef idx="1">
+              <a:schemeClr val="lt1"/>
+            </a:fillRef>
+            <a:effectRef idx="0">
+              <a:schemeClr val="accent6"/>
+            </a:effectRef>
+            <a:fontRef idx="minor">
+              <a:schemeClr val="dk1"/>
+            </a:fontRef>
+          </p:style>
+          <p:txBody>
+            <a:bodyPr rtlCol="0" anchor="ctr"/>
+            <a:lstStyle/>
+            <a:p>
+              <a:pPr algn="ctr"/>
+              <a:endParaRPr lang="en-US" i="1" dirty="0"/>
+            </a:p>
+          </p:txBody>
+        </p:sp>
+        <p:sp>
+          <p:nvSpPr>
+            <p:cNvPr id="51" name="Oval 50">
+              <a:extLst>
+                <a:ext uri="{FF2B5EF4-FFF2-40B4-BE49-F238E27FC236}">
+                  <a16:creationId xmlns:a16="http://schemas.microsoft.com/office/drawing/2014/main" id="{488A40C9-3C11-477D-B0FB-19648893F367}"/>
+                </a:ext>
+              </a:extLst>
+            </p:cNvPr>
+            <p:cNvSpPr/>
+            <p:nvPr/>
+          </p:nvSpPr>
+          <p:spPr>
+            <a:xfrm>
+              <a:off x="8336191" y="624781"/>
+              <a:ext cx="133350" cy="133350"/>
+            </a:xfrm>
+            <a:prstGeom prst="ellipse">
+              <a:avLst/>
+            </a:prstGeom>
+          </p:spPr>
+          <p:style>
+            <a:lnRef idx="2">
+              <a:schemeClr val="accent6"/>
+            </a:lnRef>
+            <a:fillRef idx="1">
+              <a:schemeClr val="lt1"/>
+            </a:fillRef>
+            <a:effectRef idx="0">
+              <a:schemeClr val="accent6"/>
+            </a:effectRef>
+            <a:fontRef idx="minor">
+              <a:schemeClr val="dk1"/>
+            </a:fontRef>
+          </p:style>
+          <p:txBody>
+            <a:bodyPr rtlCol="0" anchor="ctr"/>
+            <a:lstStyle/>
+            <a:p>
+              <a:pPr algn="ctr"/>
+              <a:endParaRPr lang="en-US" i="1" dirty="0"/>
+            </a:p>
+          </p:txBody>
+        </p:sp>
+      </p:grpSp>
+      <p:cxnSp>
+        <p:nvCxnSpPr>
+          <p:cNvPr id="48" name="Straight Connector 47">
+            <a:extLst>
+              <a:ext uri="{FF2B5EF4-FFF2-40B4-BE49-F238E27FC236}">
+                <a16:creationId xmlns:a16="http://schemas.microsoft.com/office/drawing/2014/main" id="{D960A732-7D82-4432-825E-DCAFE0FE2334}"/>
+              </a:ext>
+            </a:extLst>
+          </p:cNvPr>
+          <p:cNvCxnSpPr>
+            <a:cxnSpLocks/>
+          </p:cNvCxnSpPr>
+          <p:nvPr/>
+        </p:nvCxnSpPr>
+        <p:spPr>
+          <a:xfrm>
+            <a:off x="1913778" y="4657266"/>
+            <a:ext cx="1594494" cy="0"/>
+          </a:xfrm>
+          <a:prstGeom prst="line">
+            <a:avLst/>
+          </a:prstGeom>
+          <a:ln cap="rnd"/>
+        </p:spPr>
+        <p:style>
+          <a:lnRef idx="3">
+            <a:schemeClr val="accent6"/>
+          </a:lnRef>
+          <a:fillRef idx="0">
+            <a:schemeClr val="accent6"/>
+          </a:fillRef>
+          <a:effectRef idx="2">
+            <a:schemeClr val="accent6"/>
+          </a:effectRef>
+          <a:fontRef idx="minor">
+            <a:schemeClr val="tx1"/>
+          </a:fontRef>
+        </p:style>
+      </p:cxnSp>
+      <p:cxnSp>
+        <p:nvCxnSpPr>
+          <p:cNvPr id="52" name="Straight Connector 51">
+            <a:extLst>
+              <a:ext uri="{FF2B5EF4-FFF2-40B4-BE49-F238E27FC236}">
+                <a16:creationId xmlns:a16="http://schemas.microsoft.com/office/drawing/2014/main" id="{9EA4A6AC-0213-4354-98AC-DD79623B7615}"/>
+              </a:ext>
+            </a:extLst>
+          </p:cNvPr>
+          <p:cNvCxnSpPr>
+            <a:cxnSpLocks/>
+            <a:endCxn id="53" idx="1"/>
+          </p:cNvCxnSpPr>
+          <p:nvPr/>
+        </p:nvCxnSpPr>
+        <p:spPr>
+          <a:xfrm>
+            <a:off x="3508272" y="4657266"/>
+            <a:ext cx="517210" cy="441052"/>
+          </a:xfrm>
+          <a:prstGeom prst="line">
+            <a:avLst/>
+          </a:prstGeom>
+          <a:ln cap="rnd"/>
+        </p:spPr>
+        <p:style>
+          <a:lnRef idx="3">
+            <a:schemeClr val="accent6"/>
+          </a:lnRef>
+          <a:fillRef idx="0">
+            <a:schemeClr val="accent6"/>
+          </a:fillRef>
+          <a:effectRef idx="2">
+            <a:schemeClr val="accent6"/>
+          </a:effectRef>
+          <a:fontRef idx="minor">
+            <a:schemeClr val="tx1"/>
+          </a:fontRef>
+        </p:style>
+      </p:cxnSp>
+      <p:sp>
+        <p:nvSpPr>
+          <p:cNvPr id="53" name="Oval 52">
+            <a:extLst>
+              <a:ext uri="{FF2B5EF4-FFF2-40B4-BE49-F238E27FC236}">
+                <a16:creationId xmlns:a16="http://schemas.microsoft.com/office/drawing/2014/main" id="{D09B7019-2E0F-495A-940B-EFC415D75B5C}"/>
+              </a:ext>
+            </a:extLst>
+          </p:cNvPr>
+          <p:cNvSpPr/>
+          <p:nvPr/>
+        </p:nvSpPr>
+        <p:spPr>
+          <a:xfrm>
+            <a:off x="4005953" y="5078789"/>
+            <a:ext cx="133350" cy="133350"/>
+          </a:xfrm>
+          <a:prstGeom prst="ellipse">
+            <a:avLst/>
+          </a:prstGeom>
+        </p:spPr>
+        <p:style>
+          <a:lnRef idx="2">
+            <a:schemeClr val="accent6"/>
+          </a:lnRef>
+          <a:fillRef idx="1">
+            <a:schemeClr val="lt1"/>
+          </a:fillRef>
+          <a:effectRef idx="0">
+            <a:schemeClr val="accent6"/>
+          </a:effectRef>
+          <a:fontRef idx="minor">
+            <a:schemeClr val="dk1"/>
+          </a:fontRef>
+        </p:style>
+        <p:txBody>
+          <a:bodyPr rtlCol="0" anchor="ctr"/>
+          <a:lstStyle/>
+          <a:p>
+            <a:pPr algn="ctr"/>
+            <a:endParaRPr lang="en-US" dirty="0"/>
+          </a:p>
+        </p:txBody>
+      </p:sp>
+      <p:sp>
+        <p:nvSpPr>
+          <p:cNvPr id="54" name="TextBox 53">
+            <a:extLst>
+              <a:ext uri="{FF2B5EF4-FFF2-40B4-BE49-F238E27FC236}">
+                <a16:creationId xmlns:a16="http://schemas.microsoft.com/office/drawing/2014/main" id="{FD1212CE-5918-4296-AFDE-C8957B579882}"/>
+              </a:ext>
+            </a:extLst>
+          </p:cNvPr>
+          <p:cNvSpPr txBox="1"/>
+          <p:nvPr/>
+        </p:nvSpPr>
+        <p:spPr>
+          <a:xfrm>
+            <a:off x="2060463" y="4342119"/>
+            <a:ext cx="540533" cy="369332"/>
+          </a:xfrm>
+          <a:prstGeom prst="rect">
+            <a:avLst/>
+          </a:prstGeom>
+          <a:noFill/>
+        </p:spPr>
+        <p:txBody>
+          <a:bodyPr wrap="none" rtlCol="0">
+            <a:spAutoFit/>
+          </a:bodyPr>
+          <a:lstStyle/>
+          <a:p>
+            <a:r>
+              <a:rPr lang="en-US" dirty="0">
+                <a:solidFill>
+                  <a:schemeClr val="accent6">
+                    <a:lumMod val="75000"/>
+                  </a:schemeClr>
+                </a:solidFill>
+              </a:rPr>
+              <a:t>End</a:t>
+            </a:r>
+          </a:p>
+        </p:txBody>
+      </p:sp>
+      <p:sp>
+        <p:nvSpPr>
+          <p:cNvPr id="55" name="TextBox 54">
+            <a:extLst>
+              <a:ext uri="{FF2B5EF4-FFF2-40B4-BE49-F238E27FC236}">
+                <a16:creationId xmlns:a16="http://schemas.microsoft.com/office/drawing/2014/main" id="{85A4BF76-C8F0-4A37-9405-906DADA9FA8E}"/>
+              </a:ext>
+            </a:extLst>
+          </p:cNvPr>
+          <p:cNvSpPr txBox="1"/>
+          <p:nvPr/>
+        </p:nvSpPr>
+        <p:spPr>
+          <a:xfrm>
+            <a:off x="1900865" y="4693126"/>
+            <a:ext cx="1447811" cy="923330"/>
+          </a:xfrm>
+          <a:prstGeom prst="rect">
+            <a:avLst/>
+          </a:prstGeom>
+          <a:noFill/>
+        </p:spPr>
+        <p:txBody>
+          <a:bodyPr wrap="square" rtlCol="0">
+            <a:spAutoFit/>
+          </a:bodyPr>
+          <a:lstStyle/>
+          <a:p>
+            <a:r>
+              <a:rPr lang="en-US" dirty="0"/>
+              <a:t>Crucial! Where do we stop?</a:t>
+            </a:r>
+          </a:p>
+        </p:txBody>
+      </p:sp>
+      <p:sp>
+        <p:nvSpPr>
+          <p:cNvPr id="39" name="TextBox 38">
+            <a:extLst>
+              <a:ext uri="{FF2B5EF4-FFF2-40B4-BE49-F238E27FC236}">
+                <a16:creationId xmlns:a16="http://schemas.microsoft.com/office/drawing/2014/main" id="{503665B2-CB9D-404E-AC67-382951C4EBA0}"/>
+              </a:ext>
+            </a:extLst>
+          </p:cNvPr>
+          <p:cNvSpPr txBox="1"/>
+          <p:nvPr/>
+        </p:nvSpPr>
+        <p:spPr>
+          <a:xfrm>
+            <a:off x="4367903" y="6103239"/>
+            <a:ext cx="6096646" cy="369332"/>
+          </a:xfrm>
+          <a:prstGeom prst="rect">
+            <a:avLst/>
+          </a:prstGeom>
+          <a:noFill/>
+        </p:spPr>
+        <p:txBody>
+          <a:bodyPr wrap="square">
+            <a:spAutoFit/>
+          </a:bodyPr>
+          <a:lstStyle/>
+          <a:p>
+            <a:r>
+              <a:rPr lang="en-US" dirty="0">
+                <a:hlinkClick r:id="rId2"/>
+              </a:rPr>
+              <a:t>http://www.evolutionoftheweb.com/</a:t>
+            </a:r>
+            <a:endParaRPr lang="en-US" dirty="0"/>
+          </a:p>
+        </p:txBody>
+      </p:sp>
+    </p:spTree>
+    <p:extLst>
+      <p:ext uri="{BB962C8B-B14F-4D97-AF65-F5344CB8AC3E}">
+        <p14:creationId xmlns:p14="http://schemas.microsoft.com/office/powerpoint/2010/main" val="881813516"/>
       </p:ext>
     </p:extLst>
   </p:cSld>
@@ -11932,4 +14087,299 @@
     </a:ext>
   </a:extLst>
 </a:theme>
+</file>
+
+<file path=ppt/theme/theme2.xml><?xml version="1.0" encoding="utf-8"?>
+<a:theme xmlns:a="http://schemas.openxmlformats.org/drawingml/2006/main" name="Office Theme">
+  <a:themeElements>
+    <a:clrScheme name="Office">
+      <a:dk1>
+        <a:sysClr val="windowText" lastClr="000000"/>
+      </a:dk1>
+      <a:lt1>
+        <a:sysClr val="window" lastClr="FFFFFF"/>
+      </a:lt1>
+      <a:dk2>
+        <a:srgbClr val="44546A"/>
+      </a:dk2>
+      <a:lt2>
+        <a:srgbClr val="E7E6E6"/>
+      </a:lt2>
+      <a:accent1>
+        <a:srgbClr val="4472C4"/>
+      </a:accent1>
+      <a:accent2>
+        <a:srgbClr val="ED7D31"/>
+      </a:accent2>
+      <a:accent3>
+        <a:srgbClr val="A5A5A5"/>
+      </a:accent3>
+      <a:accent4>
+        <a:srgbClr val="FFC000"/>
+      </a:accent4>
+      <a:accent5>
+        <a:srgbClr val="5B9BD5"/>
+      </a:accent5>
+      <a:accent6>
+        <a:srgbClr val="70AD47"/>
+      </a:accent6>
+      <a:hlink>
+        <a:srgbClr val="0563C1"/>
+      </a:hlink>
+      <a:folHlink>
+        <a:srgbClr val="954F72"/>
+      </a:folHlink>
+    </a:clrScheme>
+    <a:fontScheme name="Office">
+      <a:majorFont>
+        <a:latin typeface="Calibri Light" panose="020F0302020204030204"/>
+        <a:ea typeface=""/>
+        <a:cs typeface=""/>
+        <a:font script="Jpan" typeface="游ゴシック Light"/>
+        <a:font script="Hang" typeface="맑은 고딕"/>
+        <a:font script="Hans" typeface="等线 Light"/>
+        <a:font script="Hant" typeface="新細明體"/>
+        <a:font script="Arab" typeface="Times New Roman"/>
+        <a:font script="Hebr" typeface="Times New Roman"/>
+        <a:font script="Thai" typeface="Angsana New"/>
+        <a:font script="Ethi" typeface="Nyala"/>
+        <a:font script="Beng" typeface="Vrinda"/>
+        <a:font script="Gujr" typeface="Shruti"/>
+        <a:font script="Khmr" typeface="MoolBoran"/>
+        <a:font script="Knda" typeface="Tunga"/>
+        <a:font script="Guru" typeface="Raavi"/>
+        <a:font script="Cans" typeface="Euphemia"/>
+        <a:font script="Cher" typeface="Plantagenet Cherokee"/>
+        <a:font script="Yiii" typeface="Microsoft Yi Baiti"/>
+        <a:font script="Tibt" typeface="Microsoft Himalaya"/>
+        <a:font script="Thaa" typeface="MV Boli"/>
+        <a:font script="Deva" typeface="Mangal"/>
+        <a:font script="Telu" typeface="Gautami"/>
+        <a:font script="Taml" typeface="Latha"/>
+        <a:font script="Syrc" typeface="Estrangelo Edessa"/>
+        <a:font script="Orya" typeface="Kalinga"/>
+        <a:font script="Mlym" typeface="Kartika"/>
+        <a:font script="Laoo" typeface="DokChampa"/>
+        <a:font script="Sinh" typeface="Iskoola Pota"/>
+        <a:font script="Mong" typeface="Mongolian Baiti"/>
+        <a:font script="Viet" typeface="Times New Roman"/>
+        <a:font script="Uigh" typeface="Microsoft Uighur"/>
+        <a:font script="Geor" typeface="Sylfaen"/>
+        <a:font script="Armn" typeface="Arial"/>
+        <a:font script="Bugi" typeface="Leelawadee UI"/>
+        <a:font script="Bopo" typeface="Microsoft JhengHei"/>
+        <a:font script="Java" typeface="Javanese Text"/>
+        <a:font script="Lisu" typeface="Segoe UI"/>
+        <a:font script="Mymr" typeface="Myanmar Text"/>
+        <a:font script="Nkoo" typeface="Ebrima"/>
+        <a:font script="Olck" typeface="Nirmala UI"/>
+        <a:font script="Osma" typeface="Ebrima"/>
+        <a:font script="Phag" typeface="Phagspa"/>
+        <a:font script="Syrn" typeface="Estrangelo Edessa"/>
+        <a:font script="Syrj" typeface="Estrangelo Edessa"/>
+        <a:font script="Syre" typeface="Estrangelo Edessa"/>
+        <a:font script="Sora" typeface="Nirmala UI"/>
+        <a:font script="Tale" typeface="Microsoft Tai Le"/>
+        <a:font script="Talu" typeface="Microsoft New Tai Lue"/>
+        <a:font script="Tfng" typeface="Ebrima"/>
+      </a:majorFont>
+      <a:minorFont>
+        <a:latin typeface="Calibri" panose="020F0502020204030204"/>
+        <a:ea typeface=""/>
+        <a:cs typeface=""/>
+        <a:font script="Jpan" typeface="游ゴシック"/>
+        <a:font script="Hang" typeface="맑은 고딕"/>
+        <a:font script="Hans" typeface="等线"/>
+        <a:font script="Hant" typeface="新細明體"/>
+        <a:font script="Arab" typeface="Arial"/>
+        <a:font script="Hebr" typeface="Arial"/>
+        <a:font script="Thai" typeface="Cordia New"/>
+        <a:font script="Ethi" typeface="Nyala"/>
+        <a:font script="Beng" typeface="Vrinda"/>
+        <a:font script="Gujr" typeface="Shruti"/>
+        <a:font script="Khmr" typeface="DaunPenh"/>
+        <a:font script="Knda" typeface="Tunga"/>
+        <a:font script="Guru" typeface="Raavi"/>
+        <a:font script="Cans" typeface="Euphemia"/>
+        <a:font script="Cher" typeface="Plantagenet Cherokee"/>
+        <a:font script="Yiii" typeface="Microsoft Yi Baiti"/>
+        <a:font script="Tibt" typeface="Microsoft Himalaya"/>
+        <a:font script="Thaa" typeface="MV Boli"/>
+        <a:font script="Deva" typeface="Mangal"/>
+        <a:font script="Telu" typeface="Gautami"/>
+        <a:font script="Taml" typeface="Latha"/>
+        <a:font script="Syrc" typeface="Estrangelo Edessa"/>
+        <a:font script="Orya" typeface="Kalinga"/>
+        <a:font script="Mlym" typeface="Kartika"/>
+        <a:font script="Laoo" typeface="DokChampa"/>
+        <a:font script="Sinh" typeface="Iskoola Pota"/>
+        <a:font script="Mong" typeface="Mongolian Baiti"/>
+        <a:font script="Viet" typeface="Arial"/>
+        <a:font script="Uigh" typeface="Microsoft Uighur"/>
+        <a:font script="Geor" typeface="Sylfaen"/>
+        <a:font script="Armn" typeface="Arial"/>
+        <a:font script="Bugi" typeface="Leelawadee UI"/>
+        <a:font script="Bopo" typeface="Microsoft JhengHei"/>
+        <a:font script="Java" typeface="Javanese Text"/>
+        <a:font script="Lisu" typeface="Segoe UI"/>
+        <a:font script="Mymr" typeface="Myanmar Text"/>
+        <a:font script="Nkoo" typeface="Ebrima"/>
+        <a:font script="Olck" typeface="Nirmala UI"/>
+        <a:font script="Osma" typeface="Ebrima"/>
+        <a:font script="Phag" typeface="Phagspa"/>
+        <a:font script="Syrn" typeface="Estrangelo Edessa"/>
+        <a:font script="Syrj" typeface="Estrangelo Edessa"/>
+        <a:font script="Syre" typeface="Estrangelo Edessa"/>
+        <a:font script="Sora" typeface="Nirmala UI"/>
+        <a:font script="Tale" typeface="Microsoft Tai Le"/>
+        <a:font script="Talu" typeface="Microsoft New Tai Lue"/>
+        <a:font script="Tfng" typeface="Ebrima"/>
+      </a:minorFont>
+    </a:fontScheme>
+    <a:fmtScheme name="Office">
+      <a:fillStyleLst>
+        <a:solidFill>
+          <a:schemeClr val="phClr"/>
+        </a:solidFill>
+        <a:gradFill rotWithShape="1">
+          <a:gsLst>
+            <a:gs pos="0">
+              <a:schemeClr val="phClr">
+                <a:lumMod val="110000"/>
+                <a:satMod val="105000"/>
+                <a:tint val="67000"/>
+              </a:schemeClr>
+            </a:gs>
+            <a:gs pos="50000">
+              <a:schemeClr val="phClr">
+                <a:lumMod val="105000"/>
+                <a:satMod val="103000"/>
+                <a:tint val="73000"/>
+              </a:schemeClr>
+            </a:gs>
+            <a:gs pos="100000">
+              <a:schemeClr val="phClr">
+                <a:lumMod val="105000"/>
+                <a:satMod val="109000"/>
+                <a:tint val="81000"/>
+              </a:schemeClr>
+            </a:gs>
+          </a:gsLst>
+          <a:lin ang="5400000" scaled="0"/>
+        </a:gradFill>
+        <a:gradFill rotWithShape="1">
+          <a:gsLst>
+            <a:gs pos="0">
+              <a:schemeClr val="phClr">
+                <a:satMod val="103000"/>
+                <a:lumMod val="102000"/>
+                <a:tint val="94000"/>
+              </a:schemeClr>
+            </a:gs>
+            <a:gs pos="50000">
+              <a:schemeClr val="phClr">
+                <a:satMod val="110000"/>
+                <a:lumMod val="100000"/>
+                <a:shade val="100000"/>
+              </a:schemeClr>
+            </a:gs>
+            <a:gs pos="100000">
+              <a:schemeClr val="phClr">
+                <a:lumMod val="99000"/>
+                <a:satMod val="120000"/>
+                <a:shade val="78000"/>
+              </a:schemeClr>
+            </a:gs>
+          </a:gsLst>
+          <a:lin ang="5400000" scaled="0"/>
+        </a:gradFill>
+      </a:fillStyleLst>
+      <a:lnStyleLst>
+        <a:ln w="6350" cap="flat" cmpd="sng" algn="ctr">
+          <a:solidFill>
+            <a:schemeClr val="phClr"/>
+          </a:solidFill>
+          <a:prstDash val="solid"/>
+          <a:miter lim="800000"/>
+        </a:ln>
+        <a:ln w="12700" cap="flat" cmpd="sng" algn="ctr">
+          <a:solidFill>
+            <a:schemeClr val="phClr"/>
+          </a:solidFill>
+          <a:prstDash val="solid"/>
+          <a:miter lim="800000"/>
+        </a:ln>
+        <a:ln w="19050" cap="flat" cmpd="sng" algn="ctr">
+          <a:solidFill>
+            <a:schemeClr val="phClr"/>
+          </a:solidFill>
+          <a:prstDash val="solid"/>
+          <a:miter lim="800000"/>
+        </a:ln>
+      </a:lnStyleLst>
+      <a:effectStyleLst>
+        <a:effectStyle>
+          <a:effectLst/>
+        </a:effectStyle>
+        <a:effectStyle>
+          <a:effectLst/>
+        </a:effectStyle>
+        <a:effectStyle>
+          <a:effectLst>
+            <a:outerShdw blurRad="57150" dist="19050" dir="5400000" algn="ctr" rotWithShape="0">
+              <a:srgbClr val="000000">
+                <a:alpha val="63000"/>
+              </a:srgbClr>
+            </a:outerShdw>
+          </a:effectLst>
+        </a:effectStyle>
+      </a:effectStyleLst>
+      <a:bgFillStyleLst>
+        <a:solidFill>
+          <a:schemeClr val="phClr"/>
+        </a:solidFill>
+        <a:solidFill>
+          <a:schemeClr val="phClr">
+            <a:tint val="95000"/>
+            <a:satMod val="170000"/>
+          </a:schemeClr>
+        </a:solidFill>
+        <a:gradFill rotWithShape="1">
+          <a:gsLst>
+            <a:gs pos="0">
+              <a:schemeClr val="phClr">
+                <a:tint val="93000"/>
+                <a:satMod val="150000"/>
+                <a:shade val="98000"/>
+                <a:lumMod val="102000"/>
+              </a:schemeClr>
+            </a:gs>
+            <a:gs pos="50000">
+              <a:schemeClr val="phClr">
+                <a:tint val="98000"/>
+                <a:satMod val="130000"/>
+                <a:shade val="90000"/>
+                <a:lumMod val="103000"/>
+              </a:schemeClr>
+            </a:gs>
+            <a:gs pos="100000">
+              <a:schemeClr val="phClr">
+                <a:shade val="63000"/>
+                <a:satMod val="120000"/>
+              </a:schemeClr>
+            </a:gs>
+          </a:gsLst>
+          <a:lin ang="5400000" scaled="0"/>
+        </a:gradFill>
+      </a:bgFillStyleLst>
+    </a:fmtScheme>
+  </a:themeElements>
+  <a:objectDefaults/>
+  <a:extraClrSchemeLst/>
+  <a:extLst>
+    <a:ext uri="{05A4C25C-085E-4340-85A3-A5531E510DB2}">
+      <thm15:themeFamily xmlns:thm15="http://schemas.microsoft.com/office/thememl/2012/main" name="Office Theme" id="{62F939B6-93AF-4DB8-9C6B-D6C7DFDC589F}" vid="{4A3C46E8-61CC-4603-A589-7422A47A8E4A}"/>
+    </a:ext>
+  </a:extLst>
+</a:theme>
 </file>
--- a/Network Parts and Terms.pptx
+++ b/Network Parts and Terms.pptx
@@ -8,16 +8,17 @@
   <p:sldIdLst>
     <p:sldId id="278" r:id="rId3"/>
     <p:sldId id="284" r:id="rId4"/>
-    <p:sldId id="279" r:id="rId5"/>
-    <p:sldId id="280" r:id="rId6"/>
-    <p:sldId id="281" r:id="rId7"/>
-    <p:sldId id="282" r:id="rId8"/>
-    <p:sldId id="283" r:id="rId9"/>
-    <p:sldId id="256" r:id="rId10"/>
-    <p:sldId id="273" r:id="rId11"/>
-    <p:sldId id="274" r:id="rId12"/>
-    <p:sldId id="275" r:id="rId13"/>
-    <p:sldId id="276" r:id="rId14"/>
+    <p:sldId id="285" r:id="rId5"/>
+    <p:sldId id="279" r:id="rId6"/>
+    <p:sldId id="280" r:id="rId7"/>
+    <p:sldId id="281" r:id="rId8"/>
+    <p:sldId id="282" r:id="rId9"/>
+    <p:sldId id="283" r:id="rId10"/>
+    <p:sldId id="256" r:id="rId11"/>
+    <p:sldId id="273" r:id="rId12"/>
+    <p:sldId id="274" r:id="rId13"/>
+    <p:sldId id="275" r:id="rId14"/>
+    <p:sldId id="276" r:id="rId15"/>
   </p:sldIdLst>
   <p:sldSz cx="12192000" cy="6858000"/>
   <p:notesSz cx="6858000" cy="9144000"/>
@@ -271,7 +272,7 @@
           <a:p>
             <a:fld id="{06ADBE60-9DBF-4AEC-B933-FFCA020856EA}" type="datetimeFigureOut">
               <a:rPr lang="en-US" smtClean="0"/>
-              <a:t>9/14/2020</a:t>
+              <a:t>9/22/2020</a:t>
             </a:fld>
             <a:endParaRPr lang="en-US"/>
           </a:p>
@@ -469,7 +470,7 @@
           <a:p>
             <a:fld id="{06ADBE60-9DBF-4AEC-B933-FFCA020856EA}" type="datetimeFigureOut">
               <a:rPr lang="en-US" smtClean="0"/>
-              <a:t>9/14/2020</a:t>
+              <a:t>9/22/2020</a:t>
             </a:fld>
             <a:endParaRPr lang="en-US"/>
           </a:p>
@@ -677,7 +678,7 @@
           <a:p>
             <a:fld id="{06ADBE60-9DBF-4AEC-B933-FFCA020856EA}" type="datetimeFigureOut">
               <a:rPr lang="en-US" smtClean="0"/>
-              <a:t>9/14/2020</a:t>
+              <a:t>9/22/2020</a:t>
             </a:fld>
             <a:endParaRPr lang="en-US"/>
           </a:p>
@@ -897,7 +898,7 @@
           <a:p>
             <a:fld id="{12BDD699-8925-4618-9E03-ADAE2166C8F2}" type="datetimeFigureOut">
               <a:rPr lang="en-US" smtClean="0"/>
-              <a:t>9/14/2020</a:t>
+              <a:t>9/22/2020</a:t>
             </a:fld>
             <a:endParaRPr lang="en-US"/>
           </a:p>
@@ -1095,7 +1096,7 @@
           <a:p>
             <a:fld id="{06ADBE60-9DBF-4AEC-B933-FFCA020856EA}" type="datetimeFigureOut">
               <a:rPr lang="en-US" smtClean="0"/>
-              <a:t>9/14/2020</a:t>
+              <a:t>9/22/2020</a:t>
             </a:fld>
             <a:endParaRPr lang="en-US"/>
           </a:p>
@@ -1370,7 +1371,7 @@
           <a:p>
             <a:fld id="{06ADBE60-9DBF-4AEC-B933-FFCA020856EA}" type="datetimeFigureOut">
               <a:rPr lang="en-US" smtClean="0"/>
-              <a:t>9/14/2020</a:t>
+              <a:t>9/22/2020</a:t>
             </a:fld>
             <a:endParaRPr lang="en-US"/>
           </a:p>
@@ -1635,7 +1636,7 @@
           <a:p>
             <a:fld id="{06ADBE60-9DBF-4AEC-B933-FFCA020856EA}" type="datetimeFigureOut">
               <a:rPr lang="en-US" smtClean="0"/>
-              <a:t>9/14/2020</a:t>
+              <a:t>9/22/2020</a:t>
             </a:fld>
             <a:endParaRPr lang="en-US"/>
           </a:p>
@@ -2047,7 +2048,7 @@
           <a:p>
             <a:fld id="{06ADBE60-9DBF-4AEC-B933-FFCA020856EA}" type="datetimeFigureOut">
               <a:rPr lang="en-US" smtClean="0"/>
-              <a:t>9/14/2020</a:t>
+              <a:t>9/22/2020</a:t>
             </a:fld>
             <a:endParaRPr lang="en-US"/>
           </a:p>
@@ -2188,7 +2189,7 @@
           <a:p>
             <a:fld id="{06ADBE60-9DBF-4AEC-B933-FFCA020856EA}" type="datetimeFigureOut">
               <a:rPr lang="en-US" smtClean="0"/>
-              <a:t>9/14/2020</a:t>
+              <a:t>9/22/2020</a:t>
             </a:fld>
             <a:endParaRPr lang="en-US"/>
           </a:p>
@@ -2301,7 +2302,7 @@
           <a:p>
             <a:fld id="{06ADBE60-9DBF-4AEC-B933-FFCA020856EA}" type="datetimeFigureOut">
               <a:rPr lang="en-US" smtClean="0"/>
-              <a:t>9/14/2020</a:t>
+              <a:t>9/22/2020</a:t>
             </a:fld>
             <a:endParaRPr lang="en-US"/>
           </a:p>
@@ -2612,7 +2613,7 @@
           <a:p>
             <a:fld id="{06ADBE60-9DBF-4AEC-B933-FFCA020856EA}" type="datetimeFigureOut">
               <a:rPr lang="en-US" smtClean="0"/>
-              <a:t>9/14/2020</a:t>
+              <a:t>9/22/2020</a:t>
             </a:fld>
             <a:endParaRPr lang="en-US"/>
           </a:p>
@@ -2900,7 +2901,7 @@
           <a:p>
             <a:fld id="{06ADBE60-9DBF-4AEC-B933-FFCA020856EA}" type="datetimeFigureOut">
               <a:rPr lang="en-US" smtClean="0"/>
-              <a:t>9/14/2020</a:t>
+              <a:t>9/22/2020</a:t>
             </a:fld>
             <a:endParaRPr lang="en-US"/>
           </a:p>
@@ -3141,7 +3142,7 @@
           <a:p>
             <a:fld id="{06ADBE60-9DBF-4AEC-B933-FFCA020856EA}" type="datetimeFigureOut">
               <a:rPr lang="en-US" smtClean="0"/>
-              <a:t>9/14/2020</a:t>
+              <a:t>9/22/2020</a:t>
             </a:fld>
             <a:endParaRPr lang="en-US"/>
           </a:p>
@@ -3748,7 +3749,7 @@
           <a:p>
             <a:fld id="{12BDD699-8925-4618-9E03-ADAE2166C8F2}" type="datetimeFigureOut">
               <a:rPr lang="en-US" smtClean="0"/>
-              <a:t>9/14/2020</a:t>
+              <a:t>9/22/2020</a:t>
             </a:fld>
             <a:endParaRPr lang="en-US"/>
           </a:p>
@@ -4416,6 +4417,2047 @@
       </p:sp>
       <p:sp>
         <p:nvSpPr>
+          <p:cNvPr id="36" name="TextBox 35">
+            <a:extLst>
+              <a:ext uri="{FF2B5EF4-FFF2-40B4-BE49-F238E27FC236}">
+                <a16:creationId xmlns:a16="http://schemas.microsoft.com/office/drawing/2014/main" id="{74E8AFC8-18F4-477F-BD68-896A4DCF3D0A}"/>
+              </a:ext>
+            </a:extLst>
+          </p:cNvPr>
+          <p:cNvSpPr txBox="1"/>
+          <p:nvPr/>
+        </p:nvSpPr>
+        <p:spPr>
+          <a:xfrm>
+            <a:off x="3995759" y="1444894"/>
+            <a:ext cx="6095296" cy="3970318"/>
+          </a:xfrm>
+          <a:prstGeom prst="rect">
+            <a:avLst/>
+          </a:prstGeom>
+          <a:noFill/>
+        </p:spPr>
+        <p:txBody>
+          <a:bodyPr wrap="square">
+            <a:spAutoFit/>
+          </a:bodyPr>
+          <a:lstStyle/>
+          <a:p>
+            <a:r>
+              <a:rPr lang="en-US" b="0" dirty="0">
+                <a:solidFill>
+                  <a:srgbClr val="800000"/>
+                </a:solidFill>
+                <a:effectLst/>
+                <a:latin typeface="Consolas" panose="020B0609020204030204" pitchFamily="49" charset="0"/>
+              </a:rPr>
+              <a:t>&lt;!DOCTYPE</a:t>
+            </a:r>
+            <a:r>
+              <a:rPr lang="en-US" b="0" dirty="0">
+                <a:solidFill>
+                  <a:srgbClr val="000000"/>
+                </a:solidFill>
+                <a:effectLst/>
+                <a:latin typeface="Consolas" panose="020B0609020204030204" pitchFamily="49" charset="0"/>
+              </a:rPr>
+              <a:t> </a:t>
+            </a:r>
+            <a:r>
+              <a:rPr lang="en-US" b="0" dirty="0">
+                <a:solidFill>
+                  <a:srgbClr val="FF0000"/>
+                </a:solidFill>
+                <a:effectLst/>
+                <a:latin typeface="Consolas" panose="020B0609020204030204" pitchFamily="49" charset="0"/>
+              </a:rPr>
+              <a:t>html</a:t>
+            </a:r>
+            <a:r>
+              <a:rPr lang="en-US" b="0" dirty="0">
+                <a:solidFill>
+                  <a:srgbClr val="800000"/>
+                </a:solidFill>
+                <a:effectLst/>
+                <a:latin typeface="Consolas" panose="020B0609020204030204" pitchFamily="49" charset="0"/>
+              </a:rPr>
+              <a:t>&gt;</a:t>
+            </a:r>
+            <a:endParaRPr lang="en-US" b="0" dirty="0">
+              <a:solidFill>
+                <a:srgbClr val="000000"/>
+              </a:solidFill>
+              <a:effectLst/>
+              <a:latin typeface="Consolas" panose="020B0609020204030204" pitchFamily="49" charset="0"/>
+            </a:endParaRPr>
+          </a:p>
+          <a:p>
+            <a:r>
+              <a:rPr lang="en-US" b="0" dirty="0">
+                <a:solidFill>
+                  <a:srgbClr val="800000"/>
+                </a:solidFill>
+                <a:effectLst/>
+                <a:latin typeface="Consolas" panose="020B0609020204030204" pitchFamily="49" charset="0"/>
+              </a:rPr>
+              <a:t>&lt;html&gt;</a:t>
+            </a:r>
+            <a:endParaRPr lang="en-US" b="0" dirty="0">
+              <a:solidFill>
+                <a:srgbClr val="000000"/>
+              </a:solidFill>
+              <a:effectLst/>
+              <a:latin typeface="Consolas" panose="020B0609020204030204" pitchFamily="49" charset="0"/>
+            </a:endParaRPr>
+          </a:p>
+          <a:p>
+            <a:r>
+              <a:rPr lang="en-US" b="0" dirty="0">
+                <a:solidFill>
+                  <a:srgbClr val="800000"/>
+                </a:solidFill>
+                <a:effectLst/>
+                <a:latin typeface="Consolas" panose="020B0609020204030204" pitchFamily="49" charset="0"/>
+              </a:rPr>
+              <a:t>&lt;head&gt;</a:t>
+            </a:r>
+            <a:endParaRPr lang="en-US" b="0" dirty="0">
+              <a:solidFill>
+                <a:srgbClr val="000000"/>
+              </a:solidFill>
+              <a:effectLst/>
+              <a:latin typeface="Consolas" panose="020B0609020204030204" pitchFamily="49" charset="0"/>
+            </a:endParaRPr>
+          </a:p>
+          <a:p>
+            <a:r>
+              <a:rPr lang="en-US" b="0" dirty="0">
+                <a:solidFill>
+                  <a:srgbClr val="000000"/>
+                </a:solidFill>
+                <a:effectLst/>
+                <a:latin typeface="Consolas" panose="020B0609020204030204" pitchFamily="49" charset="0"/>
+              </a:rPr>
+              <a:t>  </a:t>
+            </a:r>
+            <a:r>
+              <a:rPr lang="en-US" b="0" dirty="0">
+                <a:solidFill>
+                  <a:srgbClr val="800000"/>
+                </a:solidFill>
+                <a:effectLst/>
+                <a:latin typeface="Consolas" panose="020B0609020204030204" pitchFamily="49" charset="0"/>
+              </a:rPr>
+              <a:t>&lt;meta</a:t>
+            </a:r>
+            <a:r>
+              <a:rPr lang="en-US" b="0" dirty="0">
+                <a:solidFill>
+                  <a:srgbClr val="000000"/>
+                </a:solidFill>
+                <a:effectLst/>
+                <a:latin typeface="Consolas" panose="020B0609020204030204" pitchFamily="49" charset="0"/>
+              </a:rPr>
+              <a:t> </a:t>
+            </a:r>
+            <a:r>
+              <a:rPr lang="en-US" b="0" dirty="0">
+                <a:solidFill>
+                  <a:srgbClr val="FF0000"/>
+                </a:solidFill>
+                <a:effectLst/>
+                <a:latin typeface="Consolas" panose="020B0609020204030204" pitchFamily="49" charset="0"/>
+              </a:rPr>
+              <a:t>charset</a:t>
+            </a:r>
+            <a:r>
+              <a:rPr lang="en-US" b="0" dirty="0">
+                <a:solidFill>
+                  <a:srgbClr val="000000"/>
+                </a:solidFill>
+                <a:effectLst/>
+                <a:latin typeface="Consolas" panose="020B0609020204030204" pitchFamily="49" charset="0"/>
+              </a:rPr>
+              <a:t>=</a:t>
+            </a:r>
+            <a:r>
+              <a:rPr lang="en-US" b="0" dirty="0">
+                <a:solidFill>
+                  <a:srgbClr val="0000FF"/>
+                </a:solidFill>
+                <a:effectLst/>
+                <a:latin typeface="Consolas" panose="020B0609020204030204" pitchFamily="49" charset="0"/>
+              </a:rPr>
+              <a:t>'utf-8'</a:t>
+            </a:r>
+            <a:r>
+              <a:rPr lang="en-US" b="0" dirty="0">
+                <a:solidFill>
+                  <a:srgbClr val="800000"/>
+                </a:solidFill>
+                <a:effectLst/>
+                <a:latin typeface="Consolas" panose="020B0609020204030204" pitchFamily="49" charset="0"/>
+              </a:rPr>
+              <a:t>&gt;</a:t>
+            </a:r>
+            <a:endParaRPr lang="en-US" b="0" dirty="0">
+              <a:solidFill>
+                <a:srgbClr val="000000"/>
+              </a:solidFill>
+              <a:effectLst/>
+              <a:latin typeface="Consolas" panose="020B0609020204030204" pitchFamily="49" charset="0"/>
+            </a:endParaRPr>
+          </a:p>
+          <a:p>
+            <a:r>
+              <a:rPr lang="en-US" b="0" dirty="0">
+                <a:solidFill>
+                  <a:srgbClr val="000000"/>
+                </a:solidFill>
+                <a:effectLst/>
+                <a:latin typeface="Consolas" panose="020B0609020204030204" pitchFamily="49" charset="0"/>
+              </a:rPr>
+              <a:t>  </a:t>
+            </a:r>
+            <a:r>
+              <a:rPr lang="en-US" b="0" dirty="0">
+                <a:solidFill>
+                  <a:srgbClr val="800000"/>
+                </a:solidFill>
+                <a:effectLst/>
+                <a:latin typeface="Consolas" panose="020B0609020204030204" pitchFamily="49" charset="0"/>
+              </a:rPr>
+              <a:t>&lt;meta</a:t>
+            </a:r>
+            <a:r>
+              <a:rPr lang="en-US" b="0" dirty="0">
+                <a:solidFill>
+                  <a:srgbClr val="000000"/>
+                </a:solidFill>
+                <a:effectLst/>
+                <a:latin typeface="Consolas" panose="020B0609020204030204" pitchFamily="49" charset="0"/>
+              </a:rPr>
+              <a:t> </a:t>
+            </a:r>
+            <a:r>
+              <a:rPr lang="en-US" b="0" dirty="0">
+                <a:solidFill>
+                  <a:srgbClr val="FF0000"/>
+                </a:solidFill>
+                <a:effectLst/>
+                <a:latin typeface="Consolas" panose="020B0609020204030204" pitchFamily="49" charset="0"/>
+              </a:rPr>
+              <a:t>http-</a:t>
+            </a:r>
+            <a:r>
+              <a:rPr lang="en-US" b="0" dirty="0" err="1">
+                <a:solidFill>
+                  <a:srgbClr val="FF0000"/>
+                </a:solidFill>
+                <a:effectLst/>
+                <a:latin typeface="Consolas" panose="020B0609020204030204" pitchFamily="49" charset="0"/>
+              </a:rPr>
+              <a:t>equiv</a:t>
+            </a:r>
+            <a:r>
+              <a:rPr lang="en-US" b="0" dirty="0">
+                <a:solidFill>
+                  <a:srgbClr val="000000"/>
+                </a:solidFill>
+                <a:effectLst/>
+                <a:latin typeface="Consolas" panose="020B0609020204030204" pitchFamily="49" charset="0"/>
+              </a:rPr>
+              <a:t>=</a:t>
+            </a:r>
+            <a:r>
+              <a:rPr lang="en-US" b="0" dirty="0">
+                <a:solidFill>
+                  <a:srgbClr val="0000FF"/>
+                </a:solidFill>
+                <a:effectLst/>
+                <a:latin typeface="Consolas" panose="020B0609020204030204" pitchFamily="49" charset="0"/>
+              </a:rPr>
+              <a:t>'X-UA-Compatible'</a:t>
+            </a:r>
+            <a:r>
+              <a:rPr lang="en-US" b="0" dirty="0">
+                <a:solidFill>
+                  <a:srgbClr val="000000"/>
+                </a:solidFill>
+                <a:effectLst/>
+                <a:latin typeface="Consolas" panose="020B0609020204030204" pitchFamily="49" charset="0"/>
+              </a:rPr>
+              <a:t> </a:t>
+            </a:r>
+            <a:r>
+              <a:rPr lang="en-US" b="0" dirty="0">
+                <a:solidFill>
+                  <a:srgbClr val="FF0000"/>
+                </a:solidFill>
+                <a:effectLst/>
+                <a:latin typeface="Consolas" panose="020B0609020204030204" pitchFamily="49" charset="0"/>
+              </a:rPr>
+              <a:t>content</a:t>
+            </a:r>
+            <a:r>
+              <a:rPr lang="en-US" b="0" dirty="0">
+                <a:solidFill>
+                  <a:srgbClr val="000000"/>
+                </a:solidFill>
+                <a:effectLst/>
+                <a:latin typeface="Consolas" panose="020B0609020204030204" pitchFamily="49" charset="0"/>
+              </a:rPr>
+              <a:t>=</a:t>
+            </a:r>
+            <a:r>
+              <a:rPr lang="en-US" b="0" dirty="0">
+                <a:solidFill>
+                  <a:srgbClr val="0000FF"/>
+                </a:solidFill>
+                <a:effectLst/>
+                <a:latin typeface="Consolas" panose="020B0609020204030204" pitchFamily="49" charset="0"/>
+              </a:rPr>
+              <a:t>'IE=edge'</a:t>
+            </a:r>
+            <a:r>
+              <a:rPr lang="en-US" b="0" dirty="0">
+                <a:solidFill>
+                  <a:srgbClr val="800000"/>
+                </a:solidFill>
+                <a:effectLst/>
+                <a:latin typeface="Consolas" panose="020B0609020204030204" pitchFamily="49" charset="0"/>
+              </a:rPr>
+              <a:t>&gt;</a:t>
+            </a:r>
+            <a:endParaRPr lang="en-US" b="0" dirty="0">
+              <a:solidFill>
+                <a:srgbClr val="000000"/>
+              </a:solidFill>
+              <a:effectLst/>
+              <a:latin typeface="Consolas" panose="020B0609020204030204" pitchFamily="49" charset="0"/>
+            </a:endParaRPr>
+          </a:p>
+          <a:p>
+            <a:r>
+              <a:rPr lang="en-US" b="0" dirty="0">
+                <a:solidFill>
+                  <a:srgbClr val="000000"/>
+                </a:solidFill>
+                <a:effectLst/>
+                <a:latin typeface="Consolas" panose="020B0609020204030204" pitchFamily="49" charset="0"/>
+              </a:rPr>
+              <a:t>  </a:t>
+            </a:r>
+            <a:r>
+              <a:rPr lang="en-US" b="0" dirty="0">
+                <a:solidFill>
+                  <a:srgbClr val="800000"/>
+                </a:solidFill>
+                <a:effectLst/>
+                <a:latin typeface="Consolas" panose="020B0609020204030204" pitchFamily="49" charset="0"/>
+              </a:rPr>
+              <a:t>&lt;title&gt;</a:t>
+            </a:r>
+            <a:r>
+              <a:rPr lang="en-US" b="0" dirty="0">
+                <a:solidFill>
+                  <a:srgbClr val="000000"/>
+                </a:solidFill>
+                <a:effectLst/>
+                <a:latin typeface="Consolas" panose="020B0609020204030204" pitchFamily="49" charset="0"/>
+              </a:rPr>
+              <a:t>Page Title</a:t>
+            </a:r>
+            <a:r>
+              <a:rPr lang="en-US" b="0" dirty="0">
+                <a:solidFill>
+                  <a:srgbClr val="800000"/>
+                </a:solidFill>
+                <a:effectLst/>
+                <a:latin typeface="Consolas" panose="020B0609020204030204" pitchFamily="49" charset="0"/>
+              </a:rPr>
+              <a:t>&lt;/title&gt;</a:t>
+            </a:r>
+            <a:endParaRPr lang="en-US" b="0" dirty="0">
+              <a:solidFill>
+                <a:srgbClr val="000000"/>
+              </a:solidFill>
+              <a:effectLst/>
+              <a:latin typeface="Consolas" panose="020B0609020204030204" pitchFamily="49" charset="0"/>
+            </a:endParaRPr>
+          </a:p>
+          <a:p>
+            <a:r>
+              <a:rPr lang="en-US" b="0" dirty="0">
+                <a:solidFill>
+                  <a:srgbClr val="000000"/>
+                </a:solidFill>
+                <a:effectLst/>
+                <a:latin typeface="Consolas" panose="020B0609020204030204" pitchFamily="49" charset="0"/>
+              </a:rPr>
+              <a:t>  </a:t>
+            </a:r>
+            <a:r>
+              <a:rPr lang="en-US" b="0" dirty="0">
+                <a:solidFill>
+                  <a:srgbClr val="800000"/>
+                </a:solidFill>
+                <a:effectLst/>
+                <a:latin typeface="Consolas" panose="020B0609020204030204" pitchFamily="49" charset="0"/>
+              </a:rPr>
+              <a:t>&lt;meta</a:t>
+            </a:r>
+            <a:r>
+              <a:rPr lang="en-US" b="0" dirty="0">
+                <a:solidFill>
+                  <a:srgbClr val="000000"/>
+                </a:solidFill>
+                <a:effectLst/>
+                <a:latin typeface="Consolas" panose="020B0609020204030204" pitchFamily="49" charset="0"/>
+              </a:rPr>
+              <a:t> </a:t>
+            </a:r>
+            <a:r>
+              <a:rPr lang="en-US" b="0" dirty="0">
+                <a:solidFill>
+                  <a:srgbClr val="FF0000"/>
+                </a:solidFill>
+                <a:effectLst/>
+                <a:latin typeface="Consolas" panose="020B0609020204030204" pitchFamily="49" charset="0"/>
+              </a:rPr>
+              <a:t>name</a:t>
+            </a:r>
+            <a:r>
+              <a:rPr lang="en-US" b="0" dirty="0">
+                <a:solidFill>
+                  <a:srgbClr val="000000"/>
+                </a:solidFill>
+                <a:effectLst/>
+                <a:latin typeface="Consolas" panose="020B0609020204030204" pitchFamily="49" charset="0"/>
+              </a:rPr>
+              <a:t>=</a:t>
+            </a:r>
+            <a:r>
+              <a:rPr lang="en-US" b="0" dirty="0">
+                <a:solidFill>
+                  <a:srgbClr val="0000FF"/>
+                </a:solidFill>
+                <a:effectLst/>
+                <a:latin typeface="Consolas" panose="020B0609020204030204" pitchFamily="49" charset="0"/>
+              </a:rPr>
+              <a:t>'viewport'</a:t>
+            </a:r>
+            <a:r>
+              <a:rPr lang="en-US" b="0" dirty="0">
+                <a:solidFill>
+                  <a:srgbClr val="000000"/>
+                </a:solidFill>
+                <a:effectLst/>
+                <a:latin typeface="Consolas" panose="020B0609020204030204" pitchFamily="49" charset="0"/>
+              </a:rPr>
+              <a:t> </a:t>
+            </a:r>
+            <a:r>
+              <a:rPr lang="en-US" b="0" dirty="0">
+                <a:solidFill>
+                  <a:srgbClr val="FF0000"/>
+                </a:solidFill>
+                <a:effectLst/>
+                <a:latin typeface="Consolas" panose="020B0609020204030204" pitchFamily="49" charset="0"/>
+              </a:rPr>
+              <a:t>content</a:t>
+            </a:r>
+            <a:r>
+              <a:rPr lang="en-US" b="0" dirty="0">
+                <a:solidFill>
+                  <a:srgbClr val="000000"/>
+                </a:solidFill>
+                <a:effectLst/>
+                <a:latin typeface="Consolas" panose="020B0609020204030204" pitchFamily="49" charset="0"/>
+              </a:rPr>
+              <a:t>=</a:t>
+            </a:r>
+            <a:r>
+              <a:rPr lang="en-US" b="0" dirty="0">
+                <a:solidFill>
+                  <a:srgbClr val="0000FF"/>
+                </a:solidFill>
+                <a:effectLst/>
+                <a:latin typeface="Consolas" panose="020B0609020204030204" pitchFamily="49" charset="0"/>
+              </a:rPr>
+              <a:t>'width=device-width, initial-scale=1'</a:t>
+            </a:r>
+            <a:r>
+              <a:rPr lang="en-US" b="0" dirty="0">
+                <a:solidFill>
+                  <a:srgbClr val="800000"/>
+                </a:solidFill>
+                <a:effectLst/>
+                <a:latin typeface="Consolas" panose="020B0609020204030204" pitchFamily="49" charset="0"/>
+              </a:rPr>
+              <a:t>&gt;</a:t>
+            </a:r>
+            <a:endParaRPr lang="en-US" b="0" dirty="0">
+              <a:solidFill>
+                <a:srgbClr val="000000"/>
+              </a:solidFill>
+              <a:effectLst/>
+              <a:latin typeface="Consolas" panose="020B0609020204030204" pitchFamily="49" charset="0"/>
+            </a:endParaRPr>
+          </a:p>
+          <a:p>
+            <a:r>
+              <a:rPr lang="en-US" b="0" dirty="0">
+                <a:solidFill>
+                  <a:srgbClr val="800000"/>
+                </a:solidFill>
+                <a:effectLst/>
+                <a:latin typeface="Consolas" panose="020B0609020204030204" pitchFamily="49" charset="0"/>
+              </a:rPr>
+              <a:t>&lt;/head&gt;</a:t>
+            </a:r>
+            <a:endParaRPr lang="en-US" b="0" dirty="0">
+              <a:solidFill>
+                <a:srgbClr val="000000"/>
+              </a:solidFill>
+              <a:effectLst/>
+              <a:latin typeface="Consolas" panose="020B0609020204030204" pitchFamily="49" charset="0"/>
+            </a:endParaRPr>
+          </a:p>
+          <a:p>
+            <a:r>
+              <a:rPr lang="en-US" b="0" dirty="0">
+                <a:solidFill>
+                  <a:srgbClr val="800000"/>
+                </a:solidFill>
+                <a:effectLst/>
+                <a:latin typeface="Consolas" panose="020B0609020204030204" pitchFamily="49" charset="0"/>
+              </a:rPr>
+              <a:t>&lt;body&gt;</a:t>
+            </a:r>
+            <a:endParaRPr lang="en-US" b="0" dirty="0">
+              <a:solidFill>
+                <a:srgbClr val="000000"/>
+              </a:solidFill>
+              <a:effectLst/>
+              <a:latin typeface="Consolas" panose="020B0609020204030204" pitchFamily="49" charset="0"/>
+            </a:endParaRPr>
+          </a:p>
+          <a:p>
+            <a:r>
+              <a:rPr lang="en-US" b="0" dirty="0">
+                <a:solidFill>
+                  <a:srgbClr val="000000"/>
+                </a:solidFill>
+                <a:effectLst/>
+                <a:latin typeface="Consolas" panose="020B0609020204030204" pitchFamily="49" charset="0"/>
+              </a:rPr>
+              <a:t>  This is the part you can see.</a:t>
+            </a:r>
+          </a:p>
+          <a:p>
+            <a:r>
+              <a:rPr lang="en-US" b="0" dirty="0">
+                <a:solidFill>
+                  <a:srgbClr val="800000"/>
+                </a:solidFill>
+                <a:effectLst/>
+                <a:latin typeface="Consolas" panose="020B0609020204030204" pitchFamily="49" charset="0"/>
+              </a:rPr>
+              <a:t>&lt;/body&gt;</a:t>
+            </a:r>
+            <a:endParaRPr lang="en-US" b="0" dirty="0">
+              <a:solidFill>
+                <a:srgbClr val="000000"/>
+              </a:solidFill>
+              <a:effectLst/>
+              <a:latin typeface="Consolas" panose="020B0609020204030204" pitchFamily="49" charset="0"/>
+            </a:endParaRPr>
+          </a:p>
+          <a:p>
+            <a:r>
+              <a:rPr lang="en-US" b="0" dirty="0">
+                <a:solidFill>
+                  <a:srgbClr val="800000"/>
+                </a:solidFill>
+                <a:effectLst/>
+                <a:latin typeface="Consolas" panose="020B0609020204030204" pitchFamily="49" charset="0"/>
+              </a:rPr>
+              <a:t>&lt;/html&gt;</a:t>
+            </a:r>
+            <a:endParaRPr lang="en-US" b="0" dirty="0">
+              <a:solidFill>
+                <a:srgbClr val="000000"/>
+              </a:solidFill>
+              <a:effectLst/>
+              <a:latin typeface="Consolas" panose="020B0609020204030204" pitchFamily="49" charset="0"/>
+            </a:endParaRPr>
+          </a:p>
+        </p:txBody>
+      </p:sp>
+      <p:cxnSp>
+        <p:nvCxnSpPr>
+          <p:cNvPr id="5" name="Straight Connector 4">
+            <a:extLst>
+              <a:ext uri="{FF2B5EF4-FFF2-40B4-BE49-F238E27FC236}">
+                <a16:creationId xmlns:a16="http://schemas.microsoft.com/office/drawing/2014/main" id="{137595DA-6D53-45A0-9254-830836053E7D}"/>
+              </a:ext>
+            </a:extLst>
+          </p:cNvPr>
+          <p:cNvCxnSpPr>
+            <a:cxnSpLocks/>
+          </p:cNvCxnSpPr>
+          <p:nvPr/>
+        </p:nvCxnSpPr>
+        <p:spPr>
+          <a:xfrm>
+            <a:off x="1878033" y="1149192"/>
+            <a:ext cx="1594494" cy="0"/>
+          </a:xfrm>
+          <a:prstGeom prst="line">
+            <a:avLst/>
+          </a:prstGeom>
+          <a:ln cap="rnd"/>
+        </p:spPr>
+        <p:style>
+          <a:lnRef idx="3">
+            <a:schemeClr val="accent6"/>
+          </a:lnRef>
+          <a:fillRef idx="0">
+            <a:schemeClr val="accent6"/>
+          </a:fillRef>
+          <a:effectRef idx="2">
+            <a:schemeClr val="accent6"/>
+          </a:effectRef>
+          <a:fontRef idx="minor">
+            <a:schemeClr val="tx1"/>
+          </a:fontRef>
+        </p:style>
+      </p:cxnSp>
+      <p:cxnSp>
+        <p:nvCxnSpPr>
+          <p:cNvPr id="10" name="Straight Connector 9">
+            <a:extLst>
+              <a:ext uri="{FF2B5EF4-FFF2-40B4-BE49-F238E27FC236}">
+                <a16:creationId xmlns:a16="http://schemas.microsoft.com/office/drawing/2014/main" id="{919ADC1C-0558-439F-A333-9AA3CEA1B859}"/>
+              </a:ext>
+            </a:extLst>
+          </p:cNvPr>
+          <p:cNvCxnSpPr>
+            <a:cxnSpLocks/>
+            <a:endCxn id="11" idx="1"/>
+          </p:cNvCxnSpPr>
+          <p:nvPr/>
+        </p:nvCxnSpPr>
+        <p:spPr>
+          <a:xfrm>
+            <a:off x="3472527" y="1149192"/>
+            <a:ext cx="517210" cy="441052"/>
+          </a:xfrm>
+          <a:prstGeom prst="line">
+            <a:avLst/>
+          </a:prstGeom>
+          <a:ln cap="rnd"/>
+        </p:spPr>
+        <p:style>
+          <a:lnRef idx="3">
+            <a:schemeClr val="accent6"/>
+          </a:lnRef>
+          <a:fillRef idx="0">
+            <a:schemeClr val="accent6"/>
+          </a:fillRef>
+          <a:effectRef idx="2">
+            <a:schemeClr val="accent6"/>
+          </a:effectRef>
+          <a:fontRef idx="minor">
+            <a:schemeClr val="tx1"/>
+          </a:fontRef>
+        </p:style>
+      </p:cxnSp>
+      <p:sp>
+        <p:nvSpPr>
+          <p:cNvPr id="11" name="Oval 10">
+            <a:extLst>
+              <a:ext uri="{FF2B5EF4-FFF2-40B4-BE49-F238E27FC236}">
+                <a16:creationId xmlns:a16="http://schemas.microsoft.com/office/drawing/2014/main" id="{B8162159-F990-4B83-B1ED-B71983DC26AC}"/>
+              </a:ext>
+            </a:extLst>
+          </p:cNvPr>
+          <p:cNvSpPr/>
+          <p:nvPr/>
+        </p:nvSpPr>
+        <p:spPr>
+          <a:xfrm>
+            <a:off x="3970208" y="1570715"/>
+            <a:ext cx="133350" cy="133350"/>
+          </a:xfrm>
+          <a:prstGeom prst="ellipse">
+            <a:avLst/>
+          </a:prstGeom>
+        </p:spPr>
+        <p:style>
+          <a:lnRef idx="2">
+            <a:schemeClr val="accent6"/>
+          </a:lnRef>
+          <a:fillRef idx="1">
+            <a:schemeClr val="lt1"/>
+          </a:fillRef>
+          <a:effectRef idx="0">
+            <a:schemeClr val="accent6"/>
+          </a:effectRef>
+          <a:fontRef idx="minor">
+            <a:schemeClr val="dk1"/>
+          </a:fontRef>
+        </p:style>
+        <p:txBody>
+          <a:bodyPr rtlCol="0" anchor="ctr"/>
+          <a:lstStyle/>
+          <a:p>
+            <a:pPr algn="ctr"/>
+            <a:endParaRPr lang="en-US" dirty="0"/>
+          </a:p>
+        </p:txBody>
+      </p:sp>
+      <p:sp>
+        <p:nvSpPr>
+          <p:cNvPr id="12" name="TextBox 11">
+            <a:extLst>
+              <a:ext uri="{FF2B5EF4-FFF2-40B4-BE49-F238E27FC236}">
+                <a16:creationId xmlns:a16="http://schemas.microsoft.com/office/drawing/2014/main" id="{2F21B15B-18F0-404B-A4D9-CF02D6672999}"/>
+              </a:ext>
+            </a:extLst>
+          </p:cNvPr>
+          <p:cNvSpPr txBox="1"/>
+          <p:nvPr/>
+        </p:nvSpPr>
+        <p:spPr>
+          <a:xfrm>
+            <a:off x="2024718" y="834045"/>
+            <a:ext cx="1301125" cy="369332"/>
+          </a:xfrm>
+          <a:prstGeom prst="rect">
+            <a:avLst/>
+          </a:prstGeom>
+          <a:noFill/>
+        </p:spPr>
+        <p:txBody>
+          <a:bodyPr wrap="none" rtlCol="0">
+            <a:spAutoFit/>
+          </a:bodyPr>
+          <a:lstStyle/>
+          <a:p>
+            <a:r>
+              <a:rPr lang="en-US" dirty="0">
+                <a:solidFill>
+                  <a:schemeClr val="accent6">
+                    <a:lumMod val="75000"/>
+                  </a:schemeClr>
+                </a:solidFill>
+              </a:rPr>
+              <a:t>Version Info</a:t>
+            </a:r>
+          </a:p>
+        </p:txBody>
+      </p:sp>
+      <p:sp>
+        <p:nvSpPr>
+          <p:cNvPr id="13" name="TextBox 12">
+            <a:extLst>
+              <a:ext uri="{FF2B5EF4-FFF2-40B4-BE49-F238E27FC236}">
+                <a16:creationId xmlns:a16="http://schemas.microsoft.com/office/drawing/2014/main" id="{EEE27833-6AE7-4490-ACA8-634D7BF527E7}"/>
+              </a:ext>
+            </a:extLst>
+          </p:cNvPr>
+          <p:cNvSpPr txBox="1"/>
+          <p:nvPr/>
+        </p:nvSpPr>
+        <p:spPr>
+          <a:xfrm>
+            <a:off x="2045509" y="1222511"/>
+            <a:ext cx="1394421" cy="369332"/>
+          </a:xfrm>
+          <a:prstGeom prst="rect">
+            <a:avLst/>
+          </a:prstGeom>
+          <a:noFill/>
+        </p:spPr>
+        <p:txBody>
+          <a:bodyPr wrap="none" rtlCol="0">
+            <a:spAutoFit/>
+          </a:bodyPr>
+          <a:lstStyle/>
+          <a:p>
+            <a:r>
+              <a:rPr lang="en-US" dirty="0"/>
+              <a:t>What is this?</a:t>
+            </a:r>
+          </a:p>
+        </p:txBody>
+      </p:sp>
+      <p:cxnSp>
+        <p:nvCxnSpPr>
+          <p:cNvPr id="15" name="Straight Connector 14">
+            <a:extLst>
+              <a:ext uri="{FF2B5EF4-FFF2-40B4-BE49-F238E27FC236}">
+                <a16:creationId xmlns:a16="http://schemas.microsoft.com/office/drawing/2014/main" id="{3EF40E82-75AF-4C36-BE82-CD0B838F564A}"/>
+              </a:ext>
+            </a:extLst>
+          </p:cNvPr>
+          <p:cNvCxnSpPr>
+            <a:cxnSpLocks/>
+          </p:cNvCxnSpPr>
+          <p:nvPr/>
+        </p:nvCxnSpPr>
+        <p:spPr>
+          <a:xfrm flipV="1">
+            <a:off x="1920834" y="3033603"/>
+            <a:ext cx="1415320" cy="1"/>
+          </a:xfrm>
+          <a:prstGeom prst="line">
+            <a:avLst/>
+          </a:prstGeom>
+          <a:ln cap="rnd"/>
+        </p:spPr>
+        <p:style>
+          <a:lnRef idx="3">
+            <a:schemeClr val="accent6"/>
+          </a:lnRef>
+          <a:fillRef idx="0">
+            <a:schemeClr val="accent6"/>
+          </a:fillRef>
+          <a:effectRef idx="2">
+            <a:schemeClr val="accent6"/>
+          </a:effectRef>
+          <a:fontRef idx="minor">
+            <a:schemeClr val="tx1"/>
+          </a:fontRef>
+        </p:style>
+      </p:cxnSp>
+      <p:cxnSp>
+        <p:nvCxnSpPr>
+          <p:cNvPr id="16" name="Straight Connector 15">
+            <a:extLst>
+              <a:ext uri="{FF2B5EF4-FFF2-40B4-BE49-F238E27FC236}">
+                <a16:creationId xmlns:a16="http://schemas.microsoft.com/office/drawing/2014/main" id="{BD704978-A488-43B5-8D13-A641FA7B8F5F}"/>
+              </a:ext>
+            </a:extLst>
+          </p:cNvPr>
+          <p:cNvCxnSpPr>
+            <a:cxnSpLocks/>
+            <a:endCxn id="17" idx="3"/>
+          </p:cNvCxnSpPr>
+          <p:nvPr/>
+        </p:nvCxnSpPr>
+        <p:spPr>
+          <a:xfrm flipV="1">
+            <a:off x="3345332" y="1996043"/>
+            <a:ext cx="696908" cy="1035961"/>
+          </a:xfrm>
+          <a:prstGeom prst="line">
+            <a:avLst/>
+          </a:prstGeom>
+          <a:ln cap="rnd"/>
+        </p:spPr>
+        <p:style>
+          <a:lnRef idx="3">
+            <a:schemeClr val="accent6"/>
+          </a:lnRef>
+          <a:fillRef idx="0">
+            <a:schemeClr val="accent6"/>
+          </a:fillRef>
+          <a:effectRef idx="2">
+            <a:schemeClr val="accent6"/>
+          </a:effectRef>
+          <a:fontRef idx="minor">
+            <a:schemeClr val="tx1"/>
+          </a:fontRef>
+        </p:style>
+      </p:cxnSp>
+      <p:sp>
+        <p:nvSpPr>
+          <p:cNvPr id="17" name="Oval 16">
+            <a:extLst>
+              <a:ext uri="{FF2B5EF4-FFF2-40B4-BE49-F238E27FC236}">
+                <a16:creationId xmlns:a16="http://schemas.microsoft.com/office/drawing/2014/main" id="{FB49C377-E263-47FC-9ECC-AF19F9C12794}"/>
+              </a:ext>
+            </a:extLst>
+          </p:cNvPr>
+          <p:cNvSpPr/>
+          <p:nvPr/>
+        </p:nvSpPr>
+        <p:spPr>
+          <a:xfrm>
+            <a:off x="4022711" y="1882222"/>
+            <a:ext cx="133350" cy="133350"/>
+          </a:xfrm>
+          <a:prstGeom prst="ellipse">
+            <a:avLst/>
+          </a:prstGeom>
+        </p:spPr>
+        <p:style>
+          <a:lnRef idx="2">
+            <a:schemeClr val="accent6"/>
+          </a:lnRef>
+          <a:fillRef idx="1">
+            <a:schemeClr val="lt1"/>
+          </a:fillRef>
+          <a:effectRef idx="0">
+            <a:schemeClr val="accent6"/>
+          </a:effectRef>
+          <a:fontRef idx="minor">
+            <a:schemeClr val="dk1"/>
+          </a:fontRef>
+        </p:style>
+        <p:txBody>
+          <a:bodyPr rtlCol="0" anchor="ctr"/>
+          <a:lstStyle/>
+          <a:p>
+            <a:pPr algn="ctr"/>
+            <a:endParaRPr lang="en-US" dirty="0"/>
+          </a:p>
+        </p:txBody>
+      </p:sp>
+      <p:sp>
+        <p:nvSpPr>
+          <p:cNvPr id="18" name="TextBox 17">
+            <a:extLst>
+              <a:ext uri="{FF2B5EF4-FFF2-40B4-BE49-F238E27FC236}">
+                <a16:creationId xmlns:a16="http://schemas.microsoft.com/office/drawing/2014/main" id="{6DB2D5B6-174D-4FD1-BD9D-A9A150032FE9}"/>
+              </a:ext>
+            </a:extLst>
+          </p:cNvPr>
+          <p:cNvSpPr txBox="1"/>
+          <p:nvPr/>
+        </p:nvSpPr>
+        <p:spPr>
+          <a:xfrm>
+            <a:off x="1830347" y="2664271"/>
+            <a:ext cx="632289" cy="369332"/>
+          </a:xfrm>
+          <a:prstGeom prst="rect">
+            <a:avLst/>
+          </a:prstGeom>
+          <a:noFill/>
+        </p:spPr>
+        <p:txBody>
+          <a:bodyPr wrap="none" rtlCol="0">
+            <a:spAutoFit/>
+          </a:bodyPr>
+          <a:lstStyle/>
+          <a:p>
+            <a:r>
+              <a:rPr lang="en-US" dirty="0">
+                <a:solidFill>
+                  <a:schemeClr val="accent6">
+                    <a:lumMod val="75000"/>
+                  </a:schemeClr>
+                </a:solidFill>
+              </a:rPr>
+              <a:t>Start</a:t>
+            </a:r>
+          </a:p>
+        </p:txBody>
+      </p:sp>
+      <p:sp>
+        <p:nvSpPr>
+          <p:cNvPr id="21" name="TextBox 20">
+            <a:extLst>
+              <a:ext uri="{FF2B5EF4-FFF2-40B4-BE49-F238E27FC236}">
+                <a16:creationId xmlns:a16="http://schemas.microsoft.com/office/drawing/2014/main" id="{DC718CB7-F8D1-4195-901B-86FD1D2BB6E0}"/>
+              </a:ext>
+            </a:extLst>
+          </p:cNvPr>
+          <p:cNvSpPr txBox="1"/>
+          <p:nvPr/>
+        </p:nvSpPr>
+        <p:spPr>
+          <a:xfrm>
+            <a:off x="1835110" y="3033603"/>
+            <a:ext cx="1575807" cy="646331"/>
+          </a:xfrm>
+          <a:prstGeom prst="rect">
+            <a:avLst/>
+          </a:prstGeom>
+          <a:noFill/>
+        </p:spPr>
+        <p:txBody>
+          <a:bodyPr wrap="square" rtlCol="0">
+            <a:spAutoFit/>
+          </a:bodyPr>
+          <a:lstStyle/>
+          <a:p>
+            <a:r>
+              <a:rPr lang="en-US" dirty="0"/>
+              <a:t>Where do we begin?</a:t>
+            </a:r>
+          </a:p>
+        </p:txBody>
+      </p:sp>
+      <p:cxnSp>
+        <p:nvCxnSpPr>
+          <p:cNvPr id="22" name="Straight Connector 21">
+            <a:extLst>
+              <a:ext uri="{FF2B5EF4-FFF2-40B4-BE49-F238E27FC236}">
+                <a16:creationId xmlns:a16="http://schemas.microsoft.com/office/drawing/2014/main" id="{281F65D4-8811-4C7C-9370-9FFB690657BE}"/>
+              </a:ext>
+            </a:extLst>
+          </p:cNvPr>
+          <p:cNvCxnSpPr>
+            <a:cxnSpLocks/>
+          </p:cNvCxnSpPr>
+          <p:nvPr/>
+        </p:nvCxnSpPr>
+        <p:spPr>
+          <a:xfrm flipH="1">
+            <a:off x="9463088" y="4680982"/>
+            <a:ext cx="1104900" cy="1"/>
+          </a:xfrm>
+          <a:prstGeom prst="line">
+            <a:avLst/>
+          </a:prstGeom>
+          <a:ln cap="rnd"/>
+        </p:spPr>
+        <p:style>
+          <a:lnRef idx="3">
+            <a:schemeClr val="accent6"/>
+          </a:lnRef>
+          <a:fillRef idx="0">
+            <a:schemeClr val="accent6"/>
+          </a:fillRef>
+          <a:effectRef idx="2">
+            <a:schemeClr val="accent6"/>
+          </a:effectRef>
+          <a:fontRef idx="minor">
+            <a:schemeClr val="tx1"/>
+          </a:fontRef>
+        </p:style>
+      </p:cxnSp>
+      <p:cxnSp>
+        <p:nvCxnSpPr>
+          <p:cNvPr id="23" name="Straight Connector 22">
+            <a:extLst>
+              <a:ext uri="{FF2B5EF4-FFF2-40B4-BE49-F238E27FC236}">
+                <a16:creationId xmlns:a16="http://schemas.microsoft.com/office/drawing/2014/main" id="{E0D3EF36-CFD1-4353-B6BE-50AEE339ED21}"/>
+              </a:ext>
+            </a:extLst>
+          </p:cNvPr>
+          <p:cNvCxnSpPr>
+            <a:cxnSpLocks/>
+            <a:endCxn id="24" idx="6"/>
+          </p:cNvCxnSpPr>
+          <p:nvPr/>
+        </p:nvCxnSpPr>
+        <p:spPr>
+          <a:xfrm flipH="1" flipV="1">
+            <a:off x="7966763" y="4617737"/>
+            <a:ext cx="1475587" cy="63245"/>
+          </a:xfrm>
+          <a:prstGeom prst="line">
+            <a:avLst/>
+          </a:prstGeom>
+          <a:ln cap="rnd"/>
+        </p:spPr>
+        <p:style>
+          <a:lnRef idx="3">
+            <a:schemeClr val="accent6"/>
+          </a:lnRef>
+          <a:fillRef idx="0">
+            <a:schemeClr val="accent6"/>
+          </a:fillRef>
+          <a:effectRef idx="2">
+            <a:schemeClr val="accent6"/>
+          </a:effectRef>
+          <a:fontRef idx="minor">
+            <a:schemeClr val="tx1"/>
+          </a:fontRef>
+        </p:style>
+      </p:cxnSp>
+      <p:sp>
+        <p:nvSpPr>
+          <p:cNvPr id="24" name="Oval 23">
+            <a:extLst>
+              <a:ext uri="{FF2B5EF4-FFF2-40B4-BE49-F238E27FC236}">
+                <a16:creationId xmlns:a16="http://schemas.microsoft.com/office/drawing/2014/main" id="{9442696C-9BC0-478B-9CA9-E9EE6FB12287}"/>
+              </a:ext>
+            </a:extLst>
+          </p:cNvPr>
+          <p:cNvSpPr/>
+          <p:nvPr/>
+        </p:nvSpPr>
+        <p:spPr>
+          <a:xfrm>
+            <a:off x="7833413" y="4551062"/>
+            <a:ext cx="133350" cy="133350"/>
+          </a:xfrm>
+          <a:prstGeom prst="ellipse">
+            <a:avLst/>
+          </a:prstGeom>
+        </p:spPr>
+        <p:style>
+          <a:lnRef idx="2">
+            <a:schemeClr val="accent6"/>
+          </a:lnRef>
+          <a:fillRef idx="1">
+            <a:schemeClr val="lt1"/>
+          </a:fillRef>
+          <a:effectRef idx="0">
+            <a:schemeClr val="accent6"/>
+          </a:effectRef>
+          <a:fontRef idx="minor">
+            <a:schemeClr val="dk1"/>
+          </a:fontRef>
+        </p:style>
+        <p:txBody>
+          <a:bodyPr rtlCol="0" anchor="ctr"/>
+          <a:lstStyle/>
+          <a:p>
+            <a:pPr algn="ctr"/>
+            <a:endParaRPr lang="en-US" dirty="0"/>
+          </a:p>
+        </p:txBody>
+      </p:sp>
+      <p:sp>
+        <p:nvSpPr>
+          <p:cNvPr id="25" name="TextBox 24">
+            <a:extLst>
+              <a:ext uri="{FF2B5EF4-FFF2-40B4-BE49-F238E27FC236}">
+                <a16:creationId xmlns:a16="http://schemas.microsoft.com/office/drawing/2014/main" id="{5FD8137D-08BF-449C-AE7B-0500735A5E83}"/>
+              </a:ext>
+            </a:extLst>
+          </p:cNvPr>
+          <p:cNvSpPr txBox="1"/>
+          <p:nvPr/>
+        </p:nvSpPr>
+        <p:spPr>
+          <a:xfrm>
+            <a:off x="9836642" y="4325937"/>
+            <a:ext cx="657552" cy="369332"/>
+          </a:xfrm>
+          <a:prstGeom prst="rect">
+            <a:avLst/>
+          </a:prstGeom>
+          <a:noFill/>
+        </p:spPr>
+        <p:txBody>
+          <a:bodyPr wrap="none" rtlCol="0">
+            <a:spAutoFit/>
+          </a:bodyPr>
+          <a:lstStyle/>
+          <a:p>
+            <a:r>
+              <a:rPr lang="en-US" dirty="0">
+                <a:solidFill>
+                  <a:schemeClr val="accent6">
+                    <a:lumMod val="75000"/>
+                  </a:schemeClr>
+                </a:solidFill>
+              </a:rPr>
+              <a:t>Body</a:t>
+            </a:r>
+          </a:p>
+        </p:txBody>
+      </p:sp>
+      <p:sp>
+        <p:nvSpPr>
+          <p:cNvPr id="26" name="TextBox 25">
+            <a:extLst>
+              <a:ext uri="{FF2B5EF4-FFF2-40B4-BE49-F238E27FC236}">
+                <a16:creationId xmlns:a16="http://schemas.microsoft.com/office/drawing/2014/main" id="{30D60AED-8345-4913-BD01-097112D373CB}"/>
+              </a:ext>
+            </a:extLst>
+          </p:cNvPr>
+          <p:cNvSpPr txBox="1"/>
+          <p:nvPr/>
+        </p:nvSpPr>
+        <p:spPr>
+          <a:xfrm>
+            <a:off x="9316751" y="4693126"/>
+            <a:ext cx="1416738" cy="923330"/>
+          </a:xfrm>
+          <a:prstGeom prst="rect">
+            <a:avLst/>
+          </a:prstGeom>
+          <a:noFill/>
+        </p:spPr>
+        <p:txBody>
+          <a:bodyPr wrap="square" rtlCol="0">
+            <a:spAutoFit/>
+          </a:bodyPr>
+          <a:lstStyle/>
+          <a:p>
+            <a:pPr algn="r"/>
+            <a:r>
+              <a:rPr lang="en-US" dirty="0"/>
+              <a:t>The part the user actually “consumes.”</a:t>
+            </a:r>
+          </a:p>
+        </p:txBody>
+      </p:sp>
+      <p:cxnSp>
+        <p:nvCxnSpPr>
+          <p:cNvPr id="29" name="Straight Connector 28">
+            <a:extLst>
+              <a:ext uri="{FF2B5EF4-FFF2-40B4-BE49-F238E27FC236}">
+                <a16:creationId xmlns:a16="http://schemas.microsoft.com/office/drawing/2014/main" id="{019108DC-831E-4879-A640-53B4FCF9C7A9}"/>
+              </a:ext>
+            </a:extLst>
+          </p:cNvPr>
+          <p:cNvCxnSpPr>
+            <a:cxnSpLocks/>
+          </p:cNvCxnSpPr>
+          <p:nvPr/>
+        </p:nvCxnSpPr>
+        <p:spPr>
+          <a:xfrm flipH="1">
+            <a:off x="9687060" y="1846477"/>
+            <a:ext cx="1569266" cy="0"/>
+          </a:xfrm>
+          <a:prstGeom prst="line">
+            <a:avLst/>
+          </a:prstGeom>
+          <a:ln cap="rnd"/>
+        </p:spPr>
+        <p:style>
+          <a:lnRef idx="3">
+            <a:schemeClr val="accent6"/>
+          </a:lnRef>
+          <a:fillRef idx="0">
+            <a:schemeClr val="accent6"/>
+          </a:fillRef>
+          <a:effectRef idx="2">
+            <a:schemeClr val="accent6"/>
+          </a:effectRef>
+          <a:fontRef idx="minor">
+            <a:schemeClr val="tx1"/>
+          </a:fontRef>
+        </p:style>
+      </p:cxnSp>
+      <p:cxnSp>
+        <p:nvCxnSpPr>
+          <p:cNvPr id="30" name="Straight Connector 29">
+            <a:extLst>
+              <a:ext uri="{FF2B5EF4-FFF2-40B4-BE49-F238E27FC236}">
+                <a16:creationId xmlns:a16="http://schemas.microsoft.com/office/drawing/2014/main" id="{E7DB3AE7-E4CD-4EDA-8372-16564775FA28}"/>
+              </a:ext>
+            </a:extLst>
+          </p:cNvPr>
+          <p:cNvCxnSpPr>
+            <a:cxnSpLocks/>
+            <a:endCxn id="31" idx="6"/>
+          </p:cNvCxnSpPr>
+          <p:nvPr/>
+        </p:nvCxnSpPr>
+        <p:spPr>
+          <a:xfrm flipH="1">
+            <a:off x="7137929" y="1846477"/>
+            <a:ext cx="2555571" cy="754702"/>
+          </a:xfrm>
+          <a:prstGeom prst="line">
+            <a:avLst/>
+          </a:prstGeom>
+          <a:ln cap="rnd"/>
+        </p:spPr>
+        <p:style>
+          <a:lnRef idx="3">
+            <a:schemeClr val="accent6"/>
+          </a:lnRef>
+          <a:fillRef idx="0">
+            <a:schemeClr val="accent6"/>
+          </a:fillRef>
+          <a:effectRef idx="2">
+            <a:schemeClr val="accent6"/>
+          </a:effectRef>
+          <a:fontRef idx="minor">
+            <a:schemeClr val="tx1"/>
+          </a:fontRef>
+        </p:style>
+      </p:cxnSp>
+      <p:sp>
+        <p:nvSpPr>
+          <p:cNvPr id="31" name="Oval 30">
+            <a:extLst>
+              <a:ext uri="{FF2B5EF4-FFF2-40B4-BE49-F238E27FC236}">
+                <a16:creationId xmlns:a16="http://schemas.microsoft.com/office/drawing/2014/main" id="{6FFE47B9-57C8-4E04-91FB-14709991813A}"/>
+              </a:ext>
+            </a:extLst>
+          </p:cNvPr>
+          <p:cNvSpPr/>
+          <p:nvPr/>
+        </p:nvSpPr>
+        <p:spPr>
+          <a:xfrm>
+            <a:off x="7004579" y="2534504"/>
+            <a:ext cx="133350" cy="133350"/>
+          </a:xfrm>
+          <a:prstGeom prst="ellipse">
+            <a:avLst/>
+          </a:prstGeom>
+        </p:spPr>
+        <p:style>
+          <a:lnRef idx="2">
+            <a:schemeClr val="accent6"/>
+          </a:lnRef>
+          <a:fillRef idx="1">
+            <a:schemeClr val="lt1"/>
+          </a:fillRef>
+          <a:effectRef idx="0">
+            <a:schemeClr val="accent6"/>
+          </a:effectRef>
+          <a:fontRef idx="minor">
+            <a:schemeClr val="dk1"/>
+          </a:fontRef>
+        </p:style>
+        <p:txBody>
+          <a:bodyPr rtlCol="0" anchor="ctr"/>
+          <a:lstStyle/>
+          <a:p>
+            <a:pPr algn="ctr"/>
+            <a:endParaRPr lang="en-US" dirty="0"/>
+          </a:p>
+        </p:txBody>
+      </p:sp>
+      <p:sp>
+        <p:nvSpPr>
+          <p:cNvPr id="32" name="TextBox 31">
+            <a:extLst>
+              <a:ext uri="{FF2B5EF4-FFF2-40B4-BE49-F238E27FC236}">
+                <a16:creationId xmlns:a16="http://schemas.microsoft.com/office/drawing/2014/main" id="{1BA67ACD-6A40-4ED1-9EF4-C8F06D2CA166}"/>
+              </a:ext>
+            </a:extLst>
+          </p:cNvPr>
+          <p:cNvSpPr txBox="1"/>
+          <p:nvPr/>
+        </p:nvSpPr>
+        <p:spPr>
+          <a:xfrm>
+            <a:off x="10060614" y="1491431"/>
+            <a:ext cx="1187184" cy="369332"/>
+          </a:xfrm>
+          <a:prstGeom prst="rect">
+            <a:avLst/>
+          </a:prstGeom>
+          <a:noFill/>
+        </p:spPr>
+        <p:txBody>
+          <a:bodyPr wrap="none" rtlCol="0">
+            <a:spAutoFit/>
+          </a:bodyPr>
+          <a:lstStyle/>
+          <a:p>
+            <a:r>
+              <a:rPr lang="en-US" dirty="0">
+                <a:solidFill>
+                  <a:schemeClr val="accent6">
+                    <a:lumMod val="75000"/>
+                  </a:schemeClr>
+                </a:solidFill>
+              </a:rPr>
+              <a:t>Meta-Data</a:t>
+            </a:r>
+          </a:p>
+        </p:txBody>
+      </p:sp>
+      <p:sp>
+        <p:nvSpPr>
+          <p:cNvPr id="33" name="TextBox 32">
+            <a:extLst>
+              <a:ext uri="{FF2B5EF4-FFF2-40B4-BE49-F238E27FC236}">
+                <a16:creationId xmlns:a16="http://schemas.microsoft.com/office/drawing/2014/main" id="{E4ED2E01-78B9-4E9E-97D7-97336255BDE0}"/>
+              </a:ext>
+            </a:extLst>
+          </p:cNvPr>
+          <p:cNvSpPr txBox="1"/>
+          <p:nvPr/>
+        </p:nvSpPr>
+        <p:spPr>
+          <a:xfrm>
+            <a:off x="9867204" y="1858620"/>
+            <a:ext cx="1416738" cy="923330"/>
+          </a:xfrm>
+          <a:prstGeom prst="rect">
+            <a:avLst/>
+          </a:prstGeom>
+          <a:noFill/>
+        </p:spPr>
+        <p:txBody>
+          <a:bodyPr wrap="square" rtlCol="0">
+            <a:spAutoFit/>
+          </a:bodyPr>
+          <a:lstStyle/>
+          <a:p>
+            <a:pPr algn="r"/>
+            <a:r>
+              <a:rPr lang="en-US" dirty="0"/>
+              <a:t>Information about the content.</a:t>
+            </a:r>
+          </a:p>
+        </p:txBody>
+      </p:sp>
+      <p:sp>
+        <p:nvSpPr>
+          <p:cNvPr id="38" name="TextBox 37">
+            <a:extLst>
+              <a:ext uri="{FF2B5EF4-FFF2-40B4-BE49-F238E27FC236}">
+                <a16:creationId xmlns:a16="http://schemas.microsoft.com/office/drawing/2014/main" id="{91D2CAB9-EF2E-4B5B-B20A-806B6DD60F42}"/>
+              </a:ext>
+            </a:extLst>
+          </p:cNvPr>
+          <p:cNvSpPr txBox="1"/>
+          <p:nvPr/>
+        </p:nvSpPr>
+        <p:spPr>
+          <a:xfrm>
+            <a:off x="0" y="250222"/>
+            <a:ext cx="12192000" cy="523220"/>
+          </a:xfrm>
+          <a:prstGeom prst="rect">
+            <a:avLst/>
+          </a:prstGeom>
+          <a:noFill/>
+        </p:spPr>
+        <p:txBody>
+          <a:bodyPr wrap="square" rtlCol="0">
+            <a:spAutoFit/>
+          </a:bodyPr>
+          <a:lstStyle/>
+          <a:p>
+            <a:pPr algn="ctr"/>
+            <a:r>
+              <a:rPr lang="en-US" sz="2800" dirty="0">
+                <a:solidFill>
+                  <a:schemeClr val="accent6">
+                    <a:lumMod val="75000"/>
+                  </a:schemeClr>
+                </a:solidFill>
+              </a:rPr>
+              <a:t>Protocols are like [Pizza] Boxes</a:t>
+            </a:r>
+          </a:p>
+        </p:txBody>
+      </p:sp>
+      <p:grpSp>
+        <p:nvGrpSpPr>
+          <p:cNvPr id="49" name="Group 48">
+            <a:extLst>
+              <a:ext uri="{FF2B5EF4-FFF2-40B4-BE49-F238E27FC236}">
+                <a16:creationId xmlns:a16="http://schemas.microsoft.com/office/drawing/2014/main" id="{B8CE06AF-2806-4107-95D9-AAC286CC343B}"/>
+              </a:ext>
+            </a:extLst>
+          </p:cNvPr>
+          <p:cNvGrpSpPr/>
+          <p:nvPr/>
+        </p:nvGrpSpPr>
+        <p:grpSpPr>
+          <a:xfrm>
+            <a:off x="3766877" y="629685"/>
+            <a:ext cx="4498072" cy="297874"/>
+            <a:chOff x="3971469" y="624781"/>
+            <a:chExt cx="4498072" cy="297874"/>
+          </a:xfrm>
+        </p:grpSpPr>
+        <p:cxnSp>
+          <p:nvCxnSpPr>
+            <p:cNvPr id="40" name="Straight Connector 39">
+              <a:extLst>
+                <a:ext uri="{FF2B5EF4-FFF2-40B4-BE49-F238E27FC236}">
+                  <a16:creationId xmlns:a16="http://schemas.microsoft.com/office/drawing/2014/main" id="{D6E0AC31-61D0-4CE2-AA3B-3C6978E8704A}"/>
+                </a:ext>
+              </a:extLst>
+            </p:cNvPr>
+            <p:cNvCxnSpPr/>
+            <p:nvPr/>
+          </p:nvCxnSpPr>
+          <p:spPr>
+            <a:xfrm>
+              <a:off x="5170031" y="773442"/>
+              <a:ext cx="2057400" cy="0"/>
+            </a:xfrm>
+            <a:prstGeom prst="line">
+              <a:avLst/>
+            </a:prstGeom>
+            <a:ln cap="rnd"/>
+          </p:spPr>
+          <p:style>
+            <a:lnRef idx="3">
+              <a:schemeClr val="accent6"/>
+            </a:lnRef>
+            <a:fillRef idx="0">
+              <a:schemeClr val="accent6"/>
+            </a:fillRef>
+            <a:effectRef idx="2">
+              <a:schemeClr val="accent6"/>
+            </a:effectRef>
+            <a:fontRef idx="minor">
+              <a:schemeClr val="tx1"/>
+            </a:fontRef>
+          </p:style>
+        </p:cxnSp>
+        <p:cxnSp>
+          <p:nvCxnSpPr>
+            <p:cNvPr id="41" name="Straight Connector 40">
+              <a:extLst>
+                <a:ext uri="{FF2B5EF4-FFF2-40B4-BE49-F238E27FC236}">
+                  <a16:creationId xmlns:a16="http://schemas.microsoft.com/office/drawing/2014/main" id="{B388F3BF-FB37-4435-8519-443F06647178}"/>
+                </a:ext>
+              </a:extLst>
+            </p:cNvPr>
+            <p:cNvCxnSpPr>
+              <a:cxnSpLocks/>
+            </p:cNvCxnSpPr>
+            <p:nvPr/>
+          </p:nvCxnSpPr>
+          <p:spPr>
+            <a:xfrm>
+              <a:off x="7349270" y="697242"/>
+              <a:ext cx="1027511" cy="0"/>
+            </a:xfrm>
+            <a:prstGeom prst="line">
+              <a:avLst/>
+            </a:prstGeom>
+            <a:ln cap="rnd"/>
+          </p:spPr>
+          <p:style>
+            <a:lnRef idx="3">
+              <a:schemeClr val="accent6"/>
+            </a:lnRef>
+            <a:fillRef idx="0">
+              <a:schemeClr val="accent6"/>
+            </a:fillRef>
+            <a:effectRef idx="2">
+              <a:schemeClr val="accent6"/>
+            </a:effectRef>
+            <a:fontRef idx="minor">
+              <a:schemeClr val="tx1"/>
+            </a:fontRef>
+          </p:style>
+        </p:cxnSp>
+        <p:cxnSp>
+          <p:nvCxnSpPr>
+            <p:cNvPr id="43" name="Straight Connector 42">
+              <a:extLst>
+                <a:ext uri="{FF2B5EF4-FFF2-40B4-BE49-F238E27FC236}">
+                  <a16:creationId xmlns:a16="http://schemas.microsoft.com/office/drawing/2014/main" id="{EC5F7052-9710-4CD3-8A81-EEE0E9A7244C}"/>
+                </a:ext>
+              </a:extLst>
+            </p:cNvPr>
+            <p:cNvCxnSpPr>
+              <a:cxnSpLocks/>
+            </p:cNvCxnSpPr>
+            <p:nvPr/>
+          </p:nvCxnSpPr>
+          <p:spPr>
+            <a:xfrm flipV="1">
+              <a:off x="7227431" y="697242"/>
+              <a:ext cx="121839" cy="76200"/>
+            </a:xfrm>
+            <a:prstGeom prst="line">
+              <a:avLst/>
+            </a:prstGeom>
+            <a:ln cap="rnd"/>
+          </p:spPr>
+          <p:style>
+            <a:lnRef idx="3">
+              <a:schemeClr val="accent6"/>
+            </a:lnRef>
+            <a:fillRef idx="0">
+              <a:schemeClr val="accent6"/>
+            </a:fillRef>
+            <a:effectRef idx="2">
+              <a:schemeClr val="accent6"/>
+            </a:effectRef>
+            <a:fontRef idx="minor">
+              <a:schemeClr val="tx1"/>
+            </a:fontRef>
+          </p:style>
+        </p:cxnSp>
+        <p:cxnSp>
+          <p:nvCxnSpPr>
+            <p:cNvPr id="46" name="Straight Connector 45">
+              <a:extLst>
+                <a:ext uri="{FF2B5EF4-FFF2-40B4-BE49-F238E27FC236}">
+                  <a16:creationId xmlns:a16="http://schemas.microsoft.com/office/drawing/2014/main" id="{C86B609C-3E9D-4EA1-9D7B-7AD108C8C57B}"/>
+                </a:ext>
+              </a:extLst>
+            </p:cNvPr>
+            <p:cNvCxnSpPr>
+              <a:cxnSpLocks/>
+            </p:cNvCxnSpPr>
+            <p:nvPr/>
+          </p:nvCxnSpPr>
+          <p:spPr>
+            <a:xfrm flipV="1">
+              <a:off x="5048192" y="773442"/>
+              <a:ext cx="121839" cy="76200"/>
+            </a:xfrm>
+            <a:prstGeom prst="line">
+              <a:avLst/>
+            </a:prstGeom>
+            <a:ln cap="rnd"/>
+          </p:spPr>
+          <p:style>
+            <a:lnRef idx="3">
+              <a:schemeClr val="accent6"/>
+            </a:lnRef>
+            <a:fillRef idx="0">
+              <a:schemeClr val="accent6"/>
+            </a:fillRef>
+            <a:effectRef idx="2">
+              <a:schemeClr val="accent6"/>
+            </a:effectRef>
+            <a:fontRef idx="minor">
+              <a:schemeClr val="tx1"/>
+            </a:fontRef>
+          </p:style>
+        </p:cxnSp>
+        <p:cxnSp>
+          <p:nvCxnSpPr>
+            <p:cNvPr id="47" name="Straight Connector 46">
+              <a:extLst>
+                <a:ext uri="{FF2B5EF4-FFF2-40B4-BE49-F238E27FC236}">
+                  <a16:creationId xmlns:a16="http://schemas.microsoft.com/office/drawing/2014/main" id="{0D690C07-0109-4CEC-B0CC-434EED608911}"/>
+                </a:ext>
+              </a:extLst>
+            </p:cNvPr>
+            <p:cNvCxnSpPr>
+              <a:cxnSpLocks/>
+            </p:cNvCxnSpPr>
+            <p:nvPr/>
+          </p:nvCxnSpPr>
+          <p:spPr>
+            <a:xfrm flipV="1">
+              <a:off x="4021655" y="849642"/>
+              <a:ext cx="1026537" cy="11668"/>
+            </a:xfrm>
+            <a:prstGeom prst="line">
+              <a:avLst/>
+            </a:prstGeom>
+            <a:ln cap="rnd"/>
+          </p:spPr>
+          <p:style>
+            <a:lnRef idx="3">
+              <a:schemeClr val="accent6"/>
+            </a:lnRef>
+            <a:fillRef idx="0">
+              <a:schemeClr val="accent6"/>
+            </a:fillRef>
+            <a:effectRef idx="2">
+              <a:schemeClr val="accent6"/>
+            </a:effectRef>
+            <a:fontRef idx="minor">
+              <a:schemeClr val="tx1"/>
+            </a:fontRef>
+          </p:style>
+        </p:cxnSp>
+        <p:sp>
+          <p:nvSpPr>
+            <p:cNvPr id="50" name="Oval 49">
+              <a:extLst>
+                <a:ext uri="{FF2B5EF4-FFF2-40B4-BE49-F238E27FC236}">
+                  <a16:creationId xmlns:a16="http://schemas.microsoft.com/office/drawing/2014/main" id="{EEA3A56A-D77B-4804-9467-3C2325189A39}"/>
+                </a:ext>
+              </a:extLst>
+            </p:cNvPr>
+            <p:cNvSpPr/>
+            <p:nvPr/>
+          </p:nvSpPr>
+          <p:spPr>
+            <a:xfrm>
+              <a:off x="3971469" y="789305"/>
+              <a:ext cx="133350" cy="133350"/>
+            </a:xfrm>
+            <a:prstGeom prst="ellipse">
+              <a:avLst/>
+            </a:prstGeom>
+          </p:spPr>
+          <p:style>
+            <a:lnRef idx="2">
+              <a:schemeClr val="accent6"/>
+            </a:lnRef>
+            <a:fillRef idx="1">
+              <a:schemeClr val="lt1"/>
+            </a:fillRef>
+            <a:effectRef idx="0">
+              <a:schemeClr val="accent6"/>
+            </a:effectRef>
+            <a:fontRef idx="minor">
+              <a:schemeClr val="dk1"/>
+            </a:fontRef>
+          </p:style>
+          <p:txBody>
+            <a:bodyPr rtlCol="0" anchor="ctr"/>
+            <a:lstStyle/>
+            <a:p>
+              <a:pPr algn="ctr"/>
+              <a:endParaRPr lang="en-US" i="1" dirty="0"/>
+            </a:p>
+          </p:txBody>
+        </p:sp>
+        <p:sp>
+          <p:nvSpPr>
+            <p:cNvPr id="51" name="Oval 50">
+              <a:extLst>
+                <a:ext uri="{FF2B5EF4-FFF2-40B4-BE49-F238E27FC236}">
+                  <a16:creationId xmlns:a16="http://schemas.microsoft.com/office/drawing/2014/main" id="{488A40C9-3C11-477D-B0FB-19648893F367}"/>
+                </a:ext>
+              </a:extLst>
+            </p:cNvPr>
+            <p:cNvSpPr/>
+            <p:nvPr/>
+          </p:nvSpPr>
+          <p:spPr>
+            <a:xfrm>
+              <a:off x="8336191" y="624781"/>
+              <a:ext cx="133350" cy="133350"/>
+            </a:xfrm>
+            <a:prstGeom prst="ellipse">
+              <a:avLst/>
+            </a:prstGeom>
+          </p:spPr>
+          <p:style>
+            <a:lnRef idx="2">
+              <a:schemeClr val="accent6"/>
+            </a:lnRef>
+            <a:fillRef idx="1">
+              <a:schemeClr val="lt1"/>
+            </a:fillRef>
+            <a:effectRef idx="0">
+              <a:schemeClr val="accent6"/>
+            </a:effectRef>
+            <a:fontRef idx="minor">
+              <a:schemeClr val="dk1"/>
+            </a:fontRef>
+          </p:style>
+          <p:txBody>
+            <a:bodyPr rtlCol="0" anchor="ctr"/>
+            <a:lstStyle/>
+            <a:p>
+              <a:pPr algn="ctr"/>
+              <a:endParaRPr lang="en-US" i="1" dirty="0"/>
+            </a:p>
+          </p:txBody>
+        </p:sp>
+      </p:grpSp>
+      <p:cxnSp>
+        <p:nvCxnSpPr>
+          <p:cNvPr id="48" name="Straight Connector 47">
+            <a:extLst>
+              <a:ext uri="{FF2B5EF4-FFF2-40B4-BE49-F238E27FC236}">
+                <a16:creationId xmlns:a16="http://schemas.microsoft.com/office/drawing/2014/main" id="{D960A732-7D82-4432-825E-DCAFE0FE2334}"/>
+              </a:ext>
+            </a:extLst>
+          </p:cNvPr>
+          <p:cNvCxnSpPr>
+            <a:cxnSpLocks/>
+          </p:cNvCxnSpPr>
+          <p:nvPr/>
+        </p:nvCxnSpPr>
+        <p:spPr>
+          <a:xfrm>
+            <a:off x="1913778" y="4657266"/>
+            <a:ext cx="1594494" cy="0"/>
+          </a:xfrm>
+          <a:prstGeom prst="line">
+            <a:avLst/>
+          </a:prstGeom>
+          <a:ln cap="rnd"/>
+        </p:spPr>
+        <p:style>
+          <a:lnRef idx="3">
+            <a:schemeClr val="accent6"/>
+          </a:lnRef>
+          <a:fillRef idx="0">
+            <a:schemeClr val="accent6"/>
+          </a:fillRef>
+          <a:effectRef idx="2">
+            <a:schemeClr val="accent6"/>
+          </a:effectRef>
+          <a:fontRef idx="minor">
+            <a:schemeClr val="tx1"/>
+          </a:fontRef>
+        </p:style>
+      </p:cxnSp>
+      <p:cxnSp>
+        <p:nvCxnSpPr>
+          <p:cNvPr id="52" name="Straight Connector 51">
+            <a:extLst>
+              <a:ext uri="{FF2B5EF4-FFF2-40B4-BE49-F238E27FC236}">
+                <a16:creationId xmlns:a16="http://schemas.microsoft.com/office/drawing/2014/main" id="{9EA4A6AC-0213-4354-98AC-DD79623B7615}"/>
+              </a:ext>
+            </a:extLst>
+          </p:cNvPr>
+          <p:cNvCxnSpPr>
+            <a:cxnSpLocks/>
+            <a:endCxn id="53" idx="1"/>
+          </p:cNvCxnSpPr>
+          <p:nvPr/>
+        </p:nvCxnSpPr>
+        <p:spPr>
+          <a:xfrm>
+            <a:off x="3508272" y="4657266"/>
+            <a:ext cx="517210" cy="441052"/>
+          </a:xfrm>
+          <a:prstGeom prst="line">
+            <a:avLst/>
+          </a:prstGeom>
+          <a:ln cap="rnd"/>
+        </p:spPr>
+        <p:style>
+          <a:lnRef idx="3">
+            <a:schemeClr val="accent6"/>
+          </a:lnRef>
+          <a:fillRef idx="0">
+            <a:schemeClr val="accent6"/>
+          </a:fillRef>
+          <a:effectRef idx="2">
+            <a:schemeClr val="accent6"/>
+          </a:effectRef>
+          <a:fontRef idx="minor">
+            <a:schemeClr val="tx1"/>
+          </a:fontRef>
+        </p:style>
+      </p:cxnSp>
+      <p:sp>
+        <p:nvSpPr>
+          <p:cNvPr id="53" name="Oval 52">
+            <a:extLst>
+              <a:ext uri="{FF2B5EF4-FFF2-40B4-BE49-F238E27FC236}">
+                <a16:creationId xmlns:a16="http://schemas.microsoft.com/office/drawing/2014/main" id="{D09B7019-2E0F-495A-940B-EFC415D75B5C}"/>
+              </a:ext>
+            </a:extLst>
+          </p:cNvPr>
+          <p:cNvSpPr/>
+          <p:nvPr/>
+        </p:nvSpPr>
+        <p:spPr>
+          <a:xfrm>
+            <a:off x="4005953" y="5078789"/>
+            <a:ext cx="133350" cy="133350"/>
+          </a:xfrm>
+          <a:prstGeom prst="ellipse">
+            <a:avLst/>
+          </a:prstGeom>
+        </p:spPr>
+        <p:style>
+          <a:lnRef idx="2">
+            <a:schemeClr val="accent6"/>
+          </a:lnRef>
+          <a:fillRef idx="1">
+            <a:schemeClr val="lt1"/>
+          </a:fillRef>
+          <a:effectRef idx="0">
+            <a:schemeClr val="accent6"/>
+          </a:effectRef>
+          <a:fontRef idx="minor">
+            <a:schemeClr val="dk1"/>
+          </a:fontRef>
+        </p:style>
+        <p:txBody>
+          <a:bodyPr rtlCol="0" anchor="ctr"/>
+          <a:lstStyle/>
+          <a:p>
+            <a:pPr algn="ctr"/>
+            <a:endParaRPr lang="en-US" dirty="0"/>
+          </a:p>
+        </p:txBody>
+      </p:sp>
+      <p:sp>
+        <p:nvSpPr>
+          <p:cNvPr id="54" name="TextBox 53">
+            <a:extLst>
+              <a:ext uri="{FF2B5EF4-FFF2-40B4-BE49-F238E27FC236}">
+                <a16:creationId xmlns:a16="http://schemas.microsoft.com/office/drawing/2014/main" id="{FD1212CE-5918-4296-AFDE-C8957B579882}"/>
+              </a:ext>
+            </a:extLst>
+          </p:cNvPr>
+          <p:cNvSpPr txBox="1"/>
+          <p:nvPr/>
+        </p:nvSpPr>
+        <p:spPr>
+          <a:xfrm>
+            <a:off x="2060463" y="4342119"/>
+            <a:ext cx="540533" cy="369332"/>
+          </a:xfrm>
+          <a:prstGeom prst="rect">
+            <a:avLst/>
+          </a:prstGeom>
+          <a:noFill/>
+        </p:spPr>
+        <p:txBody>
+          <a:bodyPr wrap="none" rtlCol="0">
+            <a:spAutoFit/>
+          </a:bodyPr>
+          <a:lstStyle/>
+          <a:p>
+            <a:r>
+              <a:rPr lang="en-US" dirty="0">
+                <a:solidFill>
+                  <a:schemeClr val="accent6">
+                    <a:lumMod val="75000"/>
+                  </a:schemeClr>
+                </a:solidFill>
+              </a:rPr>
+              <a:t>End</a:t>
+            </a:r>
+          </a:p>
+        </p:txBody>
+      </p:sp>
+      <p:sp>
+        <p:nvSpPr>
+          <p:cNvPr id="55" name="TextBox 54">
+            <a:extLst>
+              <a:ext uri="{FF2B5EF4-FFF2-40B4-BE49-F238E27FC236}">
+                <a16:creationId xmlns:a16="http://schemas.microsoft.com/office/drawing/2014/main" id="{85A4BF76-C8F0-4A37-9405-906DADA9FA8E}"/>
+              </a:ext>
+            </a:extLst>
+          </p:cNvPr>
+          <p:cNvSpPr txBox="1"/>
+          <p:nvPr/>
+        </p:nvSpPr>
+        <p:spPr>
+          <a:xfrm>
+            <a:off x="1900865" y="4693126"/>
+            <a:ext cx="1447811" cy="923330"/>
+          </a:xfrm>
+          <a:prstGeom prst="rect">
+            <a:avLst/>
+          </a:prstGeom>
+          <a:noFill/>
+        </p:spPr>
+        <p:txBody>
+          <a:bodyPr wrap="square" rtlCol="0">
+            <a:spAutoFit/>
+          </a:bodyPr>
+          <a:lstStyle/>
+          <a:p>
+            <a:r>
+              <a:rPr lang="en-US" dirty="0"/>
+              <a:t>Crucial! Where do we stop?</a:t>
+            </a:r>
+          </a:p>
+        </p:txBody>
+      </p:sp>
+      <p:sp>
+        <p:nvSpPr>
+          <p:cNvPr id="39" name="TextBox 38">
+            <a:extLst>
+              <a:ext uri="{FF2B5EF4-FFF2-40B4-BE49-F238E27FC236}">
+                <a16:creationId xmlns:a16="http://schemas.microsoft.com/office/drawing/2014/main" id="{503665B2-CB9D-404E-AC67-382951C4EBA0}"/>
+              </a:ext>
+            </a:extLst>
+          </p:cNvPr>
+          <p:cNvSpPr txBox="1"/>
+          <p:nvPr/>
+        </p:nvSpPr>
+        <p:spPr>
+          <a:xfrm>
+            <a:off x="4367903" y="6103239"/>
+            <a:ext cx="6096646" cy="369332"/>
+          </a:xfrm>
+          <a:prstGeom prst="rect">
+            <a:avLst/>
+          </a:prstGeom>
+          <a:noFill/>
+        </p:spPr>
+        <p:txBody>
+          <a:bodyPr wrap="square">
+            <a:spAutoFit/>
+          </a:bodyPr>
+          <a:lstStyle/>
+          <a:p>
+            <a:r>
+              <a:rPr lang="en-US" dirty="0">
+                <a:hlinkClick r:id="rId2"/>
+              </a:rPr>
+              <a:t>http://www.evolutionoftheweb.com/</a:t>
+            </a:r>
+            <a:endParaRPr lang="en-US" dirty="0"/>
+          </a:p>
+        </p:txBody>
+      </p:sp>
+    </p:spTree>
+    <p:extLst>
+      <p:ext uri="{BB962C8B-B14F-4D97-AF65-F5344CB8AC3E}">
+        <p14:creationId xmlns:p14="http://schemas.microsoft.com/office/powerpoint/2010/main" val="881813516"/>
+      </p:ext>
+    </p:extLst>
+  </p:cSld>
+  <p:clrMapOvr>
+    <a:masterClrMapping/>
+  </p:clrMapOvr>
+</p:sld>
+</file>
+
+<file path=ppt/slides/slide11.xml><?xml version="1.0" encoding="utf-8"?>
+<p:sld xmlns:a="http://schemas.openxmlformats.org/drawingml/2006/main" xmlns:r="http://schemas.openxmlformats.org/officeDocument/2006/relationships" xmlns:p="http://schemas.openxmlformats.org/presentationml/2006/main">
+  <p:cSld>
+    <p:spTree>
+      <p:nvGrpSpPr>
+        <p:cNvPr id="1" name=""/>
+        <p:cNvGrpSpPr/>
+        <p:nvPr/>
+      </p:nvGrpSpPr>
+      <p:grpSpPr>
+        <a:xfrm>
+          <a:off x="0" y="0"/>
+          <a:ext cx="0" cy="0"/>
+          <a:chOff x="0" y="0"/>
+          <a:chExt cx="0" cy="0"/>
+        </a:xfrm>
+      </p:grpSpPr>
+      <p:sp>
+        <p:nvSpPr>
+          <p:cNvPr id="2" name="Rectangle 1" hidden="1">
+            <a:extLst>
+              <a:ext uri="{FF2B5EF4-FFF2-40B4-BE49-F238E27FC236}">
+                <a16:creationId xmlns:a16="http://schemas.microsoft.com/office/drawing/2014/main" id="{5CCCBFA1-FDCD-4E57-81CE-6E0F8D7901BF}"/>
+              </a:ext>
+            </a:extLst>
+          </p:cNvPr>
+          <p:cNvSpPr/>
+          <p:nvPr/>
+        </p:nvSpPr>
+        <p:spPr>
+          <a:xfrm>
+            <a:off x="0" y="0"/>
+            <a:ext cx="12192000" cy="6858000"/>
+          </a:xfrm>
+          <a:prstGeom prst="rect">
+            <a:avLst/>
+          </a:prstGeom>
+          <a:solidFill>
+            <a:schemeClr val="bg1"/>
+          </a:solidFill>
+          <a:ln>
+            <a:noFill/>
+          </a:ln>
+        </p:spPr>
+        <p:style>
+          <a:lnRef idx="2">
+            <a:schemeClr val="accent1">
+              <a:shade val="50000"/>
+            </a:schemeClr>
+          </a:lnRef>
+          <a:fillRef idx="1">
+            <a:schemeClr val="accent1"/>
+          </a:fillRef>
+          <a:effectRef idx="0">
+            <a:schemeClr val="accent1"/>
+          </a:effectRef>
+          <a:fontRef idx="minor">
+            <a:schemeClr val="lt1"/>
+          </a:fontRef>
+        </p:style>
+        <p:txBody>
+          <a:bodyPr rtlCol="0" anchor="ctr"/>
+          <a:lstStyle/>
+          <a:p>
+            <a:pPr algn="ctr"/>
+            <a:endParaRPr lang="en-US" dirty="0"/>
+          </a:p>
+        </p:txBody>
+      </p:sp>
+      <p:sp>
+        <p:nvSpPr>
           <p:cNvPr id="38" name="TextBox 37">
             <a:extLst>
               <a:ext uri="{FF2B5EF4-FFF2-40B4-BE49-F238E27FC236}">
@@ -5826,7 +7868,7 @@
 </p:sld>
 </file>
 
-<file path=ppt/slides/slide11.xml><?xml version="1.0" encoding="utf-8"?>
+<file path=ppt/slides/slide12.xml><?xml version="1.0" encoding="utf-8"?>
 <p:sld xmlns:a="http://schemas.openxmlformats.org/drawingml/2006/main" xmlns:r="http://schemas.openxmlformats.org/officeDocument/2006/relationships" xmlns:p="http://schemas.openxmlformats.org/presentationml/2006/main">
   <p:cSld>
     <p:spTree>
@@ -7849,6 +9891,42 @@
           </a:p>
         </p:txBody>
       </p:sp>
+      <p:sp>
+        <p:nvSpPr>
+          <p:cNvPr id="3" name="TextBox 2">
+            <a:extLst>
+              <a:ext uri="{FF2B5EF4-FFF2-40B4-BE49-F238E27FC236}">
+                <a16:creationId xmlns:a16="http://schemas.microsoft.com/office/drawing/2014/main" id="{6A8ACEC1-3D44-4AA3-AE60-2B06990ABCFE}"/>
+              </a:ext>
+            </a:extLst>
+          </p:cNvPr>
+          <p:cNvSpPr txBox="1"/>
+          <p:nvPr/>
+        </p:nvSpPr>
+        <p:spPr>
+          <a:xfrm>
+            <a:off x="3484484" y="936449"/>
+            <a:ext cx="5223033" cy="369332"/>
+          </a:xfrm>
+          <a:prstGeom prst="rect">
+            <a:avLst/>
+          </a:prstGeom>
+          <a:noFill/>
+        </p:spPr>
+        <p:txBody>
+          <a:bodyPr wrap="none" rtlCol="0">
+            <a:spAutoFit/>
+          </a:bodyPr>
+          <a:lstStyle/>
+          <a:p>
+            <a:pPr algn="ctr"/>
+            <a:r>
+              <a:rPr lang="en-US" i="1" dirty="0"/>
+              <a:t>Your browser makes a lot of requests to render a page</a:t>
+            </a:r>
+          </a:p>
+        </p:txBody>
+      </p:sp>
     </p:spTree>
     <p:extLst>
       <p:ext uri="{BB962C8B-B14F-4D97-AF65-F5344CB8AC3E}">
@@ -7862,7 +9940,7 @@
 </p:sld>
 </file>
 
-<file path=ppt/slides/slide12.xml><?xml version="1.0" encoding="utf-8"?>
+<file path=ppt/slides/slide13.xml><?xml version="1.0" encoding="utf-8"?>
 <p:sld xmlns:a="http://schemas.openxmlformats.org/drawingml/2006/main" xmlns:r="http://schemas.openxmlformats.org/officeDocument/2006/relationships" xmlns:p="http://schemas.openxmlformats.org/presentationml/2006/main">
   <p:cSld>
     <p:spTree>
@@ -7968,7 +10046,7 @@
                   </a:schemeClr>
                 </a:solidFill>
               </a:rPr>
-              <a:t>HTTP Protocol</a:t>
+              <a:t>HTTP Protocol 1.0 vs 1.1</a:t>
             </a:r>
           </a:p>
         </p:txBody>
@@ -9288,7 +11366,7 @@
           <a:p>
             <a:r>
               <a:rPr lang="en-US" sz="1400" i="1" dirty="0"/>
-              <a:t>A pepperoni pizza, </a:t>
+              <a:t>a pepperoni pizza, </a:t>
             </a:r>
           </a:p>
           <a:p>
@@ -9302,6 +11380,206 @@
               <a:rPr lang="en-US" sz="1400" i="1" dirty="0"/>
               <a:t>Goodbye.</a:t>
             </a:r>
+          </a:p>
+        </p:txBody>
+      </p:sp>
+      <p:pic>
+        <p:nvPicPr>
+          <p:cNvPr id="4" name="Graphic 3" descr="Smiling face with solid fill">
+            <a:extLst>
+              <a:ext uri="{FF2B5EF4-FFF2-40B4-BE49-F238E27FC236}">
+                <a16:creationId xmlns:a16="http://schemas.microsoft.com/office/drawing/2014/main" id="{EDE54838-A469-474D-A1E2-38FEF0861312}"/>
+              </a:ext>
+            </a:extLst>
+          </p:cNvPr>
+          <p:cNvPicPr>
+            <a:picLocks noChangeAspect="1"/>
+          </p:cNvPicPr>
+          <p:nvPr/>
+        </p:nvPicPr>
+        <p:blipFill>
+          <a:blip r:embed="rId4">
+            <a:extLst>
+              <a:ext uri="{28A0092B-C50C-407E-A947-70E740481C1C}">
+                <a14:useLocalDpi xmlns:a14="http://schemas.microsoft.com/office/drawing/2010/main" val="0"/>
+              </a:ext>
+              <a:ext uri="{96DAC541-7B7A-43D3-8B79-37D633B846F1}">
+                <asvg:svgBlip xmlns:asvg="http://schemas.microsoft.com/office/drawing/2016/SVG/main" r:embed="rId5"/>
+              </a:ext>
+            </a:extLst>
+          </a:blip>
+          <a:stretch>
+            <a:fillRect/>
+          </a:stretch>
+        </p:blipFill>
+        <p:spPr>
+          <a:xfrm>
+            <a:off x="4498366" y="2227697"/>
+            <a:ext cx="593962" cy="593962"/>
+          </a:xfrm>
+          <a:prstGeom prst="rect">
+            <a:avLst/>
+          </a:prstGeom>
+        </p:spPr>
+      </p:pic>
+      <p:pic>
+        <p:nvPicPr>
+          <p:cNvPr id="9" name="Graphic 8" descr="Sad face with solid fill">
+            <a:extLst>
+              <a:ext uri="{FF2B5EF4-FFF2-40B4-BE49-F238E27FC236}">
+                <a16:creationId xmlns:a16="http://schemas.microsoft.com/office/drawing/2014/main" id="{DD9D38CA-F0B2-4C60-B180-1B2460D6D510}"/>
+              </a:ext>
+            </a:extLst>
+          </p:cNvPr>
+          <p:cNvPicPr>
+            <a:picLocks noChangeAspect="1"/>
+          </p:cNvPicPr>
+          <p:nvPr/>
+        </p:nvPicPr>
+        <p:blipFill>
+          <a:blip r:embed="rId6">
+            <a:extLst>
+              <a:ext uri="{28A0092B-C50C-407E-A947-70E740481C1C}">
+                <a14:useLocalDpi xmlns:a14="http://schemas.microsoft.com/office/drawing/2010/main" val="0"/>
+              </a:ext>
+              <a:ext uri="{96DAC541-7B7A-43D3-8B79-37D633B846F1}">
+                <asvg:svgBlip xmlns:asvg="http://schemas.microsoft.com/office/drawing/2016/SVG/main" r:embed="rId7"/>
+              </a:ext>
+            </a:extLst>
+          </a:blip>
+          <a:stretch>
+            <a:fillRect/>
+          </a:stretch>
+        </p:blipFill>
+        <p:spPr>
+          <a:xfrm>
+            <a:off x="4498366" y="4674199"/>
+            <a:ext cx="593962" cy="593962"/>
+          </a:xfrm>
+          <a:prstGeom prst="rect">
+            <a:avLst/>
+          </a:prstGeom>
+        </p:spPr>
+      </p:pic>
+      <p:pic>
+        <p:nvPicPr>
+          <p:cNvPr id="14" name="Graphic 13" descr="Neutral face with solid fill">
+            <a:extLst>
+              <a:ext uri="{FF2B5EF4-FFF2-40B4-BE49-F238E27FC236}">
+                <a16:creationId xmlns:a16="http://schemas.microsoft.com/office/drawing/2014/main" id="{26B90BEA-1BD7-463D-B4C6-4CA567CD099E}"/>
+              </a:ext>
+            </a:extLst>
+          </p:cNvPr>
+          <p:cNvPicPr>
+            <a:picLocks noChangeAspect="1"/>
+          </p:cNvPicPr>
+          <p:nvPr/>
+        </p:nvPicPr>
+        <p:blipFill>
+          <a:blip r:embed="rId8">
+            <a:extLst>
+              <a:ext uri="{28A0092B-C50C-407E-A947-70E740481C1C}">
+                <a14:useLocalDpi xmlns:a14="http://schemas.microsoft.com/office/drawing/2010/main" val="0"/>
+              </a:ext>
+              <a:ext uri="{96DAC541-7B7A-43D3-8B79-37D633B846F1}">
+                <asvg:svgBlip xmlns:asvg="http://schemas.microsoft.com/office/drawing/2016/SVG/main" r:embed="rId9"/>
+              </a:ext>
+            </a:extLst>
+          </a:blip>
+          <a:stretch>
+            <a:fillRect/>
+          </a:stretch>
+        </p:blipFill>
+        <p:spPr>
+          <a:xfrm>
+            <a:off x="4498366" y="3422002"/>
+            <a:ext cx="593962" cy="593962"/>
+          </a:xfrm>
+          <a:prstGeom prst="rect">
+            <a:avLst/>
+          </a:prstGeom>
+        </p:spPr>
+      </p:pic>
+      <p:pic>
+        <p:nvPicPr>
+          <p:cNvPr id="18" name="Graphic 17" descr="Grinning face with solid fill">
+            <a:extLst>
+              <a:ext uri="{FF2B5EF4-FFF2-40B4-BE49-F238E27FC236}">
+                <a16:creationId xmlns:a16="http://schemas.microsoft.com/office/drawing/2014/main" id="{FF052E67-70C3-4A06-8987-FB51EA5DD97E}"/>
+              </a:ext>
+            </a:extLst>
+          </p:cNvPr>
+          <p:cNvPicPr>
+            <a:picLocks noChangeAspect="1"/>
+          </p:cNvPicPr>
+          <p:nvPr/>
+        </p:nvPicPr>
+        <p:blipFill>
+          <a:blip r:embed="rId10">
+            <a:extLst>
+              <a:ext uri="{28A0092B-C50C-407E-A947-70E740481C1C}">
+                <a14:useLocalDpi xmlns:a14="http://schemas.microsoft.com/office/drawing/2010/main" val="0"/>
+              </a:ext>
+              <a:ext uri="{96DAC541-7B7A-43D3-8B79-37D633B846F1}">
+                <asvg:svgBlip xmlns:asvg="http://schemas.microsoft.com/office/drawing/2016/SVG/main" r:embed="rId11"/>
+              </a:ext>
+            </a:extLst>
+          </a:blip>
+          <a:stretch>
+            <a:fillRect/>
+          </a:stretch>
+        </p:blipFill>
+        <p:spPr>
+          <a:xfrm>
+            <a:off x="11046827" y="3285902"/>
+            <a:ext cx="594360" cy="594360"/>
+          </a:xfrm>
+          <a:prstGeom prst="rect">
+            <a:avLst/>
+          </a:prstGeom>
+        </p:spPr>
+      </p:pic>
+      <p:sp>
+        <p:nvSpPr>
+          <p:cNvPr id="19" name="TextBox 18">
+            <a:extLst>
+              <a:ext uri="{FF2B5EF4-FFF2-40B4-BE49-F238E27FC236}">
+                <a16:creationId xmlns:a16="http://schemas.microsoft.com/office/drawing/2014/main" id="{3718AA49-7B09-4FC3-ABD4-19396158116F}"/>
+              </a:ext>
+            </a:extLst>
+          </p:cNvPr>
+          <p:cNvSpPr txBox="1"/>
+          <p:nvPr/>
+        </p:nvSpPr>
+        <p:spPr>
+          <a:xfrm>
+            <a:off x="3990723" y="936449"/>
+            <a:ext cx="4181466" cy="369332"/>
+          </a:xfrm>
+          <a:prstGeom prst="rect">
+            <a:avLst/>
+          </a:prstGeom>
+          <a:noFill/>
+        </p:spPr>
+        <p:txBody>
+          <a:bodyPr wrap="none" rtlCol="0">
+            <a:spAutoFit/>
+          </a:bodyPr>
+          <a:lstStyle/>
+          <a:p>
+            <a:r>
+              <a:rPr lang="en-US" dirty="0"/>
+              <a:t>Or </a:t>
+            </a:r>
+            <a:r>
+              <a:rPr lang="en-US" i="1" dirty="0"/>
+              <a:t>The Story of the Annoying Pizza </a:t>
+            </a:r>
+            <a:r>
+              <a:rPr lang="en-US" i="1" dirty="0" err="1"/>
+              <a:t>Orderer</a:t>
+            </a:r>
+            <a:endParaRPr lang="en-US" i="1" dirty="0"/>
           </a:p>
         </p:txBody>
       </p:sp>
@@ -9357,7 +11635,13 @@
           <a:lstStyle/>
           <a:p>
             <a:r>
-              <a:rPr lang="en-US" dirty="0"/>
+              <a:rPr lang="en-US" dirty="0">
+                <a:solidFill>
+                  <a:schemeClr val="accent6">
+                    <a:lumMod val="50000"/>
+                  </a:schemeClr>
+                </a:solidFill>
+              </a:rPr>
               <a:t>What was the world like in 1995?</a:t>
             </a:r>
           </a:p>
@@ -9446,7 +11730,7 @@
                 <a:ea typeface="Calibri" panose="020F0502020204030204" pitchFamily="34" charset="0"/>
                 <a:cs typeface="Times New Roman" panose="02020603050405020304" pitchFamily="18" charset="0"/>
               </a:rPr>
-              <a:t>CDs had barely overtaken Cassettes in sales</a:t>
+              <a:t>CDs had recently overtaken Cassettes in sales</a:t>
             </a:r>
           </a:p>
           <a:p>
@@ -9617,7 +11901,7 @@
           <p:cNvPr id="2" name="Title 1">
             <a:extLst>
               <a:ext uri="{FF2B5EF4-FFF2-40B4-BE49-F238E27FC236}">
-                <a16:creationId xmlns:a16="http://schemas.microsoft.com/office/drawing/2014/main" id="{AF3AFCBF-B24C-4EFA-A710-67FAE81BE931}"/>
+                <a16:creationId xmlns:a16="http://schemas.microsoft.com/office/drawing/2014/main" id="{2DE87CB3-186E-4837-A4D9-5A1A1FE0DED0}"/>
               </a:ext>
             </a:extLst>
           </p:cNvPr>
@@ -9635,17 +11919,25 @@
           <a:p>
             <a:r>
               <a:rPr lang="en-US" dirty="0"/>
-              <a:t>1995 </a:t>
-            </a:r>
-          </a:p>
-        </p:txBody>
-      </p:sp>
-      <p:sp>
-        <p:nvSpPr>
-          <p:cNvPr id="7" name="Content Placeholder 6">
-            <a:extLst>
-              <a:ext uri="{FF2B5EF4-FFF2-40B4-BE49-F238E27FC236}">
-                <a16:creationId xmlns:a16="http://schemas.microsoft.com/office/drawing/2014/main" id="{8164844B-D569-4D66-8F79-29336270D6C2}"/>
+              <a:t>What the world </a:t>
+            </a:r>
+            <a:r>
+              <a:rPr lang="en-US" b="1" dirty="0"/>
+              <a:t>didn’t have </a:t>
+            </a:r>
+            <a:r>
+              <a:rPr lang="en-US" dirty="0"/>
+              <a:t>in 1995</a:t>
+            </a:r>
+          </a:p>
+        </p:txBody>
+      </p:sp>
+      <p:sp>
+        <p:nvSpPr>
+          <p:cNvPr id="3" name="Content Placeholder 2">
+            <a:extLst>
+              <a:ext uri="{FF2B5EF4-FFF2-40B4-BE49-F238E27FC236}">
+                <a16:creationId xmlns:a16="http://schemas.microsoft.com/office/drawing/2014/main" id="{8790E268-0A0D-4748-8A34-5FC40A82B167}"/>
               </a:ext>
             </a:extLst>
           </p:cNvPr>
@@ -9656,26 +11948,196 @@
             <p:ph idx="1"/>
           </p:nvPr>
         </p:nvSpPr>
-        <p:spPr/>
-        <p:txBody>
-          <a:bodyPr/>
+        <p:spPr>
+          <a:xfrm>
+            <a:off x="838200" y="1825625"/>
+            <a:ext cx="10515600" cy="3885500"/>
+          </a:xfrm>
+        </p:spPr>
+        <p:txBody>
+          <a:bodyPr>
+            <a:normAutofit/>
+          </a:bodyPr>
           <a:lstStyle/>
           <a:p>
-            <a:endParaRPr lang="en-US"/>
+            <a:pPr>
+              <a:buFontTx/>
+              <a:buChar char="-"/>
+            </a:pPr>
+            <a:r>
+              <a:rPr lang="en-US" sz="2400" dirty="0"/>
+              <a:t>No one had heard of </a:t>
+            </a:r>
+            <a:r>
+              <a:rPr lang="en-US" sz="2400" b="1" dirty="0"/>
+              <a:t>Harry Potter </a:t>
+            </a:r>
+            <a:r>
+              <a:rPr lang="en-US" sz="2400" dirty="0"/>
+              <a:t>(even in England). (1997)</a:t>
+            </a:r>
+          </a:p>
+          <a:p>
+            <a:pPr>
+              <a:buFontTx/>
+              <a:buChar char="-"/>
+            </a:pPr>
+            <a:r>
+              <a:rPr lang="en-US" sz="2400" dirty="0"/>
+              <a:t>Cable news only meant CNN. No </a:t>
+            </a:r>
+            <a:r>
+              <a:rPr lang="en-US" sz="2400" b="1" dirty="0"/>
+              <a:t>Fox</a:t>
+            </a:r>
+            <a:r>
+              <a:rPr lang="en-US" sz="2400" dirty="0"/>
+              <a:t>  or </a:t>
+            </a:r>
+            <a:r>
+              <a:rPr lang="en-US" sz="2400" b="1" dirty="0"/>
+              <a:t>NBC</a:t>
+            </a:r>
+            <a:r>
+              <a:rPr lang="en-US" sz="2400" dirty="0"/>
+              <a:t>. (1996)</a:t>
+            </a:r>
+          </a:p>
+          <a:p>
+            <a:pPr>
+              <a:buFontTx/>
+              <a:buChar char="-"/>
+            </a:pPr>
+            <a:r>
+              <a:rPr lang="en-US" sz="2400" dirty="0"/>
+              <a:t>President who? </a:t>
+            </a:r>
+            <a:r>
+              <a:rPr lang="en-US" sz="2400" b="1" dirty="0"/>
+              <a:t>Barack Obama </a:t>
+            </a:r>
+            <a:r>
+              <a:rPr lang="en-US" sz="2400" dirty="0"/>
+              <a:t>was an attorney in Chicago.</a:t>
+            </a:r>
+          </a:p>
+          <a:p>
+            <a:pPr>
+              <a:buFontTx/>
+              <a:buChar char="-"/>
+            </a:pPr>
+            <a:r>
+              <a:rPr lang="en-US" sz="2400" dirty="0"/>
+              <a:t>GOAT? </a:t>
+            </a:r>
+            <a:r>
+              <a:rPr lang="en-US" sz="2400" b="1" dirty="0"/>
+              <a:t>LeBron James </a:t>
+            </a:r>
+            <a:r>
+              <a:rPr lang="en-US" sz="2400" dirty="0"/>
+              <a:t>was in his rookie year—as a fifth grader.</a:t>
+            </a:r>
+          </a:p>
+          <a:p>
+            <a:pPr>
+              <a:buFontTx/>
+              <a:buChar char="-"/>
+            </a:pPr>
+            <a:r>
+              <a:rPr lang="en-US" sz="2400" dirty="0"/>
+              <a:t>What is a Pre/Post trilogy? There were only three </a:t>
+            </a:r>
+            <a:r>
+              <a:rPr lang="en-US" sz="2400" b="1" dirty="0"/>
+              <a:t>Star Wars </a:t>
+            </a:r>
+            <a:r>
+              <a:rPr lang="en-US" sz="2400" dirty="0"/>
+              <a:t>Movies.</a:t>
+            </a:r>
+          </a:p>
+          <a:p>
+            <a:pPr>
+              <a:buFontTx/>
+              <a:buChar char="-"/>
+            </a:pPr>
+            <a:r>
+              <a:rPr lang="en-US" sz="2400" b="1" dirty="0"/>
+              <a:t>MCU? </a:t>
+            </a:r>
+            <a:r>
+              <a:rPr lang="en-US" sz="2400" i="1" dirty="0"/>
+              <a:t>Howard the Duck </a:t>
+            </a:r>
+            <a:r>
+              <a:rPr lang="en-US" sz="2400" dirty="0"/>
+              <a:t>was the only Marvel-based film to hit Theaters by 1995.</a:t>
+            </a:r>
+          </a:p>
+          <a:p>
+            <a:pPr>
+              <a:buFontTx/>
+              <a:buChar char="-"/>
+            </a:pPr>
+            <a:r>
+              <a:rPr lang="en-US" sz="2400" dirty="0"/>
+              <a:t>No global </a:t>
+            </a:r>
+            <a:r>
+              <a:rPr lang="en-US" sz="2400" b="1" dirty="0"/>
+              <a:t>warming concerns</a:t>
+            </a:r>
+            <a:r>
+              <a:rPr lang="en-US" sz="2400" dirty="0"/>
+              <a:t>, just the hole in the ozone.</a:t>
+            </a:r>
+          </a:p>
+          <a:p>
+            <a:pPr>
+              <a:buFontTx/>
+              <a:buChar char="-"/>
+            </a:pPr>
+            <a:r>
+              <a:rPr lang="en-US" sz="2400" dirty="0"/>
+              <a:t>All money was </a:t>
+            </a:r>
+            <a:r>
+              <a:rPr lang="en-US" sz="2400" b="1" dirty="0"/>
+              <a:t>green</a:t>
+            </a:r>
+            <a:r>
+              <a:rPr lang="en-US" sz="2400" dirty="0"/>
+              <a:t>.</a:t>
+            </a:r>
+          </a:p>
+          <a:p>
+            <a:pPr>
+              <a:buFontTx/>
+              <a:buChar char="-"/>
+            </a:pPr>
+            <a:endParaRPr lang="en-US" sz="2400" dirty="0"/>
+          </a:p>
+          <a:p>
+            <a:pPr>
+              <a:buFontTx/>
+              <a:buChar char="-"/>
+            </a:pPr>
+            <a:endParaRPr lang="en-US" sz="2400" dirty="0"/>
           </a:p>
         </p:txBody>
       </p:sp>
       <p:pic>
         <p:nvPicPr>
-          <p:cNvPr id="1026" name="Picture 2">
-            <a:extLst>
-              <a:ext uri="{FF2B5EF4-FFF2-40B4-BE49-F238E27FC236}">
-                <a16:creationId xmlns:a16="http://schemas.microsoft.com/office/drawing/2014/main" id="{093EA74D-20FA-4787-962C-52D0663309D9}"/>
+          <p:cNvPr id="5" name="Picture 4" descr="A close up of text on a white background&#10;&#10;Description automatically generated">
+            <a:extLst>
+              <a:ext uri="{FF2B5EF4-FFF2-40B4-BE49-F238E27FC236}">
+                <a16:creationId xmlns:a16="http://schemas.microsoft.com/office/drawing/2014/main" id="{B795359B-A2ED-4BC3-AA36-5C65E8E9BBAD}"/>
               </a:ext>
             </a:extLst>
           </p:cNvPr>
           <p:cNvPicPr>
-            <a:picLocks noChangeAspect="1" noChangeArrowheads="1"/>
+            <a:picLocks noChangeAspect="1"/>
           </p:cNvPicPr>
           <p:nvPr/>
         </p:nvPicPr>
@@ -9687,78 +12149,26 @@
               </a:ext>
             </a:extLst>
           </a:blip>
-          <a:srcRect/>
           <a:stretch>
             <a:fillRect/>
           </a:stretch>
         </p:blipFill>
-        <p:spPr bwMode="auto">
-          <a:xfrm>
-            <a:off x="525292" y="1462087"/>
-            <a:ext cx="11324835" cy="4714876"/>
+        <p:spPr>
+          <a:xfrm>
+            <a:off x="4297812" y="4955311"/>
+            <a:ext cx="3999432" cy="1649766"/>
           </a:xfrm>
           <a:prstGeom prst="rect">
             <a:avLst/>
           </a:prstGeom>
-          <a:noFill/>
-          <a:extLst>
-            <a:ext uri="{909E8E84-426E-40DD-AFC4-6F175D3DCCD1}">
-              <a14:hiddenFill xmlns:a14="http://schemas.microsoft.com/office/drawing/2010/main">
-                <a:solidFill>
-                  <a:srgbClr val="FFFFFF"/>
-                </a:solidFill>
-              </a14:hiddenFill>
-            </a:ext>
-          </a:extLst>
         </p:spPr>
       </p:pic>
-      <p:cxnSp>
-        <p:nvCxnSpPr>
-          <p:cNvPr id="9" name="Straight Connector 8">
-            <a:extLst>
-              <a:ext uri="{FF2B5EF4-FFF2-40B4-BE49-F238E27FC236}">
-                <a16:creationId xmlns:a16="http://schemas.microsoft.com/office/drawing/2014/main" id="{1E2D2E16-0104-4494-9528-43BDF892EFE5}"/>
-              </a:ext>
-            </a:extLst>
-          </p:cNvPr>
-          <p:cNvCxnSpPr/>
-          <p:nvPr/>
-        </p:nvCxnSpPr>
-        <p:spPr>
-          <a:xfrm>
-            <a:off x="10619611" y="1690688"/>
-            <a:ext cx="0" cy="4846299"/>
-          </a:xfrm>
-          <a:prstGeom prst="line">
-            <a:avLst/>
-          </a:prstGeom>
-          <a:ln w="28575">
-            <a:solidFill>
-              <a:schemeClr val="accent6"/>
-            </a:solidFill>
-          </a:ln>
-        </p:spPr>
-        <p:style>
-          <a:lnRef idx="1">
-            <a:schemeClr val="accent1"/>
-          </a:lnRef>
-          <a:fillRef idx="0">
-            <a:schemeClr val="accent1"/>
-          </a:fillRef>
-          <a:effectRef idx="0">
-            <a:schemeClr val="accent1"/>
-          </a:effectRef>
-          <a:fontRef idx="minor">
-            <a:schemeClr val="tx1"/>
-          </a:fontRef>
-        </p:style>
-      </p:cxnSp>
-      <p:sp>
-        <p:nvSpPr>
-          <p:cNvPr id="12" name="TextBox 11">
-            <a:extLst>
-              <a:ext uri="{FF2B5EF4-FFF2-40B4-BE49-F238E27FC236}">
-                <a16:creationId xmlns:a16="http://schemas.microsoft.com/office/drawing/2014/main" id="{CA59A533-9F08-4695-A5CC-F31BB60C7969}"/>
+      <p:sp>
+        <p:nvSpPr>
+          <p:cNvPr id="7" name="TextBox 6">
+            <a:extLst>
+              <a:ext uri="{FF2B5EF4-FFF2-40B4-BE49-F238E27FC236}">
+                <a16:creationId xmlns:a16="http://schemas.microsoft.com/office/drawing/2014/main" id="{A7D48EA3-2023-454F-AFAB-0E5F5396761E}"/>
               </a:ext>
             </a:extLst>
           </p:cNvPr>
@@ -9767,8 +12177,8 @@
         </p:nvSpPr>
         <p:spPr>
           <a:xfrm>
-            <a:off x="687754" y="6231765"/>
-            <a:ext cx="6096000" cy="369332"/>
+            <a:off x="838200" y="5476730"/>
+            <a:ext cx="6095288" cy="738664"/>
           </a:xfrm>
           <a:prstGeom prst="rect">
             <a:avLst/>
@@ -9782,16 +12192,48 @@
           <a:lstStyle/>
           <a:p>
             <a:r>
-              <a:rPr lang="en-US" dirty="0"/>
-              <a:t>Attributed to </a:t>
-            </a:r>
-            <a:r>
-              <a:rPr lang="en-US" dirty="0" err="1"/>
-              <a:t>visualizingeconomics</a:t>
-            </a:r>
-            <a:r>
-              <a:rPr lang="en-US" dirty="0"/>
-              <a:t>. </a:t>
+              <a:rPr lang="en-US" sz="1400" i="1" dirty="0">
+                <a:solidFill>
+                  <a:schemeClr val="bg1">
+                    <a:lumMod val="50000"/>
+                  </a:schemeClr>
+                </a:solidFill>
+              </a:rPr>
+              <a:t>Series 1995 </a:t>
+            </a:r>
+            <a:r>
+              <a:rPr lang="en-US" sz="1400" dirty="0">
+                <a:solidFill>
+                  <a:schemeClr val="bg1">
+                    <a:lumMod val="50000"/>
+                  </a:schemeClr>
+                </a:solidFill>
+              </a:rPr>
+              <a:t>$20, Public Domain, </a:t>
+            </a:r>
+          </a:p>
+          <a:p>
+            <a:r>
+              <a:rPr lang="en-US" sz="1400" dirty="0">
+                <a:solidFill>
+                  <a:schemeClr val="bg1">
+                    <a:lumMod val="50000"/>
+                  </a:schemeClr>
+                </a:solidFill>
+              </a:rPr>
+              <a:t>https://commons.wikimedia.org/</a:t>
+            </a:r>
+          </a:p>
+          <a:p>
+            <a:r>
+              <a:rPr lang="en-US" sz="1400" dirty="0">
+                <a:solidFill>
+                  <a:schemeClr val="bg1">
+                    <a:lumMod val="50000"/>
+                  </a:schemeClr>
+                </a:solidFill>
+              </a:rPr>
+              <a:t>w/index.php?curid=1669460</a:t>
             </a:r>
           </a:p>
         </p:txBody>
@@ -9799,7 +12241,7 @@
     </p:spTree>
     <p:extLst>
       <p:ext uri="{BB962C8B-B14F-4D97-AF65-F5344CB8AC3E}">
-        <p14:creationId xmlns:p14="http://schemas.microsoft.com/office/powerpoint/2010/main" val="2293154371"/>
+        <p14:creationId xmlns:p14="http://schemas.microsoft.com/office/powerpoint/2010/main" val="2485284200"/>
       </p:ext>
     </p:extLst>
   </p:cSld>
@@ -9831,7 +12273,7 @@
           <p:cNvPr id="2" name="Title 1">
             <a:extLst>
               <a:ext uri="{FF2B5EF4-FFF2-40B4-BE49-F238E27FC236}">
-                <a16:creationId xmlns:a16="http://schemas.microsoft.com/office/drawing/2014/main" id="{15DEA0DD-225D-4EC9-869D-075E7FF4E298}"/>
+                <a16:creationId xmlns:a16="http://schemas.microsoft.com/office/drawing/2014/main" id="{AF3AFCBF-B24C-4EFA-A710-67FAE81BE931}"/>
               </a:ext>
             </a:extLst>
           </p:cNvPr>
@@ -9842,24 +12284,35 @@
             <p:ph type="title"/>
           </p:nvPr>
         </p:nvSpPr>
-        <p:spPr/>
+        <p:spPr>
+          <a:xfrm>
+            <a:off x="9885336" y="500062"/>
+            <a:ext cx="1366433" cy="1325563"/>
+          </a:xfrm>
+        </p:spPr>
         <p:txBody>
           <a:bodyPr/>
           <a:lstStyle/>
           <a:p>
             <a:r>
-              <a:rPr lang="en-US" dirty="0"/>
-              <a:t>1995</a:t>
-            </a:r>
-          </a:p>
-        </p:txBody>
-      </p:sp>
-      <p:sp>
-        <p:nvSpPr>
-          <p:cNvPr id="3" name="Content Placeholder 2">
-            <a:extLst>
-              <a:ext uri="{FF2B5EF4-FFF2-40B4-BE49-F238E27FC236}">
-                <a16:creationId xmlns:a16="http://schemas.microsoft.com/office/drawing/2014/main" id="{912596F1-1663-479C-B7DE-D2128F90797C}"/>
+              <a:rPr lang="en-US" dirty="0">
+                <a:solidFill>
+                  <a:schemeClr val="accent6">
+                    <a:lumMod val="50000"/>
+                  </a:schemeClr>
+                </a:solidFill>
+              </a:rPr>
+              <a:t>1995 </a:t>
+            </a:r>
+          </a:p>
+        </p:txBody>
+      </p:sp>
+      <p:sp>
+        <p:nvSpPr>
+          <p:cNvPr id="7" name="Content Placeholder 6">
+            <a:extLst>
+              <a:ext uri="{FF2B5EF4-FFF2-40B4-BE49-F238E27FC236}">
+                <a16:creationId xmlns:a16="http://schemas.microsoft.com/office/drawing/2014/main" id="{8164844B-D569-4D66-8F79-29336270D6C2}"/>
               </a:ext>
             </a:extLst>
           </p:cNvPr>
@@ -9875,16 +12328,16 @@
           <a:bodyPr/>
           <a:lstStyle/>
           <a:p>
-            <a:endParaRPr lang="en-US" dirty="0"/>
+            <a:endParaRPr lang="en-US"/>
           </a:p>
         </p:txBody>
       </p:sp>
       <p:pic>
         <p:nvPicPr>
-          <p:cNvPr id="2050" name="Picture 2" descr="CD sales">
-            <a:extLst>
-              <a:ext uri="{FF2B5EF4-FFF2-40B4-BE49-F238E27FC236}">
-                <a16:creationId xmlns:a16="http://schemas.microsoft.com/office/drawing/2014/main" id="{08FF0770-C732-4D0D-93E6-8427B4BB36D8}"/>
+          <p:cNvPr id="1026" name="Picture 2">
+            <a:extLst>
+              <a:ext uri="{FF2B5EF4-FFF2-40B4-BE49-F238E27FC236}">
+                <a16:creationId xmlns:a16="http://schemas.microsoft.com/office/drawing/2014/main" id="{093EA74D-20FA-4787-962C-52D0663309D9}"/>
               </a:ext>
             </a:extLst>
           </p:cNvPr>
@@ -9908,8 +12361,8 @@
         </p:blipFill>
         <p:spPr bwMode="auto">
           <a:xfrm>
-            <a:off x="2738628" y="341983"/>
-            <a:ext cx="7444818" cy="5616850"/>
+            <a:off x="525292" y="1462087"/>
+            <a:ext cx="11324835" cy="4714876"/>
           </a:xfrm>
           <a:prstGeom prst="rect">
             <a:avLst/>
@@ -9926,12 +12379,53 @@
           </a:extLst>
         </p:spPr>
       </p:pic>
-      <p:sp>
-        <p:nvSpPr>
-          <p:cNvPr id="4" name="TextBox 3">
-            <a:extLst>
-              <a:ext uri="{FF2B5EF4-FFF2-40B4-BE49-F238E27FC236}">
-                <a16:creationId xmlns:a16="http://schemas.microsoft.com/office/drawing/2014/main" id="{9A7FC7BF-C27D-48FA-B7EF-14237FA171E7}"/>
+      <p:cxnSp>
+        <p:nvCxnSpPr>
+          <p:cNvPr id="9" name="Straight Connector 8">
+            <a:extLst>
+              <a:ext uri="{FF2B5EF4-FFF2-40B4-BE49-F238E27FC236}">
+                <a16:creationId xmlns:a16="http://schemas.microsoft.com/office/drawing/2014/main" id="{1E2D2E16-0104-4494-9528-43BDF892EFE5}"/>
+              </a:ext>
+            </a:extLst>
+          </p:cNvPr>
+          <p:cNvCxnSpPr/>
+          <p:nvPr/>
+        </p:nvCxnSpPr>
+        <p:spPr>
+          <a:xfrm>
+            <a:off x="10619611" y="1690688"/>
+            <a:ext cx="0" cy="4846299"/>
+          </a:xfrm>
+          <a:prstGeom prst="line">
+            <a:avLst/>
+          </a:prstGeom>
+          <a:ln w="28575">
+            <a:solidFill>
+              <a:schemeClr val="accent6"/>
+            </a:solidFill>
+          </a:ln>
+        </p:spPr>
+        <p:style>
+          <a:lnRef idx="1">
+            <a:schemeClr val="accent1"/>
+          </a:lnRef>
+          <a:fillRef idx="0">
+            <a:schemeClr val="accent1"/>
+          </a:fillRef>
+          <a:effectRef idx="0">
+            <a:schemeClr val="accent1"/>
+          </a:effectRef>
+          <a:fontRef idx="minor">
+            <a:schemeClr val="tx1"/>
+          </a:fontRef>
+        </p:style>
+      </p:cxnSp>
+      <p:sp>
+        <p:nvSpPr>
+          <p:cNvPr id="12" name="TextBox 11">
+            <a:extLst>
+              <a:ext uri="{FF2B5EF4-FFF2-40B4-BE49-F238E27FC236}">
+                <a16:creationId xmlns:a16="http://schemas.microsoft.com/office/drawing/2014/main" id="{CA59A533-9F08-4695-A5CC-F31BB60C7969}"/>
               </a:ext>
             </a:extLst>
           </p:cNvPr>
@@ -9940,8 +12434,8 @@
         </p:nvSpPr>
         <p:spPr>
           <a:xfrm>
-            <a:off x="2649415" y="6308209"/>
-            <a:ext cx="6635262" cy="369332"/>
+            <a:off x="687754" y="6231765"/>
+            <a:ext cx="6096000" cy="369332"/>
           </a:xfrm>
           <a:prstGeom prst="rect">
             <a:avLst/>
@@ -9949,24 +12443,24 @@
           <a:noFill/>
         </p:spPr>
         <p:txBody>
-          <a:bodyPr wrap="square" rtlCol="0">
+          <a:bodyPr wrap="square">
             <a:spAutoFit/>
           </a:bodyPr>
           <a:lstStyle/>
           <a:p>
             <a:r>
               <a:rPr lang="en-US" dirty="0"/>
-              <a:t>From https://techpinions.com/the-cd-smartphone-analogy/47027</a:t>
-            </a:r>
-          </a:p>
-        </p:txBody>
-      </p:sp>
-      <p:sp>
-        <p:nvSpPr>
-          <p:cNvPr id="5" name="Rectangle 4">
-            <a:extLst>
-              <a:ext uri="{FF2B5EF4-FFF2-40B4-BE49-F238E27FC236}">
-                <a16:creationId xmlns:a16="http://schemas.microsoft.com/office/drawing/2014/main" id="{7B914488-32DC-4606-B5FE-519A4CEE351E}"/>
+              <a:t>Attributed to visualizingeconomics.com</a:t>
+            </a:r>
+          </a:p>
+        </p:txBody>
+      </p:sp>
+      <p:sp>
+        <p:nvSpPr>
+          <p:cNvPr id="3" name="Rectangle 2">
+            <a:extLst>
+              <a:ext uri="{FF2B5EF4-FFF2-40B4-BE49-F238E27FC236}">
+                <a16:creationId xmlns:a16="http://schemas.microsoft.com/office/drawing/2014/main" id="{CB84B11D-1AB4-4928-855F-088AFE9ED8A9}"/>
               </a:ext>
             </a:extLst>
           </p:cNvPr>
@@ -9975,8 +12469,8 @@
         </p:nvSpPr>
         <p:spPr>
           <a:xfrm>
-            <a:off x="6158523" y="1422400"/>
-            <a:ext cx="4321908" cy="4509477"/>
+            <a:off x="2630837" y="1363851"/>
+            <a:ext cx="7295827" cy="650929"/>
           </a:xfrm>
           <a:prstGeom prst="rect">
             <a:avLst/>
@@ -9985,9 +12479,7 @@
             <a:schemeClr val="bg1"/>
           </a:solidFill>
           <a:ln>
-            <a:solidFill>
-              <a:schemeClr val="bg1"/>
-            </a:solidFill>
+            <a:noFill/>
           </a:ln>
         </p:spPr>
         <p:style>
@@ -10016,7 +12508,7 @@
     </p:spTree>
     <p:extLst>
       <p:ext uri="{BB962C8B-B14F-4D97-AF65-F5344CB8AC3E}">
-        <p14:creationId xmlns:p14="http://schemas.microsoft.com/office/powerpoint/2010/main" val="2856325086"/>
+        <p14:creationId xmlns:p14="http://schemas.microsoft.com/office/powerpoint/2010/main" val="2293154371"/>
       </p:ext>
     </p:extLst>
   </p:cSld>
@@ -10048,7 +12540,7 @@
           <p:cNvPr id="2" name="Title 1">
             <a:extLst>
               <a:ext uri="{FF2B5EF4-FFF2-40B4-BE49-F238E27FC236}">
-                <a16:creationId xmlns:a16="http://schemas.microsoft.com/office/drawing/2014/main" id="{52A1430F-2BD4-4309-A324-3E855E7FD9B4}"/>
+                <a16:creationId xmlns:a16="http://schemas.microsoft.com/office/drawing/2014/main" id="{15DEA0DD-225D-4EC9-869D-075E7FF4E298}"/>
               </a:ext>
             </a:extLst>
           </p:cNvPr>
@@ -10066,17 +12558,42 @@
           <a:p>
             <a:r>
               <a:rPr lang="en-US" dirty="0"/>
-              <a:t>1995: Microsoft Windows 95</a:t>
-            </a:r>
+              <a:t>1995</a:t>
+            </a:r>
+          </a:p>
+        </p:txBody>
+      </p:sp>
+      <p:sp>
+        <p:nvSpPr>
+          <p:cNvPr id="3" name="Content Placeholder 2">
+            <a:extLst>
+              <a:ext uri="{FF2B5EF4-FFF2-40B4-BE49-F238E27FC236}">
+                <a16:creationId xmlns:a16="http://schemas.microsoft.com/office/drawing/2014/main" id="{912596F1-1663-479C-B7DE-D2128F90797C}"/>
+              </a:ext>
+            </a:extLst>
+          </p:cNvPr>
+          <p:cNvSpPr>
+            <a:spLocks noGrp="1"/>
+          </p:cNvSpPr>
+          <p:nvPr>
+            <p:ph idx="1"/>
+          </p:nvPr>
+        </p:nvSpPr>
+        <p:spPr/>
+        <p:txBody>
+          <a:bodyPr/>
+          <a:lstStyle/>
+          <a:p>
+            <a:endParaRPr lang="en-US" dirty="0"/>
           </a:p>
         </p:txBody>
       </p:sp>
       <p:pic>
         <p:nvPicPr>
-          <p:cNvPr id="3074" name="Picture 2">
-            <a:extLst>
-              <a:ext uri="{FF2B5EF4-FFF2-40B4-BE49-F238E27FC236}">
-                <a16:creationId xmlns:a16="http://schemas.microsoft.com/office/drawing/2014/main" id="{AB9BFC25-221A-4843-ABE9-566EEEF8E621}"/>
+          <p:cNvPr id="2050" name="Picture 2" descr="CD sales">
+            <a:extLst>
+              <a:ext uri="{FF2B5EF4-FFF2-40B4-BE49-F238E27FC236}">
+                <a16:creationId xmlns:a16="http://schemas.microsoft.com/office/drawing/2014/main" id="{08FF0770-C732-4D0D-93E6-8427B4BB36D8}"/>
               </a:ext>
             </a:extLst>
           </p:cNvPr>
@@ -10100,8 +12617,8 @@
         </p:blipFill>
         <p:spPr bwMode="auto">
           <a:xfrm>
-            <a:off x="2985476" y="1499873"/>
-            <a:ext cx="6096000" cy="4572000"/>
+            <a:off x="2738628" y="341983"/>
+            <a:ext cx="7444818" cy="5616850"/>
           </a:xfrm>
           <a:prstGeom prst="rect">
             <a:avLst/>
@@ -10123,7 +12640,7 @@
           <p:cNvPr id="4" name="TextBox 3">
             <a:extLst>
               <a:ext uri="{FF2B5EF4-FFF2-40B4-BE49-F238E27FC236}">
-                <a16:creationId xmlns:a16="http://schemas.microsoft.com/office/drawing/2014/main" id="{02918FCB-79A8-4038-A7AB-97C23E44C036}"/>
+                <a16:creationId xmlns:a16="http://schemas.microsoft.com/office/drawing/2014/main" id="{9A7FC7BF-C27D-48FA-B7EF-14237FA171E7}"/>
               </a:ext>
             </a:extLst>
           </p:cNvPr>
@@ -10132,8 +12649,8 @@
         </p:nvSpPr>
         <p:spPr>
           <a:xfrm>
-            <a:off x="15000" y="6059417"/>
-            <a:ext cx="6260753" cy="646331"/>
+            <a:off x="2649415" y="6308209"/>
+            <a:ext cx="6635262" cy="369332"/>
           </a:xfrm>
           <a:prstGeom prst="rect">
             <a:avLst/>
@@ -10141,28 +12658,74 @@
           <a:noFill/>
         </p:spPr>
         <p:txBody>
-          <a:bodyPr wrap="none" rtlCol="0">
+          <a:bodyPr wrap="square" rtlCol="0">
             <a:spAutoFit/>
           </a:bodyPr>
           <a:lstStyle/>
           <a:p>
             <a:r>
               <a:rPr lang="en-US" dirty="0"/>
-              <a:t>Used with permission from Microsoft, see</a:t>
-            </a:r>
-          </a:p>
-          <a:p>
-            <a:r>
-              <a:rPr lang="en-US" dirty="0"/>
-              <a:t>https://en.wikipedia.org/wiki/File:Windows_95_at_first_run.png</a:t>
-            </a:r>
+              <a:t>From https://techpinions.com/the-cd-smartphone-analogy/47027</a:t>
+            </a:r>
+          </a:p>
+        </p:txBody>
+      </p:sp>
+      <p:sp>
+        <p:nvSpPr>
+          <p:cNvPr id="5" name="Rectangle 4">
+            <a:extLst>
+              <a:ext uri="{FF2B5EF4-FFF2-40B4-BE49-F238E27FC236}">
+                <a16:creationId xmlns:a16="http://schemas.microsoft.com/office/drawing/2014/main" id="{7B914488-32DC-4606-B5FE-519A4CEE351E}"/>
+              </a:ext>
+            </a:extLst>
+          </p:cNvPr>
+          <p:cNvSpPr/>
+          <p:nvPr/>
+        </p:nvSpPr>
+        <p:spPr>
+          <a:xfrm>
+            <a:off x="6158523" y="1422400"/>
+            <a:ext cx="4321908" cy="4509477"/>
+          </a:xfrm>
+          <a:prstGeom prst="rect">
+            <a:avLst/>
+          </a:prstGeom>
+          <a:solidFill>
+            <a:schemeClr val="bg1"/>
+          </a:solidFill>
+          <a:ln>
+            <a:solidFill>
+              <a:schemeClr val="bg1"/>
+            </a:solidFill>
+          </a:ln>
+        </p:spPr>
+        <p:style>
+          <a:lnRef idx="2">
+            <a:schemeClr val="accent6"/>
+          </a:lnRef>
+          <a:fillRef idx="1">
+            <a:schemeClr val="lt1"/>
+          </a:fillRef>
+          <a:effectRef idx="0">
+            <a:schemeClr val="accent6"/>
+          </a:effectRef>
+          <a:fontRef idx="minor">
+            <a:schemeClr val="dk1"/>
+          </a:fontRef>
+        </p:style>
+        <p:txBody>
+          <a:bodyPr rtlCol="0" anchor="ctr"/>
+          <a:lstStyle/>
+          <a:p>
+            <a:pPr algn="ctr"/>
+            <a:endParaRPr lang="en-US"/>
           </a:p>
         </p:txBody>
       </p:sp>
     </p:spTree>
     <p:extLst>
       <p:ext uri="{BB962C8B-B14F-4D97-AF65-F5344CB8AC3E}">
-        <p14:creationId xmlns:p14="http://schemas.microsoft.com/office/powerpoint/2010/main" val="2031036876"/>
+        <p14:creationId xmlns:p14="http://schemas.microsoft.com/office/powerpoint/2010/main" val="2856325086"/>
       </p:ext>
     </p:extLst>
   </p:cSld>
@@ -10194,7 +12757,7 @@
           <p:cNvPr id="2" name="Title 1">
             <a:extLst>
               <a:ext uri="{FF2B5EF4-FFF2-40B4-BE49-F238E27FC236}">
-                <a16:creationId xmlns:a16="http://schemas.microsoft.com/office/drawing/2014/main" id="{E2F8E668-0984-4557-8797-F20E84B95030}"/>
+                <a16:creationId xmlns:a16="http://schemas.microsoft.com/office/drawing/2014/main" id="{52A1430F-2BD4-4309-A324-3E855E7FD9B4}"/>
               </a:ext>
             </a:extLst>
           </p:cNvPr>
@@ -10212,26 +12775,24 @@
           <a:p>
             <a:r>
               <a:rPr lang="en-US" dirty="0"/>
-              <a:t>1995</a:t>
+              <a:t>1995: Microsoft Windows 95</a:t>
             </a:r>
           </a:p>
         </p:txBody>
       </p:sp>
       <p:pic>
         <p:nvPicPr>
-          <p:cNvPr id="5" name="Content Placeholder 4" descr="A person looking at the camera&#10;&#10;Description automatically generated">
-            <a:extLst>
-              <a:ext uri="{FF2B5EF4-FFF2-40B4-BE49-F238E27FC236}">
-                <a16:creationId xmlns:a16="http://schemas.microsoft.com/office/drawing/2014/main" id="{0CE529E9-D0AD-48A0-8A56-8EB0236D9D72}"/>
+          <p:cNvPr id="3074" name="Picture 2">
+            <a:extLst>
+              <a:ext uri="{FF2B5EF4-FFF2-40B4-BE49-F238E27FC236}">
+                <a16:creationId xmlns:a16="http://schemas.microsoft.com/office/drawing/2014/main" id="{AB9BFC25-221A-4843-ABE9-566EEEF8E621}"/>
               </a:ext>
             </a:extLst>
           </p:cNvPr>
           <p:cNvPicPr>
-            <a:picLocks noGrp="1" noChangeAspect="1"/>
+            <a:picLocks noChangeAspect="1" noChangeArrowheads="1"/>
           </p:cNvPicPr>
-          <p:nvPr>
-            <p:ph idx="1"/>
-          </p:nvPr>
+          <p:nvPr/>
         </p:nvPicPr>
         <p:blipFill>
           <a:blip r:embed="rId2">
@@ -10241,23 +12802,37 @@
               </a:ext>
             </a:extLst>
           </a:blip>
+          <a:srcRect/>
           <a:stretch>
             <a:fillRect/>
           </a:stretch>
         </p:blipFill>
-        <p:spPr>
-          <a:xfrm>
-            <a:off x="4143631" y="365125"/>
-            <a:ext cx="3714407" cy="5632008"/>
-          </a:xfrm>
+        <p:spPr bwMode="auto">
+          <a:xfrm>
+            <a:off x="2985476" y="1499873"/>
+            <a:ext cx="6096000" cy="4572000"/>
+          </a:xfrm>
+          <a:prstGeom prst="rect">
+            <a:avLst/>
+          </a:prstGeom>
+          <a:noFill/>
+          <a:extLst>
+            <a:ext uri="{909E8E84-426E-40DD-AFC4-6F175D3DCCD1}">
+              <a14:hiddenFill xmlns:a14="http://schemas.microsoft.com/office/drawing/2010/main">
+                <a:solidFill>
+                  <a:srgbClr val="FFFFFF"/>
+                </a:solidFill>
+              </a14:hiddenFill>
+            </a:ext>
+          </a:extLst>
         </p:spPr>
       </p:pic>
       <p:sp>
         <p:nvSpPr>
-          <p:cNvPr id="7" name="TextBox 6">
-            <a:extLst>
-              <a:ext uri="{FF2B5EF4-FFF2-40B4-BE49-F238E27FC236}">
-                <a16:creationId xmlns:a16="http://schemas.microsoft.com/office/drawing/2014/main" id="{743107A1-0C89-45E2-863F-5EB1A99A0EDF}"/>
+          <p:cNvPr id="4" name="TextBox 3">
+            <a:extLst>
+              <a:ext uri="{FF2B5EF4-FFF2-40B4-BE49-F238E27FC236}">
+                <a16:creationId xmlns:a16="http://schemas.microsoft.com/office/drawing/2014/main" id="{02918FCB-79A8-4038-A7AB-97C23E44C036}"/>
               </a:ext>
             </a:extLst>
           </p:cNvPr>
@@ -10266,8 +12841,8 @@
         </p:nvSpPr>
         <p:spPr>
           <a:xfrm>
-            <a:off x="233651" y="6114424"/>
-            <a:ext cx="8613364" cy="646331"/>
+            <a:off x="15000" y="6059417"/>
+            <a:ext cx="6260753" cy="646331"/>
           </a:xfrm>
           <a:prstGeom prst="rect">
             <a:avLst/>
@@ -10275,14 +12850,20 @@
           <a:noFill/>
         </p:spPr>
         <p:txBody>
-          <a:bodyPr wrap="square">
+          <a:bodyPr wrap="none" rtlCol="0">
             <a:spAutoFit/>
           </a:bodyPr>
           <a:lstStyle/>
           <a:p>
             <a:r>
               <a:rPr lang="en-US" dirty="0"/>
-              <a:t>By Peter K. Levy from New York, NY, United States - George Sand, Public Domain, https://commons.wikimedia.org/w/index.php?curid=61075827</a:t>
+              <a:t>Used with permission from Microsoft, see</a:t>
+            </a:r>
+          </a:p>
+          <a:p>
+            <a:r>
+              <a:rPr lang="en-US" dirty="0"/>
+              <a:t>https://en.wikipedia.org/wiki/File:Windows_95_at_first_run.png</a:t>
             </a:r>
           </a:p>
         </p:txBody>
@@ -10290,7 +12871,7 @@
     </p:spTree>
     <p:extLst>
       <p:ext uri="{BB962C8B-B14F-4D97-AF65-F5344CB8AC3E}">
-        <p14:creationId xmlns:p14="http://schemas.microsoft.com/office/powerpoint/2010/main" val="2686312804"/>
+        <p14:creationId xmlns:p14="http://schemas.microsoft.com/office/powerpoint/2010/main" val="2031036876"/>
       </p:ext>
     </p:extLst>
   </p:cSld>
@@ -10322,7 +12903,7 @@
           <p:cNvPr id="2" name="Title 1">
             <a:extLst>
               <a:ext uri="{FF2B5EF4-FFF2-40B4-BE49-F238E27FC236}">
-                <a16:creationId xmlns:a16="http://schemas.microsoft.com/office/drawing/2014/main" id="{A04D3BD4-8C3C-4F8D-BD54-18D42EF8392D}"/>
+                <a16:creationId xmlns:a16="http://schemas.microsoft.com/office/drawing/2014/main" id="{E2F8E668-0984-4557-8797-F20E84B95030}"/>
               </a:ext>
             </a:extLst>
           </p:cNvPr>
@@ -10333,24 +12914,164 @@
             <p:ph type="title"/>
           </p:nvPr>
         </p:nvSpPr>
-        <p:spPr/>
+        <p:spPr>
+          <a:xfrm>
+            <a:off x="838200" y="365125"/>
+            <a:ext cx="3253353" cy="1325563"/>
+          </a:xfrm>
+        </p:spPr>
         <p:txBody>
           <a:bodyPr/>
           <a:lstStyle/>
           <a:p>
             <a:r>
               <a:rPr lang="en-US" dirty="0"/>
-              <a:t>1995: Netscape Navigator</a:t>
-            </a:r>
-          </a:p>
-        </p:txBody>
-      </p:sp>
-      <p:sp>
-        <p:nvSpPr>
-          <p:cNvPr id="3" name="Content Placeholder 2">
-            <a:extLst>
-              <a:ext uri="{FF2B5EF4-FFF2-40B4-BE49-F238E27FC236}">
-                <a16:creationId xmlns:a16="http://schemas.microsoft.com/office/drawing/2014/main" id="{4151C68E-8025-4607-81F9-F18E884A7D56}"/>
+              <a:t>1995</a:t>
+            </a:r>
+          </a:p>
+        </p:txBody>
+      </p:sp>
+      <p:pic>
+        <p:nvPicPr>
+          <p:cNvPr id="5" name="Content Placeholder 4" descr="A person looking at the camera&#10;&#10;Description automatically generated">
+            <a:extLst>
+              <a:ext uri="{FF2B5EF4-FFF2-40B4-BE49-F238E27FC236}">
+                <a16:creationId xmlns:a16="http://schemas.microsoft.com/office/drawing/2014/main" id="{0CE529E9-D0AD-48A0-8A56-8EB0236D9D72}"/>
+              </a:ext>
+            </a:extLst>
+          </p:cNvPr>
+          <p:cNvPicPr>
+            <a:picLocks noGrp="1" noChangeAspect="1"/>
+          </p:cNvPicPr>
+          <p:nvPr>
+            <p:ph idx="1"/>
+          </p:nvPr>
+        </p:nvPicPr>
+        <p:blipFill>
+          <a:blip r:embed="rId2">
+            <a:extLst>
+              <a:ext uri="{28A0092B-C50C-407E-A947-70E740481C1C}">
+                <a14:useLocalDpi xmlns:a14="http://schemas.microsoft.com/office/drawing/2010/main" val="0"/>
+              </a:ext>
+            </a:extLst>
+          </a:blip>
+          <a:stretch>
+            <a:fillRect/>
+          </a:stretch>
+        </p:blipFill>
+        <p:spPr>
+          <a:xfrm>
+            <a:off x="4143631" y="365125"/>
+            <a:ext cx="3714407" cy="5632008"/>
+          </a:xfrm>
+        </p:spPr>
+      </p:pic>
+      <p:sp>
+        <p:nvSpPr>
+          <p:cNvPr id="7" name="TextBox 6">
+            <a:extLst>
+              <a:ext uri="{FF2B5EF4-FFF2-40B4-BE49-F238E27FC236}">
+                <a16:creationId xmlns:a16="http://schemas.microsoft.com/office/drawing/2014/main" id="{743107A1-0C89-45E2-863F-5EB1A99A0EDF}"/>
+              </a:ext>
+            </a:extLst>
+          </p:cNvPr>
+          <p:cNvSpPr txBox="1"/>
+          <p:nvPr/>
+        </p:nvSpPr>
+        <p:spPr>
+          <a:xfrm>
+            <a:off x="233651" y="6114424"/>
+            <a:ext cx="8613364" cy="646331"/>
+          </a:xfrm>
+          <a:prstGeom prst="rect">
+            <a:avLst/>
+          </a:prstGeom>
+          <a:noFill/>
+        </p:spPr>
+        <p:txBody>
+          <a:bodyPr wrap="square">
+            <a:spAutoFit/>
+          </a:bodyPr>
+          <a:lstStyle/>
+          <a:p>
+            <a:r>
+              <a:rPr lang="en-US" dirty="0"/>
+              <a:t>By Peter K. Levy from New York, NY, United States - George Sand, Public Domain, https://commons.wikimedia.org/w/index.php?curid=61075827</a:t>
+            </a:r>
+          </a:p>
+        </p:txBody>
+      </p:sp>
+      <p:sp>
+        <p:nvSpPr>
+          <p:cNvPr id="3" name="TextBox 2">
+            <a:extLst>
+              <a:ext uri="{FF2B5EF4-FFF2-40B4-BE49-F238E27FC236}">
+                <a16:creationId xmlns:a16="http://schemas.microsoft.com/office/drawing/2014/main" id="{453929C2-FBEB-44B4-8EE4-04310846B177}"/>
+              </a:ext>
+            </a:extLst>
+          </p:cNvPr>
+          <p:cNvSpPr txBox="1"/>
+          <p:nvPr/>
+        </p:nvSpPr>
+        <p:spPr>
+          <a:xfrm>
+            <a:off x="838200" y="1321356"/>
+            <a:ext cx="3253353" cy="2308324"/>
+          </a:xfrm>
+          <a:prstGeom prst="rect">
+            <a:avLst/>
+          </a:prstGeom>
+          <a:noFill/>
+        </p:spPr>
+        <p:txBody>
+          <a:bodyPr wrap="square" rtlCol="0">
+            <a:spAutoFit/>
+          </a:bodyPr>
+          <a:lstStyle/>
+          <a:p>
+            <a:r>
+              <a:rPr lang="en-US" dirty="0"/>
+              <a:t>The nightly news (yes, you could only watch the news at a certain time—you could read the newspaper any time you wanted after it came in the morning) started with the same story every night—the “trial of the century.”</a:t>
+            </a:r>
+          </a:p>
+        </p:txBody>
+      </p:sp>
+    </p:spTree>
+    <p:extLst>
+      <p:ext uri="{BB962C8B-B14F-4D97-AF65-F5344CB8AC3E}">
+        <p14:creationId xmlns:p14="http://schemas.microsoft.com/office/powerpoint/2010/main" val="2686312804"/>
+      </p:ext>
+    </p:extLst>
+  </p:cSld>
+  <p:clrMapOvr>
+    <a:masterClrMapping/>
+  </p:clrMapOvr>
+</p:sld>
+</file>
+
+<file path=ppt/slides/slide8.xml><?xml version="1.0" encoding="utf-8"?>
+<p:sld xmlns:a="http://schemas.openxmlformats.org/drawingml/2006/main" xmlns:r="http://schemas.openxmlformats.org/officeDocument/2006/relationships" xmlns:p="http://schemas.openxmlformats.org/presentationml/2006/main">
+  <p:cSld>
+    <p:spTree>
+      <p:nvGrpSpPr>
+        <p:cNvPr id="1" name=""/>
+        <p:cNvGrpSpPr/>
+        <p:nvPr/>
+      </p:nvGrpSpPr>
+      <p:grpSpPr>
+        <a:xfrm>
+          <a:off x="0" y="0"/>
+          <a:ext cx="0" cy="0"/>
+          <a:chOff x="0" y="0"/>
+          <a:chExt cx="0" cy="0"/>
+        </a:xfrm>
+      </p:grpSpPr>
+      <p:sp>
+        <p:nvSpPr>
+          <p:cNvPr id="2" name="Title 1">
+            <a:extLst>
+              <a:ext uri="{FF2B5EF4-FFF2-40B4-BE49-F238E27FC236}">
+                <a16:creationId xmlns:a16="http://schemas.microsoft.com/office/drawing/2014/main" id="{A04D3BD4-8C3C-4F8D-BD54-18D42EF8392D}"/>
               </a:ext>
             </a:extLst>
           </p:cNvPr>
@@ -10358,7 +13079,7 @@
             <a:spLocks noGrp="1"/>
           </p:cNvSpPr>
           <p:nvPr>
-            <p:ph idx="1"/>
+            <p:ph type="title"/>
           </p:nvPr>
         </p:nvSpPr>
         <p:spPr/>
@@ -10366,7 +13087,10 @@
           <a:bodyPr/>
           <a:lstStyle/>
           <a:p>
-            <a:endParaRPr lang="en-US" dirty="0"/>
+            <a:r>
+              <a:rPr lang="en-US" dirty="0"/>
+              <a:t>1995: Netscape Navigator</a:t>
+            </a:r>
           </a:p>
         </p:txBody>
       </p:sp>
@@ -10471,7 +13195,7 @@
 </p:sld>
 </file>
 
-<file path=ppt/slides/slide8.xml><?xml version="1.0" encoding="utf-8"?>
+<file path=ppt/slides/slide9.xml><?xml version="1.0" encoding="utf-8"?>
 <p:sld xmlns:a="http://schemas.openxmlformats.org/drawingml/2006/main" xmlns:r="http://schemas.openxmlformats.org/officeDocument/2006/relationships" xmlns:p="http://schemas.openxmlformats.org/presentationml/2006/main">
   <p:cSld>
     <p:spTree>
@@ -11718,2047 +14442,6 @@
     <p:extLst>
       <p:ext uri="{BB962C8B-B14F-4D97-AF65-F5344CB8AC3E}">
         <p14:creationId xmlns:p14="http://schemas.microsoft.com/office/powerpoint/2010/main" val="2944281412"/>
-      </p:ext>
-    </p:extLst>
-  </p:cSld>
-  <p:clrMapOvr>
-    <a:masterClrMapping/>
-  </p:clrMapOvr>
-</p:sld>
-</file>
-
-<file path=ppt/slides/slide9.xml><?xml version="1.0" encoding="utf-8"?>
-<p:sld xmlns:a="http://schemas.openxmlformats.org/drawingml/2006/main" xmlns:r="http://schemas.openxmlformats.org/officeDocument/2006/relationships" xmlns:p="http://schemas.openxmlformats.org/presentationml/2006/main">
-  <p:cSld>
-    <p:spTree>
-      <p:nvGrpSpPr>
-        <p:cNvPr id="1" name=""/>
-        <p:cNvGrpSpPr/>
-        <p:nvPr/>
-      </p:nvGrpSpPr>
-      <p:grpSpPr>
-        <a:xfrm>
-          <a:off x="0" y="0"/>
-          <a:ext cx="0" cy="0"/>
-          <a:chOff x="0" y="0"/>
-          <a:chExt cx="0" cy="0"/>
-        </a:xfrm>
-      </p:grpSpPr>
-      <p:sp>
-        <p:nvSpPr>
-          <p:cNvPr id="2" name="Rectangle 1" hidden="1">
-            <a:extLst>
-              <a:ext uri="{FF2B5EF4-FFF2-40B4-BE49-F238E27FC236}">
-                <a16:creationId xmlns:a16="http://schemas.microsoft.com/office/drawing/2014/main" id="{5CCCBFA1-FDCD-4E57-81CE-6E0F8D7901BF}"/>
-              </a:ext>
-            </a:extLst>
-          </p:cNvPr>
-          <p:cNvSpPr/>
-          <p:nvPr/>
-        </p:nvSpPr>
-        <p:spPr>
-          <a:xfrm>
-            <a:off x="0" y="0"/>
-            <a:ext cx="12192000" cy="6858000"/>
-          </a:xfrm>
-          <a:prstGeom prst="rect">
-            <a:avLst/>
-          </a:prstGeom>
-          <a:solidFill>
-            <a:schemeClr val="bg1"/>
-          </a:solidFill>
-          <a:ln>
-            <a:noFill/>
-          </a:ln>
-        </p:spPr>
-        <p:style>
-          <a:lnRef idx="2">
-            <a:schemeClr val="accent1">
-              <a:shade val="50000"/>
-            </a:schemeClr>
-          </a:lnRef>
-          <a:fillRef idx="1">
-            <a:schemeClr val="accent1"/>
-          </a:fillRef>
-          <a:effectRef idx="0">
-            <a:schemeClr val="accent1"/>
-          </a:effectRef>
-          <a:fontRef idx="minor">
-            <a:schemeClr val="lt1"/>
-          </a:fontRef>
-        </p:style>
-        <p:txBody>
-          <a:bodyPr rtlCol="0" anchor="ctr"/>
-          <a:lstStyle/>
-          <a:p>
-            <a:pPr algn="ctr"/>
-            <a:endParaRPr lang="en-US" dirty="0"/>
-          </a:p>
-        </p:txBody>
-      </p:sp>
-      <p:sp>
-        <p:nvSpPr>
-          <p:cNvPr id="36" name="TextBox 35">
-            <a:extLst>
-              <a:ext uri="{FF2B5EF4-FFF2-40B4-BE49-F238E27FC236}">
-                <a16:creationId xmlns:a16="http://schemas.microsoft.com/office/drawing/2014/main" id="{74E8AFC8-18F4-477F-BD68-896A4DCF3D0A}"/>
-              </a:ext>
-            </a:extLst>
-          </p:cNvPr>
-          <p:cNvSpPr txBox="1"/>
-          <p:nvPr/>
-        </p:nvSpPr>
-        <p:spPr>
-          <a:xfrm>
-            <a:off x="3995759" y="1444894"/>
-            <a:ext cx="6095296" cy="3970318"/>
-          </a:xfrm>
-          <a:prstGeom prst="rect">
-            <a:avLst/>
-          </a:prstGeom>
-          <a:noFill/>
-        </p:spPr>
-        <p:txBody>
-          <a:bodyPr wrap="square">
-            <a:spAutoFit/>
-          </a:bodyPr>
-          <a:lstStyle/>
-          <a:p>
-            <a:r>
-              <a:rPr lang="en-US" b="0" dirty="0">
-                <a:solidFill>
-                  <a:srgbClr val="800000"/>
-                </a:solidFill>
-                <a:effectLst/>
-                <a:latin typeface="Consolas" panose="020B0609020204030204" pitchFamily="49" charset="0"/>
-              </a:rPr>
-              <a:t>&lt;!DOCTYPE</a:t>
-            </a:r>
-            <a:r>
-              <a:rPr lang="en-US" b="0" dirty="0">
-                <a:solidFill>
-                  <a:srgbClr val="000000"/>
-                </a:solidFill>
-                <a:effectLst/>
-                <a:latin typeface="Consolas" panose="020B0609020204030204" pitchFamily="49" charset="0"/>
-              </a:rPr>
-              <a:t> </a:t>
-            </a:r>
-            <a:r>
-              <a:rPr lang="en-US" b="0" dirty="0">
-                <a:solidFill>
-                  <a:srgbClr val="FF0000"/>
-                </a:solidFill>
-                <a:effectLst/>
-                <a:latin typeface="Consolas" panose="020B0609020204030204" pitchFamily="49" charset="0"/>
-              </a:rPr>
-              <a:t>html</a:t>
-            </a:r>
-            <a:r>
-              <a:rPr lang="en-US" b="0" dirty="0">
-                <a:solidFill>
-                  <a:srgbClr val="800000"/>
-                </a:solidFill>
-                <a:effectLst/>
-                <a:latin typeface="Consolas" panose="020B0609020204030204" pitchFamily="49" charset="0"/>
-              </a:rPr>
-              <a:t>&gt;</a:t>
-            </a:r>
-            <a:endParaRPr lang="en-US" b="0" dirty="0">
-              <a:solidFill>
-                <a:srgbClr val="000000"/>
-              </a:solidFill>
-              <a:effectLst/>
-              <a:latin typeface="Consolas" panose="020B0609020204030204" pitchFamily="49" charset="0"/>
-            </a:endParaRPr>
-          </a:p>
-          <a:p>
-            <a:r>
-              <a:rPr lang="en-US" b="0" dirty="0">
-                <a:solidFill>
-                  <a:srgbClr val="800000"/>
-                </a:solidFill>
-                <a:effectLst/>
-                <a:latin typeface="Consolas" panose="020B0609020204030204" pitchFamily="49" charset="0"/>
-              </a:rPr>
-              <a:t>&lt;html&gt;</a:t>
-            </a:r>
-            <a:endParaRPr lang="en-US" b="0" dirty="0">
-              <a:solidFill>
-                <a:srgbClr val="000000"/>
-              </a:solidFill>
-              <a:effectLst/>
-              <a:latin typeface="Consolas" panose="020B0609020204030204" pitchFamily="49" charset="0"/>
-            </a:endParaRPr>
-          </a:p>
-          <a:p>
-            <a:r>
-              <a:rPr lang="en-US" b="0" dirty="0">
-                <a:solidFill>
-                  <a:srgbClr val="800000"/>
-                </a:solidFill>
-                <a:effectLst/>
-                <a:latin typeface="Consolas" panose="020B0609020204030204" pitchFamily="49" charset="0"/>
-              </a:rPr>
-              <a:t>&lt;head&gt;</a:t>
-            </a:r>
-            <a:endParaRPr lang="en-US" b="0" dirty="0">
-              <a:solidFill>
-                <a:srgbClr val="000000"/>
-              </a:solidFill>
-              <a:effectLst/>
-              <a:latin typeface="Consolas" panose="020B0609020204030204" pitchFamily="49" charset="0"/>
-            </a:endParaRPr>
-          </a:p>
-          <a:p>
-            <a:r>
-              <a:rPr lang="en-US" b="0" dirty="0">
-                <a:solidFill>
-                  <a:srgbClr val="000000"/>
-                </a:solidFill>
-                <a:effectLst/>
-                <a:latin typeface="Consolas" panose="020B0609020204030204" pitchFamily="49" charset="0"/>
-              </a:rPr>
-              <a:t>  </a:t>
-            </a:r>
-            <a:r>
-              <a:rPr lang="en-US" b="0" dirty="0">
-                <a:solidFill>
-                  <a:srgbClr val="800000"/>
-                </a:solidFill>
-                <a:effectLst/>
-                <a:latin typeface="Consolas" panose="020B0609020204030204" pitchFamily="49" charset="0"/>
-              </a:rPr>
-              <a:t>&lt;meta</a:t>
-            </a:r>
-            <a:r>
-              <a:rPr lang="en-US" b="0" dirty="0">
-                <a:solidFill>
-                  <a:srgbClr val="000000"/>
-                </a:solidFill>
-                <a:effectLst/>
-                <a:latin typeface="Consolas" panose="020B0609020204030204" pitchFamily="49" charset="0"/>
-              </a:rPr>
-              <a:t> </a:t>
-            </a:r>
-            <a:r>
-              <a:rPr lang="en-US" b="0" dirty="0">
-                <a:solidFill>
-                  <a:srgbClr val="FF0000"/>
-                </a:solidFill>
-                <a:effectLst/>
-                <a:latin typeface="Consolas" panose="020B0609020204030204" pitchFamily="49" charset="0"/>
-              </a:rPr>
-              <a:t>charset</a:t>
-            </a:r>
-            <a:r>
-              <a:rPr lang="en-US" b="0" dirty="0">
-                <a:solidFill>
-                  <a:srgbClr val="000000"/>
-                </a:solidFill>
-                <a:effectLst/>
-                <a:latin typeface="Consolas" panose="020B0609020204030204" pitchFamily="49" charset="0"/>
-              </a:rPr>
-              <a:t>=</a:t>
-            </a:r>
-            <a:r>
-              <a:rPr lang="en-US" b="0" dirty="0">
-                <a:solidFill>
-                  <a:srgbClr val="0000FF"/>
-                </a:solidFill>
-                <a:effectLst/>
-                <a:latin typeface="Consolas" panose="020B0609020204030204" pitchFamily="49" charset="0"/>
-              </a:rPr>
-              <a:t>'utf-8'</a:t>
-            </a:r>
-            <a:r>
-              <a:rPr lang="en-US" b="0" dirty="0">
-                <a:solidFill>
-                  <a:srgbClr val="800000"/>
-                </a:solidFill>
-                <a:effectLst/>
-                <a:latin typeface="Consolas" panose="020B0609020204030204" pitchFamily="49" charset="0"/>
-              </a:rPr>
-              <a:t>&gt;</a:t>
-            </a:r>
-            <a:endParaRPr lang="en-US" b="0" dirty="0">
-              <a:solidFill>
-                <a:srgbClr val="000000"/>
-              </a:solidFill>
-              <a:effectLst/>
-              <a:latin typeface="Consolas" panose="020B0609020204030204" pitchFamily="49" charset="0"/>
-            </a:endParaRPr>
-          </a:p>
-          <a:p>
-            <a:r>
-              <a:rPr lang="en-US" b="0" dirty="0">
-                <a:solidFill>
-                  <a:srgbClr val="000000"/>
-                </a:solidFill>
-                <a:effectLst/>
-                <a:latin typeface="Consolas" panose="020B0609020204030204" pitchFamily="49" charset="0"/>
-              </a:rPr>
-              <a:t>  </a:t>
-            </a:r>
-            <a:r>
-              <a:rPr lang="en-US" b="0" dirty="0">
-                <a:solidFill>
-                  <a:srgbClr val="800000"/>
-                </a:solidFill>
-                <a:effectLst/>
-                <a:latin typeface="Consolas" panose="020B0609020204030204" pitchFamily="49" charset="0"/>
-              </a:rPr>
-              <a:t>&lt;meta</a:t>
-            </a:r>
-            <a:r>
-              <a:rPr lang="en-US" b="0" dirty="0">
-                <a:solidFill>
-                  <a:srgbClr val="000000"/>
-                </a:solidFill>
-                <a:effectLst/>
-                <a:latin typeface="Consolas" panose="020B0609020204030204" pitchFamily="49" charset="0"/>
-              </a:rPr>
-              <a:t> </a:t>
-            </a:r>
-            <a:r>
-              <a:rPr lang="en-US" b="0" dirty="0">
-                <a:solidFill>
-                  <a:srgbClr val="FF0000"/>
-                </a:solidFill>
-                <a:effectLst/>
-                <a:latin typeface="Consolas" panose="020B0609020204030204" pitchFamily="49" charset="0"/>
-              </a:rPr>
-              <a:t>http-</a:t>
-            </a:r>
-            <a:r>
-              <a:rPr lang="en-US" b="0" dirty="0" err="1">
-                <a:solidFill>
-                  <a:srgbClr val="FF0000"/>
-                </a:solidFill>
-                <a:effectLst/>
-                <a:latin typeface="Consolas" panose="020B0609020204030204" pitchFamily="49" charset="0"/>
-              </a:rPr>
-              <a:t>equiv</a:t>
-            </a:r>
-            <a:r>
-              <a:rPr lang="en-US" b="0" dirty="0">
-                <a:solidFill>
-                  <a:srgbClr val="000000"/>
-                </a:solidFill>
-                <a:effectLst/>
-                <a:latin typeface="Consolas" panose="020B0609020204030204" pitchFamily="49" charset="0"/>
-              </a:rPr>
-              <a:t>=</a:t>
-            </a:r>
-            <a:r>
-              <a:rPr lang="en-US" b="0" dirty="0">
-                <a:solidFill>
-                  <a:srgbClr val="0000FF"/>
-                </a:solidFill>
-                <a:effectLst/>
-                <a:latin typeface="Consolas" panose="020B0609020204030204" pitchFamily="49" charset="0"/>
-              </a:rPr>
-              <a:t>'X-UA-Compatible'</a:t>
-            </a:r>
-            <a:r>
-              <a:rPr lang="en-US" b="0" dirty="0">
-                <a:solidFill>
-                  <a:srgbClr val="000000"/>
-                </a:solidFill>
-                <a:effectLst/>
-                <a:latin typeface="Consolas" panose="020B0609020204030204" pitchFamily="49" charset="0"/>
-              </a:rPr>
-              <a:t> </a:t>
-            </a:r>
-            <a:r>
-              <a:rPr lang="en-US" b="0" dirty="0">
-                <a:solidFill>
-                  <a:srgbClr val="FF0000"/>
-                </a:solidFill>
-                <a:effectLst/>
-                <a:latin typeface="Consolas" panose="020B0609020204030204" pitchFamily="49" charset="0"/>
-              </a:rPr>
-              <a:t>content</a:t>
-            </a:r>
-            <a:r>
-              <a:rPr lang="en-US" b="0" dirty="0">
-                <a:solidFill>
-                  <a:srgbClr val="000000"/>
-                </a:solidFill>
-                <a:effectLst/>
-                <a:latin typeface="Consolas" panose="020B0609020204030204" pitchFamily="49" charset="0"/>
-              </a:rPr>
-              <a:t>=</a:t>
-            </a:r>
-            <a:r>
-              <a:rPr lang="en-US" b="0" dirty="0">
-                <a:solidFill>
-                  <a:srgbClr val="0000FF"/>
-                </a:solidFill>
-                <a:effectLst/>
-                <a:latin typeface="Consolas" panose="020B0609020204030204" pitchFamily="49" charset="0"/>
-              </a:rPr>
-              <a:t>'IE=edge'</a:t>
-            </a:r>
-            <a:r>
-              <a:rPr lang="en-US" b="0" dirty="0">
-                <a:solidFill>
-                  <a:srgbClr val="800000"/>
-                </a:solidFill>
-                <a:effectLst/>
-                <a:latin typeface="Consolas" panose="020B0609020204030204" pitchFamily="49" charset="0"/>
-              </a:rPr>
-              <a:t>&gt;</a:t>
-            </a:r>
-            <a:endParaRPr lang="en-US" b="0" dirty="0">
-              <a:solidFill>
-                <a:srgbClr val="000000"/>
-              </a:solidFill>
-              <a:effectLst/>
-              <a:latin typeface="Consolas" panose="020B0609020204030204" pitchFamily="49" charset="0"/>
-            </a:endParaRPr>
-          </a:p>
-          <a:p>
-            <a:r>
-              <a:rPr lang="en-US" b="0" dirty="0">
-                <a:solidFill>
-                  <a:srgbClr val="000000"/>
-                </a:solidFill>
-                <a:effectLst/>
-                <a:latin typeface="Consolas" panose="020B0609020204030204" pitchFamily="49" charset="0"/>
-              </a:rPr>
-              <a:t>  </a:t>
-            </a:r>
-            <a:r>
-              <a:rPr lang="en-US" b="0" dirty="0">
-                <a:solidFill>
-                  <a:srgbClr val="800000"/>
-                </a:solidFill>
-                <a:effectLst/>
-                <a:latin typeface="Consolas" panose="020B0609020204030204" pitchFamily="49" charset="0"/>
-              </a:rPr>
-              <a:t>&lt;title&gt;</a:t>
-            </a:r>
-            <a:r>
-              <a:rPr lang="en-US" b="0" dirty="0">
-                <a:solidFill>
-                  <a:srgbClr val="000000"/>
-                </a:solidFill>
-                <a:effectLst/>
-                <a:latin typeface="Consolas" panose="020B0609020204030204" pitchFamily="49" charset="0"/>
-              </a:rPr>
-              <a:t>Page Title</a:t>
-            </a:r>
-            <a:r>
-              <a:rPr lang="en-US" b="0" dirty="0">
-                <a:solidFill>
-                  <a:srgbClr val="800000"/>
-                </a:solidFill>
-                <a:effectLst/>
-                <a:latin typeface="Consolas" panose="020B0609020204030204" pitchFamily="49" charset="0"/>
-              </a:rPr>
-              <a:t>&lt;/title&gt;</a:t>
-            </a:r>
-            <a:endParaRPr lang="en-US" b="0" dirty="0">
-              <a:solidFill>
-                <a:srgbClr val="000000"/>
-              </a:solidFill>
-              <a:effectLst/>
-              <a:latin typeface="Consolas" panose="020B0609020204030204" pitchFamily="49" charset="0"/>
-            </a:endParaRPr>
-          </a:p>
-          <a:p>
-            <a:r>
-              <a:rPr lang="en-US" b="0" dirty="0">
-                <a:solidFill>
-                  <a:srgbClr val="000000"/>
-                </a:solidFill>
-                <a:effectLst/>
-                <a:latin typeface="Consolas" panose="020B0609020204030204" pitchFamily="49" charset="0"/>
-              </a:rPr>
-              <a:t>  </a:t>
-            </a:r>
-            <a:r>
-              <a:rPr lang="en-US" b="0" dirty="0">
-                <a:solidFill>
-                  <a:srgbClr val="800000"/>
-                </a:solidFill>
-                <a:effectLst/>
-                <a:latin typeface="Consolas" panose="020B0609020204030204" pitchFamily="49" charset="0"/>
-              </a:rPr>
-              <a:t>&lt;meta</a:t>
-            </a:r>
-            <a:r>
-              <a:rPr lang="en-US" b="0" dirty="0">
-                <a:solidFill>
-                  <a:srgbClr val="000000"/>
-                </a:solidFill>
-                <a:effectLst/>
-                <a:latin typeface="Consolas" panose="020B0609020204030204" pitchFamily="49" charset="0"/>
-              </a:rPr>
-              <a:t> </a:t>
-            </a:r>
-            <a:r>
-              <a:rPr lang="en-US" b="0" dirty="0">
-                <a:solidFill>
-                  <a:srgbClr val="FF0000"/>
-                </a:solidFill>
-                <a:effectLst/>
-                <a:latin typeface="Consolas" panose="020B0609020204030204" pitchFamily="49" charset="0"/>
-              </a:rPr>
-              <a:t>name</a:t>
-            </a:r>
-            <a:r>
-              <a:rPr lang="en-US" b="0" dirty="0">
-                <a:solidFill>
-                  <a:srgbClr val="000000"/>
-                </a:solidFill>
-                <a:effectLst/>
-                <a:latin typeface="Consolas" panose="020B0609020204030204" pitchFamily="49" charset="0"/>
-              </a:rPr>
-              <a:t>=</a:t>
-            </a:r>
-            <a:r>
-              <a:rPr lang="en-US" b="0" dirty="0">
-                <a:solidFill>
-                  <a:srgbClr val="0000FF"/>
-                </a:solidFill>
-                <a:effectLst/>
-                <a:latin typeface="Consolas" panose="020B0609020204030204" pitchFamily="49" charset="0"/>
-              </a:rPr>
-              <a:t>'viewport'</a:t>
-            </a:r>
-            <a:r>
-              <a:rPr lang="en-US" b="0" dirty="0">
-                <a:solidFill>
-                  <a:srgbClr val="000000"/>
-                </a:solidFill>
-                <a:effectLst/>
-                <a:latin typeface="Consolas" panose="020B0609020204030204" pitchFamily="49" charset="0"/>
-              </a:rPr>
-              <a:t> </a:t>
-            </a:r>
-            <a:r>
-              <a:rPr lang="en-US" b="0" dirty="0">
-                <a:solidFill>
-                  <a:srgbClr val="FF0000"/>
-                </a:solidFill>
-                <a:effectLst/>
-                <a:latin typeface="Consolas" panose="020B0609020204030204" pitchFamily="49" charset="0"/>
-              </a:rPr>
-              <a:t>content</a:t>
-            </a:r>
-            <a:r>
-              <a:rPr lang="en-US" b="0" dirty="0">
-                <a:solidFill>
-                  <a:srgbClr val="000000"/>
-                </a:solidFill>
-                <a:effectLst/>
-                <a:latin typeface="Consolas" panose="020B0609020204030204" pitchFamily="49" charset="0"/>
-              </a:rPr>
-              <a:t>=</a:t>
-            </a:r>
-            <a:r>
-              <a:rPr lang="en-US" b="0" dirty="0">
-                <a:solidFill>
-                  <a:srgbClr val="0000FF"/>
-                </a:solidFill>
-                <a:effectLst/>
-                <a:latin typeface="Consolas" panose="020B0609020204030204" pitchFamily="49" charset="0"/>
-              </a:rPr>
-              <a:t>'width=device-width, initial-scale=1'</a:t>
-            </a:r>
-            <a:r>
-              <a:rPr lang="en-US" b="0" dirty="0">
-                <a:solidFill>
-                  <a:srgbClr val="800000"/>
-                </a:solidFill>
-                <a:effectLst/>
-                <a:latin typeface="Consolas" panose="020B0609020204030204" pitchFamily="49" charset="0"/>
-              </a:rPr>
-              <a:t>&gt;</a:t>
-            </a:r>
-            <a:endParaRPr lang="en-US" b="0" dirty="0">
-              <a:solidFill>
-                <a:srgbClr val="000000"/>
-              </a:solidFill>
-              <a:effectLst/>
-              <a:latin typeface="Consolas" panose="020B0609020204030204" pitchFamily="49" charset="0"/>
-            </a:endParaRPr>
-          </a:p>
-          <a:p>
-            <a:r>
-              <a:rPr lang="en-US" b="0" dirty="0">
-                <a:solidFill>
-                  <a:srgbClr val="800000"/>
-                </a:solidFill>
-                <a:effectLst/>
-                <a:latin typeface="Consolas" panose="020B0609020204030204" pitchFamily="49" charset="0"/>
-              </a:rPr>
-              <a:t>&lt;/head&gt;</a:t>
-            </a:r>
-            <a:endParaRPr lang="en-US" b="0" dirty="0">
-              <a:solidFill>
-                <a:srgbClr val="000000"/>
-              </a:solidFill>
-              <a:effectLst/>
-              <a:latin typeface="Consolas" panose="020B0609020204030204" pitchFamily="49" charset="0"/>
-            </a:endParaRPr>
-          </a:p>
-          <a:p>
-            <a:r>
-              <a:rPr lang="en-US" b="0" dirty="0">
-                <a:solidFill>
-                  <a:srgbClr val="800000"/>
-                </a:solidFill>
-                <a:effectLst/>
-                <a:latin typeface="Consolas" panose="020B0609020204030204" pitchFamily="49" charset="0"/>
-              </a:rPr>
-              <a:t>&lt;body&gt;</a:t>
-            </a:r>
-            <a:endParaRPr lang="en-US" b="0" dirty="0">
-              <a:solidFill>
-                <a:srgbClr val="000000"/>
-              </a:solidFill>
-              <a:effectLst/>
-              <a:latin typeface="Consolas" panose="020B0609020204030204" pitchFamily="49" charset="0"/>
-            </a:endParaRPr>
-          </a:p>
-          <a:p>
-            <a:r>
-              <a:rPr lang="en-US" b="0" dirty="0">
-                <a:solidFill>
-                  <a:srgbClr val="000000"/>
-                </a:solidFill>
-                <a:effectLst/>
-                <a:latin typeface="Consolas" panose="020B0609020204030204" pitchFamily="49" charset="0"/>
-              </a:rPr>
-              <a:t>  This is the part you can see.</a:t>
-            </a:r>
-          </a:p>
-          <a:p>
-            <a:r>
-              <a:rPr lang="en-US" b="0" dirty="0">
-                <a:solidFill>
-                  <a:srgbClr val="800000"/>
-                </a:solidFill>
-                <a:effectLst/>
-                <a:latin typeface="Consolas" panose="020B0609020204030204" pitchFamily="49" charset="0"/>
-              </a:rPr>
-              <a:t>&lt;/body&gt;</a:t>
-            </a:r>
-            <a:endParaRPr lang="en-US" b="0" dirty="0">
-              <a:solidFill>
-                <a:srgbClr val="000000"/>
-              </a:solidFill>
-              <a:effectLst/>
-              <a:latin typeface="Consolas" panose="020B0609020204030204" pitchFamily="49" charset="0"/>
-            </a:endParaRPr>
-          </a:p>
-          <a:p>
-            <a:r>
-              <a:rPr lang="en-US" b="0" dirty="0">
-                <a:solidFill>
-                  <a:srgbClr val="800000"/>
-                </a:solidFill>
-                <a:effectLst/>
-                <a:latin typeface="Consolas" panose="020B0609020204030204" pitchFamily="49" charset="0"/>
-              </a:rPr>
-              <a:t>&lt;/html&gt;</a:t>
-            </a:r>
-            <a:endParaRPr lang="en-US" b="0" dirty="0">
-              <a:solidFill>
-                <a:srgbClr val="000000"/>
-              </a:solidFill>
-              <a:effectLst/>
-              <a:latin typeface="Consolas" panose="020B0609020204030204" pitchFamily="49" charset="0"/>
-            </a:endParaRPr>
-          </a:p>
-        </p:txBody>
-      </p:sp>
-      <p:cxnSp>
-        <p:nvCxnSpPr>
-          <p:cNvPr id="5" name="Straight Connector 4">
-            <a:extLst>
-              <a:ext uri="{FF2B5EF4-FFF2-40B4-BE49-F238E27FC236}">
-                <a16:creationId xmlns:a16="http://schemas.microsoft.com/office/drawing/2014/main" id="{137595DA-6D53-45A0-9254-830836053E7D}"/>
-              </a:ext>
-            </a:extLst>
-          </p:cNvPr>
-          <p:cNvCxnSpPr>
-            <a:cxnSpLocks/>
-          </p:cNvCxnSpPr>
-          <p:nvPr/>
-        </p:nvCxnSpPr>
-        <p:spPr>
-          <a:xfrm>
-            <a:off x="1878033" y="1149192"/>
-            <a:ext cx="1594494" cy="0"/>
-          </a:xfrm>
-          <a:prstGeom prst="line">
-            <a:avLst/>
-          </a:prstGeom>
-          <a:ln cap="rnd"/>
-        </p:spPr>
-        <p:style>
-          <a:lnRef idx="3">
-            <a:schemeClr val="accent6"/>
-          </a:lnRef>
-          <a:fillRef idx="0">
-            <a:schemeClr val="accent6"/>
-          </a:fillRef>
-          <a:effectRef idx="2">
-            <a:schemeClr val="accent6"/>
-          </a:effectRef>
-          <a:fontRef idx="minor">
-            <a:schemeClr val="tx1"/>
-          </a:fontRef>
-        </p:style>
-      </p:cxnSp>
-      <p:cxnSp>
-        <p:nvCxnSpPr>
-          <p:cNvPr id="10" name="Straight Connector 9">
-            <a:extLst>
-              <a:ext uri="{FF2B5EF4-FFF2-40B4-BE49-F238E27FC236}">
-                <a16:creationId xmlns:a16="http://schemas.microsoft.com/office/drawing/2014/main" id="{919ADC1C-0558-439F-A333-9AA3CEA1B859}"/>
-              </a:ext>
-            </a:extLst>
-          </p:cNvPr>
-          <p:cNvCxnSpPr>
-            <a:cxnSpLocks/>
-            <a:endCxn id="11" idx="1"/>
-          </p:cNvCxnSpPr>
-          <p:nvPr/>
-        </p:nvCxnSpPr>
-        <p:spPr>
-          <a:xfrm>
-            <a:off x="3472527" y="1149192"/>
-            <a:ext cx="517210" cy="441052"/>
-          </a:xfrm>
-          <a:prstGeom prst="line">
-            <a:avLst/>
-          </a:prstGeom>
-          <a:ln cap="rnd"/>
-        </p:spPr>
-        <p:style>
-          <a:lnRef idx="3">
-            <a:schemeClr val="accent6"/>
-          </a:lnRef>
-          <a:fillRef idx="0">
-            <a:schemeClr val="accent6"/>
-          </a:fillRef>
-          <a:effectRef idx="2">
-            <a:schemeClr val="accent6"/>
-          </a:effectRef>
-          <a:fontRef idx="minor">
-            <a:schemeClr val="tx1"/>
-          </a:fontRef>
-        </p:style>
-      </p:cxnSp>
-      <p:sp>
-        <p:nvSpPr>
-          <p:cNvPr id="11" name="Oval 10">
-            <a:extLst>
-              <a:ext uri="{FF2B5EF4-FFF2-40B4-BE49-F238E27FC236}">
-                <a16:creationId xmlns:a16="http://schemas.microsoft.com/office/drawing/2014/main" id="{B8162159-F990-4B83-B1ED-B71983DC26AC}"/>
-              </a:ext>
-            </a:extLst>
-          </p:cNvPr>
-          <p:cNvSpPr/>
-          <p:nvPr/>
-        </p:nvSpPr>
-        <p:spPr>
-          <a:xfrm>
-            <a:off x="3970208" y="1570715"/>
-            <a:ext cx="133350" cy="133350"/>
-          </a:xfrm>
-          <a:prstGeom prst="ellipse">
-            <a:avLst/>
-          </a:prstGeom>
-        </p:spPr>
-        <p:style>
-          <a:lnRef idx="2">
-            <a:schemeClr val="accent6"/>
-          </a:lnRef>
-          <a:fillRef idx="1">
-            <a:schemeClr val="lt1"/>
-          </a:fillRef>
-          <a:effectRef idx="0">
-            <a:schemeClr val="accent6"/>
-          </a:effectRef>
-          <a:fontRef idx="minor">
-            <a:schemeClr val="dk1"/>
-          </a:fontRef>
-        </p:style>
-        <p:txBody>
-          <a:bodyPr rtlCol="0" anchor="ctr"/>
-          <a:lstStyle/>
-          <a:p>
-            <a:pPr algn="ctr"/>
-            <a:endParaRPr lang="en-US" dirty="0"/>
-          </a:p>
-        </p:txBody>
-      </p:sp>
-      <p:sp>
-        <p:nvSpPr>
-          <p:cNvPr id="12" name="TextBox 11">
-            <a:extLst>
-              <a:ext uri="{FF2B5EF4-FFF2-40B4-BE49-F238E27FC236}">
-                <a16:creationId xmlns:a16="http://schemas.microsoft.com/office/drawing/2014/main" id="{2F21B15B-18F0-404B-A4D9-CF02D6672999}"/>
-              </a:ext>
-            </a:extLst>
-          </p:cNvPr>
-          <p:cNvSpPr txBox="1"/>
-          <p:nvPr/>
-        </p:nvSpPr>
-        <p:spPr>
-          <a:xfrm>
-            <a:off x="2024718" y="834045"/>
-            <a:ext cx="1301125" cy="369332"/>
-          </a:xfrm>
-          <a:prstGeom prst="rect">
-            <a:avLst/>
-          </a:prstGeom>
-          <a:noFill/>
-        </p:spPr>
-        <p:txBody>
-          <a:bodyPr wrap="none" rtlCol="0">
-            <a:spAutoFit/>
-          </a:bodyPr>
-          <a:lstStyle/>
-          <a:p>
-            <a:r>
-              <a:rPr lang="en-US" dirty="0">
-                <a:solidFill>
-                  <a:schemeClr val="accent6">
-                    <a:lumMod val="75000"/>
-                  </a:schemeClr>
-                </a:solidFill>
-              </a:rPr>
-              <a:t>Version Info</a:t>
-            </a:r>
-          </a:p>
-        </p:txBody>
-      </p:sp>
-      <p:sp>
-        <p:nvSpPr>
-          <p:cNvPr id="13" name="TextBox 12">
-            <a:extLst>
-              <a:ext uri="{FF2B5EF4-FFF2-40B4-BE49-F238E27FC236}">
-                <a16:creationId xmlns:a16="http://schemas.microsoft.com/office/drawing/2014/main" id="{EEE27833-6AE7-4490-ACA8-634D7BF527E7}"/>
-              </a:ext>
-            </a:extLst>
-          </p:cNvPr>
-          <p:cNvSpPr txBox="1"/>
-          <p:nvPr/>
-        </p:nvSpPr>
-        <p:spPr>
-          <a:xfrm>
-            <a:off x="2045509" y="1222511"/>
-            <a:ext cx="1394421" cy="369332"/>
-          </a:xfrm>
-          <a:prstGeom prst="rect">
-            <a:avLst/>
-          </a:prstGeom>
-          <a:noFill/>
-        </p:spPr>
-        <p:txBody>
-          <a:bodyPr wrap="none" rtlCol="0">
-            <a:spAutoFit/>
-          </a:bodyPr>
-          <a:lstStyle/>
-          <a:p>
-            <a:r>
-              <a:rPr lang="en-US" dirty="0"/>
-              <a:t>What is this?</a:t>
-            </a:r>
-          </a:p>
-        </p:txBody>
-      </p:sp>
-      <p:cxnSp>
-        <p:nvCxnSpPr>
-          <p:cNvPr id="15" name="Straight Connector 14">
-            <a:extLst>
-              <a:ext uri="{FF2B5EF4-FFF2-40B4-BE49-F238E27FC236}">
-                <a16:creationId xmlns:a16="http://schemas.microsoft.com/office/drawing/2014/main" id="{3EF40E82-75AF-4C36-BE82-CD0B838F564A}"/>
-              </a:ext>
-            </a:extLst>
-          </p:cNvPr>
-          <p:cNvCxnSpPr>
-            <a:cxnSpLocks/>
-          </p:cNvCxnSpPr>
-          <p:nvPr/>
-        </p:nvCxnSpPr>
-        <p:spPr>
-          <a:xfrm flipV="1">
-            <a:off x="1920834" y="3033603"/>
-            <a:ext cx="1415320" cy="1"/>
-          </a:xfrm>
-          <a:prstGeom prst="line">
-            <a:avLst/>
-          </a:prstGeom>
-          <a:ln cap="rnd"/>
-        </p:spPr>
-        <p:style>
-          <a:lnRef idx="3">
-            <a:schemeClr val="accent6"/>
-          </a:lnRef>
-          <a:fillRef idx="0">
-            <a:schemeClr val="accent6"/>
-          </a:fillRef>
-          <a:effectRef idx="2">
-            <a:schemeClr val="accent6"/>
-          </a:effectRef>
-          <a:fontRef idx="minor">
-            <a:schemeClr val="tx1"/>
-          </a:fontRef>
-        </p:style>
-      </p:cxnSp>
-      <p:cxnSp>
-        <p:nvCxnSpPr>
-          <p:cNvPr id="16" name="Straight Connector 15">
-            <a:extLst>
-              <a:ext uri="{FF2B5EF4-FFF2-40B4-BE49-F238E27FC236}">
-                <a16:creationId xmlns:a16="http://schemas.microsoft.com/office/drawing/2014/main" id="{BD704978-A488-43B5-8D13-A641FA7B8F5F}"/>
-              </a:ext>
-            </a:extLst>
-          </p:cNvPr>
-          <p:cNvCxnSpPr>
-            <a:cxnSpLocks/>
-            <a:endCxn id="17" idx="3"/>
-          </p:cNvCxnSpPr>
-          <p:nvPr/>
-        </p:nvCxnSpPr>
-        <p:spPr>
-          <a:xfrm flipV="1">
-            <a:off x="3345332" y="1996043"/>
-            <a:ext cx="696908" cy="1035961"/>
-          </a:xfrm>
-          <a:prstGeom prst="line">
-            <a:avLst/>
-          </a:prstGeom>
-          <a:ln cap="rnd"/>
-        </p:spPr>
-        <p:style>
-          <a:lnRef idx="3">
-            <a:schemeClr val="accent6"/>
-          </a:lnRef>
-          <a:fillRef idx="0">
-            <a:schemeClr val="accent6"/>
-          </a:fillRef>
-          <a:effectRef idx="2">
-            <a:schemeClr val="accent6"/>
-          </a:effectRef>
-          <a:fontRef idx="minor">
-            <a:schemeClr val="tx1"/>
-          </a:fontRef>
-        </p:style>
-      </p:cxnSp>
-      <p:sp>
-        <p:nvSpPr>
-          <p:cNvPr id="17" name="Oval 16">
-            <a:extLst>
-              <a:ext uri="{FF2B5EF4-FFF2-40B4-BE49-F238E27FC236}">
-                <a16:creationId xmlns:a16="http://schemas.microsoft.com/office/drawing/2014/main" id="{FB49C377-E263-47FC-9ECC-AF19F9C12794}"/>
-              </a:ext>
-            </a:extLst>
-          </p:cNvPr>
-          <p:cNvSpPr/>
-          <p:nvPr/>
-        </p:nvSpPr>
-        <p:spPr>
-          <a:xfrm>
-            <a:off x="4022711" y="1882222"/>
-            <a:ext cx="133350" cy="133350"/>
-          </a:xfrm>
-          <a:prstGeom prst="ellipse">
-            <a:avLst/>
-          </a:prstGeom>
-        </p:spPr>
-        <p:style>
-          <a:lnRef idx="2">
-            <a:schemeClr val="accent6"/>
-          </a:lnRef>
-          <a:fillRef idx="1">
-            <a:schemeClr val="lt1"/>
-          </a:fillRef>
-          <a:effectRef idx="0">
-            <a:schemeClr val="accent6"/>
-          </a:effectRef>
-          <a:fontRef idx="minor">
-            <a:schemeClr val="dk1"/>
-          </a:fontRef>
-        </p:style>
-        <p:txBody>
-          <a:bodyPr rtlCol="0" anchor="ctr"/>
-          <a:lstStyle/>
-          <a:p>
-            <a:pPr algn="ctr"/>
-            <a:endParaRPr lang="en-US" dirty="0"/>
-          </a:p>
-        </p:txBody>
-      </p:sp>
-      <p:sp>
-        <p:nvSpPr>
-          <p:cNvPr id="18" name="TextBox 17">
-            <a:extLst>
-              <a:ext uri="{FF2B5EF4-FFF2-40B4-BE49-F238E27FC236}">
-                <a16:creationId xmlns:a16="http://schemas.microsoft.com/office/drawing/2014/main" id="{6DB2D5B6-174D-4FD1-BD9D-A9A150032FE9}"/>
-              </a:ext>
-            </a:extLst>
-          </p:cNvPr>
-          <p:cNvSpPr txBox="1"/>
-          <p:nvPr/>
-        </p:nvSpPr>
-        <p:spPr>
-          <a:xfrm>
-            <a:off x="1830347" y="2664271"/>
-            <a:ext cx="632289" cy="369332"/>
-          </a:xfrm>
-          <a:prstGeom prst="rect">
-            <a:avLst/>
-          </a:prstGeom>
-          <a:noFill/>
-        </p:spPr>
-        <p:txBody>
-          <a:bodyPr wrap="none" rtlCol="0">
-            <a:spAutoFit/>
-          </a:bodyPr>
-          <a:lstStyle/>
-          <a:p>
-            <a:r>
-              <a:rPr lang="en-US" dirty="0">
-                <a:solidFill>
-                  <a:schemeClr val="accent6">
-                    <a:lumMod val="75000"/>
-                  </a:schemeClr>
-                </a:solidFill>
-              </a:rPr>
-              <a:t>Start</a:t>
-            </a:r>
-          </a:p>
-        </p:txBody>
-      </p:sp>
-      <p:sp>
-        <p:nvSpPr>
-          <p:cNvPr id="21" name="TextBox 20">
-            <a:extLst>
-              <a:ext uri="{FF2B5EF4-FFF2-40B4-BE49-F238E27FC236}">
-                <a16:creationId xmlns:a16="http://schemas.microsoft.com/office/drawing/2014/main" id="{DC718CB7-F8D1-4195-901B-86FD1D2BB6E0}"/>
-              </a:ext>
-            </a:extLst>
-          </p:cNvPr>
-          <p:cNvSpPr txBox="1"/>
-          <p:nvPr/>
-        </p:nvSpPr>
-        <p:spPr>
-          <a:xfrm>
-            <a:off x="1835110" y="3033603"/>
-            <a:ext cx="1575807" cy="646331"/>
-          </a:xfrm>
-          <a:prstGeom prst="rect">
-            <a:avLst/>
-          </a:prstGeom>
-          <a:noFill/>
-        </p:spPr>
-        <p:txBody>
-          <a:bodyPr wrap="square" rtlCol="0">
-            <a:spAutoFit/>
-          </a:bodyPr>
-          <a:lstStyle/>
-          <a:p>
-            <a:r>
-              <a:rPr lang="en-US" dirty="0"/>
-              <a:t>Where do we begin?</a:t>
-            </a:r>
-          </a:p>
-        </p:txBody>
-      </p:sp>
-      <p:cxnSp>
-        <p:nvCxnSpPr>
-          <p:cNvPr id="22" name="Straight Connector 21">
-            <a:extLst>
-              <a:ext uri="{FF2B5EF4-FFF2-40B4-BE49-F238E27FC236}">
-                <a16:creationId xmlns:a16="http://schemas.microsoft.com/office/drawing/2014/main" id="{281F65D4-8811-4C7C-9370-9FFB690657BE}"/>
-              </a:ext>
-            </a:extLst>
-          </p:cNvPr>
-          <p:cNvCxnSpPr>
-            <a:cxnSpLocks/>
-          </p:cNvCxnSpPr>
-          <p:nvPr/>
-        </p:nvCxnSpPr>
-        <p:spPr>
-          <a:xfrm flipH="1">
-            <a:off x="9463088" y="4680982"/>
-            <a:ext cx="1104900" cy="1"/>
-          </a:xfrm>
-          <a:prstGeom prst="line">
-            <a:avLst/>
-          </a:prstGeom>
-          <a:ln cap="rnd"/>
-        </p:spPr>
-        <p:style>
-          <a:lnRef idx="3">
-            <a:schemeClr val="accent6"/>
-          </a:lnRef>
-          <a:fillRef idx="0">
-            <a:schemeClr val="accent6"/>
-          </a:fillRef>
-          <a:effectRef idx="2">
-            <a:schemeClr val="accent6"/>
-          </a:effectRef>
-          <a:fontRef idx="minor">
-            <a:schemeClr val="tx1"/>
-          </a:fontRef>
-        </p:style>
-      </p:cxnSp>
-      <p:cxnSp>
-        <p:nvCxnSpPr>
-          <p:cNvPr id="23" name="Straight Connector 22">
-            <a:extLst>
-              <a:ext uri="{FF2B5EF4-FFF2-40B4-BE49-F238E27FC236}">
-                <a16:creationId xmlns:a16="http://schemas.microsoft.com/office/drawing/2014/main" id="{E0D3EF36-CFD1-4353-B6BE-50AEE339ED21}"/>
-              </a:ext>
-            </a:extLst>
-          </p:cNvPr>
-          <p:cNvCxnSpPr>
-            <a:cxnSpLocks/>
-            <a:endCxn id="24" idx="6"/>
-          </p:cNvCxnSpPr>
-          <p:nvPr/>
-        </p:nvCxnSpPr>
-        <p:spPr>
-          <a:xfrm flipH="1" flipV="1">
-            <a:off x="7966763" y="4617737"/>
-            <a:ext cx="1475587" cy="63245"/>
-          </a:xfrm>
-          <a:prstGeom prst="line">
-            <a:avLst/>
-          </a:prstGeom>
-          <a:ln cap="rnd"/>
-        </p:spPr>
-        <p:style>
-          <a:lnRef idx="3">
-            <a:schemeClr val="accent6"/>
-          </a:lnRef>
-          <a:fillRef idx="0">
-            <a:schemeClr val="accent6"/>
-          </a:fillRef>
-          <a:effectRef idx="2">
-            <a:schemeClr val="accent6"/>
-          </a:effectRef>
-          <a:fontRef idx="minor">
-            <a:schemeClr val="tx1"/>
-          </a:fontRef>
-        </p:style>
-      </p:cxnSp>
-      <p:sp>
-        <p:nvSpPr>
-          <p:cNvPr id="24" name="Oval 23">
-            <a:extLst>
-              <a:ext uri="{FF2B5EF4-FFF2-40B4-BE49-F238E27FC236}">
-                <a16:creationId xmlns:a16="http://schemas.microsoft.com/office/drawing/2014/main" id="{9442696C-9BC0-478B-9CA9-E9EE6FB12287}"/>
-              </a:ext>
-            </a:extLst>
-          </p:cNvPr>
-          <p:cNvSpPr/>
-          <p:nvPr/>
-        </p:nvSpPr>
-        <p:spPr>
-          <a:xfrm>
-            <a:off x="7833413" y="4551062"/>
-            <a:ext cx="133350" cy="133350"/>
-          </a:xfrm>
-          <a:prstGeom prst="ellipse">
-            <a:avLst/>
-          </a:prstGeom>
-        </p:spPr>
-        <p:style>
-          <a:lnRef idx="2">
-            <a:schemeClr val="accent6"/>
-          </a:lnRef>
-          <a:fillRef idx="1">
-            <a:schemeClr val="lt1"/>
-          </a:fillRef>
-          <a:effectRef idx="0">
-            <a:schemeClr val="accent6"/>
-          </a:effectRef>
-          <a:fontRef idx="minor">
-            <a:schemeClr val="dk1"/>
-          </a:fontRef>
-        </p:style>
-        <p:txBody>
-          <a:bodyPr rtlCol="0" anchor="ctr"/>
-          <a:lstStyle/>
-          <a:p>
-            <a:pPr algn="ctr"/>
-            <a:endParaRPr lang="en-US" dirty="0"/>
-          </a:p>
-        </p:txBody>
-      </p:sp>
-      <p:sp>
-        <p:nvSpPr>
-          <p:cNvPr id="25" name="TextBox 24">
-            <a:extLst>
-              <a:ext uri="{FF2B5EF4-FFF2-40B4-BE49-F238E27FC236}">
-                <a16:creationId xmlns:a16="http://schemas.microsoft.com/office/drawing/2014/main" id="{5FD8137D-08BF-449C-AE7B-0500735A5E83}"/>
-              </a:ext>
-            </a:extLst>
-          </p:cNvPr>
-          <p:cNvSpPr txBox="1"/>
-          <p:nvPr/>
-        </p:nvSpPr>
-        <p:spPr>
-          <a:xfrm>
-            <a:off x="9836642" y="4325937"/>
-            <a:ext cx="657552" cy="369332"/>
-          </a:xfrm>
-          <a:prstGeom prst="rect">
-            <a:avLst/>
-          </a:prstGeom>
-          <a:noFill/>
-        </p:spPr>
-        <p:txBody>
-          <a:bodyPr wrap="none" rtlCol="0">
-            <a:spAutoFit/>
-          </a:bodyPr>
-          <a:lstStyle/>
-          <a:p>
-            <a:r>
-              <a:rPr lang="en-US" dirty="0">
-                <a:solidFill>
-                  <a:schemeClr val="accent6">
-                    <a:lumMod val="75000"/>
-                  </a:schemeClr>
-                </a:solidFill>
-              </a:rPr>
-              <a:t>Body</a:t>
-            </a:r>
-          </a:p>
-        </p:txBody>
-      </p:sp>
-      <p:sp>
-        <p:nvSpPr>
-          <p:cNvPr id="26" name="TextBox 25">
-            <a:extLst>
-              <a:ext uri="{FF2B5EF4-FFF2-40B4-BE49-F238E27FC236}">
-                <a16:creationId xmlns:a16="http://schemas.microsoft.com/office/drawing/2014/main" id="{30D60AED-8345-4913-BD01-097112D373CB}"/>
-              </a:ext>
-            </a:extLst>
-          </p:cNvPr>
-          <p:cNvSpPr txBox="1"/>
-          <p:nvPr/>
-        </p:nvSpPr>
-        <p:spPr>
-          <a:xfrm>
-            <a:off x="9316751" y="4693126"/>
-            <a:ext cx="1416738" cy="923330"/>
-          </a:xfrm>
-          <a:prstGeom prst="rect">
-            <a:avLst/>
-          </a:prstGeom>
-          <a:noFill/>
-        </p:spPr>
-        <p:txBody>
-          <a:bodyPr wrap="square" rtlCol="0">
-            <a:spAutoFit/>
-          </a:bodyPr>
-          <a:lstStyle/>
-          <a:p>
-            <a:pPr algn="r"/>
-            <a:r>
-              <a:rPr lang="en-US" dirty="0"/>
-              <a:t>The part the user actually “consumes.”</a:t>
-            </a:r>
-          </a:p>
-        </p:txBody>
-      </p:sp>
-      <p:cxnSp>
-        <p:nvCxnSpPr>
-          <p:cNvPr id="29" name="Straight Connector 28">
-            <a:extLst>
-              <a:ext uri="{FF2B5EF4-FFF2-40B4-BE49-F238E27FC236}">
-                <a16:creationId xmlns:a16="http://schemas.microsoft.com/office/drawing/2014/main" id="{019108DC-831E-4879-A640-53B4FCF9C7A9}"/>
-              </a:ext>
-            </a:extLst>
-          </p:cNvPr>
-          <p:cNvCxnSpPr>
-            <a:cxnSpLocks/>
-          </p:cNvCxnSpPr>
-          <p:nvPr/>
-        </p:nvCxnSpPr>
-        <p:spPr>
-          <a:xfrm flipH="1">
-            <a:off x="9687060" y="1846477"/>
-            <a:ext cx="1569266" cy="0"/>
-          </a:xfrm>
-          <a:prstGeom prst="line">
-            <a:avLst/>
-          </a:prstGeom>
-          <a:ln cap="rnd"/>
-        </p:spPr>
-        <p:style>
-          <a:lnRef idx="3">
-            <a:schemeClr val="accent6"/>
-          </a:lnRef>
-          <a:fillRef idx="0">
-            <a:schemeClr val="accent6"/>
-          </a:fillRef>
-          <a:effectRef idx="2">
-            <a:schemeClr val="accent6"/>
-          </a:effectRef>
-          <a:fontRef idx="minor">
-            <a:schemeClr val="tx1"/>
-          </a:fontRef>
-        </p:style>
-      </p:cxnSp>
-      <p:cxnSp>
-        <p:nvCxnSpPr>
-          <p:cNvPr id="30" name="Straight Connector 29">
-            <a:extLst>
-              <a:ext uri="{FF2B5EF4-FFF2-40B4-BE49-F238E27FC236}">
-                <a16:creationId xmlns:a16="http://schemas.microsoft.com/office/drawing/2014/main" id="{E7DB3AE7-E4CD-4EDA-8372-16564775FA28}"/>
-              </a:ext>
-            </a:extLst>
-          </p:cNvPr>
-          <p:cNvCxnSpPr>
-            <a:cxnSpLocks/>
-            <a:endCxn id="31" idx="6"/>
-          </p:cNvCxnSpPr>
-          <p:nvPr/>
-        </p:nvCxnSpPr>
-        <p:spPr>
-          <a:xfrm flipH="1">
-            <a:off x="7137929" y="1846477"/>
-            <a:ext cx="2555571" cy="754702"/>
-          </a:xfrm>
-          <a:prstGeom prst="line">
-            <a:avLst/>
-          </a:prstGeom>
-          <a:ln cap="rnd"/>
-        </p:spPr>
-        <p:style>
-          <a:lnRef idx="3">
-            <a:schemeClr val="accent6"/>
-          </a:lnRef>
-          <a:fillRef idx="0">
-            <a:schemeClr val="accent6"/>
-          </a:fillRef>
-          <a:effectRef idx="2">
-            <a:schemeClr val="accent6"/>
-          </a:effectRef>
-          <a:fontRef idx="minor">
-            <a:schemeClr val="tx1"/>
-          </a:fontRef>
-        </p:style>
-      </p:cxnSp>
-      <p:sp>
-        <p:nvSpPr>
-          <p:cNvPr id="31" name="Oval 30">
-            <a:extLst>
-              <a:ext uri="{FF2B5EF4-FFF2-40B4-BE49-F238E27FC236}">
-                <a16:creationId xmlns:a16="http://schemas.microsoft.com/office/drawing/2014/main" id="{6FFE47B9-57C8-4E04-91FB-14709991813A}"/>
-              </a:ext>
-            </a:extLst>
-          </p:cNvPr>
-          <p:cNvSpPr/>
-          <p:nvPr/>
-        </p:nvSpPr>
-        <p:spPr>
-          <a:xfrm>
-            <a:off x="7004579" y="2534504"/>
-            <a:ext cx="133350" cy="133350"/>
-          </a:xfrm>
-          <a:prstGeom prst="ellipse">
-            <a:avLst/>
-          </a:prstGeom>
-        </p:spPr>
-        <p:style>
-          <a:lnRef idx="2">
-            <a:schemeClr val="accent6"/>
-          </a:lnRef>
-          <a:fillRef idx="1">
-            <a:schemeClr val="lt1"/>
-          </a:fillRef>
-          <a:effectRef idx="0">
-            <a:schemeClr val="accent6"/>
-          </a:effectRef>
-          <a:fontRef idx="minor">
-            <a:schemeClr val="dk1"/>
-          </a:fontRef>
-        </p:style>
-        <p:txBody>
-          <a:bodyPr rtlCol="0" anchor="ctr"/>
-          <a:lstStyle/>
-          <a:p>
-            <a:pPr algn="ctr"/>
-            <a:endParaRPr lang="en-US" dirty="0"/>
-          </a:p>
-        </p:txBody>
-      </p:sp>
-      <p:sp>
-        <p:nvSpPr>
-          <p:cNvPr id="32" name="TextBox 31">
-            <a:extLst>
-              <a:ext uri="{FF2B5EF4-FFF2-40B4-BE49-F238E27FC236}">
-                <a16:creationId xmlns:a16="http://schemas.microsoft.com/office/drawing/2014/main" id="{1BA67ACD-6A40-4ED1-9EF4-C8F06D2CA166}"/>
-              </a:ext>
-            </a:extLst>
-          </p:cNvPr>
-          <p:cNvSpPr txBox="1"/>
-          <p:nvPr/>
-        </p:nvSpPr>
-        <p:spPr>
-          <a:xfrm>
-            <a:off x="10060614" y="1491431"/>
-            <a:ext cx="1187184" cy="369332"/>
-          </a:xfrm>
-          <a:prstGeom prst="rect">
-            <a:avLst/>
-          </a:prstGeom>
-          <a:noFill/>
-        </p:spPr>
-        <p:txBody>
-          <a:bodyPr wrap="none" rtlCol="0">
-            <a:spAutoFit/>
-          </a:bodyPr>
-          <a:lstStyle/>
-          <a:p>
-            <a:r>
-              <a:rPr lang="en-US" dirty="0">
-                <a:solidFill>
-                  <a:schemeClr val="accent6">
-                    <a:lumMod val="75000"/>
-                  </a:schemeClr>
-                </a:solidFill>
-              </a:rPr>
-              <a:t>Meta-Data</a:t>
-            </a:r>
-          </a:p>
-        </p:txBody>
-      </p:sp>
-      <p:sp>
-        <p:nvSpPr>
-          <p:cNvPr id="33" name="TextBox 32">
-            <a:extLst>
-              <a:ext uri="{FF2B5EF4-FFF2-40B4-BE49-F238E27FC236}">
-                <a16:creationId xmlns:a16="http://schemas.microsoft.com/office/drawing/2014/main" id="{E4ED2E01-78B9-4E9E-97D7-97336255BDE0}"/>
-              </a:ext>
-            </a:extLst>
-          </p:cNvPr>
-          <p:cNvSpPr txBox="1"/>
-          <p:nvPr/>
-        </p:nvSpPr>
-        <p:spPr>
-          <a:xfrm>
-            <a:off x="9867204" y="1858620"/>
-            <a:ext cx="1416738" cy="923330"/>
-          </a:xfrm>
-          <a:prstGeom prst="rect">
-            <a:avLst/>
-          </a:prstGeom>
-          <a:noFill/>
-        </p:spPr>
-        <p:txBody>
-          <a:bodyPr wrap="square" rtlCol="0">
-            <a:spAutoFit/>
-          </a:bodyPr>
-          <a:lstStyle/>
-          <a:p>
-            <a:pPr algn="r"/>
-            <a:r>
-              <a:rPr lang="en-US" dirty="0"/>
-              <a:t>Information about the content.</a:t>
-            </a:r>
-          </a:p>
-        </p:txBody>
-      </p:sp>
-      <p:sp>
-        <p:nvSpPr>
-          <p:cNvPr id="38" name="TextBox 37">
-            <a:extLst>
-              <a:ext uri="{FF2B5EF4-FFF2-40B4-BE49-F238E27FC236}">
-                <a16:creationId xmlns:a16="http://schemas.microsoft.com/office/drawing/2014/main" id="{91D2CAB9-EF2E-4B5B-B20A-806B6DD60F42}"/>
-              </a:ext>
-            </a:extLst>
-          </p:cNvPr>
-          <p:cNvSpPr txBox="1"/>
-          <p:nvPr/>
-        </p:nvSpPr>
-        <p:spPr>
-          <a:xfrm>
-            <a:off x="0" y="250222"/>
-            <a:ext cx="12192000" cy="523220"/>
-          </a:xfrm>
-          <a:prstGeom prst="rect">
-            <a:avLst/>
-          </a:prstGeom>
-          <a:noFill/>
-        </p:spPr>
-        <p:txBody>
-          <a:bodyPr wrap="square" rtlCol="0">
-            <a:spAutoFit/>
-          </a:bodyPr>
-          <a:lstStyle/>
-          <a:p>
-            <a:pPr algn="ctr"/>
-            <a:r>
-              <a:rPr lang="en-US" sz="2800" dirty="0">
-                <a:solidFill>
-                  <a:schemeClr val="accent6">
-                    <a:lumMod val="75000"/>
-                  </a:schemeClr>
-                </a:solidFill>
-              </a:rPr>
-              <a:t>Protocols are like [Pizza] Boxes</a:t>
-            </a:r>
-          </a:p>
-        </p:txBody>
-      </p:sp>
-      <p:grpSp>
-        <p:nvGrpSpPr>
-          <p:cNvPr id="49" name="Group 48">
-            <a:extLst>
-              <a:ext uri="{FF2B5EF4-FFF2-40B4-BE49-F238E27FC236}">
-                <a16:creationId xmlns:a16="http://schemas.microsoft.com/office/drawing/2014/main" id="{B8CE06AF-2806-4107-95D9-AAC286CC343B}"/>
-              </a:ext>
-            </a:extLst>
-          </p:cNvPr>
-          <p:cNvGrpSpPr/>
-          <p:nvPr/>
-        </p:nvGrpSpPr>
-        <p:grpSpPr>
-          <a:xfrm>
-            <a:off x="3766877" y="629685"/>
-            <a:ext cx="4498072" cy="297874"/>
-            <a:chOff x="3971469" y="624781"/>
-            <a:chExt cx="4498072" cy="297874"/>
-          </a:xfrm>
-        </p:grpSpPr>
-        <p:cxnSp>
-          <p:nvCxnSpPr>
-            <p:cNvPr id="40" name="Straight Connector 39">
-              <a:extLst>
-                <a:ext uri="{FF2B5EF4-FFF2-40B4-BE49-F238E27FC236}">
-                  <a16:creationId xmlns:a16="http://schemas.microsoft.com/office/drawing/2014/main" id="{D6E0AC31-61D0-4CE2-AA3B-3C6978E8704A}"/>
-                </a:ext>
-              </a:extLst>
-            </p:cNvPr>
-            <p:cNvCxnSpPr/>
-            <p:nvPr/>
-          </p:nvCxnSpPr>
-          <p:spPr>
-            <a:xfrm>
-              <a:off x="5170031" y="773442"/>
-              <a:ext cx="2057400" cy="0"/>
-            </a:xfrm>
-            <a:prstGeom prst="line">
-              <a:avLst/>
-            </a:prstGeom>
-            <a:ln cap="rnd"/>
-          </p:spPr>
-          <p:style>
-            <a:lnRef idx="3">
-              <a:schemeClr val="accent6"/>
-            </a:lnRef>
-            <a:fillRef idx="0">
-              <a:schemeClr val="accent6"/>
-            </a:fillRef>
-            <a:effectRef idx="2">
-              <a:schemeClr val="accent6"/>
-            </a:effectRef>
-            <a:fontRef idx="minor">
-              <a:schemeClr val="tx1"/>
-            </a:fontRef>
-          </p:style>
-        </p:cxnSp>
-        <p:cxnSp>
-          <p:nvCxnSpPr>
-            <p:cNvPr id="41" name="Straight Connector 40">
-              <a:extLst>
-                <a:ext uri="{FF2B5EF4-FFF2-40B4-BE49-F238E27FC236}">
-                  <a16:creationId xmlns:a16="http://schemas.microsoft.com/office/drawing/2014/main" id="{B388F3BF-FB37-4435-8519-443F06647178}"/>
-                </a:ext>
-              </a:extLst>
-            </p:cNvPr>
-            <p:cNvCxnSpPr>
-              <a:cxnSpLocks/>
-            </p:cNvCxnSpPr>
-            <p:nvPr/>
-          </p:nvCxnSpPr>
-          <p:spPr>
-            <a:xfrm>
-              <a:off x="7349270" y="697242"/>
-              <a:ext cx="1027511" cy="0"/>
-            </a:xfrm>
-            <a:prstGeom prst="line">
-              <a:avLst/>
-            </a:prstGeom>
-            <a:ln cap="rnd"/>
-          </p:spPr>
-          <p:style>
-            <a:lnRef idx="3">
-              <a:schemeClr val="accent6"/>
-            </a:lnRef>
-            <a:fillRef idx="0">
-              <a:schemeClr val="accent6"/>
-            </a:fillRef>
-            <a:effectRef idx="2">
-              <a:schemeClr val="accent6"/>
-            </a:effectRef>
-            <a:fontRef idx="minor">
-              <a:schemeClr val="tx1"/>
-            </a:fontRef>
-          </p:style>
-        </p:cxnSp>
-        <p:cxnSp>
-          <p:nvCxnSpPr>
-            <p:cNvPr id="43" name="Straight Connector 42">
-              <a:extLst>
-                <a:ext uri="{FF2B5EF4-FFF2-40B4-BE49-F238E27FC236}">
-                  <a16:creationId xmlns:a16="http://schemas.microsoft.com/office/drawing/2014/main" id="{EC5F7052-9710-4CD3-8A81-EEE0E9A7244C}"/>
-                </a:ext>
-              </a:extLst>
-            </p:cNvPr>
-            <p:cNvCxnSpPr>
-              <a:cxnSpLocks/>
-            </p:cNvCxnSpPr>
-            <p:nvPr/>
-          </p:nvCxnSpPr>
-          <p:spPr>
-            <a:xfrm flipV="1">
-              <a:off x="7227431" y="697242"/>
-              <a:ext cx="121839" cy="76200"/>
-            </a:xfrm>
-            <a:prstGeom prst="line">
-              <a:avLst/>
-            </a:prstGeom>
-            <a:ln cap="rnd"/>
-          </p:spPr>
-          <p:style>
-            <a:lnRef idx="3">
-              <a:schemeClr val="accent6"/>
-            </a:lnRef>
-            <a:fillRef idx="0">
-              <a:schemeClr val="accent6"/>
-            </a:fillRef>
-            <a:effectRef idx="2">
-              <a:schemeClr val="accent6"/>
-            </a:effectRef>
-            <a:fontRef idx="minor">
-              <a:schemeClr val="tx1"/>
-            </a:fontRef>
-          </p:style>
-        </p:cxnSp>
-        <p:cxnSp>
-          <p:nvCxnSpPr>
-            <p:cNvPr id="46" name="Straight Connector 45">
-              <a:extLst>
-                <a:ext uri="{FF2B5EF4-FFF2-40B4-BE49-F238E27FC236}">
-                  <a16:creationId xmlns:a16="http://schemas.microsoft.com/office/drawing/2014/main" id="{C86B609C-3E9D-4EA1-9D7B-7AD108C8C57B}"/>
-                </a:ext>
-              </a:extLst>
-            </p:cNvPr>
-            <p:cNvCxnSpPr>
-              <a:cxnSpLocks/>
-            </p:cNvCxnSpPr>
-            <p:nvPr/>
-          </p:nvCxnSpPr>
-          <p:spPr>
-            <a:xfrm flipV="1">
-              <a:off x="5048192" y="773442"/>
-              <a:ext cx="121839" cy="76200"/>
-            </a:xfrm>
-            <a:prstGeom prst="line">
-              <a:avLst/>
-            </a:prstGeom>
-            <a:ln cap="rnd"/>
-          </p:spPr>
-          <p:style>
-            <a:lnRef idx="3">
-              <a:schemeClr val="accent6"/>
-            </a:lnRef>
-            <a:fillRef idx="0">
-              <a:schemeClr val="accent6"/>
-            </a:fillRef>
-            <a:effectRef idx="2">
-              <a:schemeClr val="accent6"/>
-            </a:effectRef>
-            <a:fontRef idx="minor">
-              <a:schemeClr val="tx1"/>
-            </a:fontRef>
-          </p:style>
-        </p:cxnSp>
-        <p:cxnSp>
-          <p:nvCxnSpPr>
-            <p:cNvPr id="47" name="Straight Connector 46">
-              <a:extLst>
-                <a:ext uri="{FF2B5EF4-FFF2-40B4-BE49-F238E27FC236}">
-                  <a16:creationId xmlns:a16="http://schemas.microsoft.com/office/drawing/2014/main" id="{0D690C07-0109-4CEC-B0CC-434EED608911}"/>
-                </a:ext>
-              </a:extLst>
-            </p:cNvPr>
-            <p:cNvCxnSpPr>
-              <a:cxnSpLocks/>
-            </p:cNvCxnSpPr>
-            <p:nvPr/>
-          </p:nvCxnSpPr>
-          <p:spPr>
-            <a:xfrm flipV="1">
-              <a:off x="4021655" y="849642"/>
-              <a:ext cx="1026537" cy="11668"/>
-            </a:xfrm>
-            <a:prstGeom prst="line">
-              <a:avLst/>
-            </a:prstGeom>
-            <a:ln cap="rnd"/>
-          </p:spPr>
-          <p:style>
-            <a:lnRef idx="3">
-              <a:schemeClr val="accent6"/>
-            </a:lnRef>
-            <a:fillRef idx="0">
-              <a:schemeClr val="accent6"/>
-            </a:fillRef>
-            <a:effectRef idx="2">
-              <a:schemeClr val="accent6"/>
-            </a:effectRef>
-            <a:fontRef idx="minor">
-              <a:schemeClr val="tx1"/>
-            </a:fontRef>
-          </p:style>
-        </p:cxnSp>
-        <p:sp>
-          <p:nvSpPr>
-            <p:cNvPr id="50" name="Oval 49">
-              <a:extLst>
-                <a:ext uri="{FF2B5EF4-FFF2-40B4-BE49-F238E27FC236}">
-                  <a16:creationId xmlns:a16="http://schemas.microsoft.com/office/drawing/2014/main" id="{EEA3A56A-D77B-4804-9467-3C2325189A39}"/>
-                </a:ext>
-              </a:extLst>
-            </p:cNvPr>
-            <p:cNvSpPr/>
-            <p:nvPr/>
-          </p:nvSpPr>
-          <p:spPr>
-            <a:xfrm>
-              <a:off x="3971469" y="789305"/>
-              <a:ext cx="133350" cy="133350"/>
-            </a:xfrm>
-            <a:prstGeom prst="ellipse">
-              <a:avLst/>
-            </a:prstGeom>
-          </p:spPr>
-          <p:style>
-            <a:lnRef idx="2">
-              <a:schemeClr val="accent6"/>
-            </a:lnRef>
-            <a:fillRef idx="1">
-              <a:schemeClr val="lt1"/>
-            </a:fillRef>
-            <a:effectRef idx="0">
-              <a:schemeClr val="accent6"/>
-            </a:effectRef>
-            <a:fontRef idx="minor">
-              <a:schemeClr val="dk1"/>
-            </a:fontRef>
-          </p:style>
-          <p:txBody>
-            <a:bodyPr rtlCol="0" anchor="ctr"/>
-            <a:lstStyle/>
-            <a:p>
-              <a:pPr algn="ctr"/>
-              <a:endParaRPr lang="en-US" i="1" dirty="0"/>
-            </a:p>
-          </p:txBody>
-        </p:sp>
-        <p:sp>
-          <p:nvSpPr>
-            <p:cNvPr id="51" name="Oval 50">
-              <a:extLst>
-                <a:ext uri="{FF2B5EF4-FFF2-40B4-BE49-F238E27FC236}">
-                  <a16:creationId xmlns:a16="http://schemas.microsoft.com/office/drawing/2014/main" id="{488A40C9-3C11-477D-B0FB-19648893F367}"/>
-                </a:ext>
-              </a:extLst>
-            </p:cNvPr>
-            <p:cNvSpPr/>
-            <p:nvPr/>
-          </p:nvSpPr>
-          <p:spPr>
-            <a:xfrm>
-              <a:off x="8336191" y="624781"/>
-              <a:ext cx="133350" cy="133350"/>
-            </a:xfrm>
-            <a:prstGeom prst="ellipse">
-              <a:avLst/>
-            </a:prstGeom>
-          </p:spPr>
-          <p:style>
-            <a:lnRef idx="2">
-              <a:schemeClr val="accent6"/>
-            </a:lnRef>
-            <a:fillRef idx="1">
-              <a:schemeClr val="lt1"/>
-            </a:fillRef>
-            <a:effectRef idx="0">
-              <a:schemeClr val="accent6"/>
-            </a:effectRef>
-            <a:fontRef idx="minor">
-              <a:schemeClr val="dk1"/>
-            </a:fontRef>
-          </p:style>
-          <p:txBody>
-            <a:bodyPr rtlCol="0" anchor="ctr"/>
-            <a:lstStyle/>
-            <a:p>
-              <a:pPr algn="ctr"/>
-              <a:endParaRPr lang="en-US" i="1" dirty="0"/>
-            </a:p>
-          </p:txBody>
-        </p:sp>
-      </p:grpSp>
-      <p:cxnSp>
-        <p:nvCxnSpPr>
-          <p:cNvPr id="48" name="Straight Connector 47">
-            <a:extLst>
-              <a:ext uri="{FF2B5EF4-FFF2-40B4-BE49-F238E27FC236}">
-                <a16:creationId xmlns:a16="http://schemas.microsoft.com/office/drawing/2014/main" id="{D960A732-7D82-4432-825E-DCAFE0FE2334}"/>
-              </a:ext>
-            </a:extLst>
-          </p:cNvPr>
-          <p:cNvCxnSpPr>
-            <a:cxnSpLocks/>
-          </p:cNvCxnSpPr>
-          <p:nvPr/>
-        </p:nvCxnSpPr>
-        <p:spPr>
-          <a:xfrm>
-            <a:off x="1913778" y="4657266"/>
-            <a:ext cx="1594494" cy="0"/>
-          </a:xfrm>
-          <a:prstGeom prst="line">
-            <a:avLst/>
-          </a:prstGeom>
-          <a:ln cap="rnd"/>
-        </p:spPr>
-        <p:style>
-          <a:lnRef idx="3">
-            <a:schemeClr val="accent6"/>
-          </a:lnRef>
-          <a:fillRef idx="0">
-            <a:schemeClr val="accent6"/>
-          </a:fillRef>
-          <a:effectRef idx="2">
-            <a:schemeClr val="accent6"/>
-          </a:effectRef>
-          <a:fontRef idx="minor">
-            <a:schemeClr val="tx1"/>
-          </a:fontRef>
-        </p:style>
-      </p:cxnSp>
-      <p:cxnSp>
-        <p:nvCxnSpPr>
-          <p:cNvPr id="52" name="Straight Connector 51">
-            <a:extLst>
-              <a:ext uri="{FF2B5EF4-FFF2-40B4-BE49-F238E27FC236}">
-                <a16:creationId xmlns:a16="http://schemas.microsoft.com/office/drawing/2014/main" id="{9EA4A6AC-0213-4354-98AC-DD79623B7615}"/>
-              </a:ext>
-            </a:extLst>
-          </p:cNvPr>
-          <p:cNvCxnSpPr>
-            <a:cxnSpLocks/>
-            <a:endCxn id="53" idx="1"/>
-          </p:cNvCxnSpPr>
-          <p:nvPr/>
-        </p:nvCxnSpPr>
-        <p:spPr>
-          <a:xfrm>
-            <a:off x="3508272" y="4657266"/>
-            <a:ext cx="517210" cy="441052"/>
-          </a:xfrm>
-          <a:prstGeom prst="line">
-            <a:avLst/>
-          </a:prstGeom>
-          <a:ln cap="rnd"/>
-        </p:spPr>
-        <p:style>
-          <a:lnRef idx="3">
-            <a:schemeClr val="accent6"/>
-          </a:lnRef>
-          <a:fillRef idx="0">
-            <a:schemeClr val="accent6"/>
-          </a:fillRef>
-          <a:effectRef idx="2">
-            <a:schemeClr val="accent6"/>
-          </a:effectRef>
-          <a:fontRef idx="minor">
-            <a:schemeClr val="tx1"/>
-          </a:fontRef>
-        </p:style>
-      </p:cxnSp>
-      <p:sp>
-        <p:nvSpPr>
-          <p:cNvPr id="53" name="Oval 52">
-            <a:extLst>
-              <a:ext uri="{FF2B5EF4-FFF2-40B4-BE49-F238E27FC236}">
-                <a16:creationId xmlns:a16="http://schemas.microsoft.com/office/drawing/2014/main" id="{D09B7019-2E0F-495A-940B-EFC415D75B5C}"/>
-              </a:ext>
-            </a:extLst>
-          </p:cNvPr>
-          <p:cNvSpPr/>
-          <p:nvPr/>
-        </p:nvSpPr>
-        <p:spPr>
-          <a:xfrm>
-            <a:off x="4005953" y="5078789"/>
-            <a:ext cx="133350" cy="133350"/>
-          </a:xfrm>
-          <a:prstGeom prst="ellipse">
-            <a:avLst/>
-          </a:prstGeom>
-        </p:spPr>
-        <p:style>
-          <a:lnRef idx="2">
-            <a:schemeClr val="accent6"/>
-          </a:lnRef>
-          <a:fillRef idx="1">
-            <a:schemeClr val="lt1"/>
-          </a:fillRef>
-          <a:effectRef idx="0">
-            <a:schemeClr val="accent6"/>
-          </a:effectRef>
-          <a:fontRef idx="minor">
-            <a:schemeClr val="dk1"/>
-          </a:fontRef>
-        </p:style>
-        <p:txBody>
-          <a:bodyPr rtlCol="0" anchor="ctr"/>
-          <a:lstStyle/>
-          <a:p>
-            <a:pPr algn="ctr"/>
-            <a:endParaRPr lang="en-US" dirty="0"/>
-          </a:p>
-        </p:txBody>
-      </p:sp>
-      <p:sp>
-        <p:nvSpPr>
-          <p:cNvPr id="54" name="TextBox 53">
-            <a:extLst>
-              <a:ext uri="{FF2B5EF4-FFF2-40B4-BE49-F238E27FC236}">
-                <a16:creationId xmlns:a16="http://schemas.microsoft.com/office/drawing/2014/main" id="{FD1212CE-5918-4296-AFDE-C8957B579882}"/>
-              </a:ext>
-            </a:extLst>
-          </p:cNvPr>
-          <p:cNvSpPr txBox="1"/>
-          <p:nvPr/>
-        </p:nvSpPr>
-        <p:spPr>
-          <a:xfrm>
-            <a:off x="2060463" y="4342119"/>
-            <a:ext cx="540533" cy="369332"/>
-          </a:xfrm>
-          <a:prstGeom prst="rect">
-            <a:avLst/>
-          </a:prstGeom>
-          <a:noFill/>
-        </p:spPr>
-        <p:txBody>
-          <a:bodyPr wrap="none" rtlCol="0">
-            <a:spAutoFit/>
-          </a:bodyPr>
-          <a:lstStyle/>
-          <a:p>
-            <a:r>
-              <a:rPr lang="en-US" dirty="0">
-                <a:solidFill>
-                  <a:schemeClr val="accent6">
-                    <a:lumMod val="75000"/>
-                  </a:schemeClr>
-                </a:solidFill>
-              </a:rPr>
-              <a:t>End</a:t>
-            </a:r>
-          </a:p>
-        </p:txBody>
-      </p:sp>
-      <p:sp>
-        <p:nvSpPr>
-          <p:cNvPr id="55" name="TextBox 54">
-            <a:extLst>
-              <a:ext uri="{FF2B5EF4-FFF2-40B4-BE49-F238E27FC236}">
-                <a16:creationId xmlns:a16="http://schemas.microsoft.com/office/drawing/2014/main" id="{85A4BF76-C8F0-4A37-9405-906DADA9FA8E}"/>
-              </a:ext>
-            </a:extLst>
-          </p:cNvPr>
-          <p:cNvSpPr txBox="1"/>
-          <p:nvPr/>
-        </p:nvSpPr>
-        <p:spPr>
-          <a:xfrm>
-            <a:off x="1900865" y="4693126"/>
-            <a:ext cx="1447811" cy="923330"/>
-          </a:xfrm>
-          <a:prstGeom prst="rect">
-            <a:avLst/>
-          </a:prstGeom>
-          <a:noFill/>
-        </p:spPr>
-        <p:txBody>
-          <a:bodyPr wrap="square" rtlCol="0">
-            <a:spAutoFit/>
-          </a:bodyPr>
-          <a:lstStyle/>
-          <a:p>
-            <a:r>
-              <a:rPr lang="en-US" dirty="0"/>
-              <a:t>Crucial! Where do we stop?</a:t>
-            </a:r>
-          </a:p>
-        </p:txBody>
-      </p:sp>
-      <p:sp>
-        <p:nvSpPr>
-          <p:cNvPr id="39" name="TextBox 38">
-            <a:extLst>
-              <a:ext uri="{FF2B5EF4-FFF2-40B4-BE49-F238E27FC236}">
-                <a16:creationId xmlns:a16="http://schemas.microsoft.com/office/drawing/2014/main" id="{503665B2-CB9D-404E-AC67-382951C4EBA0}"/>
-              </a:ext>
-            </a:extLst>
-          </p:cNvPr>
-          <p:cNvSpPr txBox="1"/>
-          <p:nvPr/>
-        </p:nvSpPr>
-        <p:spPr>
-          <a:xfrm>
-            <a:off x="4367903" y="6103239"/>
-            <a:ext cx="6096646" cy="369332"/>
-          </a:xfrm>
-          <a:prstGeom prst="rect">
-            <a:avLst/>
-          </a:prstGeom>
-          <a:noFill/>
-        </p:spPr>
-        <p:txBody>
-          <a:bodyPr wrap="square">
-            <a:spAutoFit/>
-          </a:bodyPr>
-          <a:lstStyle/>
-          <a:p>
-            <a:r>
-              <a:rPr lang="en-US" dirty="0">
-                <a:hlinkClick r:id="rId2"/>
-              </a:rPr>
-              <a:t>http://www.evolutionoftheweb.com/</a:t>
-            </a:r>
-            <a:endParaRPr lang="en-US" dirty="0"/>
-          </a:p>
-        </p:txBody>
-      </p:sp>
-    </p:spTree>
-    <p:extLst>
-      <p:ext uri="{BB962C8B-B14F-4D97-AF65-F5344CB8AC3E}">
-        <p14:creationId xmlns:p14="http://schemas.microsoft.com/office/powerpoint/2010/main" val="881813516"/>
       </p:ext>
     </p:extLst>
   </p:cSld>

--- a/Network Parts and Terms.pptx
+++ b/Network Parts and Terms.pptx
@@ -19,6 +19,8 @@
     <p:sldId id="274" r:id="rId13"/>
     <p:sldId id="275" r:id="rId14"/>
     <p:sldId id="276" r:id="rId15"/>
+    <p:sldId id="286" r:id="rId16"/>
+    <p:sldId id="287" r:id="rId17"/>
   </p:sldIdLst>
   <p:sldSz cx="12192000" cy="6858000"/>
   <p:notesSz cx="6858000" cy="9144000"/>
@@ -11587,6 +11589,5775 @@
     <p:extLst>
       <p:ext uri="{BB962C8B-B14F-4D97-AF65-F5344CB8AC3E}">
         <p14:creationId xmlns:p14="http://schemas.microsoft.com/office/powerpoint/2010/main" val="1097698168"/>
+      </p:ext>
+    </p:extLst>
+  </p:cSld>
+  <p:clrMapOvr>
+    <a:masterClrMapping/>
+  </p:clrMapOvr>
+</p:sld>
+</file>
+
+<file path=ppt/slides/slide14.xml><?xml version="1.0" encoding="utf-8"?>
+<p:sld xmlns:a="http://schemas.openxmlformats.org/drawingml/2006/main" xmlns:r="http://schemas.openxmlformats.org/officeDocument/2006/relationships" xmlns:p="http://schemas.openxmlformats.org/presentationml/2006/main">
+  <p:cSld>
+    <p:spTree>
+      <p:nvGrpSpPr>
+        <p:cNvPr id="1" name=""/>
+        <p:cNvGrpSpPr/>
+        <p:nvPr/>
+      </p:nvGrpSpPr>
+      <p:grpSpPr>
+        <a:xfrm>
+          <a:off x="0" y="0"/>
+          <a:ext cx="0" cy="0"/>
+          <a:chOff x="0" y="0"/>
+          <a:chExt cx="0" cy="0"/>
+        </a:xfrm>
+      </p:grpSpPr>
+      <p:sp>
+        <p:nvSpPr>
+          <p:cNvPr id="2" name="Rectangle 1" hidden="1">
+            <a:extLst>
+              <a:ext uri="{FF2B5EF4-FFF2-40B4-BE49-F238E27FC236}">
+                <a16:creationId xmlns:a16="http://schemas.microsoft.com/office/drawing/2014/main" id="{5CCCBFA1-FDCD-4E57-81CE-6E0F8D7901BF}"/>
+              </a:ext>
+            </a:extLst>
+          </p:cNvPr>
+          <p:cNvSpPr/>
+          <p:nvPr/>
+        </p:nvSpPr>
+        <p:spPr>
+          <a:xfrm>
+            <a:off x="0" y="0"/>
+            <a:ext cx="12192000" cy="6858000"/>
+          </a:xfrm>
+          <a:prstGeom prst="rect">
+            <a:avLst/>
+          </a:prstGeom>
+          <a:solidFill>
+            <a:schemeClr val="bg1"/>
+          </a:solidFill>
+          <a:ln>
+            <a:noFill/>
+          </a:ln>
+        </p:spPr>
+        <p:style>
+          <a:lnRef idx="2">
+            <a:schemeClr val="accent1">
+              <a:shade val="50000"/>
+            </a:schemeClr>
+          </a:lnRef>
+          <a:fillRef idx="1">
+            <a:schemeClr val="accent1"/>
+          </a:fillRef>
+          <a:effectRef idx="0">
+            <a:schemeClr val="accent1"/>
+          </a:effectRef>
+          <a:fontRef idx="minor">
+            <a:schemeClr val="lt1"/>
+          </a:fontRef>
+        </p:style>
+        <p:txBody>
+          <a:bodyPr rtlCol="0" anchor="ctr"/>
+          <a:lstStyle/>
+          <a:p>
+            <a:pPr algn="ctr"/>
+            <a:endParaRPr lang="en-US" dirty="0"/>
+          </a:p>
+        </p:txBody>
+      </p:sp>
+      <p:sp>
+        <p:nvSpPr>
+          <p:cNvPr id="38" name="TextBox 37">
+            <a:extLst>
+              <a:ext uri="{FF2B5EF4-FFF2-40B4-BE49-F238E27FC236}">
+                <a16:creationId xmlns:a16="http://schemas.microsoft.com/office/drawing/2014/main" id="{91D2CAB9-EF2E-4B5B-B20A-806B6DD60F42}"/>
+              </a:ext>
+            </a:extLst>
+          </p:cNvPr>
+          <p:cNvSpPr txBox="1"/>
+          <p:nvPr/>
+        </p:nvSpPr>
+        <p:spPr>
+          <a:xfrm>
+            <a:off x="3397135" y="250222"/>
+            <a:ext cx="5397730" cy="523220"/>
+          </a:xfrm>
+          <a:prstGeom prst="rect">
+            <a:avLst/>
+          </a:prstGeom>
+          <a:noFill/>
+        </p:spPr>
+        <p:txBody>
+          <a:bodyPr wrap="square" rtlCol="0">
+            <a:spAutoFit/>
+          </a:bodyPr>
+          <a:lstStyle/>
+          <a:p>
+            <a:pPr algn="ctr"/>
+            <a:r>
+              <a:rPr lang="en-US" sz="2800" dirty="0">
+                <a:solidFill>
+                  <a:schemeClr val="accent6">
+                    <a:lumMod val="75000"/>
+                  </a:schemeClr>
+                </a:solidFill>
+              </a:rPr>
+              <a:t>When is a Server not a Server?</a:t>
+            </a:r>
+          </a:p>
+        </p:txBody>
+      </p:sp>
+      <p:grpSp>
+        <p:nvGrpSpPr>
+          <p:cNvPr id="49" name="Group 48">
+            <a:extLst>
+              <a:ext uri="{FF2B5EF4-FFF2-40B4-BE49-F238E27FC236}">
+                <a16:creationId xmlns:a16="http://schemas.microsoft.com/office/drawing/2014/main" id="{B8CE06AF-2806-4107-95D9-AAC286CC343B}"/>
+              </a:ext>
+            </a:extLst>
+          </p:cNvPr>
+          <p:cNvGrpSpPr/>
+          <p:nvPr/>
+        </p:nvGrpSpPr>
+        <p:grpSpPr>
+          <a:xfrm>
+            <a:off x="3766877" y="629685"/>
+            <a:ext cx="4498072" cy="297874"/>
+            <a:chOff x="3971469" y="624781"/>
+            <a:chExt cx="4498072" cy="297874"/>
+          </a:xfrm>
+        </p:grpSpPr>
+        <p:cxnSp>
+          <p:nvCxnSpPr>
+            <p:cNvPr id="40" name="Straight Connector 39">
+              <a:extLst>
+                <a:ext uri="{FF2B5EF4-FFF2-40B4-BE49-F238E27FC236}">
+                  <a16:creationId xmlns:a16="http://schemas.microsoft.com/office/drawing/2014/main" id="{D6E0AC31-61D0-4CE2-AA3B-3C6978E8704A}"/>
+                </a:ext>
+              </a:extLst>
+            </p:cNvPr>
+            <p:cNvCxnSpPr/>
+            <p:nvPr/>
+          </p:nvCxnSpPr>
+          <p:spPr>
+            <a:xfrm>
+              <a:off x="5170031" y="773442"/>
+              <a:ext cx="2057400" cy="0"/>
+            </a:xfrm>
+            <a:prstGeom prst="line">
+              <a:avLst/>
+            </a:prstGeom>
+            <a:ln cap="rnd"/>
+          </p:spPr>
+          <p:style>
+            <a:lnRef idx="3">
+              <a:schemeClr val="accent6"/>
+            </a:lnRef>
+            <a:fillRef idx="0">
+              <a:schemeClr val="accent6"/>
+            </a:fillRef>
+            <a:effectRef idx="2">
+              <a:schemeClr val="accent6"/>
+            </a:effectRef>
+            <a:fontRef idx="minor">
+              <a:schemeClr val="tx1"/>
+            </a:fontRef>
+          </p:style>
+        </p:cxnSp>
+        <p:cxnSp>
+          <p:nvCxnSpPr>
+            <p:cNvPr id="41" name="Straight Connector 40">
+              <a:extLst>
+                <a:ext uri="{FF2B5EF4-FFF2-40B4-BE49-F238E27FC236}">
+                  <a16:creationId xmlns:a16="http://schemas.microsoft.com/office/drawing/2014/main" id="{B388F3BF-FB37-4435-8519-443F06647178}"/>
+                </a:ext>
+              </a:extLst>
+            </p:cNvPr>
+            <p:cNvCxnSpPr>
+              <a:cxnSpLocks/>
+            </p:cNvCxnSpPr>
+            <p:nvPr/>
+          </p:nvCxnSpPr>
+          <p:spPr>
+            <a:xfrm>
+              <a:off x="7349270" y="697242"/>
+              <a:ext cx="1027511" cy="0"/>
+            </a:xfrm>
+            <a:prstGeom prst="line">
+              <a:avLst/>
+            </a:prstGeom>
+            <a:ln cap="rnd"/>
+          </p:spPr>
+          <p:style>
+            <a:lnRef idx="3">
+              <a:schemeClr val="accent6"/>
+            </a:lnRef>
+            <a:fillRef idx="0">
+              <a:schemeClr val="accent6"/>
+            </a:fillRef>
+            <a:effectRef idx="2">
+              <a:schemeClr val="accent6"/>
+            </a:effectRef>
+            <a:fontRef idx="minor">
+              <a:schemeClr val="tx1"/>
+            </a:fontRef>
+          </p:style>
+        </p:cxnSp>
+        <p:cxnSp>
+          <p:nvCxnSpPr>
+            <p:cNvPr id="43" name="Straight Connector 42">
+              <a:extLst>
+                <a:ext uri="{FF2B5EF4-FFF2-40B4-BE49-F238E27FC236}">
+                  <a16:creationId xmlns:a16="http://schemas.microsoft.com/office/drawing/2014/main" id="{EC5F7052-9710-4CD3-8A81-EEE0E9A7244C}"/>
+                </a:ext>
+              </a:extLst>
+            </p:cNvPr>
+            <p:cNvCxnSpPr>
+              <a:cxnSpLocks/>
+            </p:cNvCxnSpPr>
+            <p:nvPr/>
+          </p:nvCxnSpPr>
+          <p:spPr>
+            <a:xfrm flipV="1">
+              <a:off x="7227431" y="697242"/>
+              <a:ext cx="121839" cy="76200"/>
+            </a:xfrm>
+            <a:prstGeom prst="line">
+              <a:avLst/>
+            </a:prstGeom>
+            <a:ln cap="rnd"/>
+          </p:spPr>
+          <p:style>
+            <a:lnRef idx="3">
+              <a:schemeClr val="accent6"/>
+            </a:lnRef>
+            <a:fillRef idx="0">
+              <a:schemeClr val="accent6"/>
+            </a:fillRef>
+            <a:effectRef idx="2">
+              <a:schemeClr val="accent6"/>
+            </a:effectRef>
+            <a:fontRef idx="minor">
+              <a:schemeClr val="tx1"/>
+            </a:fontRef>
+          </p:style>
+        </p:cxnSp>
+        <p:cxnSp>
+          <p:nvCxnSpPr>
+            <p:cNvPr id="46" name="Straight Connector 45">
+              <a:extLst>
+                <a:ext uri="{FF2B5EF4-FFF2-40B4-BE49-F238E27FC236}">
+                  <a16:creationId xmlns:a16="http://schemas.microsoft.com/office/drawing/2014/main" id="{C86B609C-3E9D-4EA1-9D7B-7AD108C8C57B}"/>
+                </a:ext>
+              </a:extLst>
+            </p:cNvPr>
+            <p:cNvCxnSpPr>
+              <a:cxnSpLocks/>
+            </p:cNvCxnSpPr>
+            <p:nvPr/>
+          </p:nvCxnSpPr>
+          <p:spPr>
+            <a:xfrm flipV="1">
+              <a:off x="5048192" y="773442"/>
+              <a:ext cx="121839" cy="76200"/>
+            </a:xfrm>
+            <a:prstGeom prst="line">
+              <a:avLst/>
+            </a:prstGeom>
+            <a:ln cap="rnd"/>
+          </p:spPr>
+          <p:style>
+            <a:lnRef idx="3">
+              <a:schemeClr val="accent6"/>
+            </a:lnRef>
+            <a:fillRef idx="0">
+              <a:schemeClr val="accent6"/>
+            </a:fillRef>
+            <a:effectRef idx="2">
+              <a:schemeClr val="accent6"/>
+            </a:effectRef>
+            <a:fontRef idx="minor">
+              <a:schemeClr val="tx1"/>
+            </a:fontRef>
+          </p:style>
+        </p:cxnSp>
+        <p:cxnSp>
+          <p:nvCxnSpPr>
+            <p:cNvPr id="47" name="Straight Connector 46">
+              <a:extLst>
+                <a:ext uri="{FF2B5EF4-FFF2-40B4-BE49-F238E27FC236}">
+                  <a16:creationId xmlns:a16="http://schemas.microsoft.com/office/drawing/2014/main" id="{0D690C07-0109-4CEC-B0CC-434EED608911}"/>
+                </a:ext>
+              </a:extLst>
+            </p:cNvPr>
+            <p:cNvCxnSpPr>
+              <a:cxnSpLocks/>
+            </p:cNvCxnSpPr>
+            <p:nvPr/>
+          </p:nvCxnSpPr>
+          <p:spPr>
+            <a:xfrm flipV="1">
+              <a:off x="4021655" y="849642"/>
+              <a:ext cx="1026537" cy="11668"/>
+            </a:xfrm>
+            <a:prstGeom prst="line">
+              <a:avLst/>
+            </a:prstGeom>
+            <a:ln cap="rnd"/>
+          </p:spPr>
+          <p:style>
+            <a:lnRef idx="3">
+              <a:schemeClr val="accent6"/>
+            </a:lnRef>
+            <a:fillRef idx="0">
+              <a:schemeClr val="accent6"/>
+            </a:fillRef>
+            <a:effectRef idx="2">
+              <a:schemeClr val="accent6"/>
+            </a:effectRef>
+            <a:fontRef idx="minor">
+              <a:schemeClr val="tx1"/>
+            </a:fontRef>
+          </p:style>
+        </p:cxnSp>
+        <p:sp>
+          <p:nvSpPr>
+            <p:cNvPr id="50" name="Oval 49">
+              <a:extLst>
+                <a:ext uri="{FF2B5EF4-FFF2-40B4-BE49-F238E27FC236}">
+                  <a16:creationId xmlns:a16="http://schemas.microsoft.com/office/drawing/2014/main" id="{EEA3A56A-D77B-4804-9467-3C2325189A39}"/>
+                </a:ext>
+              </a:extLst>
+            </p:cNvPr>
+            <p:cNvSpPr/>
+            <p:nvPr/>
+          </p:nvSpPr>
+          <p:spPr>
+            <a:xfrm>
+              <a:off x="3971469" y="789305"/>
+              <a:ext cx="133350" cy="133350"/>
+            </a:xfrm>
+            <a:prstGeom prst="ellipse">
+              <a:avLst/>
+            </a:prstGeom>
+          </p:spPr>
+          <p:style>
+            <a:lnRef idx="2">
+              <a:schemeClr val="accent6"/>
+            </a:lnRef>
+            <a:fillRef idx="1">
+              <a:schemeClr val="lt1"/>
+            </a:fillRef>
+            <a:effectRef idx="0">
+              <a:schemeClr val="accent6"/>
+            </a:effectRef>
+            <a:fontRef idx="minor">
+              <a:schemeClr val="dk1"/>
+            </a:fontRef>
+          </p:style>
+          <p:txBody>
+            <a:bodyPr rtlCol="0" anchor="ctr"/>
+            <a:lstStyle/>
+            <a:p>
+              <a:pPr algn="ctr"/>
+              <a:endParaRPr lang="en-US" i="1" dirty="0"/>
+            </a:p>
+          </p:txBody>
+        </p:sp>
+        <p:sp>
+          <p:nvSpPr>
+            <p:cNvPr id="51" name="Oval 50">
+              <a:extLst>
+                <a:ext uri="{FF2B5EF4-FFF2-40B4-BE49-F238E27FC236}">
+                  <a16:creationId xmlns:a16="http://schemas.microsoft.com/office/drawing/2014/main" id="{488A40C9-3C11-477D-B0FB-19648893F367}"/>
+                </a:ext>
+              </a:extLst>
+            </p:cNvPr>
+            <p:cNvSpPr/>
+            <p:nvPr/>
+          </p:nvSpPr>
+          <p:spPr>
+            <a:xfrm>
+              <a:off x="8336191" y="624781"/>
+              <a:ext cx="133350" cy="133350"/>
+            </a:xfrm>
+            <a:prstGeom prst="ellipse">
+              <a:avLst/>
+            </a:prstGeom>
+          </p:spPr>
+          <p:style>
+            <a:lnRef idx="2">
+              <a:schemeClr val="accent6"/>
+            </a:lnRef>
+            <a:fillRef idx="1">
+              <a:schemeClr val="lt1"/>
+            </a:fillRef>
+            <a:effectRef idx="0">
+              <a:schemeClr val="accent6"/>
+            </a:effectRef>
+            <a:fontRef idx="minor">
+              <a:schemeClr val="dk1"/>
+            </a:fontRef>
+          </p:style>
+          <p:txBody>
+            <a:bodyPr rtlCol="0" anchor="ctr"/>
+            <a:lstStyle/>
+            <a:p>
+              <a:pPr algn="ctr"/>
+              <a:endParaRPr lang="en-US" i="1" dirty="0"/>
+            </a:p>
+          </p:txBody>
+        </p:sp>
+      </p:grpSp>
+      <p:sp>
+        <p:nvSpPr>
+          <p:cNvPr id="19" name="TextBox 18">
+            <a:extLst>
+              <a:ext uri="{FF2B5EF4-FFF2-40B4-BE49-F238E27FC236}">
+                <a16:creationId xmlns:a16="http://schemas.microsoft.com/office/drawing/2014/main" id="{3718AA49-7B09-4FC3-ABD4-19396158116F}"/>
+              </a:ext>
+            </a:extLst>
+          </p:cNvPr>
+          <p:cNvSpPr txBox="1"/>
+          <p:nvPr/>
+        </p:nvSpPr>
+        <p:spPr>
+          <a:xfrm>
+            <a:off x="4439265" y="936449"/>
+            <a:ext cx="3313472" cy="369332"/>
+          </a:xfrm>
+          <a:prstGeom prst="rect">
+            <a:avLst/>
+          </a:prstGeom>
+          <a:noFill/>
+        </p:spPr>
+        <p:txBody>
+          <a:bodyPr wrap="none" rtlCol="0">
+            <a:spAutoFit/>
+          </a:bodyPr>
+          <a:lstStyle/>
+          <a:p>
+            <a:pPr algn="ctr"/>
+            <a:r>
+              <a:rPr lang="en-US" dirty="0"/>
+              <a:t>Or </a:t>
+            </a:r>
+            <a:r>
+              <a:rPr lang="en-US" i="1" dirty="0"/>
+              <a:t>When is a server not a server</a:t>
+            </a:r>
+            <a:r>
+              <a:rPr lang="en-US" dirty="0"/>
+              <a:t>?</a:t>
+            </a:r>
+          </a:p>
+        </p:txBody>
+      </p:sp>
+      <p:grpSp>
+        <p:nvGrpSpPr>
+          <p:cNvPr id="81" name="Group 80">
+            <a:extLst>
+              <a:ext uri="{FF2B5EF4-FFF2-40B4-BE49-F238E27FC236}">
+                <a16:creationId xmlns:a16="http://schemas.microsoft.com/office/drawing/2014/main" id="{D4AE6AFA-27CE-4B79-A5E8-9C40BA641D65}"/>
+              </a:ext>
+            </a:extLst>
+          </p:cNvPr>
+          <p:cNvGrpSpPr/>
+          <p:nvPr/>
+        </p:nvGrpSpPr>
+        <p:grpSpPr>
+          <a:xfrm>
+            <a:off x="884940" y="2102560"/>
+            <a:ext cx="1495588" cy="2097660"/>
+            <a:chOff x="884940" y="2102560"/>
+            <a:chExt cx="1495588" cy="2097660"/>
+          </a:xfrm>
+        </p:grpSpPr>
+        <p:sp>
+          <p:nvSpPr>
+            <p:cNvPr id="27" name="Rectangle 26">
+              <a:extLst>
+                <a:ext uri="{FF2B5EF4-FFF2-40B4-BE49-F238E27FC236}">
+                  <a16:creationId xmlns:a16="http://schemas.microsoft.com/office/drawing/2014/main" id="{C399D048-572C-4C3C-A6E7-2699E8DE5967}"/>
+                </a:ext>
+              </a:extLst>
+            </p:cNvPr>
+            <p:cNvSpPr/>
+            <p:nvPr/>
+          </p:nvSpPr>
+          <p:spPr>
+            <a:xfrm>
+              <a:off x="884941" y="2102560"/>
+              <a:ext cx="1495587" cy="523220"/>
+            </a:xfrm>
+            <a:prstGeom prst="rect">
+              <a:avLst/>
+            </a:prstGeom>
+            <a:solidFill>
+              <a:schemeClr val="accent6">
+                <a:lumMod val="20000"/>
+                <a:lumOff val="80000"/>
+              </a:schemeClr>
+            </a:solidFill>
+          </p:spPr>
+          <p:style>
+            <a:lnRef idx="2">
+              <a:schemeClr val="accent6"/>
+            </a:lnRef>
+            <a:fillRef idx="1">
+              <a:schemeClr val="lt1"/>
+            </a:fillRef>
+            <a:effectRef idx="0">
+              <a:schemeClr val="accent6"/>
+            </a:effectRef>
+            <a:fontRef idx="minor">
+              <a:schemeClr val="dk1"/>
+            </a:fontRef>
+          </p:style>
+          <p:txBody>
+            <a:bodyPr rtlCol="0" anchor="ctr"/>
+            <a:lstStyle/>
+            <a:p>
+              <a:pPr algn="ctr"/>
+              <a:r>
+                <a:rPr lang="en-US" dirty="0"/>
+                <a:t>Server</a:t>
+              </a:r>
+            </a:p>
+          </p:txBody>
+        </p:sp>
+        <p:sp>
+          <p:nvSpPr>
+            <p:cNvPr id="28" name="Rectangle 27">
+              <a:extLst>
+                <a:ext uri="{FF2B5EF4-FFF2-40B4-BE49-F238E27FC236}">
+                  <a16:creationId xmlns:a16="http://schemas.microsoft.com/office/drawing/2014/main" id="{B919F312-646C-4CF3-8BCC-89D66F720BE6}"/>
+                </a:ext>
+              </a:extLst>
+            </p:cNvPr>
+            <p:cNvSpPr/>
+            <p:nvPr/>
+          </p:nvSpPr>
+          <p:spPr>
+            <a:xfrm>
+              <a:off x="884941" y="2634973"/>
+              <a:ext cx="1495587" cy="523220"/>
+            </a:xfrm>
+            <a:prstGeom prst="rect">
+              <a:avLst/>
+            </a:prstGeom>
+            <a:solidFill>
+              <a:schemeClr val="accent6">
+                <a:lumMod val="20000"/>
+                <a:lumOff val="80000"/>
+              </a:schemeClr>
+            </a:solidFill>
+          </p:spPr>
+          <p:style>
+            <a:lnRef idx="2">
+              <a:schemeClr val="accent6"/>
+            </a:lnRef>
+            <a:fillRef idx="1">
+              <a:schemeClr val="lt1"/>
+            </a:fillRef>
+            <a:effectRef idx="0">
+              <a:schemeClr val="accent6"/>
+            </a:effectRef>
+            <a:fontRef idx="minor">
+              <a:schemeClr val="dk1"/>
+            </a:fontRef>
+          </p:style>
+          <p:txBody>
+            <a:bodyPr rtlCol="0" anchor="ctr"/>
+            <a:lstStyle/>
+            <a:p>
+              <a:pPr algn="ctr"/>
+              <a:r>
+                <a:rPr lang="en-US" dirty="0"/>
+                <a:t>OS</a:t>
+              </a:r>
+            </a:p>
+          </p:txBody>
+        </p:sp>
+        <p:sp>
+          <p:nvSpPr>
+            <p:cNvPr id="29" name="Rectangle 28">
+              <a:extLst>
+                <a:ext uri="{FF2B5EF4-FFF2-40B4-BE49-F238E27FC236}">
+                  <a16:creationId xmlns:a16="http://schemas.microsoft.com/office/drawing/2014/main" id="{0521828F-CD14-4699-A5A9-2B73B961FCE5}"/>
+                </a:ext>
+              </a:extLst>
+            </p:cNvPr>
+            <p:cNvSpPr/>
+            <p:nvPr/>
+          </p:nvSpPr>
+          <p:spPr>
+            <a:xfrm>
+              <a:off x="884940" y="3167386"/>
+              <a:ext cx="1495587" cy="523220"/>
+            </a:xfrm>
+            <a:prstGeom prst="rect">
+              <a:avLst/>
+            </a:prstGeom>
+            <a:solidFill>
+              <a:schemeClr val="accent6">
+                <a:lumMod val="20000"/>
+                <a:lumOff val="80000"/>
+              </a:schemeClr>
+            </a:solidFill>
+          </p:spPr>
+          <p:style>
+            <a:lnRef idx="2">
+              <a:schemeClr val="accent6"/>
+            </a:lnRef>
+            <a:fillRef idx="1">
+              <a:schemeClr val="lt1"/>
+            </a:fillRef>
+            <a:effectRef idx="0">
+              <a:schemeClr val="accent6"/>
+            </a:effectRef>
+            <a:fontRef idx="minor">
+              <a:schemeClr val="dk1"/>
+            </a:fontRef>
+          </p:style>
+          <p:txBody>
+            <a:bodyPr rtlCol="0" anchor="ctr"/>
+            <a:lstStyle/>
+            <a:p>
+              <a:pPr algn="ctr"/>
+              <a:r>
+                <a:rPr lang="en-US" dirty="0"/>
+                <a:t>NIC</a:t>
+              </a:r>
+            </a:p>
+          </p:txBody>
+        </p:sp>
+        <p:sp>
+          <p:nvSpPr>
+            <p:cNvPr id="30" name="TextBox 29">
+              <a:extLst>
+                <a:ext uri="{FF2B5EF4-FFF2-40B4-BE49-F238E27FC236}">
+                  <a16:creationId xmlns:a16="http://schemas.microsoft.com/office/drawing/2014/main" id="{35EF0B8B-0077-41F6-8ADC-2744C70CD2EE}"/>
+                </a:ext>
+              </a:extLst>
+            </p:cNvPr>
+            <p:cNvSpPr txBox="1"/>
+            <p:nvPr/>
+          </p:nvSpPr>
+          <p:spPr>
+            <a:xfrm>
+              <a:off x="1058761" y="3830888"/>
+              <a:ext cx="1147943" cy="369332"/>
+            </a:xfrm>
+            <a:prstGeom prst="rect">
+              <a:avLst/>
+            </a:prstGeom>
+            <a:noFill/>
+          </p:spPr>
+          <p:txBody>
+            <a:bodyPr wrap="none" rtlCol="0">
+              <a:spAutoFit/>
+            </a:bodyPr>
+            <a:lstStyle/>
+            <a:p>
+              <a:pPr algn="ctr"/>
+              <a:r>
+                <a:rPr lang="en-US" dirty="0"/>
+                <a:t>API Server</a:t>
+              </a:r>
+            </a:p>
+          </p:txBody>
+        </p:sp>
+      </p:grpSp>
+      <p:grpSp>
+        <p:nvGrpSpPr>
+          <p:cNvPr id="42" name="Group 41">
+            <a:extLst>
+              <a:ext uri="{FF2B5EF4-FFF2-40B4-BE49-F238E27FC236}">
+                <a16:creationId xmlns:a16="http://schemas.microsoft.com/office/drawing/2014/main" id="{10F20F3E-D3F1-4F5A-8D8F-0D3EAE3CC503}"/>
+              </a:ext>
+            </a:extLst>
+          </p:cNvPr>
+          <p:cNvGrpSpPr/>
+          <p:nvPr/>
+        </p:nvGrpSpPr>
+        <p:grpSpPr>
+          <a:xfrm>
+            <a:off x="5311644" y="2110197"/>
+            <a:ext cx="1495588" cy="2357052"/>
+            <a:chOff x="5649091" y="2110197"/>
+            <a:chExt cx="1495588" cy="2357052"/>
+          </a:xfrm>
+        </p:grpSpPr>
+        <p:sp>
+          <p:nvSpPr>
+            <p:cNvPr id="11" name="Rectangle 10">
+              <a:extLst>
+                <a:ext uri="{FF2B5EF4-FFF2-40B4-BE49-F238E27FC236}">
+                  <a16:creationId xmlns:a16="http://schemas.microsoft.com/office/drawing/2014/main" id="{C59726E4-A4F0-44A3-82D6-B14C3736631D}"/>
+                </a:ext>
+              </a:extLst>
+            </p:cNvPr>
+            <p:cNvSpPr/>
+            <p:nvPr/>
+          </p:nvSpPr>
+          <p:spPr>
+            <a:xfrm>
+              <a:off x="5649092" y="2110197"/>
+              <a:ext cx="1495587" cy="523220"/>
+            </a:xfrm>
+            <a:prstGeom prst="rect">
+              <a:avLst/>
+            </a:prstGeom>
+            <a:solidFill>
+              <a:schemeClr val="accent6">
+                <a:lumMod val="20000"/>
+                <a:lumOff val="80000"/>
+              </a:schemeClr>
+            </a:solidFill>
+          </p:spPr>
+          <p:style>
+            <a:lnRef idx="2">
+              <a:schemeClr val="accent6"/>
+            </a:lnRef>
+            <a:fillRef idx="1">
+              <a:schemeClr val="lt1"/>
+            </a:fillRef>
+            <a:effectRef idx="0">
+              <a:schemeClr val="accent6"/>
+            </a:effectRef>
+            <a:fontRef idx="minor">
+              <a:schemeClr val="dk1"/>
+            </a:fontRef>
+          </p:style>
+          <p:txBody>
+            <a:bodyPr rtlCol="0" anchor="ctr"/>
+            <a:lstStyle/>
+            <a:p>
+              <a:pPr algn="ctr"/>
+              <a:r>
+                <a:rPr lang="en-US" dirty="0"/>
+                <a:t>Server</a:t>
+              </a:r>
+            </a:p>
+          </p:txBody>
+        </p:sp>
+        <p:sp>
+          <p:nvSpPr>
+            <p:cNvPr id="17" name="Rectangle 16">
+              <a:extLst>
+                <a:ext uri="{FF2B5EF4-FFF2-40B4-BE49-F238E27FC236}">
+                  <a16:creationId xmlns:a16="http://schemas.microsoft.com/office/drawing/2014/main" id="{2AC65FCE-DB04-4F56-B470-6BDBEFBBBED2}"/>
+                </a:ext>
+              </a:extLst>
+            </p:cNvPr>
+            <p:cNvSpPr/>
+            <p:nvPr/>
+          </p:nvSpPr>
+          <p:spPr>
+            <a:xfrm>
+              <a:off x="5649092" y="2642610"/>
+              <a:ext cx="1495587" cy="523220"/>
+            </a:xfrm>
+            <a:prstGeom prst="rect">
+              <a:avLst/>
+            </a:prstGeom>
+            <a:solidFill>
+              <a:schemeClr val="accent6">
+                <a:lumMod val="20000"/>
+                <a:lumOff val="80000"/>
+              </a:schemeClr>
+            </a:solidFill>
+          </p:spPr>
+          <p:style>
+            <a:lnRef idx="2">
+              <a:schemeClr val="accent6"/>
+            </a:lnRef>
+            <a:fillRef idx="1">
+              <a:schemeClr val="lt1"/>
+            </a:fillRef>
+            <a:effectRef idx="0">
+              <a:schemeClr val="accent6"/>
+            </a:effectRef>
+            <a:fontRef idx="minor">
+              <a:schemeClr val="dk1"/>
+            </a:fontRef>
+          </p:style>
+          <p:txBody>
+            <a:bodyPr rtlCol="0" anchor="ctr"/>
+            <a:lstStyle/>
+            <a:p>
+              <a:pPr algn="ctr"/>
+              <a:r>
+                <a:rPr lang="en-US" dirty="0"/>
+                <a:t>OS</a:t>
+              </a:r>
+            </a:p>
+          </p:txBody>
+        </p:sp>
+        <p:sp>
+          <p:nvSpPr>
+            <p:cNvPr id="20" name="Rectangle 19">
+              <a:extLst>
+                <a:ext uri="{FF2B5EF4-FFF2-40B4-BE49-F238E27FC236}">
+                  <a16:creationId xmlns:a16="http://schemas.microsoft.com/office/drawing/2014/main" id="{87C3007D-B35E-48D5-A2A1-A6FE7F2BD358}"/>
+                </a:ext>
+              </a:extLst>
+            </p:cNvPr>
+            <p:cNvSpPr/>
+            <p:nvPr/>
+          </p:nvSpPr>
+          <p:spPr>
+            <a:xfrm>
+              <a:off x="5649091" y="3175023"/>
+              <a:ext cx="1495587" cy="523220"/>
+            </a:xfrm>
+            <a:prstGeom prst="rect">
+              <a:avLst/>
+            </a:prstGeom>
+            <a:solidFill>
+              <a:schemeClr val="accent6">
+                <a:lumMod val="20000"/>
+                <a:lumOff val="80000"/>
+              </a:schemeClr>
+            </a:solidFill>
+          </p:spPr>
+          <p:style>
+            <a:lnRef idx="2">
+              <a:schemeClr val="accent6"/>
+            </a:lnRef>
+            <a:fillRef idx="1">
+              <a:schemeClr val="lt1"/>
+            </a:fillRef>
+            <a:effectRef idx="0">
+              <a:schemeClr val="accent6"/>
+            </a:effectRef>
+            <a:fontRef idx="minor">
+              <a:schemeClr val="dk1"/>
+            </a:fontRef>
+          </p:style>
+          <p:txBody>
+            <a:bodyPr rtlCol="0" anchor="ctr"/>
+            <a:lstStyle/>
+            <a:p>
+              <a:pPr algn="ctr"/>
+              <a:r>
+                <a:rPr lang="en-US" dirty="0"/>
+                <a:t>NIC</a:t>
+              </a:r>
+            </a:p>
+          </p:txBody>
+        </p:sp>
+        <p:sp>
+          <p:nvSpPr>
+            <p:cNvPr id="31" name="TextBox 30">
+              <a:extLst>
+                <a:ext uri="{FF2B5EF4-FFF2-40B4-BE49-F238E27FC236}">
+                  <a16:creationId xmlns:a16="http://schemas.microsoft.com/office/drawing/2014/main" id="{506FA61F-EB9F-43DE-BCA7-06B871918CFE}"/>
+                </a:ext>
+              </a:extLst>
+            </p:cNvPr>
+            <p:cNvSpPr txBox="1"/>
+            <p:nvPr/>
+          </p:nvSpPr>
+          <p:spPr>
+            <a:xfrm>
+              <a:off x="5778028" y="3820918"/>
+              <a:ext cx="1362296" cy="646331"/>
+            </a:xfrm>
+            <a:prstGeom prst="rect">
+              <a:avLst/>
+            </a:prstGeom>
+            <a:noFill/>
+          </p:spPr>
+          <p:txBody>
+            <a:bodyPr wrap="none" rtlCol="0">
+              <a:spAutoFit/>
+            </a:bodyPr>
+            <a:lstStyle/>
+            <a:p>
+              <a:pPr algn="ctr"/>
+              <a:r>
+                <a:rPr lang="en-US" dirty="0"/>
+                <a:t>Web Server/</a:t>
+              </a:r>
+            </a:p>
+            <a:p>
+              <a:pPr algn="ctr"/>
+              <a:r>
+                <a:rPr lang="en-US" dirty="0"/>
+                <a:t>API Client</a:t>
+              </a:r>
+            </a:p>
+          </p:txBody>
+        </p:sp>
+      </p:grpSp>
+      <p:grpSp>
+        <p:nvGrpSpPr>
+          <p:cNvPr id="54" name="Group 53">
+            <a:extLst>
+              <a:ext uri="{FF2B5EF4-FFF2-40B4-BE49-F238E27FC236}">
+                <a16:creationId xmlns:a16="http://schemas.microsoft.com/office/drawing/2014/main" id="{385FC814-A130-4393-8E9F-984C5C9F5D77}"/>
+              </a:ext>
+            </a:extLst>
+          </p:cNvPr>
+          <p:cNvGrpSpPr/>
+          <p:nvPr/>
+        </p:nvGrpSpPr>
+        <p:grpSpPr>
+          <a:xfrm>
+            <a:off x="9760766" y="2119390"/>
+            <a:ext cx="1495588" cy="2054831"/>
+            <a:chOff x="8842491" y="2119390"/>
+            <a:chExt cx="1495588" cy="2054831"/>
+          </a:xfrm>
+        </p:grpSpPr>
+        <p:sp>
+          <p:nvSpPr>
+            <p:cNvPr id="3" name="Rectangle 2">
+              <a:extLst>
+                <a:ext uri="{FF2B5EF4-FFF2-40B4-BE49-F238E27FC236}">
+                  <a16:creationId xmlns:a16="http://schemas.microsoft.com/office/drawing/2014/main" id="{2376243B-0D6B-464D-B985-DA36839B9EA8}"/>
+                </a:ext>
+              </a:extLst>
+            </p:cNvPr>
+            <p:cNvSpPr/>
+            <p:nvPr/>
+          </p:nvSpPr>
+          <p:spPr>
+            <a:xfrm>
+              <a:off x="8842492" y="2119390"/>
+              <a:ext cx="1495587" cy="523220"/>
+            </a:xfrm>
+            <a:prstGeom prst="rect">
+              <a:avLst/>
+            </a:prstGeom>
+            <a:solidFill>
+              <a:schemeClr val="accent6">
+                <a:lumMod val="20000"/>
+                <a:lumOff val="80000"/>
+              </a:schemeClr>
+            </a:solidFill>
+          </p:spPr>
+          <p:style>
+            <a:lnRef idx="2">
+              <a:schemeClr val="accent6"/>
+            </a:lnRef>
+            <a:fillRef idx="1">
+              <a:schemeClr val="lt1"/>
+            </a:fillRef>
+            <a:effectRef idx="0">
+              <a:schemeClr val="accent6"/>
+            </a:effectRef>
+            <a:fontRef idx="minor">
+              <a:schemeClr val="dk1"/>
+            </a:fontRef>
+          </p:style>
+          <p:txBody>
+            <a:bodyPr rtlCol="0" anchor="ctr"/>
+            <a:lstStyle/>
+            <a:p>
+              <a:pPr algn="ctr"/>
+              <a:r>
+                <a:rPr lang="en-US" dirty="0"/>
+                <a:t>Browser</a:t>
+              </a:r>
+            </a:p>
+          </p:txBody>
+        </p:sp>
+        <p:sp>
+          <p:nvSpPr>
+            <p:cNvPr id="7" name="Rectangle 6">
+              <a:extLst>
+                <a:ext uri="{FF2B5EF4-FFF2-40B4-BE49-F238E27FC236}">
+                  <a16:creationId xmlns:a16="http://schemas.microsoft.com/office/drawing/2014/main" id="{457BA7A0-1FA4-4F50-938A-377E32EE601B}"/>
+                </a:ext>
+              </a:extLst>
+            </p:cNvPr>
+            <p:cNvSpPr/>
+            <p:nvPr/>
+          </p:nvSpPr>
+          <p:spPr>
+            <a:xfrm>
+              <a:off x="8842492" y="2651803"/>
+              <a:ext cx="1495587" cy="523220"/>
+            </a:xfrm>
+            <a:prstGeom prst="rect">
+              <a:avLst/>
+            </a:prstGeom>
+            <a:solidFill>
+              <a:schemeClr val="accent6">
+                <a:lumMod val="20000"/>
+                <a:lumOff val="80000"/>
+              </a:schemeClr>
+            </a:solidFill>
+          </p:spPr>
+          <p:style>
+            <a:lnRef idx="2">
+              <a:schemeClr val="accent6"/>
+            </a:lnRef>
+            <a:fillRef idx="1">
+              <a:schemeClr val="lt1"/>
+            </a:fillRef>
+            <a:effectRef idx="0">
+              <a:schemeClr val="accent6"/>
+            </a:effectRef>
+            <a:fontRef idx="minor">
+              <a:schemeClr val="dk1"/>
+            </a:fontRef>
+          </p:style>
+          <p:txBody>
+            <a:bodyPr rtlCol="0" anchor="ctr"/>
+            <a:lstStyle/>
+            <a:p>
+              <a:pPr algn="ctr"/>
+              <a:r>
+                <a:rPr lang="en-US" dirty="0"/>
+                <a:t>OS</a:t>
+              </a:r>
+            </a:p>
+          </p:txBody>
+        </p:sp>
+        <p:sp>
+          <p:nvSpPr>
+            <p:cNvPr id="8" name="Rectangle 7">
+              <a:extLst>
+                <a:ext uri="{FF2B5EF4-FFF2-40B4-BE49-F238E27FC236}">
+                  <a16:creationId xmlns:a16="http://schemas.microsoft.com/office/drawing/2014/main" id="{25E89004-0C42-44D2-89DB-0D1915E9D4D5}"/>
+                </a:ext>
+              </a:extLst>
+            </p:cNvPr>
+            <p:cNvSpPr/>
+            <p:nvPr/>
+          </p:nvSpPr>
+          <p:spPr>
+            <a:xfrm>
+              <a:off x="8842491" y="3184216"/>
+              <a:ext cx="1495587" cy="523220"/>
+            </a:xfrm>
+            <a:prstGeom prst="rect">
+              <a:avLst/>
+            </a:prstGeom>
+            <a:solidFill>
+              <a:schemeClr val="accent6">
+                <a:lumMod val="20000"/>
+                <a:lumOff val="80000"/>
+              </a:schemeClr>
+            </a:solidFill>
+          </p:spPr>
+          <p:style>
+            <a:lnRef idx="2">
+              <a:schemeClr val="accent6"/>
+            </a:lnRef>
+            <a:fillRef idx="1">
+              <a:schemeClr val="lt1"/>
+            </a:fillRef>
+            <a:effectRef idx="0">
+              <a:schemeClr val="accent6"/>
+            </a:effectRef>
+            <a:fontRef idx="minor">
+              <a:schemeClr val="dk1"/>
+            </a:fontRef>
+          </p:style>
+          <p:txBody>
+            <a:bodyPr rtlCol="0" anchor="ctr"/>
+            <a:lstStyle/>
+            <a:p>
+              <a:pPr algn="ctr"/>
+              <a:r>
+                <a:rPr lang="en-US" dirty="0"/>
+                <a:t>NIC</a:t>
+              </a:r>
+            </a:p>
+          </p:txBody>
+        </p:sp>
+        <p:sp>
+          <p:nvSpPr>
+            <p:cNvPr id="32" name="TextBox 31">
+              <a:extLst>
+                <a:ext uri="{FF2B5EF4-FFF2-40B4-BE49-F238E27FC236}">
+                  <a16:creationId xmlns:a16="http://schemas.microsoft.com/office/drawing/2014/main" id="{2CF128E8-D340-406E-98EC-D9323B6A1701}"/>
+                </a:ext>
+              </a:extLst>
+            </p:cNvPr>
+            <p:cNvSpPr txBox="1"/>
+            <p:nvPr/>
+          </p:nvSpPr>
+          <p:spPr>
+            <a:xfrm>
+              <a:off x="9227300" y="3804889"/>
+              <a:ext cx="725968" cy="369332"/>
+            </a:xfrm>
+            <a:prstGeom prst="rect">
+              <a:avLst/>
+            </a:prstGeom>
+            <a:noFill/>
+          </p:spPr>
+          <p:txBody>
+            <a:bodyPr wrap="none" rtlCol="0">
+              <a:spAutoFit/>
+            </a:bodyPr>
+            <a:lstStyle/>
+            <a:p>
+              <a:pPr algn="ctr"/>
+              <a:r>
+                <a:rPr lang="en-US" dirty="0"/>
+                <a:t>Client</a:t>
+              </a:r>
+            </a:p>
+          </p:txBody>
+        </p:sp>
+      </p:grpSp>
+      <p:sp>
+        <p:nvSpPr>
+          <p:cNvPr id="26" name="Arrow: Left 25">
+            <a:extLst>
+              <a:ext uri="{FF2B5EF4-FFF2-40B4-BE49-F238E27FC236}">
+                <a16:creationId xmlns:a16="http://schemas.microsoft.com/office/drawing/2014/main" id="{7A418EE7-27E7-4AB0-AD07-0BE3BF69DE36}"/>
+              </a:ext>
+            </a:extLst>
+          </p:cNvPr>
+          <p:cNvSpPr/>
+          <p:nvPr/>
+        </p:nvSpPr>
+        <p:spPr>
+          <a:xfrm>
+            <a:off x="2557221" y="3184215"/>
+            <a:ext cx="2561070" cy="244781"/>
+          </a:xfrm>
+          <a:prstGeom prst="leftArrow">
+            <a:avLst/>
+          </a:prstGeom>
+          <a:solidFill>
+            <a:schemeClr val="accent6">
+              <a:lumMod val="50000"/>
+            </a:schemeClr>
+          </a:solidFill>
+          <a:ln>
+            <a:noFill/>
+          </a:ln>
+        </p:spPr>
+        <p:style>
+          <a:lnRef idx="2">
+            <a:schemeClr val="accent6"/>
+          </a:lnRef>
+          <a:fillRef idx="1">
+            <a:schemeClr val="lt1"/>
+          </a:fillRef>
+          <a:effectRef idx="0">
+            <a:schemeClr val="accent6"/>
+          </a:effectRef>
+          <a:fontRef idx="minor">
+            <a:schemeClr val="dk1"/>
+          </a:fontRef>
+        </p:style>
+        <p:txBody>
+          <a:bodyPr rtlCol="0" anchor="ctr"/>
+          <a:lstStyle/>
+          <a:p>
+            <a:pPr algn="ctr"/>
+            <a:endParaRPr lang="en-US" dirty="0"/>
+          </a:p>
+        </p:txBody>
+      </p:sp>
+      <p:sp>
+        <p:nvSpPr>
+          <p:cNvPr id="33" name="Arrow: Left 32">
+            <a:extLst>
+              <a:ext uri="{FF2B5EF4-FFF2-40B4-BE49-F238E27FC236}">
+                <a16:creationId xmlns:a16="http://schemas.microsoft.com/office/drawing/2014/main" id="{24F52156-EA45-4409-99AB-697CB545842B}"/>
+              </a:ext>
+            </a:extLst>
+          </p:cNvPr>
+          <p:cNvSpPr/>
+          <p:nvPr/>
+        </p:nvSpPr>
+        <p:spPr>
+          <a:xfrm rot="10800000">
+            <a:off x="2573880" y="3428995"/>
+            <a:ext cx="2561072" cy="244781"/>
+          </a:xfrm>
+          <a:prstGeom prst="leftArrow">
+            <a:avLst/>
+          </a:prstGeom>
+          <a:solidFill>
+            <a:schemeClr val="accent6">
+              <a:lumMod val="50000"/>
+            </a:schemeClr>
+          </a:solidFill>
+          <a:ln>
+            <a:noFill/>
+          </a:ln>
+        </p:spPr>
+        <p:style>
+          <a:lnRef idx="2">
+            <a:schemeClr val="accent6"/>
+          </a:lnRef>
+          <a:fillRef idx="1">
+            <a:schemeClr val="lt1"/>
+          </a:fillRef>
+          <a:effectRef idx="0">
+            <a:schemeClr val="accent6"/>
+          </a:effectRef>
+          <a:fontRef idx="minor">
+            <a:schemeClr val="dk1"/>
+          </a:fontRef>
+        </p:style>
+        <p:txBody>
+          <a:bodyPr rtlCol="0" anchor="ctr"/>
+          <a:lstStyle/>
+          <a:p>
+            <a:pPr algn="ctr"/>
+            <a:endParaRPr lang="en-US"/>
+          </a:p>
+        </p:txBody>
+      </p:sp>
+      <p:sp>
+        <p:nvSpPr>
+          <p:cNvPr id="36" name="Oval 35">
+            <a:extLst>
+              <a:ext uri="{FF2B5EF4-FFF2-40B4-BE49-F238E27FC236}">
+                <a16:creationId xmlns:a16="http://schemas.microsoft.com/office/drawing/2014/main" id="{D45D7D4C-F4A4-49CF-A48E-86E55368F54E}"/>
+              </a:ext>
+            </a:extLst>
+          </p:cNvPr>
+          <p:cNvSpPr/>
+          <p:nvPr/>
+        </p:nvSpPr>
+        <p:spPr>
+          <a:xfrm>
+            <a:off x="3731204" y="3133509"/>
+            <a:ext cx="213102" cy="213102"/>
+          </a:xfrm>
+          <a:prstGeom prst="ellipse">
+            <a:avLst/>
+          </a:prstGeom>
+          <a:solidFill>
+            <a:schemeClr val="bg1"/>
+          </a:solidFill>
+          <a:ln>
+            <a:solidFill>
+              <a:schemeClr val="accent6">
+                <a:lumMod val="75000"/>
+              </a:schemeClr>
+            </a:solidFill>
+          </a:ln>
+        </p:spPr>
+        <p:style>
+          <a:lnRef idx="2">
+            <a:schemeClr val="accent6"/>
+          </a:lnRef>
+          <a:fillRef idx="1">
+            <a:schemeClr val="lt1"/>
+          </a:fillRef>
+          <a:effectRef idx="0">
+            <a:schemeClr val="accent6"/>
+          </a:effectRef>
+          <a:fontRef idx="minor">
+            <a:schemeClr val="dk1"/>
+          </a:fontRef>
+        </p:style>
+        <p:txBody>
+          <a:bodyPr rtlCol="0" anchor="ctr"/>
+          <a:lstStyle/>
+          <a:p>
+            <a:pPr algn="ctr"/>
+            <a:r>
+              <a:rPr lang="en-US" sz="1100" dirty="0"/>
+              <a:t>2</a:t>
+            </a:r>
+          </a:p>
+        </p:txBody>
+      </p:sp>
+      <p:sp>
+        <p:nvSpPr>
+          <p:cNvPr id="37" name="Oval 36">
+            <a:extLst>
+              <a:ext uri="{FF2B5EF4-FFF2-40B4-BE49-F238E27FC236}">
+                <a16:creationId xmlns:a16="http://schemas.microsoft.com/office/drawing/2014/main" id="{32E38557-B5B2-428A-AF4D-D86F7ED82106}"/>
+              </a:ext>
+            </a:extLst>
+          </p:cNvPr>
+          <p:cNvSpPr/>
+          <p:nvPr/>
+        </p:nvSpPr>
+        <p:spPr>
+          <a:xfrm>
+            <a:off x="3747865" y="3517231"/>
+            <a:ext cx="213102" cy="213102"/>
+          </a:xfrm>
+          <a:prstGeom prst="ellipse">
+            <a:avLst/>
+          </a:prstGeom>
+          <a:solidFill>
+            <a:schemeClr val="bg1"/>
+          </a:solidFill>
+          <a:ln>
+            <a:solidFill>
+              <a:schemeClr val="accent6">
+                <a:lumMod val="75000"/>
+              </a:schemeClr>
+            </a:solidFill>
+          </a:ln>
+        </p:spPr>
+        <p:style>
+          <a:lnRef idx="2">
+            <a:schemeClr val="accent6"/>
+          </a:lnRef>
+          <a:fillRef idx="1">
+            <a:schemeClr val="lt1"/>
+          </a:fillRef>
+          <a:effectRef idx="0">
+            <a:schemeClr val="accent6"/>
+          </a:effectRef>
+          <a:fontRef idx="minor">
+            <a:schemeClr val="dk1"/>
+          </a:fontRef>
+        </p:style>
+        <p:txBody>
+          <a:bodyPr rtlCol="0" anchor="ctr"/>
+          <a:lstStyle/>
+          <a:p>
+            <a:pPr algn="ctr"/>
+            <a:r>
+              <a:rPr lang="en-US" sz="1100" dirty="0"/>
+              <a:t>3</a:t>
+            </a:r>
+          </a:p>
+        </p:txBody>
+      </p:sp>
+      <p:sp>
+        <p:nvSpPr>
+          <p:cNvPr id="25" name="Arrow: Left 24">
+            <a:extLst>
+              <a:ext uri="{FF2B5EF4-FFF2-40B4-BE49-F238E27FC236}">
+                <a16:creationId xmlns:a16="http://schemas.microsoft.com/office/drawing/2014/main" id="{96460475-F11F-49B2-98F1-E775E25319F7}"/>
+              </a:ext>
+            </a:extLst>
+          </p:cNvPr>
+          <p:cNvSpPr/>
+          <p:nvPr/>
+        </p:nvSpPr>
+        <p:spPr>
+          <a:xfrm>
+            <a:off x="6983924" y="3184216"/>
+            <a:ext cx="2561072" cy="244781"/>
+          </a:xfrm>
+          <a:prstGeom prst="leftArrow">
+            <a:avLst/>
+          </a:prstGeom>
+          <a:solidFill>
+            <a:schemeClr val="accent6">
+              <a:lumMod val="50000"/>
+            </a:schemeClr>
+          </a:solidFill>
+          <a:ln>
+            <a:noFill/>
+          </a:ln>
+        </p:spPr>
+        <p:style>
+          <a:lnRef idx="2">
+            <a:schemeClr val="accent6"/>
+          </a:lnRef>
+          <a:fillRef idx="1">
+            <a:schemeClr val="lt1"/>
+          </a:fillRef>
+          <a:effectRef idx="0">
+            <a:schemeClr val="accent6"/>
+          </a:effectRef>
+          <a:fontRef idx="minor">
+            <a:schemeClr val="dk1"/>
+          </a:fontRef>
+        </p:style>
+        <p:txBody>
+          <a:bodyPr rtlCol="0" anchor="ctr"/>
+          <a:lstStyle/>
+          <a:p>
+            <a:pPr algn="ctr"/>
+            <a:endParaRPr lang="en-US"/>
+          </a:p>
+        </p:txBody>
+      </p:sp>
+      <p:sp>
+        <p:nvSpPr>
+          <p:cNvPr id="34" name="Arrow: Left 33">
+            <a:extLst>
+              <a:ext uri="{FF2B5EF4-FFF2-40B4-BE49-F238E27FC236}">
+                <a16:creationId xmlns:a16="http://schemas.microsoft.com/office/drawing/2014/main" id="{E3811EDC-168E-4E92-A4B5-A006FFA44A6B}"/>
+              </a:ext>
+            </a:extLst>
+          </p:cNvPr>
+          <p:cNvSpPr/>
+          <p:nvPr/>
+        </p:nvSpPr>
+        <p:spPr>
+          <a:xfrm rot="10800000">
+            <a:off x="7023001" y="3428995"/>
+            <a:ext cx="2561074" cy="244781"/>
+          </a:xfrm>
+          <a:prstGeom prst="leftArrow">
+            <a:avLst/>
+          </a:prstGeom>
+          <a:solidFill>
+            <a:schemeClr val="accent6">
+              <a:lumMod val="50000"/>
+            </a:schemeClr>
+          </a:solidFill>
+          <a:ln>
+            <a:noFill/>
+          </a:ln>
+        </p:spPr>
+        <p:style>
+          <a:lnRef idx="2">
+            <a:schemeClr val="accent6"/>
+          </a:lnRef>
+          <a:fillRef idx="1">
+            <a:schemeClr val="lt1"/>
+          </a:fillRef>
+          <a:effectRef idx="0">
+            <a:schemeClr val="accent6"/>
+          </a:effectRef>
+          <a:fontRef idx="minor">
+            <a:schemeClr val="dk1"/>
+          </a:fontRef>
+        </p:style>
+        <p:txBody>
+          <a:bodyPr rtlCol="0" anchor="ctr"/>
+          <a:lstStyle/>
+          <a:p>
+            <a:pPr algn="ctr"/>
+            <a:endParaRPr lang="en-US"/>
+          </a:p>
+        </p:txBody>
+      </p:sp>
+      <p:sp>
+        <p:nvSpPr>
+          <p:cNvPr id="35" name="Oval 34">
+            <a:extLst>
+              <a:ext uri="{FF2B5EF4-FFF2-40B4-BE49-F238E27FC236}">
+                <a16:creationId xmlns:a16="http://schemas.microsoft.com/office/drawing/2014/main" id="{AD941C95-B5E0-446B-9271-A637A90F9A8B}"/>
+              </a:ext>
+            </a:extLst>
+          </p:cNvPr>
+          <p:cNvSpPr/>
+          <p:nvPr/>
+        </p:nvSpPr>
+        <p:spPr>
+          <a:xfrm>
+            <a:off x="8157908" y="3124544"/>
+            <a:ext cx="213102" cy="213102"/>
+          </a:xfrm>
+          <a:prstGeom prst="ellipse">
+            <a:avLst/>
+          </a:prstGeom>
+          <a:solidFill>
+            <a:schemeClr val="bg1"/>
+          </a:solidFill>
+          <a:ln>
+            <a:solidFill>
+              <a:schemeClr val="accent6">
+                <a:lumMod val="75000"/>
+              </a:schemeClr>
+            </a:solidFill>
+          </a:ln>
+        </p:spPr>
+        <p:style>
+          <a:lnRef idx="2">
+            <a:schemeClr val="accent6"/>
+          </a:lnRef>
+          <a:fillRef idx="1">
+            <a:schemeClr val="lt1"/>
+          </a:fillRef>
+          <a:effectRef idx="0">
+            <a:schemeClr val="accent6"/>
+          </a:effectRef>
+          <a:fontRef idx="minor">
+            <a:schemeClr val="dk1"/>
+          </a:fontRef>
+        </p:style>
+        <p:txBody>
+          <a:bodyPr rtlCol="0" anchor="ctr"/>
+          <a:lstStyle/>
+          <a:p>
+            <a:pPr algn="ctr"/>
+            <a:r>
+              <a:rPr lang="en-US" sz="1100" dirty="0"/>
+              <a:t>1</a:t>
+            </a:r>
+          </a:p>
+        </p:txBody>
+      </p:sp>
+      <p:sp>
+        <p:nvSpPr>
+          <p:cNvPr id="39" name="Oval 38">
+            <a:extLst>
+              <a:ext uri="{FF2B5EF4-FFF2-40B4-BE49-F238E27FC236}">
+                <a16:creationId xmlns:a16="http://schemas.microsoft.com/office/drawing/2014/main" id="{172144BB-51D7-4A55-B9D2-A238EA365651}"/>
+              </a:ext>
+            </a:extLst>
+          </p:cNvPr>
+          <p:cNvSpPr/>
+          <p:nvPr/>
+        </p:nvSpPr>
+        <p:spPr>
+          <a:xfrm>
+            <a:off x="8163678" y="3551387"/>
+            <a:ext cx="213102" cy="213102"/>
+          </a:xfrm>
+          <a:prstGeom prst="ellipse">
+            <a:avLst/>
+          </a:prstGeom>
+          <a:solidFill>
+            <a:schemeClr val="bg1"/>
+          </a:solidFill>
+          <a:ln>
+            <a:solidFill>
+              <a:schemeClr val="accent6">
+                <a:lumMod val="75000"/>
+              </a:schemeClr>
+            </a:solidFill>
+          </a:ln>
+        </p:spPr>
+        <p:style>
+          <a:lnRef idx="2">
+            <a:schemeClr val="accent6"/>
+          </a:lnRef>
+          <a:fillRef idx="1">
+            <a:schemeClr val="lt1"/>
+          </a:fillRef>
+          <a:effectRef idx="0">
+            <a:schemeClr val="accent6"/>
+          </a:effectRef>
+          <a:fontRef idx="minor">
+            <a:schemeClr val="dk1"/>
+          </a:fontRef>
+        </p:style>
+        <p:txBody>
+          <a:bodyPr rtlCol="0" anchor="ctr"/>
+          <a:lstStyle/>
+          <a:p>
+            <a:pPr algn="ctr"/>
+            <a:r>
+              <a:rPr lang="en-US" sz="1100" dirty="0"/>
+              <a:t>4</a:t>
+            </a:r>
+          </a:p>
+        </p:txBody>
+      </p:sp>
+      <p:graphicFrame>
+        <p:nvGraphicFramePr>
+          <p:cNvPr id="84" name="Table 84">
+            <a:extLst>
+              <a:ext uri="{FF2B5EF4-FFF2-40B4-BE49-F238E27FC236}">
+                <a16:creationId xmlns:a16="http://schemas.microsoft.com/office/drawing/2014/main" id="{653AE111-FEEA-4542-89BC-7AD0F6C61AA1}"/>
+              </a:ext>
+            </a:extLst>
+          </p:cNvPr>
+          <p:cNvGraphicFramePr>
+            <a:graphicFrameLocks noGrp="1"/>
+          </p:cNvGraphicFramePr>
+          <p:nvPr>
+            <p:extLst>
+              <p:ext uri="{D42A27DB-BD31-4B8C-83A1-F6EECF244321}">
+                <p14:modId xmlns:p14="http://schemas.microsoft.com/office/powerpoint/2010/main" val="3811211259"/>
+              </p:ext>
+            </p:extLst>
+          </p:nvPr>
+        </p:nvGraphicFramePr>
+        <p:xfrm>
+          <a:off x="7575546" y="1940729"/>
+          <a:ext cx="1378588" cy="1112520"/>
+        </p:xfrm>
+        <a:graphic>
+          <a:graphicData uri="http://schemas.openxmlformats.org/drawingml/2006/table">
+            <a:tbl>
+              <a:tblPr>
+                <a:tableStyleId>{E8B1032C-EA38-4F05-BA0D-38AFFFC7BED3}</a:tableStyleId>
+              </a:tblPr>
+              <a:tblGrid>
+                <a:gridCol w="1378588">
+                  <a:extLst>
+                    <a:ext uri="{9D8B030D-6E8A-4147-A177-3AD203B41FA5}">
+                      <a16:colId xmlns:a16="http://schemas.microsoft.com/office/drawing/2014/main" val="291790476"/>
+                    </a:ext>
+                  </a:extLst>
+                </a:gridCol>
+              </a:tblGrid>
+              <a:tr h="370840">
+                <a:tc>
+                  <a:txBody>
+                    <a:bodyPr/>
+                    <a:lstStyle/>
+                    <a:p>
+                      <a:pPr algn="ctr"/>
+                      <a:r>
+                        <a:rPr lang="en-US" sz="1600" dirty="0"/>
+                        <a:t>HTTP Request</a:t>
+                      </a:r>
+                    </a:p>
+                  </a:txBody>
+                  <a:tcPr anchor="ctr"/>
+                </a:tc>
+                <a:extLst>
+                  <a:ext uri="{0D108BD9-81ED-4DB2-BD59-A6C34878D82A}">
+                    <a16:rowId xmlns:a16="http://schemas.microsoft.com/office/drawing/2014/main" val="1710575467"/>
+                  </a:ext>
+                </a:extLst>
+              </a:tr>
+              <a:tr h="370840">
+                <a:tc>
+                  <a:txBody>
+                    <a:bodyPr/>
+                    <a:lstStyle/>
+                    <a:p>
+                      <a:pPr algn="ctr"/>
+                      <a:r>
+                        <a:rPr lang="en-US" sz="1600" dirty="0"/>
+                        <a:t>TCP</a:t>
+                      </a:r>
+                    </a:p>
+                  </a:txBody>
+                  <a:tcPr anchor="ctr"/>
+                </a:tc>
+                <a:extLst>
+                  <a:ext uri="{0D108BD9-81ED-4DB2-BD59-A6C34878D82A}">
+                    <a16:rowId xmlns:a16="http://schemas.microsoft.com/office/drawing/2014/main" val="3127025209"/>
+                  </a:ext>
+                </a:extLst>
+              </a:tr>
+              <a:tr h="370840">
+                <a:tc>
+                  <a:txBody>
+                    <a:bodyPr/>
+                    <a:lstStyle/>
+                    <a:p>
+                      <a:pPr algn="ctr"/>
+                      <a:r>
+                        <a:rPr lang="en-US" sz="1600" dirty="0"/>
+                        <a:t>IP</a:t>
+                      </a:r>
+                    </a:p>
+                  </a:txBody>
+                  <a:tcPr anchor="ctr"/>
+                </a:tc>
+                <a:extLst>
+                  <a:ext uri="{0D108BD9-81ED-4DB2-BD59-A6C34878D82A}">
+                    <a16:rowId xmlns:a16="http://schemas.microsoft.com/office/drawing/2014/main" val="915169208"/>
+                  </a:ext>
+                </a:extLst>
+              </a:tr>
+            </a:tbl>
+          </a:graphicData>
+        </a:graphic>
+      </p:graphicFrame>
+      <p:graphicFrame>
+        <p:nvGraphicFramePr>
+          <p:cNvPr id="86" name="Table 84">
+            <a:extLst>
+              <a:ext uri="{FF2B5EF4-FFF2-40B4-BE49-F238E27FC236}">
+                <a16:creationId xmlns:a16="http://schemas.microsoft.com/office/drawing/2014/main" id="{9A03959A-B33A-4DE1-8E31-D808929B3803}"/>
+              </a:ext>
+            </a:extLst>
+          </p:cNvPr>
+          <p:cNvGraphicFramePr>
+            <a:graphicFrameLocks noGrp="1"/>
+          </p:cNvGraphicFramePr>
+          <p:nvPr>
+            <p:extLst>
+              <p:ext uri="{D42A27DB-BD31-4B8C-83A1-F6EECF244321}">
+                <p14:modId xmlns:p14="http://schemas.microsoft.com/office/powerpoint/2010/main" val="2594754251"/>
+              </p:ext>
+            </p:extLst>
+          </p:nvPr>
+        </p:nvGraphicFramePr>
+        <p:xfrm>
+          <a:off x="3144258" y="1914439"/>
+          <a:ext cx="1378588" cy="1112520"/>
+        </p:xfrm>
+        <a:graphic>
+          <a:graphicData uri="http://schemas.openxmlformats.org/drawingml/2006/table">
+            <a:tbl>
+              <a:tblPr>
+                <a:tableStyleId>{E8B1032C-EA38-4F05-BA0D-38AFFFC7BED3}</a:tableStyleId>
+              </a:tblPr>
+              <a:tblGrid>
+                <a:gridCol w="1378588">
+                  <a:extLst>
+                    <a:ext uri="{9D8B030D-6E8A-4147-A177-3AD203B41FA5}">
+                      <a16:colId xmlns:a16="http://schemas.microsoft.com/office/drawing/2014/main" val="291790476"/>
+                    </a:ext>
+                  </a:extLst>
+                </a:gridCol>
+              </a:tblGrid>
+              <a:tr h="370840">
+                <a:tc>
+                  <a:txBody>
+                    <a:bodyPr/>
+                    <a:lstStyle/>
+                    <a:p>
+                      <a:pPr algn="ctr"/>
+                      <a:r>
+                        <a:rPr lang="en-US" sz="1600" dirty="0"/>
+                        <a:t>HTTP Request</a:t>
+                      </a:r>
+                    </a:p>
+                  </a:txBody>
+                  <a:tcPr anchor="ctr"/>
+                </a:tc>
+                <a:extLst>
+                  <a:ext uri="{0D108BD9-81ED-4DB2-BD59-A6C34878D82A}">
+                    <a16:rowId xmlns:a16="http://schemas.microsoft.com/office/drawing/2014/main" val="1710575467"/>
+                  </a:ext>
+                </a:extLst>
+              </a:tr>
+              <a:tr h="370840">
+                <a:tc>
+                  <a:txBody>
+                    <a:bodyPr/>
+                    <a:lstStyle/>
+                    <a:p>
+                      <a:pPr algn="ctr"/>
+                      <a:r>
+                        <a:rPr lang="en-US" sz="1600" dirty="0"/>
+                        <a:t>TCP</a:t>
+                      </a:r>
+                    </a:p>
+                  </a:txBody>
+                  <a:tcPr anchor="ctr"/>
+                </a:tc>
+                <a:extLst>
+                  <a:ext uri="{0D108BD9-81ED-4DB2-BD59-A6C34878D82A}">
+                    <a16:rowId xmlns:a16="http://schemas.microsoft.com/office/drawing/2014/main" val="3127025209"/>
+                  </a:ext>
+                </a:extLst>
+              </a:tr>
+              <a:tr h="370840">
+                <a:tc>
+                  <a:txBody>
+                    <a:bodyPr/>
+                    <a:lstStyle/>
+                    <a:p>
+                      <a:pPr algn="ctr"/>
+                      <a:r>
+                        <a:rPr lang="en-US" sz="1600" dirty="0"/>
+                        <a:t>IP</a:t>
+                      </a:r>
+                    </a:p>
+                  </a:txBody>
+                  <a:tcPr anchor="ctr"/>
+                </a:tc>
+                <a:extLst>
+                  <a:ext uri="{0D108BD9-81ED-4DB2-BD59-A6C34878D82A}">
+                    <a16:rowId xmlns:a16="http://schemas.microsoft.com/office/drawing/2014/main" val="915169208"/>
+                  </a:ext>
+                </a:extLst>
+              </a:tr>
+            </a:tbl>
+          </a:graphicData>
+        </a:graphic>
+      </p:graphicFrame>
+      <p:graphicFrame>
+        <p:nvGraphicFramePr>
+          <p:cNvPr id="88" name="Table 84">
+            <a:extLst>
+              <a:ext uri="{FF2B5EF4-FFF2-40B4-BE49-F238E27FC236}">
+                <a16:creationId xmlns:a16="http://schemas.microsoft.com/office/drawing/2014/main" id="{C140C49D-EE51-4AC5-A7E1-18C3B64E46B2}"/>
+              </a:ext>
+            </a:extLst>
+          </p:cNvPr>
+          <p:cNvGraphicFramePr>
+            <a:graphicFrameLocks noGrp="1"/>
+          </p:cNvGraphicFramePr>
+          <p:nvPr>
+            <p:extLst>
+              <p:ext uri="{D42A27DB-BD31-4B8C-83A1-F6EECF244321}">
+                <p14:modId xmlns:p14="http://schemas.microsoft.com/office/powerpoint/2010/main" val="556452826"/>
+              </p:ext>
+            </p:extLst>
+          </p:nvPr>
+        </p:nvGraphicFramePr>
+        <p:xfrm>
+          <a:off x="3144258" y="3886879"/>
+          <a:ext cx="1378588" cy="1691640"/>
+        </p:xfrm>
+        <a:graphic>
+          <a:graphicData uri="http://schemas.openxmlformats.org/drawingml/2006/table">
+            <a:tbl>
+              <a:tblPr>
+                <a:tableStyleId>{E8B1032C-EA38-4F05-BA0D-38AFFFC7BED3}</a:tableStyleId>
+              </a:tblPr>
+              <a:tblGrid>
+                <a:gridCol w="1378588">
+                  <a:extLst>
+                    <a:ext uri="{9D8B030D-6E8A-4147-A177-3AD203B41FA5}">
+                      <a16:colId xmlns:a16="http://schemas.microsoft.com/office/drawing/2014/main" val="291790476"/>
+                    </a:ext>
+                  </a:extLst>
+                </a:gridCol>
+              </a:tblGrid>
+              <a:tr h="370840">
+                <a:tc>
+                  <a:txBody>
+                    <a:bodyPr/>
+                    <a:lstStyle/>
+                    <a:p>
+                      <a:pPr algn="ctr"/>
+                      <a:r>
+                        <a:rPr lang="en-US" sz="1600" dirty="0"/>
+                        <a:t>JSON</a:t>
+                      </a:r>
+                    </a:p>
+                  </a:txBody>
+                  <a:tcPr anchor="ctr"/>
+                </a:tc>
+                <a:extLst>
+                  <a:ext uri="{0D108BD9-81ED-4DB2-BD59-A6C34878D82A}">
+                    <a16:rowId xmlns:a16="http://schemas.microsoft.com/office/drawing/2014/main" val="1097130139"/>
+                  </a:ext>
+                </a:extLst>
+              </a:tr>
+              <a:tr h="370840">
+                <a:tc>
+                  <a:txBody>
+                    <a:bodyPr/>
+                    <a:lstStyle/>
+                    <a:p>
+                      <a:pPr algn="ctr"/>
+                      <a:r>
+                        <a:rPr lang="en-US" sz="1600" dirty="0"/>
+                        <a:t>HTTP Response</a:t>
+                      </a:r>
+                    </a:p>
+                  </a:txBody>
+                  <a:tcPr anchor="ctr"/>
+                </a:tc>
+                <a:extLst>
+                  <a:ext uri="{0D108BD9-81ED-4DB2-BD59-A6C34878D82A}">
+                    <a16:rowId xmlns:a16="http://schemas.microsoft.com/office/drawing/2014/main" val="1710575467"/>
+                  </a:ext>
+                </a:extLst>
+              </a:tr>
+              <a:tr h="370840">
+                <a:tc>
+                  <a:txBody>
+                    <a:bodyPr/>
+                    <a:lstStyle/>
+                    <a:p>
+                      <a:pPr algn="ctr"/>
+                      <a:r>
+                        <a:rPr lang="en-US" sz="1600" dirty="0"/>
+                        <a:t>TCP</a:t>
+                      </a:r>
+                    </a:p>
+                  </a:txBody>
+                  <a:tcPr anchor="ctr"/>
+                </a:tc>
+                <a:extLst>
+                  <a:ext uri="{0D108BD9-81ED-4DB2-BD59-A6C34878D82A}">
+                    <a16:rowId xmlns:a16="http://schemas.microsoft.com/office/drawing/2014/main" val="3127025209"/>
+                  </a:ext>
+                </a:extLst>
+              </a:tr>
+              <a:tr h="370840">
+                <a:tc>
+                  <a:txBody>
+                    <a:bodyPr/>
+                    <a:lstStyle/>
+                    <a:p>
+                      <a:pPr algn="ctr"/>
+                      <a:r>
+                        <a:rPr lang="en-US" sz="1600" dirty="0"/>
+                        <a:t>IP</a:t>
+                      </a:r>
+                    </a:p>
+                  </a:txBody>
+                  <a:tcPr anchor="ctr"/>
+                </a:tc>
+                <a:extLst>
+                  <a:ext uri="{0D108BD9-81ED-4DB2-BD59-A6C34878D82A}">
+                    <a16:rowId xmlns:a16="http://schemas.microsoft.com/office/drawing/2014/main" val="915169208"/>
+                  </a:ext>
+                </a:extLst>
+              </a:tr>
+            </a:tbl>
+          </a:graphicData>
+        </a:graphic>
+      </p:graphicFrame>
+      <p:graphicFrame>
+        <p:nvGraphicFramePr>
+          <p:cNvPr id="90" name="Table 84">
+            <a:extLst>
+              <a:ext uri="{FF2B5EF4-FFF2-40B4-BE49-F238E27FC236}">
+                <a16:creationId xmlns:a16="http://schemas.microsoft.com/office/drawing/2014/main" id="{0BEEBD15-9734-4C4D-A766-F0AFE729DA74}"/>
+              </a:ext>
+            </a:extLst>
+          </p:cNvPr>
+          <p:cNvGraphicFramePr>
+            <a:graphicFrameLocks noGrp="1"/>
+          </p:cNvGraphicFramePr>
+          <p:nvPr>
+            <p:extLst>
+              <p:ext uri="{D42A27DB-BD31-4B8C-83A1-F6EECF244321}">
+                <p14:modId xmlns:p14="http://schemas.microsoft.com/office/powerpoint/2010/main" val="1310102474"/>
+              </p:ext>
+            </p:extLst>
+          </p:nvPr>
+        </p:nvGraphicFramePr>
+        <p:xfrm>
+          <a:off x="7574785" y="3886879"/>
+          <a:ext cx="1378588" cy="1691640"/>
+        </p:xfrm>
+        <a:graphic>
+          <a:graphicData uri="http://schemas.openxmlformats.org/drawingml/2006/table">
+            <a:tbl>
+              <a:tblPr>
+                <a:tableStyleId>{E8B1032C-EA38-4F05-BA0D-38AFFFC7BED3}</a:tableStyleId>
+              </a:tblPr>
+              <a:tblGrid>
+                <a:gridCol w="1378588">
+                  <a:extLst>
+                    <a:ext uri="{9D8B030D-6E8A-4147-A177-3AD203B41FA5}">
+                      <a16:colId xmlns:a16="http://schemas.microsoft.com/office/drawing/2014/main" val="291790476"/>
+                    </a:ext>
+                  </a:extLst>
+                </a:gridCol>
+              </a:tblGrid>
+              <a:tr h="370840">
+                <a:tc>
+                  <a:txBody>
+                    <a:bodyPr/>
+                    <a:lstStyle/>
+                    <a:p>
+                      <a:pPr algn="ctr"/>
+                      <a:r>
+                        <a:rPr lang="en-US" sz="1600" dirty="0"/>
+                        <a:t>HTML</a:t>
+                      </a:r>
+                    </a:p>
+                  </a:txBody>
+                  <a:tcPr anchor="ctr"/>
+                </a:tc>
+                <a:extLst>
+                  <a:ext uri="{0D108BD9-81ED-4DB2-BD59-A6C34878D82A}">
+                    <a16:rowId xmlns:a16="http://schemas.microsoft.com/office/drawing/2014/main" val="1097130139"/>
+                  </a:ext>
+                </a:extLst>
+              </a:tr>
+              <a:tr h="370840">
+                <a:tc>
+                  <a:txBody>
+                    <a:bodyPr/>
+                    <a:lstStyle/>
+                    <a:p>
+                      <a:pPr algn="ctr"/>
+                      <a:r>
+                        <a:rPr lang="en-US" sz="1600" dirty="0"/>
+                        <a:t>HTTP Response</a:t>
+                      </a:r>
+                    </a:p>
+                  </a:txBody>
+                  <a:tcPr anchor="ctr"/>
+                </a:tc>
+                <a:extLst>
+                  <a:ext uri="{0D108BD9-81ED-4DB2-BD59-A6C34878D82A}">
+                    <a16:rowId xmlns:a16="http://schemas.microsoft.com/office/drawing/2014/main" val="1710575467"/>
+                  </a:ext>
+                </a:extLst>
+              </a:tr>
+              <a:tr h="370840">
+                <a:tc>
+                  <a:txBody>
+                    <a:bodyPr/>
+                    <a:lstStyle/>
+                    <a:p>
+                      <a:pPr algn="ctr"/>
+                      <a:r>
+                        <a:rPr lang="en-US" sz="1600" dirty="0"/>
+                        <a:t>TCP</a:t>
+                      </a:r>
+                    </a:p>
+                  </a:txBody>
+                  <a:tcPr anchor="ctr"/>
+                </a:tc>
+                <a:extLst>
+                  <a:ext uri="{0D108BD9-81ED-4DB2-BD59-A6C34878D82A}">
+                    <a16:rowId xmlns:a16="http://schemas.microsoft.com/office/drawing/2014/main" val="3127025209"/>
+                  </a:ext>
+                </a:extLst>
+              </a:tr>
+              <a:tr h="370840">
+                <a:tc>
+                  <a:txBody>
+                    <a:bodyPr/>
+                    <a:lstStyle/>
+                    <a:p>
+                      <a:pPr algn="ctr"/>
+                      <a:r>
+                        <a:rPr lang="en-US" sz="1600" dirty="0"/>
+                        <a:t>IP</a:t>
+                      </a:r>
+                    </a:p>
+                  </a:txBody>
+                  <a:tcPr anchor="ctr"/>
+                </a:tc>
+                <a:extLst>
+                  <a:ext uri="{0D108BD9-81ED-4DB2-BD59-A6C34878D82A}">
+                    <a16:rowId xmlns:a16="http://schemas.microsoft.com/office/drawing/2014/main" val="915169208"/>
+                  </a:ext>
+                </a:extLst>
+              </a:tr>
+            </a:tbl>
+          </a:graphicData>
+        </a:graphic>
+      </p:graphicFrame>
+      <p:grpSp>
+        <p:nvGrpSpPr>
+          <p:cNvPr id="94" name="Group 93">
+            <a:extLst>
+              <a:ext uri="{FF2B5EF4-FFF2-40B4-BE49-F238E27FC236}">
+                <a16:creationId xmlns:a16="http://schemas.microsoft.com/office/drawing/2014/main" id="{F57358B7-2809-4C08-87E3-A2FEAC00263B}"/>
+              </a:ext>
+            </a:extLst>
+          </p:cNvPr>
+          <p:cNvGrpSpPr/>
+          <p:nvPr/>
+        </p:nvGrpSpPr>
+        <p:grpSpPr>
+          <a:xfrm>
+            <a:off x="6377154" y="2221304"/>
+            <a:ext cx="394472" cy="1078768"/>
+            <a:chOff x="6377154" y="2221304"/>
+            <a:chExt cx="394472" cy="1078768"/>
+          </a:xfrm>
+        </p:grpSpPr>
+        <p:sp>
+          <p:nvSpPr>
+            <p:cNvPr id="91" name="Arrow: Up 90">
+              <a:extLst>
+                <a:ext uri="{FF2B5EF4-FFF2-40B4-BE49-F238E27FC236}">
+                  <a16:creationId xmlns:a16="http://schemas.microsoft.com/office/drawing/2014/main" id="{6EE60A8D-E6F8-4B53-80DB-E241F20F4414}"/>
+                </a:ext>
+              </a:extLst>
+            </p:cNvPr>
+            <p:cNvSpPr/>
+            <p:nvPr/>
+          </p:nvSpPr>
+          <p:spPr>
+            <a:xfrm>
+              <a:off x="6558524" y="2221304"/>
+              <a:ext cx="213102" cy="1078768"/>
+            </a:xfrm>
+            <a:prstGeom prst="upArrow">
+              <a:avLst/>
+            </a:prstGeom>
+            <a:solidFill>
+              <a:schemeClr val="accent6">
+                <a:lumMod val="60000"/>
+                <a:lumOff val="40000"/>
+              </a:schemeClr>
+            </a:solidFill>
+            <a:ln>
+              <a:noFill/>
+            </a:ln>
+          </p:spPr>
+          <p:style>
+            <a:lnRef idx="2">
+              <a:schemeClr val="accent6"/>
+            </a:lnRef>
+            <a:fillRef idx="1">
+              <a:schemeClr val="lt1"/>
+            </a:fillRef>
+            <a:effectRef idx="0">
+              <a:schemeClr val="accent6"/>
+            </a:effectRef>
+            <a:fontRef idx="minor">
+              <a:schemeClr val="dk1"/>
+            </a:fontRef>
+          </p:style>
+          <p:txBody>
+            <a:bodyPr rtlCol="0" anchor="ctr"/>
+            <a:lstStyle/>
+            <a:p>
+              <a:pPr algn="ctr"/>
+              <a:endParaRPr lang="en-US"/>
+            </a:p>
+          </p:txBody>
+        </p:sp>
+        <p:sp>
+          <p:nvSpPr>
+            <p:cNvPr id="93" name="Arrow: Up 92">
+              <a:extLst>
+                <a:ext uri="{FF2B5EF4-FFF2-40B4-BE49-F238E27FC236}">
+                  <a16:creationId xmlns:a16="http://schemas.microsoft.com/office/drawing/2014/main" id="{BCB8CC18-FD2D-492A-86A6-364F2E1E56A3}"/>
+                </a:ext>
+              </a:extLst>
+            </p:cNvPr>
+            <p:cNvSpPr/>
+            <p:nvPr/>
+          </p:nvSpPr>
+          <p:spPr>
+            <a:xfrm rot="10800000">
+              <a:off x="6377154" y="2221304"/>
+              <a:ext cx="213102" cy="1078768"/>
+            </a:xfrm>
+            <a:prstGeom prst="upArrow">
+              <a:avLst/>
+            </a:prstGeom>
+            <a:solidFill>
+              <a:schemeClr val="accent6">
+                <a:lumMod val="60000"/>
+                <a:lumOff val="40000"/>
+              </a:schemeClr>
+            </a:solidFill>
+            <a:ln>
+              <a:noFill/>
+            </a:ln>
+          </p:spPr>
+          <p:style>
+            <a:lnRef idx="2">
+              <a:schemeClr val="accent6"/>
+            </a:lnRef>
+            <a:fillRef idx="1">
+              <a:schemeClr val="lt1"/>
+            </a:fillRef>
+            <a:effectRef idx="0">
+              <a:schemeClr val="accent6"/>
+            </a:effectRef>
+            <a:fontRef idx="minor">
+              <a:schemeClr val="dk1"/>
+            </a:fontRef>
+          </p:style>
+          <p:txBody>
+            <a:bodyPr rtlCol="0" anchor="ctr"/>
+            <a:lstStyle/>
+            <a:p>
+              <a:pPr algn="ctr"/>
+              <a:endParaRPr lang="en-US"/>
+            </a:p>
+          </p:txBody>
+        </p:sp>
+      </p:grpSp>
+      <p:grpSp>
+        <p:nvGrpSpPr>
+          <p:cNvPr id="95" name="Group 94">
+            <a:extLst>
+              <a:ext uri="{FF2B5EF4-FFF2-40B4-BE49-F238E27FC236}">
+                <a16:creationId xmlns:a16="http://schemas.microsoft.com/office/drawing/2014/main" id="{75A2BF15-9B35-46A7-8AF8-B021C34C9BEC}"/>
+              </a:ext>
+            </a:extLst>
+          </p:cNvPr>
+          <p:cNvGrpSpPr/>
+          <p:nvPr/>
+        </p:nvGrpSpPr>
+        <p:grpSpPr>
+          <a:xfrm>
+            <a:off x="1953446" y="2221304"/>
+            <a:ext cx="394472" cy="1078768"/>
+            <a:chOff x="6377154" y="2221304"/>
+            <a:chExt cx="394472" cy="1078768"/>
+          </a:xfrm>
+        </p:grpSpPr>
+        <p:sp>
+          <p:nvSpPr>
+            <p:cNvPr id="96" name="Arrow: Up 95">
+              <a:extLst>
+                <a:ext uri="{FF2B5EF4-FFF2-40B4-BE49-F238E27FC236}">
+                  <a16:creationId xmlns:a16="http://schemas.microsoft.com/office/drawing/2014/main" id="{D4E87F9C-FDD6-4A24-A780-21216FE3D441}"/>
+                </a:ext>
+              </a:extLst>
+            </p:cNvPr>
+            <p:cNvSpPr/>
+            <p:nvPr/>
+          </p:nvSpPr>
+          <p:spPr>
+            <a:xfrm>
+              <a:off x="6558524" y="2221304"/>
+              <a:ext cx="213102" cy="1078768"/>
+            </a:xfrm>
+            <a:prstGeom prst="upArrow">
+              <a:avLst/>
+            </a:prstGeom>
+            <a:solidFill>
+              <a:schemeClr val="accent6">
+                <a:lumMod val="60000"/>
+                <a:lumOff val="40000"/>
+              </a:schemeClr>
+            </a:solidFill>
+            <a:ln>
+              <a:noFill/>
+            </a:ln>
+          </p:spPr>
+          <p:style>
+            <a:lnRef idx="2">
+              <a:schemeClr val="accent6"/>
+            </a:lnRef>
+            <a:fillRef idx="1">
+              <a:schemeClr val="lt1"/>
+            </a:fillRef>
+            <a:effectRef idx="0">
+              <a:schemeClr val="accent6"/>
+            </a:effectRef>
+            <a:fontRef idx="minor">
+              <a:schemeClr val="dk1"/>
+            </a:fontRef>
+          </p:style>
+          <p:txBody>
+            <a:bodyPr rtlCol="0" anchor="ctr"/>
+            <a:lstStyle/>
+            <a:p>
+              <a:pPr algn="ctr"/>
+              <a:endParaRPr lang="en-US"/>
+            </a:p>
+          </p:txBody>
+        </p:sp>
+        <p:sp>
+          <p:nvSpPr>
+            <p:cNvPr id="97" name="Arrow: Up 96">
+              <a:extLst>
+                <a:ext uri="{FF2B5EF4-FFF2-40B4-BE49-F238E27FC236}">
+                  <a16:creationId xmlns:a16="http://schemas.microsoft.com/office/drawing/2014/main" id="{685BD126-675C-4925-9E2C-E510FFD56278}"/>
+                </a:ext>
+              </a:extLst>
+            </p:cNvPr>
+            <p:cNvSpPr/>
+            <p:nvPr/>
+          </p:nvSpPr>
+          <p:spPr>
+            <a:xfrm rot="10800000">
+              <a:off x="6377154" y="2221304"/>
+              <a:ext cx="213102" cy="1078768"/>
+            </a:xfrm>
+            <a:prstGeom prst="upArrow">
+              <a:avLst/>
+            </a:prstGeom>
+            <a:solidFill>
+              <a:schemeClr val="accent6">
+                <a:lumMod val="60000"/>
+                <a:lumOff val="40000"/>
+              </a:schemeClr>
+            </a:solidFill>
+            <a:ln>
+              <a:noFill/>
+            </a:ln>
+          </p:spPr>
+          <p:style>
+            <a:lnRef idx="2">
+              <a:schemeClr val="accent6"/>
+            </a:lnRef>
+            <a:fillRef idx="1">
+              <a:schemeClr val="lt1"/>
+            </a:fillRef>
+            <a:effectRef idx="0">
+              <a:schemeClr val="accent6"/>
+            </a:effectRef>
+            <a:fontRef idx="minor">
+              <a:schemeClr val="dk1"/>
+            </a:fontRef>
+          </p:style>
+          <p:txBody>
+            <a:bodyPr rtlCol="0" anchor="ctr"/>
+            <a:lstStyle/>
+            <a:p>
+              <a:pPr algn="ctr"/>
+              <a:endParaRPr lang="en-US"/>
+            </a:p>
+          </p:txBody>
+        </p:sp>
+      </p:grpSp>
+      <p:grpSp>
+        <p:nvGrpSpPr>
+          <p:cNvPr id="98" name="Group 97">
+            <a:extLst>
+              <a:ext uri="{FF2B5EF4-FFF2-40B4-BE49-F238E27FC236}">
+                <a16:creationId xmlns:a16="http://schemas.microsoft.com/office/drawing/2014/main" id="{6E4CF67E-0260-4A49-947F-C7A275729510}"/>
+              </a:ext>
+            </a:extLst>
+          </p:cNvPr>
+          <p:cNvGrpSpPr/>
+          <p:nvPr/>
+        </p:nvGrpSpPr>
+        <p:grpSpPr>
+          <a:xfrm>
+            <a:off x="10856028" y="2227986"/>
+            <a:ext cx="394472" cy="1078768"/>
+            <a:chOff x="6377154" y="2221304"/>
+            <a:chExt cx="394472" cy="1078768"/>
+          </a:xfrm>
+        </p:grpSpPr>
+        <p:sp>
+          <p:nvSpPr>
+            <p:cNvPr id="99" name="Arrow: Up 98">
+              <a:extLst>
+                <a:ext uri="{FF2B5EF4-FFF2-40B4-BE49-F238E27FC236}">
+                  <a16:creationId xmlns:a16="http://schemas.microsoft.com/office/drawing/2014/main" id="{C04E0315-D21A-4AE4-85F9-8F48354B6629}"/>
+                </a:ext>
+              </a:extLst>
+            </p:cNvPr>
+            <p:cNvSpPr/>
+            <p:nvPr/>
+          </p:nvSpPr>
+          <p:spPr>
+            <a:xfrm>
+              <a:off x="6558524" y="2221304"/>
+              <a:ext cx="213102" cy="1078768"/>
+            </a:xfrm>
+            <a:prstGeom prst="upArrow">
+              <a:avLst/>
+            </a:prstGeom>
+            <a:solidFill>
+              <a:schemeClr val="accent6">
+                <a:lumMod val="60000"/>
+                <a:lumOff val="40000"/>
+              </a:schemeClr>
+            </a:solidFill>
+            <a:ln>
+              <a:noFill/>
+            </a:ln>
+          </p:spPr>
+          <p:style>
+            <a:lnRef idx="2">
+              <a:schemeClr val="accent6"/>
+            </a:lnRef>
+            <a:fillRef idx="1">
+              <a:schemeClr val="lt1"/>
+            </a:fillRef>
+            <a:effectRef idx="0">
+              <a:schemeClr val="accent6"/>
+            </a:effectRef>
+            <a:fontRef idx="minor">
+              <a:schemeClr val="dk1"/>
+            </a:fontRef>
+          </p:style>
+          <p:txBody>
+            <a:bodyPr rtlCol="0" anchor="ctr"/>
+            <a:lstStyle/>
+            <a:p>
+              <a:pPr algn="ctr"/>
+              <a:endParaRPr lang="en-US"/>
+            </a:p>
+          </p:txBody>
+        </p:sp>
+        <p:sp>
+          <p:nvSpPr>
+            <p:cNvPr id="100" name="Arrow: Up 99">
+              <a:extLst>
+                <a:ext uri="{FF2B5EF4-FFF2-40B4-BE49-F238E27FC236}">
+                  <a16:creationId xmlns:a16="http://schemas.microsoft.com/office/drawing/2014/main" id="{911C7348-6C42-4E4E-9473-BF86DAA9C785}"/>
+                </a:ext>
+              </a:extLst>
+            </p:cNvPr>
+            <p:cNvSpPr/>
+            <p:nvPr/>
+          </p:nvSpPr>
+          <p:spPr>
+            <a:xfrm rot="10800000">
+              <a:off x="6377154" y="2221304"/>
+              <a:ext cx="213102" cy="1078768"/>
+            </a:xfrm>
+            <a:prstGeom prst="upArrow">
+              <a:avLst/>
+            </a:prstGeom>
+            <a:solidFill>
+              <a:schemeClr val="accent6">
+                <a:lumMod val="60000"/>
+                <a:lumOff val="40000"/>
+              </a:schemeClr>
+            </a:solidFill>
+            <a:ln>
+              <a:noFill/>
+            </a:ln>
+          </p:spPr>
+          <p:style>
+            <a:lnRef idx="2">
+              <a:schemeClr val="accent6"/>
+            </a:lnRef>
+            <a:fillRef idx="1">
+              <a:schemeClr val="lt1"/>
+            </a:fillRef>
+            <a:effectRef idx="0">
+              <a:schemeClr val="accent6"/>
+            </a:effectRef>
+            <a:fontRef idx="minor">
+              <a:schemeClr val="dk1"/>
+            </a:fontRef>
+          </p:style>
+          <p:txBody>
+            <a:bodyPr rtlCol="0" anchor="ctr"/>
+            <a:lstStyle/>
+            <a:p>
+              <a:pPr algn="ctr"/>
+              <a:endParaRPr lang="en-US"/>
+            </a:p>
+          </p:txBody>
+        </p:sp>
+      </p:grpSp>
+    </p:spTree>
+    <p:extLst>
+      <p:ext uri="{BB962C8B-B14F-4D97-AF65-F5344CB8AC3E}">
+        <p14:creationId xmlns:p14="http://schemas.microsoft.com/office/powerpoint/2010/main" val="2722519780"/>
+      </p:ext>
+    </p:extLst>
+  </p:cSld>
+  <p:clrMapOvr>
+    <a:masterClrMapping/>
+  </p:clrMapOvr>
+</p:sld>
+</file>
+
+<file path=ppt/slides/slide15.xml><?xml version="1.0" encoding="utf-8"?>
+<p:sld xmlns:a="http://schemas.openxmlformats.org/drawingml/2006/main" xmlns:r="http://schemas.openxmlformats.org/officeDocument/2006/relationships" xmlns:p="http://schemas.openxmlformats.org/presentationml/2006/main">
+  <p:cSld>
+    <p:spTree>
+      <p:nvGrpSpPr>
+        <p:cNvPr id="1" name=""/>
+        <p:cNvGrpSpPr/>
+        <p:nvPr/>
+      </p:nvGrpSpPr>
+      <p:grpSpPr>
+        <a:xfrm>
+          <a:off x="0" y="0"/>
+          <a:ext cx="0" cy="0"/>
+          <a:chOff x="0" y="0"/>
+          <a:chExt cx="0" cy="0"/>
+        </a:xfrm>
+      </p:grpSpPr>
+      <p:cxnSp>
+        <p:nvCxnSpPr>
+          <p:cNvPr id="127" name="Straight Connector 126">
+            <a:extLst>
+              <a:ext uri="{FF2B5EF4-FFF2-40B4-BE49-F238E27FC236}">
+                <a16:creationId xmlns:a16="http://schemas.microsoft.com/office/drawing/2014/main" id="{E61D0881-197F-4E67-ADDB-4D08D42C7EB6}"/>
+              </a:ext>
+            </a:extLst>
+          </p:cNvPr>
+          <p:cNvCxnSpPr>
+            <a:cxnSpLocks/>
+          </p:cNvCxnSpPr>
+          <p:nvPr/>
+        </p:nvCxnSpPr>
+        <p:spPr>
+          <a:xfrm>
+            <a:off x="6288333" y="5528872"/>
+            <a:ext cx="1594494" cy="0"/>
+          </a:xfrm>
+          <a:prstGeom prst="line">
+            <a:avLst/>
+          </a:prstGeom>
+          <a:ln cap="rnd"/>
+        </p:spPr>
+        <p:style>
+          <a:lnRef idx="3">
+            <a:schemeClr val="accent6"/>
+          </a:lnRef>
+          <a:fillRef idx="0">
+            <a:schemeClr val="accent6"/>
+          </a:fillRef>
+          <a:effectRef idx="2">
+            <a:schemeClr val="accent6"/>
+          </a:effectRef>
+          <a:fontRef idx="minor">
+            <a:schemeClr val="tx1"/>
+          </a:fontRef>
+        </p:style>
+      </p:cxnSp>
+      <p:sp>
+        <p:nvSpPr>
+          <p:cNvPr id="2" name="Rectangle 1" hidden="1">
+            <a:extLst>
+              <a:ext uri="{FF2B5EF4-FFF2-40B4-BE49-F238E27FC236}">
+                <a16:creationId xmlns:a16="http://schemas.microsoft.com/office/drawing/2014/main" id="{5CCCBFA1-FDCD-4E57-81CE-6E0F8D7901BF}"/>
+              </a:ext>
+            </a:extLst>
+          </p:cNvPr>
+          <p:cNvSpPr/>
+          <p:nvPr/>
+        </p:nvSpPr>
+        <p:spPr>
+          <a:xfrm>
+            <a:off x="0" y="0"/>
+            <a:ext cx="12192000" cy="6858000"/>
+          </a:xfrm>
+          <a:prstGeom prst="rect">
+            <a:avLst/>
+          </a:prstGeom>
+          <a:solidFill>
+            <a:schemeClr val="bg1"/>
+          </a:solidFill>
+          <a:ln>
+            <a:noFill/>
+          </a:ln>
+        </p:spPr>
+        <p:style>
+          <a:lnRef idx="2">
+            <a:schemeClr val="accent1">
+              <a:shade val="50000"/>
+            </a:schemeClr>
+          </a:lnRef>
+          <a:fillRef idx="1">
+            <a:schemeClr val="accent1"/>
+          </a:fillRef>
+          <a:effectRef idx="0">
+            <a:schemeClr val="accent1"/>
+          </a:effectRef>
+          <a:fontRef idx="minor">
+            <a:schemeClr val="lt1"/>
+          </a:fontRef>
+        </p:style>
+        <p:txBody>
+          <a:bodyPr rtlCol="0" anchor="ctr"/>
+          <a:lstStyle/>
+          <a:p>
+            <a:pPr algn="ctr"/>
+            <a:endParaRPr lang="en-US" dirty="0"/>
+          </a:p>
+        </p:txBody>
+      </p:sp>
+      <p:sp>
+        <p:nvSpPr>
+          <p:cNvPr id="38" name="TextBox 37">
+            <a:extLst>
+              <a:ext uri="{FF2B5EF4-FFF2-40B4-BE49-F238E27FC236}">
+                <a16:creationId xmlns:a16="http://schemas.microsoft.com/office/drawing/2014/main" id="{91D2CAB9-EF2E-4B5B-B20A-806B6DD60F42}"/>
+              </a:ext>
+            </a:extLst>
+          </p:cNvPr>
+          <p:cNvSpPr txBox="1"/>
+          <p:nvPr/>
+        </p:nvSpPr>
+        <p:spPr>
+          <a:xfrm>
+            <a:off x="3397135" y="250222"/>
+            <a:ext cx="5397730" cy="523220"/>
+          </a:xfrm>
+          <a:prstGeom prst="rect">
+            <a:avLst/>
+          </a:prstGeom>
+          <a:noFill/>
+        </p:spPr>
+        <p:txBody>
+          <a:bodyPr wrap="square" rtlCol="0">
+            <a:spAutoFit/>
+          </a:bodyPr>
+          <a:lstStyle/>
+          <a:p>
+            <a:pPr algn="ctr"/>
+            <a:r>
+              <a:rPr lang="en-US" sz="2800" dirty="0">
+                <a:solidFill>
+                  <a:schemeClr val="accent6">
+                    <a:lumMod val="75000"/>
+                  </a:schemeClr>
+                </a:solidFill>
+              </a:rPr>
+              <a:t>Monolithic v. Microservice</a:t>
+            </a:r>
+          </a:p>
+        </p:txBody>
+      </p:sp>
+      <p:grpSp>
+        <p:nvGrpSpPr>
+          <p:cNvPr id="49" name="Group 48">
+            <a:extLst>
+              <a:ext uri="{FF2B5EF4-FFF2-40B4-BE49-F238E27FC236}">
+                <a16:creationId xmlns:a16="http://schemas.microsoft.com/office/drawing/2014/main" id="{B8CE06AF-2806-4107-95D9-AAC286CC343B}"/>
+              </a:ext>
+            </a:extLst>
+          </p:cNvPr>
+          <p:cNvGrpSpPr/>
+          <p:nvPr/>
+        </p:nvGrpSpPr>
+        <p:grpSpPr>
+          <a:xfrm>
+            <a:off x="3766877" y="629685"/>
+            <a:ext cx="4498072" cy="297874"/>
+            <a:chOff x="3971469" y="624781"/>
+            <a:chExt cx="4498072" cy="297874"/>
+          </a:xfrm>
+        </p:grpSpPr>
+        <p:cxnSp>
+          <p:nvCxnSpPr>
+            <p:cNvPr id="40" name="Straight Connector 39">
+              <a:extLst>
+                <a:ext uri="{FF2B5EF4-FFF2-40B4-BE49-F238E27FC236}">
+                  <a16:creationId xmlns:a16="http://schemas.microsoft.com/office/drawing/2014/main" id="{D6E0AC31-61D0-4CE2-AA3B-3C6978E8704A}"/>
+                </a:ext>
+              </a:extLst>
+            </p:cNvPr>
+            <p:cNvCxnSpPr/>
+            <p:nvPr/>
+          </p:nvCxnSpPr>
+          <p:spPr>
+            <a:xfrm>
+              <a:off x="5170031" y="773442"/>
+              <a:ext cx="2057400" cy="0"/>
+            </a:xfrm>
+            <a:prstGeom prst="line">
+              <a:avLst/>
+            </a:prstGeom>
+            <a:ln cap="rnd"/>
+          </p:spPr>
+          <p:style>
+            <a:lnRef idx="3">
+              <a:schemeClr val="accent6"/>
+            </a:lnRef>
+            <a:fillRef idx="0">
+              <a:schemeClr val="accent6"/>
+            </a:fillRef>
+            <a:effectRef idx="2">
+              <a:schemeClr val="accent6"/>
+            </a:effectRef>
+            <a:fontRef idx="minor">
+              <a:schemeClr val="tx1"/>
+            </a:fontRef>
+          </p:style>
+        </p:cxnSp>
+        <p:cxnSp>
+          <p:nvCxnSpPr>
+            <p:cNvPr id="41" name="Straight Connector 40">
+              <a:extLst>
+                <a:ext uri="{FF2B5EF4-FFF2-40B4-BE49-F238E27FC236}">
+                  <a16:creationId xmlns:a16="http://schemas.microsoft.com/office/drawing/2014/main" id="{B388F3BF-FB37-4435-8519-443F06647178}"/>
+                </a:ext>
+              </a:extLst>
+            </p:cNvPr>
+            <p:cNvCxnSpPr>
+              <a:cxnSpLocks/>
+            </p:cNvCxnSpPr>
+            <p:nvPr/>
+          </p:nvCxnSpPr>
+          <p:spPr>
+            <a:xfrm>
+              <a:off x="7349270" y="697242"/>
+              <a:ext cx="1027511" cy="0"/>
+            </a:xfrm>
+            <a:prstGeom prst="line">
+              <a:avLst/>
+            </a:prstGeom>
+            <a:ln cap="rnd"/>
+          </p:spPr>
+          <p:style>
+            <a:lnRef idx="3">
+              <a:schemeClr val="accent6"/>
+            </a:lnRef>
+            <a:fillRef idx="0">
+              <a:schemeClr val="accent6"/>
+            </a:fillRef>
+            <a:effectRef idx="2">
+              <a:schemeClr val="accent6"/>
+            </a:effectRef>
+            <a:fontRef idx="minor">
+              <a:schemeClr val="tx1"/>
+            </a:fontRef>
+          </p:style>
+        </p:cxnSp>
+        <p:cxnSp>
+          <p:nvCxnSpPr>
+            <p:cNvPr id="43" name="Straight Connector 42">
+              <a:extLst>
+                <a:ext uri="{FF2B5EF4-FFF2-40B4-BE49-F238E27FC236}">
+                  <a16:creationId xmlns:a16="http://schemas.microsoft.com/office/drawing/2014/main" id="{EC5F7052-9710-4CD3-8A81-EEE0E9A7244C}"/>
+                </a:ext>
+              </a:extLst>
+            </p:cNvPr>
+            <p:cNvCxnSpPr>
+              <a:cxnSpLocks/>
+            </p:cNvCxnSpPr>
+            <p:nvPr/>
+          </p:nvCxnSpPr>
+          <p:spPr>
+            <a:xfrm flipV="1">
+              <a:off x="7227431" y="697242"/>
+              <a:ext cx="121839" cy="76200"/>
+            </a:xfrm>
+            <a:prstGeom prst="line">
+              <a:avLst/>
+            </a:prstGeom>
+            <a:ln cap="rnd"/>
+          </p:spPr>
+          <p:style>
+            <a:lnRef idx="3">
+              <a:schemeClr val="accent6"/>
+            </a:lnRef>
+            <a:fillRef idx="0">
+              <a:schemeClr val="accent6"/>
+            </a:fillRef>
+            <a:effectRef idx="2">
+              <a:schemeClr val="accent6"/>
+            </a:effectRef>
+            <a:fontRef idx="minor">
+              <a:schemeClr val="tx1"/>
+            </a:fontRef>
+          </p:style>
+        </p:cxnSp>
+        <p:cxnSp>
+          <p:nvCxnSpPr>
+            <p:cNvPr id="46" name="Straight Connector 45">
+              <a:extLst>
+                <a:ext uri="{FF2B5EF4-FFF2-40B4-BE49-F238E27FC236}">
+                  <a16:creationId xmlns:a16="http://schemas.microsoft.com/office/drawing/2014/main" id="{C86B609C-3E9D-4EA1-9D7B-7AD108C8C57B}"/>
+                </a:ext>
+              </a:extLst>
+            </p:cNvPr>
+            <p:cNvCxnSpPr>
+              <a:cxnSpLocks/>
+            </p:cNvCxnSpPr>
+            <p:nvPr/>
+          </p:nvCxnSpPr>
+          <p:spPr>
+            <a:xfrm flipV="1">
+              <a:off x="5048192" y="773442"/>
+              <a:ext cx="121839" cy="76200"/>
+            </a:xfrm>
+            <a:prstGeom prst="line">
+              <a:avLst/>
+            </a:prstGeom>
+            <a:ln cap="rnd"/>
+          </p:spPr>
+          <p:style>
+            <a:lnRef idx="3">
+              <a:schemeClr val="accent6"/>
+            </a:lnRef>
+            <a:fillRef idx="0">
+              <a:schemeClr val="accent6"/>
+            </a:fillRef>
+            <a:effectRef idx="2">
+              <a:schemeClr val="accent6"/>
+            </a:effectRef>
+            <a:fontRef idx="minor">
+              <a:schemeClr val="tx1"/>
+            </a:fontRef>
+          </p:style>
+        </p:cxnSp>
+        <p:cxnSp>
+          <p:nvCxnSpPr>
+            <p:cNvPr id="47" name="Straight Connector 46">
+              <a:extLst>
+                <a:ext uri="{FF2B5EF4-FFF2-40B4-BE49-F238E27FC236}">
+                  <a16:creationId xmlns:a16="http://schemas.microsoft.com/office/drawing/2014/main" id="{0D690C07-0109-4CEC-B0CC-434EED608911}"/>
+                </a:ext>
+              </a:extLst>
+            </p:cNvPr>
+            <p:cNvCxnSpPr>
+              <a:cxnSpLocks/>
+            </p:cNvCxnSpPr>
+            <p:nvPr/>
+          </p:nvCxnSpPr>
+          <p:spPr>
+            <a:xfrm flipV="1">
+              <a:off x="4021655" y="849642"/>
+              <a:ext cx="1026537" cy="11668"/>
+            </a:xfrm>
+            <a:prstGeom prst="line">
+              <a:avLst/>
+            </a:prstGeom>
+            <a:ln cap="rnd"/>
+          </p:spPr>
+          <p:style>
+            <a:lnRef idx="3">
+              <a:schemeClr val="accent6"/>
+            </a:lnRef>
+            <a:fillRef idx="0">
+              <a:schemeClr val="accent6"/>
+            </a:fillRef>
+            <a:effectRef idx="2">
+              <a:schemeClr val="accent6"/>
+            </a:effectRef>
+            <a:fontRef idx="minor">
+              <a:schemeClr val="tx1"/>
+            </a:fontRef>
+          </p:style>
+        </p:cxnSp>
+        <p:sp>
+          <p:nvSpPr>
+            <p:cNvPr id="50" name="Oval 49">
+              <a:extLst>
+                <a:ext uri="{FF2B5EF4-FFF2-40B4-BE49-F238E27FC236}">
+                  <a16:creationId xmlns:a16="http://schemas.microsoft.com/office/drawing/2014/main" id="{EEA3A56A-D77B-4804-9467-3C2325189A39}"/>
+                </a:ext>
+              </a:extLst>
+            </p:cNvPr>
+            <p:cNvSpPr/>
+            <p:nvPr/>
+          </p:nvSpPr>
+          <p:spPr>
+            <a:xfrm>
+              <a:off x="3971469" y="789305"/>
+              <a:ext cx="133350" cy="133350"/>
+            </a:xfrm>
+            <a:prstGeom prst="ellipse">
+              <a:avLst/>
+            </a:prstGeom>
+          </p:spPr>
+          <p:style>
+            <a:lnRef idx="2">
+              <a:schemeClr val="accent6"/>
+            </a:lnRef>
+            <a:fillRef idx="1">
+              <a:schemeClr val="lt1"/>
+            </a:fillRef>
+            <a:effectRef idx="0">
+              <a:schemeClr val="accent6"/>
+            </a:effectRef>
+            <a:fontRef idx="minor">
+              <a:schemeClr val="dk1"/>
+            </a:fontRef>
+          </p:style>
+          <p:txBody>
+            <a:bodyPr rtlCol="0" anchor="ctr"/>
+            <a:lstStyle/>
+            <a:p>
+              <a:pPr algn="ctr"/>
+              <a:endParaRPr lang="en-US" i="1" dirty="0"/>
+            </a:p>
+          </p:txBody>
+        </p:sp>
+        <p:sp>
+          <p:nvSpPr>
+            <p:cNvPr id="51" name="Oval 50">
+              <a:extLst>
+                <a:ext uri="{FF2B5EF4-FFF2-40B4-BE49-F238E27FC236}">
+                  <a16:creationId xmlns:a16="http://schemas.microsoft.com/office/drawing/2014/main" id="{488A40C9-3C11-477D-B0FB-19648893F367}"/>
+                </a:ext>
+              </a:extLst>
+            </p:cNvPr>
+            <p:cNvSpPr/>
+            <p:nvPr/>
+          </p:nvSpPr>
+          <p:spPr>
+            <a:xfrm>
+              <a:off x="8336191" y="624781"/>
+              <a:ext cx="133350" cy="133350"/>
+            </a:xfrm>
+            <a:prstGeom prst="ellipse">
+              <a:avLst/>
+            </a:prstGeom>
+          </p:spPr>
+          <p:style>
+            <a:lnRef idx="2">
+              <a:schemeClr val="accent6"/>
+            </a:lnRef>
+            <a:fillRef idx="1">
+              <a:schemeClr val="lt1"/>
+            </a:fillRef>
+            <a:effectRef idx="0">
+              <a:schemeClr val="accent6"/>
+            </a:effectRef>
+            <a:fontRef idx="minor">
+              <a:schemeClr val="dk1"/>
+            </a:fontRef>
+          </p:style>
+          <p:txBody>
+            <a:bodyPr rtlCol="0" anchor="ctr"/>
+            <a:lstStyle/>
+            <a:p>
+              <a:pPr algn="ctr"/>
+              <a:endParaRPr lang="en-US" i="1" dirty="0"/>
+            </a:p>
+          </p:txBody>
+        </p:sp>
+      </p:grpSp>
+      <p:sp>
+        <p:nvSpPr>
+          <p:cNvPr id="19" name="TextBox 18">
+            <a:extLst>
+              <a:ext uri="{FF2B5EF4-FFF2-40B4-BE49-F238E27FC236}">
+                <a16:creationId xmlns:a16="http://schemas.microsoft.com/office/drawing/2014/main" id="{3718AA49-7B09-4FC3-ABD4-19396158116F}"/>
+              </a:ext>
+            </a:extLst>
+          </p:cNvPr>
+          <p:cNvSpPr txBox="1"/>
+          <p:nvPr/>
+        </p:nvSpPr>
+        <p:spPr>
+          <a:xfrm>
+            <a:off x="4443374" y="936449"/>
+            <a:ext cx="3305264" cy="369332"/>
+          </a:xfrm>
+          <a:prstGeom prst="rect">
+            <a:avLst/>
+          </a:prstGeom>
+          <a:noFill/>
+        </p:spPr>
+        <p:txBody>
+          <a:bodyPr wrap="none" rtlCol="0">
+            <a:spAutoFit/>
+          </a:bodyPr>
+          <a:lstStyle/>
+          <a:p>
+            <a:pPr algn="ctr"/>
+            <a:r>
+              <a:rPr lang="en-US" dirty="0"/>
+              <a:t>Or </a:t>
+            </a:r>
+            <a:r>
+              <a:rPr lang="en-US" i="1" dirty="0"/>
+              <a:t>How to partition the backend?</a:t>
+            </a:r>
+            <a:endParaRPr lang="en-US" dirty="0"/>
+          </a:p>
+        </p:txBody>
+      </p:sp>
+      <p:graphicFrame>
+        <p:nvGraphicFramePr>
+          <p:cNvPr id="84" name="Table 84">
+            <a:extLst>
+              <a:ext uri="{FF2B5EF4-FFF2-40B4-BE49-F238E27FC236}">
+                <a16:creationId xmlns:a16="http://schemas.microsoft.com/office/drawing/2014/main" id="{653AE111-FEEA-4542-89BC-7AD0F6C61AA1}"/>
+              </a:ext>
+            </a:extLst>
+          </p:cNvPr>
+          <p:cNvGraphicFramePr>
+            <a:graphicFrameLocks noGrp="1"/>
+          </p:cNvGraphicFramePr>
+          <p:nvPr>
+            <p:extLst>
+              <p:ext uri="{D42A27DB-BD31-4B8C-83A1-F6EECF244321}">
+                <p14:modId xmlns:p14="http://schemas.microsoft.com/office/powerpoint/2010/main" val="765805610"/>
+              </p:ext>
+            </p:extLst>
+          </p:nvPr>
+        </p:nvGraphicFramePr>
+        <p:xfrm>
+          <a:off x="2397835" y="2227985"/>
+          <a:ext cx="1922318" cy="2076167"/>
+        </p:xfrm>
+        <a:graphic>
+          <a:graphicData uri="http://schemas.openxmlformats.org/drawingml/2006/table">
+            <a:tbl>
+              <a:tblPr>
+                <a:tableStyleId>{E8B1032C-EA38-4F05-BA0D-38AFFFC7BED3}</a:tableStyleId>
+              </a:tblPr>
+              <a:tblGrid>
+                <a:gridCol w="1922318">
+                  <a:extLst>
+                    <a:ext uri="{9D8B030D-6E8A-4147-A177-3AD203B41FA5}">
+                      <a16:colId xmlns:a16="http://schemas.microsoft.com/office/drawing/2014/main" val="291790476"/>
+                    </a:ext>
+                  </a:extLst>
+                </a:gridCol>
+              </a:tblGrid>
+              <a:tr h="963647">
+                <a:tc>
+                  <a:txBody>
+                    <a:bodyPr/>
+                    <a:lstStyle/>
+                    <a:p>
+                      <a:pPr algn="l"/>
+                      <a:r>
+                        <a:rPr lang="en-US" sz="1600" dirty="0"/>
+                        <a:t>Code (PHP)</a:t>
+                      </a:r>
+                    </a:p>
+                  </a:txBody>
+                  <a:tcPr anchor="ctr">
+                    <a:solidFill>
+                      <a:schemeClr val="accent6">
+                        <a:lumMod val="20000"/>
+                        <a:lumOff val="80000"/>
+                      </a:schemeClr>
+                    </a:solidFill>
+                  </a:tcPr>
+                </a:tc>
+                <a:extLst>
+                  <a:ext uri="{0D108BD9-81ED-4DB2-BD59-A6C34878D82A}">
+                    <a16:rowId xmlns:a16="http://schemas.microsoft.com/office/drawing/2014/main" val="2996654697"/>
+                  </a:ext>
+                </a:extLst>
+              </a:tr>
+              <a:tr h="370840">
+                <a:tc>
+                  <a:txBody>
+                    <a:bodyPr/>
+                    <a:lstStyle/>
+                    <a:p>
+                      <a:pPr algn="l"/>
+                      <a:r>
+                        <a:rPr lang="en-US" sz="1600" dirty="0"/>
+                        <a:t>Server (Apache)</a:t>
+                      </a:r>
+                    </a:p>
+                  </a:txBody>
+                  <a:tcPr anchor="ctr">
+                    <a:solidFill>
+                      <a:schemeClr val="accent6">
+                        <a:lumMod val="20000"/>
+                        <a:lumOff val="80000"/>
+                      </a:schemeClr>
+                    </a:solidFill>
+                  </a:tcPr>
+                </a:tc>
+                <a:extLst>
+                  <a:ext uri="{0D108BD9-81ED-4DB2-BD59-A6C34878D82A}">
+                    <a16:rowId xmlns:a16="http://schemas.microsoft.com/office/drawing/2014/main" val="1710575467"/>
+                  </a:ext>
+                </a:extLst>
+              </a:tr>
+              <a:tr h="370840">
+                <a:tc>
+                  <a:txBody>
+                    <a:bodyPr/>
+                    <a:lstStyle/>
+                    <a:p>
+                      <a:pPr algn="l"/>
+                      <a:r>
+                        <a:rPr lang="en-US" sz="1600" dirty="0"/>
+                        <a:t>OS (Linux)</a:t>
+                      </a:r>
+                    </a:p>
+                  </a:txBody>
+                  <a:tcPr anchor="ctr">
+                    <a:solidFill>
+                      <a:schemeClr val="accent6">
+                        <a:lumMod val="20000"/>
+                        <a:lumOff val="80000"/>
+                      </a:schemeClr>
+                    </a:solidFill>
+                  </a:tcPr>
+                </a:tc>
+                <a:extLst>
+                  <a:ext uri="{0D108BD9-81ED-4DB2-BD59-A6C34878D82A}">
+                    <a16:rowId xmlns:a16="http://schemas.microsoft.com/office/drawing/2014/main" val="3127025209"/>
+                  </a:ext>
+                </a:extLst>
+              </a:tr>
+              <a:tr h="370840">
+                <a:tc>
+                  <a:txBody>
+                    <a:bodyPr/>
+                    <a:lstStyle/>
+                    <a:p>
+                      <a:pPr algn="l"/>
+                      <a:r>
+                        <a:rPr lang="en-US" sz="1600" dirty="0"/>
+                        <a:t>NIC</a:t>
+                      </a:r>
+                    </a:p>
+                  </a:txBody>
+                  <a:tcPr anchor="ctr">
+                    <a:solidFill>
+                      <a:schemeClr val="accent6">
+                        <a:lumMod val="20000"/>
+                        <a:lumOff val="80000"/>
+                      </a:schemeClr>
+                    </a:solidFill>
+                  </a:tcPr>
+                </a:tc>
+                <a:extLst>
+                  <a:ext uri="{0D108BD9-81ED-4DB2-BD59-A6C34878D82A}">
+                    <a16:rowId xmlns:a16="http://schemas.microsoft.com/office/drawing/2014/main" val="915169208"/>
+                  </a:ext>
+                </a:extLst>
+              </a:tr>
+            </a:tbl>
+          </a:graphicData>
+        </a:graphic>
+      </p:graphicFrame>
+      <p:grpSp>
+        <p:nvGrpSpPr>
+          <p:cNvPr id="94" name="Group 93">
+            <a:extLst>
+              <a:ext uri="{FF2B5EF4-FFF2-40B4-BE49-F238E27FC236}">
+                <a16:creationId xmlns:a16="http://schemas.microsoft.com/office/drawing/2014/main" id="{F57358B7-2809-4C08-87E3-A2FEAC00263B}"/>
+              </a:ext>
+            </a:extLst>
+          </p:cNvPr>
+          <p:cNvGrpSpPr/>
+          <p:nvPr/>
+        </p:nvGrpSpPr>
+        <p:grpSpPr>
+          <a:xfrm>
+            <a:off x="3846675" y="2382102"/>
+            <a:ext cx="394472" cy="1722866"/>
+            <a:chOff x="6377154" y="2221304"/>
+            <a:chExt cx="394472" cy="1078768"/>
+          </a:xfrm>
+        </p:grpSpPr>
+        <p:sp>
+          <p:nvSpPr>
+            <p:cNvPr id="91" name="Arrow: Up 90">
+              <a:extLst>
+                <a:ext uri="{FF2B5EF4-FFF2-40B4-BE49-F238E27FC236}">
+                  <a16:creationId xmlns:a16="http://schemas.microsoft.com/office/drawing/2014/main" id="{6EE60A8D-E6F8-4B53-80DB-E241F20F4414}"/>
+                </a:ext>
+              </a:extLst>
+            </p:cNvPr>
+            <p:cNvSpPr/>
+            <p:nvPr/>
+          </p:nvSpPr>
+          <p:spPr>
+            <a:xfrm>
+              <a:off x="6558524" y="2221304"/>
+              <a:ext cx="213102" cy="1078768"/>
+            </a:xfrm>
+            <a:prstGeom prst="upArrow">
+              <a:avLst/>
+            </a:prstGeom>
+            <a:solidFill>
+              <a:schemeClr val="accent6">
+                <a:lumMod val="60000"/>
+                <a:lumOff val="40000"/>
+              </a:schemeClr>
+            </a:solidFill>
+            <a:ln>
+              <a:noFill/>
+            </a:ln>
+          </p:spPr>
+          <p:style>
+            <a:lnRef idx="2">
+              <a:schemeClr val="accent6"/>
+            </a:lnRef>
+            <a:fillRef idx="1">
+              <a:schemeClr val="lt1"/>
+            </a:fillRef>
+            <a:effectRef idx="0">
+              <a:schemeClr val="accent6"/>
+            </a:effectRef>
+            <a:fontRef idx="minor">
+              <a:schemeClr val="dk1"/>
+            </a:fontRef>
+          </p:style>
+          <p:txBody>
+            <a:bodyPr rtlCol="0" anchor="ctr"/>
+            <a:lstStyle/>
+            <a:p>
+              <a:pPr algn="ctr"/>
+              <a:endParaRPr lang="en-US"/>
+            </a:p>
+          </p:txBody>
+        </p:sp>
+        <p:sp>
+          <p:nvSpPr>
+            <p:cNvPr id="93" name="Arrow: Up 92">
+              <a:extLst>
+                <a:ext uri="{FF2B5EF4-FFF2-40B4-BE49-F238E27FC236}">
+                  <a16:creationId xmlns:a16="http://schemas.microsoft.com/office/drawing/2014/main" id="{BCB8CC18-FD2D-492A-86A6-364F2E1E56A3}"/>
+                </a:ext>
+              </a:extLst>
+            </p:cNvPr>
+            <p:cNvSpPr/>
+            <p:nvPr/>
+          </p:nvSpPr>
+          <p:spPr>
+            <a:xfrm rot="10800000">
+              <a:off x="6377154" y="2221304"/>
+              <a:ext cx="213102" cy="1078768"/>
+            </a:xfrm>
+            <a:prstGeom prst="upArrow">
+              <a:avLst/>
+            </a:prstGeom>
+            <a:solidFill>
+              <a:schemeClr val="accent6">
+                <a:lumMod val="60000"/>
+                <a:lumOff val="40000"/>
+              </a:schemeClr>
+            </a:solidFill>
+            <a:ln>
+              <a:noFill/>
+            </a:ln>
+          </p:spPr>
+          <p:style>
+            <a:lnRef idx="2">
+              <a:schemeClr val="accent6"/>
+            </a:lnRef>
+            <a:fillRef idx="1">
+              <a:schemeClr val="lt1"/>
+            </a:fillRef>
+            <a:effectRef idx="0">
+              <a:schemeClr val="accent6"/>
+            </a:effectRef>
+            <a:fontRef idx="minor">
+              <a:schemeClr val="dk1"/>
+            </a:fontRef>
+          </p:style>
+          <p:txBody>
+            <a:bodyPr rtlCol="0" anchor="ctr"/>
+            <a:lstStyle/>
+            <a:p>
+              <a:pPr algn="ctr"/>
+              <a:endParaRPr lang="en-US"/>
+            </a:p>
+          </p:txBody>
+        </p:sp>
+      </p:grpSp>
+      <p:grpSp>
+        <p:nvGrpSpPr>
+          <p:cNvPr id="53" name="Group 52">
+            <a:extLst>
+              <a:ext uri="{FF2B5EF4-FFF2-40B4-BE49-F238E27FC236}">
+                <a16:creationId xmlns:a16="http://schemas.microsoft.com/office/drawing/2014/main" id="{D7494FCE-DE6C-4C46-8EEF-69B4F3444DCF}"/>
+              </a:ext>
+            </a:extLst>
+          </p:cNvPr>
+          <p:cNvGrpSpPr/>
+          <p:nvPr/>
+        </p:nvGrpSpPr>
+        <p:grpSpPr>
+          <a:xfrm rot="5400000">
+            <a:off x="1609964" y="1941151"/>
+            <a:ext cx="394472" cy="1078768"/>
+            <a:chOff x="6377154" y="2221304"/>
+            <a:chExt cx="394472" cy="1078768"/>
+          </a:xfrm>
+        </p:grpSpPr>
+        <p:sp>
+          <p:nvSpPr>
+            <p:cNvPr id="55" name="Arrow: Up 54">
+              <a:extLst>
+                <a:ext uri="{FF2B5EF4-FFF2-40B4-BE49-F238E27FC236}">
+                  <a16:creationId xmlns:a16="http://schemas.microsoft.com/office/drawing/2014/main" id="{6F0CA78C-B748-4AF1-935B-DEA215864D4E}"/>
+                </a:ext>
+              </a:extLst>
+            </p:cNvPr>
+            <p:cNvSpPr/>
+            <p:nvPr/>
+          </p:nvSpPr>
+          <p:spPr>
+            <a:xfrm>
+              <a:off x="6558524" y="2221304"/>
+              <a:ext cx="213102" cy="1078768"/>
+            </a:xfrm>
+            <a:prstGeom prst="upArrow">
+              <a:avLst/>
+            </a:prstGeom>
+            <a:solidFill>
+              <a:schemeClr val="accent6">
+                <a:lumMod val="60000"/>
+                <a:lumOff val="40000"/>
+              </a:schemeClr>
+            </a:solidFill>
+            <a:ln>
+              <a:noFill/>
+            </a:ln>
+          </p:spPr>
+          <p:style>
+            <a:lnRef idx="2">
+              <a:schemeClr val="accent6"/>
+            </a:lnRef>
+            <a:fillRef idx="1">
+              <a:schemeClr val="lt1"/>
+            </a:fillRef>
+            <a:effectRef idx="0">
+              <a:schemeClr val="accent6"/>
+            </a:effectRef>
+            <a:fontRef idx="minor">
+              <a:schemeClr val="dk1"/>
+            </a:fontRef>
+          </p:style>
+          <p:txBody>
+            <a:bodyPr rtlCol="0" anchor="ctr"/>
+            <a:lstStyle/>
+            <a:p>
+              <a:pPr algn="ctr"/>
+              <a:endParaRPr lang="en-US"/>
+            </a:p>
+          </p:txBody>
+        </p:sp>
+        <p:sp>
+          <p:nvSpPr>
+            <p:cNvPr id="56" name="Arrow: Up 55">
+              <a:extLst>
+                <a:ext uri="{FF2B5EF4-FFF2-40B4-BE49-F238E27FC236}">
+                  <a16:creationId xmlns:a16="http://schemas.microsoft.com/office/drawing/2014/main" id="{94C0C377-DFF0-474C-8223-D441C6DBBB06}"/>
+                </a:ext>
+              </a:extLst>
+            </p:cNvPr>
+            <p:cNvSpPr/>
+            <p:nvPr/>
+          </p:nvSpPr>
+          <p:spPr>
+            <a:xfrm rot="10800000">
+              <a:off x="6377154" y="2221304"/>
+              <a:ext cx="213102" cy="1078768"/>
+            </a:xfrm>
+            <a:prstGeom prst="upArrow">
+              <a:avLst/>
+            </a:prstGeom>
+            <a:solidFill>
+              <a:schemeClr val="accent6">
+                <a:lumMod val="60000"/>
+                <a:lumOff val="40000"/>
+              </a:schemeClr>
+            </a:solidFill>
+            <a:ln>
+              <a:noFill/>
+            </a:ln>
+          </p:spPr>
+          <p:style>
+            <a:lnRef idx="2">
+              <a:schemeClr val="accent6"/>
+            </a:lnRef>
+            <a:fillRef idx="1">
+              <a:schemeClr val="lt1"/>
+            </a:fillRef>
+            <a:effectRef idx="0">
+              <a:schemeClr val="accent6"/>
+            </a:effectRef>
+            <a:fontRef idx="minor">
+              <a:schemeClr val="dk1"/>
+            </a:fontRef>
+          </p:style>
+          <p:txBody>
+            <a:bodyPr rtlCol="0" anchor="ctr"/>
+            <a:lstStyle/>
+            <a:p>
+              <a:pPr algn="ctr"/>
+              <a:endParaRPr lang="en-US"/>
+            </a:p>
+          </p:txBody>
+        </p:sp>
+      </p:grpSp>
+      <p:graphicFrame>
+        <p:nvGraphicFramePr>
+          <p:cNvPr id="5" name="Table 84">
+            <a:extLst>
+              <a:ext uri="{FF2B5EF4-FFF2-40B4-BE49-F238E27FC236}">
+                <a16:creationId xmlns:a16="http://schemas.microsoft.com/office/drawing/2014/main" id="{F515900F-E7C7-4E59-8945-E87767822159}"/>
+              </a:ext>
+            </a:extLst>
+          </p:cNvPr>
+          <p:cNvGraphicFramePr>
+            <a:graphicFrameLocks noGrp="1"/>
+          </p:cNvGraphicFramePr>
+          <p:nvPr>
+            <p:extLst>
+              <p:ext uri="{D42A27DB-BD31-4B8C-83A1-F6EECF244321}">
+                <p14:modId xmlns:p14="http://schemas.microsoft.com/office/powerpoint/2010/main" val="4237572518"/>
+              </p:ext>
+            </p:extLst>
+          </p:nvPr>
+        </p:nvGraphicFramePr>
+        <p:xfrm>
+          <a:off x="137797" y="2233365"/>
+          <a:ext cx="1078769" cy="963647"/>
+        </p:xfrm>
+        <a:graphic>
+          <a:graphicData uri="http://schemas.openxmlformats.org/drawingml/2006/table">
+            <a:tbl>
+              <a:tblPr>
+                <a:tableStyleId>{E8B1032C-EA38-4F05-BA0D-38AFFFC7BED3}</a:tableStyleId>
+              </a:tblPr>
+              <a:tblGrid>
+                <a:gridCol w="1078769">
+                  <a:extLst>
+                    <a:ext uri="{9D8B030D-6E8A-4147-A177-3AD203B41FA5}">
+                      <a16:colId xmlns:a16="http://schemas.microsoft.com/office/drawing/2014/main" val="291790476"/>
+                    </a:ext>
+                  </a:extLst>
+                </a:gridCol>
+              </a:tblGrid>
+              <a:tr h="963647">
+                <a:tc>
+                  <a:txBody>
+                    <a:bodyPr/>
+                    <a:lstStyle/>
+                    <a:p>
+                      <a:pPr algn="ctr"/>
+                      <a:r>
+                        <a:rPr lang="en-US" sz="1600" dirty="0"/>
+                        <a:t>DB (MySQL)</a:t>
+                      </a:r>
+                    </a:p>
+                  </a:txBody>
+                  <a:tcPr anchor="ctr">
+                    <a:solidFill>
+                      <a:schemeClr val="accent6">
+                        <a:lumMod val="20000"/>
+                        <a:lumOff val="80000"/>
+                      </a:schemeClr>
+                    </a:solidFill>
+                  </a:tcPr>
+                </a:tc>
+                <a:extLst>
+                  <a:ext uri="{0D108BD9-81ED-4DB2-BD59-A6C34878D82A}">
+                    <a16:rowId xmlns:a16="http://schemas.microsoft.com/office/drawing/2014/main" val="2996654697"/>
+                  </a:ext>
+                </a:extLst>
+              </a:tr>
+            </a:tbl>
+          </a:graphicData>
+        </a:graphic>
+      </p:graphicFrame>
+      <p:grpSp>
+        <p:nvGrpSpPr>
+          <p:cNvPr id="58" name="Group 57">
+            <a:extLst>
+              <a:ext uri="{FF2B5EF4-FFF2-40B4-BE49-F238E27FC236}">
+                <a16:creationId xmlns:a16="http://schemas.microsoft.com/office/drawing/2014/main" id="{352D3FA3-51AF-4269-AD2B-964A7E4474DF}"/>
+              </a:ext>
+            </a:extLst>
+          </p:cNvPr>
+          <p:cNvGrpSpPr/>
+          <p:nvPr/>
+        </p:nvGrpSpPr>
+        <p:grpSpPr>
+          <a:xfrm rot="5400000">
+            <a:off x="1604175" y="2387924"/>
+            <a:ext cx="394472" cy="1078768"/>
+            <a:chOff x="6377154" y="2221304"/>
+            <a:chExt cx="394472" cy="1078768"/>
+          </a:xfrm>
+        </p:grpSpPr>
+        <p:sp>
+          <p:nvSpPr>
+            <p:cNvPr id="59" name="Arrow: Up 58">
+              <a:extLst>
+                <a:ext uri="{FF2B5EF4-FFF2-40B4-BE49-F238E27FC236}">
+                  <a16:creationId xmlns:a16="http://schemas.microsoft.com/office/drawing/2014/main" id="{DB4642AB-F9AC-487B-BE07-1D4E7C79F761}"/>
+                </a:ext>
+              </a:extLst>
+            </p:cNvPr>
+            <p:cNvSpPr/>
+            <p:nvPr/>
+          </p:nvSpPr>
+          <p:spPr>
+            <a:xfrm>
+              <a:off x="6558524" y="2221304"/>
+              <a:ext cx="213102" cy="1078768"/>
+            </a:xfrm>
+            <a:prstGeom prst="upArrow">
+              <a:avLst/>
+            </a:prstGeom>
+            <a:solidFill>
+              <a:schemeClr val="accent6">
+                <a:lumMod val="60000"/>
+                <a:lumOff val="40000"/>
+              </a:schemeClr>
+            </a:solidFill>
+            <a:ln>
+              <a:noFill/>
+            </a:ln>
+          </p:spPr>
+          <p:style>
+            <a:lnRef idx="2">
+              <a:schemeClr val="accent6"/>
+            </a:lnRef>
+            <a:fillRef idx="1">
+              <a:schemeClr val="lt1"/>
+            </a:fillRef>
+            <a:effectRef idx="0">
+              <a:schemeClr val="accent6"/>
+            </a:effectRef>
+            <a:fontRef idx="minor">
+              <a:schemeClr val="dk1"/>
+            </a:fontRef>
+          </p:style>
+          <p:txBody>
+            <a:bodyPr rtlCol="0" anchor="ctr"/>
+            <a:lstStyle/>
+            <a:p>
+              <a:pPr algn="ctr"/>
+              <a:endParaRPr lang="en-US"/>
+            </a:p>
+          </p:txBody>
+        </p:sp>
+        <p:sp>
+          <p:nvSpPr>
+            <p:cNvPr id="60" name="Arrow: Up 59">
+              <a:extLst>
+                <a:ext uri="{FF2B5EF4-FFF2-40B4-BE49-F238E27FC236}">
+                  <a16:creationId xmlns:a16="http://schemas.microsoft.com/office/drawing/2014/main" id="{E464D524-EE3B-4058-96AF-B5F5AEAFB6D2}"/>
+                </a:ext>
+              </a:extLst>
+            </p:cNvPr>
+            <p:cNvSpPr/>
+            <p:nvPr/>
+          </p:nvSpPr>
+          <p:spPr>
+            <a:xfrm rot="10800000">
+              <a:off x="6377154" y="2221304"/>
+              <a:ext cx="213102" cy="1078768"/>
+            </a:xfrm>
+            <a:prstGeom prst="upArrow">
+              <a:avLst/>
+            </a:prstGeom>
+            <a:solidFill>
+              <a:schemeClr val="accent6">
+                <a:lumMod val="60000"/>
+                <a:lumOff val="40000"/>
+              </a:schemeClr>
+            </a:solidFill>
+            <a:ln>
+              <a:noFill/>
+            </a:ln>
+          </p:spPr>
+          <p:style>
+            <a:lnRef idx="2">
+              <a:schemeClr val="accent6"/>
+            </a:lnRef>
+            <a:fillRef idx="1">
+              <a:schemeClr val="lt1"/>
+            </a:fillRef>
+            <a:effectRef idx="0">
+              <a:schemeClr val="accent6"/>
+            </a:effectRef>
+            <a:fontRef idx="minor">
+              <a:schemeClr val="dk1"/>
+            </a:fontRef>
+          </p:style>
+          <p:txBody>
+            <a:bodyPr rtlCol="0" anchor="ctr"/>
+            <a:lstStyle/>
+            <a:p>
+              <a:pPr algn="ctr"/>
+              <a:endParaRPr lang="en-US"/>
+            </a:p>
+          </p:txBody>
+        </p:sp>
+      </p:grpSp>
+      <p:grpSp>
+        <p:nvGrpSpPr>
+          <p:cNvPr id="65" name="Group 64">
+            <a:extLst>
+              <a:ext uri="{FF2B5EF4-FFF2-40B4-BE49-F238E27FC236}">
+                <a16:creationId xmlns:a16="http://schemas.microsoft.com/office/drawing/2014/main" id="{FE94F72F-164F-4EE3-AFA9-F93B94C12A1C}"/>
+              </a:ext>
+            </a:extLst>
+          </p:cNvPr>
+          <p:cNvGrpSpPr/>
+          <p:nvPr/>
+        </p:nvGrpSpPr>
+        <p:grpSpPr>
+          <a:xfrm rot="12861496">
+            <a:off x="7073548" y="1785774"/>
+            <a:ext cx="394472" cy="489951"/>
+            <a:chOff x="6377154" y="2221304"/>
+            <a:chExt cx="394472" cy="1078768"/>
+          </a:xfrm>
+        </p:grpSpPr>
+        <p:sp>
+          <p:nvSpPr>
+            <p:cNvPr id="66" name="Arrow: Up 65">
+              <a:extLst>
+                <a:ext uri="{FF2B5EF4-FFF2-40B4-BE49-F238E27FC236}">
+                  <a16:creationId xmlns:a16="http://schemas.microsoft.com/office/drawing/2014/main" id="{D2A4C6B7-8DAA-44B2-89BC-14193A161080}"/>
+                </a:ext>
+              </a:extLst>
+            </p:cNvPr>
+            <p:cNvSpPr/>
+            <p:nvPr/>
+          </p:nvSpPr>
+          <p:spPr>
+            <a:xfrm>
+              <a:off x="6558524" y="2221304"/>
+              <a:ext cx="213102" cy="1078768"/>
+            </a:xfrm>
+            <a:prstGeom prst="upArrow">
+              <a:avLst/>
+            </a:prstGeom>
+            <a:solidFill>
+              <a:schemeClr val="accent6">
+                <a:lumMod val="60000"/>
+                <a:lumOff val="40000"/>
+              </a:schemeClr>
+            </a:solidFill>
+            <a:ln>
+              <a:noFill/>
+            </a:ln>
+          </p:spPr>
+          <p:style>
+            <a:lnRef idx="2">
+              <a:schemeClr val="accent6"/>
+            </a:lnRef>
+            <a:fillRef idx="1">
+              <a:schemeClr val="lt1"/>
+            </a:fillRef>
+            <a:effectRef idx="0">
+              <a:schemeClr val="accent6"/>
+            </a:effectRef>
+            <a:fontRef idx="minor">
+              <a:schemeClr val="dk1"/>
+            </a:fontRef>
+          </p:style>
+          <p:txBody>
+            <a:bodyPr rtlCol="0" anchor="ctr"/>
+            <a:lstStyle/>
+            <a:p>
+              <a:pPr algn="ctr"/>
+              <a:endParaRPr lang="en-US"/>
+            </a:p>
+          </p:txBody>
+        </p:sp>
+        <p:sp>
+          <p:nvSpPr>
+            <p:cNvPr id="67" name="Arrow: Up 66">
+              <a:extLst>
+                <a:ext uri="{FF2B5EF4-FFF2-40B4-BE49-F238E27FC236}">
+                  <a16:creationId xmlns:a16="http://schemas.microsoft.com/office/drawing/2014/main" id="{B1DC8FB3-ED4A-4651-B4EC-7FEC5F62EF85}"/>
+                </a:ext>
+              </a:extLst>
+            </p:cNvPr>
+            <p:cNvSpPr/>
+            <p:nvPr/>
+          </p:nvSpPr>
+          <p:spPr>
+            <a:xfrm rot="10800000">
+              <a:off x="6377154" y="2221304"/>
+              <a:ext cx="213102" cy="1078768"/>
+            </a:xfrm>
+            <a:prstGeom prst="upArrow">
+              <a:avLst/>
+            </a:prstGeom>
+            <a:solidFill>
+              <a:schemeClr val="accent6">
+                <a:lumMod val="60000"/>
+                <a:lumOff val="40000"/>
+              </a:schemeClr>
+            </a:solidFill>
+            <a:ln>
+              <a:noFill/>
+            </a:ln>
+          </p:spPr>
+          <p:style>
+            <a:lnRef idx="2">
+              <a:schemeClr val="accent6"/>
+            </a:lnRef>
+            <a:fillRef idx="1">
+              <a:schemeClr val="lt1"/>
+            </a:fillRef>
+            <a:effectRef idx="0">
+              <a:schemeClr val="accent6"/>
+            </a:effectRef>
+            <a:fontRef idx="minor">
+              <a:schemeClr val="dk1"/>
+            </a:fontRef>
+          </p:style>
+          <p:txBody>
+            <a:bodyPr rtlCol="0" anchor="ctr"/>
+            <a:lstStyle/>
+            <a:p>
+              <a:pPr algn="ctr"/>
+              <a:endParaRPr lang="en-US"/>
+            </a:p>
+          </p:txBody>
+        </p:sp>
+      </p:grpSp>
+      <p:graphicFrame>
+        <p:nvGraphicFramePr>
+          <p:cNvPr id="68" name="Table 84">
+            <a:extLst>
+              <a:ext uri="{FF2B5EF4-FFF2-40B4-BE49-F238E27FC236}">
+                <a16:creationId xmlns:a16="http://schemas.microsoft.com/office/drawing/2014/main" id="{244F95B0-275E-4B5E-818E-32BC3CA26C0E}"/>
+              </a:ext>
+            </a:extLst>
+          </p:cNvPr>
+          <p:cNvGraphicFramePr>
+            <a:graphicFrameLocks noGrp="1"/>
+          </p:cNvGraphicFramePr>
+          <p:nvPr>
+            <p:extLst>
+              <p:ext uri="{D42A27DB-BD31-4B8C-83A1-F6EECF244321}">
+                <p14:modId xmlns:p14="http://schemas.microsoft.com/office/powerpoint/2010/main" val="2897898096"/>
+              </p:ext>
+            </p:extLst>
+          </p:nvPr>
+        </p:nvGraphicFramePr>
+        <p:xfrm>
+          <a:off x="7342322" y="1323856"/>
+          <a:ext cx="741284" cy="398769"/>
+        </p:xfrm>
+        <a:graphic>
+          <a:graphicData uri="http://schemas.openxmlformats.org/drawingml/2006/table">
+            <a:tbl>
+              <a:tblPr>
+                <a:tableStyleId>{E8B1032C-EA38-4F05-BA0D-38AFFFC7BED3}</a:tableStyleId>
+              </a:tblPr>
+              <a:tblGrid>
+                <a:gridCol w="741284">
+                  <a:extLst>
+                    <a:ext uri="{9D8B030D-6E8A-4147-A177-3AD203B41FA5}">
+                      <a16:colId xmlns:a16="http://schemas.microsoft.com/office/drawing/2014/main" val="291790476"/>
+                    </a:ext>
+                  </a:extLst>
+                </a:gridCol>
+              </a:tblGrid>
+              <a:tr h="398769">
+                <a:tc>
+                  <a:txBody>
+                    <a:bodyPr/>
+                    <a:lstStyle/>
+                    <a:p>
+                      <a:pPr algn="ctr"/>
+                      <a:r>
+                        <a:rPr lang="en-US" sz="1600" dirty="0"/>
+                        <a:t>DB</a:t>
+                      </a:r>
+                    </a:p>
+                  </a:txBody>
+                  <a:tcPr anchor="ctr">
+                    <a:solidFill>
+                      <a:schemeClr val="accent6">
+                        <a:lumMod val="20000"/>
+                        <a:lumOff val="80000"/>
+                      </a:schemeClr>
+                    </a:solidFill>
+                  </a:tcPr>
+                </a:tc>
+                <a:extLst>
+                  <a:ext uri="{0D108BD9-81ED-4DB2-BD59-A6C34878D82A}">
+                    <a16:rowId xmlns:a16="http://schemas.microsoft.com/office/drawing/2014/main" val="2996654697"/>
+                  </a:ext>
+                </a:extLst>
+              </a:tr>
+            </a:tbl>
+          </a:graphicData>
+        </a:graphic>
+      </p:graphicFrame>
+      <p:graphicFrame>
+        <p:nvGraphicFramePr>
+          <p:cNvPr id="13" name="Table 84">
+            <a:extLst>
+              <a:ext uri="{FF2B5EF4-FFF2-40B4-BE49-F238E27FC236}">
+                <a16:creationId xmlns:a16="http://schemas.microsoft.com/office/drawing/2014/main" id="{05DB80D7-A03E-460B-9535-ACBD65A73F62}"/>
+              </a:ext>
+            </a:extLst>
+          </p:cNvPr>
+          <p:cNvGraphicFramePr>
+            <a:graphicFrameLocks noGrp="1"/>
+          </p:cNvGraphicFramePr>
+          <p:nvPr>
+            <p:extLst>
+              <p:ext uri="{D42A27DB-BD31-4B8C-83A1-F6EECF244321}">
+                <p14:modId xmlns:p14="http://schemas.microsoft.com/office/powerpoint/2010/main" val="2141808718"/>
+              </p:ext>
+            </p:extLst>
+          </p:nvPr>
+        </p:nvGraphicFramePr>
+        <p:xfrm>
+          <a:off x="6325090" y="2354077"/>
+          <a:ext cx="1136547" cy="1548022"/>
+        </p:xfrm>
+        <a:graphic>
+          <a:graphicData uri="http://schemas.openxmlformats.org/drawingml/2006/table">
+            <a:tbl>
+              <a:tblPr>
+                <a:tableStyleId>{E8B1032C-EA38-4F05-BA0D-38AFFFC7BED3}</a:tableStyleId>
+              </a:tblPr>
+              <a:tblGrid>
+                <a:gridCol w="1136547">
+                  <a:extLst>
+                    <a:ext uri="{9D8B030D-6E8A-4147-A177-3AD203B41FA5}">
+                      <a16:colId xmlns:a16="http://schemas.microsoft.com/office/drawing/2014/main" val="291790476"/>
+                    </a:ext>
+                  </a:extLst>
+                </a:gridCol>
+              </a:tblGrid>
+              <a:tr h="435502">
+                <a:tc>
+                  <a:txBody>
+                    <a:bodyPr/>
+                    <a:lstStyle/>
+                    <a:p>
+                      <a:pPr algn="l"/>
+                      <a:r>
+                        <a:rPr lang="en-US" sz="1600" dirty="0"/>
+                        <a:t>Code</a:t>
+                      </a:r>
+                    </a:p>
+                  </a:txBody>
+                  <a:tcPr anchor="ctr">
+                    <a:solidFill>
+                      <a:schemeClr val="accent6">
+                        <a:lumMod val="20000"/>
+                        <a:lumOff val="80000"/>
+                      </a:schemeClr>
+                    </a:solidFill>
+                  </a:tcPr>
+                </a:tc>
+                <a:extLst>
+                  <a:ext uri="{0D108BD9-81ED-4DB2-BD59-A6C34878D82A}">
+                    <a16:rowId xmlns:a16="http://schemas.microsoft.com/office/drawing/2014/main" val="2996654697"/>
+                  </a:ext>
+                </a:extLst>
+              </a:tr>
+              <a:tr h="370840">
+                <a:tc>
+                  <a:txBody>
+                    <a:bodyPr/>
+                    <a:lstStyle/>
+                    <a:p>
+                      <a:pPr algn="l"/>
+                      <a:r>
+                        <a:rPr lang="en-US" sz="1600" dirty="0"/>
+                        <a:t>Server</a:t>
+                      </a:r>
+                    </a:p>
+                  </a:txBody>
+                  <a:tcPr anchor="ctr">
+                    <a:solidFill>
+                      <a:schemeClr val="accent6">
+                        <a:lumMod val="20000"/>
+                        <a:lumOff val="80000"/>
+                      </a:schemeClr>
+                    </a:solidFill>
+                  </a:tcPr>
+                </a:tc>
+                <a:extLst>
+                  <a:ext uri="{0D108BD9-81ED-4DB2-BD59-A6C34878D82A}">
+                    <a16:rowId xmlns:a16="http://schemas.microsoft.com/office/drawing/2014/main" val="1710575467"/>
+                  </a:ext>
+                </a:extLst>
+              </a:tr>
+              <a:tr h="370840">
+                <a:tc>
+                  <a:txBody>
+                    <a:bodyPr/>
+                    <a:lstStyle/>
+                    <a:p>
+                      <a:pPr algn="l"/>
+                      <a:r>
+                        <a:rPr lang="en-US" sz="1600" dirty="0"/>
+                        <a:t>OS</a:t>
+                      </a:r>
+                    </a:p>
+                  </a:txBody>
+                  <a:tcPr anchor="ctr">
+                    <a:solidFill>
+                      <a:schemeClr val="accent6">
+                        <a:lumMod val="20000"/>
+                        <a:lumOff val="80000"/>
+                      </a:schemeClr>
+                    </a:solidFill>
+                  </a:tcPr>
+                </a:tc>
+                <a:extLst>
+                  <a:ext uri="{0D108BD9-81ED-4DB2-BD59-A6C34878D82A}">
+                    <a16:rowId xmlns:a16="http://schemas.microsoft.com/office/drawing/2014/main" val="3127025209"/>
+                  </a:ext>
+                </a:extLst>
+              </a:tr>
+              <a:tr h="370840">
+                <a:tc>
+                  <a:txBody>
+                    <a:bodyPr/>
+                    <a:lstStyle/>
+                    <a:p>
+                      <a:pPr algn="l"/>
+                      <a:r>
+                        <a:rPr lang="en-US" sz="1600" dirty="0"/>
+                        <a:t>NIC</a:t>
+                      </a:r>
+                    </a:p>
+                  </a:txBody>
+                  <a:tcPr anchor="ctr">
+                    <a:solidFill>
+                      <a:schemeClr val="accent6">
+                        <a:lumMod val="20000"/>
+                        <a:lumOff val="80000"/>
+                      </a:schemeClr>
+                    </a:solidFill>
+                  </a:tcPr>
+                </a:tc>
+                <a:extLst>
+                  <a:ext uri="{0D108BD9-81ED-4DB2-BD59-A6C34878D82A}">
+                    <a16:rowId xmlns:a16="http://schemas.microsoft.com/office/drawing/2014/main" val="915169208"/>
+                  </a:ext>
+                </a:extLst>
+              </a:tr>
+            </a:tbl>
+          </a:graphicData>
+        </a:graphic>
+      </p:graphicFrame>
+      <p:grpSp>
+        <p:nvGrpSpPr>
+          <p:cNvPr id="80" name="Group 79">
+            <a:extLst>
+              <a:ext uri="{FF2B5EF4-FFF2-40B4-BE49-F238E27FC236}">
+                <a16:creationId xmlns:a16="http://schemas.microsoft.com/office/drawing/2014/main" id="{DE3BFFE8-4334-4450-87A8-C1D24B984F90}"/>
+              </a:ext>
+            </a:extLst>
+          </p:cNvPr>
+          <p:cNvGrpSpPr/>
+          <p:nvPr/>
+        </p:nvGrpSpPr>
+        <p:grpSpPr>
+          <a:xfrm>
+            <a:off x="6998968" y="2425479"/>
+            <a:ext cx="394472" cy="1400937"/>
+            <a:chOff x="6377154" y="2221304"/>
+            <a:chExt cx="394472" cy="1078768"/>
+          </a:xfrm>
+        </p:grpSpPr>
+        <p:sp>
+          <p:nvSpPr>
+            <p:cNvPr id="82" name="Arrow: Up 81">
+              <a:extLst>
+                <a:ext uri="{FF2B5EF4-FFF2-40B4-BE49-F238E27FC236}">
+                  <a16:creationId xmlns:a16="http://schemas.microsoft.com/office/drawing/2014/main" id="{0AE1D157-EA2B-47A0-9E9F-A1550CF3EC8B}"/>
+                </a:ext>
+              </a:extLst>
+            </p:cNvPr>
+            <p:cNvSpPr/>
+            <p:nvPr/>
+          </p:nvSpPr>
+          <p:spPr>
+            <a:xfrm>
+              <a:off x="6558524" y="2221304"/>
+              <a:ext cx="213102" cy="1078768"/>
+            </a:xfrm>
+            <a:prstGeom prst="upArrow">
+              <a:avLst/>
+            </a:prstGeom>
+            <a:solidFill>
+              <a:schemeClr val="accent6">
+                <a:lumMod val="60000"/>
+                <a:lumOff val="40000"/>
+              </a:schemeClr>
+            </a:solidFill>
+            <a:ln>
+              <a:noFill/>
+            </a:ln>
+          </p:spPr>
+          <p:style>
+            <a:lnRef idx="2">
+              <a:schemeClr val="accent6"/>
+            </a:lnRef>
+            <a:fillRef idx="1">
+              <a:schemeClr val="lt1"/>
+            </a:fillRef>
+            <a:effectRef idx="0">
+              <a:schemeClr val="accent6"/>
+            </a:effectRef>
+            <a:fontRef idx="minor">
+              <a:schemeClr val="dk1"/>
+            </a:fontRef>
+          </p:style>
+          <p:txBody>
+            <a:bodyPr rtlCol="0" anchor="ctr"/>
+            <a:lstStyle/>
+            <a:p>
+              <a:pPr algn="ctr"/>
+              <a:endParaRPr lang="en-US"/>
+            </a:p>
+          </p:txBody>
+        </p:sp>
+        <p:sp>
+          <p:nvSpPr>
+            <p:cNvPr id="83" name="Arrow: Up 82">
+              <a:extLst>
+                <a:ext uri="{FF2B5EF4-FFF2-40B4-BE49-F238E27FC236}">
+                  <a16:creationId xmlns:a16="http://schemas.microsoft.com/office/drawing/2014/main" id="{89AD1ADF-38BD-48EC-9D8E-62C5F1BA2708}"/>
+                </a:ext>
+              </a:extLst>
+            </p:cNvPr>
+            <p:cNvSpPr/>
+            <p:nvPr/>
+          </p:nvSpPr>
+          <p:spPr>
+            <a:xfrm rot="10800000">
+              <a:off x="6377154" y="2221304"/>
+              <a:ext cx="213102" cy="1078768"/>
+            </a:xfrm>
+            <a:prstGeom prst="upArrow">
+              <a:avLst/>
+            </a:prstGeom>
+            <a:solidFill>
+              <a:schemeClr val="accent6">
+                <a:lumMod val="60000"/>
+                <a:lumOff val="40000"/>
+              </a:schemeClr>
+            </a:solidFill>
+            <a:ln>
+              <a:noFill/>
+            </a:ln>
+          </p:spPr>
+          <p:style>
+            <a:lnRef idx="2">
+              <a:schemeClr val="accent6"/>
+            </a:lnRef>
+            <a:fillRef idx="1">
+              <a:schemeClr val="lt1"/>
+            </a:fillRef>
+            <a:effectRef idx="0">
+              <a:schemeClr val="accent6"/>
+            </a:effectRef>
+            <a:fontRef idx="minor">
+              <a:schemeClr val="dk1"/>
+            </a:fontRef>
+          </p:style>
+          <p:txBody>
+            <a:bodyPr rtlCol="0" anchor="ctr"/>
+            <a:lstStyle/>
+            <a:p>
+              <a:pPr algn="ctr"/>
+              <a:endParaRPr lang="en-US"/>
+            </a:p>
+          </p:txBody>
+        </p:sp>
+      </p:grpSp>
+      <p:graphicFrame>
+        <p:nvGraphicFramePr>
+          <p:cNvPr id="85" name="Table 84">
+            <a:extLst>
+              <a:ext uri="{FF2B5EF4-FFF2-40B4-BE49-F238E27FC236}">
+                <a16:creationId xmlns:a16="http://schemas.microsoft.com/office/drawing/2014/main" id="{3FEE3090-094F-4838-9C9F-E63BDD9B53FF}"/>
+              </a:ext>
+            </a:extLst>
+          </p:cNvPr>
+          <p:cNvGraphicFramePr>
+            <a:graphicFrameLocks noGrp="1"/>
+          </p:cNvGraphicFramePr>
+          <p:nvPr>
+            <p:extLst>
+              <p:ext uri="{D42A27DB-BD31-4B8C-83A1-F6EECF244321}">
+                <p14:modId xmlns:p14="http://schemas.microsoft.com/office/powerpoint/2010/main" val="747947271"/>
+              </p:ext>
+            </p:extLst>
+          </p:nvPr>
+        </p:nvGraphicFramePr>
+        <p:xfrm>
+          <a:off x="7823287" y="2364668"/>
+          <a:ext cx="1136547" cy="1548022"/>
+        </p:xfrm>
+        <a:graphic>
+          <a:graphicData uri="http://schemas.openxmlformats.org/drawingml/2006/table">
+            <a:tbl>
+              <a:tblPr>
+                <a:tableStyleId>{E8B1032C-EA38-4F05-BA0D-38AFFFC7BED3}</a:tableStyleId>
+              </a:tblPr>
+              <a:tblGrid>
+                <a:gridCol w="1136547">
+                  <a:extLst>
+                    <a:ext uri="{9D8B030D-6E8A-4147-A177-3AD203B41FA5}">
+                      <a16:colId xmlns:a16="http://schemas.microsoft.com/office/drawing/2014/main" val="291790476"/>
+                    </a:ext>
+                  </a:extLst>
+                </a:gridCol>
+              </a:tblGrid>
+              <a:tr h="435502">
+                <a:tc>
+                  <a:txBody>
+                    <a:bodyPr/>
+                    <a:lstStyle/>
+                    <a:p>
+                      <a:pPr algn="l"/>
+                      <a:r>
+                        <a:rPr lang="en-US" sz="1600" dirty="0"/>
+                        <a:t>Code</a:t>
+                      </a:r>
+                    </a:p>
+                  </a:txBody>
+                  <a:tcPr anchor="ctr">
+                    <a:solidFill>
+                      <a:schemeClr val="accent6">
+                        <a:lumMod val="20000"/>
+                        <a:lumOff val="80000"/>
+                      </a:schemeClr>
+                    </a:solidFill>
+                  </a:tcPr>
+                </a:tc>
+                <a:extLst>
+                  <a:ext uri="{0D108BD9-81ED-4DB2-BD59-A6C34878D82A}">
+                    <a16:rowId xmlns:a16="http://schemas.microsoft.com/office/drawing/2014/main" val="2996654697"/>
+                  </a:ext>
+                </a:extLst>
+              </a:tr>
+              <a:tr h="370840">
+                <a:tc>
+                  <a:txBody>
+                    <a:bodyPr/>
+                    <a:lstStyle/>
+                    <a:p>
+                      <a:pPr algn="l"/>
+                      <a:r>
+                        <a:rPr lang="en-US" sz="1600" dirty="0"/>
+                        <a:t>Server</a:t>
+                      </a:r>
+                    </a:p>
+                  </a:txBody>
+                  <a:tcPr anchor="ctr">
+                    <a:solidFill>
+                      <a:schemeClr val="accent6">
+                        <a:lumMod val="20000"/>
+                        <a:lumOff val="80000"/>
+                      </a:schemeClr>
+                    </a:solidFill>
+                  </a:tcPr>
+                </a:tc>
+                <a:extLst>
+                  <a:ext uri="{0D108BD9-81ED-4DB2-BD59-A6C34878D82A}">
+                    <a16:rowId xmlns:a16="http://schemas.microsoft.com/office/drawing/2014/main" val="1710575467"/>
+                  </a:ext>
+                </a:extLst>
+              </a:tr>
+              <a:tr h="370840">
+                <a:tc>
+                  <a:txBody>
+                    <a:bodyPr/>
+                    <a:lstStyle/>
+                    <a:p>
+                      <a:pPr algn="l"/>
+                      <a:r>
+                        <a:rPr lang="en-US" sz="1600" dirty="0"/>
+                        <a:t>OS</a:t>
+                      </a:r>
+                    </a:p>
+                  </a:txBody>
+                  <a:tcPr anchor="ctr">
+                    <a:solidFill>
+                      <a:schemeClr val="accent6">
+                        <a:lumMod val="20000"/>
+                        <a:lumOff val="80000"/>
+                      </a:schemeClr>
+                    </a:solidFill>
+                  </a:tcPr>
+                </a:tc>
+                <a:extLst>
+                  <a:ext uri="{0D108BD9-81ED-4DB2-BD59-A6C34878D82A}">
+                    <a16:rowId xmlns:a16="http://schemas.microsoft.com/office/drawing/2014/main" val="3127025209"/>
+                  </a:ext>
+                </a:extLst>
+              </a:tr>
+              <a:tr h="370840">
+                <a:tc>
+                  <a:txBody>
+                    <a:bodyPr/>
+                    <a:lstStyle/>
+                    <a:p>
+                      <a:pPr algn="l"/>
+                      <a:r>
+                        <a:rPr lang="en-US" sz="1600" dirty="0"/>
+                        <a:t>NIC</a:t>
+                      </a:r>
+                    </a:p>
+                  </a:txBody>
+                  <a:tcPr anchor="ctr">
+                    <a:solidFill>
+                      <a:schemeClr val="accent6">
+                        <a:lumMod val="20000"/>
+                        <a:lumOff val="80000"/>
+                      </a:schemeClr>
+                    </a:solidFill>
+                  </a:tcPr>
+                </a:tc>
+                <a:extLst>
+                  <a:ext uri="{0D108BD9-81ED-4DB2-BD59-A6C34878D82A}">
+                    <a16:rowId xmlns:a16="http://schemas.microsoft.com/office/drawing/2014/main" val="915169208"/>
+                  </a:ext>
+                </a:extLst>
+              </a:tr>
+            </a:tbl>
+          </a:graphicData>
+        </a:graphic>
+      </p:graphicFrame>
+      <p:grpSp>
+        <p:nvGrpSpPr>
+          <p:cNvPr id="87" name="Group 86">
+            <a:extLst>
+              <a:ext uri="{FF2B5EF4-FFF2-40B4-BE49-F238E27FC236}">
+                <a16:creationId xmlns:a16="http://schemas.microsoft.com/office/drawing/2014/main" id="{AB20B911-41F3-4B35-A9E3-E9154B4E86AD}"/>
+              </a:ext>
+            </a:extLst>
+          </p:cNvPr>
+          <p:cNvGrpSpPr/>
+          <p:nvPr/>
+        </p:nvGrpSpPr>
+        <p:grpSpPr>
+          <a:xfrm>
+            <a:off x="8497165" y="2436070"/>
+            <a:ext cx="394472" cy="1400937"/>
+            <a:chOff x="6377154" y="2221304"/>
+            <a:chExt cx="394472" cy="1078768"/>
+          </a:xfrm>
+        </p:grpSpPr>
+        <p:sp>
+          <p:nvSpPr>
+            <p:cNvPr id="89" name="Arrow: Up 88">
+              <a:extLst>
+                <a:ext uri="{FF2B5EF4-FFF2-40B4-BE49-F238E27FC236}">
+                  <a16:creationId xmlns:a16="http://schemas.microsoft.com/office/drawing/2014/main" id="{F0EF7D09-A706-4D58-B3E6-21ADAE1CC344}"/>
+                </a:ext>
+              </a:extLst>
+            </p:cNvPr>
+            <p:cNvSpPr/>
+            <p:nvPr/>
+          </p:nvSpPr>
+          <p:spPr>
+            <a:xfrm>
+              <a:off x="6558524" y="2221304"/>
+              <a:ext cx="213102" cy="1078768"/>
+            </a:xfrm>
+            <a:prstGeom prst="upArrow">
+              <a:avLst/>
+            </a:prstGeom>
+            <a:solidFill>
+              <a:schemeClr val="accent6">
+                <a:lumMod val="60000"/>
+                <a:lumOff val="40000"/>
+              </a:schemeClr>
+            </a:solidFill>
+            <a:ln>
+              <a:noFill/>
+            </a:ln>
+          </p:spPr>
+          <p:style>
+            <a:lnRef idx="2">
+              <a:schemeClr val="accent6"/>
+            </a:lnRef>
+            <a:fillRef idx="1">
+              <a:schemeClr val="lt1"/>
+            </a:fillRef>
+            <a:effectRef idx="0">
+              <a:schemeClr val="accent6"/>
+            </a:effectRef>
+            <a:fontRef idx="minor">
+              <a:schemeClr val="dk1"/>
+            </a:fontRef>
+          </p:style>
+          <p:txBody>
+            <a:bodyPr rtlCol="0" anchor="ctr"/>
+            <a:lstStyle/>
+            <a:p>
+              <a:pPr algn="ctr"/>
+              <a:endParaRPr lang="en-US"/>
+            </a:p>
+          </p:txBody>
+        </p:sp>
+        <p:sp>
+          <p:nvSpPr>
+            <p:cNvPr id="92" name="Arrow: Up 91">
+              <a:extLst>
+                <a:ext uri="{FF2B5EF4-FFF2-40B4-BE49-F238E27FC236}">
+                  <a16:creationId xmlns:a16="http://schemas.microsoft.com/office/drawing/2014/main" id="{4E825231-1B1D-444F-9623-B5EDBCA71C9C}"/>
+                </a:ext>
+              </a:extLst>
+            </p:cNvPr>
+            <p:cNvSpPr/>
+            <p:nvPr/>
+          </p:nvSpPr>
+          <p:spPr>
+            <a:xfrm rot="10800000">
+              <a:off x="6377154" y="2221304"/>
+              <a:ext cx="213102" cy="1078768"/>
+            </a:xfrm>
+            <a:prstGeom prst="upArrow">
+              <a:avLst/>
+            </a:prstGeom>
+            <a:solidFill>
+              <a:schemeClr val="accent6">
+                <a:lumMod val="60000"/>
+                <a:lumOff val="40000"/>
+              </a:schemeClr>
+            </a:solidFill>
+            <a:ln>
+              <a:noFill/>
+            </a:ln>
+          </p:spPr>
+          <p:style>
+            <a:lnRef idx="2">
+              <a:schemeClr val="accent6"/>
+            </a:lnRef>
+            <a:fillRef idx="1">
+              <a:schemeClr val="lt1"/>
+            </a:fillRef>
+            <a:effectRef idx="0">
+              <a:schemeClr val="accent6"/>
+            </a:effectRef>
+            <a:fontRef idx="minor">
+              <a:schemeClr val="dk1"/>
+            </a:fontRef>
+          </p:style>
+          <p:txBody>
+            <a:bodyPr rtlCol="0" anchor="ctr"/>
+            <a:lstStyle/>
+            <a:p>
+              <a:pPr algn="ctr"/>
+              <a:endParaRPr lang="en-US"/>
+            </a:p>
+          </p:txBody>
+        </p:sp>
+      </p:grpSp>
+      <p:graphicFrame>
+        <p:nvGraphicFramePr>
+          <p:cNvPr id="101" name="Table 100">
+            <a:extLst>
+              <a:ext uri="{FF2B5EF4-FFF2-40B4-BE49-F238E27FC236}">
+                <a16:creationId xmlns:a16="http://schemas.microsoft.com/office/drawing/2014/main" id="{D10C959E-9D18-4CC6-ABC3-093593C6EE48}"/>
+              </a:ext>
+            </a:extLst>
+          </p:cNvPr>
+          <p:cNvGraphicFramePr>
+            <a:graphicFrameLocks noGrp="1"/>
+          </p:cNvGraphicFramePr>
+          <p:nvPr>
+            <p:extLst>
+              <p:ext uri="{D42A27DB-BD31-4B8C-83A1-F6EECF244321}">
+                <p14:modId xmlns:p14="http://schemas.microsoft.com/office/powerpoint/2010/main" val="69133412"/>
+              </p:ext>
+            </p:extLst>
+          </p:nvPr>
+        </p:nvGraphicFramePr>
+        <p:xfrm>
+          <a:off x="9361605" y="2364668"/>
+          <a:ext cx="1136547" cy="1548022"/>
+        </p:xfrm>
+        <a:graphic>
+          <a:graphicData uri="http://schemas.openxmlformats.org/drawingml/2006/table">
+            <a:tbl>
+              <a:tblPr>
+                <a:tableStyleId>{E8B1032C-EA38-4F05-BA0D-38AFFFC7BED3}</a:tableStyleId>
+              </a:tblPr>
+              <a:tblGrid>
+                <a:gridCol w="1136547">
+                  <a:extLst>
+                    <a:ext uri="{9D8B030D-6E8A-4147-A177-3AD203B41FA5}">
+                      <a16:colId xmlns:a16="http://schemas.microsoft.com/office/drawing/2014/main" val="291790476"/>
+                    </a:ext>
+                  </a:extLst>
+                </a:gridCol>
+              </a:tblGrid>
+              <a:tr h="435502">
+                <a:tc>
+                  <a:txBody>
+                    <a:bodyPr/>
+                    <a:lstStyle/>
+                    <a:p>
+                      <a:pPr algn="l"/>
+                      <a:r>
+                        <a:rPr lang="en-US" sz="1600" dirty="0"/>
+                        <a:t>Code</a:t>
+                      </a:r>
+                    </a:p>
+                  </a:txBody>
+                  <a:tcPr anchor="ctr">
+                    <a:solidFill>
+                      <a:schemeClr val="accent6">
+                        <a:lumMod val="20000"/>
+                        <a:lumOff val="80000"/>
+                      </a:schemeClr>
+                    </a:solidFill>
+                  </a:tcPr>
+                </a:tc>
+                <a:extLst>
+                  <a:ext uri="{0D108BD9-81ED-4DB2-BD59-A6C34878D82A}">
+                    <a16:rowId xmlns:a16="http://schemas.microsoft.com/office/drawing/2014/main" val="2996654697"/>
+                  </a:ext>
+                </a:extLst>
+              </a:tr>
+              <a:tr h="370840">
+                <a:tc>
+                  <a:txBody>
+                    <a:bodyPr/>
+                    <a:lstStyle/>
+                    <a:p>
+                      <a:pPr algn="l"/>
+                      <a:r>
+                        <a:rPr lang="en-US" sz="1600" dirty="0"/>
+                        <a:t>Server</a:t>
+                      </a:r>
+                    </a:p>
+                  </a:txBody>
+                  <a:tcPr anchor="ctr">
+                    <a:solidFill>
+                      <a:schemeClr val="accent6">
+                        <a:lumMod val="20000"/>
+                        <a:lumOff val="80000"/>
+                      </a:schemeClr>
+                    </a:solidFill>
+                  </a:tcPr>
+                </a:tc>
+                <a:extLst>
+                  <a:ext uri="{0D108BD9-81ED-4DB2-BD59-A6C34878D82A}">
+                    <a16:rowId xmlns:a16="http://schemas.microsoft.com/office/drawing/2014/main" val="1710575467"/>
+                  </a:ext>
+                </a:extLst>
+              </a:tr>
+              <a:tr h="370840">
+                <a:tc>
+                  <a:txBody>
+                    <a:bodyPr/>
+                    <a:lstStyle/>
+                    <a:p>
+                      <a:pPr algn="l"/>
+                      <a:r>
+                        <a:rPr lang="en-US" sz="1600" dirty="0"/>
+                        <a:t>OS</a:t>
+                      </a:r>
+                    </a:p>
+                  </a:txBody>
+                  <a:tcPr anchor="ctr">
+                    <a:solidFill>
+                      <a:schemeClr val="accent6">
+                        <a:lumMod val="20000"/>
+                        <a:lumOff val="80000"/>
+                      </a:schemeClr>
+                    </a:solidFill>
+                  </a:tcPr>
+                </a:tc>
+                <a:extLst>
+                  <a:ext uri="{0D108BD9-81ED-4DB2-BD59-A6C34878D82A}">
+                    <a16:rowId xmlns:a16="http://schemas.microsoft.com/office/drawing/2014/main" val="3127025209"/>
+                  </a:ext>
+                </a:extLst>
+              </a:tr>
+              <a:tr h="370840">
+                <a:tc>
+                  <a:txBody>
+                    <a:bodyPr/>
+                    <a:lstStyle/>
+                    <a:p>
+                      <a:pPr algn="l"/>
+                      <a:r>
+                        <a:rPr lang="en-US" sz="1600" dirty="0"/>
+                        <a:t>NIC</a:t>
+                      </a:r>
+                    </a:p>
+                  </a:txBody>
+                  <a:tcPr anchor="ctr">
+                    <a:solidFill>
+                      <a:schemeClr val="accent6">
+                        <a:lumMod val="20000"/>
+                        <a:lumOff val="80000"/>
+                      </a:schemeClr>
+                    </a:solidFill>
+                  </a:tcPr>
+                </a:tc>
+                <a:extLst>
+                  <a:ext uri="{0D108BD9-81ED-4DB2-BD59-A6C34878D82A}">
+                    <a16:rowId xmlns:a16="http://schemas.microsoft.com/office/drawing/2014/main" val="915169208"/>
+                  </a:ext>
+                </a:extLst>
+              </a:tr>
+            </a:tbl>
+          </a:graphicData>
+        </a:graphic>
+      </p:graphicFrame>
+      <p:grpSp>
+        <p:nvGrpSpPr>
+          <p:cNvPr id="102" name="Group 101">
+            <a:extLst>
+              <a:ext uri="{FF2B5EF4-FFF2-40B4-BE49-F238E27FC236}">
+                <a16:creationId xmlns:a16="http://schemas.microsoft.com/office/drawing/2014/main" id="{C5D30ED5-50A3-45AF-B725-4790D39D3A35}"/>
+              </a:ext>
+            </a:extLst>
+          </p:cNvPr>
+          <p:cNvGrpSpPr/>
+          <p:nvPr/>
+        </p:nvGrpSpPr>
+        <p:grpSpPr>
+          <a:xfrm>
+            <a:off x="10035483" y="2436070"/>
+            <a:ext cx="394472" cy="1400937"/>
+            <a:chOff x="6377154" y="2221304"/>
+            <a:chExt cx="394472" cy="1078768"/>
+          </a:xfrm>
+        </p:grpSpPr>
+        <p:sp>
+          <p:nvSpPr>
+            <p:cNvPr id="103" name="Arrow: Up 102">
+              <a:extLst>
+                <a:ext uri="{FF2B5EF4-FFF2-40B4-BE49-F238E27FC236}">
+                  <a16:creationId xmlns:a16="http://schemas.microsoft.com/office/drawing/2014/main" id="{EAC5BA36-B393-4F5E-834B-B656671F42CC}"/>
+                </a:ext>
+              </a:extLst>
+            </p:cNvPr>
+            <p:cNvSpPr/>
+            <p:nvPr/>
+          </p:nvSpPr>
+          <p:spPr>
+            <a:xfrm>
+              <a:off x="6558524" y="2221304"/>
+              <a:ext cx="213102" cy="1078768"/>
+            </a:xfrm>
+            <a:prstGeom prst="upArrow">
+              <a:avLst/>
+            </a:prstGeom>
+            <a:solidFill>
+              <a:schemeClr val="accent6">
+                <a:lumMod val="60000"/>
+                <a:lumOff val="40000"/>
+              </a:schemeClr>
+            </a:solidFill>
+            <a:ln>
+              <a:noFill/>
+            </a:ln>
+          </p:spPr>
+          <p:style>
+            <a:lnRef idx="2">
+              <a:schemeClr val="accent6"/>
+            </a:lnRef>
+            <a:fillRef idx="1">
+              <a:schemeClr val="lt1"/>
+            </a:fillRef>
+            <a:effectRef idx="0">
+              <a:schemeClr val="accent6"/>
+            </a:effectRef>
+            <a:fontRef idx="minor">
+              <a:schemeClr val="dk1"/>
+            </a:fontRef>
+          </p:style>
+          <p:txBody>
+            <a:bodyPr rtlCol="0" anchor="ctr"/>
+            <a:lstStyle/>
+            <a:p>
+              <a:pPr algn="ctr"/>
+              <a:endParaRPr lang="en-US"/>
+            </a:p>
+          </p:txBody>
+        </p:sp>
+        <p:sp>
+          <p:nvSpPr>
+            <p:cNvPr id="104" name="Arrow: Up 103">
+              <a:extLst>
+                <a:ext uri="{FF2B5EF4-FFF2-40B4-BE49-F238E27FC236}">
+                  <a16:creationId xmlns:a16="http://schemas.microsoft.com/office/drawing/2014/main" id="{7DCF608D-984D-462A-855C-6B2A70F4BA9A}"/>
+                </a:ext>
+              </a:extLst>
+            </p:cNvPr>
+            <p:cNvSpPr/>
+            <p:nvPr/>
+          </p:nvSpPr>
+          <p:spPr>
+            <a:xfrm rot="10800000">
+              <a:off x="6377154" y="2221304"/>
+              <a:ext cx="213102" cy="1078768"/>
+            </a:xfrm>
+            <a:prstGeom prst="upArrow">
+              <a:avLst/>
+            </a:prstGeom>
+            <a:solidFill>
+              <a:schemeClr val="accent6">
+                <a:lumMod val="60000"/>
+                <a:lumOff val="40000"/>
+              </a:schemeClr>
+            </a:solidFill>
+            <a:ln>
+              <a:noFill/>
+            </a:ln>
+          </p:spPr>
+          <p:style>
+            <a:lnRef idx="2">
+              <a:schemeClr val="accent6"/>
+            </a:lnRef>
+            <a:fillRef idx="1">
+              <a:schemeClr val="lt1"/>
+            </a:fillRef>
+            <a:effectRef idx="0">
+              <a:schemeClr val="accent6"/>
+            </a:effectRef>
+            <a:fontRef idx="minor">
+              <a:schemeClr val="dk1"/>
+            </a:fontRef>
+          </p:style>
+          <p:txBody>
+            <a:bodyPr rtlCol="0" anchor="ctr"/>
+            <a:lstStyle/>
+            <a:p>
+              <a:pPr algn="ctr"/>
+              <a:endParaRPr lang="en-US"/>
+            </a:p>
+          </p:txBody>
+        </p:sp>
+      </p:grpSp>
+      <p:grpSp>
+        <p:nvGrpSpPr>
+          <p:cNvPr id="105" name="Group 104">
+            <a:extLst>
+              <a:ext uri="{FF2B5EF4-FFF2-40B4-BE49-F238E27FC236}">
+                <a16:creationId xmlns:a16="http://schemas.microsoft.com/office/drawing/2014/main" id="{B48328AA-B29C-4C4A-9FFF-784D0C9398A1}"/>
+              </a:ext>
+            </a:extLst>
+          </p:cNvPr>
+          <p:cNvGrpSpPr/>
+          <p:nvPr/>
+        </p:nvGrpSpPr>
+        <p:grpSpPr>
+          <a:xfrm>
+            <a:off x="8406480" y="4021049"/>
+            <a:ext cx="394472" cy="902399"/>
+            <a:chOff x="6377154" y="2221304"/>
+            <a:chExt cx="394472" cy="1078768"/>
+          </a:xfrm>
+        </p:grpSpPr>
+        <p:sp>
+          <p:nvSpPr>
+            <p:cNvPr id="106" name="Arrow: Up 105">
+              <a:extLst>
+                <a:ext uri="{FF2B5EF4-FFF2-40B4-BE49-F238E27FC236}">
+                  <a16:creationId xmlns:a16="http://schemas.microsoft.com/office/drawing/2014/main" id="{52407592-BA62-440E-8003-2FF60C6226DC}"/>
+                </a:ext>
+              </a:extLst>
+            </p:cNvPr>
+            <p:cNvSpPr/>
+            <p:nvPr/>
+          </p:nvSpPr>
+          <p:spPr>
+            <a:xfrm>
+              <a:off x="6558524" y="2221304"/>
+              <a:ext cx="213102" cy="1078768"/>
+            </a:xfrm>
+            <a:prstGeom prst="upArrow">
+              <a:avLst/>
+            </a:prstGeom>
+            <a:solidFill>
+              <a:schemeClr val="accent6">
+                <a:lumMod val="60000"/>
+                <a:lumOff val="40000"/>
+              </a:schemeClr>
+            </a:solidFill>
+            <a:ln>
+              <a:noFill/>
+            </a:ln>
+          </p:spPr>
+          <p:style>
+            <a:lnRef idx="2">
+              <a:schemeClr val="accent6"/>
+            </a:lnRef>
+            <a:fillRef idx="1">
+              <a:schemeClr val="lt1"/>
+            </a:fillRef>
+            <a:effectRef idx="0">
+              <a:schemeClr val="accent6"/>
+            </a:effectRef>
+            <a:fontRef idx="minor">
+              <a:schemeClr val="dk1"/>
+            </a:fontRef>
+          </p:style>
+          <p:txBody>
+            <a:bodyPr rtlCol="0" anchor="ctr"/>
+            <a:lstStyle/>
+            <a:p>
+              <a:pPr algn="ctr"/>
+              <a:endParaRPr lang="en-US"/>
+            </a:p>
+          </p:txBody>
+        </p:sp>
+        <p:sp>
+          <p:nvSpPr>
+            <p:cNvPr id="107" name="Arrow: Up 106">
+              <a:extLst>
+                <a:ext uri="{FF2B5EF4-FFF2-40B4-BE49-F238E27FC236}">
+                  <a16:creationId xmlns:a16="http://schemas.microsoft.com/office/drawing/2014/main" id="{CC7A20CD-D2F9-49BE-9150-8486DB5EFC88}"/>
+                </a:ext>
+              </a:extLst>
+            </p:cNvPr>
+            <p:cNvSpPr/>
+            <p:nvPr/>
+          </p:nvSpPr>
+          <p:spPr>
+            <a:xfrm rot="10800000">
+              <a:off x="6377154" y="2221304"/>
+              <a:ext cx="213102" cy="1078768"/>
+            </a:xfrm>
+            <a:prstGeom prst="upArrow">
+              <a:avLst/>
+            </a:prstGeom>
+            <a:solidFill>
+              <a:schemeClr val="accent6">
+                <a:lumMod val="60000"/>
+                <a:lumOff val="40000"/>
+              </a:schemeClr>
+            </a:solidFill>
+            <a:ln>
+              <a:noFill/>
+            </a:ln>
+          </p:spPr>
+          <p:style>
+            <a:lnRef idx="2">
+              <a:schemeClr val="accent6"/>
+            </a:lnRef>
+            <a:fillRef idx="1">
+              <a:schemeClr val="lt1"/>
+            </a:fillRef>
+            <a:effectRef idx="0">
+              <a:schemeClr val="accent6"/>
+            </a:effectRef>
+            <a:fontRef idx="minor">
+              <a:schemeClr val="dk1"/>
+            </a:fontRef>
+          </p:style>
+          <p:txBody>
+            <a:bodyPr rtlCol="0" anchor="ctr"/>
+            <a:lstStyle/>
+            <a:p>
+              <a:pPr algn="ctr"/>
+              <a:endParaRPr lang="en-US"/>
+            </a:p>
+          </p:txBody>
+        </p:sp>
+      </p:grpSp>
+      <p:grpSp>
+        <p:nvGrpSpPr>
+          <p:cNvPr id="108" name="Group 107">
+            <a:extLst>
+              <a:ext uri="{FF2B5EF4-FFF2-40B4-BE49-F238E27FC236}">
+                <a16:creationId xmlns:a16="http://schemas.microsoft.com/office/drawing/2014/main" id="{3C51FDA9-CA6E-40F6-A745-08A2DE27B0D8}"/>
+              </a:ext>
+            </a:extLst>
+          </p:cNvPr>
+          <p:cNvGrpSpPr/>
+          <p:nvPr/>
+        </p:nvGrpSpPr>
+        <p:grpSpPr>
+          <a:xfrm rot="2987202">
+            <a:off x="9069529" y="3921093"/>
+            <a:ext cx="394472" cy="902399"/>
+            <a:chOff x="6377154" y="2221304"/>
+            <a:chExt cx="394472" cy="1078768"/>
+          </a:xfrm>
+        </p:grpSpPr>
+        <p:sp>
+          <p:nvSpPr>
+            <p:cNvPr id="109" name="Arrow: Up 108">
+              <a:extLst>
+                <a:ext uri="{FF2B5EF4-FFF2-40B4-BE49-F238E27FC236}">
+                  <a16:creationId xmlns:a16="http://schemas.microsoft.com/office/drawing/2014/main" id="{D49C7026-C7DA-4101-9A2F-BD25687B8520}"/>
+                </a:ext>
+              </a:extLst>
+            </p:cNvPr>
+            <p:cNvSpPr/>
+            <p:nvPr/>
+          </p:nvSpPr>
+          <p:spPr>
+            <a:xfrm>
+              <a:off x="6558524" y="2221304"/>
+              <a:ext cx="213102" cy="1078768"/>
+            </a:xfrm>
+            <a:prstGeom prst="upArrow">
+              <a:avLst/>
+            </a:prstGeom>
+            <a:solidFill>
+              <a:schemeClr val="accent6">
+                <a:lumMod val="60000"/>
+                <a:lumOff val="40000"/>
+              </a:schemeClr>
+            </a:solidFill>
+            <a:ln>
+              <a:noFill/>
+            </a:ln>
+          </p:spPr>
+          <p:style>
+            <a:lnRef idx="2">
+              <a:schemeClr val="accent6"/>
+            </a:lnRef>
+            <a:fillRef idx="1">
+              <a:schemeClr val="lt1"/>
+            </a:fillRef>
+            <a:effectRef idx="0">
+              <a:schemeClr val="accent6"/>
+            </a:effectRef>
+            <a:fontRef idx="minor">
+              <a:schemeClr val="dk1"/>
+            </a:fontRef>
+          </p:style>
+          <p:txBody>
+            <a:bodyPr rtlCol="0" anchor="ctr"/>
+            <a:lstStyle/>
+            <a:p>
+              <a:pPr algn="ctr"/>
+              <a:endParaRPr lang="en-US"/>
+            </a:p>
+          </p:txBody>
+        </p:sp>
+        <p:sp>
+          <p:nvSpPr>
+            <p:cNvPr id="110" name="Arrow: Up 109">
+              <a:extLst>
+                <a:ext uri="{FF2B5EF4-FFF2-40B4-BE49-F238E27FC236}">
+                  <a16:creationId xmlns:a16="http://schemas.microsoft.com/office/drawing/2014/main" id="{83959FE5-CB5A-4764-8933-D24F31873B04}"/>
+                </a:ext>
+              </a:extLst>
+            </p:cNvPr>
+            <p:cNvSpPr/>
+            <p:nvPr/>
+          </p:nvSpPr>
+          <p:spPr>
+            <a:xfrm rot="10800000">
+              <a:off x="6377154" y="2221304"/>
+              <a:ext cx="213102" cy="1078768"/>
+            </a:xfrm>
+            <a:prstGeom prst="upArrow">
+              <a:avLst/>
+            </a:prstGeom>
+            <a:solidFill>
+              <a:schemeClr val="accent6">
+                <a:lumMod val="60000"/>
+                <a:lumOff val="40000"/>
+              </a:schemeClr>
+            </a:solidFill>
+            <a:ln>
+              <a:noFill/>
+            </a:ln>
+          </p:spPr>
+          <p:style>
+            <a:lnRef idx="2">
+              <a:schemeClr val="accent6"/>
+            </a:lnRef>
+            <a:fillRef idx="1">
+              <a:schemeClr val="lt1"/>
+            </a:fillRef>
+            <a:effectRef idx="0">
+              <a:schemeClr val="accent6"/>
+            </a:effectRef>
+            <a:fontRef idx="minor">
+              <a:schemeClr val="dk1"/>
+            </a:fontRef>
+          </p:style>
+          <p:txBody>
+            <a:bodyPr rtlCol="0" anchor="ctr"/>
+            <a:lstStyle/>
+            <a:p>
+              <a:pPr algn="ctr"/>
+              <a:endParaRPr lang="en-US"/>
+            </a:p>
+          </p:txBody>
+        </p:sp>
+      </p:grpSp>
+      <p:grpSp>
+        <p:nvGrpSpPr>
+          <p:cNvPr id="111" name="Group 110">
+            <a:extLst>
+              <a:ext uri="{FF2B5EF4-FFF2-40B4-BE49-F238E27FC236}">
+                <a16:creationId xmlns:a16="http://schemas.microsoft.com/office/drawing/2014/main" id="{85CEF6E7-34BC-49BB-B500-1D09EF5344CF}"/>
+              </a:ext>
+            </a:extLst>
+          </p:cNvPr>
+          <p:cNvGrpSpPr/>
+          <p:nvPr/>
+        </p:nvGrpSpPr>
+        <p:grpSpPr>
+          <a:xfrm rot="18744562">
+            <a:off x="7662366" y="3984374"/>
+            <a:ext cx="394472" cy="902399"/>
+            <a:chOff x="6377154" y="2221304"/>
+            <a:chExt cx="394472" cy="1078768"/>
+          </a:xfrm>
+        </p:grpSpPr>
+        <p:sp>
+          <p:nvSpPr>
+            <p:cNvPr id="112" name="Arrow: Up 111">
+              <a:extLst>
+                <a:ext uri="{FF2B5EF4-FFF2-40B4-BE49-F238E27FC236}">
+                  <a16:creationId xmlns:a16="http://schemas.microsoft.com/office/drawing/2014/main" id="{E8D4F311-9DC9-47D2-B770-D20ECF1AF6B6}"/>
+                </a:ext>
+              </a:extLst>
+            </p:cNvPr>
+            <p:cNvSpPr/>
+            <p:nvPr/>
+          </p:nvSpPr>
+          <p:spPr>
+            <a:xfrm>
+              <a:off x="6558524" y="2221304"/>
+              <a:ext cx="213102" cy="1078768"/>
+            </a:xfrm>
+            <a:prstGeom prst="upArrow">
+              <a:avLst/>
+            </a:prstGeom>
+            <a:solidFill>
+              <a:schemeClr val="accent6">
+                <a:lumMod val="60000"/>
+                <a:lumOff val="40000"/>
+              </a:schemeClr>
+            </a:solidFill>
+            <a:ln>
+              <a:noFill/>
+            </a:ln>
+          </p:spPr>
+          <p:style>
+            <a:lnRef idx="2">
+              <a:schemeClr val="accent6"/>
+            </a:lnRef>
+            <a:fillRef idx="1">
+              <a:schemeClr val="lt1"/>
+            </a:fillRef>
+            <a:effectRef idx="0">
+              <a:schemeClr val="accent6"/>
+            </a:effectRef>
+            <a:fontRef idx="minor">
+              <a:schemeClr val="dk1"/>
+            </a:fontRef>
+          </p:style>
+          <p:txBody>
+            <a:bodyPr rtlCol="0" anchor="ctr"/>
+            <a:lstStyle/>
+            <a:p>
+              <a:pPr algn="ctr"/>
+              <a:endParaRPr lang="en-US"/>
+            </a:p>
+          </p:txBody>
+        </p:sp>
+        <p:sp>
+          <p:nvSpPr>
+            <p:cNvPr id="113" name="Arrow: Up 112">
+              <a:extLst>
+                <a:ext uri="{FF2B5EF4-FFF2-40B4-BE49-F238E27FC236}">
+                  <a16:creationId xmlns:a16="http://schemas.microsoft.com/office/drawing/2014/main" id="{46AF1988-F99C-4684-A76F-F9270056DC29}"/>
+                </a:ext>
+              </a:extLst>
+            </p:cNvPr>
+            <p:cNvSpPr/>
+            <p:nvPr/>
+          </p:nvSpPr>
+          <p:spPr>
+            <a:xfrm rot="10800000">
+              <a:off x="6377154" y="2221304"/>
+              <a:ext cx="213102" cy="1078768"/>
+            </a:xfrm>
+            <a:prstGeom prst="upArrow">
+              <a:avLst/>
+            </a:prstGeom>
+            <a:solidFill>
+              <a:schemeClr val="accent6">
+                <a:lumMod val="60000"/>
+                <a:lumOff val="40000"/>
+              </a:schemeClr>
+            </a:solidFill>
+            <a:ln>
+              <a:noFill/>
+            </a:ln>
+          </p:spPr>
+          <p:style>
+            <a:lnRef idx="2">
+              <a:schemeClr val="accent6"/>
+            </a:lnRef>
+            <a:fillRef idx="1">
+              <a:schemeClr val="lt1"/>
+            </a:fillRef>
+            <a:effectRef idx="0">
+              <a:schemeClr val="accent6"/>
+            </a:effectRef>
+            <a:fontRef idx="minor">
+              <a:schemeClr val="dk1"/>
+            </a:fontRef>
+          </p:style>
+          <p:txBody>
+            <a:bodyPr rtlCol="0" anchor="ctr"/>
+            <a:lstStyle/>
+            <a:p>
+              <a:pPr algn="ctr"/>
+              <a:endParaRPr lang="en-US"/>
+            </a:p>
+          </p:txBody>
+        </p:sp>
+      </p:grpSp>
+      <p:grpSp>
+        <p:nvGrpSpPr>
+          <p:cNvPr id="114" name="Group 113">
+            <a:extLst>
+              <a:ext uri="{FF2B5EF4-FFF2-40B4-BE49-F238E27FC236}">
+                <a16:creationId xmlns:a16="http://schemas.microsoft.com/office/drawing/2014/main" id="{4B778414-7522-44D1-88A7-A8D6811D94BC}"/>
+              </a:ext>
+            </a:extLst>
+          </p:cNvPr>
+          <p:cNvGrpSpPr/>
+          <p:nvPr/>
+        </p:nvGrpSpPr>
+        <p:grpSpPr>
+          <a:xfrm rot="9206597">
+            <a:off x="7949348" y="1779025"/>
+            <a:ext cx="394472" cy="489951"/>
+            <a:chOff x="6377154" y="2221304"/>
+            <a:chExt cx="394472" cy="1078768"/>
+          </a:xfrm>
+        </p:grpSpPr>
+        <p:sp>
+          <p:nvSpPr>
+            <p:cNvPr id="115" name="Arrow: Up 114">
+              <a:extLst>
+                <a:ext uri="{FF2B5EF4-FFF2-40B4-BE49-F238E27FC236}">
+                  <a16:creationId xmlns:a16="http://schemas.microsoft.com/office/drawing/2014/main" id="{625DAE96-62AA-4B23-97B9-BEF379DE6792}"/>
+                </a:ext>
+              </a:extLst>
+            </p:cNvPr>
+            <p:cNvSpPr/>
+            <p:nvPr/>
+          </p:nvSpPr>
+          <p:spPr>
+            <a:xfrm>
+              <a:off x="6558524" y="2221304"/>
+              <a:ext cx="213102" cy="1078768"/>
+            </a:xfrm>
+            <a:prstGeom prst="upArrow">
+              <a:avLst/>
+            </a:prstGeom>
+            <a:solidFill>
+              <a:schemeClr val="accent6">
+                <a:lumMod val="60000"/>
+                <a:lumOff val="40000"/>
+              </a:schemeClr>
+            </a:solidFill>
+            <a:ln>
+              <a:noFill/>
+            </a:ln>
+          </p:spPr>
+          <p:style>
+            <a:lnRef idx="2">
+              <a:schemeClr val="accent6"/>
+            </a:lnRef>
+            <a:fillRef idx="1">
+              <a:schemeClr val="lt1"/>
+            </a:fillRef>
+            <a:effectRef idx="0">
+              <a:schemeClr val="accent6"/>
+            </a:effectRef>
+            <a:fontRef idx="minor">
+              <a:schemeClr val="dk1"/>
+            </a:fontRef>
+          </p:style>
+          <p:txBody>
+            <a:bodyPr rtlCol="0" anchor="ctr"/>
+            <a:lstStyle/>
+            <a:p>
+              <a:pPr algn="ctr"/>
+              <a:endParaRPr lang="en-US"/>
+            </a:p>
+          </p:txBody>
+        </p:sp>
+        <p:sp>
+          <p:nvSpPr>
+            <p:cNvPr id="116" name="Arrow: Up 115">
+              <a:extLst>
+                <a:ext uri="{FF2B5EF4-FFF2-40B4-BE49-F238E27FC236}">
+                  <a16:creationId xmlns:a16="http://schemas.microsoft.com/office/drawing/2014/main" id="{63BD087E-2AC1-4FE8-8A76-966C0BDF84F9}"/>
+                </a:ext>
+              </a:extLst>
+            </p:cNvPr>
+            <p:cNvSpPr/>
+            <p:nvPr/>
+          </p:nvSpPr>
+          <p:spPr>
+            <a:xfrm rot="10800000">
+              <a:off x="6377154" y="2221304"/>
+              <a:ext cx="213102" cy="1078768"/>
+            </a:xfrm>
+            <a:prstGeom prst="upArrow">
+              <a:avLst/>
+            </a:prstGeom>
+            <a:solidFill>
+              <a:schemeClr val="accent6">
+                <a:lumMod val="60000"/>
+                <a:lumOff val="40000"/>
+              </a:schemeClr>
+            </a:solidFill>
+            <a:ln>
+              <a:noFill/>
+            </a:ln>
+          </p:spPr>
+          <p:style>
+            <a:lnRef idx="2">
+              <a:schemeClr val="accent6"/>
+            </a:lnRef>
+            <a:fillRef idx="1">
+              <a:schemeClr val="lt1"/>
+            </a:fillRef>
+            <a:effectRef idx="0">
+              <a:schemeClr val="accent6"/>
+            </a:effectRef>
+            <a:fontRef idx="minor">
+              <a:schemeClr val="dk1"/>
+            </a:fontRef>
+          </p:style>
+          <p:txBody>
+            <a:bodyPr rtlCol="0" anchor="ctr"/>
+            <a:lstStyle/>
+            <a:p>
+              <a:pPr algn="ctr"/>
+              <a:endParaRPr lang="en-US"/>
+            </a:p>
+          </p:txBody>
+        </p:sp>
+      </p:grpSp>
+      <p:graphicFrame>
+        <p:nvGraphicFramePr>
+          <p:cNvPr id="14" name="Table 84">
+            <a:extLst>
+              <a:ext uri="{FF2B5EF4-FFF2-40B4-BE49-F238E27FC236}">
+                <a16:creationId xmlns:a16="http://schemas.microsoft.com/office/drawing/2014/main" id="{15536B98-2E97-4602-8711-BABF921F2858}"/>
+              </a:ext>
+            </a:extLst>
+          </p:cNvPr>
+          <p:cNvGraphicFramePr>
+            <a:graphicFrameLocks noGrp="1"/>
+          </p:cNvGraphicFramePr>
+          <p:nvPr>
+            <p:extLst>
+              <p:ext uri="{D42A27DB-BD31-4B8C-83A1-F6EECF244321}">
+                <p14:modId xmlns:p14="http://schemas.microsoft.com/office/powerpoint/2010/main" val="1091174577"/>
+              </p:ext>
+            </p:extLst>
+          </p:nvPr>
+        </p:nvGraphicFramePr>
+        <p:xfrm>
+          <a:off x="9582120" y="1303123"/>
+          <a:ext cx="741284" cy="398769"/>
+        </p:xfrm>
+        <a:graphic>
+          <a:graphicData uri="http://schemas.openxmlformats.org/drawingml/2006/table">
+            <a:tbl>
+              <a:tblPr>
+                <a:tableStyleId>{E8B1032C-EA38-4F05-BA0D-38AFFFC7BED3}</a:tableStyleId>
+              </a:tblPr>
+              <a:tblGrid>
+                <a:gridCol w="741284">
+                  <a:extLst>
+                    <a:ext uri="{9D8B030D-6E8A-4147-A177-3AD203B41FA5}">
+                      <a16:colId xmlns:a16="http://schemas.microsoft.com/office/drawing/2014/main" val="291790476"/>
+                    </a:ext>
+                  </a:extLst>
+                </a:gridCol>
+              </a:tblGrid>
+              <a:tr h="398769">
+                <a:tc>
+                  <a:txBody>
+                    <a:bodyPr/>
+                    <a:lstStyle/>
+                    <a:p>
+                      <a:pPr algn="ctr"/>
+                      <a:r>
+                        <a:rPr lang="en-US" sz="1600" dirty="0"/>
+                        <a:t>DB</a:t>
+                      </a:r>
+                    </a:p>
+                  </a:txBody>
+                  <a:tcPr anchor="ctr">
+                    <a:solidFill>
+                      <a:schemeClr val="accent6">
+                        <a:lumMod val="20000"/>
+                        <a:lumOff val="80000"/>
+                      </a:schemeClr>
+                    </a:solidFill>
+                  </a:tcPr>
+                </a:tc>
+                <a:extLst>
+                  <a:ext uri="{0D108BD9-81ED-4DB2-BD59-A6C34878D82A}">
+                    <a16:rowId xmlns:a16="http://schemas.microsoft.com/office/drawing/2014/main" val="2996654697"/>
+                  </a:ext>
+                </a:extLst>
+              </a:tr>
+            </a:tbl>
+          </a:graphicData>
+        </a:graphic>
+      </p:graphicFrame>
+      <p:grpSp>
+        <p:nvGrpSpPr>
+          <p:cNvPr id="118" name="Group 117">
+            <a:extLst>
+              <a:ext uri="{FF2B5EF4-FFF2-40B4-BE49-F238E27FC236}">
+                <a16:creationId xmlns:a16="http://schemas.microsoft.com/office/drawing/2014/main" id="{C16F1C9A-63F3-457B-BF75-D774D6E8E567}"/>
+              </a:ext>
+            </a:extLst>
+          </p:cNvPr>
+          <p:cNvGrpSpPr/>
+          <p:nvPr/>
+        </p:nvGrpSpPr>
+        <p:grpSpPr>
+          <a:xfrm rot="10800000">
+            <a:off x="9767164" y="1801792"/>
+            <a:ext cx="394472" cy="489951"/>
+            <a:chOff x="6377154" y="2221304"/>
+            <a:chExt cx="394472" cy="1078768"/>
+          </a:xfrm>
+        </p:grpSpPr>
+        <p:sp>
+          <p:nvSpPr>
+            <p:cNvPr id="119" name="Arrow: Up 118">
+              <a:extLst>
+                <a:ext uri="{FF2B5EF4-FFF2-40B4-BE49-F238E27FC236}">
+                  <a16:creationId xmlns:a16="http://schemas.microsoft.com/office/drawing/2014/main" id="{F705E565-7B6E-4448-81F3-8F8845FFD30C}"/>
+                </a:ext>
+              </a:extLst>
+            </p:cNvPr>
+            <p:cNvSpPr/>
+            <p:nvPr/>
+          </p:nvSpPr>
+          <p:spPr>
+            <a:xfrm>
+              <a:off x="6558524" y="2221304"/>
+              <a:ext cx="213102" cy="1078768"/>
+            </a:xfrm>
+            <a:prstGeom prst="upArrow">
+              <a:avLst/>
+            </a:prstGeom>
+            <a:solidFill>
+              <a:schemeClr val="accent6">
+                <a:lumMod val="60000"/>
+                <a:lumOff val="40000"/>
+              </a:schemeClr>
+            </a:solidFill>
+            <a:ln>
+              <a:noFill/>
+            </a:ln>
+          </p:spPr>
+          <p:style>
+            <a:lnRef idx="2">
+              <a:schemeClr val="accent6"/>
+            </a:lnRef>
+            <a:fillRef idx="1">
+              <a:schemeClr val="lt1"/>
+            </a:fillRef>
+            <a:effectRef idx="0">
+              <a:schemeClr val="accent6"/>
+            </a:effectRef>
+            <a:fontRef idx="minor">
+              <a:schemeClr val="dk1"/>
+            </a:fontRef>
+          </p:style>
+          <p:txBody>
+            <a:bodyPr rtlCol="0" anchor="ctr"/>
+            <a:lstStyle/>
+            <a:p>
+              <a:pPr algn="ctr"/>
+              <a:endParaRPr lang="en-US"/>
+            </a:p>
+          </p:txBody>
+        </p:sp>
+        <p:sp>
+          <p:nvSpPr>
+            <p:cNvPr id="120" name="Arrow: Up 119">
+              <a:extLst>
+                <a:ext uri="{FF2B5EF4-FFF2-40B4-BE49-F238E27FC236}">
+                  <a16:creationId xmlns:a16="http://schemas.microsoft.com/office/drawing/2014/main" id="{8A449251-CCA2-46B9-A643-4FD9F9B81638}"/>
+                </a:ext>
+              </a:extLst>
+            </p:cNvPr>
+            <p:cNvSpPr/>
+            <p:nvPr/>
+          </p:nvSpPr>
+          <p:spPr>
+            <a:xfrm rot="10800000">
+              <a:off x="6377154" y="2221304"/>
+              <a:ext cx="213102" cy="1078768"/>
+            </a:xfrm>
+            <a:prstGeom prst="upArrow">
+              <a:avLst/>
+            </a:prstGeom>
+            <a:solidFill>
+              <a:schemeClr val="accent6">
+                <a:lumMod val="60000"/>
+                <a:lumOff val="40000"/>
+              </a:schemeClr>
+            </a:solidFill>
+            <a:ln>
+              <a:noFill/>
+            </a:ln>
+          </p:spPr>
+          <p:style>
+            <a:lnRef idx="2">
+              <a:schemeClr val="accent6"/>
+            </a:lnRef>
+            <a:fillRef idx="1">
+              <a:schemeClr val="lt1"/>
+            </a:fillRef>
+            <a:effectRef idx="0">
+              <a:schemeClr val="accent6"/>
+            </a:effectRef>
+            <a:fontRef idx="minor">
+              <a:schemeClr val="dk1"/>
+            </a:fontRef>
+          </p:style>
+          <p:txBody>
+            <a:bodyPr rtlCol="0" anchor="ctr"/>
+            <a:lstStyle/>
+            <a:p>
+              <a:pPr algn="ctr"/>
+              <a:endParaRPr lang="en-US"/>
+            </a:p>
+          </p:txBody>
+        </p:sp>
+      </p:grpSp>
+      <p:sp>
+        <p:nvSpPr>
+          <p:cNvPr id="16" name="Oval 15">
+            <a:extLst>
+              <a:ext uri="{FF2B5EF4-FFF2-40B4-BE49-F238E27FC236}">
+                <a16:creationId xmlns:a16="http://schemas.microsoft.com/office/drawing/2014/main" id="{F84E5FC6-0EA7-403A-BACB-A3E6CE4669AB}"/>
+              </a:ext>
+            </a:extLst>
+          </p:cNvPr>
+          <p:cNvSpPr/>
+          <p:nvPr/>
+        </p:nvSpPr>
+        <p:spPr>
+          <a:xfrm>
+            <a:off x="2717217" y="4891228"/>
+            <a:ext cx="133350" cy="133350"/>
+          </a:xfrm>
+          <a:prstGeom prst="ellipse">
+            <a:avLst/>
+          </a:prstGeom>
+          <a:solidFill>
+            <a:schemeClr val="bg1"/>
+          </a:solidFill>
+        </p:spPr>
+        <p:style>
+          <a:lnRef idx="2">
+            <a:schemeClr val="accent6"/>
+          </a:lnRef>
+          <a:fillRef idx="1">
+            <a:schemeClr val="lt1"/>
+          </a:fillRef>
+          <a:effectRef idx="0">
+            <a:schemeClr val="accent6"/>
+          </a:effectRef>
+          <a:fontRef idx="minor">
+            <a:schemeClr val="dk1"/>
+          </a:fontRef>
+        </p:style>
+        <p:txBody>
+          <a:bodyPr rtlCol="0" anchor="ctr"/>
+          <a:lstStyle/>
+          <a:p>
+            <a:pPr algn="ctr"/>
+            <a:endParaRPr lang="en-US" dirty="0"/>
+          </a:p>
+        </p:txBody>
+      </p:sp>
+      <p:sp>
+        <p:nvSpPr>
+          <p:cNvPr id="18" name="TextBox 17">
+            <a:extLst>
+              <a:ext uri="{FF2B5EF4-FFF2-40B4-BE49-F238E27FC236}">
+                <a16:creationId xmlns:a16="http://schemas.microsoft.com/office/drawing/2014/main" id="{049858EB-C579-4298-89FB-A9EDB210F8EB}"/>
+              </a:ext>
+            </a:extLst>
+          </p:cNvPr>
+          <p:cNvSpPr txBox="1"/>
+          <p:nvPr/>
+        </p:nvSpPr>
+        <p:spPr>
+          <a:xfrm>
+            <a:off x="1033326" y="4629555"/>
+            <a:ext cx="1202573" cy="369332"/>
+          </a:xfrm>
+          <a:prstGeom prst="rect">
+            <a:avLst/>
+          </a:prstGeom>
+          <a:noFill/>
+        </p:spPr>
+        <p:txBody>
+          <a:bodyPr wrap="none" rtlCol="0">
+            <a:spAutoFit/>
+          </a:bodyPr>
+          <a:lstStyle/>
+          <a:p>
+            <a:r>
+              <a:rPr lang="en-US" dirty="0">
+                <a:solidFill>
+                  <a:schemeClr val="accent6">
+                    <a:lumMod val="75000"/>
+                  </a:schemeClr>
+                </a:solidFill>
+              </a:rPr>
+              <a:t>Monolithic</a:t>
+            </a:r>
+          </a:p>
+        </p:txBody>
+      </p:sp>
+      <p:sp>
+        <p:nvSpPr>
+          <p:cNvPr id="125" name="Oval 124">
+            <a:extLst>
+              <a:ext uri="{FF2B5EF4-FFF2-40B4-BE49-F238E27FC236}">
+                <a16:creationId xmlns:a16="http://schemas.microsoft.com/office/drawing/2014/main" id="{7F275C15-B43D-4D25-AF5F-0AB3CFE8B878}"/>
+              </a:ext>
+            </a:extLst>
+          </p:cNvPr>
+          <p:cNvSpPr/>
+          <p:nvPr/>
+        </p:nvSpPr>
+        <p:spPr>
+          <a:xfrm>
+            <a:off x="6158263" y="5462197"/>
+            <a:ext cx="133350" cy="133350"/>
+          </a:xfrm>
+          <a:prstGeom prst="ellipse">
+            <a:avLst/>
+          </a:prstGeom>
+          <a:solidFill>
+            <a:schemeClr val="bg1"/>
+          </a:solidFill>
+        </p:spPr>
+        <p:style>
+          <a:lnRef idx="2">
+            <a:schemeClr val="accent6"/>
+          </a:lnRef>
+          <a:fillRef idx="1">
+            <a:schemeClr val="lt1"/>
+          </a:fillRef>
+          <a:effectRef idx="0">
+            <a:schemeClr val="accent6"/>
+          </a:effectRef>
+          <a:fontRef idx="minor">
+            <a:schemeClr val="dk1"/>
+          </a:fontRef>
+        </p:style>
+        <p:txBody>
+          <a:bodyPr rtlCol="0" anchor="ctr"/>
+          <a:lstStyle/>
+          <a:p>
+            <a:pPr algn="ctr"/>
+            <a:endParaRPr lang="en-US" dirty="0"/>
+          </a:p>
+        </p:txBody>
+      </p:sp>
+      <p:cxnSp>
+        <p:nvCxnSpPr>
+          <p:cNvPr id="124" name="Straight Connector 123">
+            <a:extLst>
+              <a:ext uri="{FF2B5EF4-FFF2-40B4-BE49-F238E27FC236}">
+                <a16:creationId xmlns:a16="http://schemas.microsoft.com/office/drawing/2014/main" id="{57D1C909-CB98-4C51-9E3F-D7A58BA8762D}"/>
+              </a:ext>
+            </a:extLst>
+          </p:cNvPr>
+          <p:cNvCxnSpPr>
+            <a:cxnSpLocks/>
+          </p:cNvCxnSpPr>
+          <p:nvPr/>
+        </p:nvCxnSpPr>
+        <p:spPr>
+          <a:xfrm>
+            <a:off x="1116033" y="4957903"/>
+            <a:ext cx="1594494" cy="0"/>
+          </a:xfrm>
+          <a:prstGeom prst="line">
+            <a:avLst/>
+          </a:prstGeom>
+          <a:ln cap="rnd"/>
+        </p:spPr>
+        <p:style>
+          <a:lnRef idx="3">
+            <a:schemeClr val="accent6"/>
+          </a:lnRef>
+          <a:fillRef idx="0">
+            <a:schemeClr val="accent6"/>
+          </a:fillRef>
+          <a:effectRef idx="2">
+            <a:schemeClr val="accent6"/>
+          </a:effectRef>
+          <a:fontRef idx="minor">
+            <a:schemeClr val="tx1"/>
+          </a:fontRef>
+        </p:style>
+      </p:cxnSp>
+      <p:sp>
+        <p:nvSpPr>
+          <p:cNvPr id="126" name="TextBox 125">
+            <a:extLst>
+              <a:ext uri="{FF2B5EF4-FFF2-40B4-BE49-F238E27FC236}">
+                <a16:creationId xmlns:a16="http://schemas.microsoft.com/office/drawing/2014/main" id="{C7FD21B3-ACF4-494A-9615-A704ED36F3C0}"/>
+              </a:ext>
+            </a:extLst>
+          </p:cNvPr>
+          <p:cNvSpPr txBox="1"/>
+          <p:nvPr/>
+        </p:nvSpPr>
+        <p:spPr>
+          <a:xfrm>
+            <a:off x="6205625" y="5200524"/>
+            <a:ext cx="1677201" cy="369332"/>
+          </a:xfrm>
+          <a:prstGeom prst="rect">
+            <a:avLst/>
+          </a:prstGeom>
+          <a:noFill/>
+        </p:spPr>
+        <p:txBody>
+          <a:bodyPr wrap="square" rtlCol="0">
+            <a:spAutoFit/>
+          </a:bodyPr>
+          <a:lstStyle/>
+          <a:p>
+            <a:pPr algn="r"/>
+            <a:r>
+              <a:rPr lang="en-US" dirty="0">
+                <a:solidFill>
+                  <a:schemeClr val="accent6">
+                    <a:lumMod val="75000"/>
+                  </a:schemeClr>
+                </a:solidFill>
+              </a:rPr>
+              <a:t>Microservice</a:t>
+            </a:r>
+          </a:p>
+        </p:txBody>
+      </p:sp>
+      <p:graphicFrame>
+        <p:nvGraphicFramePr>
+          <p:cNvPr id="128" name="Table 127">
+            <a:extLst>
+              <a:ext uri="{FF2B5EF4-FFF2-40B4-BE49-F238E27FC236}">
+                <a16:creationId xmlns:a16="http://schemas.microsoft.com/office/drawing/2014/main" id="{2A43BEAB-8349-42E8-B0DB-1C610BE4DCDC}"/>
+              </a:ext>
+            </a:extLst>
+          </p:cNvPr>
+          <p:cNvGraphicFramePr>
+            <a:graphicFrameLocks noGrp="1"/>
+          </p:cNvGraphicFramePr>
+          <p:nvPr>
+            <p:extLst>
+              <p:ext uri="{D42A27DB-BD31-4B8C-83A1-F6EECF244321}">
+                <p14:modId xmlns:p14="http://schemas.microsoft.com/office/powerpoint/2010/main" val="556089467"/>
+              </p:ext>
+            </p:extLst>
+          </p:nvPr>
+        </p:nvGraphicFramePr>
+        <p:xfrm>
+          <a:off x="8075320" y="4983362"/>
+          <a:ext cx="1136547" cy="1548022"/>
+        </p:xfrm>
+        <a:graphic>
+          <a:graphicData uri="http://schemas.openxmlformats.org/drawingml/2006/table">
+            <a:tbl>
+              <a:tblPr>
+                <a:tableStyleId>{E8B1032C-EA38-4F05-BA0D-38AFFFC7BED3}</a:tableStyleId>
+              </a:tblPr>
+              <a:tblGrid>
+                <a:gridCol w="1136547">
+                  <a:extLst>
+                    <a:ext uri="{9D8B030D-6E8A-4147-A177-3AD203B41FA5}">
+                      <a16:colId xmlns:a16="http://schemas.microsoft.com/office/drawing/2014/main" val="291790476"/>
+                    </a:ext>
+                  </a:extLst>
+                </a:gridCol>
+              </a:tblGrid>
+              <a:tr h="435502">
+                <a:tc>
+                  <a:txBody>
+                    <a:bodyPr/>
+                    <a:lstStyle/>
+                    <a:p>
+                      <a:pPr algn="l"/>
+                      <a:r>
+                        <a:rPr lang="en-US" sz="1600" dirty="0"/>
+                        <a:t>Code</a:t>
+                      </a:r>
+                    </a:p>
+                  </a:txBody>
+                  <a:tcPr anchor="ctr">
+                    <a:solidFill>
+                      <a:schemeClr val="accent6">
+                        <a:lumMod val="20000"/>
+                        <a:lumOff val="80000"/>
+                      </a:schemeClr>
+                    </a:solidFill>
+                  </a:tcPr>
+                </a:tc>
+                <a:extLst>
+                  <a:ext uri="{0D108BD9-81ED-4DB2-BD59-A6C34878D82A}">
+                    <a16:rowId xmlns:a16="http://schemas.microsoft.com/office/drawing/2014/main" val="2996654697"/>
+                  </a:ext>
+                </a:extLst>
+              </a:tr>
+              <a:tr h="370840">
+                <a:tc>
+                  <a:txBody>
+                    <a:bodyPr/>
+                    <a:lstStyle/>
+                    <a:p>
+                      <a:pPr algn="l"/>
+                      <a:r>
+                        <a:rPr lang="en-US" sz="1600" dirty="0"/>
+                        <a:t>Server</a:t>
+                      </a:r>
+                    </a:p>
+                  </a:txBody>
+                  <a:tcPr anchor="ctr">
+                    <a:solidFill>
+                      <a:schemeClr val="accent6">
+                        <a:lumMod val="20000"/>
+                        <a:lumOff val="80000"/>
+                      </a:schemeClr>
+                    </a:solidFill>
+                  </a:tcPr>
+                </a:tc>
+                <a:extLst>
+                  <a:ext uri="{0D108BD9-81ED-4DB2-BD59-A6C34878D82A}">
+                    <a16:rowId xmlns:a16="http://schemas.microsoft.com/office/drawing/2014/main" val="1710575467"/>
+                  </a:ext>
+                </a:extLst>
+              </a:tr>
+              <a:tr h="370840">
+                <a:tc>
+                  <a:txBody>
+                    <a:bodyPr/>
+                    <a:lstStyle/>
+                    <a:p>
+                      <a:pPr algn="l"/>
+                      <a:r>
+                        <a:rPr lang="en-US" sz="1600" dirty="0"/>
+                        <a:t>OS</a:t>
+                      </a:r>
+                    </a:p>
+                  </a:txBody>
+                  <a:tcPr anchor="ctr">
+                    <a:solidFill>
+                      <a:schemeClr val="accent6">
+                        <a:lumMod val="20000"/>
+                        <a:lumOff val="80000"/>
+                      </a:schemeClr>
+                    </a:solidFill>
+                  </a:tcPr>
+                </a:tc>
+                <a:extLst>
+                  <a:ext uri="{0D108BD9-81ED-4DB2-BD59-A6C34878D82A}">
+                    <a16:rowId xmlns:a16="http://schemas.microsoft.com/office/drawing/2014/main" val="3127025209"/>
+                  </a:ext>
+                </a:extLst>
+              </a:tr>
+              <a:tr h="370840">
+                <a:tc>
+                  <a:txBody>
+                    <a:bodyPr/>
+                    <a:lstStyle/>
+                    <a:p>
+                      <a:pPr algn="l"/>
+                      <a:r>
+                        <a:rPr lang="en-US" sz="1600" dirty="0"/>
+                        <a:t>NIC</a:t>
+                      </a:r>
+                    </a:p>
+                  </a:txBody>
+                  <a:tcPr anchor="ctr">
+                    <a:solidFill>
+                      <a:schemeClr val="accent6">
+                        <a:lumMod val="20000"/>
+                        <a:lumOff val="80000"/>
+                      </a:schemeClr>
+                    </a:solidFill>
+                  </a:tcPr>
+                </a:tc>
+                <a:extLst>
+                  <a:ext uri="{0D108BD9-81ED-4DB2-BD59-A6C34878D82A}">
+                    <a16:rowId xmlns:a16="http://schemas.microsoft.com/office/drawing/2014/main" val="915169208"/>
+                  </a:ext>
+                </a:extLst>
+              </a:tr>
+            </a:tbl>
+          </a:graphicData>
+        </a:graphic>
+      </p:graphicFrame>
+      <p:grpSp>
+        <p:nvGrpSpPr>
+          <p:cNvPr id="129" name="Group 128">
+            <a:extLst>
+              <a:ext uri="{FF2B5EF4-FFF2-40B4-BE49-F238E27FC236}">
+                <a16:creationId xmlns:a16="http://schemas.microsoft.com/office/drawing/2014/main" id="{7B41E52B-70BC-4EB8-A6D9-E93E5177A259}"/>
+              </a:ext>
+            </a:extLst>
+          </p:cNvPr>
+          <p:cNvGrpSpPr/>
+          <p:nvPr/>
+        </p:nvGrpSpPr>
+        <p:grpSpPr>
+          <a:xfrm>
+            <a:off x="8749198" y="5054764"/>
+            <a:ext cx="394472" cy="1400937"/>
+            <a:chOff x="6377154" y="2221304"/>
+            <a:chExt cx="394472" cy="1078768"/>
+          </a:xfrm>
+        </p:grpSpPr>
+        <p:sp>
+          <p:nvSpPr>
+            <p:cNvPr id="130" name="Arrow: Up 129">
+              <a:extLst>
+                <a:ext uri="{FF2B5EF4-FFF2-40B4-BE49-F238E27FC236}">
+                  <a16:creationId xmlns:a16="http://schemas.microsoft.com/office/drawing/2014/main" id="{0ACAB68D-D0B4-4C45-BF41-14C0F709654D}"/>
+                </a:ext>
+              </a:extLst>
+            </p:cNvPr>
+            <p:cNvSpPr/>
+            <p:nvPr/>
+          </p:nvSpPr>
+          <p:spPr>
+            <a:xfrm>
+              <a:off x="6558524" y="2221304"/>
+              <a:ext cx="213102" cy="1078768"/>
+            </a:xfrm>
+            <a:prstGeom prst="upArrow">
+              <a:avLst/>
+            </a:prstGeom>
+            <a:solidFill>
+              <a:schemeClr val="accent6">
+                <a:lumMod val="60000"/>
+                <a:lumOff val="40000"/>
+              </a:schemeClr>
+            </a:solidFill>
+            <a:ln>
+              <a:noFill/>
+            </a:ln>
+          </p:spPr>
+          <p:style>
+            <a:lnRef idx="2">
+              <a:schemeClr val="accent6"/>
+            </a:lnRef>
+            <a:fillRef idx="1">
+              <a:schemeClr val="lt1"/>
+            </a:fillRef>
+            <a:effectRef idx="0">
+              <a:schemeClr val="accent6"/>
+            </a:effectRef>
+            <a:fontRef idx="minor">
+              <a:schemeClr val="dk1"/>
+            </a:fontRef>
+          </p:style>
+          <p:txBody>
+            <a:bodyPr rtlCol="0" anchor="ctr"/>
+            <a:lstStyle/>
+            <a:p>
+              <a:pPr algn="ctr"/>
+              <a:endParaRPr lang="en-US"/>
+            </a:p>
+          </p:txBody>
+        </p:sp>
+        <p:sp>
+          <p:nvSpPr>
+            <p:cNvPr id="131" name="Arrow: Up 130">
+              <a:extLst>
+                <a:ext uri="{FF2B5EF4-FFF2-40B4-BE49-F238E27FC236}">
+                  <a16:creationId xmlns:a16="http://schemas.microsoft.com/office/drawing/2014/main" id="{EA8A4A3B-66A7-41D7-9C0B-AA7EBCBC4AB8}"/>
+                </a:ext>
+              </a:extLst>
+            </p:cNvPr>
+            <p:cNvSpPr/>
+            <p:nvPr/>
+          </p:nvSpPr>
+          <p:spPr>
+            <a:xfrm rot="10800000">
+              <a:off x="6377154" y="2221304"/>
+              <a:ext cx="213102" cy="1078768"/>
+            </a:xfrm>
+            <a:prstGeom prst="upArrow">
+              <a:avLst/>
+            </a:prstGeom>
+            <a:solidFill>
+              <a:schemeClr val="accent6">
+                <a:lumMod val="60000"/>
+                <a:lumOff val="40000"/>
+              </a:schemeClr>
+            </a:solidFill>
+            <a:ln>
+              <a:noFill/>
+            </a:ln>
+          </p:spPr>
+          <p:style>
+            <a:lnRef idx="2">
+              <a:schemeClr val="accent6"/>
+            </a:lnRef>
+            <a:fillRef idx="1">
+              <a:schemeClr val="lt1"/>
+            </a:fillRef>
+            <a:effectRef idx="0">
+              <a:schemeClr val="accent6"/>
+            </a:effectRef>
+            <a:fontRef idx="minor">
+              <a:schemeClr val="dk1"/>
+            </a:fontRef>
+          </p:style>
+          <p:txBody>
+            <a:bodyPr rtlCol="0" anchor="ctr"/>
+            <a:lstStyle/>
+            <a:p>
+              <a:pPr algn="ctr"/>
+              <a:endParaRPr lang="en-US"/>
+            </a:p>
+          </p:txBody>
+        </p:sp>
+      </p:grpSp>
+    </p:spTree>
+    <p:extLst>
+      <p:ext uri="{BB962C8B-B14F-4D97-AF65-F5344CB8AC3E}">
+        <p14:creationId xmlns:p14="http://schemas.microsoft.com/office/powerpoint/2010/main" val="817742832"/>
       </p:ext>
     </p:extLst>
   </p:cSld>

--- a/Network Parts and Terms.pptx
+++ b/Network Parts and Terms.pptx
@@ -19,8 +19,10 @@
     <p:sldId id="274" r:id="rId13"/>
     <p:sldId id="275" r:id="rId14"/>
     <p:sldId id="276" r:id="rId15"/>
-    <p:sldId id="286" r:id="rId16"/>
-    <p:sldId id="287" r:id="rId17"/>
+    <p:sldId id="287" r:id="rId16"/>
+    <p:sldId id="286" r:id="rId17"/>
+    <p:sldId id="289" r:id="rId18"/>
+    <p:sldId id="288" r:id="rId19"/>
   </p:sldIdLst>
   <p:sldSz cx="12192000" cy="6858000"/>
   <p:notesSz cx="6858000" cy="9144000"/>
@@ -274,7 +276,7 @@
           <a:p>
             <a:fld id="{06ADBE60-9DBF-4AEC-B933-FFCA020856EA}" type="datetimeFigureOut">
               <a:rPr lang="en-US" smtClean="0"/>
-              <a:t>9/22/2020</a:t>
+              <a:t>9/28/2020</a:t>
             </a:fld>
             <a:endParaRPr lang="en-US"/>
           </a:p>
@@ -472,7 +474,7 @@
           <a:p>
             <a:fld id="{06ADBE60-9DBF-4AEC-B933-FFCA020856EA}" type="datetimeFigureOut">
               <a:rPr lang="en-US" smtClean="0"/>
-              <a:t>9/22/2020</a:t>
+              <a:t>9/28/2020</a:t>
             </a:fld>
             <a:endParaRPr lang="en-US"/>
           </a:p>
@@ -680,7 +682,7 @@
           <a:p>
             <a:fld id="{06ADBE60-9DBF-4AEC-B933-FFCA020856EA}" type="datetimeFigureOut">
               <a:rPr lang="en-US" smtClean="0"/>
-              <a:t>9/22/2020</a:t>
+              <a:t>9/28/2020</a:t>
             </a:fld>
             <a:endParaRPr lang="en-US"/>
           </a:p>
@@ -900,7 +902,7 @@
           <a:p>
             <a:fld id="{12BDD699-8925-4618-9E03-ADAE2166C8F2}" type="datetimeFigureOut">
               <a:rPr lang="en-US" smtClean="0"/>
-              <a:t>9/22/2020</a:t>
+              <a:t>9/28/2020</a:t>
             </a:fld>
             <a:endParaRPr lang="en-US"/>
           </a:p>
@@ -1098,7 +1100,7 @@
           <a:p>
             <a:fld id="{06ADBE60-9DBF-4AEC-B933-FFCA020856EA}" type="datetimeFigureOut">
               <a:rPr lang="en-US" smtClean="0"/>
-              <a:t>9/22/2020</a:t>
+              <a:t>9/28/2020</a:t>
             </a:fld>
             <a:endParaRPr lang="en-US"/>
           </a:p>
@@ -1373,7 +1375,7 @@
           <a:p>
             <a:fld id="{06ADBE60-9DBF-4AEC-B933-FFCA020856EA}" type="datetimeFigureOut">
               <a:rPr lang="en-US" smtClean="0"/>
-              <a:t>9/22/2020</a:t>
+              <a:t>9/28/2020</a:t>
             </a:fld>
             <a:endParaRPr lang="en-US"/>
           </a:p>
@@ -1638,7 +1640,7 @@
           <a:p>
             <a:fld id="{06ADBE60-9DBF-4AEC-B933-FFCA020856EA}" type="datetimeFigureOut">
               <a:rPr lang="en-US" smtClean="0"/>
-              <a:t>9/22/2020</a:t>
+              <a:t>9/28/2020</a:t>
             </a:fld>
             <a:endParaRPr lang="en-US"/>
           </a:p>
@@ -2050,7 +2052,7 @@
           <a:p>
             <a:fld id="{06ADBE60-9DBF-4AEC-B933-FFCA020856EA}" type="datetimeFigureOut">
               <a:rPr lang="en-US" smtClean="0"/>
-              <a:t>9/22/2020</a:t>
+              <a:t>9/28/2020</a:t>
             </a:fld>
             <a:endParaRPr lang="en-US"/>
           </a:p>
@@ -2191,7 +2193,7 @@
           <a:p>
             <a:fld id="{06ADBE60-9DBF-4AEC-B933-FFCA020856EA}" type="datetimeFigureOut">
               <a:rPr lang="en-US" smtClean="0"/>
-              <a:t>9/22/2020</a:t>
+              <a:t>9/28/2020</a:t>
             </a:fld>
             <a:endParaRPr lang="en-US"/>
           </a:p>
@@ -2304,7 +2306,7 @@
           <a:p>
             <a:fld id="{06ADBE60-9DBF-4AEC-B933-FFCA020856EA}" type="datetimeFigureOut">
               <a:rPr lang="en-US" smtClean="0"/>
-              <a:t>9/22/2020</a:t>
+              <a:t>9/28/2020</a:t>
             </a:fld>
             <a:endParaRPr lang="en-US"/>
           </a:p>
@@ -2615,7 +2617,7 @@
           <a:p>
             <a:fld id="{06ADBE60-9DBF-4AEC-B933-FFCA020856EA}" type="datetimeFigureOut">
               <a:rPr lang="en-US" smtClean="0"/>
-              <a:t>9/22/2020</a:t>
+              <a:t>9/28/2020</a:t>
             </a:fld>
             <a:endParaRPr lang="en-US"/>
           </a:p>
@@ -2903,7 +2905,7 @@
           <a:p>
             <a:fld id="{06ADBE60-9DBF-4AEC-B933-FFCA020856EA}" type="datetimeFigureOut">
               <a:rPr lang="en-US" smtClean="0"/>
-              <a:t>9/22/2020</a:t>
+              <a:t>9/28/2020</a:t>
             </a:fld>
             <a:endParaRPr lang="en-US"/>
           </a:p>
@@ -3144,7 +3146,7 @@
           <a:p>
             <a:fld id="{06ADBE60-9DBF-4AEC-B933-FFCA020856EA}" type="datetimeFigureOut">
               <a:rPr lang="en-US" smtClean="0"/>
-              <a:t>9/22/2020</a:t>
+              <a:t>9/28/2020</a:t>
             </a:fld>
             <a:endParaRPr lang="en-US"/>
           </a:p>
@@ -3751,7 +3753,7 @@
           <a:p>
             <a:fld id="{12BDD699-8925-4618-9E03-ADAE2166C8F2}" type="datetimeFigureOut">
               <a:rPr lang="en-US" smtClean="0"/>
-              <a:t>9/22/2020</a:t>
+              <a:t>9/28/2020</a:t>
             </a:fld>
             <a:endParaRPr lang="en-US"/>
           </a:p>
@@ -11615,2414 +11617,6 @@
           <a:chExt cx="0" cy="0"/>
         </a:xfrm>
       </p:grpSpPr>
-      <p:sp>
-        <p:nvSpPr>
-          <p:cNvPr id="2" name="Rectangle 1" hidden="1">
-            <a:extLst>
-              <a:ext uri="{FF2B5EF4-FFF2-40B4-BE49-F238E27FC236}">
-                <a16:creationId xmlns:a16="http://schemas.microsoft.com/office/drawing/2014/main" id="{5CCCBFA1-FDCD-4E57-81CE-6E0F8D7901BF}"/>
-              </a:ext>
-            </a:extLst>
-          </p:cNvPr>
-          <p:cNvSpPr/>
-          <p:nvPr/>
-        </p:nvSpPr>
-        <p:spPr>
-          <a:xfrm>
-            <a:off x="0" y="0"/>
-            <a:ext cx="12192000" cy="6858000"/>
-          </a:xfrm>
-          <a:prstGeom prst="rect">
-            <a:avLst/>
-          </a:prstGeom>
-          <a:solidFill>
-            <a:schemeClr val="bg1"/>
-          </a:solidFill>
-          <a:ln>
-            <a:noFill/>
-          </a:ln>
-        </p:spPr>
-        <p:style>
-          <a:lnRef idx="2">
-            <a:schemeClr val="accent1">
-              <a:shade val="50000"/>
-            </a:schemeClr>
-          </a:lnRef>
-          <a:fillRef idx="1">
-            <a:schemeClr val="accent1"/>
-          </a:fillRef>
-          <a:effectRef idx="0">
-            <a:schemeClr val="accent1"/>
-          </a:effectRef>
-          <a:fontRef idx="minor">
-            <a:schemeClr val="lt1"/>
-          </a:fontRef>
-        </p:style>
-        <p:txBody>
-          <a:bodyPr rtlCol="0" anchor="ctr"/>
-          <a:lstStyle/>
-          <a:p>
-            <a:pPr algn="ctr"/>
-            <a:endParaRPr lang="en-US" dirty="0"/>
-          </a:p>
-        </p:txBody>
-      </p:sp>
-      <p:sp>
-        <p:nvSpPr>
-          <p:cNvPr id="38" name="TextBox 37">
-            <a:extLst>
-              <a:ext uri="{FF2B5EF4-FFF2-40B4-BE49-F238E27FC236}">
-                <a16:creationId xmlns:a16="http://schemas.microsoft.com/office/drawing/2014/main" id="{91D2CAB9-EF2E-4B5B-B20A-806B6DD60F42}"/>
-              </a:ext>
-            </a:extLst>
-          </p:cNvPr>
-          <p:cNvSpPr txBox="1"/>
-          <p:nvPr/>
-        </p:nvSpPr>
-        <p:spPr>
-          <a:xfrm>
-            <a:off x="3397135" y="250222"/>
-            <a:ext cx="5397730" cy="523220"/>
-          </a:xfrm>
-          <a:prstGeom prst="rect">
-            <a:avLst/>
-          </a:prstGeom>
-          <a:noFill/>
-        </p:spPr>
-        <p:txBody>
-          <a:bodyPr wrap="square" rtlCol="0">
-            <a:spAutoFit/>
-          </a:bodyPr>
-          <a:lstStyle/>
-          <a:p>
-            <a:pPr algn="ctr"/>
-            <a:r>
-              <a:rPr lang="en-US" sz="2800" dirty="0">
-                <a:solidFill>
-                  <a:schemeClr val="accent6">
-                    <a:lumMod val="75000"/>
-                  </a:schemeClr>
-                </a:solidFill>
-              </a:rPr>
-              <a:t>When is a Server not a Server?</a:t>
-            </a:r>
-          </a:p>
-        </p:txBody>
-      </p:sp>
-      <p:grpSp>
-        <p:nvGrpSpPr>
-          <p:cNvPr id="49" name="Group 48">
-            <a:extLst>
-              <a:ext uri="{FF2B5EF4-FFF2-40B4-BE49-F238E27FC236}">
-                <a16:creationId xmlns:a16="http://schemas.microsoft.com/office/drawing/2014/main" id="{B8CE06AF-2806-4107-95D9-AAC286CC343B}"/>
-              </a:ext>
-            </a:extLst>
-          </p:cNvPr>
-          <p:cNvGrpSpPr/>
-          <p:nvPr/>
-        </p:nvGrpSpPr>
-        <p:grpSpPr>
-          <a:xfrm>
-            <a:off x="3766877" y="629685"/>
-            <a:ext cx="4498072" cy="297874"/>
-            <a:chOff x="3971469" y="624781"/>
-            <a:chExt cx="4498072" cy="297874"/>
-          </a:xfrm>
-        </p:grpSpPr>
-        <p:cxnSp>
-          <p:nvCxnSpPr>
-            <p:cNvPr id="40" name="Straight Connector 39">
-              <a:extLst>
-                <a:ext uri="{FF2B5EF4-FFF2-40B4-BE49-F238E27FC236}">
-                  <a16:creationId xmlns:a16="http://schemas.microsoft.com/office/drawing/2014/main" id="{D6E0AC31-61D0-4CE2-AA3B-3C6978E8704A}"/>
-                </a:ext>
-              </a:extLst>
-            </p:cNvPr>
-            <p:cNvCxnSpPr/>
-            <p:nvPr/>
-          </p:nvCxnSpPr>
-          <p:spPr>
-            <a:xfrm>
-              <a:off x="5170031" y="773442"/>
-              <a:ext cx="2057400" cy="0"/>
-            </a:xfrm>
-            <a:prstGeom prst="line">
-              <a:avLst/>
-            </a:prstGeom>
-            <a:ln cap="rnd"/>
-          </p:spPr>
-          <p:style>
-            <a:lnRef idx="3">
-              <a:schemeClr val="accent6"/>
-            </a:lnRef>
-            <a:fillRef idx="0">
-              <a:schemeClr val="accent6"/>
-            </a:fillRef>
-            <a:effectRef idx="2">
-              <a:schemeClr val="accent6"/>
-            </a:effectRef>
-            <a:fontRef idx="minor">
-              <a:schemeClr val="tx1"/>
-            </a:fontRef>
-          </p:style>
-        </p:cxnSp>
-        <p:cxnSp>
-          <p:nvCxnSpPr>
-            <p:cNvPr id="41" name="Straight Connector 40">
-              <a:extLst>
-                <a:ext uri="{FF2B5EF4-FFF2-40B4-BE49-F238E27FC236}">
-                  <a16:creationId xmlns:a16="http://schemas.microsoft.com/office/drawing/2014/main" id="{B388F3BF-FB37-4435-8519-443F06647178}"/>
-                </a:ext>
-              </a:extLst>
-            </p:cNvPr>
-            <p:cNvCxnSpPr>
-              <a:cxnSpLocks/>
-            </p:cNvCxnSpPr>
-            <p:nvPr/>
-          </p:nvCxnSpPr>
-          <p:spPr>
-            <a:xfrm>
-              <a:off x="7349270" y="697242"/>
-              <a:ext cx="1027511" cy="0"/>
-            </a:xfrm>
-            <a:prstGeom prst="line">
-              <a:avLst/>
-            </a:prstGeom>
-            <a:ln cap="rnd"/>
-          </p:spPr>
-          <p:style>
-            <a:lnRef idx="3">
-              <a:schemeClr val="accent6"/>
-            </a:lnRef>
-            <a:fillRef idx="0">
-              <a:schemeClr val="accent6"/>
-            </a:fillRef>
-            <a:effectRef idx="2">
-              <a:schemeClr val="accent6"/>
-            </a:effectRef>
-            <a:fontRef idx="minor">
-              <a:schemeClr val="tx1"/>
-            </a:fontRef>
-          </p:style>
-        </p:cxnSp>
-        <p:cxnSp>
-          <p:nvCxnSpPr>
-            <p:cNvPr id="43" name="Straight Connector 42">
-              <a:extLst>
-                <a:ext uri="{FF2B5EF4-FFF2-40B4-BE49-F238E27FC236}">
-                  <a16:creationId xmlns:a16="http://schemas.microsoft.com/office/drawing/2014/main" id="{EC5F7052-9710-4CD3-8A81-EEE0E9A7244C}"/>
-                </a:ext>
-              </a:extLst>
-            </p:cNvPr>
-            <p:cNvCxnSpPr>
-              <a:cxnSpLocks/>
-            </p:cNvCxnSpPr>
-            <p:nvPr/>
-          </p:nvCxnSpPr>
-          <p:spPr>
-            <a:xfrm flipV="1">
-              <a:off x="7227431" y="697242"/>
-              <a:ext cx="121839" cy="76200"/>
-            </a:xfrm>
-            <a:prstGeom prst="line">
-              <a:avLst/>
-            </a:prstGeom>
-            <a:ln cap="rnd"/>
-          </p:spPr>
-          <p:style>
-            <a:lnRef idx="3">
-              <a:schemeClr val="accent6"/>
-            </a:lnRef>
-            <a:fillRef idx="0">
-              <a:schemeClr val="accent6"/>
-            </a:fillRef>
-            <a:effectRef idx="2">
-              <a:schemeClr val="accent6"/>
-            </a:effectRef>
-            <a:fontRef idx="minor">
-              <a:schemeClr val="tx1"/>
-            </a:fontRef>
-          </p:style>
-        </p:cxnSp>
-        <p:cxnSp>
-          <p:nvCxnSpPr>
-            <p:cNvPr id="46" name="Straight Connector 45">
-              <a:extLst>
-                <a:ext uri="{FF2B5EF4-FFF2-40B4-BE49-F238E27FC236}">
-                  <a16:creationId xmlns:a16="http://schemas.microsoft.com/office/drawing/2014/main" id="{C86B609C-3E9D-4EA1-9D7B-7AD108C8C57B}"/>
-                </a:ext>
-              </a:extLst>
-            </p:cNvPr>
-            <p:cNvCxnSpPr>
-              <a:cxnSpLocks/>
-            </p:cNvCxnSpPr>
-            <p:nvPr/>
-          </p:nvCxnSpPr>
-          <p:spPr>
-            <a:xfrm flipV="1">
-              <a:off x="5048192" y="773442"/>
-              <a:ext cx="121839" cy="76200"/>
-            </a:xfrm>
-            <a:prstGeom prst="line">
-              <a:avLst/>
-            </a:prstGeom>
-            <a:ln cap="rnd"/>
-          </p:spPr>
-          <p:style>
-            <a:lnRef idx="3">
-              <a:schemeClr val="accent6"/>
-            </a:lnRef>
-            <a:fillRef idx="0">
-              <a:schemeClr val="accent6"/>
-            </a:fillRef>
-            <a:effectRef idx="2">
-              <a:schemeClr val="accent6"/>
-            </a:effectRef>
-            <a:fontRef idx="minor">
-              <a:schemeClr val="tx1"/>
-            </a:fontRef>
-          </p:style>
-        </p:cxnSp>
-        <p:cxnSp>
-          <p:nvCxnSpPr>
-            <p:cNvPr id="47" name="Straight Connector 46">
-              <a:extLst>
-                <a:ext uri="{FF2B5EF4-FFF2-40B4-BE49-F238E27FC236}">
-                  <a16:creationId xmlns:a16="http://schemas.microsoft.com/office/drawing/2014/main" id="{0D690C07-0109-4CEC-B0CC-434EED608911}"/>
-                </a:ext>
-              </a:extLst>
-            </p:cNvPr>
-            <p:cNvCxnSpPr>
-              <a:cxnSpLocks/>
-            </p:cNvCxnSpPr>
-            <p:nvPr/>
-          </p:nvCxnSpPr>
-          <p:spPr>
-            <a:xfrm flipV="1">
-              <a:off x="4021655" y="849642"/>
-              <a:ext cx="1026537" cy="11668"/>
-            </a:xfrm>
-            <a:prstGeom prst="line">
-              <a:avLst/>
-            </a:prstGeom>
-            <a:ln cap="rnd"/>
-          </p:spPr>
-          <p:style>
-            <a:lnRef idx="3">
-              <a:schemeClr val="accent6"/>
-            </a:lnRef>
-            <a:fillRef idx="0">
-              <a:schemeClr val="accent6"/>
-            </a:fillRef>
-            <a:effectRef idx="2">
-              <a:schemeClr val="accent6"/>
-            </a:effectRef>
-            <a:fontRef idx="minor">
-              <a:schemeClr val="tx1"/>
-            </a:fontRef>
-          </p:style>
-        </p:cxnSp>
-        <p:sp>
-          <p:nvSpPr>
-            <p:cNvPr id="50" name="Oval 49">
-              <a:extLst>
-                <a:ext uri="{FF2B5EF4-FFF2-40B4-BE49-F238E27FC236}">
-                  <a16:creationId xmlns:a16="http://schemas.microsoft.com/office/drawing/2014/main" id="{EEA3A56A-D77B-4804-9467-3C2325189A39}"/>
-                </a:ext>
-              </a:extLst>
-            </p:cNvPr>
-            <p:cNvSpPr/>
-            <p:nvPr/>
-          </p:nvSpPr>
-          <p:spPr>
-            <a:xfrm>
-              <a:off x="3971469" y="789305"/>
-              <a:ext cx="133350" cy="133350"/>
-            </a:xfrm>
-            <a:prstGeom prst="ellipse">
-              <a:avLst/>
-            </a:prstGeom>
-          </p:spPr>
-          <p:style>
-            <a:lnRef idx="2">
-              <a:schemeClr val="accent6"/>
-            </a:lnRef>
-            <a:fillRef idx="1">
-              <a:schemeClr val="lt1"/>
-            </a:fillRef>
-            <a:effectRef idx="0">
-              <a:schemeClr val="accent6"/>
-            </a:effectRef>
-            <a:fontRef idx="minor">
-              <a:schemeClr val="dk1"/>
-            </a:fontRef>
-          </p:style>
-          <p:txBody>
-            <a:bodyPr rtlCol="0" anchor="ctr"/>
-            <a:lstStyle/>
-            <a:p>
-              <a:pPr algn="ctr"/>
-              <a:endParaRPr lang="en-US" i="1" dirty="0"/>
-            </a:p>
-          </p:txBody>
-        </p:sp>
-        <p:sp>
-          <p:nvSpPr>
-            <p:cNvPr id="51" name="Oval 50">
-              <a:extLst>
-                <a:ext uri="{FF2B5EF4-FFF2-40B4-BE49-F238E27FC236}">
-                  <a16:creationId xmlns:a16="http://schemas.microsoft.com/office/drawing/2014/main" id="{488A40C9-3C11-477D-B0FB-19648893F367}"/>
-                </a:ext>
-              </a:extLst>
-            </p:cNvPr>
-            <p:cNvSpPr/>
-            <p:nvPr/>
-          </p:nvSpPr>
-          <p:spPr>
-            <a:xfrm>
-              <a:off x="8336191" y="624781"/>
-              <a:ext cx="133350" cy="133350"/>
-            </a:xfrm>
-            <a:prstGeom prst="ellipse">
-              <a:avLst/>
-            </a:prstGeom>
-          </p:spPr>
-          <p:style>
-            <a:lnRef idx="2">
-              <a:schemeClr val="accent6"/>
-            </a:lnRef>
-            <a:fillRef idx="1">
-              <a:schemeClr val="lt1"/>
-            </a:fillRef>
-            <a:effectRef idx="0">
-              <a:schemeClr val="accent6"/>
-            </a:effectRef>
-            <a:fontRef idx="minor">
-              <a:schemeClr val="dk1"/>
-            </a:fontRef>
-          </p:style>
-          <p:txBody>
-            <a:bodyPr rtlCol="0" anchor="ctr"/>
-            <a:lstStyle/>
-            <a:p>
-              <a:pPr algn="ctr"/>
-              <a:endParaRPr lang="en-US" i="1" dirty="0"/>
-            </a:p>
-          </p:txBody>
-        </p:sp>
-      </p:grpSp>
-      <p:sp>
-        <p:nvSpPr>
-          <p:cNvPr id="19" name="TextBox 18">
-            <a:extLst>
-              <a:ext uri="{FF2B5EF4-FFF2-40B4-BE49-F238E27FC236}">
-                <a16:creationId xmlns:a16="http://schemas.microsoft.com/office/drawing/2014/main" id="{3718AA49-7B09-4FC3-ABD4-19396158116F}"/>
-              </a:ext>
-            </a:extLst>
-          </p:cNvPr>
-          <p:cNvSpPr txBox="1"/>
-          <p:nvPr/>
-        </p:nvSpPr>
-        <p:spPr>
-          <a:xfrm>
-            <a:off x="4439265" y="936449"/>
-            <a:ext cx="3313472" cy="369332"/>
-          </a:xfrm>
-          <a:prstGeom prst="rect">
-            <a:avLst/>
-          </a:prstGeom>
-          <a:noFill/>
-        </p:spPr>
-        <p:txBody>
-          <a:bodyPr wrap="none" rtlCol="0">
-            <a:spAutoFit/>
-          </a:bodyPr>
-          <a:lstStyle/>
-          <a:p>
-            <a:pPr algn="ctr"/>
-            <a:r>
-              <a:rPr lang="en-US" dirty="0"/>
-              <a:t>Or </a:t>
-            </a:r>
-            <a:r>
-              <a:rPr lang="en-US" i="1" dirty="0"/>
-              <a:t>When is a server not a server</a:t>
-            </a:r>
-            <a:r>
-              <a:rPr lang="en-US" dirty="0"/>
-              <a:t>?</a:t>
-            </a:r>
-          </a:p>
-        </p:txBody>
-      </p:sp>
-      <p:grpSp>
-        <p:nvGrpSpPr>
-          <p:cNvPr id="81" name="Group 80">
-            <a:extLst>
-              <a:ext uri="{FF2B5EF4-FFF2-40B4-BE49-F238E27FC236}">
-                <a16:creationId xmlns:a16="http://schemas.microsoft.com/office/drawing/2014/main" id="{D4AE6AFA-27CE-4B79-A5E8-9C40BA641D65}"/>
-              </a:ext>
-            </a:extLst>
-          </p:cNvPr>
-          <p:cNvGrpSpPr/>
-          <p:nvPr/>
-        </p:nvGrpSpPr>
-        <p:grpSpPr>
-          <a:xfrm>
-            <a:off x="884940" y="2102560"/>
-            <a:ext cx="1495588" cy="2097660"/>
-            <a:chOff x="884940" y="2102560"/>
-            <a:chExt cx="1495588" cy="2097660"/>
-          </a:xfrm>
-        </p:grpSpPr>
-        <p:sp>
-          <p:nvSpPr>
-            <p:cNvPr id="27" name="Rectangle 26">
-              <a:extLst>
-                <a:ext uri="{FF2B5EF4-FFF2-40B4-BE49-F238E27FC236}">
-                  <a16:creationId xmlns:a16="http://schemas.microsoft.com/office/drawing/2014/main" id="{C399D048-572C-4C3C-A6E7-2699E8DE5967}"/>
-                </a:ext>
-              </a:extLst>
-            </p:cNvPr>
-            <p:cNvSpPr/>
-            <p:nvPr/>
-          </p:nvSpPr>
-          <p:spPr>
-            <a:xfrm>
-              <a:off x="884941" y="2102560"/>
-              <a:ext cx="1495587" cy="523220"/>
-            </a:xfrm>
-            <a:prstGeom prst="rect">
-              <a:avLst/>
-            </a:prstGeom>
-            <a:solidFill>
-              <a:schemeClr val="accent6">
-                <a:lumMod val="20000"/>
-                <a:lumOff val="80000"/>
-              </a:schemeClr>
-            </a:solidFill>
-          </p:spPr>
-          <p:style>
-            <a:lnRef idx="2">
-              <a:schemeClr val="accent6"/>
-            </a:lnRef>
-            <a:fillRef idx="1">
-              <a:schemeClr val="lt1"/>
-            </a:fillRef>
-            <a:effectRef idx="0">
-              <a:schemeClr val="accent6"/>
-            </a:effectRef>
-            <a:fontRef idx="minor">
-              <a:schemeClr val="dk1"/>
-            </a:fontRef>
-          </p:style>
-          <p:txBody>
-            <a:bodyPr rtlCol="0" anchor="ctr"/>
-            <a:lstStyle/>
-            <a:p>
-              <a:pPr algn="ctr"/>
-              <a:r>
-                <a:rPr lang="en-US" dirty="0"/>
-                <a:t>Server</a:t>
-              </a:r>
-            </a:p>
-          </p:txBody>
-        </p:sp>
-        <p:sp>
-          <p:nvSpPr>
-            <p:cNvPr id="28" name="Rectangle 27">
-              <a:extLst>
-                <a:ext uri="{FF2B5EF4-FFF2-40B4-BE49-F238E27FC236}">
-                  <a16:creationId xmlns:a16="http://schemas.microsoft.com/office/drawing/2014/main" id="{B919F312-646C-4CF3-8BCC-89D66F720BE6}"/>
-                </a:ext>
-              </a:extLst>
-            </p:cNvPr>
-            <p:cNvSpPr/>
-            <p:nvPr/>
-          </p:nvSpPr>
-          <p:spPr>
-            <a:xfrm>
-              <a:off x="884941" y="2634973"/>
-              <a:ext cx="1495587" cy="523220"/>
-            </a:xfrm>
-            <a:prstGeom prst="rect">
-              <a:avLst/>
-            </a:prstGeom>
-            <a:solidFill>
-              <a:schemeClr val="accent6">
-                <a:lumMod val="20000"/>
-                <a:lumOff val="80000"/>
-              </a:schemeClr>
-            </a:solidFill>
-          </p:spPr>
-          <p:style>
-            <a:lnRef idx="2">
-              <a:schemeClr val="accent6"/>
-            </a:lnRef>
-            <a:fillRef idx="1">
-              <a:schemeClr val="lt1"/>
-            </a:fillRef>
-            <a:effectRef idx="0">
-              <a:schemeClr val="accent6"/>
-            </a:effectRef>
-            <a:fontRef idx="minor">
-              <a:schemeClr val="dk1"/>
-            </a:fontRef>
-          </p:style>
-          <p:txBody>
-            <a:bodyPr rtlCol="0" anchor="ctr"/>
-            <a:lstStyle/>
-            <a:p>
-              <a:pPr algn="ctr"/>
-              <a:r>
-                <a:rPr lang="en-US" dirty="0"/>
-                <a:t>OS</a:t>
-              </a:r>
-            </a:p>
-          </p:txBody>
-        </p:sp>
-        <p:sp>
-          <p:nvSpPr>
-            <p:cNvPr id="29" name="Rectangle 28">
-              <a:extLst>
-                <a:ext uri="{FF2B5EF4-FFF2-40B4-BE49-F238E27FC236}">
-                  <a16:creationId xmlns:a16="http://schemas.microsoft.com/office/drawing/2014/main" id="{0521828F-CD14-4699-A5A9-2B73B961FCE5}"/>
-                </a:ext>
-              </a:extLst>
-            </p:cNvPr>
-            <p:cNvSpPr/>
-            <p:nvPr/>
-          </p:nvSpPr>
-          <p:spPr>
-            <a:xfrm>
-              <a:off x="884940" y="3167386"/>
-              <a:ext cx="1495587" cy="523220"/>
-            </a:xfrm>
-            <a:prstGeom prst="rect">
-              <a:avLst/>
-            </a:prstGeom>
-            <a:solidFill>
-              <a:schemeClr val="accent6">
-                <a:lumMod val="20000"/>
-                <a:lumOff val="80000"/>
-              </a:schemeClr>
-            </a:solidFill>
-          </p:spPr>
-          <p:style>
-            <a:lnRef idx="2">
-              <a:schemeClr val="accent6"/>
-            </a:lnRef>
-            <a:fillRef idx="1">
-              <a:schemeClr val="lt1"/>
-            </a:fillRef>
-            <a:effectRef idx="0">
-              <a:schemeClr val="accent6"/>
-            </a:effectRef>
-            <a:fontRef idx="minor">
-              <a:schemeClr val="dk1"/>
-            </a:fontRef>
-          </p:style>
-          <p:txBody>
-            <a:bodyPr rtlCol="0" anchor="ctr"/>
-            <a:lstStyle/>
-            <a:p>
-              <a:pPr algn="ctr"/>
-              <a:r>
-                <a:rPr lang="en-US" dirty="0"/>
-                <a:t>NIC</a:t>
-              </a:r>
-            </a:p>
-          </p:txBody>
-        </p:sp>
-        <p:sp>
-          <p:nvSpPr>
-            <p:cNvPr id="30" name="TextBox 29">
-              <a:extLst>
-                <a:ext uri="{FF2B5EF4-FFF2-40B4-BE49-F238E27FC236}">
-                  <a16:creationId xmlns:a16="http://schemas.microsoft.com/office/drawing/2014/main" id="{35EF0B8B-0077-41F6-8ADC-2744C70CD2EE}"/>
-                </a:ext>
-              </a:extLst>
-            </p:cNvPr>
-            <p:cNvSpPr txBox="1"/>
-            <p:nvPr/>
-          </p:nvSpPr>
-          <p:spPr>
-            <a:xfrm>
-              <a:off x="1058761" y="3830888"/>
-              <a:ext cx="1147943" cy="369332"/>
-            </a:xfrm>
-            <a:prstGeom prst="rect">
-              <a:avLst/>
-            </a:prstGeom>
-            <a:noFill/>
-          </p:spPr>
-          <p:txBody>
-            <a:bodyPr wrap="none" rtlCol="0">
-              <a:spAutoFit/>
-            </a:bodyPr>
-            <a:lstStyle/>
-            <a:p>
-              <a:pPr algn="ctr"/>
-              <a:r>
-                <a:rPr lang="en-US" dirty="0"/>
-                <a:t>API Server</a:t>
-              </a:r>
-            </a:p>
-          </p:txBody>
-        </p:sp>
-      </p:grpSp>
-      <p:grpSp>
-        <p:nvGrpSpPr>
-          <p:cNvPr id="42" name="Group 41">
-            <a:extLst>
-              <a:ext uri="{FF2B5EF4-FFF2-40B4-BE49-F238E27FC236}">
-                <a16:creationId xmlns:a16="http://schemas.microsoft.com/office/drawing/2014/main" id="{10F20F3E-D3F1-4F5A-8D8F-0D3EAE3CC503}"/>
-              </a:ext>
-            </a:extLst>
-          </p:cNvPr>
-          <p:cNvGrpSpPr/>
-          <p:nvPr/>
-        </p:nvGrpSpPr>
-        <p:grpSpPr>
-          <a:xfrm>
-            <a:off x="5311644" y="2110197"/>
-            <a:ext cx="1495588" cy="2357052"/>
-            <a:chOff x="5649091" y="2110197"/>
-            <a:chExt cx="1495588" cy="2357052"/>
-          </a:xfrm>
-        </p:grpSpPr>
-        <p:sp>
-          <p:nvSpPr>
-            <p:cNvPr id="11" name="Rectangle 10">
-              <a:extLst>
-                <a:ext uri="{FF2B5EF4-FFF2-40B4-BE49-F238E27FC236}">
-                  <a16:creationId xmlns:a16="http://schemas.microsoft.com/office/drawing/2014/main" id="{C59726E4-A4F0-44A3-82D6-B14C3736631D}"/>
-                </a:ext>
-              </a:extLst>
-            </p:cNvPr>
-            <p:cNvSpPr/>
-            <p:nvPr/>
-          </p:nvSpPr>
-          <p:spPr>
-            <a:xfrm>
-              <a:off x="5649092" y="2110197"/>
-              <a:ext cx="1495587" cy="523220"/>
-            </a:xfrm>
-            <a:prstGeom prst="rect">
-              <a:avLst/>
-            </a:prstGeom>
-            <a:solidFill>
-              <a:schemeClr val="accent6">
-                <a:lumMod val="20000"/>
-                <a:lumOff val="80000"/>
-              </a:schemeClr>
-            </a:solidFill>
-          </p:spPr>
-          <p:style>
-            <a:lnRef idx="2">
-              <a:schemeClr val="accent6"/>
-            </a:lnRef>
-            <a:fillRef idx="1">
-              <a:schemeClr val="lt1"/>
-            </a:fillRef>
-            <a:effectRef idx="0">
-              <a:schemeClr val="accent6"/>
-            </a:effectRef>
-            <a:fontRef idx="minor">
-              <a:schemeClr val="dk1"/>
-            </a:fontRef>
-          </p:style>
-          <p:txBody>
-            <a:bodyPr rtlCol="0" anchor="ctr"/>
-            <a:lstStyle/>
-            <a:p>
-              <a:pPr algn="ctr"/>
-              <a:r>
-                <a:rPr lang="en-US" dirty="0"/>
-                <a:t>Server</a:t>
-              </a:r>
-            </a:p>
-          </p:txBody>
-        </p:sp>
-        <p:sp>
-          <p:nvSpPr>
-            <p:cNvPr id="17" name="Rectangle 16">
-              <a:extLst>
-                <a:ext uri="{FF2B5EF4-FFF2-40B4-BE49-F238E27FC236}">
-                  <a16:creationId xmlns:a16="http://schemas.microsoft.com/office/drawing/2014/main" id="{2AC65FCE-DB04-4F56-B470-6BDBEFBBBED2}"/>
-                </a:ext>
-              </a:extLst>
-            </p:cNvPr>
-            <p:cNvSpPr/>
-            <p:nvPr/>
-          </p:nvSpPr>
-          <p:spPr>
-            <a:xfrm>
-              <a:off x="5649092" y="2642610"/>
-              <a:ext cx="1495587" cy="523220"/>
-            </a:xfrm>
-            <a:prstGeom prst="rect">
-              <a:avLst/>
-            </a:prstGeom>
-            <a:solidFill>
-              <a:schemeClr val="accent6">
-                <a:lumMod val="20000"/>
-                <a:lumOff val="80000"/>
-              </a:schemeClr>
-            </a:solidFill>
-          </p:spPr>
-          <p:style>
-            <a:lnRef idx="2">
-              <a:schemeClr val="accent6"/>
-            </a:lnRef>
-            <a:fillRef idx="1">
-              <a:schemeClr val="lt1"/>
-            </a:fillRef>
-            <a:effectRef idx="0">
-              <a:schemeClr val="accent6"/>
-            </a:effectRef>
-            <a:fontRef idx="minor">
-              <a:schemeClr val="dk1"/>
-            </a:fontRef>
-          </p:style>
-          <p:txBody>
-            <a:bodyPr rtlCol="0" anchor="ctr"/>
-            <a:lstStyle/>
-            <a:p>
-              <a:pPr algn="ctr"/>
-              <a:r>
-                <a:rPr lang="en-US" dirty="0"/>
-                <a:t>OS</a:t>
-              </a:r>
-            </a:p>
-          </p:txBody>
-        </p:sp>
-        <p:sp>
-          <p:nvSpPr>
-            <p:cNvPr id="20" name="Rectangle 19">
-              <a:extLst>
-                <a:ext uri="{FF2B5EF4-FFF2-40B4-BE49-F238E27FC236}">
-                  <a16:creationId xmlns:a16="http://schemas.microsoft.com/office/drawing/2014/main" id="{87C3007D-B35E-48D5-A2A1-A6FE7F2BD358}"/>
-                </a:ext>
-              </a:extLst>
-            </p:cNvPr>
-            <p:cNvSpPr/>
-            <p:nvPr/>
-          </p:nvSpPr>
-          <p:spPr>
-            <a:xfrm>
-              <a:off x="5649091" y="3175023"/>
-              <a:ext cx="1495587" cy="523220"/>
-            </a:xfrm>
-            <a:prstGeom prst="rect">
-              <a:avLst/>
-            </a:prstGeom>
-            <a:solidFill>
-              <a:schemeClr val="accent6">
-                <a:lumMod val="20000"/>
-                <a:lumOff val="80000"/>
-              </a:schemeClr>
-            </a:solidFill>
-          </p:spPr>
-          <p:style>
-            <a:lnRef idx="2">
-              <a:schemeClr val="accent6"/>
-            </a:lnRef>
-            <a:fillRef idx="1">
-              <a:schemeClr val="lt1"/>
-            </a:fillRef>
-            <a:effectRef idx="0">
-              <a:schemeClr val="accent6"/>
-            </a:effectRef>
-            <a:fontRef idx="minor">
-              <a:schemeClr val="dk1"/>
-            </a:fontRef>
-          </p:style>
-          <p:txBody>
-            <a:bodyPr rtlCol="0" anchor="ctr"/>
-            <a:lstStyle/>
-            <a:p>
-              <a:pPr algn="ctr"/>
-              <a:r>
-                <a:rPr lang="en-US" dirty="0"/>
-                <a:t>NIC</a:t>
-              </a:r>
-            </a:p>
-          </p:txBody>
-        </p:sp>
-        <p:sp>
-          <p:nvSpPr>
-            <p:cNvPr id="31" name="TextBox 30">
-              <a:extLst>
-                <a:ext uri="{FF2B5EF4-FFF2-40B4-BE49-F238E27FC236}">
-                  <a16:creationId xmlns:a16="http://schemas.microsoft.com/office/drawing/2014/main" id="{506FA61F-EB9F-43DE-BCA7-06B871918CFE}"/>
-                </a:ext>
-              </a:extLst>
-            </p:cNvPr>
-            <p:cNvSpPr txBox="1"/>
-            <p:nvPr/>
-          </p:nvSpPr>
-          <p:spPr>
-            <a:xfrm>
-              <a:off x="5778028" y="3820918"/>
-              <a:ext cx="1362296" cy="646331"/>
-            </a:xfrm>
-            <a:prstGeom prst="rect">
-              <a:avLst/>
-            </a:prstGeom>
-            <a:noFill/>
-          </p:spPr>
-          <p:txBody>
-            <a:bodyPr wrap="none" rtlCol="0">
-              <a:spAutoFit/>
-            </a:bodyPr>
-            <a:lstStyle/>
-            <a:p>
-              <a:pPr algn="ctr"/>
-              <a:r>
-                <a:rPr lang="en-US" dirty="0"/>
-                <a:t>Web Server/</a:t>
-              </a:r>
-            </a:p>
-            <a:p>
-              <a:pPr algn="ctr"/>
-              <a:r>
-                <a:rPr lang="en-US" dirty="0"/>
-                <a:t>API Client</a:t>
-              </a:r>
-            </a:p>
-          </p:txBody>
-        </p:sp>
-      </p:grpSp>
-      <p:grpSp>
-        <p:nvGrpSpPr>
-          <p:cNvPr id="54" name="Group 53">
-            <a:extLst>
-              <a:ext uri="{FF2B5EF4-FFF2-40B4-BE49-F238E27FC236}">
-                <a16:creationId xmlns:a16="http://schemas.microsoft.com/office/drawing/2014/main" id="{385FC814-A130-4393-8E9F-984C5C9F5D77}"/>
-              </a:ext>
-            </a:extLst>
-          </p:cNvPr>
-          <p:cNvGrpSpPr/>
-          <p:nvPr/>
-        </p:nvGrpSpPr>
-        <p:grpSpPr>
-          <a:xfrm>
-            <a:off x="9760766" y="2119390"/>
-            <a:ext cx="1495588" cy="2054831"/>
-            <a:chOff x="8842491" y="2119390"/>
-            <a:chExt cx="1495588" cy="2054831"/>
-          </a:xfrm>
-        </p:grpSpPr>
-        <p:sp>
-          <p:nvSpPr>
-            <p:cNvPr id="3" name="Rectangle 2">
-              <a:extLst>
-                <a:ext uri="{FF2B5EF4-FFF2-40B4-BE49-F238E27FC236}">
-                  <a16:creationId xmlns:a16="http://schemas.microsoft.com/office/drawing/2014/main" id="{2376243B-0D6B-464D-B985-DA36839B9EA8}"/>
-                </a:ext>
-              </a:extLst>
-            </p:cNvPr>
-            <p:cNvSpPr/>
-            <p:nvPr/>
-          </p:nvSpPr>
-          <p:spPr>
-            <a:xfrm>
-              <a:off x="8842492" y="2119390"/>
-              <a:ext cx="1495587" cy="523220"/>
-            </a:xfrm>
-            <a:prstGeom prst="rect">
-              <a:avLst/>
-            </a:prstGeom>
-            <a:solidFill>
-              <a:schemeClr val="accent6">
-                <a:lumMod val="20000"/>
-                <a:lumOff val="80000"/>
-              </a:schemeClr>
-            </a:solidFill>
-          </p:spPr>
-          <p:style>
-            <a:lnRef idx="2">
-              <a:schemeClr val="accent6"/>
-            </a:lnRef>
-            <a:fillRef idx="1">
-              <a:schemeClr val="lt1"/>
-            </a:fillRef>
-            <a:effectRef idx="0">
-              <a:schemeClr val="accent6"/>
-            </a:effectRef>
-            <a:fontRef idx="minor">
-              <a:schemeClr val="dk1"/>
-            </a:fontRef>
-          </p:style>
-          <p:txBody>
-            <a:bodyPr rtlCol="0" anchor="ctr"/>
-            <a:lstStyle/>
-            <a:p>
-              <a:pPr algn="ctr"/>
-              <a:r>
-                <a:rPr lang="en-US" dirty="0"/>
-                <a:t>Browser</a:t>
-              </a:r>
-            </a:p>
-          </p:txBody>
-        </p:sp>
-        <p:sp>
-          <p:nvSpPr>
-            <p:cNvPr id="7" name="Rectangle 6">
-              <a:extLst>
-                <a:ext uri="{FF2B5EF4-FFF2-40B4-BE49-F238E27FC236}">
-                  <a16:creationId xmlns:a16="http://schemas.microsoft.com/office/drawing/2014/main" id="{457BA7A0-1FA4-4F50-938A-377E32EE601B}"/>
-                </a:ext>
-              </a:extLst>
-            </p:cNvPr>
-            <p:cNvSpPr/>
-            <p:nvPr/>
-          </p:nvSpPr>
-          <p:spPr>
-            <a:xfrm>
-              <a:off x="8842492" y="2651803"/>
-              <a:ext cx="1495587" cy="523220"/>
-            </a:xfrm>
-            <a:prstGeom prst="rect">
-              <a:avLst/>
-            </a:prstGeom>
-            <a:solidFill>
-              <a:schemeClr val="accent6">
-                <a:lumMod val="20000"/>
-                <a:lumOff val="80000"/>
-              </a:schemeClr>
-            </a:solidFill>
-          </p:spPr>
-          <p:style>
-            <a:lnRef idx="2">
-              <a:schemeClr val="accent6"/>
-            </a:lnRef>
-            <a:fillRef idx="1">
-              <a:schemeClr val="lt1"/>
-            </a:fillRef>
-            <a:effectRef idx="0">
-              <a:schemeClr val="accent6"/>
-            </a:effectRef>
-            <a:fontRef idx="minor">
-              <a:schemeClr val="dk1"/>
-            </a:fontRef>
-          </p:style>
-          <p:txBody>
-            <a:bodyPr rtlCol="0" anchor="ctr"/>
-            <a:lstStyle/>
-            <a:p>
-              <a:pPr algn="ctr"/>
-              <a:r>
-                <a:rPr lang="en-US" dirty="0"/>
-                <a:t>OS</a:t>
-              </a:r>
-            </a:p>
-          </p:txBody>
-        </p:sp>
-        <p:sp>
-          <p:nvSpPr>
-            <p:cNvPr id="8" name="Rectangle 7">
-              <a:extLst>
-                <a:ext uri="{FF2B5EF4-FFF2-40B4-BE49-F238E27FC236}">
-                  <a16:creationId xmlns:a16="http://schemas.microsoft.com/office/drawing/2014/main" id="{25E89004-0C42-44D2-89DB-0D1915E9D4D5}"/>
-                </a:ext>
-              </a:extLst>
-            </p:cNvPr>
-            <p:cNvSpPr/>
-            <p:nvPr/>
-          </p:nvSpPr>
-          <p:spPr>
-            <a:xfrm>
-              <a:off x="8842491" y="3184216"/>
-              <a:ext cx="1495587" cy="523220"/>
-            </a:xfrm>
-            <a:prstGeom prst="rect">
-              <a:avLst/>
-            </a:prstGeom>
-            <a:solidFill>
-              <a:schemeClr val="accent6">
-                <a:lumMod val="20000"/>
-                <a:lumOff val="80000"/>
-              </a:schemeClr>
-            </a:solidFill>
-          </p:spPr>
-          <p:style>
-            <a:lnRef idx="2">
-              <a:schemeClr val="accent6"/>
-            </a:lnRef>
-            <a:fillRef idx="1">
-              <a:schemeClr val="lt1"/>
-            </a:fillRef>
-            <a:effectRef idx="0">
-              <a:schemeClr val="accent6"/>
-            </a:effectRef>
-            <a:fontRef idx="minor">
-              <a:schemeClr val="dk1"/>
-            </a:fontRef>
-          </p:style>
-          <p:txBody>
-            <a:bodyPr rtlCol="0" anchor="ctr"/>
-            <a:lstStyle/>
-            <a:p>
-              <a:pPr algn="ctr"/>
-              <a:r>
-                <a:rPr lang="en-US" dirty="0"/>
-                <a:t>NIC</a:t>
-              </a:r>
-            </a:p>
-          </p:txBody>
-        </p:sp>
-        <p:sp>
-          <p:nvSpPr>
-            <p:cNvPr id="32" name="TextBox 31">
-              <a:extLst>
-                <a:ext uri="{FF2B5EF4-FFF2-40B4-BE49-F238E27FC236}">
-                  <a16:creationId xmlns:a16="http://schemas.microsoft.com/office/drawing/2014/main" id="{2CF128E8-D340-406E-98EC-D9323B6A1701}"/>
-                </a:ext>
-              </a:extLst>
-            </p:cNvPr>
-            <p:cNvSpPr txBox="1"/>
-            <p:nvPr/>
-          </p:nvSpPr>
-          <p:spPr>
-            <a:xfrm>
-              <a:off x="9227300" y="3804889"/>
-              <a:ext cx="725968" cy="369332"/>
-            </a:xfrm>
-            <a:prstGeom prst="rect">
-              <a:avLst/>
-            </a:prstGeom>
-            <a:noFill/>
-          </p:spPr>
-          <p:txBody>
-            <a:bodyPr wrap="none" rtlCol="0">
-              <a:spAutoFit/>
-            </a:bodyPr>
-            <a:lstStyle/>
-            <a:p>
-              <a:pPr algn="ctr"/>
-              <a:r>
-                <a:rPr lang="en-US" dirty="0"/>
-                <a:t>Client</a:t>
-              </a:r>
-            </a:p>
-          </p:txBody>
-        </p:sp>
-      </p:grpSp>
-      <p:sp>
-        <p:nvSpPr>
-          <p:cNvPr id="26" name="Arrow: Left 25">
-            <a:extLst>
-              <a:ext uri="{FF2B5EF4-FFF2-40B4-BE49-F238E27FC236}">
-                <a16:creationId xmlns:a16="http://schemas.microsoft.com/office/drawing/2014/main" id="{7A418EE7-27E7-4AB0-AD07-0BE3BF69DE36}"/>
-              </a:ext>
-            </a:extLst>
-          </p:cNvPr>
-          <p:cNvSpPr/>
-          <p:nvPr/>
-        </p:nvSpPr>
-        <p:spPr>
-          <a:xfrm>
-            <a:off x="2557221" y="3184215"/>
-            <a:ext cx="2561070" cy="244781"/>
-          </a:xfrm>
-          <a:prstGeom prst="leftArrow">
-            <a:avLst/>
-          </a:prstGeom>
-          <a:solidFill>
-            <a:schemeClr val="accent6">
-              <a:lumMod val="50000"/>
-            </a:schemeClr>
-          </a:solidFill>
-          <a:ln>
-            <a:noFill/>
-          </a:ln>
-        </p:spPr>
-        <p:style>
-          <a:lnRef idx="2">
-            <a:schemeClr val="accent6"/>
-          </a:lnRef>
-          <a:fillRef idx="1">
-            <a:schemeClr val="lt1"/>
-          </a:fillRef>
-          <a:effectRef idx="0">
-            <a:schemeClr val="accent6"/>
-          </a:effectRef>
-          <a:fontRef idx="minor">
-            <a:schemeClr val="dk1"/>
-          </a:fontRef>
-        </p:style>
-        <p:txBody>
-          <a:bodyPr rtlCol="0" anchor="ctr"/>
-          <a:lstStyle/>
-          <a:p>
-            <a:pPr algn="ctr"/>
-            <a:endParaRPr lang="en-US" dirty="0"/>
-          </a:p>
-        </p:txBody>
-      </p:sp>
-      <p:sp>
-        <p:nvSpPr>
-          <p:cNvPr id="33" name="Arrow: Left 32">
-            <a:extLst>
-              <a:ext uri="{FF2B5EF4-FFF2-40B4-BE49-F238E27FC236}">
-                <a16:creationId xmlns:a16="http://schemas.microsoft.com/office/drawing/2014/main" id="{24F52156-EA45-4409-99AB-697CB545842B}"/>
-              </a:ext>
-            </a:extLst>
-          </p:cNvPr>
-          <p:cNvSpPr/>
-          <p:nvPr/>
-        </p:nvSpPr>
-        <p:spPr>
-          <a:xfrm rot="10800000">
-            <a:off x="2573880" y="3428995"/>
-            <a:ext cx="2561072" cy="244781"/>
-          </a:xfrm>
-          <a:prstGeom prst="leftArrow">
-            <a:avLst/>
-          </a:prstGeom>
-          <a:solidFill>
-            <a:schemeClr val="accent6">
-              <a:lumMod val="50000"/>
-            </a:schemeClr>
-          </a:solidFill>
-          <a:ln>
-            <a:noFill/>
-          </a:ln>
-        </p:spPr>
-        <p:style>
-          <a:lnRef idx="2">
-            <a:schemeClr val="accent6"/>
-          </a:lnRef>
-          <a:fillRef idx="1">
-            <a:schemeClr val="lt1"/>
-          </a:fillRef>
-          <a:effectRef idx="0">
-            <a:schemeClr val="accent6"/>
-          </a:effectRef>
-          <a:fontRef idx="minor">
-            <a:schemeClr val="dk1"/>
-          </a:fontRef>
-        </p:style>
-        <p:txBody>
-          <a:bodyPr rtlCol="0" anchor="ctr"/>
-          <a:lstStyle/>
-          <a:p>
-            <a:pPr algn="ctr"/>
-            <a:endParaRPr lang="en-US"/>
-          </a:p>
-        </p:txBody>
-      </p:sp>
-      <p:sp>
-        <p:nvSpPr>
-          <p:cNvPr id="36" name="Oval 35">
-            <a:extLst>
-              <a:ext uri="{FF2B5EF4-FFF2-40B4-BE49-F238E27FC236}">
-                <a16:creationId xmlns:a16="http://schemas.microsoft.com/office/drawing/2014/main" id="{D45D7D4C-F4A4-49CF-A48E-86E55368F54E}"/>
-              </a:ext>
-            </a:extLst>
-          </p:cNvPr>
-          <p:cNvSpPr/>
-          <p:nvPr/>
-        </p:nvSpPr>
-        <p:spPr>
-          <a:xfrm>
-            <a:off x="3731204" y="3133509"/>
-            <a:ext cx="213102" cy="213102"/>
-          </a:xfrm>
-          <a:prstGeom prst="ellipse">
-            <a:avLst/>
-          </a:prstGeom>
-          <a:solidFill>
-            <a:schemeClr val="bg1"/>
-          </a:solidFill>
-          <a:ln>
-            <a:solidFill>
-              <a:schemeClr val="accent6">
-                <a:lumMod val="75000"/>
-              </a:schemeClr>
-            </a:solidFill>
-          </a:ln>
-        </p:spPr>
-        <p:style>
-          <a:lnRef idx="2">
-            <a:schemeClr val="accent6"/>
-          </a:lnRef>
-          <a:fillRef idx="1">
-            <a:schemeClr val="lt1"/>
-          </a:fillRef>
-          <a:effectRef idx="0">
-            <a:schemeClr val="accent6"/>
-          </a:effectRef>
-          <a:fontRef idx="minor">
-            <a:schemeClr val="dk1"/>
-          </a:fontRef>
-        </p:style>
-        <p:txBody>
-          <a:bodyPr rtlCol="0" anchor="ctr"/>
-          <a:lstStyle/>
-          <a:p>
-            <a:pPr algn="ctr"/>
-            <a:r>
-              <a:rPr lang="en-US" sz="1100" dirty="0"/>
-              <a:t>2</a:t>
-            </a:r>
-          </a:p>
-        </p:txBody>
-      </p:sp>
-      <p:sp>
-        <p:nvSpPr>
-          <p:cNvPr id="37" name="Oval 36">
-            <a:extLst>
-              <a:ext uri="{FF2B5EF4-FFF2-40B4-BE49-F238E27FC236}">
-                <a16:creationId xmlns:a16="http://schemas.microsoft.com/office/drawing/2014/main" id="{32E38557-B5B2-428A-AF4D-D86F7ED82106}"/>
-              </a:ext>
-            </a:extLst>
-          </p:cNvPr>
-          <p:cNvSpPr/>
-          <p:nvPr/>
-        </p:nvSpPr>
-        <p:spPr>
-          <a:xfrm>
-            <a:off x="3747865" y="3517231"/>
-            <a:ext cx="213102" cy="213102"/>
-          </a:xfrm>
-          <a:prstGeom prst="ellipse">
-            <a:avLst/>
-          </a:prstGeom>
-          <a:solidFill>
-            <a:schemeClr val="bg1"/>
-          </a:solidFill>
-          <a:ln>
-            <a:solidFill>
-              <a:schemeClr val="accent6">
-                <a:lumMod val="75000"/>
-              </a:schemeClr>
-            </a:solidFill>
-          </a:ln>
-        </p:spPr>
-        <p:style>
-          <a:lnRef idx="2">
-            <a:schemeClr val="accent6"/>
-          </a:lnRef>
-          <a:fillRef idx="1">
-            <a:schemeClr val="lt1"/>
-          </a:fillRef>
-          <a:effectRef idx="0">
-            <a:schemeClr val="accent6"/>
-          </a:effectRef>
-          <a:fontRef idx="minor">
-            <a:schemeClr val="dk1"/>
-          </a:fontRef>
-        </p:style>
-        <p:txBody>
-          <a:bodyPr rtlCol="0" anchor="ctr"/>
-          <a:lstStyle/>
-          <a:p>
-            <a:pPr algn="ctr"/>
-            <a:r>
-              <a:rPr lang="en-US" sz="1100" dirty="0"/>
-              <a:t>3</a:t>
-            </a:r>
-          </a:p>
-        </p:txBody>
-      </p:sp>
-      <p:sp>
-        <p:nvSpPr>
-          <p:cNvPr id="25" name="Arrow: Left 24">
-            <a:extLst>
-              <a:ext uri="{FF2B5EF4-FFF2-40B4-BE49-F238E27FC236}">
-                <a16:creationId xmlns:a16="http://schemas.microsoft.com/office/drawing/2014/main" id="{96460475-F11F-49B2-98F1-E775E25319F7}"/>
-              </a:ext>
-            </a:extLst>
-          </p:cNvPr>
-          <p:cNvSpPr/>
-          <p:nvPr/>
-        </p:nvSpPr>
-        <p:spPr>
-          <a:xfrm>
-            <a:off x="6983924" y="3184216"/>
-            <a:ext cx="2561072" cy="244781"/>
-          </a:xfrm>
-          <a:prstGeom prst="leftArrow">
-            <a:avLst/>
-          </a:prstGeom>
-          <a:solidFill>
-            <a:schemeClr val="accent6">
-              <a:lumMod val="50000"/>
-            </a:schemeClr>
-          </a:solidFill>
-          <a:ln>
-            <a:noFill/>
-          </a:ln>
-        </p:spPr>
-        <p:style>
-          <a:lnRef idx="2">
-            <a:schemeClr val="accent6"/>
-          </a:lnRef>
-          <a:fillRef idx="1">
-            <a:schemeClr val="lt1"/>
-          </a:fillRef>
-          <a:effectRef idx="0">
-            <a:schemeClr val="accent6"/>
-          </a:effectRef>
-          <a:fontRef idx="minor">
-            <a:schemeClr val="dk1"/>
-          </a:fontRef>
-        </p:style>
-        <p:txBody>
-          <a:bodyPr rtlCol="0" anchor="ctr"/>
-          <a:lstStyle/>
-          <a:p>
-            <a:pPr algn="ctr"/>
-            <a:endParaRPr lang="en-US"/>
-          </a:p>
-        </p:txBody>
-      </p:sp>
-      <p:sp>
-        <p:nvSpPr>
-          <p:cNvPr id="34" name="Arrow: Left 33">
-            <a:extLst>
-              <a:ext uri="{FF2B5EF4-FFF2-40B4-BE49-F238E27FC236}">
-                <a16:creationId xmlns:a16="http://schemas.microsoft.com/office/drawing/2014/main" id="{E3811EDC-168E-4E92-A4B5-A006FFA44A6B}"/>
-              </a:ext>
-            </a:extLst>
-          </p:cNvPr>
-          <p:cNvSpPr/>
-          <p:nvPr/>
-        </p:nvSpPr>
-        <p:spPr>
-          <a:xfrm rot="10800000">
-            <a:off x="7023001" y="3428995"/>
-            <a:ext cx="2561074" cy="244781"/>
-          </a:xfrm>
-          <a:prstGeom prst="leftArrow">
-            <a:avLst/>
-          </a:prstGeom>
-          <a:solidFill>
-            <a:schemeClr val="accent6">
-              <a:lumMod val="50000"/>
-            </a:schemeClr>
-          </a:solidFill>
-          <a:ln>
-            <a:noFill/>
-          </a:ln>
-        </p:spPr>
-        <p:style>
-          <a:lnRef idx="2">
-            <a:schemeClr val="accent6"/>
-          </a:lnRef>
-          <a:fillRef idx="1">
-            <a:schemeClr val="lt1"/>
-          </a:fillRef>
-          <a:effectRef idx="0">
-            <a:schemeClr val="accent6"/>
-          </a:effectRef>
-          <a:fontRef idx="minor">
-            <a:schemeClr val="dk1"/>
-          </a:fontRef>
-        </p:style>
-        <p:txBody>
-          <a:bodyPr rtlCol="0" anchor="ctr"/>
-          <a:lstStyle/>
-          <a:p>
-            <a:pPr algn="ctr"/>
-            <a:endParaRPr lang="en-US"/>
-          </a:p>
-        </p:txBody>
-      </p:sp>
-      <p:sp>
-        <p:nvSpPr>
-          <p:cNvPr id="35" name="Oval 34">
-            <a:extLst>
-              <a:ext uri="{FF2B5EF4-FFF2-40B4-BE49-F238E27FC236}">
-                <a16:creationId xmlns:a16="http://schemas.microsoft.com/office/drawing/2014/main" id="{AD941C95-B5E0-446B-9271-A637A90F9A8B}"/>
-              </a:ext>
-            </a:extLst>
-          </p:cNvPr>
-          <p:cNvSpPr/>
-          <p:nvPr/>
-        </p:nvSpPr>
-        <p:spPr>
-          <a:xfrm>
-            <a:off x="8157908" y="3124544"/>
-            <a:ext cx="213102" cy="213102"/>
-          </a:xfrm>
-          <a:prstGeom prst="ellipse">
-            <a:avLst/>
-          </a:prstGeom>
-          <a:solidFill>
-            <a:schemeClr val="bg1"/>
-          </a:solidFill>
-          <a:ln>
-            <a:solidFill>
-              <a:schemeClr val="accent6">
-                <a:lumMod val="75000"/>
-              </a:schemeClr>
-            </a:solidFill>
-          </a:ln>
-        </p:spPr>
-        <p:style>
-          <a:lnRef idx="2">
-            <a:schemeClr val="accent6"/>
-          </a:lnRef>
-          <a:fillRef idx="1">
-            <a:schemeClr val="lt1"/>
-          </a:fillRef>
-          <a:effectRef idx="0">
-            <a:schemeClr val="accent6"/>
-          </a:effectRef>
-          <a:fontRef idx="minor">
-            <a:schemeClr val="dk1"/>
-          </a:fontRef>
-        </p:style>
-        <p:txBody>
-          <a:bodyPr rtlCol="0" anchor="ctr"/>
-          <a:lstStyle/>
-          <a:p>
-            <a:pPr algn="ctr"/>
-            <a:r>
-              <a:rPr lang="en-US" sz="1100" dirty="0"/>
-              <a:t>1</a:t>
-            </a:r>
-          </a:p>
-        </p:txBody>
-      </p:sp>
-      <p:sp>
-        <p:nvSpPr>
-          <p:cNvPr id="39" name="Oval 38">
-            <a:extLst>
-              <a:ext uri="{FF2B5EF4-FFF2-40B4-BE49-F238E27FC236}">
-                <a16:creationId xmlns:a16="http://schemas.microsoft.com/office/drawing/2014/main" id="{172144BB-51D7-4A55-B9D2-A238EA365651}"/>
-              </a:ext>
-            </a:extLst>
-          </p:cNvPr>
-          <p:cNvSpPr/>
-          <p:nvPr/>
-        </p:nvSpPr>
-        <p:spPr>
-          <a:xfrm>
-            <a:off x="8163678" y="3551387"/>
-            <a:ext cx="213102" cy="213102"/>
-          </a:xfrm>
-          <a:prstGeom prst="ellipse">
-            <a:avLst/>
-          </a:prstGeom>
-          <a:solidFill>
-            <a:schemeClr val="bg1"/>
-          </a:solidFill>
-          <a:ln>
-            <a:solidFill>
-              <a:schemeClr val="accent6">
-                <a:lumMod val="75000"/>
-              </a:schemeClr>
-            </a:solidFill>
-          </a:ln>
-        </p:spPr>
-        <p:style>
-          <a:lnRef idx="2">
-            <a:schemeClr val="accent6"/>
-          </a:lnRef>
-          <a:fillRef idx="1">
-            <a:schemeClr val="lt1"/>
-          </a:fillRef>
-          <a:effectRef idx="0">
-            <a:schemeClr val="accent6"/>
-          </a:effectRef>
-          <a:fontRef idx="minor">
-            <a:schemeClr val="dk1"/>
-          </a:fontRef>
-        </p:style>
-        <p:txBody>
-          <a:bodyPr rtlCol="0" anchor="ctr"/>
-          <a:lstStyle/>
-          <a:p>
-            <a:pPr algn="ctr"/>
-            <a:r>
-              <a:rPr lang="en-US" sz="1100" dirty="0"/>
-              <a:t>4</a:t>
-            </a:r>
-          </a:p>
-        </p:txBody>
-      </p:sp>
-      <p:graphicFrame>
-        <p:nvGraphicFramePr>
-          <p:cNvPr id="84" name="Table 84">
-            <a:extLst>
-              <a:ext uri="{FF2B5EF4-FFF2-40B4-BE49-F238E27FC236}">
-                <a16:creationId xmlns:a16="http://schemas.microsoft.com/office/drawing/2014/main" id="{653AE111-FEEA-4542-89BC-7AD0F6C61AA1}"/>
-              </a:ext>
-            </a:extLst>
-          </p:cNvPr>
-          <p:cNvGraphicFramePr>
-            <a:graphicFrameLocks noGrp="1"/>
-          </p:cNvGraphicFramePr>
-          <p:nvPr>
-            <p:extLst>
-              <p:ext uri="{D42A27DB-BD31-4B8C-83A1-F6EECF244321}">
-                <p14:modId xmlns:p14="http://schemas.microsoft.com/office/powerpoint/2010/main" val="3811211259"/>
-              </p:ext>
-            </p:extLst>
-          </p:nvPr>
-        </p:nvGraphicFramePr>
-        <p:xfrm>
-          <a:off x="7575546" y="1940729"/>
-          <a:ext cx="1378588" cy="1112520"/>
-        </p:xfrm>
-        <a:graphic>
-          <a:graphicData uri="http://schemas.openxmlformats.org/drawingml/2006/table">
-            <a:tbl>
-              <a:tblPr>
-                <a:tableStyleId>{E8B1032C-EA38-4F05-BA0D-38AFFFC7BED3}</a:tableStyleId>
-              </a:tblPr>
-              <a:tblGrid>
-                <a:gridCol w="1378588">
-                  <a:extLst>
-                    <a:ext uri="{9D8B030D-6E8A-4147-A177-3AD203B41FA5}">
-                      <a16:colId xmlns:a16="http://schemas.microsoft.com/office/drawing/2014/main" val="291790476"/>
-                    </a:ext>
-                  </a:extLst>
-                </a:gridCol>
-              </a:tblGrid>
-              <a:tr h="370840">
-                <a:tc>
-                  <a:txBody>
-                    <a:bodyPr/>
-                    <a:lstStyle/>
-                    <a:p>
-                      <a:pPr algn="ctr"/>
-                      <a:r>
-                        <a:rPr lang="en-US" sz="1600" dirty="0"/>
-                        <a:t>HTTP Request</a:t>
-                      </a:r>
-                    </a:p>
-                  </a:txBody>
-                  <a:tcPr anchor="ctr"/>
-                </a:tc>
-                <a:extLst>
-                  <a:ext uri="{0D108BD9-81ED-4DB2-BD59-A6C34878D82A}">
-                    <a16:rowId xmlns:a16="http://schemas.microsoft.com/office/drawing/2014/main" val="1710575467"/>
-                  </a:ext>
-                </a:extLst>
-              </a:tr>
-              <a:tr h="370840">
-                <a:tc>
-                  <a:txBody>
-                    <a:bodyPr/>
-                    <a:lstStyle/>
-                    <a:p>
-                      <a:pPr algn="ctr"/>
-                      <a:r>
-                        <a:rPr lang="en-US" sz="1600" dirty="0"/>
-                        <a:t>TCP</a:t>
-                      </a:r>
-                    </a:p>
-                  </a:txBody>
-                  <a:tcPr anchor="ctr"/>
-                </a:tc>
-                <a:extLst>
-                  <a:ext uri="{0D108BD9-81ED-4DB2-BD59-A6C34878D82A}">
-                    <a16:rowId xmlns:a16="http://schemas.microsoft.com/office/drawing/2014/main" val="3127025209"/>
-                  </a:ext>
-                </a:extLst>
-              </a:tr>
-              <a:tr h="370840">
-                <a:tc>
-                  <a:txBody>
-                    <a:bodyPr/>
-                    <a:lstStyle/>
-                    <a:p>
-                      <a:pPr algn="ctr"/>
-                      <a:r>
-                        <a:rPr lang="en-US" sz="1600" dirty="0"/>
-                        <a:t>IP</a:t>
-                      </a:r>
-                    </a:p>
-                  </a:txBody>
-                  <a:tcPr anchor="ctr"/>
-                </a:tc>
-                <a:extLst>
-                  <a:ext uri="{0D108BD9-81ED-4DB2-BD59-A6C34878D82A}">
-                    <a16:rowId xmlns:a16="http://schemas.microsoft.com/office/drawing/2014/main" val="915169208"/>
-                  </a:ext>
-                </a:extLst>
-              </a:tr>
-            </a:tbl>
-          </a:graphicData>
-        </a:graphic>
-      </p:graphicFrame>
-      <p:graphicFrame>
-        <p:nvGraphicFramePr>
-          <p:cNvPr id="86" name="Table 84">
-            <a:extLst>
-              <a:ext uri="{FF2B5EF4-FFF2-40B4-BE49-F238E27FC236}">
-                <a16:creationId xmlns:a16="http://schemas.microsoft.com/office/drawing/2014/main" id="{9A03959A-B33A-4DE1-8E31-D808929B3803}"/>
-              </a:ext>
-            </a:extLst>
-          </p:cNvPr>
-          <p:cNvGraphicFramePr>
-            <a:graphicFrameLocks noGrp="1"/>
-          </p:cNvGraphicFramePr>
-          <p:nvPr>
-            <p:extLst>
-              <p:ext uri="{D42A27DB-BD31-4B8C-83A1-F6EECF244321}">
-                <p14:modId xmlns:p14="http://schemas.microsoft.com/office/powerpoint/2010/main" val="2594754251"/>
-              </p:ext>
-            </p:extLst>
-          </p:nvPr>
-        </p:nvGraphicFramePr>
-        <p:xfrm>
-          <a:off x="3144258" y="1914439"/>
-          <a:ext cx="1378588" cy="1112520"/>
-        </p:xfrm>
-        <a:graphic>
-          <a:graphicData uri="http://schemas.openxmlformats.org/drawingml/2006/table">
-            <a:tbl>
-              <a:tblPr>
-                <a:tableStyleId>{E8B1032C-EA38-4F05-BA0D-38AFFFC7BED3}</a:tableStyleId>
-              </a:tblPr>
-              <a:tblGrid>
-                <a:gridCol w="1378588">
-                  <a:extLst>
-                    <a:ext uri="{9D8B030D-6E8A-4147-A177-3AD203B41FA5}">
-                      <a16:colId xmlns:a16="http://schemas.microsoft.com/office/drawing/2014/main" val="291790476"/>
-                    </a:ext>
-                  </a:extLst>
-                </a:gridCol>
-              </a:tblGrid>
-              <a:tr h="370840">
-                <a:tc>
-                  <a:txBody>
-                    <a:bodyPr/>
-                    <a:lstStyle/>
-                    <a:p>
-                      <a:pPr algn="ctr"/>
-                      <a:r>
-                        <a:rPr lang="en-US" sz="1600" dirty="0"/>
-                        <a:t>HTTP Request</a:t>
-                      </a:r>
-                    </a:p>
-                  </a:txBody>
-                  <a:tcPr anchor="ctr"/>
-                </a:tc>
-                <a:extLst>
-                  <a:ext uri="{0D108BD9-81ED-4DB2-BD59-A6C34878D82A}">
-                    <a16:rowId xmlns:a16="http://schemas.microsoft.com/office/drawing/2014/main" val="1710575467"/>
-                  </a:ext>
-                </a:extLst>
-              </a:tr>
-              <a:tr h="370840">
-                <a:tc>
-                  <a:txBody>
-                    <a:bodyPr/>
-                    <a:lstStyle/>
-                    <a:p>
-                      <a:pPr algn="ctr"/>
-                      <a:r>
-                        <a:rPr lang="en-US" sz="1600" dirty="0"/>
-                        <a:t>TCP</a:t>
-                      </a:r>
-                    </a:p>
-                  </a:txBody>
-                  <a:tcPr anchor="ctr"/>
-                </a:tc>
-                <a:extLst>
-                  <a:ext uri="{0D108BD9-81ED-4DB2-BD59-A6C34878D82A}">
-                    <a16:rowId xmlns:a16="http://schemas.microsoft.com/office/drawing/2014/main" val="3127025209"/>
-                  </a:ext>
-                </a:extLst>
-              </a:tr>
-              <a:tr h="370840">
-                <a:tc>
-                  <a:txBody>
-                    <a:bodyPr/>
-                    <a:lstStyle/>
-                    <a:p>
-                      <a:pPr algn="ctr"/>
-                      <a:r>
-                        <a:rPr lang="en-US" sz="1600" dirty="0"/>
-                        <a:t>IP</a:t>
-                      </a:r>
-                    </a:p>
-                  </a:txBody>
-                  <a:tcPr anchor="ctr"/>
-                </a:tc>
-                <a:extLst>
-                  <a:ext uri="{0D108BD9-81ED-4DB2-BD59-A6C34878D82A}">
-                    <a16:rowId xmlns:a16="http://schemas.microsoft.com/office/drawing/2014/main" val="915169208"/>
-                  </a:ext>
-                </a:extLst>
-              </a:tr>
-            </a:tbl>
-          </a:graphicData>
-        </a:graphic>
-      </p:graphicFrame>
-      <p:graphicFrame>
-        <p:nvGraphicFramePr>
-          <p:cNvPr id="88" name="Table 84">
-            <a:extLst>
-              <a:ext uri="{FF2B5EF4-FFF2-40B4-BE49-F238E27FC236}">
-                <a16:creationId xmlns:a16="http://schemas.microsoft.com/office/drawing/2014/main" id="{C140C49D-EE51-4AC5-A7E1-18C3B64E46B2}"/>
-              </a:ext>
-            </a:extLst>
-          </p:cNvPr>
-          <p:cNvGraphicFramePr>
-            <a:graphicFrameLocks noGrp="1"/>
-          </p:cNvGraphicFramePr>
-          <p:nvPr>
-            <p:extLst>
-              <p:ext uri="{D42A27DB-BD31-4B8C-83A1-F6EECF244321}">
-                <p14:modId xmlns:p14="http://schemas.microsoft.com/office/powerpoint/2010/main" val="556452826"/>
-              </p:ext>
-            </p:extLst>
-          </p:nvPr>
-        </p:nvGraphicFramePr>
-        <p:xfrm>
-          <a:off x="3144258" y="3886879"/>
-          <a:ext cx="1378588" cy="1691640"/>
-        </p:xfrm>
-        <a:graphic>
-          <a:graphicData uri="http://schemas.openxmlformats.org/drawingml/2006/table">
-            <a:tbl>
-              <a:tblPr>
-                <a:tableStyleId>{E8B1032C-EA38-4F05-BA0D-38AFFFC7BED3}</a:tableStyleId>
-              </a:tblPr>
-              <a:tblGrid>
-                <a:gridCol w="1378588">
-                  <a:extLst>
-                    <a:ext uri="{9D8B030D-6E8A-4147-A177-3AD203B41FA5}">
-                      <a16:colId xmlns:a16="http://schemas.microsoft.com/office/drawing/2014/main" val="291790476"/>
-                    </a:ext>
-                  </a:extLst>
-                </a:gridCol>
-              </a:tblGrid>
-              <a:tr h="370840">
-                <a:tc>
-                  <a:txBody>
-                    <a:bodyPr/>
-                    <a:lstStyle/>
-                    <a:p>
-                      <a:pPr algn="ctr"/>
-                      <a:r>
-                        <a:rPr lang="en-US" sz="1600" dirty="0"/>
-                        <a:t>JSON</a:t>
-                      </a:r>
-                    </a:p>
-                  </a:txBody>
-                  <a:tcPr anchor="ctr"/>
-                </a:tc>
-                <a:extLst>
-                  <a:ext uri="{0D108BD9-81ED-4DB2-BD59-A6C34878D82A}">
-                    <a16:rowId xmlns:a16="http://schemas.microsoft.com/office/drawing/2014/main" val="1097130139"/>
-                  </a:ext>
-                </a:extLst>
-              </a:tr>
-              <a:tr h="370840">
-                <a:tc>
-                  <a:txBody>
-                    <a:bodyPr/>
-                    <a:lstStyle/>
-                    <a:p>
-                      <a:pPr algn="ctr"/>
-                      <a:r>
-                        <a:rPr lang="en-US" sz="1600" dirty="0"/>
-                        <a:t>HTTP Response</a:t>
-                      </a:r>
-                    </a:p>
-                  </a:txBody>
-                  <a:tcPr anchor="ctr"/>
-                </a:tc>
-                <a:extLst>
-                  <a:ext uri="{0D108BD9-81ED-4DB2-BD59-A6C34878D82A}">
-                    <a16:rowId xmlns:a16="http://schemas.microsoft.com/office/drawing/2014/main" val="1710575467"/>
-                  </a:ext>
-                </a:extLst>
-              </a:tr>
-              <a:tr h="370840">
-                <a:tc>
-                  <a:txBody>
-                    <a:bodyPr/>
-                    <a:lstStyle/>
-                    <a:p>
-                      <a:pPr algn="ctr"/>
-                      <a:r>
-                        <a:rPr lang="en-US" sz="1600" dirty="0"/>
-                        <a:t>TCP</a:t>
-                      </a:r>
-                    </a:p>
-                  </a:txBody>
-                  <a:tcPr anchor="ctr"/>
-                </a:tc>
-                <a:extLst>
-                  <a:ext uri="{0D108BD9-81ED-4DB2-BD59-A6C34878D82A}">
-                    <a16:rowId xmlns:a16="http://schemas.microsoft.com/office/drawing/2014/main" val="3127025209"/>
-                  </a:ext>
-                </a:extLst>
-              </a:tr>
-              <a:tr h="370840">
-                <a:tc>
-                  <a:txBody>
-                    <a:bodyPr/>
-                    <a:lstStyle/>
-                    <a:p>
-                      <a:pPr algn="ctr"/>
-                      <a:r>
-                        <a:rPr lang="en-US" sz="1600" dirty="0"/>
-                        <a:t>IP</a:t>
-                      </a:r>
-                    </a:p>
-                  </a:txBody>
-                  <a:tcPr anchor="ctr"/>
-                </a:tc>
-                <a:extLst>
-                  <a:ext uri="{0D108BD9-81ED-4DB2-BD59-A6C34878D82A}">
-                    <a16:rowId xmlns:a16="http://schemas.microsoft.com/office/drawing/2014/main" val="915169208"/>
-                  </a:ext>
-                </a:extLst>
-              </a:tr>
-            </a:tbl>
-          </a:graphicData>
-        </a:graphic>
-      </p:graphicFrame>
-      <p:graphicFrame>
-        <p:nvGraphicFramePr>
-          <p:cNvPr id="90" name="Table 84">
-            <a:extLst>
-              <a:ext uri="{FF2B5EF4-FFF2-40B4-BE49-F238E27FC236}">
-                <a16:creationId xmlns:a16="http://schemas.microsoft.com/office/drawing/2014/main" id="{0BEEBD15-9734-4C4D-A766-F0AFE729DA74}"/>
-              </a:ext>
-            </a:extLst>
-          </p:cNvPr>
-          <p:cNvGraphicFramePr>
-            <a:graphicFrameLocks noGrp="1"/>
-          </p:cNvGraphicFramePr>
-          <p:nvPr>
-            <p:extLst>
-              <p:ext uri="{D42A27DB-BD31-4B8C-83A1-F6EECF244321}">
-                <p14:modId xmlns:p14="http://schemas.microsoft.com/office/powerpoint/2010/main" val="1310102474"/>
-              </p:ext>
-            </p:extLst>
-          </p:nvPr>
-        </p:nvGraphicFramePr>
-        <p:xfrm>
-          <a:off x="7574785" y="3886879"/>
-          <a:ext cx="1378588" cy="1691640"/>
-        </p:xfrm>
-        <a:graphic>
-          <a:graphicData uri="http://schemas.openxmlformats.org/drawingml/2006/table">
-            <a:tbl>
-              <a:tblPr>
-                <a:tableStyleId>{E8B1032C-EA38-4F05-BA0D-38AFFFC7BED3}</a:tableStyleId>
-              </a:tblPr>
-              <a:tblGrid>
-                <a:gridCol w="1378588">
-                  <a:extLst>
-                    <a:ext uri="{9D8B030D-6E8A-4147-A177-3AD203B41FA5}">
-                      <a16:colId xmlns:a16="http://schemas.microsoft.com/office/drawing/2014/main" val="291790476"/>
-                    </a:ext>
-                  </a:extLst>
-                </a:gridCol>
-              </a:tblGrid>
-              <a:tr h="370840">
-                <a:tc>
-                  <a:txBody>
-                    <a:bodyPr/>
-                    <a:lstStyle/>
-                    <a:p>
-                      <a:pPr algn="ctr"/>
-                      <a:r>
-                        <a:rPr lang="en-US" sz="1600" dirty="0"/>
-                        <a:t>HTML</a:t>
-                      </a:r>
-                    </a:p>
-                  </a:txBody>
-                  <a:tcPr anchor="ctr"/>
-                </a:tc>
-                <a:extLst>
-                  <a:ext uri="{0D108BD9-81ED-4DB2-BD59-A6C34878D82A}">
-                    <a16:rowId xmlns:a16="http://schemas.microsoft.com/office/drawing/2014/main" val="1097130139"/>
-                  </a:ext>
-                </a:extLst>
-              </a:tr>
-              <a:tr h="370840">
-                <a:tc>
-                  <a:txBody>
-                    <a:bodyPr/>
-                    <a:lstStyle/>
-                    <a:p>
-                      <a:pPr algn="ctr"/>
-                      <a:r>
-                        <a:rPr lang="en-US" sz="1600" dirty="0"/>
-                        <a:t>HTTP Response</a:t>
-                      </a:r>
-                    </a:p>
-                  </a:txBody>
-                  <a:tcPr anchor="ctr"/>
-                </a:tc>
-                <a:extLst>
-                  <a:ext uri="{0D108BD9-81ED-4DB2-BD59-A6C34878D82A}">
-                    <a16:rowId xmlns:a16="http://schemas.microsoft.com/office/drawing/2014/main" val="1710575467"/>
-                  </a:ext>
-                </a:extLst>
-              </a:tr>
-              <a:tr h="370840">
-                <a:tc>
-                  <a:txBody>
-                    <a:bodyPr/>
-                    <a:lstStyle/>
-                    <a:p>
-                      <a:pPr algn="ctr"/>
-                      <a:r>
-                        <a:rPr lang="en-US" sz="1600" dirty="0"/>
-                        <a:t>TCP</a:t>
-                      </a:r>
-                    </a:p>
-                  </a:txBody>
-                  <a:tcPr anchor="ctr"/>
-                </a:tc>
-                <a:extLst>
-                  <a:ext uri="{0D108BD9-81ED-4DB2-BD59-A6C34878D82A}">
-                    <a16:rowId xmlns:a16="http://schemas.microsoft.com/office/drawing/2014/main" val="3127025209"/>
-                  </a:ext>
-                </a:extLst>
-              </a:tr>
-              <a:tr h="370840">
-                <a:tc>
-                  <a:txBody>
-                    <a:bodyPr/>
-                    <a:lstStyle/>
-                    <a:p>
-                      <a:pPr algn="ctr"/>
-                      <a:r>
-                        <a:rPr lang="en-US" sz="1600" dirty="0"/>
-                        <a:t>IP</a:t>
-                      </a:r>
-                    </a:p>
-                  </a:txBody>
-                  <a:tcPr anchor="ctr"/>
-                </a:tc>
-                <a:extLst>
-                  <a:ext uri="{0D108BD9-81ED-4DB2-BD59-A6C34878D82A}">
-                    <a16:rowId xmlns:a16="http://schemas.microsoft.com/office/drawing/2014/main" val="915169208"/>
-                  </a:ext>
-                </a:extLst>
-              </a:tr>
-            </a:tbl>
-          </a:graphicData>
-        </a:graphic>
-      </p:graphicFrame>
-      <p:grpSp>
-        <p:nvGrpSpPr>
-          <p:cNvPr id="94" name="Group 93">
-            <a:extLst>
-              <a:ext uri="{FF2B5EF4-FFF2-40B4-BE49-F238E27FC236}">
-                <a16:creationId xmlns:a16="http://schemas.microsoft.com/office/drawing/2014/main" id="{F57358B7-2809-4C08-87E3-A2FEAC00263B}"/>
-              </a:ext>
-            </a:extLst>
-          </p:cNvPr>
-          <p:cNvGrpSpPr/>
-          <p:nvPr/>
-        </p:nvGrpSpPr>
-        <p:grpSpPr>
-          <a:xfrm>
-            <a:off x="6377154" y="2221304"/>
-            <a:ext cx="394472" cy="1078768"/>
-            <a:chOff x="6377154" y="2221304"/>
-            <a:chExt cx="394472" cy="1078768"/>
-          </a:xfrm>
-        </p:grpSpPr>
-        <p:sp>
-          <p:nvSpPr>
-            <p:cNvPr id="91" name="Arrow: Up 90">
-              <a:extLst>
-                <a:ext uri="{FF2B5EF4-FFF2-40B4-BE49-F238E27FC236}">
-                  <a16:creationId xmlns:a16="http://schemas.microsoft.com/office/drawing/2014/main" id="{6EE60A8D-E6F8-4B53-80DB-E241F20F4414}"/>
-                </a:ext>
-              </a:extLst>
-            </p:cNvPr>
-            <p:cNvSpPr/>
-            <p:nvPr/>
-          </p:nvSpPr>
-          <p:spPr>
-            <a:xfrm>
-              <a:off x="6558524" y="2221304"/>
-              <a:ext cx="213102" cy="1078768"/>
-            </a:xfrm>
-            <a:prstGeom prst="upArrow">
-              <a:avLst/>
-            </a:prstGeom>
-            <a:solidFill>
-              <a:schemeClr val="accent6">
-                <a:lumMod val="60000"/>
-                <a:lumOff val="40000"/>
-              </a:schemeClr>
-            </a:solidFill>
-            <a:ln>
-              <a:noFill/>
-            </a:ln>
-          </p:spPr>
-          <p:style>
-            <a:lnRef idx="2">
-              <a:schemeClr val="accent6"/>
-            </a:lnRef>
-            <a:fillRef idx="1">
-              <a:schemeClr val="lt1"/>
-            </a:fillRef>
-            <a:effectRef idx="0">
-              <a:schemeClr val="accent6"/>
-            </a:effectRef>
-            <a:fontRef idx="minor">
-              <a:schemeClr val="dk1"/>
-            </a:fontRef>
-          </p:style>
-          <p:txBody>
-            <a:bodyPr rtlCol="0" anchor="ctr"/>
-            <a:lstStyle/>
-            <a:p>
-              <a:pPr algn="ctr"/>
-              <a:endParaRPr lang="en-US"/>
-            </a:p>
-          </p:txBody>
-        </p:sp>
-        <p:sp>
-          <p:nvSpPr>
-            <p:cNvPr id="93" name="Arrow: Up 92">
-              <a:extLst>
-                <a:ext uri="{FF2B5EF4-FFF2-40B4-BE49-F238E27FC236}">
-                  <a16:creationId xmlns:a16="http://schemas.microsoft.com/office/drawing/2014/main" id="{BCB8CC18-FD2D-492A-86A6-364F2E1E56A3}"/>
-                </a:ext>
-              </a:extLst>
-            </p:cNvPr>
-            <p:cNvSpPr/>
-            <p:nvPr/>
-          </p:nvSpPr>
-          <p:spPr>
-            <a:xfrm rot="10800000">
-              <a:off x="6377154" y="2221304"/>
-              <a:ext cx="213102" cy="1078768"/>
-            </a:xfrm>
-            <a:prstGeom prst="upArrow">
-              <a:avLst/>
-            </a:prstGeom>
-            <a:solidFill>
-              <a:schemeClr val="accent6">
-                <a:lumMod val="60000"/>
-                <a:lumOff val="40000"/>
-              </a:schemeClr>
-            </a:solidFill>
-            <a:ln>
-              <a:noFill/>
-            </a:ln>
-          </p:spPr>
-          <p:style>
-            <a:lnRef idx="2">
-              <a:schemeClr val="accent6"/>
-            </a:lnRef>
-            <a:fillRef idx="1">
-              <a:schemeClr val="lt1"/>
-            </a:fillRef>
-            <a:effectRef idx="0">
-              <a:schemeClr val="accent6"/>
-            </a:effectRef>
-            <a:fontRef idx="minor">
-              <a:schemeClr val="dk1"/>
-            </a:fontRef>
-          </p:style>
-          <p:txBody>
-            <a:bodyPr rtlCol="0" anchor="ctr"/>
-            <a:lstStyle/>
-            <a:p>
-              <a:pPr algn="ctr"/>
-              <a:endParaRPr lang="en-US"/>
-            </a:p>
-          </p:txBody>
-        </p:sp>
-      </p:grpSp>
-      <p:grpSp>
-        <p:nvGrpSpPr>
-          <p:cNvPr id="95" name="Group 94">
-            <a:extLst>
-              <a:ext uri="{FF2B5EF4-FFF2-40B4-BE49-F238E27FC236}">
-                <a16:creationId xmlns:a16="http://schemas.microsoft.com/office/drawing/2014/main" id="{75A2BF15-9B35-46A7-8AF8-B021C34C9BEC}"/>
-              </a:ext>
-            </a:extLst>
-          </p:cNvPr>
-          <p:cNvGrpSpPr/>
-          <p:nvPr/>
-        </p:nvGrpSpPr>
-        <p:grpSpPr>
-          <a:xfrm>
-            <a:off x="1953446" y="2221304"/>
-            <a:ext cx="394472" cy="1078768"/>
-            <a:chOff x="6377154" y="2221304"/>
-            <a:chExt cx="394472" cy="1078768"/>
-          </a:xfrm>
-        </p:grpSpPr>
-        <p:sp>
-          <p:nvSpPr>
-            <p:cNvPr id="96" name="Arrow: Up 95">
-              <a:extLst>
-                <a:ext uri="{FF2B5EF4-FFF2-40B4-BE49-F238E27FC236}">
-                  <a16:creationId xmlns:a16="http://schemas.microsoft.com/office/drawing/2014/main" id="{D4E87F9C-FDD6-4A24-A780-21216FE3D441}"/>
-                </a:ext>
-              </a:extLst>
-            </p:cNvPr>
-            <p:cNvSpPr/>
-            <p:nvPr/>
-          </p:nvSpPr>
-          <p:spPr>
-            <a:xfrm>
-              <a:off x="6558524" y="2221304"/>
-              <a:ext cx="213102" cy="1078768"/>
-            </a:xfrm>
-            <a:prstGeom prst="upArrow">
-              <a:avLst/>
-            </a:prstGeom>
-            <a:solidFill>
-              <a:schemeClr val="accent6">
-                <a:lumMod val="60000"/>
-                <a:lumOff val="40000"/>
-              </a:schemeClr>
-            </a:solidFill>
-            <a:ln>
-              <a:noFill/>
-            </a:ln>
-          </p:spPr>
-          <p:style>
-            <a:lnRef idx="2">
-              <a:schemeClr val="accent6"/>
-            </a:lnRef>
-            <a:fillRef idx="1">
-              <a:schemeClr val="lt1"/>
-            </a:fillRef>
-            <a:effectRef idx="0">
-              <a:schemeClr val="accent6"/>
-            </a:effectRef>
-            <a:fontRef idx="minor">
-              <a:schemeClr val="dk1"/>
-            </a:fontRef>
-          </p:style>
-          <p:txBody>
-            <a:bodyPr rtlCol="0" anchor="ctr"/>
-            <a:lstStyle/>
-            <a:p>
-              <a:pPr algn="ctr"/>
-              <a:endParaRPr lang="en-US"/>
-            </a:p>
-          </p:txBody>
-        </p:sp>
-        <p:sp>
-          <p:nvSpPr>
-            <p:cNvPr id="97" name="Arrow: Up 96">
-              <a:extLst>
-                <a:ext uri="{FF2B5EF4-FFF2-40B4-BE49-F238E27FC236}">
-                  <a16:creationId xmlns:a16="http://schemas.microsoft.com/office/drawing/2014/main" id="{685BD126-675C-4925-9E2C-E510FFD56278}"/>
-                </a:ext>
-              </a:extLst>
-            </p:cNvPr>
-            <p:cNvSpPr/>
-            <p:nvPr/>
-          </p:nvSpPr>
-          <p:spPr>
-            <a:xfrm rot="10800000">
-              <a:off x="6377154" y="2221304"/>
-              <a:ext cx="213102" cy="1078768"/>
-            </a:xfrm>
-            <a:prstGeom prst="upArrow">
-              <a:avLst/>
-            </a:prstGeom>
-            <a:solidFill>
-              <a:schemeClr val="accent6">
-                <a:lumMod val="60000"/>
-                <a:lumOff val="40000"/>
-              </a:schemeClr>
-            </a:solidFill>
-            <a:ln>
-              <a:noFill/>
-            </a:ln>
-          </p:spPr>
-          <p:style>
-            <a:lnRef idx="2">
-              <a:schemeClr val="accent6"/>
-            </a:lnRef>
-            <a:fillRef idx="1">
-              <a:schemeClr val="lt1"/>
-            </a:fillRef>
-            <a:effectRef idx="0">
-              <a:schemeClr val="accent6"/>
-            </a:effectRef>
-            <a:fontRef idx="minor">
-              <a:schemeClr val="dk1"/>
-            </a:fontRef>
-          </p:style>
-          <p:txBody>
-            <a:bodyPr rtlCol="0" anchor="ctr"/>
-            <a:lstStyle/>
-            <a:p>
-              <a:pPr algn="ctr"/>
-              <a:endParaRPr lang="en-US"/>
-            </a:p>
-          </p:txBody>
-        </p:sp>
-      </p:grpSp>
-      <p:grpSp>
-        <p:nvGrpSpPr>
-          <p:cNvPr id="98" name="Group 97">
-            <a:extLst>
-              <a:ext uri="{FF2B5EF4-FFF2-40B4-BE49-F238E27FC236}">
-                <a16:creationId xmlns:a16="http://schemas.microsoft.com/office/drawing/2014/main" id="{6E4CF67E-0260-4A49-947F-C7A275729510}"/>
-              </a:ext>
-            </a:extLst>
-          </p:cNvPr>
-          <p:cNvGrpSpPr/>
-          <p:nvPr/>
-        </p:nvGrpSpPr>
-        <p:grpSpPr>
-          <a:xfrm>
-            <a:off x="10856028" y="2227986"/>
-            <a:ext cx="394472" cy="1078768"/>
-            <a:chOff x="6377154" y="2221304"/>
-            <a:chExt cx="394472" cy="1078768"/>
-          </a:xfrm>
-        </p:grpSpPr>
-        <p:sp>
-          <p:nvSpPr>
-            <p:cNvPr id="99" name="Arrow: Up 98">
-              <a:extLst>
-                <a:ext uri="{FF2B5EF4-FFF2-40B4-BE49-F238E27FC236}">
-                  <a16:creationId xmlns:a16="http://schemas.microsoft.com/office/drawing/2014/main" id="{C04E0315-D21A-4AE4-85F9-8F48354B6629}"/>
-                </a:ext>
-              </a:extLst>
-            </p:cNvPr>
-            <p:cNvSpPr/>
-            <p:nvPr/>
-          </p:nvSpPr>
-          <p:spPr>
-            <a:xfrm>
-              <a:off x="6558524" y="2221304"/>
-              <a:ext cx="213102" cy="1078768"/>
-            </a:xfrm>
-            <a:prstGeom prst="upArrow">
-              <a:avLst/>
-            </a:prstGeom>
-            <a:solidFill>
-              <a:schemeClr val="accent6">
-                <a:lumMod val="60000"/>
-                <a:lumOff val="40000"/>
-              </a:schemeClr>
-            </a:solidFill>
-            <a:ln>
-              <a:noFill/>
-            </a:ln>
-          </p:spPr>
-          <p:style>
-            <a:lnRef idx="2">
-              <a:schemeClr val="accent6"/>
-            </a:lnRef>
-            <a:fillRef idx="1">
-              <a:schemeClr val="lt1"/>
-            </a:fillRef>
-            <a:effectRef idx="0">
-              <a:schemeClr val="accent6"/>
-            </a:effectRef>
-            <a:fontRef idx="minor">
-              <a:schemeClr val="dk1"/>
-            </a:fontRef>
-          </p:style>
-          <p:txBody>
-            <a:bodyPr rtlCol="0" anchor="ctr"/>
-            <a:lstStyle/>
-            <a:p>
-              <a:pPr algn="ctr"/>
-              <a:endParaRPr lang="en-US"/>
-            </a:p>
-          </p:txBody>
-        </p:sp>
-        <p:sp>
-          <p:nvSpPr>
-            <p:cNvPr id="100" name="Arrow: Up 99">
-              <a:extLst>
-                <a:ext uri="{FF2B5EF4-FFF2-40B4-BE49-F238E27FC236}">
-                  <a16:creationId xmlns:a16="http://schemas.microsoft.com/office/drawing/2014/main" id="{911C7348-6C42-4E4E-9473-BF86DAA9C785}"/>
-                </a:ext>
-              </a:extLst>
-            </p:cNvPr>
-            <p:cNvSpPr/>
-            <p:nvPr/>
-          </p:nvSpPr>
-          <p:spPr>
-            <a:xfrm rot="10800000">
-              <a:off x="6377154" y="2221304"/>
-              <a:ext cx="213102" cy="1078768"/>
-            </a:xfrm>
-            <a:prstGeom prst="upArrow">
-              <a:avLst/>
-            </a:prstGeom>
-            <a:solidFill>
-              <a:schemeClr val="accent6">
-                <a:lumMod val="60000"/>
-                <a:lumOff val="40000"/>
-              </a:schemeClr>
-            </a:solidFill>
-            <a:ln>
-              <a:noFill/>
-            </a:ln>
-          </p:spPr>
-          <p:style>
-            <a:lnRef idx="2">
-              <a:schemeClr val="accent6"/>
-            </a:lnRef>
-            <a:fillRef idx="1">
-              <a:schemeClr val="lt1"/>
-            </a:fillRef>
-            <a:effectRef idx="0">
-              <a:schemeClr val="accent6"/>
-            </a:effectRef>
-            <a:fontRef idx="minor">
-              <a:schemeClr val="dk1"/>
-            </a:fontRef>
-          </p:style>
-          <p:txBody>
-            <a:bodyPr rtlCol="0" anchor="ctr"/>
-            <a:lstStyle/>
-            <a:p>
-              <a:pPr algn="ctr"/>
-              <a:endParaRPr lang="en-US"/>
-            </a:p>
-          </p:txBody>
-        </p:sp>
-      </p:grpSp>
-    </p:spTree>
-    <p:extLst>
-      <p:ext uri="{BB962C8B-B14F-4D97-AF65-F5344CB8AC3E}">
-        <p14:creationId xmlns:p14="http://schemas.microsoft.com/office/powerpoint/2010/main" val="2722519780"/>
-      </p:ext>
-    </p:extLst>
-  </p:cSld>
-  <p:clrMapOvr>
-    <a:masterClrMapping/>
-  </p:clrMapOvr>
-</p:sld>
-</file>
-
-<file path=ppt/slides/slide15.xml><?xml version="1.0" encoding="utf-8"?>
-<p:sld xmlns:a="http://schemas.openxmlformats.org/drawingml/2006/main" xmlns:r="http://schemas.openxmlformats.org/officeDocument/2006/relationships" xmlns:p="http://schemas.openxmlformats.org/presentationml/2006/main">
-  <p:cSld>
-    <p:spTree>
-      <p:nvGrpSpPr>
-        <p:cNvPr id="1" name=""/>
-        <p:cNvGrpSpPr/>
-        <p:nvPr/>
-      </p:nvGrpSpPr>
-      <p:grpSpPr>
-        <a:xfrm>
-          <a:off x="0" y="0"/>
-          <a:ext cx="0" cy="0"/>
-          <a:chOff x="0" y="0"/>
-          <a:chExt cx="0" cy="0"/>
-        </a:xfrm>
-      </p:grpSpPr>
       <p:cxnSp>
         <p:nvCxnSpPr>
           <p:cNvPr id="127" name="Straight Connector 126">
@@ -17358,6 +14952,4991 @@
     <p:extLst>
       <p:ext uri="{BB962C8B-B14F-4D97-AF65-F5344CB8AC3E}">
         <p14:creationId xmlns:p14="http://schemas.microsoft.com/office/powerpoint/2010/main" val="817742832"/>
+      </p:ext>
+    </p:extLst>
+  </p:cSld>
+  <p:clrMapOvr>
+    <a:masterClrMapping/>
+  </p:clrMapOvr>
+</p:sld>
+</file>
+
+<file path=ppt/slides/slide15.xml><?xml version="1.0" encoding="utf-8"?>
+<p:sld xmlns:a="http://schemas.openxmlformats.org/drawingml/2006/main" xmlns:r="http://schemas.openxmlformats.org/officeDocument/2006/relationships" xmlns:p="http://schemas.openxmlformats.org/presentationml/2006/main">
+  <p:cSld>
+    <p:spTree>
+      <p:nvGrpSpPr>
+        <p:cNvPr id="1" name=""/>
+        <p:cNvGrpSpPr/>
+        <p:nvPr/>
+      </p:nvGrpSpPr>
+      <p:grpSpPr>
+        <a:xfrm>
+          <a:off x="0" y="0"/>
+          <a:ext cx="0" cy="0"/>
+          <a:chOff x="0" y="0"/>
+          <a:chExt cx="0" cy="0"/>
+        </a:xfrm>
+      </p:grpSpPr>
+      <p:sp>
+        <p:nvSpPr>
+          <p:cNvPr id="2" name="Rectangle 1" hidden="1">
+            <a:extLst>
+              <a:ext uri="{FF2B5EF4-FFF2-40B4-BE49-F238E27FC236}">
+                <a16:creationId xmlns:a16="http://schemas.microsoft.com/office/drawing/2014/main" id="{5CCCBFA1-FDCD-4E57-81CE-6E0F8D7901BF}"/>
+              </a:ext>
+            </a:extLst>
+          </p:cNvPr>
+          <p:cNvSpPr/>
+          <p:nvPr/>
+        </p:nvSpPr>
+        <p:spPr>
+          <a:xfrm>
+            <a:off x="0" y="0"/>
+            <a:ext cx="12192000" cy="6858000"/>
+          </a:xfrm>
+          <a:prstGeom prst="rect">
+            <a:avLst/>
+          </a:prstGeom>
+          <a:solidFill>
+            <a:schemeClr val="bg1"/>
+          </a:solidFill>
+          <a:ln>
+            <a:noFill/>
+          </a:ln>
+        </p:spPr>
+        <p:style>
+          <a:lnRef idx="2">
+            <a:schemeClr val="accent1">
+              <a:shade val="50000"/>
+            </a:schemeClr>
+          </a:lnRef>
+          <a:fillRef idx="1">
+            <a:schemeClr val="accent1"/>
+          </a:fillRef>
+          <a:effectRef idx="0">
+            <a:schemeClr val="accent1"/>
+          </a:effectRef>
+          <a:fontRef idx="minor">
+            <a:schemeClr val="lt1"/>
+          </a:fontRef>
+        </p:style>
+        <p:txBody>
+          <a:bodyPr rtlCol="0" anchor="ctr"/>
+          <a:lstStyle/>
+          <a:p>
+            <a:pPr algn="ctr"/>
+            <a:endParaRPr lang="en-US" dirty="0"/>
+          </a:p>
+        </p:txBody>
+      </p:sp>
+      <p:sp>
+        <p:nvSpPr>
+          <p:cNvPr id="38" name="TextBox 37">
+            <a:extLst>
+              <a:ext uri="{FF2B5EF4-FFF2-40B4-BE49-F238E27FC236}">
+                <a16:creationId xmlns:a16="http://schemas.microsoft.com/office/drawing/2014/main" id="{91D2CAB9-EF2E-4B5B-B20A-806B6DD60F42}"/>
+              </a:ext>
+            </a:extLst>
+          </p:cNvPr>
+          <p:cNvSpPr txBox="1"/>
+          <p:nvPr/>
+        </p:nvSpPr>
+        <p:spPr>
+          <a:xfrm>
+            <a:off x="3397135" y="250222"/>
+            <a:ext cx="5397730" cy="523220"/>
+          </a:xfrm>
+          <a:prstGeom prst="rect">
+            <a:avLst/>
+          </a:prstGeom>
+          <a:noFill/>
+        </p:spPr>
+        <p:txBody>
+          <a:bodyPr wrap="square" rtlCol="0">
+            <a:spAutoFit/>
+          </a:bodyPr>
+          <a:lstStyle/>
+          <a:p>
+            <a:pPr algn="ctr"/>
+            <a:r>
+              <a:rPr lang="en-US" sz="2800" dirty="0">
+                <a:solidFill>
+                  <a:schemeClr val="accent6">
+                    <a:lumMod val="75000"/>
+                  </a:schemeClr>
+                </a:solidFill>
+              </a:rPr>
+              <a:t>When is a Server not a Server?</a:t>
+            </a:r>
+          </a:p>
+        </p:txBody>
+      </p:sp>
+      <p:grpSp>
+        <p:nvGrpSpPr>
+          <p:cNvPr id="49" name="Group 48">
+            <a:extLst>
+              <a:ext uri="{FF2B5EF4-FFF2-40B4-BE49-F238E27FC236}">
+                <a16:creationId xmlns:a16="http://schemas.microsoft.com/office/drawing/2014/main" id="{B8CE06AF-2806-4107-95D9-AAC286CC343B}"/>
+              </a:ext>
+            </a:extLst>
+          </p:cNvPr>
+          <p:cNvGrpSpPr/>
+          <p:nvPr/>
+        </p:nvGrpSpPr>
+        <p:grpSpPr>
+          <a:xfrm>
+            <a:off x="3766877" y="629685"/>
+            <a:ext cx="4498072" cy="297874"/>
+            <a:chOff x="3971469" y="624781"/>
+            <a:chExt cx="4498072" cy="297874"/>
+          </a:xfrm>
+        </p:grpSpPr>
+        <p:cxnSp>
+          <p:nvCxnSpPr>
+            <p:cNvPr id="40" name="Straight Connector 39">
+              <a:extLst>
+                <a:ext uri="{FF2B5EF4-FFF2-40B4-BE49-F238E27FC236}">
+                  <a16:creationId xmlns:a16="http://schemas.microsoft.com/office/drawing/2014/main" id="{D6E0AC31-61D0-4CE2-AA3B-3C6978E8704A}"/>
+                </a:ext>
+              </a:extLst>
+            </p:cNvPr>
+            <p:cNvCxnSpPr/>
+            <p:nvPr/>
+          </p:nvCxnSpPr>
+          <p:spPr>
+            <a:xfrm>
+              <a:off x="5170031" y="773442"/>
+              <a:ext cx="2057400" cy="0"/>
+            </a:xfrm>
+            <a:prstGeom prst="line">
+              <a:avLst/>
+            </a:prstGeom>
+            <a:ln cap="rnd"/>
+          </p:spPr>
+          <p:style>
+            <a:lnRef idx="3">
+              <a:schemeClr val="accent6"/>
+            </a:lnRef>
+            <a:fillRef idx="0">
+              <a:schemeClr val="accent6"/>
+            </a:fillRef>
+            <a:effectRef idx="2">
+              <a:schemeClr val="accent6"/>
+            </a:effectRef>
+            <a:fontRef idx="minor">
+              <a:schemeClr val="tx1"/>
+            </a:fontRef>
+          </p:style>
+        </p:cxnSp>
+        <p:cxnSp>
+          <p:nvCxnSpPr>
+            <p:cNvPr id="41" name="Straight Connector 40">
+              <a:extLst>
+                <a:ext uri="{FF2B5EF4-FFF2-40B4-BE49-F238E27FC236}">
+                  <a16:creationId xmlns:a16="http://schemas.microsoft.com/office/drawing/2014/main" id="{B388F3BF-FB37-4435-8519-443F06647178}"/>
+                </a:ext>
+              </a:extLst>
+            </p:cNvPr>
+            <p:cNvCxnSpPr>
+              <a:cxnSpLocks/>
+            </p:cNvCxnSpPr>
+            <p:nvPr/>
+          </p:nvCxnSpPr>
+          <p:spPr>
+            <a:xfrm>
+              <a:off x="7349270" y="697242"/>
+              <a:ext cx="1027511" cy="0"/>
+            </a:xfrm>
+            <a:prstGeom prst="line">
+              <a:avLst/>
+            </a:prstGeom>
+            <a:ln cap="rnd"/>
+          </p:spPr>
+          <p:style>
+            <a:lnRef idx="3">
+              <a:schemeClr val="accent6"/>
+            </a:lnRef>
+            <a:fillRef idx="0">
+              <a:schemeClr val="accent6"/>
+            </a:fillRef>
+            <a:effectRef idx="2">
+              <a:schemeClr val="accent6"/>
+            </a:effectRef>
+            <a:fontRef idx="minor">
+              <a:schemeClr val="tx1"/>
+            </a:fontRef>
+          </p:style>
+        </p:cxnSp>
+        <p:cxnSp>
+          <p:nvCxnSpPr>
+            <p:cNvPr id="43" name="Straight Connector 42">
+              <a:extLst>
+                <a:ext uri="{FF2B5EF4-FFF2-40B4-BE49-F238E27FC236}">
+                  <a16:creationId xmlns:a16="http://schemas.microsoft.com/office/drawing/2014/main" id="{EC5F7052-9710-4CD3-8A81-EEE0E9A7244C}"/>
+                </a:ext>
+              </a:extLst>
+            </p:cNvPr>
+            <p:cNvCxnSpPr>
+              <a:cxnSpLocks/>
+            </p:cNvCxnSpPr>
+            <p:nvPr/>
+          </p:nvCxnSpPr>
+          <p:spPr>
+            <a:xfrm flipV="1">
+              <a:off x="7227431" y="697242"/>
+              <a:ext cx="121839" cy="76200"/>
+            </a:xfrm>
+            <a:prstGeom prst="line">
+              <a:avLst/>
+            </a:prstGeom>
+            <a:ln cap="rnd"/>
+          </p:spPr>
+          <p:style>
+            <a:lnRef idx="3">
+              <a:schemeClr val="accent6"/>
+            </a:lnRef>
+            <a:fillRef idx="0">
+              <a:schemeClr val="accent6"/>
+            </a:fillRef>
+            <a:effectRef idx="2">
+              <a:schemeClr val="accent6"/>
+            </a:effectRef>
+            <a:fontRef idx="minor">
+              <a:schemeClr val="tx1"/>
+            </a:fontRef>
+          </p:style>
+        </p:cxnSp>
+        <p:cxnSp>
+          <p:nvCxnSpPr>
+            <p:cNvPr id="46" name="Straight Connector 45">
+              <a:extLst>
+                <a:ext uri="{FF2B5EF4-FFF2-40B4-BE49-F238E27FC236}">
+                  <a16:creationId xmlns:a16="http://schemas.microsoft.com/office/drawing/2014/main" id="{C86B609C-3E9D-4EA1-9D7B-7AD108C8C57B}"/>
+                </a:ext>
+              </a:extLst>
+            </p:cNvPr>
+            <p:cNvCxnSpPr>
+              <a:cxnSpLocks/>
+            </p:cNvCxnSpPr>
+            <p:nvPr/>
+          </p:nvCxnSpPr>
+          <p:spPr>
+            <a:xfrm flipV="1">
+              <a:off x="5048192" y="773442"/>
+              <a:ext cx="121839" cy="76200"/>
+            </a:xfrm>
+            <a:prstGeom prst="line">
+              <a:avLst/>
+            </a:prstGeom>
+            <a:ln cap="rnd"/>
+          </p:spPr>
+          <p:style>
+            <a:lnRef idx="3">
+              <a:schemeClr val="accent6"/>
+            </a:lnRef>
+            <a:fillRef idx="0">
+              <a:schemeClr val="accent6"/>
+            </a:fillRef>
+            <a:effectRef idx="2">
+              <a:schemeClr val="accent6"/>
+            </a:effectRef>
+            <a:fontRef idx="minor">
+              <a:schemeClr val="tx1"/>
+            </a:fontRef>
+          </p:style>
+        </p:cxnSp>
+        <p:cxnSp>
+          <p:nvCxnSpPr>
+            <p:cNvPr id="47" name="Straight Connector 46">
+              <a:extLst>
+                <a:ext uri="{FF2B5EF4-FFF2-40B4-BE49-F238E27FC236}">
+                  <a16:creationId xmlns:a16="http://schemas.microsoft.com/office/drawing/2014/main" id="{0D690C07-0109-4CEC-B0CC-434EED608911}"/>
+                </a:ext>
+              </a:extLst>
+            </p:cNvPr>
+            <p:cNvCxnSpPr>
+              <a:cxnSpLocks/>
+            </p:cNvCxnSpPr>
+            <p:nvPr/>
+          </p:nvCxnSpPr>
+          <p:spPr>
+            <a:xfrm flipV="1">
+              <a:off x="4021655" y="849642"/>
+              <a:ext cx="1026537" cy="11668"/>
+            </a:xfrm>
+            <a:prstGeom prst="line">
+              <a:avLst/>
+            </a:prstGeom>
+            <a:ln cap="rnd"/>
+          </p:spPr>
+          <p:style>
+            <a:lnRef idx="3">
+              <a:schemeClr val="accent6"/>
+            </a:lnRef>
+            <a:fillRef idx="0">
+              <a:schemeClr val="accent6"/>
+            </a:fillRef>
+            <a:effectRef idx="2">
+              <a:schemeClr val="accent6"/>
+            </a:effectRef>
+            <a:fontRef idx="minor">
+              <a:schemeClr val="tx1"/>
+            </a:fontRef>
+          </p:style>
+        </p:cxnSp>
+        <p:sp>
+          <p:nvSpPr>
+            <p:cNvPr id="50" name="Oval 49">
+              <a:extLst>
+                <a:ext uri="{FF2B5EF4-FFF2-40B4-BE49-F238E27FC236}">
+                  <a16:creationId xmlns:a16="http://schemas.microsoft.com/office/drawing/2014/main" id="{EEA3A56A-D77B-4804-9467-3C2325189A39}"/>
+                </a:ext>
+              </a:extLst>
+            </p:cNvPr>
+            <p:cNvSpPr/>
+            <p:nvPr/>
+          </p:nvSpPr>
+          <p:spPr>
+            <a:xfrm>
+              <a:off x="3971469" y="789305"/>
+              <a:ext cx="133350" cy="133350"/>
+            </a:xfrm>
+            <a:prstGeom prst="ellipse">
+              <a:avLst/>
+            </a:prstGeom>
+          </p:spPr>
+          <p:style>
+            <a:lnRef idx="2">
+              <a:schemeClr val="accent6"/>
+            </a:lnRef>
+            <a:fillRef idx="1">
+              <a:schemeClr val="lt1"/>
+            </a:fillRef>
+            <a:effectRef idx="0">
+              <a:schemeClr val="accent6"/>
+            </a:effectRef>
+            <a:fontRef idx="minor">
+              <a:schemeClr val="dk1"/>
+            </a:fontRef>
+          </p:style>
+          <p:txBody>
+            <a:bodyPr rtlCol="0" anchor="ctr"/>
+            <a:lstStyle/>
+            <a:p>
+              <a:pPr algn="ctr"/>
+              <a:endParaRPr lang="en-US" i="1" dirty="0"/>
+            </a:p>
+          </p:txBody>
+        </p:sp>
+        <p:sp>
+          <p:nvSpPr>
+            <p:cNvPr id="51" name="Oval 50">
+              <a:extLst>
+                <a:ext uri="{FF2B5EF4-FFF2-40B4-BE49-F238E27FC236}">
+                  <a16:creationId xmlns:a16="http://schemas.microsoft.com/office/drawing/2014/main" id="{488A40C9-3C11-477D-B0FB-19648893F367}"/>
+                </a:ext>
+              </a:extLst>
+            </p:cNvPr>
+            <p:cNvSpPr/>
+            <p:nvPr/>
+          </p:nvSpPr>
+          <p:spPr>
+            <a:xfrm>
+              <a:off x="8336191" y="624781"/>
+              <a:ext cx="133350" cy="133350"/>
+            </a:xfrm>
+            <a:prstGeom prst="ellipse">
+              <a:avLst/>
+            </a:prstGeom>
+          </p:spPr>
+          <p:style>
+            <a:lnRef idx="2">
+              <a:schemeClr val="accent6"/>
+            </a:lnRef>
+            <a:fillRef idx="1">
+              <a:schemeClr val="lt1"/>
+            </a:fillRef>
+            <a:effectRef idx="0">
+              <a:schemeClr val="accent6"/>
+            </a:effectRef>
+            <a:fontRef idx="minor">
+              <a:schemeClr val="dk1"/>
+            </a:fontRef>
+          </p:style>
+          <p:txBody>
+            <a:bodyPr rtlCol="0" anchor="ctr"/>
+            <a:lstStyle/>
+            <a:p>
+              <a:pPr algn="ctr"/>
+              <a:endParaRPr lang="en-US" i="1" dirty="0"/>
+            </a:p>
+          </p:txBody>
+        </p:sp>
+      </p:grpSp>
+      <p:sp>
+        <p:nvSpPr>
+          <p:cNvPr id="19" name="TextBox 18">
+            <a:extLst>
+              <a:ext uri="{FF2B5EF4-FFF2-40B4-BE49-F238E27FC236}">
+                <a16:creationId xmlns:a16="http://schemas.microsoft.com/office/drawing/2014/main" id="{3718AA49-7B09-4FC3-ABD4-19396158116F}"/>
+              </a:ext>
+            </a:extLst>
+          </p:cNvPr>
+          <p:cNvSpPr txBox="1"/>
+          <p:nvPr/>
+        </p:nvSpPr>
+        <p:spPr>
+          <a:xfrm>
+            <a:off x="4439265" y="936449"/>
+            <a:ext cx="3313472" cy="369332"/>
+          </a:xfrm>
+          <a:prstGeom prst="rect">
+            <a:avLst/>
+          </a:prstGeom>
+          <a:noFill/>
+        </p:spPr>
+        <p:txBody>
+          <a:bodyPr wrap="none" rtlCol="0">
+            <a:spAutoFit/>
+          </a:bodyPr>
+          <a:lstStyle/>
+          <a:p>
+            <a:pPr algn="ctr"/>
+            <a:r>
+              <a:rPr lang="en-US" dirty="0"/>
+              <a:t>Or </a:t>
+            </a:r>
+            <a:r>
+              <a:rPr lang="en-US" i="1" dirty="0"/>
+              <a:t>When is a server not a server</a:t>
+            </a:r>
+            <a:r>
+              <a:rPr lang="en-US" dirty="0"/>
+              <a:t>?</a:t>
+            </a:r>
+          </a:p>
+        </p:txBody>
+      </p:sp>
+      <p:grpSp>
+        <p:nvGrpSpPr>
+          <p:cNvPr id="81" name="Group 80">
+            <a:extLst>
+              <a:ext uri="{FF2B5EF4-FFF2-40B4-BE49-F238E27FC236}">
+                <a16:creationId xmlns:a16="http://schemas.microsoft.com/office/drawing/2014/main" id="{D4AE6AFA-27CE-4B79-A5E8-9C40BA641D65}"/>
+              </a:ext>
+            </a:extLst>
+          </p:cNvPr>
+          <p:cNvGrpSpPr/>
+          <p:nvPr/>
+        </p:nvGrpSpPr>
+        <p:grpSpPr>
+          <a:xfrm>
+            <a:off x="884940" y="2102560"/>
+            <a:ext cx="1495588" cy="2097660"/>
+            <a:chOff x="884940" y="2102560"/>
+            <a:chExt cx="1495588" cy="2097660"/>
+          </a:xfrm>
+        </p:grpSpPr>
+        <p:sp>
+          <p:nvSpPr>
+            <p:cNvPr id="27" name="Rectangle 26">
+              <a:extLst>
+                <a:ext uri="{FF2B5EF4-FFF2-40B4-BE49-F238E27FC236}">
+                  <a16:creationId xmlns:a16="http://schemas.microsoft.com/office/drawing/2014/main" id="{C399D048-572C-4C3C-A6E7-2699E8DE5967}"/>
+                </a:ext>
+              </a:extLst>
+            </p:cNvPr>
+            <p:cNvSpPr/>
+            <p:nvPr/>
+          </p:nvSpPr>
+          <p:spPr>
+            <a:xfrm>
+              <a:off x="884941" y="2102560"/>
+              <a:ext cx="1495587" cy="523220"/>
+            </a:xfrm>
+            <a:prstGeom prst="rect">
+              <a:avLst/>
+            </a:prstGeom>
+            <a:solidFill>
+              <a:schemeClr val="accent6">
+                <a:lumMod val="20000"/>
+                <a:lumOff val="80000"/>
+              </a:schemeClr>
+            </a:solidFill>
+          </p:spPr>
+          <p:style>
+            <a:lnRef idx="2">
+              <a:schemeClr val="accent6"/>
+            </a:lnRef>
+            <a:fillRef idx="1">
+              <a:schemeClr val="lt1"/>
+            </a:fillRef>
+            <a:effectRef idx="0">
+              <a:schemeClr val="accent6"/>
+            </a:effectRef>
+            <a:fontRef idx="minor">
+              <a:schemeClr val="dk1"/>
+            </a:fontRef>
+          </p:style>
+          <p:txBody>
+            <a:bodyPr rtlCol="0" anchor="ctr"/>
+            <a:lstStyle/>
+            <a:p>
+              <a:pPr algn="ctr"/>
+              <a:r>
+                <a:rPr lang="en-US" dirty="0"/>
+                <a:t>Server</a:t>
+              </a:r>
+            </a:p>
+          </p:txBody>
+        </p:sp>
+        <p:sp>
+          <p:nvSpPr>
+            <p:cNvPr id="28" name="Rectangle 27">
+              <a:extLst>
+                <a:ext uri="{FF2B5EF4-FFF2-40B4-BE49-F238E27FC236}">
+                  <a16:creationId xmlns:a16="http://schemas.microsoft.com/office/drawing/2014/main" id="{B919F312-646C-4CF3-8BCC-89D66F720BE6}"/>
+                </a:ext>
+              </a:extLst>
+            </p:cNvPr>
+            <p:cNvSpPr/>
+            <p:nvPr/>
+          </p:nvSpPr>
+          <p:spPr>
+            <a:xfrm>
+              <a:off x="884941" y="2634973"/>
+              <a:ext cx="1495587" cy="523220"/>
+            </a:xfrm>
+            <a:prstGeom prst="rect">
+              <a:avLst/>
+            </a:prstGeom>
+            <a:solidFill>
+              <a:schemeClr val="accent6">
+                <a:lumMod val="20000"/>
+                <a:lumOff val="80000"/>
+              </a:schemeClr>
+            </a:solidFill>
+          </p:spPr>
+          <p:style>
+            <a:lnRef idx="2">
+              <a:schemeClr val="accent6"/>
+            </a:lnRef>
+            <a:fillRef idx="1">
+              <a:schemeClr val="lt1"/>
+            </a:fillRef>
+            <a:effectRef idx="0">
+              <a:schemeClr val="accent6"/>
+            </a:effectRef>
+            <a:fontRef idx="minor">
+              <a:schemeClr val="dk1"/>
+            </a:fontRef>
+          </p:style>
+          <p:txBody>
+            <a:bodyPr rtlCol="0" anchor="ctr"/>
+            <a:lstStyle/>
+            <a:p>
+              <a:pPr algn="ctr"/>
+              <a:r>
+                <a:rPr lang="en-US" dirty="0"/>
+                <a:t>OS</a:t>
+              </a:r>
+            </a:p>
+          </p:txBody>
+        </p:sp>
+        <p:sp>
+          <p:nvSpPr>
+            <p:cNvPr id="29" name="Rectangle 28">
+              <a:extLst>
+                <a:ext uri="{FF2B5EF4-FFF2-40B4-BE49-F238E27FC236}">
+                  <a16:creationId xmlns:a16="http://schemas.microsoft.com/office/drawing/2014/main" id="{0521828F-CD14-4699-A5A9-2B73B961FCE5}"/>
+                </a:ext>
+              </a:extLst>
+            </p:cNvPr>
+            <p:cNvSpPr/>
+            <p:nvPr/>
+          </p:nvSpPr>
+          <p:spPr>
+            <a:xfrm>
+              <a:off x="884940" y="3167386"/>
+              <a:ext cx="1495587" cy="523220"/>
+            </a:xfrm>
+            <a:prstGeom prst="rect">
+              <a:avLst/>
+            </a:prstGeom>
+            <a:solidFill>
+              <a:schemeClr val="accent6">
+                <a:lumMod val="20000"/>
+                <a:lumOff val="80000"/>
+              </a:schemeClr>
+            </a:solidFill>
+          </p:spPr>
+          <p:style>
+            <a:lnRef idx="2">
+              <a:schemeClr val="accent6"/>
+            </a:lnRef>
+            <a:fillRef idx="1">
+              <a:schemeClr val="lt1"/>
+            </a:fillRef>
+            <a:effectRef idx="0">
+              <a:schemeClr val="accent6"/>
+            </a:effectRef>
+            <a:fontRef idx="minor">
+              <a:schemeClr val="dk1"/>
+            </a:fontRef>
+          </p:style>
+          <p:txBody>
+            <a:bodyPr rtlCol="0" anchor="ctr"/>
+            <a:lstStyle/>
+            <a:p>
+              <a:pPr algn="ctr"/>
+              <a:r>
+                <a:rPr lang="en-US" dirty="0"/>
+                <a:t>NIC</a:t>
+              </a:r>
+            </a:p>
+          </p:txBody>
+        </p:sp>
+        <p:sp>
+          <p:nvSpPr>
+            <p:cNvPr id="30" name="TextBox 29">
+              <a:extLst>
+                <a:ext uri="{FF2B5EF4-FFF2-40B4-BE49-F238E27FC236}">
+                  <a16:creationId xmlns:a16="http://schemas.microsoft.com/office/drawing/2014/main" id="{35EF0B8B-0077-41F6-8ADC-2744C70CD2EE}"/>
+                </a:ext>
+              </a:extLst>
+            </p:cNvPr>
+            <p:cNvSpPr txBox="1"/>
+            <p:nvPr/>
+          </p:nvSpPr>
+          <p:spPr>
+            <a:xfrm>
+              <a:off x="1058761" y="3830888"/>
+              <a:ext cx="1147943" cy="369332"/>
+            </a:xfrm>
+            <a:prstGeom prst="rect">
+              <a:avLst/>
+            </a:prstGeom>
+            <a:noFill/>
+          </p:spPr>
+          <p:txBody>
+            <a:bodyPr wrap="none" rtlCol="0">
+              <a:spAutoFit/>
+            </a:bodyPr>
+            <a:lstStyle/>
+            <a:p>
+              <a:pPr algn="ctr"/>
+              <a:r>
+                <a:rPr lang="en-US" dirty="0"/>
+                <a:t>API Server</a:t>
+              </a:r>
+            </a:p>
+          </p:txBody>
+        </p:sp>
+      </p:grpSp>
+      <p:grpSp>
+        <p:nvGrpSpPr>
+          <p:cNvPr id="42" name="Group 41">
+            <a:extLst>
+              <a:ext uri="{FF2B5EF4-FFF2-40B4-BE49-F238E27FC236}">
+                <a16:creationId xmlns:a16="http://schemas.microsoft.com/office/drawing/2014/main" id="{10F20F3E-D3F1-4F5A-8D8F-0D3EAE3CC503}"/>
+              </a:ext>
+            </a:extLst>
+          </p:cNvPr>
+          <p:cNvGrpSpPr/>
+          <p:nvPr/>
+        </p:nvGrpSpPr>
+        <p:grpSpPr>
+          <a:xfrm>
+            <a:off x="5311644" y="2110197"/>
+            <a:ext cx="1495588" cy="2357052"/>
+            <a:chOff x="5649091" y="2110197"/>
+            <a:chExt cx="1495588" cy="2357052"/>
+          </a:xfrm>
+        </p:grpSpPr>
+        <p:sp>
+          <p:nvSpPr>
+            <p:cNvPr id="11" name="Rectangle 10">
+              <a:extLst>
+                <a:ext uri="{FF2B5EF4-FFF2-40B4-BE49-F238E27FC236}">
+                  <a16:creationId xmlns:a16="http://schemas.microsoft.com/office/drawing/2014/main" id="{C59726E4-A4F0-44A3-82D6-B14C3736631D}"/>
+                </a:ext>
+              </a:extLst>
+            </p:cNvPr>
+            <p:cNvSpPr/>
+            <p:nvPr/>
+          </p:nvSpPr>
+          <p:spPr>
+            <a:xfrm>
+              <a:off x="5649092" y="2110197"/>
+              <a:ext cx="1495587" cy="523220"/>
+            </a:xfrm>
+            <a:prstGeom prst="rect">
+              <a:avLst/>
+            </a:prstGeom>
+            <a:solidFill>
+              <a:schemeClr val="accent6">
+                <a:lumMod val="20000"/>
+                <a:lumOff val="80000"/>
+              </a:schemeClr>
+            </a:solidFill>
+          </p:spPr>
+          <p:style>
+            <a:lnRef idx="2">
+              <a:schemeClr val="accent6"/>
+            </a:lnRef>
+            <a:fillRef idx="1">
+              <a:schemeClr val="lt1"/>
+            </a:fillRef>
+            <a:effectRef idx="0">
+              <a:schemeClr val="accent6"/>
+            </a:effectRef>
+            <a:fontRef idx="minor">
+              <a:schemeClr val="dk1"/>
+            </a:fontRef>
+          </p:style>
+          <p:txBody>
+            <a:bodyPr rtlCol="0" anchor="ctr"/>
+            <a:lstStyle/>
+            <a:p>
+              <a:pPr algn="ctr"/>
+              <a:r>
+                <a:rPr lang="en-US" dirty="0"/>
+                <a:t>Server</a:t>
+              </a:r>
+            </a:p>
+          </p:txBody>
+        </p:sp>
+        <p:sp>
+          <p:nvSpPr>
+            <p:cNvPr id="17" name="Rectangle 16">
+              <a:extLst>
+                <a:ext uri="{FF2B5EF4-FFF2-40B4-BE49-F238E27FC236}">
+                  <a16:creationId xmlns:a16="http://schemas.microsoft.com/office/drawing/2014/main" id="{2AC65FCE-DB04-4F56-B470-6BDBEFBBBED2}"/>
+                </a:ext>
+              </a:extLst>
+            </p:cNvPr>
+            <p:cNvSpPr/>
+            <p:nvPr/>
+          </p:nvSpPr>
+          <p:spPr>
+            <a:xfrm>
+              <a:off x="5649092" y="2642610"/>
+              <a:ext cx="1495587" cy="523220"/>
+            </a:xfrm>
+            <a:prstGeom prst="rect">
+              <a:avLst/>
+            </a:prstGeom>
+            <a:solidFill>
+              <a:schemeClr val="accent6">
+                <a:lumMod val="20000"/>
+                <a:lumOff val="80000"/>
+              </a:schemeClr>
+            </a:solidFill>
+          </p:spPr>
+          <p:style>
+            <a:lnRef idx="2">
+              <a:schemeClr val="accent6"/>
+            </a:lnRef>
+            <a:fillRef idx="1">
+              <a:schemeClr val="lt1"/>
+            </a:fillRef>
+            <a:effectRef idx="0">
+              <a:schemeClr val="accent6"/>
+            </a:effectRef>
+            <a:fontRef idx="minor">
+              <a:schemeClr val="dk1"/>
+            </a:fontRef>
+          </p:style>
+          <p:txBody>
+            <a:bodyPr rtlCol="0" anchor="ctr"/>
+            <a:lstStyle/>
+            <a:p>
+              <a:pPr algn="ctr"/>
+              <a:r>
+                <a:rPr lang="en-US" dirty="0"/>
+                <a:t>OS</a:t>
+              </a:r>
+            </a:p>
+          </p:txBody>
+        </p:sp>
+        <p:sp>
+          <p:nvSpPr>
+            <p:cNvPr id="20" name="Rectangle 19">
+              <a:extLst>
+                <a:ext uri="{FF2B5EF4-FFF2-40B4-BE49-F238E27FC236}">
+                  <a16:creationId xmlns:a16="http://schemas.microsoft.com/office/drawing/2014/main" id="{87C3007D-B35E-48D5-A2A1-A6FE7F2BD358}"/>
+                </a:ext>
+              </a:extLst>
+            </p:cNvPr>
+            <p:cNvSpPr/>
+            <p:nvPr/>
+          </p:nvSpPr>
+          <p:spPr>
+            <a:xfrm>
+              <a:off x="5649091" y="3175023"/>
+              <a:ext cx="1495587" cy="523220"/>
+            </a:xfrm>
+            <a:prstGeom prst="rect">
+              <a:avLst/>
+            </a:prstGeom>
+            <a:solidFill>
+              <a:schemeClr val="accent6">
+                <a:lumMod val="20000"/>
+                <a:lumOff val="80000"/>
+              </a:schemeClr>
+            </a:solidFill>
+          </p:spPr>
+          <p:style>
+            <a:lnRef idx="2">
+              <a:schemeClr val="accent6"/>
+            </a:lnRef>
+            <a:fillRef idx="1">
+              <a:schemeClr val="lt1"/>
+            </a:fillRef>
+            <a:effectRef idx="0">
+              <a:schemeClr val="accent6"/>
+            </a:effectRef>
+            <a:fontRef idx="minor">
+              <a:schemeClr val="dk1"/>
+            </a:fontRef>
+          </p:style>
+          <p:txBody>
+            <a:bodyPr rtlCol="0" anchor="ctr"/>
+            <a:lstStyle/>
+            <a:p>
+              <a:pPr algn="ctr"/>
+              <a:r>
+                <a:rPr lang="en-US" dirty="0"/>
+                <a:t>NIC</a:t>
+              </a:r>
+            </a:p>
+          </p:txBody>
+        </p:sp>
+        <p:sp>
+          <p:nvSpPr>
+            <p:cNvPr id="31" name="TextBox 30">
+              <a:extLst>
+                <a:ext uri="{FF2B5EF4-FFF2-40B4-BE49-F238E27FC236}">
+                  <a16:creationId xmlns:a16="http://schemas.microsoft.com/office/drawing/2014/main" id="{506FA61F-EB9F-43DE-BCA7-06B871918CFE}"/>
+                </a:ext>
+              </a:extLst>
+            </p:cNvPr>
+            <p:cNvSpPr txBox="1"/>
+            <p:nvPr/>
+          </p:nvSpPr>
+          <p:spPr>
+            <a:xfrm>
+              <a:off x="5778028" y="3820918"/>
+              <a:ext cx="1362296" cy="646331"/>
+            </a:xfrm>
+            <a:prstGeom prst="rect">
+              <a:avLst/>
+            </a:prstGeom>
+            <a:noFill/>
+          </p:spPr>
+          <p:txBody>
+            <a:bodyPr wrap="none" rtlCol="0">
+              <a:spAutoFit/>
+            </a:bodyPr>
+            <a:lstStyle/>
+            <a:p>
+              <a:pPr algn="ctr"/>
+              <a:r>
+                <a:rPr lang="en-US" dirty="0"/>
+                <a:t>Web Server/</a:t>
+              </a:r>
+            </a:p>
+            <a:p>
+              <a:pPr algn="ctr"/>
+              <a:r>
+                <a:rPr lang="en-US" dirty="0"/>
+                <a:t>API Client</a:t>
+              </a:r>
+            </a:p>
+          </p:txBody>
+        </p:sp>
+      </p:grpSp>
+      <p:grpSp>
+        <p:nvGrpSpPr>
+          <p:cNvPr id="54" name="Group 53">
+            <a:extLst>
+              <a:ext uri="{FF2B5EF4-FFF2-40B4-BE49-F238E27FC236}">
+                <a16:creationId xmlns:a16="http://schemas.microsoft.com/office/drawing/2014/main" id="{385FC814-A130-4393-8E9F-984C5C9F5D77}"/>
+              </a:ext>
+            </a:extLst>
+          </p:cNvPr>
+          <p:cNvGrpSpPr/>
+          <p:nvPr/>
+        </p:nvGrpSpPr>
+        <p:grpSpPr>
+          <a:xfrm>
+            <a:off x="9760766" y="2119390"/>
+            <a:ext cx="1495588" cy="2054831"/>
+            <a:chOff x="8842491" y="2119390"/>
+            <a:chExt cx="1495588" cy="2054831"/>
+          </a:xfrm>
+        </p:grpSpPr>
+        <p:sp>
+          <p:nvSpPr>
+            <p:cNvPr id="3" name="Rectangle 2">
+              <a:extLst>
+                <a:ext uri="{FF2B5EF4-FFF2-40B4-BE49-F238E27FC236}">
+                  <a16:creationId xmlns:a16="http://schemas.microsoft.com/office/drawing/2014/main" id="{2376243B-0D6B-464D-B985-DA36839B9EA8}"/>
+                </a:ext>
+              </a:extLst>
+            </p:cNvPr>
+            <p:cNvSpPr/>
+            <p:nvPr/>
+          </p:nvSpPr>
+          <p:spPr>
+            <a:xfrm>
+              <a:off x="8842492" y="2119390"/>
+              <a:ext cx="1495587" cy="523220"/>
+            </a:xfrm>
+            <a:prstGeom prst="rect">
+              <a:avLst/>
+            </a:prstGeom>
+            <a:solidFill>
+              <a:schemeClr val="accent6">
+                <a:lumMod val="20000"/>
+                <a:lumOff val="80000"/>
+              </a:schemeClr>
+            </a:solidFill>
+          </p:spPr>
+          <p:style>
+            <a:lnRef idx="2">
+              <a:schemeClr val="accent6"/>
+            </a:lnRef>
+            <a:fillRef idx="1">
+              <a:schemeClr val="lt1"/>
+            </a:fillRef>
+            <a:effectRef idx="0">
+              <a:schemeClr val="accent6"/>
+            </a:effectRef>
+            <a:fontRef idx="minor">
+              <a:schemeClr val="dk1"/>
+            </a:fontRef>
+          </p:style>
+          <p:txBody>
+            <a:bodyPr rtlCol="0" anchor="ctr"/>
+            <a:lstStyle/>
+            <a:p>
+              <a:pPr algn="ctr"/>
+              <a:r>
+                <a:rPr lang="en-US" dirty="0"/>
+                <a:t>Browser</a:t>
+              </a:r>
+            </a:p>
+          </p:txBody>
+        </p:sp>
+        <p:sp>
+          <p:nvSpPr>
+            <p:cNvPr id="7" name="Rectangle 6">
+              <a:extLst>
+                <a:ext uri="{FF2B5EF4-FFF2-40B4-BE49-F238E27FC236}">
+                  <a16:creationId xmlns:a16="http://schemas.microsoft.com/office/drawing/2014/main" id="{457BA7A0-1FA4-4F50-938A-377E32EE601B}"/>
+                </a:ext>
+              </a:extLst>
+            </p:cNvPr>
+            <p:cNvSpPr/>
+            <p:nvPr/>
+          </p:nvSpPr>
+          <p:spPr>
+            <a:xfrm>
+              <a:off x="8842492" y="2651803"/>
+              <a:ext cx="1495587" cy="523220"/>
+            </a:xfrm>
+            <a:prstGeom prst="rect">
+              <a:avLst/>
+            </a:prstGeom>
+            <a:solidFill>
+              <a:schemeClr val="accent6">
+                <a:lumMod val="20000"/>
+                <a:lumOff val="80000"/>
+              </a:schemeClr>
+            </a:solidFill>
+          </p:spPr>
+          <p:style>
+            <a:lnRef idx="2">
+              <a:schemeClr val="accent6"/>
+            </a:lnRef>
+            <a:fillRef idx="1">
+              <a:schemeClr val="lt1"/>
+            </a:fillRef>
+            <a:effectRef idx="0">
+              <a:schemeClr val="accent6"/>
+            </a:effectRef>
+            <a:fontRef idx="minor">
+              <a:schemeClr val="dk1"/>
+            </a:fontRef>
+          </p:style>
+          <p:txBody>
+            <a:bodyPr rtlCol="0" anchor="ctr"/>
+            <a:lstStyle/>
+            <a:p>
+              <a:pPr algn="ctr"/>
+              <a:r>
+                <a:rPr lang="en-US" dirty="0"/>
+                <a:t>OS</a:t>
+              </a:r>
+            </a:p>
+          </p:txBody>
+        </p:sp>
+        <p:sp>
+          <p:nvSpPr>
+            <p:cNvPr id="8" name="Rectangle 7">
+              <a:extLst>
+                <a:ext uri="{FF2B5EF4-FFF2-40B4-BE49-F238E27FC236}">
+                  <a16:creationId xmlns:a16="http://schemas.microsoft.com/office/drawing/2014/main" id="{25E89004-0C42-44D2-89DB-0D1915E9D4D5}"/>
+                </a:ext>
+              </a:extLst>
+            </p:cNvPr>
+            <p:cNvSpPr/>
+            <p:nvPr/>
+          </p:nvSpPr>
+          <p:spPr>
+            <a:xfrm>
+              <a:off x="8842491" y="3184216"/>
+              <a:ext cx="1495587" cy="523220"/>
+            </a:xfrm>
+            <a:prstGeom prst="rect">
+              <a:avLst/>
+            </a:prstGeom>
+            <a:solidFill>
+              <a:schemeClr val="accent6">
+                <a:lumMod val="20000"/>
+                <a:lumOff val="80000"/>
+              </a:schemeClr>
+            </a:solidFill>
+          </p:spPr>
+          <p:style>
+            <a:lnRef idx="2">
+              <a:schemeClr val="accent6"/>
+            </a:lnRef>
+            <a:fillRef idx="1">
+              <a:schemeClr val="lt1"/>
+            </a:fillRef>
+            <a:effectRef idx="0">
+              <a:schemeClr val="accent6"/>
+            </a:effectRef>
+            <a:fontRef idx="minor">
+              <a:schemeClr val="dk1"/>
+            </a:fontRef>
+          </p:style>
+          <p:txBody>
+            <a:bodyPr rtlCol="0" anchor="ctr"/>
+            <a:lstStyle/>
+            <a:p>
+              <a:pPr algn="ctr"/>
+              <a:r>
+                <a:rPr lang="en-US" dirty="0"/>
+                <a:t>NIC</a:t>
+              </a:r>
+            </a:p>
+          </p:txBody>
+        </p:sp>
+        <p:sp>
+          <p:nvSpPr>
+            <p:cNvPr id="32" name="TextBox 31">
+              <a:extLst>
+                <a:ext uri="{FF2B5EF4-FFF2-40B4-BE49-F238E27FC236}">
+                  <a16:creationId xmlns:a16="http://schemas.microsoft.com/office/drawing/2014/main" id="{2CF128E8-D340-406E-98EC-D9323B6A1701}"/>
+                </a:ext>
+              </a:extLst>
+            </p:cNvPr>
+            <p:cNvSpPr txBox="1"/>
+            <p:nvPr/>
+          </p:nvSpPr>
+          <p:spPr>
+            <a:xfrm>
+              <a:off x="9227300" y="3804889"/>
+              <a:ext cx="725968" cy="369332"/>
+            </a:xfrm>
+            <a:prstGeom prst="rect">
+              <a:avLst/>
+            </a:prstGeom>
+            <a:noFill/>
+          </p:spPr>
+          <p:txBody>
+            <a:bodyPr wrap="none" rtlCol="0">
+              <a:spAutoFit/>
+            </a:bodyPr>
+            <a:lstStyle/>
+            <a:p>
+              <a:pPr algn="ctr"/>
+              <a:r>
+                <a:rPr lang="en-US" dirty="0"/>
+                <a:t>Client</a:t>
+              </a:r>
+            </a:p>
+          </p:txBody>
+        </p:sp>
+      </p:grpSp>
+      <p:sp>
+        <p:nvSpPr>
+          <p:cNvPr id="26" name="Arrow: Left 25">
+            <a:extLst>
+              <a:ext uri="{FF2B5EF4-FFF2-40B4-BE49-F238E27FC236}">
+                <a16:creationId xmlns:a16="http://schemas.microsoft.com/office/drawing/2014/main" id="{7A418EE7-27E7-4AB0-AD07-0BE3BF69DE36}"/>
+              </a:ext>
+            </a:extLst>
+          </p:cNvPr>
+          <p:cNvSpPr/>
+          <p:nvPr/>
+        </p:nvSpPr>
+        <p:spPr>
+          <a:xfrm>
+            <a:off x="2557221" y="3184215"/>
+            <a:ext cx="2561070" cy="244781"/>
+          </a:xfrm>
+          <a:prstGeom prst="leftArrow">
+            <a:avLst/>
+          </a:prstGeom>
+          <a:solidFill>
+            <a:schemeClr val="accent6">
+              <a:lumMod val="50000"/>
+            </a:schemeClr>
+          </a:solidFill>
+          <a:ln>
+            <a:noFill/>
+          </a:ln>
+        </p:spPr>
+        <p:style>
+          <a:lnRef idx="2">
+            <a:schemeClr val="accent6"/>
+          </a:lnRef>
+          <a:fillRef idx="1">
+            <a:schemeClr val="lt1"/>
+          </a:fillRef>
+          <a:effectRef idx="0">
+            <a:schemeClr val="accent6"/>
+          </a:effectRef>
+          <a:fontRef idx="minor">
+            <a:schemeClr val="dk1"/>
+          </a:fontRef>
+        </p:style>
+        <p:txBody>
+          <a:bodyPr rtlCol="0" anchor="ctr"/>
+          <a:lstStyle/>
+          <a:p>
+            <a:pPr algn="ctr"/>
+            <a:endParaRPr lang="en-US" dirty="0"/>
+          </a:p>
+        </p:txBody>
+      </p:sp>
+      <p:sp>
+        <p:nvSpPr>
+          <p:cNvPr id="33" name="Arrow: Left 32">
+            <a:extLst>
+              <a:ext uri="{FF2B5EF4-FFF2-40B4-BE49-F238E27FC236}">
+                <a16:creationId xmlns:a16="http://schemas.microsoft.com/office/drawing/2014/main" id="{24F52156-EA45-4409-99AB-697CB545842B}"/>
+              </a:ext>
+            </a:extLst>
+          </p:cNvPr>
+          <p:cNvSpPr/>
+          <p:nvPr/>
+        </p:nvSpPr>
+        <p:spPr>
+          <a:xfrm rot="10800000">
+            <a:off x="2573880" y="3428995"/>
+            <a:ext cx="2561072" cy="244781"/>
+          </a:xfrm>
+          <a:prstGeom prst="leftArrow">
+            <a:avLst/>
+          </a:prstGeom>
+          <a:solidFill>
+            <a:schemeClr val="accent6">
+              <a:lumMod val="50000"/>
+            </a:schemeClr>
+          </a:solidFill>
+          <a:ln>
+            <a:noFill/>
+          </a:ln>
+        </p:spPr>
+        <p:style>
+          <a:lnRef idx="2">
+            <a:schemeClr val="accent6"/>
+          </a:lnRef>
+          <a:fillRef idx="1">
+            <a:schemeClr val="lt1"/>
+          </a:fillRef>
+          <a:effectRef idx="0">
+            <a:schemeClr val="accent6"/>
+          </a:effectRef>
+          <a:fontRef idx="minor">
+            <a:schemeClr val="dk1"/>
+          </a:fontRef>
+        </p:style>
+        <p:txBody>
+          <a:bodyPr rtlCol="0" anchor="ctr"/>
+          <a:lstStyle/>
+          <a:p>
+            <a:pPr algn="ctr"/>
+            <a:endParaRPr lang="en-US"/>
+          </a:p>
+        </p:txBody>
+      </p:sp>
+      <p:sp>
+        <p:nvSpPr>
+          <p:cNvPr id="36" name="Oval 35">
+            <a:extLst>
+              <a:ext uri="{FF2B5EF4-FFF2-40B4-BE49-F238E27FC236}">
+                <a16:creationId xmlns:a16="http://schemas.microsoft.com/office/drawing/2014/main" id="{D45D7D4C-F4A4-49CF-A48E-86E55368F54E}"/>
+              </a:ext>
+            </a:extLst>
+          </p:cNvPr>
+          <p:cNvSpPr/>
+          <p:nvPr/>
+        </p:nvSpPr>
+        <p:spPr>
+          <a:xfrm>
+            <a:off x="3731204" y="3133509"/>
+            <a:ext cx="213102" cy="213102"/>
+          </a:xfrm>
+          <a:prstGeom prst="ellipse">
+            <a:avLst/>
+          </a:prstGeom>
+          <a:solidFill>
+            <a:schemeClr val="bg1"/>
+          </a:solidFill>
+          <a:ln>
+            <a:solidFill>
+              <a:schemeClr val="accent6">
+                <a:lumMod val="75000"/>
+              </a:schemeClr>
+            </a:solidFill>
+          </a:ln>
+        </p:spPr>
+        <p:style>
+          <a:lnRef idx="2">
+            <a:schemeClr val="accent6"/>
+          </a:lnRef>
+          <a:fillRef idx="1">
+            <a:schemeClr val="lt1"/>
+          </a:fillRef>
+          <a:effectRef idx="0">
+            <a:schemeClr val="accent6"/>
+          </a:effectRef>
+          <a:fontRef idx="minor">
+            <a:schemeClr val="dk1"/>
+          </a:fontRef>
+        </p:style>
+        <p:txBody>
+          <a:bodyPr rtlCol="0" anchor="ctr"/>
+          <a:lstStyle/>
+          <a:p>
+            <a:pPr algn="ctr"/>
+            <a:r>
+              <a:rPr lang="en-US" sz="1100" dirty="0"/>
+              <a:t>2</a:t>
+            </a:r>
+          </a:p>
+        </p:txBody>
+      </p:sp>
+      <p:sp>
+        <p:nvSpPr>
+          <p:cNvPr id="37" name="Oval 36">
+            <a:extLst>
+              <a:ext uri="{FF2B5EF4-FFF2-40B4-BE49-F238E27FC236}">
+                <a16:creationId xmlns:a16="http://schemas.microsoft.com/office/drawing/2014/main" id="{32E38557-B5B2-428A-AF4D-D86F7ED82106}"/>
+              </a:ext>
+            </a:extLst>
+          </p:cNvPr>
+          <p:cNvSpPr/>
+          <p:nvPr/>
+        </p:nvSpPr>
+        <p:spPr>
+          <a:xfrm>
+            <a:off x="3747865" y="3517231"/>
+            <a:ext cx="213102" cy="213102"/>
+          </a:xfrm>
+          <a:prstGeom prst="ellipse">
+            <a:avLst/>
+          </a:prstGeom>
+          <a:solidFill>
+            <a:schemeClr val="bg1"/>
+          </a:solidFill>
+          <a:ln>
+            <a:solidFill>
+              <a:schemeClr val="accent6">
+                <a:lumMod val="75000"/>
+              </a:schemeClr>
+            </a:solidFill>
+          </a:ln>
+        </p:spPr>
+        <p:style>
+          <a:lnRef idx="2">
+            <a:schemeClr val="accent6"/>
+          </a:lnRef>
+          <a:fillRef idx="1">
+            <a:schemeClr val="lt1"/>
+          </a:fillRef>
+          <a:effectRef idx="0">
+            <a:schemeClr val="accent6"/>
+          </a:effectRef>
+          <a:fontRef idx="minor">
+            <a:schemeClr val="dk1"/>
+          </a:fontRef>
+        </p:style>
+        <p:txBody>
+          <a:bodyPr rtlCol="0" anchor="ctr"/>
+          <a:lstStyle/>
+          <a:p>
+            <a:pPr algn="ctr"/>
+            <a:r>
+              <a:rPr lang="en-US" sz="1100" dirty="0"/>
+              <a:t>3</a:t>
+            </a:r>
+          </a:p>
+        </p:txBody>
+      </p:sp>
+      <p:sp>
+        <p:nvSpPr>
+          <p:cNvPr id="25" name="Arrow: Left 24">
+            <a:extLst>
+              <a:ext uri="{FF2B5EF4-FFF2-40B4-BE49-F238E27FC236}">
+                <a16:creationId xmlns:a16="http://schemas.microsoft.com/office/drawing/2014/main" id="{96460475-F11F-49B2-98F1-E775E25319F7}"/>
+              </a:ext>
+            </a:extLst>
+          </p:cNvPr>
+          <p:cNvSpPr/>
+          <p:nvPr/>
+        </p:nvSpPr>
+        <p:spPr>
+          <a:xfrm>
+            <a:off x="6983924" y="3184216"/>
+            <a:ext cx="2561072" cy="244781"/>
+          </a:xfrm>
+          <a:prstGeom prst="leftArrow">
+            <a:avLst/>
+          </a:prstGeom>
+          <a:solidFill>
+            <a:schemeClr val="accent6">
+              <a:lumMod val="50000"/>
+            </a:schemeClr>
+          </a:solidFill>
+          <a:ln>
+            <a:noFill/>
+          </a:ln>
+        </p:spPr>
+        <p:style>
+          <a:lnRef idx="2">
+            <a:schemeClr val="accent6"/>
+          </a:lnRef>
+          <a:fillRef idx="1">
+            <a:schemeClr val="lt1"/>
+          </a:fillRef>
+          <a:effectRef idx="0">
+            <a:schemeClr val="accent6"/>
+          </a:effectRef>
+          <a:fontRef idx="minor">
+            <a:schemeClr val="dk1"/>
+          </a:fontRef>
+        </p:style>
+        <p:txBody>
+          <a:bodyPr rtlCol="0" anchor="ctr"/>
+          <a:lstStyle/>
+          <a:p>
+            <a:pPr algn="ctr"/>
+            <a:endParaRPr lang="en-US"/>
+          </a:p>
+        </p:txBody>
+      </p:sp>
+      <p:sp>
+        <p:nvSpPr>
+          <p:cNvPr id="34" name="Arrow: Left 33">
+            <a:extLst>
+              <a:ext uri="{FF2B5EF4-FFF2-40B4-BE49-F238E27FC236}">
+                <a16:creationId xmlns:a16="http://schemas.microsoft.com/office/drawing/2014/main" id="{E3811EDC-168E-4E92-A4B5-A006FFA44A6B}"/>
+              </a:ext>
+            </a:extLst>
+          </p:cNvPr>
+          <p:cNvSpPr/>
+          <p:nvPr/>
+        </p:nvSpPr>
+        <p:spPr>
+          <a:xfrm rot="10800000">
+            <a:off x="7023001" y="3428995"/>
+            <a:ext cx="2561074" cy="244781"/>
+          </a:xfrm>
+          <a:prstGeom prst="leftArrow">
+            <a:avLst/>
+          </a:prstGeom>
+          <a:solidFill>
+            <a:schemeClr val="accent6">
+              <a:lumMod val="50000"/>
+            </a:schemeClr>
+          </a:solidFill>
+          <a:ln>
+            <a:noFill/>
+          </a:ln>
+        </p:spPr>
+        <p:style>
+          <a:lnRef idx="2">
+            <a:schemeClr val="accent6"/>
+          </a:lnRef>
+          <a:fillRef idx="1">
+            <a:schemeClr val="lt1"/>
+          </a:fillRef>
+          <a:effectRef idx="0">
+            <a:schemeClr val="accent6"/>
+          </a:effectRef>
+          <a:fontRef idx="minor">
+            <a:schemeClr val="dk1"/>
+          </a:fontRef>
+        </p:style>
+        <p:txBody>
+          <a:bodyPr rtlCol="0" anchor="ctr"/>
+          <a:lstStyle/>
+          <a:p>
+            <a:pPr algn="ctr"/>
+            <a:endParaRPr lang="en-US"/>
+          </a:p>
+        </p:txBody>
+      </p:sp>
+      <p:sp>
+        <p:nvSpPr>
+          <p:cNvPr id="35" name="Oval 34">
+            <a:extLst>
+              <a:ext uri="{FF2B5EF4-FFF2-40B4-BE49-F238E27FC236}">
+                <a16:creationId xmlns:a16="http://schemas.microsoft.com/office/drawing/2014/main" id="{AD941C95-B5E0-446B-9271-A637A90F9A8B}"/>
+              </a:ext>
+            </a:extLst>
+          </p:cNvPr>
+          <p:cNvSpPr/>
+          <p:nvPr/>
+        </p:nvSpPr>
+        <p:spPr>
+          <a:xfrm>
+            <a:off x="8157908" y="3124544"/>
+            <a:ext cx="213102" cy="213102"/>
+          </a:xfrm>
+          <a:prstGeom prst="ellipse">
+            <a:avLst/>
+          </a:prstGeom>
+          <a:solidFill>
+            <a:schemeClr val="bg1"/>
+          </a:solidFill>
+          <a:ln>
+            <a:solidFill>
+              <a:schemeClr val="accent6">
+                <a:lumMod val="75000"/>
+              </a:schemeClr>
+            </a:solidFill>
+          </a:ln>
+        </p:spPr>
+        <p:style>
+          <a:lnRef idx="2">
+            <a:schemeClr val="accent6"/>
+          </a:lnRef>
+          <a:fillRef idx="1">
+            <a:schemeClr val="lt1"/>
+          </a:fillRef>
+          <a:effectRef idx="0">
+            <a:schemeClr val="accent6"/>
+          </a:effectRef>
+          <a:fontRef idx="minor">
+            <a:schemeClr val="dk1"/>
+          </a:fontRef>
+        </p:style>
+        <p:txBody>
+          <a:bodyPr rtlCol="0" anchor="ctr"/>
+          <a:lstStyle/>
+          <a:p>
+            <a:pPr algn="ctr"/>
+            <a:r>
+              <a:rPr lang="en-US" sz="1100" dirty="0"/>
+              <a:t>1</a:t>
+            </a:r>
+          </a:p>
+        </p:txBody>
+      </p:sp>
+      <p:sp>
+        <p:nvSpPr>
+          <p:cNvPr id="39" name="Oval 38">
+            <a:extLst>
+              <a:ext uri="{FF2B5EF4-FFF2-40B4-BE49-F238E27FC236}">
+                <a16:creationId xmlns:a16="http://schemas.microsoft.com/office/drawing/2014/main" id="{172144BB-51D7-4A55-B9D2-A238EA365651}"/>
+              </a:ext>
+            </a:extLst>
+          </p:cNvPr>
+          <p:cNvSpPr/>
+          <p:nvPr/>
+        </p:nvSpPr>
+        <p:spPr>
+          <a:xfrm>
+            <a:off x="8163678" y="3551387"/>
+            <a:ext cx="213102" cy="213102"/>
+          </a:xfrm>
+          <a:prstGeom prst="ellipse">
+            <a:avLst/>
+          </a:prstGeom>
+          <a:solidFill>
+            <a:schemeClr val="bg1"/>
+          </a:solidFill>
+          <a:ln>
+            <a:solidFill>
+              <a:schemeClr val="accent6">
+                <a:lumMod val="75000"/>
+              </a:schemeClr>
+            </a:solidFill>
+          </a:ln>
+        </p:spPr>
+        <p:style>
+          <a:lnRef idx="2">
+            <a:schemeClr val="accent6"/>
+          </a:lnRef>
+          <a:fillRef idx="1">
+            <a:schemeClr val="lt1"/>
+          </a:fillRef>
+          <a:effectRef idx="0">
+            <a:schemeClr val="accent6"/>
+          </a:effectRef>
+          <a:fontRef idx="minor">
+            <a:schemeClr val="dk1"/>
+          </a:fontRef>
+        </p:style>
+        <p:txBody>
+          <a:bodyPr rtlCol="0" anchor="ctr"/>
+          <a:lstStyle/>
+          <a:p>
+            <a:pPr algn="ctr"/>
+            <a:r>
+              <a:rPr lang="en-US" sz="1100" dirty="0"/>
+              <a:t>4</a:t>
+            </a:r>
+          </a:p>
+        </p:txBody>
+      </p:sp>
+      <p:graphicFrame>
+        <p:nvGraphicFramePr>
+          <p:cNvPr id="84" name="Table 84">
+            <a:extLst>
+              <a:ext uri="{FF2B5EF4-FFF2-40B4-BE49-F238E27FC236}">
+                <a16:creationId xmlns:a16="http://schemas.microsoft.com/office/drawing/2014/main" id="{653AE111-FEEA-4542-89BC-7AD0F6C61AA1}"/>
+              </a:ext>
+            </a:extLst>
+          </p:cNvPr>
+          <p:cNvGraphicFramePr>
+            <a:graphicFrameLocks noGrp="1"/>
+          </p:cNvGraphicFramePr>
+          <p:nvPr>
+            <p:extLst>
+              <p:ext uri="{D42A27DB-BD31-4B8C-83A1-F6EECF244321}">
+                <p14:modId xmlns:p14="http://schemas.microsoft.com/office/powerpoint/2010/main" val="3811211259"/>
+              </p:ext>
+            </p:extLst>
+          </p:nvPr>
+        </p:nvGraphicFramePr>
+        <p:xfrm>
+          <a:off x="7575546" y="1940729"/>
+          <a:ext cx="1378588" cy="1112520"/>
+        </p:xfrm>
+        <a:graphic>
+          <a:graphicData uri="http://schemas.openxmlformats.org/drawingml/2006/table">
+            <a:tbl>
+              <a:tblPr>
+                <a:tableStyleId>{E8B1032C-EA38-4F05-BA0D-38AFFFC7BED3}</a:tableStyleId>
+              </a:tblPr>
+              <a:tblGrid>
+                <a:gridCol w="1378588">
+                  <a:extLst>
+                    <a:ext uri="{9D8B030D-6E8A-4147-A177-3AD203B41FA5}">
+                      <a16:colId xmlns:a16="http://schemas.microsoft.com/office/drawing/2014/main" val="291790476"/>
+                    </a:ext>
+                  </a:extLst>
+                </a:gridCol>
+              </a:tblGrid>
+              <a:tr h="370840">
+                <a:tc>
+                  <a:txBody>
+                    <a:bodyPr/>
+                    <a:lstStyle/>
+                    <a:p>
+                      <a:pPr algn="ctr"/>
+                      <a:r>
+                        <a:rPr lang="en-US" sz="1600" dirty="0"/>
+                        <a:t>HTTP Request</a:t>
+                      </a:r>
+                    </a:p>
+                  </a:txBody>
+                  <a:tcPr anchor="ctr"/>
+                </a:tc>
+                <a:extLst>
+                  <a:ext uri="{0D108BD9-81ED-4DB2-BD59-A6C34878D82A}">
+                    <a16:rowId xmlns:a16="http://schemas.microsoft.com/office/drawing/2014/main" val="1710575467"/>
+                  </a:ext>
+                </a:extLst>
+              </a:tr>
+              <a:tr h="370840">
+                <a:tc>
+                  <a:txBody>
+                    <a:bodyPr/>
+                    <a:lstStyle/>
+                    <a:p>
+                      <a:pPr algn="ctr"/>
+                      <a:r>
+                        <a:rPr lang="en-US" sz="1600" dirty="0"/>
+                        <a:t>TCP</a:t>
+                      </a:r>
+                    </a:p>
+                  </a:txBody>
+                  <a:tcPr anchor="ctr"/>
+                </a:tc>
+                <a:extLst>
+                  <a:ext uri="{0D108BD9-81ED-4DB2-BD59-A6C34878D82A}">
+                    <a16:rowId xmlns:a16="http://schemas.microsoft.com/office/drawing/2014/main" val="3127025209"/>
+                  </a:ext>
+                </a:extLst>
+              </a:tr>
+              <a:tr h="370840">
+                <a:tc>
+                  <a:txBody>
+                    <a:bodyPr/>
+                    <a:lstStyle/>
+                    <a:p>
+                      <a:pPr algn="ctr"/>
+                      <a:r>
+                        <a:rPr lang="en-US" sz="1600" dirty="0"/>
+                        <a:t>IP</a:t>
+                      </a:r>
+                    </a:p>
+                  </a:txBody>
+                  <a:tcPr anchor="ctr"/>
+                </a:tc>
+                <a:extLst>
+                  <a:ext uri="{0D108BD9-81ED-4DB2-BD59-A6C34878D82A}">
+                    <a16:rowId xmlns:a16="http://schemas.microsoft.com/office/drawing/2014/main" val="915169208"/>
+                  </a:ext>
+                </a:extLst>
+              </a:tr>
+            </a:tbl>
+          </a:graphicData>
+        </a:graphic>
+      </p:graphicFrame>
+      <p:graphicFrame>
+        <p:nvGraphicFramePr>
+          <p:cNvPr id="86" name="Table 84">
+            <a:extLst>
+              <a:ext uri="{FF2B5EF4-FFF2-40B4-BE49-F238E27FC236}">
+                <a16:creationId xmlns:a16="http://schemas.microsoft.com/office/drawing/2014/main" id="{9A03959A-B33A-4DE1-8E31-D808929B3803}"/>
+              </a:ext>
+            </a:extLst>
+          </p:cNvPr>
+          <p:cNvGraphicFramePr>
+            <a:graphicFrameLocks noGrp="1"/>
+          </p:cNvGraphicFramePr>
+          <p:nvPr>
+            <p:extLst>
+              <p:ext uri="{D42A27DB-BD31-4B8C-83A1-F6EECF244321}">
+                <p14:modId xmlns:p14="http://schemas.microsoft.com/office/powerpoint/2010/main" val="2594754251"/>
+              </p:ext>
+            </p:extLst>
+          </p:nvPr>
+        </p:nvGraphicFramePr>
+        <p:xfrm>
+          <a:off x="3144258" y="1914439"/>
+          <a:ext cx="1378588" cy="1112520"/>
+        </p:xfrm>
+        <a:graphic>
+          <a:graphicData uri="http://schemas.openxmlformats.org/drawingml/2006/table">
+            <a:tbl>
+              <a:tblPr>
+                <a:tableStyleId>{E8B1032C-EA38-4F05-BA0D-38AFFFC7BED3}</a:tableStyleId>
+              </a:tblPr>
+              <a:tblGrid>
+                <a:gridCol w="1378588">
+                  <a:extLst>
+                    <a:ext uri="{9D8B030D-6E8A-4147-A177-3AD203B41FA5}">
+                      <a16:colId xmlns:a16="http://schemas.microsoft.com/office/drawing/2014/main" val="291790476"/>
+                    </a:ext>
+                  </a:extLst>
+                </a:gridCol>
+              </a:tblGrid>
+              <a:tr h="370840">
+                <a:tc>
+                  <a:txBody>
+                    <a:bodyPr/>
+                    <a:lstStyle/>
+                    <a:p>
+                      <a:pPr algn="ctr"/>
+                      <a:r>
+                        <a:rPr lang="en-US" sz="1600" dirty="0"/>
+                        <a:t>HTTP Request</a:t>
+                      </a:r>
+                    </a:p>
+                  </a:txBody>
+                  <a:tcPr anchor="ctr"/>
+                </a:tc>
+                <a:extLst>
+                  <a:ext uri="{0D108BD9-81ED-4DB2-BD59-A6C34878D82A}">
+                    <a16:rowId xmlns:a16="http://schemas.microsoft.com/office/drawing/2014/main" val="1710575467"/>
+                  </a:ext>
+                </a:extLst>
+              </a:tr>
+              <a:tr h="370840">
+                <a:tc>
+                  <a:txBody>
+                    <a:bodyPr/>
+                    <a:lstStyle/>
+                    <a:p>
+                      <a:pPr algn="ctr"/>
+                      <a:r>
+                        <a:rPr lang="en-US" sz="1600" dirty="0"/>
+                        <a:t>TCP</a:t>
+                      </a:r>
+                    </a:p>
+                  </a:txBody>
+                  <a:tcPr anchor="ctr"/>
+                </a:tc>
+                <a:extLst>
+                  <a:ext uri="{0D108BD9-81ED-4DB2-BD59-A6C34878D82A}">
+                    <a16:rowId xmlns:a16="http://schemas.microsoft.com/office/drawing/2014/main" val="3127025209"/>
+                  </a:ext>
+                </a:extLst>
+              </a:tr>
+              <a:tr h="370840">
+                <a:tc>
+                  <a:txBody>
+                    <a:bodyPr/>
+                    <a:lstStyle/>
+                    <a:p>
+                      <a:pPr algn="ctr"/>
+                      <a:r>
+                        <a:rPr lang="en-US" sz="1600" dirty="0"/>
+                        <a:t>IP</a:t>
+                      </a:r>
+                    </a:p>
+                  </a:txBody>
+                  <a:tcPr anchor="ctr"/>
+                </a:tc>
+                <a:extLst>
+                  <a:ext uri="{0D108BD9-81ED-4DB2-BD59-A6C34878D82A}">
+                    <a16:rowId xmlns:a16="http://schemas.microsoft.com/office/drawing/2014/main" val="915169208"/>
+                  </a:ext>
+                </a:extLst>
+              </a:tr>
+            </a:tbl>
+          </a:graphicData>
+        </a:graphic>
+      </p:graphicFrame>
+      <p:graphicFrame>
+        <p:nvGraphicFramePr>
+          <p:cNvPr id="88" name="Table 84">
+            <a:extLst>
+              <a:ext uri="{FF2B5EF4-FFF2-40B4-BE49-F238E27FC236}">
+                <a16:creationId xmlns:a16="http://schemas.microsoft.com/office/drawing/2014/main" id="{C140C49D-EE51-4AC5-A7E1-18C3B64E46B2}"/>
+              </a:ext>
+            </a:extLst>
+          </p:cNvPr>
+          <p:cNvGraphicFramePr>
+            <a:graphicFrameLocks noGrp="1"/>
+          </p:cNvGraphicFramePr>
+          <p:nvPr>
+            <p:extLst>
+              <p:ext uri="{D42A27DB-BD31-4B8C-83A1-F6EECF244321}">
+                <p14:modId xmlns:p14="http://schemas.microsoft.com/office/powerpoint/2010/main" val="556452826"/>
+              </p:ext>
+            </p:extLst>
+          </p:nvPr>
+        </p:nvGraphicFramePr>
+        <p:xfrm>
+          <a:off x="3144258" y="3886879"/>
+          <a:ext cx="1378588" cy="1691640"/>
+        </p:xfrm>
+        <a:graphic>
+          <a:graphicData uri="http://schemas.openxmlformats.org/drawingml/2006/table">
+            <a:tbl>
+              <a:tblPr>
+                <a:tableStyleId>{E8B1032C-EA38-4F05-BA0D-38AFFFC7BED3}</a:tableStyleId>
+              </a:tblPr>
+              <a:tblGrid>
+                <a:gridCol w="1378588">
+                  <a:extLst>
+                    <a:ext uri="{9D8B030D-6E8A-4147-A177-3AD203B41FA5}">
+                      <a16:colId xmlns:a16="http://schemas.microsoft.com/office/drawing/2014/main" val="291790476"/>
+                    </a:ext>
+                  </a:extLst>
+                </a:gridCol>
+              </a:tblGrid>
+              <a:tr h="370840">
+                <a:tc>
+                  <a:txBody>
+                    <a:bodyPr/>
+                    <a:lstStyle/>
+                    <a:p>
+                      <a:pPr algn="ctr"/>
+                      <a:r>
+                        <a:rPr lang="en-US" sz="1600" dirty="0"/>
+                        <a:t>JSON</a:t>
+                      </a:r>
+                    </a:p>
+                  </a:txBody>
+                  <a:tcPr anchor="ctr"/>
+                </a:tc>
+                <a:extLst>
+                  <a:ext uri="{0D108BD9-81ED-4DB2-BD59-A6C34878D82A}">
+                    <a16:rowId xmlns:a16="http://schemas.microsoft.com/office/drawing/2014/main" val="1097130139"/>
+                  </a:ext>
+                </a:extLst>
+              </a:tr>
+              <a:tr h="370840">
+                <a:tc>
+                  <a:txBody>
+                    <a:bodyPr/>
+                    <a:lstStyle/>
+                    <a:p>
+                      <a:pPr algn="ctr"/>
+                      <a:r>
+                        <a:rPr lang="en-US" sz="1600" dirty="0"/>
+                        <a:t>HTTP Response</a:t>
+                      </a:r>
+                    </a:p>
+                  </a:txBody>
+                  <a:tcPr anchor="ctr"/>
+                </a:tc>
+                <a:extLst>
+                  <a:ext uri="{0D108BD9-81ED-4DB2-BD59-A6C34878D82A}">
+                    <a16:rowId xmlns:a16="http://schemas.microsoft.com/office/drawing/2014/main" val="1710575467"/>
+                  </a:ext>
+                </a:extLst>
+              </a:tr>
+              <a:tr h="370840">
+                <a:tc>
+                  <a:txBody>
+                    <a:bodyPr/>
+                    <a:lstStyle/>
+                    <a:p>
+                      <a:pPr algn="ctr"/>
+                      <a:r>
+                        <a:rPr lang="en-US" sz="1600" dirty="0"/>
+                        <a:t>TCP</a:t>
+                      </a:r>
+                    </a:p>
+                  </a:txBody>
+                  <a:tcPr anchor="ctr"/>
+                </a:tc>
+                <a:extLst>
+                  <a:ext uri="{0D108BD9-81ED-4DB2-BD59-A6C34878D82A}">
+                    <a16:rowId xmlns:a16="http://schemas.microsoft.com/office/drawing/2014/main" val="3127025209"/>
+                  </a:ext>
+                </a:extLst>
+              </a:tr>
+              <a:tr h="370840">
+                <a:tc>
+                  <a:txBody>
+                    <a:bodyPr/>
+                    <a:lstStyle/>
+                    <a:p>
+                      <a:pPr algn="ctr"/>
+                      <a:r>
+                        <a:rPr lang="en-US" sz="1600" dirty="0"/>
+                        <a:t>IP</a:t>
+                      </a:r>
+                    </a:p>
+                  </a:txBody>
+                  <a:tcPr anchor="ctr"/>
+                </a:tc>
+                <a:extLst>
+                  <a:ext uri="{0D108BD9-81ED-4DB2-BD59-A6C34878D82A}">
+                    <a16:rowId xmlns:a16="http://schemas.microsoft.com/office/drawing/2014/main" val="915169208"/>
+                  </a:ext>
+                </a:extLst>
+              </a:tr>
+            </a:tbl>
+          </a:graphicData>
+        </a:graphic>
+      </p:graphicFrame>
+      <p:graphicFrame>
+        <p:nvGraphicFramePr>
+          <p:cNvPr id="90" name="Table 84">
+            <a:extLst>
+              <a:ext uri="{FF2B5EF4-FFF2-40B4-BE49-F238E27FC236}">
+                <a16:creationId xmlns:a16="http://schemas.microsoft.com/office/drawing/2014/main" id="{0BEEBD15-9734-4C4D-A766-F0AFE729DA74}"/>
+              </a:ext>
+            </a:extLst>
+          </p:cNvPr>
+          <p:cNvGraphicFramePr>
+            <a:graphicFrameLocks noGrp="1"/>
+          </p:cNvGraphicFramePr>
+          <p:nvPr>
+            <p:extLst>
+              <p:ext uri="{D42A27DB-BD31-4B8C-83A1-F6EECF244321}">
+                <p14:modId xmlns:p14="http://schemas.microsoft.com/office/powerpoint/2010/main" val="1310102474"/>
+              </p:ext>
+            </p:extLst>
+          </p:nvPr>
+        </p:nvGraphicFramePr>
+        <p:xfrm>
+          <a:off x="7574785" y="3886879"/>
+          <a:ext cx="1378588" cy="1691640"/>
+        </p:xfrm>
+        <a:graphic>
+          <a:graphicData uri="http://schemas.openxmlformats.org/drawingml/2006/table">
+            <a:tbl>
+              <a:tblPr>
+                <a:tableStyleId>{E8B1032C-EA38-4F05-BA0D-38AFFFC7BED3}</a:tableStyleId>
+              </a:tblPr>
+              <a:tblGrid>
+                <a:gridCol w="1378588">
+                  <a:extLst>
+                    <a:ext uri="{9D8B030D-6E8A-4147-A177-3AD203B41FA5}">
+                      <a16:colId xmlns:a16="http://schemas.microsoft.com/office/drawing/2014/main" val="291790476"/>
+                    </a:ext>
+                  </a:extLst>
+                </a:gridCol>
+              </a:tblGrid>
+              <a:tr h="370840">
+                <a:tc>
+                  <a:txBody>
+                    <a:bodyPr/>
+                    <a:lstStyle/>
+                    <a:p>
+                      <a:pPr algn="ctr"/>
+                      <a:r>
+                        <a:rPr lang="en-US" sz="1600" dirty="0"/>
+                        <a:t>HTML</a:t>
+                      </a:r>
+                    </a:p>
+                  </a:txBody>
+                  <a:tcPr anchor="ctr"/>
+                </a:tc>
+                <a:extLst>
+                  <a:ext uri="{0D108BD9-81ED-4DB2-BD59-A6C34878D82A}">
+                    <a16:rowId xmlns:a16="http://schemas.microsoft.com/office/drawing/2014/main" val="1097130139"/>
+                  </a:ext>
+                </a:extLst>
+              </a:tr>
+              <a:tr h="370840">
+                <a:tc>
+                  <a:txBody>
+                    <a:bodyPr/>
+                    <a:lstStyle/>
+                    <a:p>
+                      <a:pPr algn="ctr"/>
+                      <a:r>
+                        <a:rPr lang="en-US" sz="1600" dirty="0"/>
+                        <a:t>HTTP Response</a:t>
+                      </a:r>
+                    </a:p>
+                  </a:txBody>
+                  <a:tcPr anchor="ctr"/>
+                </a:tc>
+                <a:extLst>
+                  <a:ext uri="{0D108BD9-81ED-4DB2-BD59-A6C34878D82A}">
+                    <a16:rowId xmlns:a16="http://schemas.microsoft.com/office/drawing/2014/main" val="1710575467"/>
+                  </a:ext>
+                </a:extLst>
+              </a:tr>
+              <a:tr h="370840">
+                <a:tc>
+                  <a:txBody>
+                    <a:bodyPr/>
+                    <a:lstStyle/>
+                    <a:p>
+                      <a:pPr algn="ctr"/>
+                      <a:r>
+                        <a:rPr lang="en-US" sz="1600" dirty="0"/>
+                        <a:t>TCP</a:t>
+                      </a:r>
+                    </a:p>
+                  </a:txBody>
+                  <a:tcPr anchor="ctr"/>
+                </a:tc>
+                <a:extLst>
+                  <a:ext uri="{0D108BD9-81ED-4DB2-BD59-A6C34878D82A}">
+                    <a16:rowId xmlns:a16="http://schemas.microsoft.com/office/drawing/2014/main" val="3127025209"/>
+                  </a:ext>
+                </a:extLst>
+              </a:tr>
+              <a:tr h="370840">
+                <a:tc>
+                  <a:txBody>
+                    <a:bodyPr/>
+                    <a:lstStyle/>
+                    <a:p>
+                      <a:pPr algn="ctr"/>
+                      <a:r>
+                        <a:rPr lang="en-US" sz="1600" dirty="0"/>
+                        <a:t>IP</a:t>
+                      </a:r>
+                    </a:p>
+                  </a:txBody>
+                  <a:tcPr anchor="ctr"/>
+                </a:tc>
+                <a:extLst>
+                  <a:ext uri="{0D108BD9-81ED-4DB2-BD59-A6C34878D82A}">
+                    <a16:rowId xmlns:a16="http://schemas.microsoft.com/office/drawing/2014/main" val="915169208"/>
+                  </a:ext>
+                </a:extLst>
+              </a:tr>
+            </a:tbl>
+          </a:graphicData>
+        </a:graphic>
+      </p:graphicFrame>
+      <p:grpSp>
+        <p:nvGrpSpPr>
+          <p:cNvPr id="94" name="Group 93">
+            <a:extLst>
+              <a:ext uri="{FF2B5EF4-FFF2-40B4-BE49-F238E27FC236}">
+                <a16:creationId xmlns:a16="http://schemas.microsoft.com/office/drawing/2014/main" id="{F57358B7-2809-4C08-87E3-A2FEAC00263B}"/>
+              </a:ext>
+            </a:extLst>
+          </p:cNvPr>
+          <p:cNvGrpSpPr/>
+          <p:nvPr/>
+        </p:nvGrpSpPr>
+        <p:grpSpPr>
+          <a:xfrm>
+            <a:off x="6377154" y="2221304"/>
+            <a:ext cx="394472" cy="1078768"/>
+            <a:chOff x="6377154" y="2221304"/>
+            <a:chExt cx="394472" cy="1078768"/>
+          </a:xfrm>
+        </p:grpSpPr>
+        <p:sp>
+          <p:nvSpPr>
+            <p:cNvPr id="91" name="Arrow: Up 90">
+              <a:extLst>
+                <a:ext uri="{FF2B5EF4-FFF2-40B4-BE49-F238E27FC236}">
+                  <a16:creationId xmlns:a16="http://schemas.microsoft.com/office/drawing/2014/main" id="{6EE60A8D-E6F8-4B53-80DB-E241F20F4414}"/>
+                </a:ext>
+              </a:extLst>
+            </p:cNvPr>
+            <p:cNvSpPr/>
+            <p:nvPr/>
+          </p:nvSpPr>
+          <p:spPr>
+            <a:xfrm>
+              <a:off x="6558524" y="2221304"/>
+              <a:ext cx="213102" cy="1078768"/>
+            </a:xfrm>
+            <a:prstGeom prst="upArrow">
+              <a:avLst/>
+            </a:prstGeom>
+            <a:solidFill>
+              <a:schemeClr val="accent6">
+                <a:lumMod val="60000"/>
+                <a:lumOff val="40000"/>
+              </a:schemeClr>
+            </a:solidFill>
+            <a:ln>
+              <a:noFill/>
+            </a:ln>
+          </p:spPr>
+          <p:style>
+            <a:lnRef idx="2">
+              <a:schemeClr val="accent6"/>
+            </a:lnRef>
+            <a:fillRef idx="1">
+              <a:schemeClr val="lt1"/>
+            </a:fillRef>
+            <a:effectRef idx="0">
+              <a:schemeClr val="accent6"/>
+            </a:effectRef>
+            <a:fontRef idx="minor">
+              <a:schemeClr val="dk1"/>
+            </a:fontRef>
+          </p:style>
+          <p:txBody>
+            <a:bodyPr rtlCol="0" anchor="ctr"/>
+            <a:lstStyle/>
+            <a:p>
+              <a:pPr algn="ctr"/>
+              <a:endParaRPr lang="en-US"/>
+            </a:p>
+          </p:txBody>
+        </p:sp>
+        <p:sp>
+          <p:nvSpPr>
+            <p:cNvPr id="93" name="Arrow: Up 92">
+              <a:extLst>
+                <a:ext uri="{FF2B5EF4-FFF2-40B4-BE49-F238E27FC236}">
+                  <a16:creationId xmlns:a16="http://schemas.microsoft.com/office/drawing/2014/main" id="{BCB8CC18-FD2D-492A-86A6-364F2E1E56A3}"/>
+                </a:ext>
+              </a:extLst>
+            </p:cNvPr>
+            <p:cNvSpPr/>
+            <p:nvPr/>
+          </p:nvSpPr>
+          <p:spPr>
+            <a:xfrm rot="10800000">
+              <a:off x="6377154" y="2221304"/>
+              <a:ext cx="213102" cy="1078768"/>
+            </a:xfrm>
+            <a:prstGeom prst="upArrow">
+              <a:avLst/>
+            </a:prstGeom>
+            <a:solidFill>
+              <a:schemeClr val="accent6">
+                <a:lumMod val="60000"/>
+                <a:lumOff val="40000"/>
+              </a:schemeClr>
+            </a:solidFill>
+            <a:ln>
+              <a:noFill/>
+            </a:ln>
+          </p:spPr>
+          <p:style>
+            <a:lnRef idx="2">
+              <a:schemeClr val="accent6"/>
+            </a:lnRef>
+            <a:fillRef idx="1">
+              <a:schemeClr val="lt1"/>
+            </a:fillRef>
+            <a:effectRef idx="0">
+              <a:schemeClr val="accent6"/>
+            </a:effectRef>
+            <a:fontRef idx="minor">
+              <a:schemeClr val="dk1"/>
+            </a:fontRef>
+          </p:style>
+          <p:txBody>
+            <a:bodyPr rtlCol="0" anchor="ctr"/>
+            <a:lstStyle/>
+            <a:p>
+              <a:pPr algn="ctr"/>
+              <a:endParaRPr lang="en-US"/>
+            </a:p>
+          </p:txBody>
+        </p:sp>
+      </p:grpSp>
+      <p:grpSp>
+        <p:nvGrpSpPr>
+          <p:cNvPr id="95" name="Group 94">
+            <a:extLst>
+              <a:ext uri="{FF2B5EF4-FFF2-40B4-BE49-F238E27FC236}">
+                <a16:creationId xmlns:a16="http://schemas.microsoft.com/office/drawing/2014/main" id="{75A2BF15-9B35-46A7-8AF8-B021C34C9BEC}"/>
+              </a:ext>
+            </a:extLst>
+          </p:cNvPr>
+          <p:cNvGrpSpPr/>
+          <p:nvPr/>
+        </p:nvGrpSpPr>
+        <p:grpSpPr>
+          <a:xfrm>
+            <a:off x="1953446" y="2221304"/>
+            <a:ext cx="394472" cy="1078768"/>
+            <a:chOff x="6377154" y="2221304"/>
+            <a:chExt cx="394472" cy="1078768"/>
+          </a:xfrm>
+        </p:grpSpPr>
+        <p:sp>
+          <p:nvSpPr>
+            <p:cNvPr id="96" name="Arrow: Up 95">
+              <a:extLst>
+                <a:ext uri="{FF2B5EF4-FFF2-40B4-BE49-F238E27FC236}">
+                  <a16:creationId xmlns:a16="http://schemas.microsoft.com/office/drawing/2014/main" id="{D4E87F9C-FDD6-4A24-A780-21216FE3D441}"/>
+                </a:ext>
+              </a:extLst>
+            </p:cNvPr>
+            <p:cNvSpPr/>
+            <p:nvPr/>
+          </p:nvSpPr>
+          <p:spPr>
+            <a:xfrm>
+              <a:off x="6558524" y="2221304"/>
+              <a:ext cx="213102" cy="1078768"/>
+            </a:xfrm>
+            <a:prstGeom prst="upArrow">
+              <a:avLst/>
+            </a:prstGeom>
+            <a:solidFill>
+              <a:schemeClr val="accent6">
+                <a:lumMod val="60000"/>
+                <a:lumOff val="40000"/>
+              </a:schemeClr>
+            </a:solidFill>
+            <a:ln>
+              <a:noFill/>
+            </a:ln>
+          </p:spPr>
+          <p:style>
+            <a:lnRef idx="2">
+              <a:schemeClr val="accent6"/>
+            </a:lnRef>
+            <a:fillRef idx="1">
+              <a:schemeClr val="lt1"/>
+            </a:fillRef>
+            <a:effectRef idx="0">
+              <a:schemeClr val="accent6"/>
+            </a:effectRef>
+            <a:fontRef idx="minor">
+              <a:schemeClr val="dk1"/>
+            </a:fontRef>
+          </p:style>
+          <p:txBody>
+            <a:bodyPr rtlCol="0" anchor="ctr"/>
+            <a:lstStyle/>
+            <a:p>
+              <a:pPr algn="ctr"/>
+              <a:endParaRPr lang="en-US"/>
+            </a:p>
+          </p:txBody>
+        </p:sp>
+        <p:sp>
+          <p:nvSpPr>
+            <p:cNvPr id="97" name="Arrow: Up 96">
+              <a:extLst>
+                <a:ext uri="{FF2B5EF4-FFF2-40B4-BE49-F238E27FC236}">
+                  <a16:creationId xmlns:a16="http://schemas.microsoft.com/office/drawing/2014/main" id="{685BD126-675C-4925-9E2C-E510FFD56278}"/>
+                </a:ext>
+              </a:extLst>
+            </p:cNvPr>
+            <p:cNvSpPr/>
+            <p:nvPr/>
+          </p:nvSpPr>
+          <p:spPr>
+            <a:xfrm rot="10800000">
+              <a:off x="6377154" y="2221304"/>
+              <a:ext cx="213102" cy="1078768"/>
+            </a:xfrm>
+            <a:prstGeom prst="upArrow">
+              <a:avLst/>
+            </a:prstGeom>
+            <a:solidFill>
+              <a:schemeClr val="accent6">
+                <a:lumMod val="60000"/>
+                <a:lumOff val="40000"/>
+              </a:schemeClr>
+            </a:solidFill>
+            <a:ln>
+              <a:noFill/>
+            </a:ln>
+          </p:spPr>
+          <p:style>
+            <a:lnRef idx="2">
+              <a:schemeClr val="accent6"/>
+            </a:lnRef>
+            <a:fillRef idx="1">
+              <a:schemeClr val="lt1"/>
+            </a:fillRef>
+            <a:effectRef idx="0">
+              <a:schemeClr val="accent6"/>
+            </a:effectRef>
+            <a:fontRef idx="minor">
+              <a:schemeClr val="dk1"/>
+            </a:fontRef>
+          </p:style>
+          <p:txBody>
+            <a:bodyPr rtlCol="0" anchor="ctr"/>
+            <a:lstStyle/>
+            <a:p>
+              <a:pPr algn="ctr"/>
+              <a:endParaRPr lang="en-US"/>
+            </a:p>
+          </p:txBody>
+        </p:sp>
+      </p:grpSp>
+      <p:grpSp>
+        <p:nvGrpSpPr>
+          <p:cNvPr id="98" name="Group 97">
+            <a:extLst>
+              <a:ext uri="{FF2B5EF4-FFF2-40B4-BE49-F238E27FC236}">
+                <a16:creationId xmlns:a16="http://schemas.microsoft.com/office/drawing/2014/main" id="{6E4CF67E-0260-4A49-947F-C7A275729510}"/>
+              </a:ext>
+            </a:extLst>
+          </p:cNvPr>
+          <p:cNvGrpSpPr/>
+          <p:nvPr/>
+        </p:nvGrpSpPr>
+        <p:grpSpPr>
+          <a:xfrm>
+            <a:off x="10856028" y="2227986"/>
+            <a:ext cx="394472" cy="1078768"/>
+            <a:chOff x="6377154" y="2221304"/>
+            <a:chExt cx="394472" cy="1078768"/>
+          </a:xfrm>
+        </p:grpSpPr>
+        <p:sp>
+          <p:nvSpPr>
+            <p:cNvPr id="99" name="Arrow: Up 98">
+              <a:extLst>
+                <a:ext uri="{FF2B5EF4-FFF2-40B4-BE49-F238E27FC236}">
+                  <a16:creationId xmlns:a16="http://schemas.microsoft.com/office/drawing/2014/main" id="{C04E0315-D21A-4AE4-85F9-8F48354B6629}"/>
+                </a:ext>
+              </a:extLst>
+            </p:cNvPr>
+            <p:cNvSpPr/>
+            <p:nvPr/>
+          </p:nvSpPr>
+          <p:spPr>
+            <a:xfrm>
+              <a:off x="6558524" y="2221304"/>
+              <a:ext cx="213102" cy="1078768"/>
+            </a:xfrm>
+            <a:prstGeom prst="upArrow">
+              <a:avLst/>
+            </a:prstGeom>
+            <a:solidFill>
+              <a:schemeClr val="accent6">
+                <a:lumMod val="60000"/>
+                <a:lumOff val="40000"/>
+              </a:schemeClr>
+            </a:solidFill>
+            <a:ln>
+              <a:noFill/>
+            </a:ln>
+          </p:spPr>
+          <p:style>
+            <a:lnRef idx="2">
+              <a:schemeClr val="accent6"/>
+            </a:lnRef>
+            <a:fillRef idx="1">
+              <a:schemeClr val="lt1"/>
+            </a:fillRef>
+            <a:effectRef idx="0">
+              <a:schemeClr val="accent6"/>
+            </a:effectRef>
+            <a:fontRef idx="minor">
+              <a:schemeClr val="dk1"/>
+            </a:fontRef>
+          </p:style>
+          <p:txBody>
+            <a:bodyPr rtlCol="0" anchor="ctr"/>
+            <a:lstStyle/>
+            <a:p>
+              <a:pPr algn="ctr"/>
+              <a:endParaRPr lang="en-US"/>
+            </a:p>
+          </p:txBody>
+        </p:sp>
+        <p:sp>
+          <p:nvSpPr>
+            <p:cNvPr id="100" name="Arrow: Up 99">
+              <a:extLst>
+                <a:ext uri="{FF2B5EF4-FFF2-40B4-BE49-F238E27FC236}">
+                  <a16:creationId xmlns:a16="http://schemas.microsoft.com/office/drawing/2014/main" id="{911C7348-6C42-4E4E-9473-BF86DAA9C785}"/>
+                </a:ext>
+              </a:extLst>
+            </p:cNvPr>
+            <p:cNvSpPr/>
+            <p:nvPr/>
+          </p:nvSpPr>
+          <p:spPr>
+            <a:xfrm rot="10800000">
+              <a:off x="6377154" y="2221304"/>
+              <a:ext cx="213102" cy="1078768"/>
+            </a:xfrm>
+            <a:prstGeom prst="upArrow">
+              <a:avLst/>
+            </a:prstGeom>
+            <a:solidFill>
+              <a:schemeClr val="accent6">
+                <a:lumMod val="60000"/>
+                <a:lumOff val="40000"/>
+              </a:schemeClr>
+            </a:solidFill>
+            <a:ln>
+              <a:noFill/>
+            </a:ln>
+          </p:spPr>
+          <p:style>
+            <a:lnRef idx="2">
+              <a:schemeClr val="accent6"/>
+            </a:lnRef>
+            <a:fillRef idx="1">
+              <a:schemeClr val="lt1"/>
+            </a:fillRef>
+            <a:effectRef idx="0">
+              <a:schemeClr val="accent6"/>
+            </a:effectRef>
+            <a:fontRef idx="minor">
+              <a:schemeClr val="dk1"/>
+            </a:fontRef>
+          </p:style>
+          <p:txBody>
+            <a:bodyPr rtlCol="0" anchor="ctr"/>
+            <a:lstStyle/>
+            <a:p>
+              <a:pPr algn="ctr"/>
+              <a:endParaRPr lang="en-US"/>
+            </a:p>
+          </p:txBody>
+        </p:sp>
+      </p:grpSp>
+      <p:sp>
+        <p:nvSpPr>
+          <p:cNvPr id="4" name="TextBox 3">
+            <a:extLst>
+              <a:ext uri="{FF2B5EF4-FFF2-40B4-BE49-F238E27FC236}">
+                <a16:creationId xmlns:a16="http://schemas.microsoft.com/office/drawing/2014/main" id="{2AA754A3-FEDC-4259-B05D-E43685948737}"/>
+              </a:ext>
+            </a:extLst>
+          </p:cNvPr>
+          <p:cNvSpPr txBox="1"/>
+          <p:nvPr/>
+        </p:nvSpPr>
+        <p:spPr>
+          <a:xfrm>
+            <a:off x="3111656" y="6003454"/>
+            <a:ext cx="5895588" cy="369332"/>
+          </a:xfrm>
+          <a:prstGeom prst="rect">
+            <a:avLst/>
+          </a:prstGeom>
+          <a:noFill/>
+        </p:spPr>
+        <p:txBody>
+          <a:bodyPr wrap="none" rtlCol="0">
+            <a:spAutoFit/>
+          </a:bodyPr>
+          <a:lstStyle/>
+          <a:p>
+            <a:pPr algn="ctr"/>
+            <a:r>
+              <a:rPr lang="en-US" dirty="0"/>
+              <a:t>This is a archetype for server routing packets on the internet.</a:t>
+            </a:r>
+          </a:p>
+        </p:txBody>
+      </p:sp>
+    </p:spTree>
+    <p:extLst>
+      <p:ext uri="{BB962C8B-B14F-4D97-AF65-F5344CB8AC3E}">
+        <p14:creationId xmlns:p14="http://schemas.microsoft.com/office/powerpoint/2010/main" val="2722519780"/>
+      </p:ext>
+    </p:extLst>
+  </p:cSld>
+  <p:clrMapOvr>
+    <a:masterClrMapping/>
+  </p:clrMapOvr>
+</p:sld>
+</file>
+
+<file path=ppt/slides/slide16.xml><?xml version="1.0" encoding="utf-8"?>
+<p:sld xmlns:a="http://schemas.openxmlformats.org/drawingml/2006/main" xmlns:r="http://schemas.openxmlformats.org/officeDocument/2006/relationships" xmlns:p="http://schemas.openxmlformats.org/presentationml/2006/main">
+  <p:cSld>
+    <p:spTree>
+      <p:nvGrpSpPr>
+        <p:cNvPr id="1" name=""/>
+        <p:cNvGrpSpPr/>
+        <p:nvPr/>
+      </p:nvGrpSpPr>
+      <p:grpSpPr>
+        <a:xfrm>
+          <a:off x="0" y="0"/>
+          <a:ext cx="0" cy="0"/>
+          <a:chOff x="0" y="0"/>
+          <a:chExt cx="0" cy="0"/>
+        </a:xfrm>
+      </p:grpSpPr>
+      <p:sp>
+        <p:nvSpPr>
+          <p:cNvPr id="4" name="TextBox 3">
+            <a:extLst>
+              <a:ext uri="{FF2B5EF4-FFF2-40B4-BE49-F238E27FC236}">
+                <a16:creationId xmlns:a16="http://schemas.microsoft.com/office/drawing/2014/main" id="{9896F5D9-C449-4B86-864D-1EF80F573316}"/>
+              </a:ext>
+            </a:extLst>
+          </p:cNvPr>
+          <p:cNvSpPr txBox="1"/>
+          <p:nvPr/>
+        </p:nvSpPr>
+        <p:spPr>
+          <a:xfrm>
+            <a:off x="3397135" y="250222"/>
+            <a:ext cx="5397730" cy="523220"/>
+          </a:xfrm>
+          <a:prstGeom prst="rect">
+            <a:avLst/>
+          </a:prstGeom>
+          <a:noFill/>
+        </p:spPr>
+        <p:txBody>
+          <a:bodyPr wrap="square" rtlCol="0">
+            <a:spAutoFit/>
+          </a:bodyPr>
+          <a:lstStyle/>
+          <a:p>
+            <a:pPr algn="ctr"/>
+            <a:r>
+              <a:rPr lang="en-US" sz="2800" dirty="0">
+                <a:solidFill>
+                  <a:schemeClr val="accent6">
+                    <a:lumMod val="75000"/>
+                  </a:schemeClr>
+                </a:solidFill>
+              </a:rPr>
+              <a:t>3 Main Types of APIs</a:t>
+            </a:r>
+          </a:p>
+        </p:txBody>
+      </p:sp>
+      <p:grpSp>
+        <p:nvGrpSpPr>
+          <p:cNvPr id="5" name="Group 4">
+            <a:extLst>
+              <a:ext uri="{FF2B5EF4-FFF2-40B4-BE49-F238E27FC236}">
+                <a16:creationId xmlns:a16="http://schemas.microsoft.com/office/drawing/2014/main" id="{C2F8E213-908F-46ED-9679-FB7F369080A5}"/>
+              </a:ext>
+            </a:extLst>
+          </p:cNvPr>
+          <p:cNvGrpSpPr/>
+          <p:nvPr/>
+        </p:nvGrpSpPr>
+        <p:grpSpPr>
+          <a:xfrm>
+            <a:off x="3766877" y="629685"/>
+            <a:ext cx="4498072" cy="297874"/>
+            <a:chOff x="3971469" y="624781"/>
+            <a:chExt cx="4498072" cy="297874"/>
+          </a:xfrm>
+        </p:grpSpPr>
+        <p:cxnSp>
+          <p:nvCxnSpPr>
+            <p:cNvPr id="6" name="Straight Connector 5">
+              <a:extLst>
+                <a:ext uri="{FF2B5EF4-FFF2-40B4-BE49-F238E27FC236}">
+                  <a16:creationId xmlns:a16="http://schemas.microsoft.com/office/drawing/2014/main" id="{41D5645D-B764-48F4-950E-7B43E416F4DD}"/>
+                </a:ext>
+              </a:extLst>
+            </p:cNvPr>
+            <p:cNvCxnSpPr/>
+            <p:nvPr/>
+          </p:nvCxnSpPr>
+          <p:spPr>
+            <a:xfrm>
+              <a:off x="5170031" y="773442"/>
+              <a:ext cx="2057400" cy="0"/>
+            </a:xfrm>
+            <a:prstGeom prst="line">
+              <a:avLst/>
+            </a:prstGeom>
+            <a:ln cap="rnd"/>
+          </p:spPr>
+          <p:style>
+            <a:lnRef idx="3">
+              <a:schemeClr val="accent6"/>
+            </a:lnRef>
+            <a:fillRef idx="0">
+              <a:schemeClr val="accent6"/>
+            </a:fillRef>
+            <a:effectRef idx="2">
+              <a:schemeClr val="accent6"/>
+            </a:effectRef>
+            <a:fontRef idx="minor">
+              <a:schemeClr val="tx1"/>
+            </a:fontRef>
+          </p:style>
+        </p:cxnSp>
+        <p:cxnSp>
+          <p:nvCxnSpPr>
+            <p:cNvPr id="7" name="Straight Connector 6">
+              <a:extLst>
+                <a:ext uri="{FF2B5EF4-FFF2-40B4-BE49-F238E27FC236}">
+                  <a16:creationId xmlns:a16="http://schemas.microsoft.com/office/drawing/2014/main" id="{3CF6183C-D6BF-42CA-8876-1D4428BC50B5}"/>
+                </a:ext>
+              </a:extLst>
+            </p:cNvPr>
+            <p:cNvCxnSpPr>
+              <a:cxnSpLocks/>
+            </p:cNvCxnSpPr>
+            <p:nvPr/>
+          </p:nvCxnSpPr>
+          <p:spPr>
+            <a:xfrm>
+              <a:off x="7349270" y="697242"/>
+              <a:ext cx="1027511" cy="0"/>
+            </a:xfrm>
+            <a:prstGeom prst="line">
+              <a:avLst/>
+            </a:prstGeom>
+            <a:ln cap="rnd"/>
+          </p:spPr>
+          <p:style>
+            <a:lnRef idx="3">
+              <a:schemeClr val="accent6"/>
+            </a:lnRef>
+            <a:fillRef idx="0">
+              <a:schemeClr val="accent6"/>
+            </a:fillRef>
+            <a:effectRef idx="2">
+              <a:schemeClr val="accent6"/>
+            </a:effectRef>
+            <a:fontRef idx="minor">
+              <a:schemeClr val="tx1"/>
+            </a:fontRef>
+          </p:style>
+        </p:cxnSp>
+        <p:cxnSp>
+          <p:nvCxnSpPr>
+            <p:cNvPr id="8" name="Straight Connector 7">
+              <a:extLst>
+                <a:ext uri="{FF2B5EF4-FFF2-40B4-BE49-F238E27FC236}">
+                  <a16:creationId xmlns:a16="http://schemas.microsoft.com/office/drawing/2014/main" id="{2429321A-A5CF-4FE0-A23B-EDBC35C19BC4}"/>
+                </a:ext>
+              </a:extLst>
+            </p:cNvPr>
+            <p:cNvCxnSpPr>
+              <a:cxnSpLocks/>
+            </p:cNvCxnSpPr>
+            <p:nvPr/>
+          </p:nvCxnSpPr>
+          <p:spPr>
+            <a:xfrm flipV="1">
+              <a:off x="7227431" y="697242"/>
+              <a:ext cx="121839" cy="76200"/>
+            </a:xfrm>
+            <a:prstGeom prst="line">
+              <a:avLst/>
+            </a:prstGeom>
+            <a:ln cap="rnd"/>
+          </p:spPr>
+          <p:style>
+            <a:lnRef idx="3">
+              <a:schemeClr val="accent6"/>
+            </a:lnRef>
+            <a:fillRef idx="0">
+              <a:schemeClr val="accent6"/>
+            </a:fillRef>
+            <a:effectRef idx="2">
+              <a:schemeClr val="accent6"/>
+            </a:effectRef>
+            <a:fontRef idx="minor">
+              <a:schemeClr val="tx1"/>
+            </a:fontRef>
+          </p:style>
+        </p:cxnSp>
+        <p:cxnSp>
+          <p:nvCxnSpPr>
+            <p:cNvPr id="9" name="Straight Connector 8">
+              <a:extLst>
+                <a:ext uri="{FF2B5EF4-FFF2-40B4-BE49-F238E27FC236}">
+                  <a16:creationId xmlns:a16="http://schemas.microsoft.com/office/drawing/2014/main" id="{B3B5B3E7-29C0-4D6F-BBEC-09492D1998E5}"/>
+                </a:ext>
+              </a:extLst>
+            </p:cNvPr>
+            <p:cNvCxnSpPr>
+              <a:cxnSpLocks/>
+            </p:cNvCxnSpPr>
+            <p:nvPr/>
+          </p:nvCxnSpPr>
+          <p:spPr>
+            <a:xfrm flipV="1">
+              <a:off x="5048192" y="773442"/>
+              <a:ext cx="121839" cy="76200"/>
+            </a:xfrm>
+            <a:prstGeom prst="line">
+              <a:avLst/>
+            </a:prstGeom>
+            <a:ln cap="rnd"/>
+          </p:spPr>
+          <p:style>
+            <a:lnRef idx="3">
+              <a:schemeClr val="accent6"/>
+            </a:lnRef>
+            <a:fillRef idx="0">
+              <a:schemeClr val="accent6"/>
+            </a:fillRef>
+            <a:effectRef idx="2">
+              <a:schemeClr val="accent6"/>
+            </a:effectRef>
+            <a:fontRef idx="minor">
+              <a:schemeClr val="tx1"/>
+            </a:fontRef>
+          </p:style>
+        </p:cxnSp>
+        <p:cxnSp>
+          <p:nvCxnSpPr>
+            <p:cNvPr id="10" name="Straight Connector 9">
+              <a:extLst>
+                <a:ext uri="{FF2B5EF4-FFF2-40B4-BE49-F238E27FC236}">
+                  <a16:creationId xmlns:a16="http://schemas.microsoft.com/office/drawing/2014/main" id="{31FCC5C0-EBBF-43BB-89C8-294340A633CA}"/>
+                </a:ext>
+              </a:extLst>
+            </p:cNvPr>
+            <p:cNvCxnSpPr>
+              <a:cxnSpLocks/>
+            </p:cNvCxnSpPr>
+            <p:nvPr/>
+          </p:nvCxnSpPr>
+          <p:spPr>
+            <a:xfrm flipV="1">
+              <a:off x="4021655" y="849642"/>
+              <a:ext cx="1026537" cy="11668"/>
+            </a:xfrm>
+            <a:prstGeom prst="line">
+              <a:avLst/>
+            </a:prstGeom>
+            <a:ln cap="rnd"/>
+          </p:spPr>
+          <p:style>
+            <a:lnRef idx="3">
+              <a:schemeClr val="accent6"/>
+            </a:lnRef>
+            <a:fillRef idx="0">
+              <a:schemeClr val="accent6"/>
+            </a:fillRef>
+            <a:effectRef idx="2">
+              <a:schemeClr val="accent6"/>
+            </a:effectRef>
+            <a:fontRef idx="minor">
+              <a:schemeClr val="tx1"/>
+            </a:fontRef>
+          </p:style>
+        </p:cxnSp>
+        <p:sp>
+          <p:nvSpPr>
+            <p:cNvPr id="11" name="Oval 10">
+              <a:extLst>
+                <a:ext uri="{FF2B5EF4-FFF2-40B4-BE49-F238E27FC236}">
+                  <a16:creationId xmlns:a16="http://schemas.microsoft.com/office/drawing/2014/main" id="{8A9E860A-4276-4892-9CC2-3F354C758C9B}"/>
+                </a:ext>
+              </a:extLst>
+            </p:cNvPr>
+            <p:cNvSpPr/>
+            <p:nvPr/>
+          </p:nvSpPr>
+          <p:spPr>
+            <a:xfrm>
+              <a:off x="3971469" y="789305"/>
+              <a:ext cx="133350" cy="133350"/>
+            </a:xfrm>
+            <a:prstGeom prst="ellipse">
+              <a:avLst/>
+            </a:prstGeom>
+          </p:spPr>
+          <p:style>
+            <a:lnRef idx="2">
+              <a:schemeClr val="accent6"/>
+            </a:lnRef>
+            <a:fillRef idx="1">
+              <a:schemeClr val="lt1"/>
+            </a:fillRef>
+            <a:effectRef idx="0">
+              <a:schemeClr val="accent6"/>
+            </a:effectRef>
+            <a:fontRef idx="minor">
+              <a:schemeClr val="dk1"/>
+            </a:fontRef>
+          </p:style>
+          <p:txBody>
+            <a:bodyPr rtlCol="0" anchor="ctr"/>
+            <a:lstStyle/>
+            <a:p>
+              <a:pPr algn="ctr"/>
+              <a:endParaRPr lang="en-US" i="1" dirty="0"/>
+            </a:p>
+          </p:txBody>
+        </p:sp>
+        <p:sp>
+          <p:nvSpPr>
+            <p:cNvPr id="12" name="Oval 11">
+              <a:extLst>
+                <a:ext uri="{FF2B5EF4-FFF2-40B4-BE49-F238E27FC236}">
+                  <a16:creationId xmlns:a16="http://schemas.microsoft.com/office/drawing/2014/main" id="{7A0B2537-65EE-47DF-812A-96265B8B76F7}"/>
+                </a:ext>
+              </a:extLst>
+            </p:cNvPr>
+            <p:cNvSpPr/>
+            <p:nvPr/>
+          </p:nvSpPr>
+          <p:spPr>
+            <a:xfrm>
+              <a:off x="8336191" y="624781"/>
+              <a:ext cx="133350" cy="133350"/>
+            </a:xfrm>
+            <a:prstGeom prst="ellipse">
+              <a:avLst/>
+            </a:prstGeom>
+          </p:spPr>
+          <p:style>
+            <a:lnRef idx="2">
+              <a:schemeClr val="accent6"/>
+            </a:lnRef>
+            <a:fillRef idx="1">
+              <a:schemeClr val="lt1"/>
+            </a:fillRef>
+            <a:effectRef idx="0">
+              <a:schemeClr val="accent6"/>
+            </a:effectRef>
+            <a:fontRef idx="minor">
+              <a:schemeClr val="dk1"/>
+            </a:fontRef>
+          </p:style>
+          <p:txBody>
+            <a:bodyPr rtlCol="0" anchor="ctr"/>
+            <a:lstStyle/>
+            <a:p>
+              <a:pPr algn="ctr"/>
+              <a:endParaRPr lang="en-US" i="1" dirty="0"/>
+            </a:p>
+          </p:txBody>
+        </p:sp>
+      </p:grpSp>
+      <p:grpSp>
+        <p:nvGrpSpPr>
+          <p:cNvPr id="24" name="Group 23">
+            <a:extLst>
+              <a:ext uri="{FF2B5EF4-FFF2-40B4-BE49-F238E27FC236}">
+                <a16:creationId xmlns:a16="http://schemas.microsoft.com/office/drawing/2014/main" id="{03CF481E-7B7D-4B29-9306-299711DC6A1C}"/>
+              </a:ext>
+            </a:extLst>
+          </p:cNvPr>
+          <p:cNvGrpSpPr/>
+          <p:nvPr/>
+        </p:nvGrpSpPr>
+        <p:grpSpPr>
+          <a:xfrm>
+            <a:off x="561218" y="1486725"/>
+            <a:ext cx="1817241" cy="395023"/>
+            <a:chOff x="561218" y="1240312"/>
+            <a:chExt cx="1817241" cy="395023"/>
+          </a:xfrm>
+        </p:grpSpPr>
+        <p:sp>
+          <p:nvSpPr>
+            <p:cNvPr id="13" name="Oval 12">
+              <a:extLst>
+                <a:ext uri="{FF2B5EF4-FFF2-40B4-BE49-F238E27FC236}">
+                  <a16:creationId xmlns:a16="http://schemas.microsoft.com/office/drawing/2014/main" id="{8AA350B5-492F-4754-BE5C-79D7D3E0457C}"/>
+                </a:ext>
+              </a:extLst>
+            </p:cNvPr>
+            <p:cNvSpPr/>
+            <p:nvPr/>
+          </p:nvSpPr>
+          <p:spPr>
+            <a:xfrm>
+              <a:off x="2245109" y="1501985"/>
+              <a:ext cx="133350" cy="133350"/>
+            </a:xfrm>
+            <a:prstGeom prst="ellipse">
+              <a:avLst/>
+            </a:prstGeom>
+            <a:solidFill>
+              <a:schemeClr val="bg1"/>
+            </a:solidFill>
+          </p:spPr>
+          <p:style>
+            <a:lnRef idx="2">
+              <a:schemeClr val="accent6"/>
+            </a:lnRef>
+            <a:fillRef idx="1">
+              <a:schemeClr val="lt1"/>
+            </a:fillRef>
+            <a:effectRef idx="0">
+              <a:schemeClr val="accent6"/>
+            </a:effectRef>
+            <a:fontRef idx="minor">
+              <a:schemeClr val="dk1"/>
+            </a:fontRef>
+          </p:style>
+          <p:txBody>
+            <a:bodyPr rtlCol="0" anchor="ctr"/>
+            <a:lstStyle/>
+            <a:p>
+              <a:pPr algn="ctr"/>
+              <a:endParaRPr lang="en-US" dirty="0"/>
+            </a:p>
+          </p:txBody>
+        </p:sp>
+        <p:sp>
+          <p:nvSpPr>
+            <p:cNvPr id="14" name="TextBox 13">
+              <a:extLst>
+                <a:ext uri="{FF2B5EF4-FFF2-40B4-BE49-F238E27FC236}">
+                  <a16:creationId xmlns:a16="http://schemas.microsoft.com/office/drawing/2014/main" id="{01EB957C-97F7-4056-BD48-F025D75F9D1F}"/>
+                </a:ext>
+              </a:extLst>
+            </p:cNvPr>
+            <p:cNvSpPr txBox="1"/>
+            <p:nvPr/>
+          </p:nvSpPr>
+          <p:spPr>
+            <a:xfrm>
+              <a:off x="561218" y="1240312"/>
+              <a:ext cx="1202573" cy="369332"/>
+            </a:xfrm>
+            <a:prstGeom prst="rect">
+              <a:avLst/>
+            </a:prstGeom>
+            <a:noFill/>
+          </p:spPr>
+          <p:txBody>
+            <a:bodyPr wrap="none" rtlCol="0">
+              <a:spAutoFit/>
+            </a:bodyPr>
+            <a:lstStyle/>
+            <a:p>
+              <a:r>
+                <a:rPr lang="en-US" dirty="0">
+                  <a:solidFill>
+                    <a:schemeClr val="accent6">
+                      <a:lumMod val="75000"/>
+                    </a:schemeClr>
+                  </a:solidFill>
+                </a:rPr>
+                <a:t>Public APIs</a:t>
+              </a:r>
+            </a:p>
+          </p:txBody>
+        </p:sp>
+        <p:cxnSp>
+          <p:nvCxnSpPr>
+            <p:cNvPr id="15" name="Straight Connector 14">
+              <a:extLst>
+                <a:ext uri="{FF2B5EF4-FFF2-40B4-BE49-F238E27FC236}">
+                  <a16:creationId xmlns:a16="http://schemas.microsoft.com/office/drawing/2014/main" id="{E55C5276-1A39-486B-9940-281CF7FB85DF}"/>
+                </a:ext>
+              </a:extLst>
+            </p:cNvPr>
+            <p:cNvCxnSpPr>
+              <a:cxnSpLocks/>
+            </p:cNvCxnSpPr>
+            <p:nvPr/>
+          </p:nvCxnSpPr>
+          <p:spPr>
+            <a:xfrm>
+              <a:off x="643925" y="1568660"/>
+              <a:ext cx="1594494" cy="0"/>
+            </a:xfrm>
+            <a:prstGeom prst="line">
+              <a:avLst/>
+            </a:prstGeom>
+            <a:ln cap="rnd"/>
+          </p:spPr>
+          <p:style>
+            <a:lnRef idx="3">
+              <a:schemeClr val="accent6"/>
+            </a:lnRef>
+            <a:fillRef idx="0">
+              <a:schemeClr val="accent6"/>
+            </a:fillRef>
+            <a:effectRef idx="2">
+              <a:schemeClr val="accent6"/>
+            </a:effectRef>
+            <a:fontRef idx="minor">
+              <a:schemeClr val="tx1"/>
+            </a:fontRef>
+          </p:style>
+        </p:cxnSp>
+      </p:grpSp>
+      <p:grpSp>
+        <p:nvGrpSpPr>
+          <p:cNvPr id="26" name="Group 25">
+            <a:extLst>
+              <a:ext uri="{FF2B5EF4-FFF2-40B4-BE49-F238E27FC236}">
+                <a16:creationId xmlns:a16="http://schemas.microsoft.com/office/drawing/2014/main" id="{D9140A70-C7D6-4FFF-9109-2244A4CC9385}"/>
+              </a:ext>
+            </a:extLst>
+          </p:cNvPr>
+          <p:cNvGrpSpPr/>
+          <p:nvPr/>
+        </p:nvGrpSpPr>
+        <p:grpSpPr>
+          <a:xfrm>
+            <a:off x="9884254" y="1486725"/>
+            <a:ext cx="1817242" cy="395023"/>
+            <a:chOff x="9059306" y="1106962"/>
+            <a:chExt cx="1817242" cy="395023"/>
+          </a:xfrm>
+        </p:grpSpPr>
+        <p:sp>
+          <p:nvSpPr>
+            <p:cNvPr id="19" name="Oval 18">
+              <a:extLst>
+                <a:ext uri="{FF2B5EF4-FFF2-40B4-BE49-F238E27FC236}">
+                  <a16:creationId xmlns:a16="http://schemas.microsoft.com/office/drawing/2014/main" id="{118AD362-B435-4081-B156-1EA12F9660B1}"/>
+                </a:ext>
+              </a:extLst>
+            </p:cNvPr>
+            <p:cNvSpPr/>
+            <p:nvPr/>
+          </p:nvSpPr>
+          <p:spPr>
+            <a:xfrm>
+              <a:off x="10743198" y="1368635"/>
+              <a:ext cx="133350" cy="133350"/>
+            </a:xfrm>
+            <a:prstGeom prst="ellipse">
+              <a:avLst/>
+            </a:prstGeom>
+            <a:solidFill>
+              <a:schemeClr val="bg1"/>
+            </a:solidFill>
+          </p:spPr>
+          <p:style>
+            <a:lnRef idx="2">
+              <a:schemeClr val="accent6"/>
+            </a:lnRef>
+            <a:fillRef idx="1">
+              <a:schemeClr val="lt1"/>
+            </a:fillRef>
+            <a:effectRef idx="0">
+              <a:schemeClr val="accent6"/>
+            </a:effectRef>
+            <a:fontRef idx="minor">
+              <a:schemeClr val="dk1"/>
+            </a:fontRef>
+          </p:style>
+          <p:txBody>
+            <a:bodyPr rtlCol="0" anchor="ctr"/>
+            <a:lstStyle/>
+            <a:p>
+              <a:pPr algn="ctr"/>
+              <a:endParaRPr lang="en-US" dirty="0"/>
+            </a:p>
+          </p:txBody>
+        </p:sp>
+        <p:sp>
+          <p:nvSpPr>
+            <p:cNvPr id="20" name="TextBox 19">
+              <a:extLst>
+                <a:ext uri="{FF2B5EF4-FFF2-40B4-BE49-F238E27FC236}">
+                  <a16:creationId xmlns:a16="http://schemas.microsoft.com/office/drawing/2014/main" id="{684394A0-E5FA-4C94-993A-4C4F3588FFCB}"/>
+                </a:ext>
+              </a:extLst>
+            </p:cNvPr>
+            <p:cNvSpPr txBox="1"/>
+            <p:nvPr/>
+          </p:nvSpPr>
+          <p:spPr>
+            <a:xfrm>
+              <a:off x="9059306" y="1106962"/>
+              <a:ext cx="1817241" cy="369332"/>
+            </a:xfrm>
+            <a:prstGeom prst="rect">
+              <a:avLst/>
+            </a:prstGeom>
+            <a:noFill/>
+          </p:spPr>
+          <p:txBody>
+            <a:bodyPr wrap="square" rtlCol="0">
+              <a:spAutoFit/>
+            </a:bodyPr>
+            <a:lstStyle/>
+            <a:p>
+              <a:pPr algn="r"/>
+              <a:r>
+                <a:rPr lang="en-US" dirty="0">
+                  <a:solidFill>
+                    <a:schemeClr val="accent6">
+                      <a:lumMod val="75000"/>
+                    </a:schemeClr>
+                  </a:solidFill>
+                </a:rPr>
+                <a:t>OAuth(2) APIs</a:t>
+              </a:r>
+            </a:p>
+          </p:txBody>
+        </p:sp>
+        <p:cxnSp>
+          <p:nvCxnSpPr>
+            <p:cNvPr id="21" name="Straight Connector 20">
+              <a:extLst>
+                <a:ext uri="{FF2B5EF4-FFF2-40B4-BE49-F238E27FC236}">
+                  <a16:creationId xmlns:a16="http://schemas.microsoft.com/office/drawing/2014/main" id="{921E251F-0DB4-4A0B-BAB0-546762AF6DC4}"/>
+                </a:ext>
+              </a:extLst>
+            </p:cNvPr>
+            <p:cNvCxnSpPr>
+              <a:cxnSpLocks/>
+            </p:cNvCxnSpPr>
+            <p:nvPr/>
+          </p:nvCxnSpPr>
+          <p:spPr>
+            <a:xfrm>
+              <a:off x="9142014" y="1435310"/>
+              <a:ext cx="1594494" cy="0"/>
+            </a:xfrm>
+            <a:prstGeom prst="line">
+              <a:avLst/>
+            </a:prstGeom>
+            <a:ln cap="rnd"/>
+          </p:spPr>
+          <p:style>
+            <a:lnRef idx="3">
+              <a:schemeClr val="accent6"/>
+            </a:lnRef>
+            <a:fillRef idx="0">
+              <a:schemeClr val="accent6"/>
+            </a:fillRef>
+            <a:effectRef idx="2">
+              <a:schemeClr val="accent6"/>
+            </a:effectRef>
+            <a:fontRef idx="minor">
+              <a:schemeClr val="tx1"/>
+            </a:fontRef>
+          </p:style>
+        </p:cxnSp>
+      </p:grpSp>
+      <p:grpSp>
+        <p:nvGrpSpPr>
+          <p:cNvPr id="25" name="Group 24">
+            <a:extLst>
+              <a:ext uri="{FF2B5EF4-FFF2-40B4-BE49-F238E27FC236}">
+                <a16:creationId xmlns:a16="http://schemas.microsoft.com/office/drawing/2014/main" id="{FC802217-6238-4966-B341-C57CDFCDB1E3}"/>
+              </a:ext>
+            </a:extLst>
+          </p:cNvPr>
+          <p:cNvGrpSpPr/>
+          <p:nvPr/>
+        </p:nvGrpSpPr>
+        <p:grpSpPr>
+          <a:xfrm>
+            <a:off x="5174719" y="1486725"/>
+            <a:ext cx="1842562" cy="395023"/>
+            <a:chOff x="4818279" y="1173637"/>
+            <a:chExt cx="1842562" cy="395023"/>
+          </a:xfrm>
+        </p:grpSpPr>
+        <p:sp>
+          <p:nvSpPr>
+            <p:cNvPr id="16" name="Oval 15">
+              <a:extLst>
+                <a:ext uri="{FF2B5EF4-FFF2-40B4-BE49-F238E27FC236}">
+                  <a16:creationId xmlns:a16="http://schemas.microsoft.com/office/drawing/2014/main" id="{9161E048-2AC1-419A-BBBA-9785273396C8}"/>
+                </a:ext>
+              </a:extLst>
+            </p:cNvPr>
+            <p:cNvSpPr/>
+            <p:nvPr/>
+          </p:nvSpPr>
+          <p:spPr>
+            <a:xfrm>
+              <a:off x="6527491" y="1435310"/>
+              <a:ext cx="133350" cy="133350"/>
+            </a:xfrm>
+            <a:prstGeom prst="ellipse">
+              <a:avLst/>
+            </a:prstGeom>
+            <a:solidFill>
+              <a:schemeClr val="bg1"/>
+            </a:solidFill>
+          </p:spPr>
+          <p:style>
+            <a:lnRef idx="2">
+              <a:schemeClr val="accent6"/>
+            </a:lnRef>
+            <a:fillRef idx="1">
+              <a:schemeClr val="lt1"/>
+            </a:fillRef>
+            <a:effectRef idx="0">
+              <a:schemeClr val="accent6"/>
+            </a:effectRef>
+            <a:fontRef idx="minor">
+              <a:schemeClr val="dk1"/>
+            </a:fontRef>
+          </p:style>
+          <p:txBody>
+            <a:bodyPr rtlCol="0" anchor="ctr"/>
+            <a:lstStyle/>
+            <a:p>
+              <a:pPr algn="ctr"/>
+              <a:endParaRPr lang="en-US" dirty="0"/>
+            </a:p>
+          </p:txBody>
+        </p:sp>
+        <p:sp>
+          <p:nvSpPr>
+            <p:cNvPr id="17" name="TextBox 16">
+              <a:extLst>
+                <a:ext uri="{FF2B5EF4-FFF2-40B4-BE49-F238E27FC236}">
+                  <a16:creationId xmlns:a16="http://schemas.microsoft.com/office/drawing/2014/main" id="{CA92FB56-01EC-47BD-8C5C-712E79E08828}"/>
+                </a:ext>
+              </a:extLst>
+            </p:cNvPr>
+            <p:cNvSpPr txBox="1"/>
+            <p:nvPr/>
+          </p:nvSpPr>
+          <p:spPr>
+            <a:xfrm>
+              <a:off x="4843600" y="1173637"/>
+              <a:ext cx="1817241" cy="369332"/>
+            </a:xfrm>
+            <a:prstGeom prst="rect">
+              <a:avLst/>
+            </a:prstGeom>
+            <a:noFill/>
+          </p:spPr>
+          <p:txBody>
+            <a:bodyPr wrap="square" rtlCol="0">
+              <a:spAutoFit/>
+            </a:bodyPr>
+            <a:lstStyle/>
+            <a:p>
+              <a:pPr algn="ctr"/>
+              <a:r>
+                <a:rPr lang="en-US" dirty="0">
+                  <a:solidFill>
+                    <a:schemeClr val="accent6">
+                      <a:lumMod val="75000"/>
+                    </a:schemeClr>
+                  </a:solidFill>
+                </a:rPr>
+                <a:t>Key-Based APIs</a:t>
+              </a:r>
+            </a:p>
+          </p:txBody>
+        </p:sp>
+        <p:cxnSp>
+          <p:nvCxnSpPr>
+            <p:cNvPr id="18" name="Straight Connector 17">
+              <a:extLst>
+                <a:ext uri="{FF2B5EF4-FFF2-40B4-BE49-F238E27FC236}">
+                  <a16:creationId xmlns:a16="http://schemas.microsoft.com/office/drawing/2014/main" id="{C0761AC4-1874-4B93-9CB1-270B1D7C2096}"/>
+                </a:ext>
+              </a:extLst>
+            </p:cNvPr>
+            <p:cNvCxnSpPr>
+              <a:cxnSpLocks/>
+            </p:cNvCxnSpPr>
+            <p:nvPr/>
+          </p:nvCxnSpPr>
+          <p:spPr>
+            <a:xfrm>
+              <a:off x="4926307" y="1501985"/>
+              <a:ext cx="1594494" cy="0"/>
+            </a:xfrm>
+            <a:prstGeom prst="line">
+              <a:avLst/>
+            </a:prstGeom>
+            <a:ln cap="rnd"/>
+          </p:spPr>
+          <p:style>
+            <a:lnRef idx="3">
+              <a:schemeClr val="accent6"/>
+            </a:lnRef>
+            <a:fillRef idx="0">
+              <a:schemeClr val="accent6"/>
+            </a:fillRef>
+            <a:effectRef idx="2">
+              <a:schemeClr val="accent6"/>
+            </a:effectRef>
+            <a:fontRef idx="minor">
+              <a:schemeClr val="tx1"/>
+            </a:fontRef>
+          </p:style>
+        </p:cxnSp>
+        <p:sp>
+          <p:nvSpPr>
+            <p:cNvPr id="23" name="Oval 22">
+              <a:extLst>
+                <a:ext uri="{FF2B5EF4-FFF2-40B4-BE49-F238E27FC236}">
+                  <a16:creationId xmlns:a16="http://schemas.microsoft.com/office/drawing/2014/main" id="{C2367829-45C8-4B8F-84AE-9AEA741A76F1}"/>
+                </a:ext>
+              </a:extLst>
+            </p:cNvPr>
+            <p:cNvSpPr/>
+            <p:nvPr/>
+          </p:nvSpPr>
+          <p:spPr>
+            <a:xfrm>
+              <a:off x="4818279" y="1435310"/>
+              <a:ext cx="133350" cy="133350"/>
+            </a:xfrm>
+            <a:prstGeom prst="ellipse">
+              <a:avLst/>
+            </a:prstGeom>
+            <a:solidFill>
+              <a:schemeClr val="bg1"/>
+            </a:solidFill>
+          </p:spPr>
+          <p:style>
+            <a:lnRef idx="2">
+              <a:schemeClr val="accent6"/>
+            </a:lnRef>
+            <a:fillRef idx="1">
+              <a:schemeClr val="lt1"/>
+            </a:fillRef>
+            <a:effectRef idx="0">
+              <a:schemeClr val="accent6"/>
+            </a:effectRef>
+            <a:fontRef idx="minor">
+              <a:schemeClr val="dk1"/>
+            </a:fontRef>
+          </p:style>
+          <p:txBody>
+            <a:bodyPr rtlCol="0" anchor="ctr"/>
+            <a:lstStyle/>
+            <a:p>
+              <a:pPr algn="ctr"/>
+              <a:endParaRPr lang="en-US" dirty="0"/>
+            </a:p>
+          </p:txBody>
+        </p:sp>
+      </p:grpSp>
+      <p:sp>
+        <p:nvSpPr>
+          <p:cNvPr id="27" name="TextBox 26">
+            <a:extLst>
+              <a:ext uri="{FF2B5EF4-FFF2-40B4-BE49-F238E27FC236}">
+                <a16:creationId xmlns:a16="http://schemas.microsoft.com/office/drawing/2014/main" id="{B928A03B-5FC9-45FA-86EE-15ED83ED7FF8}"/>
+              </a:ext>
+            </a:extLst>
+          </p:cNvPr>
+          <p:cNvSpPr txBox="1"/>
+          <p:nvPr/>
+        </p:nvSpPr>
+        <p:spPr>
+          <a:xfrm>
+            <a:off x="561219" y="2283516"/>
+            <a:ext cx="2554698" cy="1754326"/>
+          </a:xfrm>
+          <a:prstGeom prst="rect">
+            <a:avLst/>
+          </a:prstGeom>
+          <a:noFill/>
+        </p:spPr>
+        <p:txBody>
+          <a:bodyPr wrap="square" rtlCol="0">
+            <a:spAutoFit/>
+          </a:bodyPr>
+          <a:lstStyle/>
+          <a:p>
+            <a:r>
+              <a:rPr lang="en-US" dirty="0"/>
+              <a:t>My daughter asks me a question, so I go to the reference section of the library to find the answer in an encyclopedia.</a:t>
+            </a:r>
+          </a:p>
+          <a:p>
+            <a:endParaRPr lang="en-US" dirty="0"/>
+          </a:p>
+        </p:txBody>
+      </p:sp>
+      <p:sp>
+        <p:nvSpPr>
+          <p:cNvPr id="29" name="TextBox 28">
+            <a:extLst>
+              <a:ext uri="{FF2B5EF4-FFF2-40B4-BE49-F238E27FC236}">
+                <a16:creationId xmlns:a16="http://schemas.microsoft.com/office/drawing/2014/main" id="{835978DB-C66F-4A27-B858-D9381C558E9A}"/>
+              </a:ext>
+            </a:extLst>
+          </p:cNvPr>
+          <p:cNvSpPr txBox="1"/>
+          <p:nvPr/>
+        </p:nvSpPr>
+        <p:spPr>
+          <a:xfrm>
+            <a:off x="4168843" y="2283516"/>
+            <a:ext cx="3854314" cy="1200329"/>
+          </a:xfrm>
+          <a:prstGeom prst="rect">
+            <a:avLst/>
+          </a:prstGeom>
+          <a:noFill/>
+        </p:spPr>
+        <p:txBody>
+          <a:bodyPr wrap="square" rtlCol="0">
+            <a:spAutoFit/>
+          </a:bodyPr>
+          <a:lstStyle/>
+          <a:p>
+            <a:pPr algn="ctr"/>
+            <a:r>
+              <a:rPr lang="en-US" dirty="0"/>
+              <a:t>My son wants information for a book report, so I go to the library and check out books using my library card.</a:t>
+            </a:r>
+          </a:p>
+          <a:p>
+            <a:pPr algn="ctr"/>
+            <a:endParaRPr lang="en-US" dirty="0"/>
+          </a:p>
+        </p:txBody>
+      </p:sp>
+      <p:sp>
+        <p:nvSpPr>
+          <p:cNvPr id="31" name="TextBox 30">
+            <a:extLst>
+              <a:ext uri="{FF2B5EF4-FFF2-40B4-BE49-F238E27FC236}">
+                <a16:creationId xmlns:a16="http://schemas.microsoft.com/office/drawing/2014/main" id="{FB042490-F066-44D8-B465-85E738AC0AF0}"/>
+              </a:ext>
+            </a:extLst>
+          </p:cNvPr>
+          <p:cNvSpPr txBox="1"/>
+          <p:nvPr/>
+        </p:nvSpPr>
+        <p:spPr>
+          <a:xfrm>
+            <a:off x="8721375" y="2145017"/>
+            <a:ext cx="2980120" cy="1200329"/>
+          </a:xfrm>
+          <a:prstGeom prst="rect">
+            <a:avLst/>
+          </a:prstGeom>
+          <a:noFill/>
+        </p:spPr>
+        <p:txBody>
+          <a:bodyPr wrap="square" rtlCol="0">
+            <a:spAutoFit/>
+          </a:bodyPr>
+          <a:lstStyle/>
+          <a:p>
+            <a:pPr algn="r"/>
+            <a:r>
+              <a:rPr lang="en-US" dirty="0"/>
+              <a:t>My kids want fun books for the summer, so I check out a lot of books using their library cards.</a:t>
+            </a:r>
+          </a:p>
+        </p:txBody>
+      </p:sp>
+      <p:sp>
+        <p:nvSpPr>
+          <p:cNvPr id="2" name="TextBox 1">
+            <a:extLst>
+              <a:ext uri="{FF2B5EF4-FFF2-40B4-BE49-F238E27FC236}">
+                <a16:creationId xmlns:a16="http://schemas.microsoft.com/office/drawing/2014/main" id="{FC762EA0-D4EB-4C70-AB64-91AA0AB69B9A}"/>
+              </a:ext>
+            </a:extLst>
+          </p:cNvPr>
+          <p:cNvSpPr txBox="1"/>
+          <p:nvPr/>
+        </p:nvSpPr>
+        <p:spPr>
+          <a:xfrm>
+            <a:off x="4045663" y="892172"/>
+            <a:ext cx="4100674" cy="369332"/>
+          </a:xfrm>
+          <a:prstGeom prst="rect">
+            <a:avLst/>
+          </a:prstGeom>
+          <a:noFill/>
+        </p:spPr>
+        <p:txBody>
+          <a:bodyPr wrap="none" rtlCol="0">
+            <a:spAutoFit/>
+          </a:bodyPr>
+          <a:lstStyle/>
+          <a:p>
+            <a:pPr algn="ctr"/>
+            <a:r>
+              <a:rPr lang="en-US" dirty="0"/>
+              <a:t>Or visiting the library before the internet?</a:t>
+            </a:r>
+          </a:p>
+        </p:txBody>
+      </p:sp>
+      <p:pic>
+        <p:nvPicPr>
+          <p:cNvPr id="22" name="Picture 21" descr="A picture containing indoor, sitting, window, counter&#10;&#10;Description automatically generated">
+            <a:extLst>
+              <a:ext uri="{FF2B5EF4-FFF2-40B4-BE49-F238E27FC236}">
+                <a16:creationId xmlns:a16="http://schemas.microsoft.com/office/drawing/2014/main" id="{A30D9879-B124-4EBF-AE0E-B7FCE044E698}"/>
+              </a:ext>
+            </a:extLst>
+          </p:cNvPr>
+          <p:cNvPicPr>
+            <a:picLocks noChangeAspect="1"/>
+          </p:cNvPicPr>
+          <p:nvPr/>
+        </p:nvPicPr>
+        <p:blipFill>
+          <a:blip r:embed="rId2">
+            <a:extLst>
+              <a:ext uri="{28A0092B-C50C-407E-A947-70E740481C1C}">
+                <a14:useLocalDpi xmlns:a14="http://schemas.microsoft.com/office/drawing/2010/main" val="0"/>
+              </a:ext>
+            </a:extLst>
+          </a:blip>
+          <a:stretch>
+            <a:fillRect/>
+          </a:stretch>
+        </p:blipFill>
+        <p:spPr>
+          <a:xfrm>
+            <a:off x="363715" y="4566998"/>
+            <a:ext cx="2999747" cy="1999831"/>
+          </a:xfrm>
+          <a:prstGeom prst="rect">
+            <a:avLst/>
+          </a:prstGeom>
+        </p:spPr>
+      </p:pic>
+      <p:pic>
+        <p:nvPicPr>
+          <p:cNvPr id="30" name="Picture 29" descr="A picture containing indoor, book, stationary, table&#10;&#10;Description automatically generated">
+            <a:extLst>
+              <a:ext uri="{FF2B5EF4-FFF2-40B4-BE49-F238E27FC236}">
+                <a16:creationId xmlns:a16="http://schemas.microsoft.com/office/drawing/2014/main" id="{E8E78D91-E396-4F43-BB3B-631B48F144C1}"/>
+              </a:ext>
+            </a:extLst>
+          </p:cNvPr>
+          <p:cNvPicPr>
+            <a:picLocks noChangeAspect="1"/>
+          </p:cNvPicPr>
+          <p:nvPr/>
+        </p:nvPicPr>
+        <p:blipFill>
+          <a:blip r:embed="rId3">
+            <a:extLst>
+              <a:ext uri="{28A0092B-C50C-407E-A947-70E740481C1C}">
+                <a14:useLocalDpi xmlns:a14="http://schemas.microsoft.com/office/drawing/2010/main" val="0"/>
+              </a:ext>
+            </a:extLst>
+          </a:blip>
+          <a:stretch>
+            <a:fillRect/>
+          </a:stretch>
+        </p:blipFill>
+        <p:spPr>
+          <a:xfrm>
+            <a:off x="8948531" y="3903143"/>
+            <a:ext cx="1775791" cy="2663687"/>
+          </a:xfrm>
+          <a:prstGeom prst="rect">
+            <a:avLst/>
+          </a:prstGeom>
+        </p:spPr>
+      </p:pic>
+      <p:pic>
+        <p:nvPicPr>
+          <p:cNvPr id="34" name="Picture 33" descr="A picture containing desk&#10;&#10;Description automatically generated">
+            <a:extLst>
+              <a:ext uri="{FF2B5EF4-FFF2-40B4-BE49-F238E27FC236}">
+                <a16:creationId xmlns:a16="http://schemas.microsoft.com/office/drawing/2014/main" id="{5DF362B6-D16B-4CBD-ABA1-13C94F8F3E0E}"/>
+              </a:ext>
+            </a:extLst>
+          </p:cNvPr>
+          <p:cNvPicPr>
+            <a:picLocks noChangeAspect="1"/>
+          </p:cNvPicPr>
+          <p:nvPr/>
+        </p:nvPicPr>
+        <p:blipFill>
+          <a:blip r:embed="rId4">
+            <a:extLst>
+              <a:ext uri="{28A0092B-C50C-407E-A947-70E740481C1C}">
+                <a14:useLocalDpi xmlns:a14="http://schemas.microsoft.com/office/drawing/2010/main" val="0"/>
+              </a:ext>
+            </a:extLst>
+          </a:blip>
+          <a:stretch>
+            <a:fillRect/>
+          </a:stretch>
+        </p:blipFill>
+        <p:spPr>
+          <a:xfrm>
+            <a:off x="4310464" y="4173096"/>
+            <a:ext cx="3571072" cy="2393734"/>
+          </a:xfrm>
+          <a:prstGeom prst="rect">
+            <a:avLst/>
+          </a:prstGeom>
+        </p:spPr>
+      </p:pic>
+    </p:spTree>
+    <p:extLst>
+      <p:ext uri="{BB962C8B-B14F-4D97-AF65-F5344CB8AC3E}">
+        <p14:creationId xmlns:p14="http://schemas.microsoft.com/office/powerpoint/2010/main" val="2749629059"/>
+      </p:ext>
+    </p:extLst>
+  </p:cSld>
+  <p:clrMapOvr>
+    <a:masterClrMapping/>
+  </p:clrMapOvr>
+</p:sld>
+</file>
+
+<file path=ppt/slides/slide17.xml><?xml version="1.0" encoding="utf-8"?>
+<p:sld xmlns:a="http://schemas.openxmlformats.org/drawingml/2006/main" xmlns:r="http://schemas.openxmlformats.org/officeDocument/2006/relationships" xmlns:p="http://schemas.openxmlformats.org/presentationml/2006/main">
+  <p:cSld>
+    <p:spTree>
+      <p:nvGrpSpPr>
+        <p:cNvPr id="1" name=""/>
+        <p:cNvGrpSpPr/>
+        <p:nvPr/>
+      </p:nvGrpSpPr>
+      <p:grpSpPr>
+        <a:xfrm>
+          <a:off x="0" y="0"/>
+          <a:ext cx="0" cy="0"/>
+          <a:chOff x="0" y="0"/>
+          <a:chExt cx="0" cy="0"/>
+        </a:xfrm>
+      </p:grpSpPr>
+      <p:sp>
+        <p:nvSpPr>
+          <p:cNvPr id="4" name="TextBox 3">
+            <a:extLst>
+              <a:ext uri="{FF2B5EF4-FFF2-40B4-BE49-F238E27FC236}">
+                <a16:creationId xmlns:a16="http://schemas.microsoft.com/office/drawing/2014/main" id="{9896F5D9-C449-4B86-864D-1EF80F573316}"/>
+              </a:ext>
+            </a:extLst>
+          </p:cNvPr>
+          <p:cNvSpPr txBox="1"/>
+          <p:nvPr/>
+        </p:nvSpPr>
+        <p:spPr>
+          <a:xfrm>
+            <a:off x="3397135" y="250222"/>
+            <a:ext cx="5397730" cy="523220"/>
+          </a:xfrm>
+          <a:prstGeom prst="rect">
+            <a:avLst/>
+          </a:prstGeom>
+          <a:noFill/>
+        </p:spPr>
+        <p:txBody>
+          <a:bodyPr wrap="square" rtlCol="0">
+            <a:spAutoFit/>
+          </a:bodyPr>
+          <a:lstStyle/>
+          <a:p>
+            <a:pPr algn="ctr"/>
+            <a:r>
+              <a:rPr lang="en-US" sz="2800" dirty="0">
+                <a:solidFill>
+                  <a:schemeClr val="accent6">
+                    <a:lumMod val="75000"/>
+                  </a:schemeClr>
+                </a:solidFill>
+              </a:rPr>
+              <a:t>3 Main Types of APIs</a:t>
+            </a:r>
+          </a:p>
+        </p:txBody>
+      </p:sp>
+      <p:grpSp>
+        <p:nvGrpSpPr>
+          <p:cNvPr id="5" name="Group 4">
+            <a:extLst>
+              <a:ext uri="{FF2B5EF4-FFF2-40B4-BE49-F238E27FC236}">
+                <a16:creationId xmlns:a16="http://schemas.microsoft.com/office/drawing/2014/main" id="{C2F8E213-908F-46ED-9679-FB7F369080A5}"/>
+              </a:ext>
+            </a:extLst>
+          </p:cNvPr>
+          <p:cNvGrpSpPr/>
+          <p:nvPr/>
+        </p:nvGrpSpPr>
+        <p:grpSpPr>
+          <a:xfrm>
+            <a:off x="3766877" y="629685"/>
+            <a:ext cx="4498072" cy="297874"/>
+            <a:chOff x="3971469" y="624781"/>
+            <a:chExt cx="4498072" cy="297874"/>
+          </a:xfrm>
+        </p:grpSpPr>
+        <p:cxnSp>
+          <p:nvCxnSpPr>
+            <p:cNvPr id="6" name="Straight Connector 5">
+              <a:extLst>
+                <a:ext uri="{FF2B5EF4-FFF2-40B4-BE49-F238E27FC236}">
+                  <a16:creationId xmlns:a16="http://schemas.microsoft.com/office/drawing/2014/main" id="{41D5645D-B764-48F4-950E-7B43E416F4DD}"/>
+                </a:ext>
+              </a:extLst>
+            </p:cNvPr>
+            <p:cNvCxnSpPr/>
+            <p:nvPr/>
+          </p:nvCxnSpPr>
+          <p:spPr>
+            <a:xfrm>
+              <a:off x="5170031" y="773442"/>
+              <a:ext cx="2057400" cy="0"/>
+            </a:xfrm>
+            <a:prstGeom prst="line">
+              <a:avLst/>
+            </a:prstGeom>
+            <a:ln cap="rnd"/>
+          </p:spPr>
+          <p:style>
+            <a:lnRef idx="3">
+              <a:schemeClr val="accent6"/>
+            </a:lnRef>
+            <a:fillRef idx="0">
+              <a:schemeClr val="accent6"/>
+            </a:fillRef>
+            <a:effectRef idx="2">
+              <a:schemeClr val="accent6"/>
+            </a:effectRef>
+            <a:fontRef idx="minor">
+              <a:schemeClr val="tx1"/>
+            </a:fontRef>
+          </p:style>
+        </p:cxnSp>
+        <p:cxnSp>
+          <p:nvCxnSpPr>
+            <p:cNvPr id="7" name="Straight Connector 6">
+              <a:extLst>
+                <a:ext uri="{FF2B5EF4-FFF2-40B4-BE49-F238E27FC236}">
+                  <a16:creationId xmlns:a16="http://schemas.microsoft.com/office/drawing/2014/main" id="{3CF6183C-D6BF-42CA-8876-1D4428BC50B5}"/>
+                </a:ext>
+              </a:extLst>
+            </p:cNvPr>
+            <p:cNvCxnSpPr>
+              <a:cxnSpLocks/>
+            </p:cNvCxnSpPr>
+            <p:nvPr/>
+          </p:nvCxnSpPr>
+          <p:spPr>
+            <a:xfrm>
+              <a:off x="7349270" y="697242"/>
+              <a:ext cx="1027511" cy="0"/>
+            </a:xfrm>
+            <a:prstGeom prst="line">
+              <a:avLst/>
+            </a:prstGeom>
+            <a:ln cap="rnd"/>
+          </p:spPr>
+          <p:style>
+            <a:lnRef idx="3">
+              <a:schemeClr val="accent6"/>
+            </a:lnRef>
+            <a:fillRef idx="0">
+              <a:schemeClr val="accent6"/>
+            </a:fillRef>
+            <a:effectRef idx="2">
+              <a:schemeClr val="accent6"/>
+            </a:effectRef>
+            <a:fontRef idx="minor">
+              <a:schemeClr val="tx1"/>
+            </a:fontRef>
+          </p:style>
+        </p:cxnSp>
+        <p:cxnSp>
+          <p:nvCxnSpPr>
+            <p:cNvPr id="8" name="Straight Connector 7">
+              <a:extLst>
+                <a:ext uri="{FF2B5EF4-FFF2-40B4-BE49-F238E27FC236}">
+                  <a16:creationId xmlns:a16="http://schemas.microsoft.com/office/drawing/2014/main" id="{2429321A-A5CF-4FE0-A23B-EDBC35C19BC4}"/>
+                </a:ext>
+              </a:extLst>
+            </p:cNvPr>
+            <p:cNvCxnSpPr>
+              <a:cxnSpLocks/>
+            </p:cNvCxnSpPr>
+            <p:nvPr/>
+          </p:nvCxnSpPr>
+          <p:spPr>
+            <a:xfrm flipV="1">
+              <a:off x="7227431" y="697242"/>
+              <a:ext cx="121839" cy="76200"/>
+            </a:xfrm>
+            <a:prstGeom prst="line">
+              <a:avLst/>
+            </a:prstGeom>
+            <a:ln cap="rnd"/>
+          </p:spPr>
+          <p:style>
+            <a:lnRef idx="3">
+              <a:schemeClr val="accent6"/>
+            </a:lnRef>
+            <a:fillRef idx="0">
+              <a:schemeClr val="accent6"/>
+            </a:fillRef>
+            <a:effectRef idx="2">
+              <a:schemeClr val="accent6"/>
+            </a:effectRef>
+            <a:fontRef idx="minor">
+              <a:schemeClr val="tx1"/>
+            </a:fontRef>
+          </p:style>
+        </p:cxnSp>
+        <p:cxnSp>
+          <p:nvCxnSpPr>
+            <p:cNvPr id="9" name="Straight Connector 8">
+              <a:extLst>
+                <a:ext uri="{FF2B5EF4-FFF2-40B4-BE49-F238E27FC236}">
+                  <a16:creationId xmlns:a16="http://schemas.microsoft.com/office/drawing/2014/main" id="{B3B5B3E7-29C0-4D6F-BBEC-09492D1998E5}"/>
+                </a:ext>
+              </a:extLst>
+            </p:cNvPr>
+            <p:cNvCxnSpPr>
+              <a:cxnSpLocks/>
+            </p:cNvCxnSpPr>
+            <p:nvPr/>
+          </p:nvCxnSpPr>
+          <p:spPr>
+            <a:xfrm flipV="1">
+              <a:off x="5048192" y="773442"/>
+              <a:ext cx="121839" cy="76200"/>
+            </a:xfrm>
+            <a:prstGeom prst="line">
+              <a:avLst/>
+            </a:prstGeom>
+            <a:ln cap="rnd"/>
+          </p:spPr>
+          <p:style>
+            <a:lnRef idx="3">
+              <a:schemeClr val="accent6"/>
+            </a:lnRef>
+            <a:fillRef idx="0">
+              <a:schemeClr val="accent6"/>
+            </a:fillRef>
+            <a:effectRef idx="2">
+              <a:schemeClr val="accent6"/>
+            </a:effectRef>
+            <a:fontRef idx="minor">
+              <a:schemeClr val="tx1"/>
+            </a:fontRef>
+          </p:style>
+        </p:cxnSp>
+        <p:cxnSp>
+          <p:nvCxnSpPr>
+            <p:cNvPr id="10" name="Straight Connector 9">
+              <a:extLst>
+                <a:ext uri="{FF2B5EF4-FFF2-40B4-BE49-F238E27FC236}">
+                  <a16:creationId xmlns:a16="http://schemas.microsoft.com/office/drawing/2014/main" id="{31FCC5C0-EBBF-43BB-89C8-294340A633CA}"/>
+                </a:ext>
+              </a:extLst>
+            </p:cNvPr>
+            <p:cNvCxnSpPr>
+              <a:cxnSpLocks/>
+            </p:cNvCxnSpPr>
+            <p:nvPr/>
+          </p:nvCxnSpPr>
+          <p:spPr>
+            <a:xfrm flipV="1">
+              <a:off x="4021655" y="849642"/>
+              <a:ext cx="1026537" cy="11668"/>
+            </a:xfrm>
+            <a:prstGeom prst="line">
+              <a:avLst/>
+            </a:prstGeom>
+            <a:ln cap="rnd"/>
+          </p:spPr>
+          <p:style>
+            <a:lnRef idx="3">
+              <a:schemeClr val="accent6"/>
+            </a:lnRef>
+            <a:fillRef idx="0">
+              <a:schemeClr val="accent6"/>
+            </a:fillRef>
+            <a:effectRef idx="2">
+              <a:schemeClr val="accent6"/>
+            </a:effectRef>
+            <a:fontRef idx="minor">
+              <a:schemeClr val="tx1"/>
+            </a:fontRef>
+          </p:style>
+        </p:cxnSp>
+        <p:sp>
+          <p:nvSpPr>
+            <p:cNvPr id="11" name="Oval 10">
+              <a:extLst>
+                <a:ext uri="{FF2B5EF4-FFF2-40B4-BE49-F238E27FC236}">
+                  <a16:creationId xmlns:a16="http://schemas.microsoft.com/office/drawing/2014/main" id="{8A9E860A-4276-4892-9CC2-3F354C758C9B}"/>
+                </a:ext>
+              </a:extLst>
+            </p:cNvPr>
+            <p:cNvSpPr/>
+            <p:nvPr/>
+          </p:nvSpPr>
+          <p:spPr>
+            <a:xfrm>
+              <a:off x="3971469" y="789305"/>
+              <a:ext cx="133350" cy="133350"/>
+            </a:xfrm>
+            <a:prstGeom prst="ellipse">
+              <a:avLst/>
+            </a:prstGeom>
+          </p:spPr>
+          <p:style>
+            <a:lnRef idx="2">
+              <a:schemeClr val="accent6"/>
+            </a:lnRef>
+            <a:fillRef idx="1">
+              <a:schemeClr val="lt1"/>
+            </a:fillRef>
+            <a:effectRef idx="0">
+              <a:schemeClr val="accent6"/>
+            </a:effectRef>
+            <a:fontRef idx="minor">
+              <a:schemeClr val="dk1"/>
+            </a:fontRef>
+          </p:style>
+          <p:txBody>
+            <a:bodyPr rtlCol="0" anchor="ctr"/>
+            <a:lstStyle/>
+            <a:p>
+              <a:pPr algn="ctr"/>
+              <a:endParaRPr lang="en-US" i="1" dirty="0"/>
+            </a:p>
+          </p:txBody>
+        </p:sp>
+        <p:sp>
+          <p:nvSpPr>
+            <p:cNvPr id="12" name="Oval 11">
+              <a:extLst>
+                <a:ext uri="{FF2B5EF4-FFF2-40B4-BE49-F238E27FC236}">
+                  <a16:creationId xmlns:a16="http://schemas.microsoft.com/office/drawing/2014/main" id="{7A0B2537-65EE-47DF-812A-96265B8B76F7}"/>
+                </a:ext>
+              </a:extLst>
+            </p:cNvPr>
+            <p:cNvSpPr/>
+            <p:nvPr/>
+          </p:nvSpPr>
+          <p:spPr>
+            <a:xfrm>
+              <a:off x="8336191" y="624781"/>
+              <a:ext cx="133350" cy="133350"/>
+            </a:xfrm>
+            <a:prstGeom prst="ellipse">
+              <a:avLst/>
+            </a:prstGeom>
+          </p:spPr>
+          <p:style>
+            <a:lnRef idx="2">
+              <a:schemeClr val="accent6"/>
+            </a:lnRef>
+            <a:fillRef idx="1">
+              <a:schemeClr val="lt1"/>
+            </a:fillRef>
+            <a:effectRef idx="0">
+              <a:schemeClr val="accent6"/>
+            </a:effectRef>
+            <a:fontRef idx="minor">
+              <a:schemeClr val="dk1"/>
+            </a:fontRef>
+          </p:style>
+          <p:txBody>
+            <a:bodyPr rtlCol="0" anchor="ctr"/>
+            <a:lstStyle/>
+            <a:p>
+              <a:pPr algn="ctr"/>
+              <a:endParaRPr lang="en-US" i="1" dirty="0"/>
+            </a:p>
+          </p:txBody>
+        </p:sp>
+      </p:grpSp>
+      <p:grpSp>
+        <p:nvGrpSpPr>
+          <p:cNvPr id="24" name="Group 23">
+            <a:extLst>
+              <a:ext uri="{FF2B5EF4-FFF2-40B4-BE49-F238E27FC236}">
+                <a16:creationId xmlns:a16="http://schemas.microsoft.com/office/drawing/2014/main" id="{03CF481E-7B7D-4B29-9306-299711DC6A1C}"/>
+              </a:ext>
+            </a:extLst>
+          </p:cNvPr>
+          <p:cNvGrpSpPr/>
+          <p:nvPr/>
+        </p:nvGrpSpPr>
+        <p:grpSpPr>
+          <a:xfrm>
+            <a:off x="561218" y="1173637"/>
+            <a:ext cx="1817241" cy="395023"/>
+            <a:chOff x="561218" y="1240312"/>
+            <a:chExt cx="1817241" cy="395023"/>
+          </a:xfrm>
+        </p:grpSpPr>
+        <p:sp>
+          <p:nvSpPr>
+            <p:cNvPr id="13" name="Oval 12">
+              <a:extLst>
+                <a:ext uri="{FF2B5EF4-FFF2-40B4-BE49-F238E27FC236}">
+                  <a16:creationId xmlns:a16="http://schemas.microsoft.com/office/drawing/2014/main" id="{8AA350B5-492F-4754-BE5C-79D7D3E0457C}"/>
+                </a:ext>
+              </a:extLst>
+            </p:cNvPr>
+            <p:cNvSpPr/>
+            <p:nvPr/>
+          </p:nvSpPr>
+          <p:spPr>
+            <a:xfrm>
+              <a:off x="2245109" y="1501985"/>
+              <a:ext cx="133350" cy="133350"/>
+            </a:xfrm>
+            <a:prstGeom prst="ellipse">
+              <a:avLst/>
+            </a:prstGeom>
+            <a:solidFill>
+              <a:schemeClr val="bg1"/>
+            </a:solidFill>
+          </p:spPr>
+          <p:style>
+            <a:lnRef idx="2">
+              <a:schemeClr val="accent6"/>
+            </a:lnRef>
+            <a:fillRef idx="1">
+              <a:schemeClr val="lt1"/>
+            </a:fillRef>
+            <a:effectRef idx="0">
+              <a:schemeClr val="accent6"/>
+            </a:effectRef>
+            <a:fontRef idx="minor">
+              <a:schemeClr val="dk1"/>
+            </a:fontRef>
+          </p:style>
+          <p:txBody>
+            <a:bodyPr rtlCol="0" anchor="ctr"/>
+            <a:lstStyle/>
+            <a:p>
+              <a:pPr algn="ctr"/>
+              <a:endParaRPr lang="en-US" dirty="0"/>
+            </a:p>
+          </p:txBody>
+        </p:sp>
+        <p:sp>
+          <p:nvSpPr>
+            <p:cNvPr id="14" name="TextBox 13">
+              <a:extLst>
+                <a:ext uri="{FF2B5EF4-FFF2-40B4-BE49-F238E27FC236}">
+                  <a16:creationId xmlns:a16="http://schemas.microsoft.com/office/drawing/2014/main" id="{01EB957C-97F7-4056-BD48-F025D75F9D1F}"/>
+                </a:ext>
+              </a:extLst>
+            </p:cNvPr>
+            <p:cNvSpPr txBox="1"/>
+            <p:nvPr/>
+          </p:nvSpPr>
+          <p:spPr>
+            <a:xfrm>
+              <a:off x="561218" y="1240312"/>
+              <a:ext cx="1202573" cy="369332"/>
+            </a:xfrm>
+            <a:prstGeom prst="rect">
+              <a:avLst/>
+            </a:prstGeom>
+            <a:noFill/>
+          </p:spPr>
+          <p:txBody>
+            <a:bodyPr wrap="none" rtlCol="0">
+              <a:spAutoFit/>
+            </a:bodyPr>
+            <a:lstStyle/>
+            <a:p>
+              <a:r>
+                <a:rPr lang="en-US" dirty="0">
+                  <a:solidFill>
+                    <a:schemeClr val="accent6">
+                      <a:lumMod val="75000"/>
+                    </a:schemeClr>
+                  </a:solidFill>
+                </a:rPr>
+                <a:t>Public APIs</a:t>
+              </a:r>
+            </a:p>
+          </p:txBody>
+        </p:sp>
+        <p:cxnSp>
+          <p:nvCxnSpPr>
+            <p:cNvPr id="15" name="Straight Connector 14">
+              <a:extLst>
+                <a:ext uri="{FF2B5EF4-FFF2-40B4-BE49-F238E27FC236}">
+                  <a16:creationId xmlns:a16="http://schemas.microsoft.com/office/drawing/2014/main" id="{E55C5276-1A39-486B-9940-281CF7FB85DF}"/>
+                </a:ext>
+              </a:extLst>
+            </p:cNvPr>
+            <p:cNvCxnSpPr>
+              <a:cxnSpLocks/>
+            </p:cNvCxnSpPr>
+            <p:nvPr/>
+          </p:nvCxnSpPr>
+          <p:spPr>
+            <a:xfrm>
+              <a:off x="643925" y="1568660"/>
+              <a:ext cx="1594494" cy="0"/>
+            </a:xfrm>
+            <a:prstGeom prst="line">
+              <a:avLst/>
+            </a:prstGeom>
+            <a:ln cap="rnd"/>
+          </p:spPr>
+          <p:style>
+            <a:lnRef idx="3">
+              <a:schemeClr val="accent6"/>
+            </a:lnRef>
+            <a:fillRef idx="0">
+              <a:schemeClr val="accent6"/>
+            </a:fillRef>
+            <a:effectRef idx="2">
+              <a:schemeClr val="accent6"/>
+            </a:effectRef>
+            <a:fontRef idx="minor">
+              <a:schemeClr val="tx1"/>
+            </a:fontRef>
+          </p:style>
+        </p:cxnSp>
+      </p:grpSp>
+      <p:grpSp>
+        <p:nvGrpSpPr>
+          <p:cNvPr id="26" name="Group 25">
+            <a:extLst>
+              <a:ext uri="{FF2B5EF4-FFF2-40B4-BE49-F238E27FC236}">
+                <a16:creationId xmlns:a16="http://schemas.microsoft.com/office/drawing/2014/main" id="{D9140A70-C7D6-4FFF-9109-2244A4CC9385}"/>
+              </a:ext>
+            </a:extLst>
+          </p:cNvPr>
+          <p:cNvGrpSpPr/>
+          <p:nvPr/>
+        </p:nvGrpSpPr>
+        <p:grpSpPr>
+          <a:xfrm>
+            <a:off x="9884254" y="1173637"/>
+            <a:ext cx="1817242" cy="395023"/>
+            <a:chOff x="9059306" y="1106962"/>
+            <a:chExt cx="1817242" cy="395023"/>
+          </a:xfrm>
+        </p:grpSpPr>
+        <p:sp>
+          <p:nvSpPr>
+            <p:cNvPr id="19" name="Oval 18">
+              <a:extLst>
+                <a:ext uri="{FF2B5EF4-FFF2-40B4-BE49-F238E27FC236}">
+                  <a16:creationId xmlns:a16="http://schemas.microsoft.com/office/drawing/2014/main" id="{118AD362-B435-4081-B156-1EA12F9660B1}"/>
+                </a:ext>
+              </a:extLst>
+            </p:cNvPr>
+            <p:cNvSpPr/>
+            <p:nvPr/>
+          </p:nvSpPr>
+          <p:spPr>
+            <a:xfrm>
+              <a:off x="10743198" y="1368635"/>
+              <a:ext cx="133350" cy="133350"/>
+            </a:xfrm>
+            <a:prstGeom prst="ellipse">
+              <a:avLst/>
+            </a:prstGeom>
+            <a:solidFill>
+              <a:schemeClr val="bg1"/>
+            </a:solidFill>
+          </p:spPr>
+          <p:style>
+            <a:lnRef idx="2">
+              <a:schemeClr val="accent6"/>
+            </a:lnRef>
+            <a:fillRef idx="1">
+              <a:schemeClr val="lt1"/>
+            </a:fillRef>
+            <a:effectRef idx="0">
+              <a:schemeClr val="accent6"/>
+            </a:effectRef>
+            <a:fontRef idx="minor">
+              <a:schemeClr val="dk1"/>
+            </a:fontRef>
+          </p:style>
+          <p:txBody>
+            <a:bodyPr rtlCol="0" anchor="ctr"/>
+            <a:lstStyle/>
+            <a:p>
+              <a:pPr algn="ctr"/>
+              <a:endParaRPr lang="en-US" dirty="0"/>
+            </a:p>
+          </p:txBody>
+        </p:sp>
+        <p:sp>
+          <p:nvSpPr>
+            <p:cNvPr id="20" name="TextBox 19">
+              <a:extLst>
+                <a:ext uri="{FF2B5EF4-FFF2-40B4-BE49-F238E27FC236}">
+                  <a16:creationId xmlns:a16="http://schemas.microsoft.com/office/drawing/2014/main" id="{684394A0-E5FA-4C94-993A-4C4F3588FFCB}"/>
+                </a:ext>
+              </a:extLst>
+            </p:cNvPr>
+            <p:cNvSpPr txBox="1"/>
+            <p:nvPr/>
+          </p:nvSpPr>
+          <p:spPr>
+            <a:xfrm>
+              <a:off x="9059306" y="1106962"/>
+              <a:ext cx="1817241" cy="369332"/>
+            </a:xfrm>
+            <a:prstGeom prst="rect">
+              <a:avLst/>
+            </a:prstGeom>
+            <a:noFill/>
+          </p:spPr>
+          <p:txBody>
+            <a:bodyPr wrap="square" rtlCol="0">
+              <a:spAutoFit/>
+            </a:bodyPr>
+            <a:lstStyle/>
+            <a:p>
+              <a:pPr algn="r"/>
+              <a:r>
+                <a:rPr lang="en-US" dirty="0">
+                  <a:solidFill>
+                    <a:schemeClr val="accent6">
+                      <a:lumMod val="75000"/>
+                    </a:schemeClr>
+                  </a:solidFill>
+                </a:rPr>
+                <a:t>OAuth(2) APIs</a:t>
+              </a:r>
+            </a:p>
+          </p:txBody>
+        </p:sp>
+        <p:cxnSp>
+          <p:nvCxnSpPr>
+            <p:cNvPr id="21" name="Straight Connector 20">
+              <a:extLst>
+                <a:ext uri="{FF2B5EF4-FFF2-40B4-BE49-F238E27FC236}">
+                  <a16:creationId xmlns:a16="http://schemas.microsoft.com/office/drawing/2014/main" id="{921E251F-0DB4-4A0B-BAB0-546762AF6DC4}"/>
+                </a:ext>
+              </a:extLst>
+            </p:cNvPr>
+            <p:cNvCxnSpPr>
+              <a:cxnSpLocks/>
+            </p:cNvCxnSpPr>
+            <p:nvPr/>
+          </p:nvCxnSpPr>
+          <p:spPr>
+            <a:xfrm>
+              <a:off x="9142014" y="1435310"/>
+              <a:ext cx="1594494" cy="0"/>
+            </a:xfrm>
+            <a:prstGeom prst="line">
+              <a:avLst/>
+            </a:prstGeom>
+            <a:ln cap="rnd"/>
+          </p:spPr>
+          <p:style>
+            <a:lnRef idx="3">
+              <a:schemeClr val="accent6"/>
+            </a:lnRef>
+            <a:fillRef idx="0">
+              <a:schemeClr val="accent6"/>
+            </a:fillRef>
+            <a:effectRef idx="2">
+              <a:schemeClr val="accent6"/>
+            </a:effectRef>
+            <a:fontRef idx="minor">
+              <a:schemeClr val="tx1"/>
+            </a:fontRef>
+          </p:style>
+        </p:cxnSp>
+      </p:grpSp>
+      <p:grpSp>
+        <p:nvGrpSpPr>
+          <p:cNvPr id="25" name="Group 24">
+            <a:extLst>
+              <a:ext uri="{FF2B5EF4-FFF2-40B4-BE49-F238E27FC236}">
+                <a16:creationId xmlns:a16="http://schemas.microsoft.com/office/drawing/2014/main" id="{FC802217-6238-4966-B341-C57CDFCDB1E3}"/>
+              </a:ext>
+            </a:extLst>
+          </p:cNvPr>
+          <p:cNvGrpSpPr/>
+          <p:nvPr/>
+        </p:nvGrpSpPr>
+        <p:grpSpPr>
+          <a:xfrm>
+            <a:off x="5174719" y="1173637"/>
+            <a:ext cx="1842562" cy="395023"/>
+            <a:chOff x="4818279" y="1173637"/>
+            <a:chExt cx="1842562" cy="395023"/>
+          </a:xfrm>
+        </p:grpSpPr>
+        <p:sp>
+          <p:nvSpPr>
+            <p:cNvPr id="16" name="Oval 15">
+              <a:extLst>
+                <a:ext uri="{FF2B5EF4-FFF2-40B4-BE49-F238E27FC236}">
+                  <a16:creationId xmlns:a16="http://schemas.microsoft.com/office/drawing/2014/main" id="{9161E048-2AC1-419A-BBBA-9785273396C8}"/>
+                </a:ext>
+              </a:extLst>
+            </p:cNvPr>
+            <p:cNvSpPr/>
+            <p:nvPr/>
+          </p:nvSpPr>
+          <p:spPr>
+            <a:xfrm>
+              <a:off x="6527491" y="1435310"/>
+              <a:ext cx="133350" cy="133350"/>
+            </a:xfrm>
+            <a:prstGeom prst="ellipse">
+              <a:avLst/>
+            </a:prstGeom>
+            <a:solidFill>
+              <a:schemeClr val="bg1"/>
+            </a:solidFill>
+          </p:spPr>
+          <p:style>
+            <a:lnRef idx="2">
+              <a:schemeClr val="accent6"/>
+            </a:lnRef>
+            <a:fillRef idx="1">
+              <a:schemeClr val="lt1"/>
+            </a:fillRef>
+            <a:effectRef idx="0">
+              <a:schemeClr val="accent6"/>
+            </a:effectRef>
+            <a:fontRef idx="minor">
+              <a:schemeClr val="dk1"/>
+            </a:fontRef>
+          </p:style>
+          <p:txBody>
+            <a:bodyPr rtlCol="0" anchor="ctr"/>
+            <a:lstStyle/>
+            <a:p>
+              <a:pPr algn="ctr"/>
+              <a:endParaRPr lang="en-US" dirty="0"/>
+            </a:p>
+          </p:txBody>
+        </p:sp>
+        <p:sp>
+          <p:nvSpPr>
+            <p:cNvPr id="17" name="TextBox 16">
+              <a:extLst>
+                <a:ext uri="{FF2B5EF4-FFF2-40B4-BE49-F238E27FC236}">
+                  <a16:creationId xmlns:a16="http://schemas.microsoft.com/office/drawing/2014/main" id="{CA92FB56-01EC-47BD-8C5C-712E79E08828}"/>
+                </a:ext>
+              </a:extLst>
+            </p:cNvPr>
+            <p:cNvSpPr txBox="1"/>
+            <p:nvPr/>
+          </p:nvSpPr>
+          <p:spPr>
+            <a:xfrm>
+              <a:off x="4843600" y="1173637"/>
+              <a:ext cx="1817241" cy="369332"/>
+            </a:xfrm>
+            <a:prstGeom prst="rect">
+              <a:avLst/>
+            </a:prstGeom>
+            <a:noFill/>
+          </p:spPr>
+          <p:txBody>
+            <a:bodyPr wrap="square" rtlCol="0">
+              <a:spAutoFit/>
+            </a:bodyPr>
+            <a:lstStyle/>
+            <a:p>
+              <a:pPr algn="ctr"/>
+              <a:r>
+                <a:rPr lang="en-US" dirty="0">
+                  <a:solidFill>
+                    <a:schemeClr val="accent6">
+                      <a:lumMod val="75000"/>
+                    </a:schemeClr>
+                  </a:solidFill>
+                </a:rPr>
+                <a:t>Key-Based APIs</a:t>
+              </a:r>
+            </a:p>
+          </p:txBody>
+        </p:sp>
+        <p:cxnSp>
+          <p:nvCxnSpPr>
+            <p:cNvPr id="18" name="Straight Connector 17">
+              <a:extLst>
+                <a:ext uri="{FF2B5EF4-FFF2-40B4-BE49-F238E27FC236}">
+                  <a16:creationId xmlns:a16="http://schemas.microsoft.com/office/drawing/2014/main" id="{C0761AC4-1874-4B93-9CB1-270B1D7C2096}"/>
+                </a:ext>
+              </a:extLst>
+            </p:cNvPr>
+            <p:cNvCxnSpPr>
+              <a:cxnSpLocks/>
+            </p:cNvCxnSpPr>
+            <p:nvPr/>
+          </p:nvCxnSpPr>
+          <p:spPr>
+            <a:xfrm>
+              <a:off x="4926307" y="1501985"/>
+              <a:ext cx="1594494" cy="0"/>
+            </a:xfrm>
+            <a:prstGeom prst="line">
+              <a:avLst/>
+            </a:prstGeom>
+            <a:ln cap="rnd"/>
+          </p:spPr>
+          <p:style>
+            <a:lnRef idx="3">
+              <a:schemeClr val="accent6"/>
+            </a:lnRef>
+            <a:fillRef idx="0">
+              <a:schemeClr val="accent6"/>
+            </a:fillRef>
+            <a:effectRef idx="2">
+              <a:schemeClr val="accent6"/>
+            </a:effectRef>
+            <a:fontRef idx="minor">
+              <a:schemeClr val="tx1"/>
+            </a:fontRef>
+          </p:style>
+        </p:cxnSp>
+        <p:sp>
+          <p:nvSpPr>
+            <p:cNvPr id="23" name="Oval 22">
+              <a:extLst>
+                <a:ext uri="{FF2B5EF4-FFF2-40B4-BE49-F238E27FC236}">
+                  <a16:creationId xmlns:a16="http://schemas.microsoft.com/office/drawing/2014/main" id="{C2367829-45C8-4B8F-84AE-9AEA741A76F1}"/>
+                </a:ext>
+              </a:extLst>
+            </p:cNvPr>
+            <p:cNvSpPr/>
+            <p:nvPr/>
+          </p:nvSpPr>
+          <p:spPr>
+            <a:xfrm>
+              <a:off x="4818279" y="1435310"/>
+              <a:ext cx="133350" cy="133350"/>
+            </a:xfrm>
+            <a:prstGeom prst="ellipse">
+              <a:avLst/>
+            </a:prstGeom>
+            <a:solidFill>
+              <a:schemeClr val="bg1"/>
+            </a:solidFill>
+          </p:spPr>
+          <p:style>
+            <a:lnRef idx="2">
+              <a:schemeClr val="accent6"/>
+            </a:lnRef>
+            <a:fillRef idx="1">
+              <a:schemeClr val="lt1"/>
+            </a:fillRef>
+            <a:effectRef idx="0">
+              <a:schemeClr val="accent6"/>
+            </a:effectRef>
+            <a:fontRef idx="minor">
+              <a:schemeClr val="dk1"/>
+            </a:fontRef>
+          </p:style>
+          <p:txBody>
+            <a:bodyPr rtlCol="0" anchor="ctr"/>
+            <a:lstStyle/>
+            <a:p>
+              <a:pPr algn="ctr"/>
+              <a:endParaRPr lang="en-US" dirty="0"/>
+            </a:p>
+          </p:txBody>
+        </p:sp>
+      </p:grpSp>
+      <p:sp>
+        <p:nvSpPr>
+          <p:cNvPr id="27" name="TextBox 26">
+            <a:extLst>
+              <a:ext uri="{FF2B5EF4-FFF2-40B4-BE49-F238E27FC236}">
+                <a16:creationId xmlns:a16="http://schemas.microsoft.com/office/drawing/2014/main" id="{B928A03B-5FC9-45FA-86EE-15ED83ED7FF8}"/>
+              </a:ext>
+            </a:extLst>
+          </p:cNvPr>
+          <p:cNvSpPr txBox="1"/>
+          <p:nvPr/>
+        </p:nvSpPr>
+        <p:spPr>
+          <a:xfrm>
+            <a:off x="561218" y="1741831"/>
+            <a:ext cx="2536272" cy="369332"/>
+          </a:xfrm>
+          <a:prstGeom prst="rect">
+            <a:avLst/>
+          </a:prstGeom>
+          <a:noFill/>
+        </p:spPr>
+        <p:txBody>
+          <a:bodyPr wrap="none" rtlCol="0">
+            <a:spAutoFit/>
+          </a:bodyPr>
+          <a:lstStyle/>
+          <a:p>
+            <a:r>
+              <a:rPr lang="en-US" dirty="0"/>
+              <a:t>May not require a server.</a:t>
+            </a:r>
+          </a:p>
+        </p:txBody>
+      </p:sp>
+      <p:sp>
+        <p:nvSpPr>
+          <p:cNvPr id="29" name="TextBox 28">
+            <a:extLst>
+              <a:ext uri="{FF2B5EF4-FFF2-40B4-BE49-F238E27FC236}">
+                <a16:creationId xmlns:a16="http://schemas.microsoft.com/office/drawing/2014/main" id="{835978DB-C66F-4A27-B858-D9381C558E9A}"/>
+              </a:ext>
+            </a:extLst>
+          </p:cNvPr>
+          <p:cNvSpPr txBox="1"/>
+          <p:nvPr/>
+        </p:nvSpPr>
+        <p:spPr>
+          <a:xfrm>
+            <a:off x="4168843" y="1741831"/>
+            <a:ext cx="3854314" cy="369332"/>
+          </a:xfrm>
+          <a:prstGeom prst="rect">
+            <a:avLst/>
+          </a:prstGeom>
+          <a:noFill/>
+        </p:spPr>
+        <p:txBody>
+          <a:bodyPr wrap="square" rtlCol="0">
+            <a:spAutoFit/>
+          </a:bodyPr>
+          <a:lstStyle/>
+          <a:p>
+            <a:pPr algn="ctr"/>
+            <a:r>
+              <a:rPr lang="en-US" dirty="0"/>
+              <a:t>Require a server to protect API key.</a:t>
+            </a:r>
+          </a:p>
+        </p:txBody>
+      </p:sp>
+      <p:sp>
+        <p:nvSpPr>
+          <p:cNvPr id="31" name="TextBox 30">
+            <a:extLst>
+              <a:ext uri="{FF2B5EF4-FFF2-40B4-BE49-F238E27FC236}">
+                <a16:creationId xmlns:a16="http://schemas.microsoft.com/office/drawing/2014/main" id="{FB042490-F066-44D8-B465-85E738AC0AF0}"/>
+              </a:ext>
+            </a:extLst>
+          </p:cNvPr>
+          <p:cNvSpPr txBox="1"/>
+          <p:nvPr/>
+        </p:nvSpPr>
+        <p:spPr>
+          <a:xfrm>
+            <a:off x="8721375" y="1603332"/>
+            <a:ext cx="2980120" cy="646331"/>
+          </a:xfrm>
+          <a:prstGeom prst="rect">
+            <a:avLst/>
+          </a:prstGeom>
+          <a:noFill/>
+        </p:spPr>
+        <p:txBody>
+          <a:bodyPr wrap="square" rtlCol="0">
+            <a:spAutoFit/>
+          </a:bodyPr>
+          <a:lstStyle/>
+          <a:p>
+            <a:pPr algn="r"/>
+            <a:r>
+              <a:rPr lang="en-US" dirty="0"/>
+              <a:t>Require a server to protect key and to do key exchange</a:t>
+            </a:r>
+          </a:p>
+        </p:txBody>
+      </p:sp>
+      <p:sp>
+        <p:nvSpPr>
+          <p:cNvPr id="33" name="TextBox 32">
+            <a:extLst>
+              <a:ext uri="{FF2B5EF4-FFF2-40B4-BE49-F238E27FC236}">
+                <a16:creationId xmlns:a16="http://schemas.microsoft.com/office/drawing/2014/main" id="{3BFD7A88-979A-4463-AD8F-F65B78A35CFF}"/>
+              </a:ext>
+            </a:extLst>
+          </p:cNvPr>
+          <p:cNvSpPr txBox="1"/>
+          <p:nvPr/>
+        </p:nvSpPr>
+        <p:spPr>
+          <a:xfrm>
+            <a:off x="561218" y="2378655"/>
+            <a:ext cx="3483582" cy="646331"/>
+          </a:xfrm>
+          <a:prstGeom prst="rect">
+            <a:avLst/>
+          </a:prstGeom>
+          <a:noFill/>
+        </p:spPr>
+        <p:txBody>
+          <a:bodyPr wrap="none" rtlCol="0">
+            <a:spAutoFit/>
+          </a:bodyPr>
+          <a:lstStyle/>
+          <a:p>
+            <a:r>
+              <a:rPr lang="en-US" dirty="0"/>
+              <a:t>Server must throttle/ban based on </a:t>
+            </a:r>
+          </a:p>
+          <a:p>
+            <a:r>
+              <a:rPr lang="en-US" dirty="0"/>
+              <a:t>IP address.</a:t>
+            </a:r>
+          </a:p>
+        </p:txBody>
+      </p:sp>
+      <p:sp>
+        <p:nvSpPr>
+          <p:cNvPr id="37" name="TextBox 36">
+            <a:extLst>
+              <a:ext uri="{FF2B5EF4-FFF2-40B4-BE49-F238E27FC236}">
+                <a16:creationId xmlns:a16="http://schemas.microsoft.com/office/drawing/2014/main" id="{5516C2CA-9600-4781-9572-62FF8A3D6FD8}"/>
+              </a:ext>
+            </a:extLst>
+          </p:cNvPr>
+          <p:cNvSpPr txBox="1"/>
+          <p:nvPr/>
+        </p:nvSpPr>
+        <p:spPr>
+          <a:xfrm>
+            <a:off x="4168843" y="2378655"/>
+            <a:ext cx="3854314" cy="646331"/>
+          </a:xfrm>
+          <a:prstGeom prst="rect">
+            <a:avLst/>
+          </a:prstGeom>
+          <a:noFill/>
+        </p:spPr>
+        <p:txBody>
+          <a:bodyPr wrap="square" rtlCol="0">
+            <a:spAutoFit/>
+          </a:bodyPr>
+          <a:lstStyle/>
+          <a:p>
+            <a:pPr algn="ctr"/>
+            <a:r>
+              <a:rPr lang="en-US" dirty="0"/>
+              <a:t>Server can throttle/ban based on API key.</a:t>
+            </a:r>
+          </a:p>
+        </p:txBody>
+      </p:sp>
+      <p:sp>
+        <p:nvSpPr>
+          <p:cNvPr id="39" name="TextBox 38">
+            <a:extLst>
+              <a:ext uri="{FF2B5EF4-FFF2-40B4-BE49-F238E27FC236}">
+                <a16:creationId xmlns:a16="http://schemas.microsoft.com/office/drawing/2014/main" id="{6BDD8C94-4BF9-409B-8893-C69ECDDF8123}"/>
+              </a:ext>
+            </a:extLst>
+          </p:cNvPr>
+          <p:cNvSpPr txBox="1"/>
+          <p:nvPr/>
+        </p:nvSpPr>
+        <p:spPr>
+          <a:xfrm>
+            <a:off x="8721375" y="2378655"/>
+            <a:ext cx="2980120" cy="646331"/>
+          </a:xfrm>
+          <a:prstGeom prst="rect">
+            <a:avLst/>
+          </a:prstGeom>
+          <a:noFill/>
+        </p:spPr>
+        <p:txBody>
+          <a:bodyPr wrap="square" rtlCol="0">
+            <a:spAutoFit/>
+          </a:bodyPr>
+          <a:lstStyle/>
+          <a:p>
+            <a:pPr algn="r"/>
+            <a:r>
+              <a:rPr lang="en-US" dirty="0"/>
+              <a:t>Server can throttle/ban based on key.</a:t>
+            </a:r>
+          </a:p>
+        </p:txBody>
+      </p:sp>
+      <p:sp>
+        <p:nvSpPr>
+          <p:cNvPr id="41" name="TextBox 40">
+            <a:extLst>
+              <a:ext uri="{FF2B5EF4-FFF2-40B4-BE49-F238E27FC236}">
+                <a16:creationId xmlns:a16="http://schemas.microsoft.com/office/drawing/2014/main" id="{13E83FA6-ADD0-402D-A710-C81729C61E26}"/>
+              </a:ext>
+            </a:extLst>
+          </p:cNvPr>
+          <p:cNvSpPr txBox="1"/>
+          <p:nvPr/>
+        </p:nvSpPr>
+        <p:spPr>
+          <a:xfrm>
+            <a:off x="569993" y="3271629"/>
+            <a:ext cx="3221716" cy="369332"/>
+          </a:xfrm>
+          <a:prstGeom prst="rect">
+            <a:avLst/>
+          </a:prstGeom>
+          <a:noFill/>
+        </p:spPr>
+        <p:txBody>
+          <a:bodyPr wrap="none" rtlCol="0">
+            <a:spAutoFit/>
+          </a:bodyPr>
+          <a:lstStyle/>
+          <a:p>
+            <a:r>
+              <a:rPr lang="en-US" dirty="0"/>
+              <a:t>Code author has nothing to hide</a:t>
+            </a:r>
+          </a:p>
+        </p:txBody>
+      </p:sp>
+      <p:sp>
+        <p:nvSpPr>
+          <p:cNvPr id="43" name="TextBox 42">
+            <a:extLst>
+              <a:ext uri="{FF2B5EF4-FFF2-40B4-BE49-F238E27FC236}">
+                <a16:creationId xmlns:a16="http://schemas.microsoft.com/office/drawing/2014/main" id="{606D1290-73E4-4E78-B129-7DB04A33E34B}"/>
+              </a:ext>
+            </a:extLst>
+          </p:cNvPr>
+          <p:cNvSpPr txBox="1"/>
+          <p:nvPr/>
+        </p:nvSpPr>
+        <p:spPr>
+          <a:xfrm>
+            <a:off x="4353340" y="3133130"/>
+            <a:ext cx="3498574" cy="646331"/>
+          </a:xfrm>
+          <a:prstGeom prst="rect">
+            <a:avLst/>
+          </a:prstGeom>
+          <a:noFill/>
+        </p:spPr>
+        <p:txBody>
+          <a:bodyPr wrap="square" rtlCol="0">
+            <a:spAutoFit/>
+          </a:bodyPr>
+          <a:lstStyle/>
+          <a:p>
+            <a:pPr algn="ctr"/>
+            <a:r>
+              <a:rPr lang="en-US" dirty="0"/>
+              <a:t>Code author cannot publicly  commit API key </a:t>
+            </a:r>
+          </a:p>
+        </p:txBody>
+      </p:sp>
+      <p:sp>
+        <p:nvSpPr>
+          <p:cNvPr id="45" name="TextBox 44">
+            <a:extLst>
+              <a:ext uri="{FF2B5EF4-FFF2-40B4-BE49-F238E27FC236}">
+                <a16:creationId xmlns:a16="http://schemas.microsoft.com/office/drawing/2014/main" id="{C0400D11-6594-4715-A9E4-DBF3A7A3208D}"/>
+              </a:ext>
+            </a:extLst>
+          </p:cNvPr>
+          <p:cNvSpPr txBox="1"/>
+          <p:nvPr/>
+        </p:nvSpPr>
+        <p:spPr>
+          <a:xfrm>
+            <a:off x="8462148" y="3133130"/>
+            <a:ext cx="3498574" cy="646331"/>
+          </a:xfrm>
+          <a:prstGeom prst="rect">
+            <a:avLst/>
+          </a:prstGeom>
+          <a:noFill/>
+        </p:spPr>
+        <p:txBody>
+          <a:bodyPr wrap="square" rtlCol="0">
+            <a:spAutoFit/>
+          </a:bodyPr>
+          <a:lstStyle/>
+          <a:p>
+            <a:pPr algn="ctr"/>
+            <a:r>
+              <a:rPr lang="en-US" dirty="0"/>
+              <a:t>Code author cannot publicly  commit </a:t>
+            </a:r>
+            <a:r>
+              <a:rPr lang="en-US" dirty="0" err="1"/>
+              <a:t>Oauth</a:t>
+            </a:r>
+            <a:r>
+              <a:rPr lang="en-US" dirty="0"/>
+              <a:t> key </a:t>
+            </a:r>
+          </a:p>
+        </p:txBody>
+      </p:sp>
+      <p:sp>
+        <p:nvSpPr>
+          <p:cNvPr id="47" name="TextBox 46">
+            <a:extLst>
+              <a:ext uri="{FF2B5EF4-FFF2-40B4-BE49-F238E27FC236}">
+                <a16:creationId xmlns:a16="http://schemas.microsoft.com/office/drawing/2014/main" id="{0D18E1CA-6E37-400F-B95A-84DA24D652F9}"/>
+              </a:ext>
+            </a:extLst>
+          </p:cNvPr>
+          <p:cNvSpPr txBox="1"/>
+          <p:nvPr/>
+        </p:nvSpPr>
+        <p:spPr>
+          <a:xfrm>
+            <a:off x="545161" y="4125392"/>
+            <a:ext cx="3271902" cy="646331"/>
+          </a:xfrm>
+          <a:prstGeom prst="rect">
+            <a:avLst/>
+          </a:prstGeom>
+          <a:noFill/>
+        </p:spPr>
+        <p:txBody>
+          <a:bodyPr wrap="square" rtlCol="0">
+            <a:spAutoFit/>
+          </a:bodyPr>
+          <a:lstStyle/>
+          <a:p>
+            <a:r>
+              <a:rPr lang="en-US" dirty="0"/>
+              <a:t>No setup required to call API endpoint</a:t>
+            </a:r>
+          </a:p>
+        </p:txBody>
+      </p:sp>
+      <p:sp>
+        <p:nvSpPr>
+          <p:cNvPr id="51" name="TextBox 50">
+            <a:extLst>
+              <a:ext uri="{FF2B5EF4-FFF2-40B4-BE49-F238E27FC236}">
+                <a16:creationId xmlns:a16="http://schemas.microsoft.com/office/drawing/2014/main" id="{0D130E73-B5D6-4403-8E8C-426424786362}"/>
+              </a:ext>
+            </a:extLst>
+          </p:cNvPr>
+          <p:cNvSpPr txBox="1"/>
+          <p:nvPr/>
+        </p:nvSpPr>
+        <p:spPr>
+          <a:xfrm>
+            <a:off x="8517835" y="4125392"/>
+            <a:ext cx="3498574" cy="646331"/>
+          </a:xfrm>
+          <a:prstGeom prst="rect">
+            <a:avLst/>
+          </a:prstGeom>
+          <a:noFill/>
+        </p:spPr>
+        <p:txBody>
+          <a:bodyPr wrap="square" rtlCol="0">
+            <a:spAutoFit/>
+          </a:bodyPr>
+          <a:lstStyle/>
+          <a:p>
+            <a:pPr algn="r"/>
+            <a:r>
+              <a:rPr lang="en-US" dirty="0"/>
+              <a:t>Code author must register/pay for an OAuth key.</a:t>
+            </a:r>
+          </a:p>
+        </p:txBody>
+      </p:sp>
+      <p:sp>
+        <p:nvSpPr>
+          <p:cNvPr id="53" name="TextBox 52">
+            <a:extLst>
+              <a:ext uri="{FF2B5EF4-FFF2-40B4-BE49-F238E27FC236}">
+                <a16:creationId xmlns:a16="http://schemas.microsoft.com/office/drawing/2014/main" id="{2543D9C6-B051-4F34-B815-B6CC62FE55E3}"/>
+              </a:ext>
+            </a:extLst>
+          </p:cNvPr>
+          <p:cNvSpPr txBox="1"/>
+          <p:nvPr/>
+        </p:nvSpPr>
+        <p:spPr>
+          <a:xfrm>
+            <a:off x="4505740" y="4125392"/>
+            <a:ext cx="3498574" cy="646331"/>
+          </a:xfrm>
+          <a:prstGeom prst="rect">
+            <a:avLst/>
+          </a:prstGeom>
+          <a:noFill/>
+        </p:spPr>
+        <p:txBody>
+          <a:bodyPr wrap="square" rtlCol="0">
+            <a:spAutoFit/>
+          </a:bodyPr>
+          <a:lstStyle/>
+          <a:p>
+            <a:pPr algn="ctr"/>
+            <a:r>
+              <a:rPr lang="en-US" dirty="0"/>
+              <a:t>Code author must register/pay for an API key.</a:t>
+            </a:r>
+          </a:p>
+        </p:txBody>
+      </p:sp>
+      <p:sp>
+        <p:nvSpPr>
+          <p:cNvPr id="55" name="TextBox 54">
+            <a:extLst>
+              <a:ext uri="{FF2B5EF4-FFF2-40B4-BE49-F238E27FC236}">
+                <a16:creationId xmlns:a16="http://schemas.microsoft.com/office/drawing/2014/main" id="{3C341611-C552-4265-A823-4E90322814DF}"/>
+              </a:ext>
+            </a:extLst>
+          </p:cNvPr>
+          <p:cNvSpPr txBox="1"/>
+          <p:nvPr/>
+        </p:nvSpPr>
+        <p:spPr>
+          <a:xfrm>
+            <a:off x="569993" y="5114104"/>
+            <a:ext cx="3271902" cy="369332"/>
+          </a:xfrm>
+          <a:prstGeom prst="rect">
+            <a:avLst/>
+          </a:prstGeom>
+          <a:noFill/>
+        </p:spPr>
+        <p:txBody>
+          <a:bodyPr wrap="square" rtlCol="0">
+            <a:spAutoFit/>
+          </a:bodyPr>
+          <a:lstStyle/>
+          <a:p>
+            <a:r>
+              <a:rPr lang="en-US" dirty="0"/>
+              <a:t>API is static</a:t>
+            </a:r>
+          </a:p>
+        </p:txBody>
+      </p:sp>
+      <p:sp>
+        <p:nvSpPr>
+          <p:cNvPr id="59" name="TextBox 58">
+            <a:extLst>
+              <a:ext uri="{FF2B5EF4-FFF2-40B4-BE49-F238E27FC236}">
+                <a16:creationId xmlns:a16="http://schemas.microsoft.com/office/drawing/2014/main" id="{FBB45B88-80F9-4685-B829-CDEC8479D694}"/>
+              </a:ext>
+            </a:extLst>
+          </p:cNvPr>
+          <p:cNvSpPr txBox="1"/>
+          <p:nvPr/>
+        </p:nvSpPr>
+        <p:spPr>
+          <a:xfrm>
+            <a:off x="4633025" y="4975605"/>
+            <a:ext cx="3498574" cy="646331"/>
+          </a:xfrm>
+          <a:prstGeom prst="rect">
+            <a:avLst/>
+          </a:prstGeom>
+          <a:noFill/>
+        </p:spPr>
+        <p:txBody>
+          <a:bodyPr wrap="square" rtlCol="0">
+            <a:spAutoFit/>
+          </a:bodyPr>
+          <a:lstStyle/>
+          <a:p>
+            <a:pPr algn="ctr"/>
+            <a:r>
+              <a:rPr lang="en-US" dirty="0"/>
+              <a:t>API can be dynamic. API caller can represent up to one user.</a:t>
+            </a:r>
+          </a:p>
+        </p:txBody>
+      </p:sp>
+      <p:sp>
+        <p:nvSpPr>
+          <p:cNvPr id="63" name="TextBox 62">
+            <a:extLst>
+              <a:ext uri="{FF2B5EF4-FFF2-40B4-BE49-F238E27FC236}">
+                <a16:creationId xmlns:a16="http://schemas.microsoft.com/office/drawing/2014/main" id="{D0C0856C-B452-415D-971D-EB98DFBC88A5}"/>
+              </a:ext>
+            </a:extLst>
+          </p:cNvPr>
+          <p:cNvSpPr txBox="1"/>
+          <p:nvPr/>
+        </p:nvSpPr>
+        <p:spPr>
+          <a:xfrm>
+            <a:off x="8462148" y="4975605"/>
+            <a:ext cx="3498574" cy="646331"/>
+          </a:xfrm>
+          <a:prstGeom prst="rect">
+            <a:avLst/>
+          </a:prstGeom>
+          <a:noFill/>
+        </p:spPr>
+        <p:txBody>
+          <a:bodyPr wrap="square" rtlCol="0">
+            <a:spAutoFit/>
+          </a:bodyPr>
+          <a:lstStyle/>
+          <a:p>
+            <a:pPr algn="r"/>
+            <a:r>
+              <a:rPr lang="en-US" dirty="0"/>
+              <a:t>API can be dynamic. Code by represent many different users</a:t>
+            </a:r>
+          </a:p>
+        </p:txBody>
+      </p:sp>
+    </p:spTree>
+    <p:extLst>
+      <p:ext uri="{BB962C8B-B14F-4D97-AF65-F5344CB8AC3E}">
+        <p14:creationId xmlns:p14="http://schemas.microsoft.com/office/powerpoint/2010/main" val="1177736826"/>
       </p:ext>
     </p:extLst>
   </p:cSld>

--- a/Network Parts and Terms.pptx
+++ b/Network Parts and Terms.pptx
@@ -23,6 +23,7 @@
     <p:sldId id="286" r:id="rId17"/>
     <p:sldId id="289" r:id="rId18"/>
     <p:sldId id="288" r:id="rId19"/>
+    <p:sldId id="290" r:id="rId20"/>
   </p:sldIdLst>
   <p:sldSz cx="12192000" cy="6858000"/>
   <p:notesSz cx="6858000" cy="9144000"/>
@@ -276,7 +277,7 @@
           <a:p>
             <a:fld id="{06ADBE60-9DBF-4AEC-B933-FFCA020856EA}" type="datetimeFigureOut">
               <a:rPr lang="en-US" smtClean="0"/>
-              <a:t>9/28/2020</a:t>
+              <a:t>11/4/2020</a:t>
             </a:fld>
             <a:endParaRPr lang="en-US"/>
           </a:p>
@@ -474,7 +475,7 @@
           <a:p>
             <a:fld id="{06ADBE60-9DBF-4AEC-B933-FFCA020856EA}" type="datetimeFigureOut">
               <a:rPr lang="en-US" smtClean="0"/>
-              <a:t>9/28/2020</a:t>
+              <a:t>11/4/2020</a:t>
             </a:fld>
             <a:endParaRPr lang="en-US"/>
           </a:p>
@@ -682,7 +683,7 @@
           <a:p>
             <a:fld id="{06ADBE60-9DBF-4AEC-B933-FFCA020856EA}" type="datetimeFigureOut">
               <a:rPr lang="en-US" smtClean="0"/>
-              <a:t>9/28/2020</a:t>
+              <a:t>11/4/2020</a:t>
             </a:fld>
             <a:endParaRPr lang="en-US"/>
           </a:p>
@@ -902,7 +903,7 @@
           <a:p>
             <a:fld id="{12BDD699-8925-4618-9E03-ADAE2166C8F2}" type="datetimeFigureOut">
               <a:rPr lang="en-US" smtClean="0"/>
-              <a:t>9/28/2020</a:t>
+              <a:t>11/4/2020</a:t>
             </a:fld>
             <a:endParaRPr lang="en-US"/>
           </a:p>
@@ -1100,7 +1101,7 @@
           <a:p>
             <a:fld id="{06ADBE60-9DBF-4AEC-B933-FFCA020856EA}" type="datetimeFigureOut">
               <a:rPr lang="en-US" smtClean="0"/>
-              <a:t>9/28/2020</a:t>
+              <a:t>11/4/2020</a:t>
             </a:fld>
             <a:endParaRPr lang="en-US"/>
           </a:p>
@@ -1375,7 +1376,7 @@
           <a:p>
             <a:fld id="{06ADBE60-9DBF-4AEC-B933-FFCA020856EA}" type="datetimeFigureOut">
               <a:rPr lang="en-US" smtClean="0"/>
-              <a:t>9/28/2020</a:t>
+              <a:t>11/4/2020</a:t>
             </a:fld>
             <a:endParaRPr lang="en-US"/>
           </a:p>
@@ -1640,7 +1641,7 @@
           <a:p>
             <a:fld id="{06ADBE60-9DBF-4AEC-B933-FFCA020856EA}" type="datetimeFigureOut">
               <a:rPr lang="en-US" smtClean="0"/>
-              <a:t>9/28/2020</a:t>
+              <a:t>11/4/2020</a:t>
             </a:fld>
             <a:endParaRPr lang="en-US"/>
           </a:p>
@@ -2052,7 +2053,7 @@
           <a:p>
             <a:fld id="{06ADBE60-9DBF-4AEC-B933-FFCA020856EA}" type="datetimeFigureOut">
               <a:rPr lang="en-US" smtClean="0"/>
-              <a:t>9/28/2020</a:t>
+              <a:t>11/4/2020</a:t>
             </a:fld>
             <a:endParaRPr lang="en-US"/>
           </a:p>
@@ -2193,7 +2194,7 @@
           <a:p>
             <a:fld id="{06ADBE60-9DBF-4AEC-B933-FFCA020856EA}" type="datetimeFigureOut">
               <a:rPr lang="en-US" smtClean="0"/>
-              <a:t>9/28/2020</a:t>
+              <a:t>11/4/2020</a:t>
             </a:fld>
             <a:endParaRPr lang="en-US"/>
           </a:p>
@@ -2306,7 +2307,7 @@
           <a:p>
             <a:fld id="{06ADBE60-9DBF-4AEC-B933-FFCA020856EA}" type="datetimeFigureOut">
               <a:rPr lang="en-US" smtClean="0"/>
-              <a:t>9/28/2020</a:t>
+              <a:t>11/4/2020</a:t>
             </a:fld>
             <a:endParaRPr lang="en-US"/>
           </a:p>
@@ -2617,7 +2618,7 @@
           <a:p>
             <a:fld id="{06ADBE60-9DBF-4AEC-B933-FFCA020856EA}" type="datetimeFigureOut">
               <a:rPr lang="en-US" smtClean="0"/>
-              <a:t>9/28/2020</a:t>
+              <a:t>11/4/2020</a:t>
             </a:fld>
             <a:endParaRPr lang="en-US"/>
           </a:p>
@@ -2905,7 +2906,7 @@
           <a:p>
             <a:fld id="{06ADBE60-9DBF-4AEC-B933-FFCA020856EA}" type="datetimeFigureOut">
               <a:rPr lang="en-US" smtClean="0"/>
-              <a:t>9/28/2020</a:t>
+              <a:t>11/4/2020</a:t>
             </a:fld>
             <a:endParaRPr lang="en-US"/>
           </a:p>
@@ -3146,7 +3147,7 @@
           <a:p>
             <a:fld id="{06ADBE60-9DBF-4AEC-B933-FFCA020856EA}" type="datetimeFigureOut">
               <a:rPr lang="en-US" smtClean="0"/>
-              <a:t>9/28/2020</a:t>
+              <a:t>11/4/2020</a:t>
             </a:fld>
             <a:endParaRPr lang="en-US"/>
           </a:p>
@@ -3753,7 +3754,7 @@
           <a:p>
             <a:fld id="{12BDD699-8925-4618-9E03-ADAE2166C8F2}" type="datetimeFigureOut">
               <a:rPr lang="en-US" smtClean="0"/>
-              <a:t>9/28/2020</a:t>
+              <a:t>11/4/2020</a:t>
             </a:fld>
             <a:endParaRPr lang="en-US"/>
           </a:p>
@@ -19937,6 +19938,1310 @@
     <p:extLst>
       <p:ext uri="{BB962C8B-B14F-4D97-AF65-F5344CB8AC3E}">
         <p14:creationId xmlns:p14="http://schemas.microsoft.com/office/powerpoint/2010/main" val="1177736826"/>
+      </p:ext>
+    </p:extLst>
+  </p:cSld>
+  <p:clrMapOvr>
+    <a:masterClrMapping/>
+  </p:clrMapOvr>
+</p:sld>
+</file>
+
+<file path=ppt/slides/slide18.xml><?xml version="1.0" encoding="utf-8"?>
+<p:sld xmlns:a="http://schemas.openxmlformats.org/drawingml/2006/main" xmlns:r="http://schemas.openxmlformats.org/officeDocument/2006/relationships" xmlns:p="http://schemas.openxmlformats.org/presentationml/2006/main">
+  <p:cSld>
+    <p:spTree>
+      <p:nvGrpSpPr>
+        <p:cNvPr id="1" name=""/>
+        <p:cNvGrpSpPr/>
+        <p:nvPr/>
+      </p:nvGrpSpPr>
+      <p:grpSpPr>
+        <a:xfrm>
+          <a:off x="0" y="0"/>
+          <a:ext cx="0" cy="0"/>
+          <a:chOff x="0" y="0"/>
+          <a:chExt cx="0" cy="0"/>
+        </a:xfrm>
+      </p:grpSpPr>
+      <p:sp>
+        <p:nvSpPr>
+          <p:cNvPr id="4" name="TextBox 3">
+            <a:extLst>
+              <a:ext uri="{FF2B5EF4-FFF2-40B4-BE49-F238E27FC236}">
+                <a16:creationId xmlns:a16="http://schemas.microsoft.com/office/drawing/2014/main" id="{9896F5D9-C449-4B86-864D-1EF80F573316}"/>
+              </a:ext>
+            </a:extLst>
+          </p:cNvPr>
+          <p:cNvSpPr txBox="1"/>
+          <p:nvPr/>
+        </p:nvSpPr>
+        <p:spPr>
+          <a:xfrm>
+            <a:off x="3397135" y="250222"/>
+            <a:ext cx="5397730" cy="523220"/>
+          </a:xfrm>
+          <a:prstGeom prst="rect">
+            <a:avLst/>
+          </a:prstGeom>
+          <a:noFill/>
+        </p:spPr>
+        <p:txBody>
+          <a:bodyPr wrap="square" rtlCol="0">
+            <a:spAutoFit/>
+          </a:bodyPr>
+          <a:lstStyle/>
+          <a:p>
+            <a:pPr algn="ctr"/>
+            <a:r>
+              <a:rPr lang="en-US" sz="2800" dirty="0">
+                <a:solidFill>
+                  <a:schemeClr val="accent6">
+                    <a:lumMod val="75000"/>
+                  </a:schemeClr>
+                </a:solidFill>
+              </a:rPr>
+              <a:t>Kinds of Currency</a:t>
+            </a:r>
+          </a:p>
+        </p:txBody>
+      </p:sp>
+      <p:grpSp>
+        <p:nvGrpSpPr>
+          <p:cNvPr id="5" name="Group 4">
+            <a:extLst>
+              <a:ext uri="{FF2B5EF4-FFF2-40B4-BE49-F238E27FC236}">
+                <a16:creationId xmlns:a16="http://schemas.microsoft.com/office/drawing/2014/main" id="{C2F8E213-908F-46ED-9679-FB7F369080A5}"/>
+              </a:ext>
+            </a:extLst>
+          </p:cNvPr>
+          <p:cNvGrpSpPr/>
+          <p:nvPr/>
+        </p:nvGrpSpPr>
+        <p:grpSpPr>
+          <a:xfrm>
+            <a:off x="3766877" y="629685"/>
+            <a:ext cx="4498072" cy="297874"/>
+            <a:chOff x="3971469" y="624781"/>
+            <a:chExt cx="4498072" cy="297874"/>
+          </a:xfrm>
+        </p:grpSpPr>
+        <p:cxnSp>
+          <p:nvCxnSpPr>
+            <p:cNvPr id="6" name="Straight Connector 5">
+              <a:extLst>
+                <a:ext uri="{FF2B5EF4-FFF2-40B4-BE49-F238E27FC236}">
+                  <a16:creationId xmlns:a16="http://schemas.microsoft.com/office/drawing/2014/main" id="{41D5645D-B764-48F4-950E-7B43E416F4DD}"/>
+                </a:ext>
+              </a:extLst>
+            </p:cNvPr>
+            <p:cNvCxnSpPr/>
+            <p:nvPr/>
+          </p:nvCxnSpPr>
+          <p:spPr>
+            <a:xfrm>
+              <a:off x="5170031" y="773442"/>
+              <a:ext cx="2057400" cy="0"/>
+            </a:xfrm>
+            <a:prstGeom prst="line">
+              <a:avLst/>
+            </a:prstGeom>
+            <a:ln cap="rnd"/>
+          </p:spPr>
+          <p:style>
+            <a:lnRef idx="3">
+              <a:schemeClr val="accent6"/>
+            </a:lnRef>
+            <a:fillRef idx="0">
+              <a:schemeClr val="accent6"/>
+            </a:fillRef>
+            <a:effectRef idx="2">
+              <a:schemeClr val="accent6"/>
+            </a:effectRef>
+            <a:fontRef idx="minor">
+              <a:schemeClr val="tx1"/>
+            </a:fontRef>
+          </p:style>
+        </p:cxnSp>
+        <p:cxnSp>
+          <p:nvCxnSpPr>
+            <p:cNvPr id="7" name="Straight Connector 6">
+              <a:extLst>
+                <a:ext uri="{FF2B5EF4-FFF2-40B4-BE49-F238E27FC236}">
+                  <a16:creationId xmlns:a16="http://schemas.microsoft.com/office/drawing/2014/main" id="{3CF6183C-D6BF-42CA-8876-1D4428BC50B5}"/>
+                </a:ext>
+              </a:extLst>
+            </p:cNvPr>
+            <p:cNvCxnSpPr>
+              <a:cxnSpLocks/>
+            </p:cNvCxnSpPr>
+            <p:nvPr/>
+          </p:nvCxnSpPr>
+          <p:spPr>
+            <a:xfrm>
+              <a:off x="7349270" y="697242"/>
+              <a:ext cx="1027511" cy="0"/>
+            </a:xfrm>
+            <a:prstGeom prst="line">
+              <a:avLst/>
+            </a:prstGeom>
+            <a:ln cap="rnd"/>
+          </p:spPr>
+          <p:style>
+            <a:lnRef idx="3">
+              <a:schemeClr val="accent6"/>
+            </a:lnRef>
+            <a:fillRef idx="0">
+              <a:schemeClr val="accent6"/>
+            </a:fillRef>
+            <a:effectRef idx="2">
+              <a:schemeClr val="accent6"/>
+            </a:effectRef>
+            <a:fontRef idx="minor">
+              <a:schemeClr val="tx1"/>
+            </a:fontRef>
+          </p:style>
+        </p:cxnSp>
+        <p:cxnSp>
+          <p:nvCxnSpPr>
+            <p:cNvPr id="8" name="Straight Connector 7">
+              <a:extLst>
+                <a:ext uri="{FF2B5EF4-FFF2-40B4-BE49-F238E27FC236}">
+                  <a16:creationId xmlns:a16="http://schemas.microsoft.com/office/drawing/2014/main" id="{2429321A-A5CF-4FE0-A23B-EDBC35C19BC4}"/>
+                </a:ext>
+              </a:extLst>
+            </p:cNvPr>
+            <p:cNvCxnSpPr>
+              <a:cxnSpLocks/>
+            </p:cNvCxnSpPr>
+            <p:nvPr/>
+          </p:nvCxnSpPr>
+          <p:spPr>
+            <a:xfrm flipV="1">
+              <a:off x="7227431" y="697242"/>
+              <a:ext cx="121839" cy="76200"/>
+            </a:xfrm>
+            <a:prstGeom prst="line">
+              <a:avLst/>
+            </a:prstGeom>
+            <a:ln cap="rnd"/>
+          </p:spPr>
+          <p:style>
+            <a:lnRef idx="3">
+              <a:schemeClr val="accent6"/>
+            </a:lnRef>
+            <a:fillRef idx="0">
+              <a:schemeClr val="accent6"/>
+            </a:fillRef>
+            <a:effectRef idx="2">
+              <a:schemeClr val="accent6"/>
+            </a:effectRef>
+            <a:fontRef idx="minor">
+              <a:schemeClr val="tx1"/>
+            </a:fontRef>
+          </p:style>
+        </p:cxnSp>
+        <p:cxnSp>
+          <p:nvCxnSpPr>
+            <p:cNvPr id="9" name="Straight Connector 8">
+              <a:extLst>
+                <a:ext uri="{FF2B5EF4-FFF2-40B4-BE49-F238E27FC236}">
+                  <a16:creationId xmlns:a16="http://schemas.microsoft.com/office/drawing/2014/main" id="{B3B5B3E7-29C0-4D6F-BBEC-09492D1998E5}"/>
+                </a:ext>
+              </a:extLst>
+            </p:cNvPr>
+            <p:cNvCxnSpPr>
+              <a:cxnSpLocks/>
+            </p:cNvCxnSpPr>
+            <p:nvPr/>
+          </p:nvCxnSpPr>
+          <p:spPr>
+            <a:xfrm flipV="1">
+              <a:off x="5048192" y="773442"/>
+              <a:ext cx="121839" cy="76200"/>
+            </a:xfrm>
+            <a:prstGeom prst="line">
+              <a:avLst/>
+            </a:prstGeom>
+            <a:ln cap="rnd"/>
+          </p:spPr>
+          <p:style>
+            <a:lnRef idx="3">
+              <a:schemeClr val="accent6"/>
+            </a:lnRef>
+            <a:fillRef idx="0">
+              <a:schemeClr val="accent6"/>
+            </a:fillRef>
+            <a:effectRef idx="2">
+              <a:schemeClr val="accent6"/>
+            </a:effectRef>
+            <a:fontRef idx="minor">
+              <a:schemeClr val="tx1"/>
+            </a:fontRef>
+          </p:style>
+        </p:cxnSp>
+        <p:cxnSp>
+          <p:nvCxnSpPr>
+            <p:cNvPr id="10" name="Straight Connector 9">
+              <a:extLst>
+                <a:ext uri="{FF2B5EF4-FFF2-40B4-BE49-F238E27FC236}">
+                  <a16:creationId xmlns:a16="http://schemas.microsoft.com/office/drawing/2014/main" id="{31FCC5C0-EBBF-43BB-89C8-294340A633CA}"/>
+                </a:ext>
+              </a:extLst>
+            </p:cNvPr>
+            <p:cNvCxnSpPr>
+              <a:cxnSpLocks/>
+            </p:cNvCxnSpPr>
+            <p:nvPr/>
+          </p:nvCxnSpPr>
+          <p:spPr>
+            <a:xfrm flipV="1">
+              <a:off x="4021655" y="849642"/>
+              <a:ext cx="1026537" cy="11668"/>
+            </a:xfrm>
+            <a:prstGeom prst="line">
+              <a:avLst/>
+            </a:prstGeom>
+            <a:ln cap="rnd"/>
+          </p:spPr>
+          <p:style>
+            <a:lnRef idx="3">
+              <a:schemeClr val="accent6"/>
+            </a:lnRef>
+            <a:fillRef idx="0">
+              <a:schemeClr val="accent6"/>
+            </a:fillRef>
+            <a:effectRef idx="2">
+              <a:schemeClr val="accent6"/>
+            </a:effectRef>
+            <a:fontRef idx="minor">
+              <a:schemeClr val="tx1"/>
+            </a:fontRef>
+          </p:style>
+        </p:cxnSp>
+        <p:sp>
+          <p:nvSpPr>
+            <p:cNvPr id="11" name="Oval 10">
+              <a:extLst>
+                <a:ext uri="{FF2B5EF4-FFF2-40B4-BE49-F238E27FC236}">
+                  <a16:creationId xmlns:a16="http://schemas.microsoft.com/office/drawing/2014/main" id="{8A9E860A-4276-4892-9CC2-3F354C758C9B}"/>
+                </a:ext>
+              </a:extLst>
+            </p:cNvPr>
+            <p:cNvSpPr/>
+            <p:nvPr/>
+          </p:nvSpPr>
+          <p:spPr>
+            <a:xfrm>
+              <a:off x="3971469" y="789305"/>
+              <a:ext cx="133350" cy="133350"/>
+            </a:xfrm>
+            <a:prstGeom prst="ellipse">
+              <a:avLst/>
+            </a:prstGeom>
+          </p:spPr>
+          <p:style>
+            <a:lnRef idx="2">
+              <a:schemeClr val="accent6"/>
+            </a:lnRef>
+            <a:fillRef idx="1">
+              <a:schemeClr val="lt1"/>
+            </a:fillRef>
+            <a:effectRef idx="0">
+              <a:schemeClr val="accent6"/>
+            </a:effectRef>
+            <a:fontRef idx="minor">
+              <a:schemeClr val="dk1"/>
+            </a:fontRef>
+          </p:style>
+          <p:txBody>
+            <a:bodyPr rtlCol="0" anchor="ctr"/>
+            <a:lstStyle/>
+            <a:p>
+              <a:pPr algn="ctr"/>
+              <a:endParaRPr lang="en-US" i="1" dirty="0"/>
+            </a:p>
+          </p:txBody>
+        </p:sp>
+        <p:sp>
+          <p:nvSpPr>
+            <p:cNvPr id="12" name="Oval 11">
+              <a:extLst>
+                <a:ext uri="{FF2B5EF4-FFF2-40B4-BE49-F238E27FC236}">
+                  <a16:creationId xmlns:a16="http://schemas.microsoft.com/office/drawing/2014/main" id="{7A0B2537-65EE-47DF-812A-96265B8B76F7}"/>
+                </a:ext>
+              </a:extLst>
+            </p:cNvPr>
+            <p:cNvSpPr/>
+            <p:nvPr/>
+          </p:nvSpPr>
+          <p:spPr>
+            <a:xfrm>
+              <a:off x="8336191" y="624781"/>
+              <a:ext cx="133350" cy="133350"/>
+            </a:xfrm>
+            <a:prstGeom prst="ellipse">
+              <a:avLst/>
+            </a:prstGeom>
+          </p:spPr>
+          <p:style>
+            <a:lnRef idx="2">
+              <a:schemeClr val="accent6"/>
+            </a:lnRef>
+            <a:fillRef idx="1">
+              <a:schemeClr val="lt1"/>
+            </a:fillRef>
+            <a:effectRef idx="0">
+              <a:schemeClr val="accent6"/>
+            </a:effectRef>
+            <a:fontRef idx="minor">
+              <a:schemeClr val="dk1"/>
+            </a:fontRef>
+          </p:style>
+          <p:txBody>
+            <a:bodyPr rtlCol="0" anchor="ctr"/>
+            <a:lstStyle/>
+            <a:p>
+              <a:pPr algn="ctr"/>
+              <a:endParaRPr lang="en-US" i="1" dirty="0"/>
+            </a:p>
+          </p:txBody>
+        </p:sp>
+      </p:grpSp>
+      <p:graphicFrame>
+        <p:nvGraphicFramePr>
+          <p:cNvPr id="2" name="Table 2">
+            <a:extLst>
+              <a:ext uri="{FF2B5EF4-FFF2-40B4-BE49-F238E27FC236}">
+                <a16:creationId xmlns:a16="http://schemas.microsoft.com/office/drawing/2014/main" id="{E63CAEEA-E708-491E-B05B-8AC55C22578D}"/>
+              </a:ext>
+            </a:extLst>
+          </p:cNvPr>
+          <p:cNvGraphicFramePr>
+            <a:graphicFrameLocks noGrp="1"/>
+          </p:cNvGraphicFramePr>
+          <p:nvPr>
+            <p:extLst>
+              <p:ext uri="{D42A27DB-BD31-4B8C-83A1-F6EECF244321}">
+                <p14:modId xmlns:p14="http://schemas.microsoft.com/office/powerpoint/2010/main" val="1217899924"/>
+              </p:ext>
+            </p:extLst>
+          </p:nvPr>
+        </p:nvGraphicFramePr>
+        <p:xfrm>
+          <a:off x="2957209" y="1780731"/>
+          <a:ext cx="8374937" cy="3591304"/>
+        </p:xfrm>
+        <a:graphic>
+          <a:graphicData uri="http://schemas.openxmlformats.org/drawingml/2006/table">
+            <a:tbl>
+              <a:tblPr firstRow="1" bandRow="1">
+                <a:tableStyleId>{7E9639D4-E3E2-4D34-9284-5A2195B3D0D7}</a:tableStyleId>
+              </a:tblPr>
+              <a:tblGrid>
+                <a:gridCol w="1092840">
+                  <a:extLst>
+                    <a:ext uri="{9D8B030D-6E8A-4147-A177-3AD203B41FA5}">
+                      <a16:colId xmlns:a16="http://schemas.microsoft.com/office/drawing/2014/main" val="2418564561"/>
+                    </a:ext>
+                  </a:extLst>
+                </a:gridCol>
+                <a:gridCol w="1134873">
+                  <a:extLst>
+                    <a:ext uri="{9D8B030D-6E8A-4147-A177-3AD203B41FA5}">
+                      <a16:colId xmlns:a16="http://schemas.microsoft.com/office/drawing/2014/main" val="1335082205"/>
+                    </a:ext>
+                  </a:extLst>
+                </a:gridCol>
+                <a:gridCol w="1173402">
+                  <a:extLst>
+                    <a:ext uri="{9D8B030D-6E8A-4147-A177-3AD203B41FA5}">
+                      <a16:colId xmlns:a16="http://schemas.microsoft.com/office/drawing/2014/main" val="2649579700"/>
+                    </a:ext>
+                  </a:extLst>
+                </a:gridCol>
+                <a:gridCol w="1229445">
+                  <a:extLst>
+                    <a:ext uri="{9D8B030D-6E8A-4147-A177-3AD203B41FA5}">
+                      <a16:colId xmlns:a16="http://schemas.microsoft.com/office/drawing/2014/main" val="2013226019"/>
+                    </a:ext>
+                  </a:extLst>
+                </a:gridCol>
+                <a:gridCol w="1138375">
+                  <a:extLst>
+                    <a:ext uri="{9D8B030D-6E8A-4147-A177-3AD203B41FA5}">
+                      <a16:colId xmlns:a16="http://schemas.microsoft.com/office/drawing/2014/main" val="1388966015"/>
+                    </a:ext>
+                  </a:extLst>
+                </a:gridCol>
+                <a:gridCol w="1232948">
+                  <a:extLst>
+                    <a:ext uri="{9D8B030D-6E8A-4147-A177-3AD203B41FA5}">
+                      <a16:colId xmlns:a16="http://schemas.microsoft.com/office/drawing/2014/main" val="448337032"/>
+                    </a:ext>
+                  </a:extLst>
+                </a:gridCol>
+                <a:gridCol w="1373054">
+                  <a:extLst>
+                    <a:ext uri="{9D8B030D-6E8A-4147-A177-3AD203B41FA5}">
+                      <a16:colId xmlns:a16="http://schemas.microsoft.com/office/drawing/2014/main" val="819282124"/>
+                    </a:ext>
+                  </a:extLst>
+                </a:gridCol>
+              </a:tblGrid>
+              <a:tr h="591894">
+                <a:tc>
+                  <a:txBody>
+                    <a:bodyPr/>
+                    <a:lstStyle/>
+                    <a:p>
+                      <a:r>
+                        <a:rPr lang="en-US" dirty="0"/>
+                        <a:t>Type</a:t>
+                      </a:r>
+                    </a:p>
+                  </a:txBody>
+                  <a:tcPr/>
+                </a:tc>
+                <a:tc>
+                  <a:txBody>
+                    <a:bodyPr/>
+                    <a:lstStyle/>
+                    <a:p>
+                      <a:r>
+                        <a:rPr lang="en-US" dirty="0"/>
+                        <a:t>Fungible / Durable</a:t>
+                      </a:r>
+                    </a:p>
+                  </a:txBody>
+                  <a:tcPr/>
+                </a:tc>
+                <a:tc>
+                  <a:txBody>
+                    <a:bodyPr/>
+                    <a:lstStyle/>
+                    <a:p>
+                      <a:r>
+                        <a:rPr lang="en-US" dirty="0"/>
+                        <a:t>Inherent Value</a:t>
+                      </a:r>
+                    </a:p>
+                  </a:txBody>
+                  <a:tcPr/>
+                </a:tc>
+                <a:tc>
+                  <a:txBody>
+                    <a:bodyPr/>
+                    <a:lstStyle/>
+                    <a:p>
+                      <a:r>
+                        <a:rPr lang="en-US" dirty="0"/>
+                        <a:t>Anonymous</a:t>
+                      </a:r>
+                    </a:p>
+                  </a:txBody>
+                  <a:tcPr/>
+                </a:tc>
+                <a:tc>
+                  <a:txBody>
+                    <a:bodyPr/>
+                    <a:lstStyle/>
+                    <a:p>
+                      <a:r>
+                        <a:rPr lang="en-US" dirty="0"/>
+                        <a:t>Electronic</a:t>
+                      </a:r>
+                    </a:p>
+                  </a:txBody>
+                  <a:tcPr/>
+                </a:tc>
+                <a:tc>
+                  <a:txBody>
+                    <a:bodyPr/>
+                    <a:lstStyle/>
+                    <a:p>
+                      <a:r>
+                        <a:rPr lang="en-US" dirty="0"/>
+                        <a:t>Traceable</a:t>
+                      </a:r>
+                    </a:p>
+                  </a:txBody>
+                  <a:tcPr/>
+                </a:tc>
+                <a:tc>
+                  <a:txBody>
+                    <a:bodyPr/>
+                    <a:lstStyle/>
+                    <a:p>
+                      <a:r>
+                        <a:rPr lang="en-US" dirty="0"/>
+                        <a:t>3</a:t>
+                      </a:r>
+                      <a:r>
+                        <a:rPr lang="en-US" baseline="30000" dirty="0"/>
+                        <a:t>rd</a:t>
+                      </a:r>
+                      <a:r>
+                        <a:rPr lang="en-US" dirty="0"/>
+                        <a:t> Party</a:t>
+                      </a:r>
+                    </a:p>
+                  </a:txBody>
+                  <a:tcPr/>
+                </a:tc>
+                <a:extLst>
+                  <a:ext uri="{0D108BD9-81ED-4DB2-BD59-A6C34878D82A}">
+                    <a16:rowId xmlns:a16="http://schemas.microsoft.com/office/drawing/2014/main" val="3343206219"/>
+                  </a:ext>
+                </a:extLst>
+              </a:tr>
+              <a:tr h="338225">
+                <a:tc>
+                  <a:txBody>
+                    <a:bodyPr/>
+                    <a:lstStyle/>
+                    <a:p>
+                      <a:r>
+                        <a:rPr lang="en-US" dirty="0"/>
+                        <a:t>Barter</a:t>
+                      </a:r>
+                    </a:p>
+                  </a:txBody>
+                  <a:tcPr/>
+                </a:tc>
+                <a:tc>
+                  <a:txBody>
+                    <a:bodyPr/>
+                    <a:lstStyle/>
+                    <a:p>
+                      <a:r>
+                        <a:rPr lang="en-US" dirty="0"/>
+                        <a:t>No</a:t>
+                      </a:r>
+                    </a:p>
+                  </a:txBody>
+                  <a:tcPr/>
+                </a:tc>
+                <a:tc>
+                  <a:txBody>
+                    <a:bodyPr/>
+                    <a:lstStyle/>
+                    <a:p>
+                      <a:r>
+                        <a:rPr lang="en-US" dirty="0"/>
+                        <a:t>Yes</a:t>
+                      </a:r>
+                    </a:p>
+                  </a:txBody>
+                  <a:tcPr/>
+                </a:tc>
+                <a:tc>
+                  <a:txBody>
+                    <a:bodyPr/>
+                    <a:lstStyle/>
+                    <a:p>
+                      <a:r>
+                        <a:rPr lang="en-US" dirty="0"/>
+                        <a:t>Yes</a:t>
+                      </a:r>
+                    </a:p>
+                  </a:txBody>
+                  <a:tcPr/>
+                </a:tc>
+                <a:tc>
+                  <a:txBody>
+                    <a:bodyPr/>
+                    <a:lstStyle/>
+                    <a:p>
+                      <a:r>
+                        <a:rPr lang="en-US" dirty="0"/>
+                        <a:t>No</a:t>
+                      </a:r>
+                    </a:p>
+                  </a:txBody>
+                  <a:tcPr/>
+                </a:tc>
+                <a:tc>
+                  <a:txBody>
+                    <a:bodyPr/>
+                    <a:lstStyle/>
+                    <a:p>
+                      <a:r>
+                        <a:rPr lang="en-US" dirty="0"/>
+                        <a:t>No</a:t>
+                      </a:r>
+                    </a:p>
+                  </a:txBody>
+                  <a:tcPr/>
+                </a:tc>
+                <a:tc>
+                  <a:txBody>
+                    <a:bodyPr/>
+                    <a:lstStyle/>
+                    <a:p>
+                      <a:pPr algn="ctr"/>
+                      <a:r>
+                        <a:rPr lang="en-US" dirty="0"/>
+                        <a:t>-</a:t>
+                      </a:r>
+                    </a:p>
+                  </a:txBody>
+                  <a:tcPr/>
+                </a:tc>
+                <a:extLst>
+                  <a:ext uri="{0D108BD9-81ED-4DB2-BD59-A6C34878D82A}">
+                    <a16:rowId xmlns:a16="http://schemas.microsoft.com/office/drawing/2014/main" val="2085235246"/>
+                  </a:ext>
+                </a:extLst>
+              </a:tr>
+              <a:tr h="338225">
+                <a:tc>
+                  <a:txBody>
+                    <a:bodyPr/>
+                    <a:lstStyle/>
+                    <a:p>
+                      <a:r>
+                        <a:rPr lang="en-US" dirty="0"/>
+                        <a:t>Metal</a:t>
+                      </a:r>
+                    </a:p>
+                  </a:txBody>
+                  <a:tcPr/>
+                </a:tc>
+                <a:tc>
+                  <a:txBody>
+                    <a:bodyPr/>
+                    <a:lstStyle/>
+                    <a:p>
+                      <a:r>
+                        <a:rPr lang="en-US" dirty="0"/>
+                        <a:t>Yes</a:t>
+                      </a:r>
+                    </a:p>
+                  </a:txBody>
+                  <a:tcPr/>
+                </a:tc>
+                <a:tc>
+                  <a:txBody>
+                    <a:bodyPr/>
+                    <a:lstStyle/>
+                    <a:p>
+                      <a:r>
+                        <a:rPr lang="en-US" dirty="0"/>
+                        <a:t>Yes</a:t>
+                      </a:r>
+                    </a:p>
+                  </a:txBody>
+                  <a:tcPr/>
+                </a:tc>
+                <a:tc>
+                  <a:txBody>
+                    <a:bodyPr/>
+                    <a:lstStyle/>
+                    <a:p>
+                      <a:r>
+                        <a:rPr lang="en-US" dirty="0"/>
+                        <a:t>Yes</a:t>
+                      </a:r>
+                    </a:p>
+                  </a:txBody>
+                  <a:tcPr/>
+                </a:tc>
+                <a:tc>
+                  <a:txBody>
+                    <a:bodyPr/>
+                    <a:lstStyle/>
+                    <a:p>
+                      <a:r>
+                        <a:rPr lang="en-US" dirty="0"/>
+                        <a:t>No</a:t>
+                      </a:r>
+                    </a:p>
+                  </a:txBody>
+                  <a:tcPr/>
+                </a:tc>
+                <a:tc>
+                  <a:txBody>
+                    <a:bodyPr/>
+                    <a:lstStyle/>
+                    <a:p>
+                      <a:r>
+                        <a:rPr lang="en-US" dirty="0"/>
+                        <a:t>No</a:t>
+                      </a:r>
+                    </a:p>
+                  </a:txBody>
+                  <a:tcPr/>
+                </a:tc>
+                <a:tc>
+                  <a:txBody>
+                    <a:bodyPr/>
+                    <a:lstStyle/>
+                    <a:p>
+                      <a:pPr algn="ctr"/>
+                      <a:r>
+                        <a:rPr lang="en-US" dirty="0"/>
+                        <a:t>-</a:t>
+                      </a:r>
+                    </a:p>
+                  </a:txBody>
+                  <a:tcPr/>
+                </a:tc>
+                <a:extLst>
+                  <a:ext uri="{0D108BD9-81ED-4DB2-BD59-A6C34878D82A}">
+                    <a16:rowId xmlns:a16="http://schemas.microsoft.com/office/drawing/2014/main" val="3626333326"/>
+                  </a:ext>
+                </a:extLst>
+              </a:tr>
+              <a:tr h="789812">
+                <a:tc>
+                  <a:txBody>
+                    <a:bodyPr/>
+                    <a:lstStyle/>
+                    <a:p>
+                      <a:r>
+                        <a:rPr lang="en-US" dirty="0"/>
+                        <a:t>Cash</a:t>
+                      </a:r>
+                    </a:p>
+                  </a:txBody>
+                  <a:tcPr/>
+                </a:tc>
+                <a:tc>
+                  <a:txBody>
+                    <a:bodyPr/>
+                    <a:lstStyle/>
+                    <a:p>
+                      <a:r>
+                        <a:rPr lang="en-US" dirty="0"/>
+                        <a:t>Yes</a:t>
+                      </a:r>
+                    </a:p>
+                  </a:txBody>
+                  <a:tcPr/>
+                </a:tc>
+                <a:tc>
+                  <a:txBody>
+                    <a:bodyPr/>
+                    <a:lstStyle/>
+                    <a:p>
+                      <a:r>
+                        <a:rPr lang="en-US" dirty="0"/>
+                        <a:t>No</a:t>
+                      </a:r>
+                    </a:p>
+                  </a:txBody>
+                  <a:tcPr/>
+                </a:tc>
+                <a:tc>
+                  <a:txBody>
+                    <a:bodyPr/>
+                    <a:lstStyle/>
+                    <a:p>
+                      <a:r>
+                        <a:rPr lang="en-US" dirty="0"/>
+                        <a:t>Yes</a:t>
+                      </a:r>
+                    </a:p>
+                  </a:txBody>
+                  <a:tcPr/>
+                </a:tc>
+                <a:tc>
+                  <a:txBody>
+                    <a:bodyPr/>
+                    <a:lstStyle/>
+                    <a:p>
+                      <a:r>
+                        <a:rPr lang="en-US" dirty="0"/>
+                        <a:t>No</a:t>
+                      </a:r>
+                    </a:p>
+                  </a:txBody>
+                  <a:tcPr/>
+                </a:tc>
+                <a:tc>
+                  <a:txBody>
+                    <a:bodyPr/>
+                    <a:lstStyle/>
+                    <a:p>
+                      <a:r>
+                        <a:rPr lang="en-US" dirty="0"/>
+                        <a:t>Sometimes</a:t>
+                      </a:r>
+                    </a:p>
+                  </a:txBody>
+                  <a:tcPr/>
+                </a:tc>
+                <a:tc>
+                  <a:txBody>
+                    <a:bodyPr/>
+                    <a:lstStyle/>
+                    <a:p>
+                      <a:r>
+                        <a:rPr lang="en-US" dirty="0"/>
+                        <a:t>Bank or Government</a:t>
+                      </a:r>
+                    </a:p>
+                  </a:txBody>
+                  <a:tcPr/>
+                </a:tc>
+                <a:extLst>
+                  <a:ext uri="{0D108BD9-81ED-4DB2-BD59-A6C34878D82A}">
+                    <a16:rowId xmlns:a16="http://schemas.microsoft.com/office/drawing/2014/main" val="3278789829"/>
+                  </a:ext>
+                </a:extLst>
+              </a:tr>
+              <a:tr h="789812">
+                <a:tc>
+                  <a:txBody>
+                    <a:bodyPr/>
+                    <a:lstStyle/>
+                    <a:p>
+                      <a:r>
+                        <a:rPr lang="en-US" dirty="0"/>
+                        <a:t>Credit Card</a:t>
+                      </a:r>
+                    </a:p>
+                  </a:txBody>
+                  <a:tcPr/>
+                </a:tc>
+                <a:tc>
+                  <a:txBody>
+                    <a:bodyPr/>
+                    <a:lstStyle/>
+                    <a:p>
+                      <a:r>
+                        <a:rPr lang="en-US" dirty="0"/>
+                        <a:t>Yes</a:t>
+                      </a:r>
+                    </a:p>
+                  </a:txBody>
+                  <a:tcPr/>
+                </a:tc>
+                <a:tc>
+                  <a:txBody>
+                    <a:bodyPr/>
+                    <a:lstStyle/>
+                    <a:p>
+                      <a:r>
+                        <a:rPr lang="en-US" dirty="0"/>
+                        <a:t>No</a:t>
+                      </a:r>
+                    </a:p>
+                  </a:txBody>
+                  <a:tcPr/>
+                </a:tc>
+                <a:tc>
+                  <a:txBody>
+                    <a:bodyPr/>
+                    <a:lstStyle/>
+                    <a:p>
+                      <a:r>
+                        <a:rPr lang="en-US" dirty="0"/>
+                        <a:t>No</a:t>
+                      </a:r>
+                    </a:p>
+                  </a:txBody>
+                  <a:tcPr/>
+                </a:tc>
+                <a:tc>
+                  <a:txBody>
+                    <a:bodyPr/>
+                    <a:lstStyle/>
+                    <a:p>
+                      <a:r>
+                        <a:rPr lang="en-US" dirty="0"/>
+                        <a:t>Yes</a:t>
+                      </a:r>
+                    </a:p>
+                  </a:txBody>
+                  <a:tcPr/>
+                </a:tc>
+                <a:tc>
+                  <a:txBody>
+                    <a:bodyPr/>
+                    <a:lstStyle/>
+                    <a:p>
+                      <a:r>
+                        <a:rPr lang="en-US" dirty="0"/>
+                        <a:t>Yes</a:t>
+                      </a:r>
+                    </a:p>
+                  </a:txBody>
+                  <a:tcPr/>
+                </a:tc>
+                <a:tc>
+                  <a:txBody>
+                    <a:bodyPr/>
+                    <a:lstStyle/>
+                    <a:p>
+                      <a:r>
+                        <a:rPr lang="en-US" dirty="0"/>
+                        <a:t>CC Network (Visa, etc.)</a:t>
+                      </a:r>
+                    </a:p>
+                  </a:txBody>
+                  <a:tcPr/>
+                </a:tc>
+                <a:extLst>
+                  <a:ext uri="{0D108BD9-81ED-4DB2-BD59-A6C34878D82A}">
+                    <a16:rowId xmlns:a16="http://schemas.microsoft.com/office/drawing/2014/main" val="3489667260"/>
+                  </a:ext>
+                </a:extLst>
+              </a:tr>
+              <a:tr h="591894">
+                <a:tc>
+                  <a:txBody>
+                    <a:bodyPr/>
+                    <a:lstStyle/>
+                    <a:p>
+                      <a:r>
+                        <a:rPr lang="en-US" dirty="0"/>
+                        <a:t>Crypto Currency</a:t>
+                      </a:r>
+                    </a:p>
+                  </a:txBody>
+                  <a:tcPr/>
+                </a:tc>
+                <a:tc>
+                  <a:txBody>
+                    <a:bodyPr/>
+                    <a:lstStyle/>
+                    <a:p>
+                      <a:r>
+                        <a:rPr lang="en-US" dirty="0"/>
+                        <a:t>Yes</a:t>
+                      </a:r>
+                    </a:p>
+                  </a:txBody>
+                  <a:tcPr/>
+                </a:tc>
+                <a:tc>
+                  <a:txBody>
+                    <a:bodyPr/>
+                    <a:lstStyle/>
+                    <a:p>
+                      <a:r>
+                        <a:rPr lang="en-US" dirty="0"/>
+                        <a:t>No</a:t>
+                      </a:r>
+                    </a:p>
+                  </a:txBody>
+                  <a:tcPr/>
+                </a:tc>
+                <a:tc>
+                  <a:txBody>
+                    <a:bodyPr/>
+                    <a:lstStyle/>
+                    <a:p>
+                      <a:r>
+                        <a:rPr lang="en-US" dirty="0"/>
+                        <a:t>Yes</a:t>
+                      </a:r>
+                    </a:p>
+                  </a:txBody>
+                  <a:tcPr/>
+                </a:tc>
+                <a:tc>
+                  <a:txBody>
+                    <a:bodyPr/>
+                    <a:lstStyle/>
+                    <a:p>
+                      <a:r>
+                        <a:rPr lang="en-US" dirty="0"/>
+                        <a:t>Yes</a:t>
+                      </a:r>
+                    </a:p>
+                  </a:txBody>
+                  <a:tcPr/>
+                </a:tc>
+                <a:tc>
+                  <a:txBody>
+                    <a:bodyPr/>
+                    <a:lstStyle/>
+                    <a:p>
+                      <a:r>
+                        <a:rPr lang="en-US" dirty="0"/>
+                        <a:t>Yes</a:t>
+                      </a:r>
+                    </a:p>
+                  </a:txBody>
+                  <a:tcPr/>
+                </a:tc>
+                <a:tc>
+                  <a:txBody>
+                    <a:bodyPr/>
+                    <a:lstStyle/>
+                    <a:p>
+                      <a:r>
+                        <a:rPr lang="en-US" dirty="0"/>
+                        <a:t>Block Chain</a:t>
+                      </a:r>
+                    </a:p>
+                  </a:txBody>
+                  <a:tcPr/>
+                </a:tc>
+                <a:extLst>
+                  <a:ext uri="{0D108BD9-81ED-4DB2-BD59-A6C34878D82A}">
+                    <a16:rowId xmlns:a16="http://schemas.microsoft.com/office/drawing/2014/main" val="4110294672"/>
+                  </a:ext>
+                </a:extLst>
+              </a:tr>
+            </a:tbl>
+          </a:graphicData>
+        </a:graphic>
+      </p:graphicFrame>
+      <p:sp>
+        <p:nvSpPr>
+          <p:cNvPr id="3" name="Rectangle: Rounded Corners 2">
+            <a:extLst>
+              <a:ext uri="{FF2B5EF4-FFF2-40B4-BE49-F238E27FC236}">
+                <a16:creationId xmlns:a16="http://schemas.microsoft.com/office/drawing/2014/main" id="{818DFE22-68E5-4CCB-BFF0-85C0C85E1F58}"/>
+              </a:ext>
+            </a:extLst>
+          </p:cNvPr>
+          <p:cNvSpPr/>
+          <p:nvPr/>
+        </p:nvSpPr>
+        <p:spPr>
+          <a:xfrm>
+            <a:off x="6235227" y="3980043"/>
+            <a:ext cx="749561" cy="1266987"/>
+          </a:xfrm>
+          <a:prstGeom prst="roundRect">
+            <a:avLst/>
+          </a:prstGeom>
+          <a:noFill/>
+          <a:ln w="28575"/>
+        </p:spPr>
+        <p:style>
+          <a:lnRef idx="2">
+            <a:schemeClr val="accent6"/>
+          </a:lnRef>
+          <a:fillRef idx="1">
+            <a:schemeClr val="lt1"/>
+          </a:fillRef>
+          <a:effectRef idx="0">
+            <a:schemeClr val="accent6"/>
+          </a:effectRef>
+          <a:fontRef idx="minor">
+            <a:schemeClr val="dk1"/>
+          </a:fontRef>
+        </p:style>
+        <p:txBody>
+          <a:bodyPr rtlCol="0" anchor="ctr"/>
+          <a:lstStyle/>
+          <a:p>
+            <a:pPr algn="ctr"/>
+            <a:endParaRPr lang="en-US"/>
+          </a:p>
+        </p:txBody>
+      </p:sp>
+      <p:grpSp>
+        <p:nvGrpSpPr>
+          <p:cNvPr id="44" name="Group 43">
+            <a:extLst>
+              <a:ext uri="{FF2B5EF4-FFF2-40B4-BE49-F238E27FC236}">
+                <a16:creationId xmlns:a16="http://schemas.microsoft.com/office/drawing/2014/main" id="{23BE467E-8FC4-40F6-9680-BB1C7E007434}"/>
+              </a:ext>
+            </a:extLst>
+          </p:cNvPr>
+          <p:cNvGrpSpPr/>
+          <p:nvPr/>
+        </p:nvGrpSpPr>
+        <p:grpSpPr>
+          <a:xfrm>
+            <a:off x="0" y="0"/>
+            <a:ext cx="1994851" cy="6868174"/>
+            <a:chOff x="0" y="0"/>
+            <a:chExt cx="2459736" cy="8468750"/>
+          </a:xfrm>
+        </p:grpSpPr>
+        <p:pic>
+          <p:nvPicPr>
+            <p:cNvPr id="28" name="Picture 27" descr="A close up of a plant&#10;&#10;Description automatically generated">
+              <a:extLst>
+                <a:ext uri="{FF2B5EF4-FFF2-40B4-BE49-F238E27FC236}">
+                  <a16:creationId xmlns:a16="http://schemas.microsoft.com/office/drawing/2014/main" id="{5F5E9CE3-85BA-4196-886E-E4D46D4AB66E}"/>
+                </a:ext>
+              </a:extLst>
+            </p:cNvPr>
+            <p:cNvPicPr>
+              <a:picLocks noChangeAspect="1"/>
+            </p:cNvPicPr>
+            <p:nvPr/>
+          </p:nvPicPr>
+          <p:blipFill>
+            <a:blip r:embed="rId2">
+              <a:extLst>
+                <a:ext uri="{28A0092B-C50C-407E-A947-70E740481C1C}">
+                  <a14:useLocalDpi xmlns:a14="http://schemas.microsoft.com/office/drawing/2010/main" val="0"/>
+                </a:ext>
+              </a:extLst>
+            </a:blip>
+            <a:stretch>
+              <a:fillRect/>
+            </a:stretch>
+          </p:blipFill>
+          <p:spPr>
+            <a:xfrm>
+              <a:off x="0" y="0"/>
+              <a:ext cx="2459736" cy="1637262"/>
+            </a:xfrm>
+            <a:prstGeom prst="rect">
+              <a:avLst/>
+            </a:prstGeom>
+          </p:spPr>
+        </p:pic>
+        <p:pic>
+          <p:nvPicPr>
+            <p:cNvPr id="32" name="Picture 31" descr="The roof of a building&#10;&#10;Description automatically generated">
+              <a:extLst>
+                <a:ext uri="{FF2B5EF4-FFF2-40B4-BE49-F238E27FC236}">
+                  <a16:creationId xmlns:a16="http://schemas.microsoft.com/office/drawing/2014/main" id="{D20216B7-CA0F-4194-A09A-E0AC1BE28915}"/>
+                </a:ext>
+              </a:extLst>
+            </p:cNvPr>
+            <p:cNvPicPr>
+              <a:picLocks noChangeAspect="1"/>
+            </p:cNvPicPr>
+            <p:nvPr/>
+          </p:nvPicPr>
+          <p:blipFill>
+            <a:blip r:embed="rId3">
+              <a:extLst>
+                <a:ext uri="{28A0092B-C50C-407E-A947-70E740481C1C}">
+                  <a14:useLocalDpi xmlns:a14="http://schemas.microsoft.com/office/drawing/2010/main" val="0"/>
+                </a:ext>
+              </a:extLst>
+            </a:blip>
+            <a:stretch>
+              <a:fillRect/>
+            </a:stretch>
+          </p:blipFill>
+          <p:spPr>
+            <a:xfrm>
+              <a:off x="0" y="1639592"/>
+              <a:ext cx="2459736" cy="1633418"/>
+            </a:xfrm>
+            <a:prstGeom prst="rect">
+              <a:avLst/>
+            </a:prstGeom>
+          </p:spPr>
+        </p:pic>
+        <p:pic>
+          <p:nvPicPr>
+            <p:cNvPr id="35" name="Picture 34" descr="A picture containing calendar&#10;&#10;Description automatically generated">
+              <a:extLst>
+                <a:ext uri="{FF2B5EF4-FFF2-40B4-BE49-F238E27FC236}">
+                  <a16:creationId xmlns:a16="http://schemas.microsoft.com/office/drawing/2014/main" id="{0B1C2CDC-CF4A-47EA-B3A8-D2BF5E36A89D}"/>
+                </a:ext>
+              </a:extLst>
+            </p:cNvPr>
+            <p:cNvPicPr>
+              <a:picLocks noChangeAspect="1"/>
+            </p:cNvPicPr>
+            <p:nvPr/>
+          </p:nvPicPr>
+          <p:blipFill>
+            <a:blip r:embed="rId4">
+              <a:extLst>
+                <a:ext uri="{28A0092B-C50C-407E-A947-70E740481C1C}">
+                  <a14:useLocalDpi xmlns:a14="http://schemas.microsoft.com/office/drawing/2010/main" val="0"/>
+                </a:ext>
+              </a:extLst>
+            </a:blip>
+            <a:stretch>
+              <a:fillRect/>
+            </a:stretch>
+          </p:blipFill>
+          <p:spPr>
+            <a:xfrm>
+              <a:off x="0" y="3275335"/>
+              <a:ext cx="2459736" cy="1737189"/>
+            </a:xfrm>
+            <a:prstGeom prst="rect">
+              <a:avLst/>
+            </a:prstGeom>
+          </p:spPr>
+        </p:pic>
+        <p:pic>
+          <p:nvPicPr>
+            <p:cNvPr id="38" name="Picture 37" descr="A picture containing letter&#10;&#10;Description automatically generated">
+              <a:extLst>
+                <a:ext uri="{FF2B5EF4-FFF2-40B4-BE49-F238E27FC236}">
+                  <a16:creationId xmlns:a16="http://schemas.microsoft.com/office/drawing/2014/main" id="{031CEFEF-BF69-4F5C-91A2-60F0A46FBE80}"/>
+                </a:ext>
+              </a:extLst>
+            </p:cNvPr>
+            <p:cNvPicPr>
+              <a:picLocks noChangeAspect="1"/>
+            </p:cNvPicPr>
+            <p:nvPr/>
+          </p:nvPicPr>
+          <p:blipFill>
+            <a:blip r:embed="rId5">
+              <a:extLst>
+                <a:ext uri="{28A0092B-C50C-407E-A947-70E740481C1C}">
+                  <a14:useLocalDpi xmlns:a14="http://schemas.microsoft.com/office/drawing/2010/main" val="0"/>
+                </a:ext>
+              </a:extLst>
+            </a:blip>
+            <a:stretch>
+              <a:fillRect/>
+            </a:stretch>
+          </p:blipFill>
+          <p:spPr>
+            <a:xfrm>
+              <a:off x="0" y="4999222"/>
+              <a:ext cx="2459736" cy="1637261"/>
+            </a:xfrm>
+            <a:prstGeom prst="rect">
+              <a:avLst/>
+            </a:prstGeom>
+          </p:spPr>
+        </p:pic>
+        <p:pic>
+          <p:nvPicPr>
+            <p:cNvPr id="42" name="Picture 41" descr="A picture containing table, glass, sitting, clock&#10;&#10;Description automatically generated">
+              <a:extLst>
+                <a:ext uri="{FF2B5EF4-FFF2-40B4-BE49-F238E27FC236}">
+                  <a16:creationId xmlns:a16="http://schemas.microsoft.com/office/drawing/2014/main" id="{A01624F0-3A11-4557-B26E-D74294486A5A}"/>
+                </a:ext>
+              </a:extLst>
+            </p:cNvPr>
+            <p:cNvPicPr>
+              <a:picLocks noChangeAspect="1"/>
+            </p:cNvPicPr>
+            <p:nvPr/>
+          </p:nvPicPr>
+          <p:blipFill>
+            <a:blip r:embed="rId6">
+              <a:extLst>
+                <a:ext uri="{28A0092B-C50C-407E-A947-70E740481C1C}">
+                  <a14:useLocalDpi xmlns:a14="http://schemas.microsoft.com/office/drawing/2010/main" val="0"/>
+                </a:ext>
+              </a:extLst>
+            </a:blip>
+            <a:stretch>
+              <a:fillRect/>
+            </a:stretch>
+          </p:blipFill>
+          <p:spPr>
+            <a:xfrm>
+              <a:off x="0" y="6623947"/>
+              <a:ext cx="2459736" cy="1844803"/>
+            </a:xfrm>
+            <a:prstGeom prst="rect">
+              <a:avLst/>
+            </a:prstGeom>
+          </p:spPr>
+        </p:pic>
+      </p:grpSp>
+    </p:spTree>
+    <p:extLst>
+      <p:ext uri="{BB962C8B-B14F-4D97-AF65-F5344CB8AC3E}">
+        <p14:creationId xmlns:p14="http://schemas.microsoft.com/office/powerpoint/2010/main" val="2627520533"/>
       </p:ext>
     </p:extLst>
   </p:cSld>
